--- a/CICD Process.pptx
+++ b/CICD Process.pptx
@@ -5,7 +5,7 @@
     <p:sldMasterId id="2147483648" r:id="rId1"/>
   </p:sldMasterIdLst>
   <p:notesMasterIdLst>
-    <p:notesMasterId r:id="rId27"/>
+    <p:notesMasterId r:id="rId31"/>
   </p:notesMasterIdLst>
   <p:sldIdLst>
     <p:sldId id="256" r:id="rId2"/>
@@ -26,13 +26,17 @@
     <p:sldId id="263" r:id="rId17"/>
     <p:sldId id="257" r:id="rId18"/>
     <p:sldId id="261" r:id="rId19"/>
-    <p:sldId id="265" r:id="rId20"/>
-    <p:sldId id="266" r:id="rId21"/>
-    <p:sldId id="267" r:id="rId22"/>
-    <p:sldId id="268" r:id="rId23"/>
-    <p:sldId id="258" r:id="rId24"/>
-    <p:sldId id="259" r:id="rId25"/>
-    <p:sldId id="260" r:id="rId26"/>
+    <p:sldId id="289" r:id="rId20"/>
+    <p:sldId id="265" r:id="rId21"/>
+    <p:sldId id="266" r:id="rId22"/>
+    <p:sldId id="267" r:id="rId23"/>
+    <p:sldId id="268" r:id="rId24"/>
+    <p:sldId id="258" r:id="rId25"/>
+    <p:sldId id="259" r:id="rId26"/>
+    <p:sldId id="286" r:id="rId27"/>
+    <p:sldId id="287" r:id="rId28"/>
+    <p:sldId id="288" r:id="rId29"/>
+    <p:sldId id="260" r:id="rId30"/>
   </p:sldIdLst>
   <p:sldSz cx="10080625" cy="6858000"/>
   <p:notesSz cx="6858000" cy="9144000"/>
@@ -1649,7 +1653,7 @@
     </p:spTree>
     <p:extLst>
       <p:ext uri="{BB962C8B-B14F-4D97-AF65-F5344CB8AC3E}">
-        <p14:creationId xmlns:p14="http://schemas.microsoft.com/office/powerpoint/2010/main" val="4268424809"/>
+        <p14:creationId xmlns:p14="http://schemas.microsoft.com/office/powerpoint/2010/main" val="1820164480"/>
       </p:ext>
     </p:extLst>
   </p:cSld>
@@ -1849,7 +1853,7 @@
     </p:spTree>
     <p:extLst>
       <p:ext uri="{BB962C8B-B14F-4D97-AF65-F5344CB8AC3E}">
-        <p14:creationId xmlns:p14="http://schemas.microsoft.com/office/powerpoint/2010/main" val="843963905"/>
+        <p14:creationId xmlns:p14="http://schemas.microsoft.com/office/powerpoint/2010/main" val="4268424809"/>
       </p:ext>
     </p:extLst>
   </p:cSld>
@@ -1949,7 +1953,7 @@
     </p:spTree>
     <p:extLst>
       <p:ext uri="{BB962C8B-B14F-4D97-AF65-F5344CB8AC3E}">
-        <p14:creationId xmlns:p14="http://schemas.microsoft.com/office/powerpoint/2010/main" val="2537587285"/>
+        <p14:creationId xmlns:p14="http://schemas.microsoft.com/office/powerpoint/2010/main" val="843963905"/>
       </p:ext>
     </p:extLst>
   </p:cSld>
@@ -2049,7 +2053,7 @@
     </p:spTree>
     <p:extLst>
       <p:ext uri="{BB962C8B-B14F-4D97-AF65-F5344CB8AC3E}">
-        <p14:creationId xmlns:p14="http://schemas.microsoft.com/office/powerpoint/2010/main" val="1273972677"/>
+        <p14:creationId xmlns:p14="http://schemas.microsoft.com/office/powerpoint/2010/main" val="2537587285"/>
       </p:ext>
     </p:extLst>
   </p:cSld>
@@ -2078,7 +2082,7 @@
       </p:grpSpPr>
       <p:sp>
         <p:nvSpPr>
-          <p:cNvPr id="128" name="PlaceHolder 1"/>
+          <p:cNvPr id="126" name="PlaceHolder 1"/>
           <p:cNvSpPr>
             <a:spLocks noGrp="1" noRot="1" noChangeAspect="1"/>
           </p:cNvSpPr>
@@ -2101,7 +2105,7 @@
       </p:sp>
       <p:sp>
         <p:nvSpPr>
-          <p:cNvPr id="129" name="PlaceHolder 2"/>
+          <p:cNvPr id="127" name="PlaceHolder 2"/>
           <p:cNvSpPr>
             <a:spLocks noGrp="1"/>
           </p:cNvSpPr>
@@ -2147,6 +2151,11 @@
         </p:txBody>
       </p:sp>
     </p:spTree>
+    <p:extLst>
+      <p:ext uri="{BB962C8B-B14F-4D97-AF65-F5344CB8AC3E}">
+        <p14:creationId xmlns:p14="http://schemas.microsoft.com/office/powerpoint/2010/main" val="1273972677"/>
+      </p:ext>
+    </p:extLst>
   </p:cSld>
   <p:clrMapOvr>
     <a:masterClrMapping/>
@@ -2173,7 +2182,7 @@
       </p:grpSpPr>
       <p:sp>
         <p:nvSpPr>
-          <p:cNvPr id="130" name="PlaceHolder 1"/>
+          <p:cNvPr id="128" name="PlaceHolder 1"/>
           <p:cNvSpPr>
             <a:spLocks noGrp="1" noRot="1" noChangeAspect="1"/>
           </p:cNvSpPr>
@@ -2196,7 +2205,7 @@
       </p:sp>
       <p:sp>
         <p:nvSpPr>
-          <p:cNvPr id="131" name="PlaceHolder 2"/>
+          <p:cNvPr id="129" name="PlaceHolder 2"/>
           <p:cNvSpPr>
             <a:spLocks noGrp="1"/>
           </p:cNvSpPr>
@@ -2268,6 +2277,401 @@
       </p:grpSpPr>
       <p:sp>
         <p:nvSpPr>
+          <p:cNvPr id="130" name="PlaceHolder 1"/>
+          <p:cNvSpPr>
+            <a:spLocks noGrp="1" noRot="1" noChangeAspect="1"/>
+          </p:cNvSpPr>
+          <p:nvPr>
+            <p:ph type="sldImg"/>
+          </p:nvPr>
+        </p:nvSpPr>
+        <p:spPr>
+          <a:xfrm>
+            <a:off x="909638" y="685800"/>
+            <a:ext cx="5037137" cy="3427413"/>
+          </a:xfrm>
+          <a:prstGeom prst="rect">
+            <a:avLst/>
+          </a:prstGeom>
+          <a:ln w="0">
+            <a:noFill/>
+          </a:ln>
+        </p:spPr>
+      </p:sp>
+      <p:sp>
+        <p:nvSpPr>
+          <p:cNvPr id="131" name="PlaceHolder 2"/>
+          <p:cNvSpPr>
+            <a:spLocks noGrp="1"/>
+          </p:cNvSpPr>
+          <p:nvPr>
+            <p:ph type="body"/>
+          </p:nvPr>
+        </p:nvSpPr>
+        <p:spPr>
+          <a:xfrm>
+            <a:off x="685800" y="4343400"/>
+            <a:ext cx="5484240" cy="4112640"/>
+          </a:xfrm>
+          <a:prstGeom prst="rect">
+            <a:avLst/>
+          </a:prstGeom>
+          <a:noFill/>
+          <a:ln w="0">
+            <a:noFill/>
+          </a:ln>
+        </p:spPr>
+        <p:txBody>
+          <a:bodyPr lIns="91440" tIns="91440" rIns="91440" bIns="91440" anchor="t">
+            <a:noAutofit/>
+          </a:bodyPr>
+          <a:lstStyle/>
+          <a:p>
+            <a:pPr marL="216000" indent="0">
+              <a:lnSpc>
+                <a:spcPct val="100000"/>
+              </a:lnSpc>
+              <a:buNone/>
+              <a:tabLst>
+                <a:tab pos="0" algn="l"/>
+              </a:tabLst>
+            </a:pPr>
+            <a:endParaRPr lang="en-US" sz="2000" b="0" strike="noStrike" spc="-1" dirty="0">
+              <a:solidFill>
+                <a:srgbClr val="000000"/>
+              </a:solidFill>
+              <a:latin typeface="Arial"/>
+            </a:endParaRPr>
+          </a:p>
+        </p:txBody>
+      </p:sp>
+    </p:spTree>
+  </p:cSld>
+  <p:clrMapOvr>
+    <a:masterClrMapping/>
+  </p:clrMapOvr>
+</p:notes>
+</file>
+
+<file path=ppt/notesSlides/notesSlide26.xml><?xml version="1.0" encoding="utf-8"?>
+<p:notes xmlns:a="http://schemas.openxmlformats.org/drawingml/2006/main" xmlns:r="http://schemas.openxmlformats.org/officeDocument/2006/relationships" xmlns:p="http://schemas.openxmlformats.org/presentationml/2006/main">
+  <p:cSld>
+    <p:spTree>
+      <p:nvGrpSpPr>
+        <p:cNvPr id="1" name=""/>
+        <p:cNvGrpSpPr/>
+        <p:nvPr/>
+      </p:nvGrpSpPr>
+      <p:grpSpPr>
+        <a:xfrm>
+          <a:off x="0" y="0"/>
+          <a:ext cx="0" cy="0"/>
+          <a:chOff x="0" y="0"/>
+          <a:chExt cx="0" cy="0"/>
+        </a:xfrm>
+      </p:grpSpPr>
+      <p:sp>
+        <p:nvSpPr>
+          <p:cNvPr id="130" name="PlaceHolder 1"/>
+          <p:cNvSpPr>
+            <a:spLocks noGrp="1" noRot="1" noChangeAspect="1"/>
+          </p:cNvSpPr>
+          <p:nvPr>
+            <p:ph type="sldImg"/>
+          </p:nvPr>
+        </p:nvSpPr>
+        <p:spPr>
+          <a:xfrm>
+            <a:off x="909638" y="685800"/>
+            <a:ext cx="5037137" cy="3427413"/>
+          </a:xfrm>
+          <a:prstGeom prst="rect">
+            <a:avLst/>
+          </a:prstGeom>
+          <a:ln w="0">
+            <a:noFill/>
+          </a:ln>
+        </p:spPr>
+      </p:sp>
+      <p:sp>
+        <p:nvSpPr>
+          <p:cNvPr id="131" name="PlaceHolder 2"/>
+          <p:cNvSpPr>
+            <a:spLocks noGrp="1"/>
+          </p:cNvSpPr>
+          <p:nvPr>
+            <p:ph type="body"/>
+          </p:nvPr>
+        </p:nvSpPr>
+        <p:spPr>
+          <a:xfrm>
+            <a:off x="685800" y="4343400"/>
+            <a:ext cx="5484240" cy="4112640"/>
+          </a:xfrm>
+          <a:prstGeom prst="rect">
+            <a:avLst/>
+          </a:prstGeom>
+          <a:noFill/>
+          <a:ln w="0">
+            <a:noFill/>
+          </a:ln>
+        </p:spPr>
+        <p:txBody>
+          <a:bodyPr lIns="91440" tIns="91440" rIns="91440" bIns="91440" anchor="t">
+            <a:noAutofit/>
+          </a:bodyPr>
+          <a:lstStyle/>
+          <a:p>
+            <a:pPr marL="216000" indent="0">
+              <a:lnSpc>
+                <a:spcPct val="100000"/>
+              </a:lnSpc>
+              <a:buNone/>
+              <a:tabLst>
+                <a:tab pos="0" algn="l"/>
+              </a:tabLst>
+            </a:pPr>
+            <a:endParaRPr lang="en-US" sz="2000" b="0" strike="noStrike" spc="-1" dirty="0">
+              <a:solidFill>
+                <a:srgbClr val="000000"/>
+              </a:solidFill>
+              <a:latin typeface="Arial"/>
+            </a:endParaRPr>
+          </a:p>
+        </p:txBody>
+      </p:sp>
+    </p:spTree>
+    <p:extLst>
+      <p:ext uri="{BB962C8B-B14F-4D97-AF65-F5344CB8AC3E}">
+        <p14:creationId xmlns:p14="http://schemas.microsoft.com/office/powerpoint/2010/main" val="3751427463"/>
+      </p:ext>
+    </p:extLst>
+  </p:cSld>
+  <p:clrMapOvr>
+    <a:masterClrMapping/>
+  </p:clrMapOvr>
+</p:notes>
+</file>
+
+<file path=ppt/notesSlides/notesSlide27.xml><?xml version="1.0" encoding="utf-8"?>
+<p:notes xmlns:a="http://schemas.openxmlformats.org/drawingml/2006/main" xmlns:r="http://schemas.openxmlformats.org/officeDocument/2006/relationships" xmlns:p="http://schemas.openxmlformats.org/presentationml/2006/main">
+  <p:cSld>
+    <p:spTree>
+      <p:nvGrpSpPr>
+        <p:cNvPr id="1" name=""/>
+        <p:cNvGrpSpPr/>
+        <p:nvPr/>
+      </p:nvGrpSpPr>
+      <p:grpSpPr>
+        <a:xfrm>
+          <a:off x="0" y="0"/>
+          <a:ext cx="0" cy="0"/>
+          <a:chOff x="0" y="0"/>
+          <a:chExt cx="0" cy="0"/>
+        </a:xfrm>
+      </p:grpSpPr>
+      <p:sp>
+        <p:nvSpPr>
+          <p:cNvPr id="130" name="PlaceHolder 1"/>
+          <p:cNvSpPr>
+            <a:spLocks noGrp="1" noRot="1" noChangeAspect="1"/>
+          </p:cNvSpPr>
+          <p:nvPr>
+            <p:ph type="sldImg"/>
+          </p:nvPr>
+        </p:nvSpPr>
+        <p:spPr>
+          <a:xfrm>
+            <a:off x="909638" y="685800"/>
+            <a:ext cx="5037137" cy="3427413"/>
+          </a:xfrm>
+          <a:prstGeom prst="rect">
+            <a:avLst/>
+          </a:prstGeom>
+          <a:ln w="0">
+            <a:noFill/>
+          </a:ln>
+        </p:spPr>
+      </p:sp>
+      <p:sp>
+        <p:nvSpPr>
+          <p:cNvPr id="131" name="PlaceHolder 2"/>
+          <p:cNvSpPr>
+            <a:spLocks noGrp="1"/>
+          </p:cNvSpPr>
+          <p:nvPr>
+            <p:ph type="body"/>
+          </p:nvPr>
+        </p:nvSpPr>
+        <p:spPr>
+          <a:xfrm>
+            <a:off x="685800" y="4343400"/>
+            <a:ext cx="5484240" cy="4112640"/>
+          </a:xfrm>
+          <a:prstGeom prst="rect">
+            <a:avLst/>
+          </a:prstGeom>
+          <a:noFill/>
+          <a:ln w="0">
+            <a:noFill/>
+          </a:ln>
+        </p:spPr>
+        <p:txBody>
+          <a:bodyPr lIns="91440" tIns="91440" rIns="91440" bIns="91440" anchor="t">
+            <a:noAutofit/>
+          </a:bodyPr>
+          <a:lstStyle/>
+          <a:p>
+            <a:pPr marL="216000" indent="0">
+              <a:lnSpc>
+                <a:spcPct val="100000"/>
+              </a:lnSpc>
+              <a:buNone/>
+              <a:tabLst>
+                <a:tab pos="0" algn="l"/>
+              </a:tabLst>
+            </a:pPr>
+            <a:endParaRPr lang="en-US" sz="2000" b="0" strike="noStrike" spc="-1" dirty="0">
+              <a:solidFill>
+                <a:srgbClr val="000000"/>
+              </a:solidFill>
+              <a:latin typeface="Arial"/>
+            </a:endParaRPr>
+          </a:p>
+        </p:txBody>
+      </p:sp>
+    </p:spTree>
+    <p:extLst>
+      <p:ext uri="{BB962C8B-B14F-4D97-AF65-F5344CB8AC3E}">
+        <p14:creationId xmlns:p14="http://schemas.microsoft.com/office/powerpoint/2010/main" val="3383089533"/>
+      </p:ext>
+    </p:extLst>
+  </p:cSld>
+  <p:clrMapOvr>
+    <a:masterClrMapping/>
+  </p:clrMapOvr>
+</p:notes>
+</file>
+
+<file path=ppt/notesSlides/notesSlide28.xml><?xml version="1.0" encoding="utf-8"?>
+<p:notes xmlns:a="http://schemas.openxmlformats.org/drawingml/2006/main" xmlns:r="http://schemas.openxmlformats.org/officeDocument/2006/relationships" xmlns:p="http://schemas.openxmlformats.org/presentationml/2006/main">
+  <p:cSld>
+    <p:spTree>
+      <p:nvGrpSpPr>
+        <p:cNvPr id="1" name=""/>
+        <p:cNvGrpSpPr/>
+        <p:nvPr/>
+      </p:nvGrpSpPr>
+      <p:grpSpPr>
+        <a:xfrm>
+          <a:off x="0" y="0"/>
+          <a:ext cx="0" cy="0"/>
+          <a:chOff x="0" y="0"/>
+          <a:chExt cx="0" cy="0"/>
+        </a:xfrm>
+      </p:grpSpPr>
+      <p:sp>
+        <p:nvSpPr>
+          <p:cNvPr id="130" name="PlaceHolder 1"/>
+          <p:cNvSpPr>
+            <a:spLocks noGrp="1" noRot="1" noChangeAspect="1"/>
+          </p:cNvSpPr>
+          <p:nvPr>
+            <p:ph type="sldImg"/>
+          </p:nvPr>
+        </p:nvSpPr>
+        <p:spPr>
+          <a:xfrm>
+            <a:off x="909638" y="685800"/>
+            <a:ext cx="5037137" cy="3427413"/>
+          </a:xfrm>
+          <a:prstGeom prst="rect">
+            <a:avLst/>
+          </a:prstGeom>
+          <a:ln w="0">
+            <a:noFill/>
+          </a:ln>
+        </p:spPr>
+      </p:sp>
+      <p:sp>
+        <p:nvSpPr>
+          <p:cNvPr id="131" name="PlaceHolder 2"/>
+          <p:cNvSpPr>
+            <a:spLocks noGrp="1"/>
+          </p:cNvSpPr>
+          <p:nvPr>
+            <p:ph type="body"/>
+          </p:nvPr>
+        </p:nvSpPr>
+        <p:spPr>
+          <a:xfrm>
+            <a:off x="685800" y="4343400"/>
+            <a:ext cx="5484240" cy="4112640"/>
+          </a:xfrm>
+          <a:prstGeom prst="rect">
+            <a:avLst/>
+          </a:prstGeom>
+          <a:noFill/>
+          <a:ln w="0">
+            <a:noFill/>
+          </a:ln>
+        </p:spPr>
+        <p:txBody>
+          <a:bodyPr lIns="91440" tIns="91440" rIns="91440" bIns="91440" anchor="t">
+            <a:noAutofit/>
+          </a:bodyPr>
+          <a:lstStyle/>
+          <a:p>
+            <a:pPr marL="216000" indent="0">
+              <a:lnSpc>
+                <a:spcPct val="100000"/>
+              </a:lnSpc>
+              <a:buNone/>
+              <a:tabLst>
+                <a:tab pos="0" algn="l"/>
+              </a:tabLst>
+            </a:pPr>
+            <a:endParaRPr lang="en-US" sz="2000" b="0" strike="noStrike" spc="-1" dirty="0">
+              <a:solidFill>
+                <a:srgbClr val="000000"/>
+              </a:solidFill>
+              <a:latin typeface="Arial"/>
+            </a:endParaRPr>
+          </a:p>
+        </p:txBody>
+      </p:sp>
+    </p:spTree>
+    <p:extLst>
+      <p:ext uri="{BB962C8B-B14F-4D97-AF65-F5344CB8AC3E}">
+        <p14:creationId xmlns:p14="http://schemas.microsoft.com/office/powerpoint/2010/main" val="3379353514"/>
+      </p:ext>
+    </p:extLst>
+  </p:cSld>
+  <p:clrMapOvr>
+    <a:masterClrMapping/>
+  </p:clrMapOvr>
+</p:notes>
+</file>
+
+<file path=ppt/notesSlides/notesSlide29.xml><?xml version="1.0" encoding="utf-8"?>
+<p:notes xmlns:a="http://schemas.openxmlformats.org/drawingml/2006/main" xmlns:r="http://schemas.openxmlformats.org/officeDocument/2006/relationships" xmlns:p="http://schemas.openxmlformats.org/presentationml/2006/main">
+  <p:cSld>
+    <p:spTree>
+      <p:nvGrpSpPr>
+        <p:cNvPr id="1" name=""/>
+        <p:cNvGrpSpPr/>
+        <p:nvPr/>
+      </p:nvGrpSpPr>
+      <p:grpSpPr>
+        <a:xfrm>
+          <a:off x="0" y="0"/>
+          <a:ext cx="0" cy="0"/>
+          <a:chOff x="0" y="0"/>
+          <a:chExt cx="0" cy="0"/>
+        </a:xfrm>
+      </p:grpSpPr>
+      <p:sp>
+        <p:nvSpPr>
           <p:cNvPr id="2" name="投影片圖像版面配置區 1"/>
           <p:cNvSpPr>
             <a:spLocks noGrp="1" noRot="1" noChangeAspect="1"/>
@@ -2322,7 +2726,7 @@
                 </a:solidFill>
                 <a:latin typeface="Times New Roman"/>
               </a:rPr>
-              <a:t>25</a:t>
+              <a:t>29</a:t>
             </a:fld>
             <a:endParaRPr lang="en-US" sz="1400" b="0" strike="noStrike" spc="-1">
               <a:solidFill>
@@ -7256,7 +7660,7 @@
     <mc:Choice Requires="p14">
       <p:transition spd="slow" p14:dur="2000"/>
     </mc:Choice>
-    <mc:Fallback xmlns:p15="http://schemas.microsoft.com/office/powerpoint/2012/main" xmlns="">
+    <mc:Fallback xmlns="" xmlns:p15="http://schemas.microsoft.com/office/powerpoint/2012/main">
       <p:transition spd="slow"/>
     </mc:Fallback>
   </mc:AlternateContent>
@@ -7407,7 +7811,7 @@
     <mc:Choice Requires="p14">
       <p:transition spd="slow" p14:dur="2000"/>
     </mc:Choice>
-    <mc:Fallback xmlns:p15="http://schemas.microsoft.com/office/powerpoint/2012/main" xmlns="">
+    <mc:Fallback xmlns="" xmlns:p15="http://schemas.microsoft.com/office/powerpoint/2012/main">
       <p:transition spd="slow"/>
     </mc:Fallback>
   </mc:AlternateContent>
@@ -7588,7 +7992,7 @@
     <mc:Choice Requires="p14">
       <p:transition spd="slow" p14:dur="2000"/>
     </mc:Choice>
-    <mc:Fallback xmlns:p15="http://schemas.microsoft.com/office/powerpoint/2012/main" xmlns="">
+    <mc:Fallback xmlns="" xmlns:p15="http://schemas.microsoft.com/office/powerpoint/2012/main">
       <p:transition spd="slow"/>
     </mc:Fallback>
   </mc:AlternateContent>
@@ -7999,7 +8403,7 @@
     <mc:Choice Requires="p14">
       <p:transition spd="slow" p14:dur="2000"/>
     </mc:Choice>
-    <mc:Fallback xmlns:p15="http://schemas.microsoft.com/office/powerpoint/2012/main" xmlns="">
+    <mc:Fallback xmlns="" xmlns:p15="http://schemas.microsoft.com/office/powerpoint/2012/main">
       <p:transition spd="slow"/>
     </mc:Fallback>
   </mc:AlternateContent>
@@ -8159,7 +8563,7 @@
     <mc:Choice Requires="p14">
       <p:transition spd="slow" p14:dur="2000"/>
     </mc:Choice>
-    <mc:Fallback xmlns:p15="http://schemas.microsoft.com/office/powerpoint/2012/main" xmlns="">
+    <mc:Fallback xmlns="" xmlns:p15="http://schemas.microsoft.com/office/powerpoint/2012/main">
       <p:transition spd="slow"/>
     </mc:Fallback>
   </mc:AlternateContent>
@@ -8736,7 +9140,7 @@
     <mc:Choice Requires="p14">
       <p:transition spd="slow" p14:dur="2000"/>
     </mc:Choice>
-    <mc:Fallback xmlns:p15="http://schemas.microsoft.com/office/powerpoint/2012/main" xmlns="">
+    <mc:Fallback xmlns="" xmlns:p15="http://schemas.microsoft.com/office/powerpoint/2012/main">
       <p:transition spd="slow"/>
     </mc:Fallback>
   </mc:AlternateContent>
@@ -8917,7 +9321,7 @@
     <mc:Choice Requires="p14">
       <p:transition spd="slow" p14:dur="2000"/>
     </mc:Choice>
-    <mc:Fallback xmlns:p15="http://schemas.microsoft.com/office/powerpoint/2012/main" xmlns="">
+    <mc:Fallback xmlns="" xmlns:p15="http://schemas.microsoft.com/office/powerpoint/2012/main">
       <p:transition spd="slow"/>
     </mc:Fallback>
   </mc:AlternateContent>
@@ -9098,7 +9502,7 @@
     <mc:Choice Requires="p14">
       <p:transition spd="slow" p14:dur="2000"/>
     </mc:Choice>
-    <mc:Fallback xmlns:p15="http://schemas.microsoft.com/office/powerpoint/2012/main" xmlns="">
+    <mc:Fallback xmlns="" xmlns:p15="http://schemas.microsoft.com/office/powerpoint/2012/main">
       <p:transition spd="slow"/>
     </mc:Fallback>
   </mc:AlternateContent>
@@ -9671,7 +10075,7 @@
     <mc:Choice Requires="p14">
       <p:transition spd="slow" p14:dur="2000"/>
     </mc:Choice>
-    <mc:Fallback xmlns:p15="http://schemas.microsoft.com/office/powerpoint/2012/main" xmlns="">
+    <mc:Fallback xmlns="" xmlns:p15="http://schemas.microsoft.com/office/powerpoint/2012/main">
       <p:transition spd="slow"/>
     </mc:Fallback>
   </mc:AlternateContent>
@@ -9822,7 +10226,7 @@
     <mc:Choice Requires="p14">
       <p:transition spd="slow" p14:dur="2000"/>
     </mc:Choice>
-    <mc:Fallback xmlns:p15="http://schemas.microsoft.com/office/powerpoint/2012/main" xmlns="">
+    <mc:Fallback xmlns="" xmlns:p15="http://schemas.microsoft.com/office/powerpoint/2012/main">
       <p:transition spd="slow"/>
     </mc:Fallback>
   </mc:AlternateContent>
@@ -9882,53 +10286,54 @@
           </a:bodyPr>
           <a:lstStyle/>
           <a:p>
-            <a:pPr algn="ctr">
+            <a:pPr indent="0" algn="ctr" defTabSz="914400">
               <a:lnSpc>
                 <a:spcPct val="100000"/>
               </a:lnSpc>
+              <a:buNone/>
               <a:tabLst>
                 <a:tab pos="0" algn="l"/>
               </a:tabLst>
             </a:pPr>
             <a:r>
-              <a:rPr lang="en-US" altLang="zh-TW" sz="3600" b="1" strike="noStrike" spc="-1" dirty="0" smtClean="0">
+              <a:rPr lang="en-US" sz="3600" b="1" strike="noStrike" spc="-1" dirty="0" err="1" smtClean="0">
                 <a:solidFill>
                   <a:srgbClr val="002060"/>
                 </a:solidFill>
                 <a:latin typeface="微軟正黑體"/>
                 <a:ea typeface="微軟正黑體"/>
               </a:rPr>
-              <a:t>Jenkins Folder </a:t>
-            </a:r>
-            <a:r>
-              <a:rPr lang="en-US" altLang="zh-TW" sz="3600" b="1" spc="-1" dirty="0">
+              <a:t>Gitlab</a:t>
+            </a:r>
+            <a:r>
+              <a:rPr lang="en-US" altLang="zh-TW" sz="3600" b="1" strike="noStrike" spc="-1" dirty="0" smtClean="0">
                 <a:solidFill>
                   <a:srgbClr val="002060"/>
                 </a:solidFill>
                 <a:latin typeface="微軟正黑體"/>
                 <a:ea typeface="微軟正黑體"/>
               </a:rPr>
-              <a:t>/ Item (</a:t>
-            </a:r>
-            <a:r>
-              <a:rPr lang="zh-TW" altLang="en-US" sz="3600" b="1" spc="-1" dirty="0">
+              <a:t> </a:t>
+            </a:r>
+            <a:r>
+              <a:rPr lang="en-US" altLang="zh-TW" sz="3600" b="1" strike="noStrike" spc="-1" dirty="0" smtClean="0">
                 <a:solidFill>
                   <a:srgbClr val="002060"/>
                 </a:solidFill>
                 <a:latin typeface="微軟正黑體"/>
                 <a:ea typeface="微軟正黑體"/>
               </a:rPr>
-              <a:t>一</a:t>
-            </a:r>
-            <a:r>
-              <a:rPr lang="en-US" altLang="zh-TW" sz="3600" b="1" spc="-1" dirty="0">
+              <a:t>Tag </a:t>
+            </a:r>
+            <a:r>
+              <a:rPr lang="zh-TW" altLang="en-US" sz="3600" b="1" strike="noStrike" spc="-1" dirty="0" smtClean="0">
                 <a:solidFill>
                   <a:srgbClr val="002060"/>
                 </a:solidFill>
                 <a:latin typeface="微軟正黑體"/>
                 <a:ea typeface="微軟正黑體"/>
               </a:rPr>
-              <a:t>)</a:t>
+              <a:t>命名規則</a:t>
             </a:r>
             <a:endParaRPr lang="en-US" sz="3600" b="1" strike="noStrike" spc="-1" dirty="0">
               <a:solidFill>
@@ -9939,38 +10344,9 @@
           </a:p>
         </p:txBody>
       </p:sp>
-      <p:pic>
-        <p:nvPicPr>
-          <p:cNvPr id="3" name="圖片 2"/>
-          <p:cNvPicPr>
-            <a:picLocks noChangeAspect="1"/>
-          </p:cNvPicPr>
-          <p:nvPr/>
-        </p:nvPicPr>
-        <p:blipFill>
-          <a:blip r:embed="rId3"/>
-          <a:stretch>
-            <a:fillRect/>
-          </a:stretch>
-        </p:blipFill>
-        <p:spPr>
-          <a:xfrm>
-            <a:off x="382748" y="1419517"/>
-            <a:ext cx="9179503" cy="4530144"/>
-          </a:xfrm>
-          <a:prstGeom prst="rect">
-            <a:avLst/>
-          </a:prstGeom>
-          <a:ln>
-            <a:solidFill>
-              <a:schemeClr val="accent1"/>
-            </a:solidFill>
-          </a:ln>
-        </p:spPr>
-      </p:pic>
-      <p:sp>
-        <p:nvSpPr>
-          <p:cNvPr id="5" name="PlaceHolder 1"/>
+      <p:sp>
+        <p:nvSpPr>
+          <p:cNvPr id="4" name="PlaceHolder 1"/>
           <p:cNvSpPr txBox="1">
             <a:spLocks/>
           </p:cNvSpPr>
@@ -9978,8 +10354,8 @@
         </p:nvSpPr>
         <p:spPr>
           <a:xfrm>
-            <a:off x="502820" y="795600"/>
-            <a:ext cx="9167653" cy="623917"/>
+            <a:off x="349554" y="1293091"/>
+            <a:ext cx="9869616" cy="3546764"/>
           </a:xfrm>
           <a:prstGeom prst="rect">
             <a:avLst/>
@@ -10021,6 +10397,33 @@
                 <a:tab pos="0" algn="l"/>
               </a:tabLst>
             </a:pPr>
+            <a:endParaRPr lang="en-US" altLang="zh-TW" sz="2400" spc="-1" dirty="0" smtClean="0">
+              <a:solidFill>
+                <a:srgbClr val="002060"/>
+              </a:solidFill>
+              <a:latin typeface="標楷體" panose="03000509000000000000" pitchFamily="65" charset="-120"/>
+              <a:ea typeface="標楷體" panose="03000509000000000000" pitchFamily="65" charset="-120"/>
+            </a:endParaRPr>
+          </a:p>
+          <a:p>
+            <a:pPr>
+              <a:lnSpc>
+                <a:spcPct val="100000"/>
+              </a:lnSpc>
+              <a:tabLst>
+                <a:tab pos="0" algn="l"/>
+              </a:tabLst>
+            </a:pPr>
+            <a:r>
+              <a:rPr lang="en-US" altLang="zh-TW" sz="2400" spc="-1" dirty="0" smtClean="0">
+                <a:solidFill>
+                  <a:srgbClr val="002060"/>
+                </a:solidFill>
+                <a:latin typeface="標楷體" panose="03000509000000000000" pitchFamily="65" charset="-120"/>
+                <a:ea typeface="標楷體" panose="03000509000000000000" pitchFamily="65" charset="-120"/>
+              </a:rPr>
+              <a:t>Stage</a:t>
+            </a:r>
             <a:r>
               <a:rPr lang="zh-TW" altLang="en-US" sz="2400" spc="-1" dirty="0" smtClean="0">
                 <a:solidFill>
@@ -10029,7 +10432,7 @@
                 <a:latin typeface="標楷體" panose="03000509000000000000" pitchFamily="65" charset="-120"/>
                 <a:ea typeface="標楷體" panose="03000509000000000000" pitchFamily="65" charset="-120"/>
               </a:rPr>
-              <a:t>初始專案須先建立 </a:t>
+              <a:t> </a:t>
             </a:r>
             <a:r>
               <a:rPr lang="en-US" altLang="zh-TW" sz="2400" spc="-1" dirty="0" smtClean="0">
@@ -10039,7 +10442,27 @@
                 <a:latin typeface="標楷體" panose="03000509000000000000" pitchFamily="65" charset="-120"/>
                 <a:ea typeface="標楷體" panose="03000509000000000000" pitchFamily="65" charset="-120"/>
               </a:rPr>
-              <a:t>Folder,</a:t>
+              <a:t>Tag : v20240816.001-t24_#2201</a:t>
+            </a:r>
+          </a:p>
+          <a:p>
+            <a:pPr>
+              <a:lnSpc>
+                <a:spcPct val="100000"/>
+              </a:lnSpc>
+              <a:tabLst>
+                <a:tab pos="0" algn="l"/>
+              </a:tabLst>
+            </a:pPr>
+            <a:r>
+              <a:rPr lang="en-US" altLang="zh-TW" sz="2400" spc="-1" dirty="0" smtClean="0">
+                <a:solidFill>
+                  <a:srgbClr val="002060"/>
+                </a:solidFill>
+                <a:latin typeface="標楷體" panose="03000509000000000000" pitchFamily="65" charset="-120"/>
+                <a:ea typeface="標楷體" panose="03000509000000000000" pitchFamily="65" charset="-120"/>
+              </a:rPr>
+              <a:t>(</a:t>
             </a:r>
             <a:r>
               <a:rPr lang="zh-TW" altLang="en-US" sz="2400" spc="-1" dirty="0" smtClean="0">
@@ -10049,7 +10472,27 @@
                 <a:latin typeface="標楷體" panose="03000509000000000000" pitchFamily="65" charset="-120"/>
                 <a:ea typeface="標楷體" panose="03000509000000000000" pitchFamily="65" charset="-120"/>
               </a:rPr>
-              <a:t>在主頁</a:t>
+              <a:t> </a:t>
+            </a:r>
+            <a:r>
+              <a:rPr lang="en-US" altLang="zh-TW" sz="2400" spc="-1" dirty="0" smtClean="0">
+                <a:solidFill>
+                  <a:srgbClr val="FF0000"/>
+                </a:solidFill>
+                <a:latin typeface="標楷體" panose="03000509000000000000" pitchFamily="65" charset="-120"/>
+                <a:ea typeface="標楷體" panose="03000509000000000000" pitchFamily="65" charset="-120"/>
+              </a:rPr>
+              <a:t>v</a:t>
+            </a:r>
+            <a:r>
+              <a:rPr lang="en-US" altLang="zh-TW" sz="2400" spc="-1" dirty="0" smtClean="0">
+                <a:solidFill>
+                  <a:srgbClr val="002060"/>
+                </a:solidFill>
+                <a:latin typeface="標楷體" panose="03000509000000000000" pitchFamily="65" charset="-120"/>
+                <a:ea typeface="標楷體" panose="03000509000000000000" pitchFamily="65" charset="-120"/>
+              </a:rPr>
+              <a:t> + </a:t>
             </a:r>
             <a:r>
               <a:rPr lang="zh-TW" altLang="en-US" sz="2400" spc="-1" dirty="0" smtClean="0">
@@ -10059,18 +10502,602 @@
                 <a:latin typeface="標楷體" panose="03000509000000000000" pitchFamily="65" charset="-120"/>
                 <a:ea typeface="標楷體" panose="03000509000000000000" pitchFamily="65" charset="-120"/>
               </a:rPr>
-              <a:t>建立</a:t>
+              <a:t>西元日期</a:t>
+            </a:r>
+            <a:r>
+              <a:rPr lang="en-US" altLang="zh-TW" sz="2400" spc="-1" dirty="0" smtClean="0">
+                <a:solidFill>
+                  <a:srgbClr val="FF0000"/>
+                </a:solidFill>
+                <a:latin typeface="標楷體" panose="03000509000000000000" pitchFamily="65" charset="-120"/>
+                <a:ea typeface="標楷體" panose="03000509000000000000" pitchFamily="65" charset="-120"/>
+              </a:rPr>
+              <a:t>8</a:t>
             </a:r>
             <a:r>
               <a:rPr lang="zh-TW" altLang="en-US" sz="2400" spc="-1" dirty="0" smtClean="0">
                 <a:solidFill>
-                  <a:srgbClr val="002060"/>
-                </a:solidFill>
-                <a:latin typeface="標楷體" panose="03000509000000000000" pitchFamily="65" charset="-120"/>
-                <a:ea typeface="標楷體" panose="03000509000000000000" pitchFamily="65" charset="-120"/>
-              </a:rPr>
-              <a:t>點選新增作業</a:t>
-            </a:r>
+                  <a:srgbClr val="FF0000"/>
+                </a:solidFill>
+                <a:latin typeface="標楷體" panose="03000509000000000000" pitchFamily="65" charset="-120"/>
+                <a:ea typeface="標楷體" panose="03000509000000000000" pitchFamily="65" charset="-120"/>
+              </a:rPr>
+              <a:t>碼 </a:t>
+            </a:r>
+            <a:r>
+              <a:rPr lang="en-US" altLang="zh-TW" sz="2400" spc="-1" dirty="0" smtClean="0">
+                <a:solidFill>
+                  <a:srgbClr val="002060"/>
+                </a:solidFill>
+                <a:latin typeface="標楷體" panose="03000509000000000000" pitchFamily="65" charset="-120"/>
+                <a:ea typeface="標楷體" panose="03000509000000000000" pitchFamily="65" charset="-120"/>
+              </a:rPr>
+              <a:t>+</a:t>
+            </a:r>
+            <a:r>
+              <a:rPr lang="zh-TW" altLang="en-US" sz="2400" spc="-1" dirty="0" smtClean="0">
+                <a:solidFill>
+                  <a:srgbClr val="002060"/>
+                </a:solidFill>
+                <a:latin typeface="標楷體" panose="03000509000000000000" pitchFamily="65" charset="-120"/>
+                <a:ea typeface="標楷體" panose="03000509000000000000" pitchFamily="65" charset="-120"/>
+              </a:rPr>
+              <a:t> </a:t>
+            </a:r>
+            <a:r>
+              <a:rPr lang="en-US" altLang="zh-TW" sz="2400" spc="-1" dirty="0" smtClean="0">
+                <a:solidFill>
+                  <a:srgbClr val="FF0000"/>
+                </a:solidFill>
+                <a:latin typeface="標楷體" panose="03000509000000000000" pitchFamily="65" charset="-120"/>
+                <a:ea typeface="標楷體" panose="03000509000000000000" pitchFamily="65" charset="-120"/>
+              </a:rPr>
+              <a:t>.</a:t>
+            </a:r>
+            <a:r>
+              <a:rPr lang="zh-TW" altLang="en-US" sz="2400" spc="-1" dirty="0" smtClean="0">
+                <a:solidFill>
+                  <a:srgbClr val="FF0000"/>
+                </a:solidFill>
+                <a:latin typeface="標楷體" panose="03000509000000000000" pitchFamily="65" charset="-120"/>
+                <a:ea typeface="標楷體" panose="03000509000000000000" pitchFamily="65" charset="-120"/>
+              </a:rPr>
+              <a:t>當日流水號 </a:t>
+            </a:r>
+            <a:r>
+              <a:rPr lang="en-US" altLang="zh-TW" sz="2400" spc="-1" dirty="0" smtClean="0">
+                <a:solidFill>
+                  <a:srgbClr val="002060"/>
+                </a:solidFill>
+                <a:latin typeface="標楷體" panose="03000509000000000000" pitchFamily="65" charset="-120"/>
+                <a:ea typeface="標楷體" panose="03000509000000000000" pitchFamily="65" charset="-120"/>
+              </a:rPr>
+              <a:t>+</a:t>
+            </a:r>
+            <a:r>
+              <a:rPr lang="zh-TW" altLang="en-US" sz="2400" spc="-1" dirty="0" smtClean="0">
+                <a:solidFill>
+                  <a:srgbClr val="002060"/>
+                </a:solidFill>
+                <a:latin typeface="標楷體" panose="03000509000000000000" pitchFamily="65" charset="-120"/>
+                <a:ea typeface="標楷體" panose="03000509000000000000" pitchFamily="65" charset="-120"/>
+              </a:rPr>
+              <a:t> </a:t>
+            </a:r>
+            <a:r>
+              <a:rPr lang="en-US" altLang="zh-TW" sz="2400" spc="-1" dirty="0" smtClean="0">
+                <a:solidFill>
+                  <a:srgbClr val="FF0000"/>
+                </a:solidFill>
+                <a:latin typeface="標楷體" panose="03000509000000000000" pitchFamily="65" charset="-120"/>
+                <a:ea typeface="標楷體" panose="03000509000000000000" pitchFamily="65" charset="-120"/>
+              </a:rPr>
+              <a:t>Dash</a:t>
+            </a:r>
+            <a:r>
+              <a:rPr lang="zh-TW" altLang="en-US" sz="2400" spc="-1" dirty="0">
+                <a:solidFill>
+                  <a:srgbClr val="002060"/>
+                </a:solidFill>
+                <a:latin typeface="標楷體" panose="03000509000000000000" pitchFamily="65" charset="-120"/>
+                <a:ea typeface="標楷體" panose="03000509000000000000" pitchFamily="65" charset="-120"/>
+              </a:rPr>
+              <a:t> </a:t>
+            </a:r>
+            <a:r>
+              <a:rPr lang="en-US" altLang="zh-TW" sz="2400" spc="-1" dirty="0" smtClean="0">
+                <a:solidFill>
+                  <a:srgbClr val="002060"/>
+                </a:solidFill>
+                <a:latin typeface="標楷體" panose="03000509000000000000" pitchFamily="65" charset="-120"/>
+                <a:ea typeface="標楷體" panose="03000509000000000000" pitchFamily="65" charset="-120"/>
+              </a:rPr>
+              <a:t>+</a:t>
+            </a:r>
+            <a:r>
+              <a:rPr lang="zh-TW" altLang="en-US" sz="2400" spc="-1" dirty="0" smtClean="0">
+                <a:solidFill>
+                  <a:srgbClr val="002060"/>
+                </a:solidFill>
+                <a:latin typeface="標楷體" panose="03000509000000000000" pitchFamily="65" charset="-120"/>
+                <a:ea typeface="標楷體" panose="03000509000000000000" pitchFamily="65" charset="-120"/>
+              </a:rPr>
+              <a:t> </a:t>
+            </a:r>
+            <a:r>
+              <a:rPr lang="zh-TW" altLang="en-US" sz="2400" spc="-1" dirty="0" smtClean="0">
+                <a:solidFill>
+                  <a:srgbClr val="FF0000"/>
+                </a:solidFill>
+                <a:latin typeface="標楷體" panose="03000509000000000000" pitchFamily="65" charset="-120"/>
+                <a:ea typeface="標楷體" panose="03000509000000000000" pitchFamily="65" charset="-120"/>
+              </a:rPr>
+              <a:t>專案名稱 </a:t>
+            </a:r>
+            <a:r>
+              <a:rPr lang="en-US" altLang="zh-TW" sz="2400" spc="-1" dirty="0" smtClean="0">
+                <a:solidFill>
+                  <a:srgbClr val="002060"/>
+                </a:solidFill>
+                <a:latin typeface="標楷體" panose="03000509000000000000" pitchFamily="65" charset="-120"/>
+                <a:ea typeface="標楷體" panose="03000509000000000000" pitchFamily="65" charset="-120"/>
+              </a:rPr>
+              <a:t>+</a:t>
+            </a:r>
+            <a:r>
+              <a:rPr lang="zh-TW" altLang="en-US" sz="2400" spc="-1" dirty="0" smtClean="0">
+                <a:solidFill>
+                  <a:srgbClr val="002060"/>
+                </a:solidFill>
+                <a:latin typeface="標楷體" panose="03000509000000000000" pitchFamily="65" charset="-120"/>
+                <a:ea typeface="標楷體" panose="03000509000000000000" pitchFamily="65" charset="-120"/>
+              </a:rPr>
+              <a:t> </a:t>
+            </a:r>
+            <a:r>
+              <a:rPr lang="en-US" altLang="zh-TW" sz="2400" spc="-1" dirty="0" smtClean="0">
+                <a:solidFill>
+                  <a:srgbClr val="FF0000"/>
+                </a:solidFill>
+                <a:latin typeface="標楷體" panose="03000509000000000000" pitchFamily="65" charset="-120"/>
+                <a:ea typeface="標楷體" panose="03000509000000000000" pitchFamily="65" charset="-120"/>
+              </a:rPr>
+              <a:t>_</a:t>
+            </a:r>
+            <a:r>
+              <a:rPr lang="zh-TW" altLang="en-US" sz="2400" spc="-1" dirty="0" smtClean="0">
+                <a:solidFill>
+                  <a:srgbClr val="002060"/>
+                </a:solidFill>
+                <a:latin typeface="標楷體" panose="03000509000000000000" pitchFamily="65" charset="-120"/>
+                <a:ea typeface="標楷體" panose="03000509000000000000" pitchFamily="65" charset="-120"/>
+              </a:rPr>
+              <a:t> </a:t>
+            </a:r>
+            <a:r>
+              <a:rPr lang="en-US" altLang="zh-TW" sz="2400" spc="-1" dirty="0" smtClean="0">
+                <a:solidFill>
+                  <a:srgbClr val="002060"/>
+                </a:solidFill>
+                <a:latin typeface="標楷體" panose="03000509000000000000" pitchFamily="65" charset="-120"/>
+                <a:ea typeface="標楷體" panose="03000509000000000000" pitchFamily="65" charset="-120"/>
+              </a:rPr>
+              <a:t>+ </a:t>
+            </a:r>
+            <a:r>
+              <a:rPr lang="en-US" altLang="zh-TW" sz="2400" spc="-1" dirty="0" smtClean="0">
+                <a:solidFill>
+                  <a:srgbClr val="FF0000"/>
+                </a:solidFill>
+                <a:latin typeface="標楷體" panose="03000509000000000000" pitchFamily="65" charset="-120"/>
+                <a:ea typeface="標楷體" panose="03000509000000000000" pitchFamily="65" charset="-120"/>
+              </a:rPr>
+              <a:t>#</a:t>
+            </a:r>
+            <a:r>
+              <a:rPr lang="en-US" altLang="zh-TW" sz="2400" spc="-1" dirty="0" err="1" smtClean="0">
+                <a:solidFill>
+                  <a:srgbClr val="FF0000"/>
+                </a:solidFill>
+                <a:latin typeface="標楷體" panose="03000509000000000000" pitchFamily="65" charset="-120"/>
+                <a:ea typeface="標楷體" panose="03000509000000000000" pitchFamily="65" charset="-120"/>
+              </a:rPr>
+              <a:t>Redmine</a:t>
+            </a:r>
+            <a:r>
+              <a:rPr lang="zh-TW" altLang="en-US" sz="2400" spc="-1" dirty="0" smtClean="0">
+                <a:solidFill>
+                  <a:srgbClr val="FF0000"/>
+                </a:solidFill>
+                <a:latin typeface="標楷體" panose="03000509000000000000" pitchFamily="65" charset="-120"/>
+                <a:ea typeface="標楷體" panose="03000509000000000000" pitchFamily="65" charset="-120"/>
+              </a:rPr>
+              <a:t>工單號</a:t>
+            </a:r>
+            <a:r>
+              <a:rPr lang="en-US" altLang="zh-TW" sz="2400" spc="-1" dirty="0" smtClean="0">
+                <a:solidFill>
+                  <a:srgbClr val="FF0000"/>
+                </a:solidFill>
+                <a:latin typeface="標楷體" panose="03000509000000000000" pitchFamily="65" charset="-120"/>
+                <a:ea typeface="標楷體" panose="03000509000000000000" pitchFamily="65" charset="-120"/>
+              </a:rPr>
+              <a:t> </a:t>
+            </a:r>
+            <a:r>
+              <a:rPr lang="en-US" altLang="zh-TW" sz="2400" spc="-1" dirty="0" smtClean="0">
+                <a:solidFill>
+                  <a:srgbClr val="002060"/>
+                </a:solidFill>
+                <a:latin typeface="標楷體" panose="03000509000000000000" pitchFamily="65" charset="-120"/>
+                <a:ea typeface="標楷體" panose="03000509000000000000" pitchFamily="65" charset="-120"/>
+              </a:rPr>
+              <a:t>)</a:t>
+            </a:r>
+          </a:p>
+          <a:p>
+            <a:pPr>
+              <a:lnSpc>
+                <a:spcPct val="100000"/>
+              </a:lnSpc>
+              <a:tabLst>
+                <a:tab pos="0" algn="l"/>
+              </a:tabLst>
+            </a:pPr>
+            <a:endParaRPr lang="en-US" altLang="zh-TW" sz="2400" spc="-1" dirty="0">
+              <a:solidFill>
+                <a:srgbClr val="002060"/>
+              </a:solidFill>
+              <a:latin typeface="標楷體" panose="03000509000000000000" pitchFamily="65" charset="-120"/>
+              <a:ea typeface="標楷體" panose="03000509000000000000" pitchFamily="65" charset="-120"/>
+            </a:endParaRPr>
+          </a:p>
+          <a:p>
+            <a:pPr>
+              <a:lnSpc>
+                <a:spcPct val="100000"/>
+              </a:lnSpc>
+              <a:tabLst>
+                <a:tab pos="0" algn="l"/>
+              </a:tabLst>
+            </a:pPr>
+            <a:endParaRPr lang="en-US" altLang="zh-TW" sz="2400" spc="-1" dirty="0" smtClean="0">
+              <a:solidFill>
+                <a:srgbClr val="002060"/>
+              </a:solidFill>
+              <a:latin typeface="標楷體" panose="03000509000000000000" pitchFamily="65" charset="-120"/>
+              <a:ea typeface="標楷體" panose="03000509000000000000" pitchFamily="65" charset="-120"/>
+            </a:endParaRPr>
+          </a:p>
+          <a:p>
+            <a:pPr>
+              <a:lnSpc>
+                <a:spcPct val="100000"/>
+              </a:lnSpc>
+              <a:tabLst>
+                <a:tab pos="0" algn="l"/>
+              </a:tabLst>
+            </a:pPr>
+            <a:r>
+              <a:rPr lang="en-US" altLang="zh-TW" sz="2400" spc="-1" dirty="0" smtClean="0">
+                <a:solidFill>
+                  <a:srgbClr val="002060"/>
+                </a:solidFill>
+                <a:latin typeface="標楷體" panose="03000509000000000000" pitchFamily="65" charset="-120"/>
+                <a:ea typeface="標楷體" panose="03000509000000000000" pitchFamily="65" charset="-120"/>
+              </a:rPr>
+              <a:t>SIT Tag : s20240816.001-t24_#2201</a:t>
+            </a:r>
+          </a:p>
+          <a:p>
+            <a:pPr>
+              <a:lnSpc>
+                <a:spcPct val="100000"/>
+              </a:lnSpc>
+              <a:tabLst>
+                <a:tab pos="0" algn="l"/>
+              </a:tabLst>
+            </a:pPr>
+            <a:r>
+              <a:rPr lang="en-US" altLang="zh-TW" sz="2400" spc="-1" dirty="0">
+                <a:solidFill>
+                  <a:srgbClr val="002060"/>
+                </a:solidFill>
+                <a:latin typeface="標楷體" panose="03000509000000000000" pitchFamily="65" charset="-120"/>
+                <a:ea typeface="標楷體" panose="03000509000000000000" pitchFamily="65" charset="-120"/>
+              </a:rPr>
+              <a:t>(</a:t>
+            </a:r>
+            <a:r>
+              <a:rPr lang="zh-TW" altLang="en-US" sz="2400" spc="-1" dirty="0">
+                <a:solidFill>
+                  <a:srgbClr val="002060"/>
+                </a:solidFill>
+                <a:latin typeface="標楷體" panose="03000509000000000000" pitchFamily="65" charset="-120"/>
+                <a:ea typeface="標楷體" panose="03000509000000000000" pitchFamily="65" charset="-120"/>
+              </a:rPr>
+              <a:t> </a:t>
+            </a:r>
+            <a:r>
+              <a:rPr lang="en-US" altLang="zh-TW" sz="2400" spc="-1" dirty="0" smtClean="0">
+                <a:solidFill>
+                  <a:srgbClr val="FF0000"/>
+                </a:solidFill>
+                <a:latin typeface="標楷體" panose="03000509000000000000" pitchFamily="65" charset="-120"/>
+                <a:ea typeface="標楷體" panose="03000509000000000000" pitchFamily="65" charset="-120"/>
+              </a:rPr>
+              <a:t>s</a:t>
+            </a:r>
+            <a:r>
+              <a:rPr lang="en-US" altLang="zh-TW" sz="2400" spc="-1" dirty="0" smtClean="0">
+                <a:solidFill>
+                  <a:srgbClr val="002060"/>
+                </a:solidFill>
+                <a:latin typeface="標楷體" panose="03000509000000000000" pitchFamily="65" charset="-120"/>
+                <a:ea typeface="標楷體" panose="03000509000000000000" pitchFamily="65" charset="-120"/>
+              </a:rPr>
+              <a:t> + </a:t>
+            </a:r>
+            <a:r>
+              <a:rPr lang="zh-TW" altLang="en-US" sz="2400" spc="-1" dirty="0">
+                <a:solidFill>
+                  <a:srgbClr val="FF0000"/>
+                </a:solidFill>
+                <a:latin typeface="標楷體" panose="03000509000000000000" pitchFamily="65" charset="-120"/>
+                <a:ea typeface="標楷體" panose="03000509000000000000" pitchFamily="65" charset="-120"/>
+              </a:rPr>
+              <a:t>西元日期</a:t>
+            </a:r>
+            <a:r>
+              <a:rPr lang="en-US" altLang="zh-TW" sz="2400" spc="-1" dirty="0">
+                <a:solidFill>
+                  <a:srgbClr val="FF0000"/>
+                </a:solidFill>
+                <a:latin typeface="標楷體" panose="03000509000000000000" pitchFamily="65" charset="-120"/>
+                <a:ea typeface="標楷體" panose="03000509000000000000" pitchFamily="65" charset="-120"/>
+              </a:rPr>
+              <a:t>8</a:t>
+            </a:r>
+            <a:r>
+              <a:rPr lang="zh-TW" altLang="en-US" sz="2400" spc="-1" dirty="0">
+                <a:solidFill>
+                  <a:srgbClr val="FF0000"/>
+                </a:solidFill>
+                <a:latin typeface="標楷體" panose="03000509000000000000" pitchFamily="65" charset="-120"/>
+                <a:ea typeface="標楷體" panose="03000509000000000000" pitchFamily="65" charset="-120"/>
+              </a:rPr>
+              <a:t>碼</a:t>
+            </a:r>
+            <a:r>
+              <a:rPr lang="zh-TW" altLang="en-US" sz="2400" spc="-1" dirty="0">
+                <a:solidFill>
+                  <a:srgbClr val="002060"/>
+                </a:solidFill>
+                <a:latin typeface="標楷體" panose="03000509000000000000" pitchFamily="65" charset="-120"/>
+                <a:ea typeface="標楷體" panose="03000509000000000000" pitchFamily="65" charset="-120"/>
+              </a:rPr>
+              <a:t> </a:t>
+            </a:r>
+            <a:r>
+              <a:rPr lang="en-US" altLang="zh-TW" sz="2400" spc="-1" dirty="0">
+                <a:solidFill>
+                  <a:srgbClr val="002060"/>
+                </a:solidFill>
+                <a:latin typeface="標楷體" panose="03000509000000000000" pitchFamily="65" charset="-120"/>
+                <a:ea typeface="標楷體" panose="03000509000000000000" pitchFamily="65" charset="-120"/>
+              </a:rPr>
+              <a:t>+</a:t>
+            </a:r>
+            <a:r>
+              <a:rPr lang="zh-TW" altLang="en-US" sz="2400" spc="-1" dirty="0">
+                <a:solidFill>
+                  <a:srgbClr val="002060"/>
+                </a:solidFill>
+                <a:latin typeface="標楷體" panose="03000509000000000000" pitchFamily="65" charset="-120"/>
+                <a:ea typeface="標楷體" panose="03000509000000000000" pitchFamily="65" charset="-120"/>
+              </a:rPr>
+              <a:t> </a:t>
+            </a:r>
+            <a:r>
+              <a:rPr lang="en-US" altLang="zh-TW" sz="2400" spc="-1" dirty="0">
+                <a:solidFill>
+                  <a:srgbClr val="FF0000"/>
+                </a:solidFill>
+                <a:latin typeface="標楷體" panose="03000509000000000000" pitchFamily="65" charset="-120"/>
+                <a:ea typeface="標楷體" panose="03000509000000000000" pitchFamily="65" charset="-120"/>
+              </a:rPr>
+              <a:t>.</a:t>
+            </a:r>
+            <a:r>
+              <a:rPr lang="zh-TW" altLang="en-US" sz="2400" spc="-1" dirty="0">
+                <a:solidFill>
+                  <a:srgbClr val="FF0000"/>
+                </a:solidFill>
+                <a:latin typeface="標楷體" panose="03000509000000000000" pitchFamily="65" charset="-120"/>
+                <a:ea typeface="標楷體" panose="03000509000000000000" pitchFamily="65" charset="-120"/>
+              </a:rPr>
+              <a:t>當日流水號 </a:t>
+            </a:r>
+            <a:r>
+              <a:rPr lang="en-US" altLang="zh-TW" sz="2400" spc="-1" dirty="0">
+                <a:solidFill>
+                  <a:srgbClr val="002060"/>
+                </a:solidFill>
+                <a:latin typeface="標楷體" panose="03000509000000000000" pitchFamily="65" charset="-120"/>
+                <a:ea typeface="標楷體" panose="03000509000000000000" pitchFamily="65" charset="-120"/>
+              </a:rPr>
+              <a:t>+</a:t>
+            </a:r>
+            <a:r>
+              <a:rPr lang="zh-TW" altLang="en-US" sz="2400" spc="-1" dirty="0">
+                <a:solidFill>
+                  <a:srgbClr val="002060"/>
+                </a:solidFill>
+                <a:latin typeface="標楷體" panose="03000509000000000000" pitchFamily="65" charset="-120"/>
+                <a:ea typeface="標楷體" panose="03000509000000000000" pitchFamily="65" charset="-120"/>
+              </a:rPr>
+              <a:t> </a:t>
+            </a:r>
+            <a:r>
+              <a:rPr lang="en-US" altLang="zh-TW" sz="2400" spc="-1" dirty="0">
+                <a:solidFill>
+                  <a:srgbClr val="FF0000"/>
+                </a:solidFill>
+                <a:latin typeface="標楷體" panose="03000509000000000000" pitchFamily="65" charset="-120"/>
+                <a:ea typeface="標楷體" panose="03000509000000000000" pitchFamily="65" charset="-120"/>
+              </a:rPr>
+              <a:t>Dash</a:t>
+            </a:r>
+            <a:r>
+              <a:rPr lang="zh-TW" altLang="en-US" sz="2400" spc="-1" dirty="0">
+                <a:solidFill>
+                  <a:srgbClr val="002060"/>
+                </a:solidFill>
+                <a:latin typeface="標楷體" panose="03000509000000000000" pitchFamily="65" charset="-120"/>
+                <a:ea typeface="標楷體" panose="03000509000000000000" pitchFamily="65" charset="-120"/>
+              </a:rPr>
+              <a:t> </a:t>
+            </a:r>
+            <a:r>
+              <a:rPr lang="en-US" altLang="zh-TW" sz="2400" spc="-1" dirty="0">
+                <a:solidFill>
+                  <a:srgbClr val="002060"/>
+                </a:solidFill>
+                <a:latin typeface="標楷體" panose="03000509000000000000" pitchFamily="65" charset="-120"/>
+                <a:ea typeface="標楷體" panose="03000509000000000000" pitchFamily="65" charset="-120"/>
+              </a:rPr>
+              <a:t>+</a:t>
+            </a:r>
+            <a:r>
+              <a:rPr lang="zh-TW" altLang="en-US" sz="2400" spc="-1" dirty="0">
+                <a:solidFill>
+                  <a:srgbClr val="002060"/>
+                </a:solidFill>
+                <a:latin typeface="標楷體" panose="03000509000000000000" pitchFamily="65" charset="-120"/>
+                <a:ea typeface="標楷體" panose="03000509000000000000" pitchFamily="65" charset="-120"/>
+              </a:rPr>
+              <a:t> </a:t>
+            </a:r>
+            <a:r>
+              <a:rPr lang="zh-TW" altLang="en-US" sz="2400" spc="-1" dirty="0">
+                <a:solidFill>
+                  <a:srgbClr val="FF0000"/>
+                </a:solidFill>
+                <a:latin typeface="標楷體" panose="03000509000000000000" pitchFamily="65" charset="-120"/>
+                <a:ea typeface="標楷體" panose="03000509000000000000" pitchFamily="65" charset="-120"/>
+              </a:rPr>
+              <a:t>專案名稱 </a:t>
+            </a:r>
+            <a:r>
+              <a:rPr lang="en-US" altLang="zh-TW" sz="2400" spc="-1" dirty="0">
+                <a:solidFill>
+                  <a:srgbClr val="002060"/>
+                </a:solidFill>
+                <a:latin typeface="標楷體" panose="03000509000000000000" pitchFamily="65" charset="-120"/>
+                <a:ea typeface="標楷體" panose="03000509000000000000" pitchFamily="65" charset="-120"/>
+              </a:rPr>
+              <a:t>+</a:t>
+            </a:r>
+            <a:r>
+              <a:rPr lang="zh-TW" altLang="en-US" sz="2400" spc="-1" dirty="0">
+                <a:solidFill>
+                  <a:srgbClr val="002060"/>
+                </a:solidFill>
+                <a:latin typeface="標楷體" panose="03000509000000000000" pitchFamily="65" charset="-120"/>
+                <a:ea typeface="標楷體" panose="03000509000000000000" pitchFamily="65" charset="-120"/>
+              </a:rPr>
+              <a:t> </a:t>
+            </a:r>
+            <a:r>
+              <a:rPr lang="en-US" altLang="zh-TW" sz="2400" spc="-1" dirty="0">
+                <a:solidFill>
+                  <a:srgbClr val="FF0000"/>
+                </a:solidFill>
+                <a:latin typeface="標楷體" panose="03000509000000000000" pitchFamily="65" charset="-120"/>
+                <a:ea typeface="標楷體" panose="03000509000000000000" pitchFamily="65" charset="-120"/>
+              </a:rPr>
+              <a:t>_</a:t>
+            </a:r>
+            <a:r>
+              <a:rPr lang="zh-TW" altLang="en-US" sz="2400" spc="-1" dirty="0">
+                <a:solidFill>
+                  <a:srgbClr val="002060"/>
+                </a:solidFill>
+                <a:latin typeface="標楷體" panose="03000509000000000000" pitchFamily="65" charset="-120"/>
+                <a:ea typeface="標楷體" panose="03000509000000000000" pitchFamily="65" charset="-120"/>
+              </a:rPr>
+              <a:t> </a:t>
+            </a:r>
+            <a:r>
+              <a:rPr lang="en-US" altLang="zh-TW" sz="2400" spc="-1" dirty="0">
+                <a:solidFill>
+                  <a:srgbClr val="002060"/>
+                </a:solidFill>
+                <a:latin typeface="標楷體" panose="03000509000000000000" pitchFamily="65" charset="-120"/>
+                <a:ea typeface="標楷體" panose="03000509000000000000" pitchFamily="65" charset="-120"/>
+              </a:rPr>
+              <a:t>+ </a:t>
+            </a:r>
+            <a:r>
+              <a:rPr lang="en-US" altLang="zh-TW" sz="2400" spc="-1" dirty="0">
+                <a:solidFill>
+                  <a:srgbClr val="FF0000"/>
+                </a:solidFill>
+                <a:latin typeface="標楷體" panose="03000509000000000000" pitchFamily="65" charset="-120"/>
+                <a:ea typeface="標楷體" panose="03000509000000000000" pitchFamily="65" charset="-120"/>
+              </a:rPr>
+              <a:t>#</a:t>
+            </a:r>
+            <a:r>
+              <a:rPr lang="en-US" altLang="zh-TW" sz="2400" spc="-1" dirty="0" err="1">
+                <a:solidFill>
+                  <a:srgbClr val="FF0000"/>
+                </a:solidFill>
+                <a:latin typeface="標楷體" panose="03000509000000000000" pitchFamily="65" charset="-120"/>
+                <a:ea typeface="標楷體" panose="03000509000000000000" pitchFamily="65" charset="-120"/>
+              </a:rPr>
+              <a:t>Redmine</a:t>
+            </a:r>
+            <a:r>
+              <a:rPr lang="zh-TW" altLang="en-US" sz="2400" spc="-1" dirty="0">
+                <a:solidFill>
+                  <a:srgbClr val="FF0000"/>
+                </a:solidFill>
+                <a:latin typeface="標楷體" panose="03000509000000000000" pitchFamily="65" charset="-120"/>
+                <a:ea typeface="標楷體" panose="03000509000000000000" pitchFamily="65" charset="-120"/>
+              </a:rPr>
+              <a:t>工單號</a:t>
+            </a:r>
+            <a:r>
+              <a:rPr lang="en-US" altLang="zh-TW" sz="2400" spc="-1" dirty="0">
+                <a:solidFill>
+                  <a:srgbClr val="FF0000"/>
+                </a:solidFill>
+                <a:latin typeface="標楷體" panose="03000509000000000000" pitchFamily="65" charset="-120"/>
+                <a:ea typeface="標楷體" panose="03000509000000000000" pitchFamily="65" charset="-120"/>
+              </a:rPr>
+              <a:t> </a:t>
+            </a:r>
+            <a:r>
+              <a:rPr lang="en-US" altLang="zh-TW" sz="2400" spc="-1" dirty="0">
+                <a:solidFill>
+                  <a:srgbClr val="002060"/>
+                </a:solidFill>
+                <a:latin typeface="標楷體" panose="03000509000000000000" pitchFamily="65" charset="-120"/>
+                <a:ea typeface="標楷體" panose="03000509000000000000" pitchFamily="65" charset="-120"/>
+              </a:rPr>
+              <a:t>)</a:t>
+            </a:r>
+          </a:p>
+          <a:p>
+            <a:pPr>
+              <a:lnSpc>
+                <a:spcPct val="100000"/>
+              </a:lnSpc>
+              <a:tabLst>
+                <a:tab pos="0" algn="l"/>
+              </a:tabLst>
+            </a:pPr>
             <a:endParaRPr lang="zh-TW" altLang="en-US" sz="2400" spc="-1" dirty="0">
               <a:solidFill>
                 <a:srgbClr val="000000"/>
@@ -10084,7 +11111,7 @@
     </p:spTree>
     <p:extLst>
       <p:ext uri="{BB962C8B-B14F-4D97-AF65-F5344CB8AC3E}">
-        <p14:creationId xmlns:p14="http://schemas.microsoft.com/office/powerpoint/2010/main" val="1262892407"/>
+        <p14:creationId xmlns:p14="http://schemas.microsoft.com/office/powerpoint/2010/main" val="1725348252"/>
       </p:ext>
     </p:extLst>
   </p:cSld>
@@ -10095,7 +11122,7 @@
     <mc:Choice Requires="p14">
       <p:transition spd="slow" p14:dur="2000"/>
     </mc:Choice>
-    <mc:Fallback xmlns:p15="http://schemas.microsoft.com/office/powerpoint/2012/main" xmlns="">
+    <mc:Fallback xmlns="" xmlns:p15="http://schemas.microsoft.com/office/powerpoint/2012/main">
       <p:transition spd="slow"/>
     </mc:Fallback>
   </mc:AlternateContent>
@@ -12051,7 +13078,7 @@
     <mc:Choice Requires="p14">
       <p:transition spd="slow" p14:dur="2000"/>
     </mc:Choice>
-    <mc:Fallback xmlns:p15="http://schemas.microsoft.com/office/powerpoint/2012/main" xmlns="">
+    <mc:Fallback xmlns="" xmlns:p15="http://schemas.microsoft.com/office/powerpoint/2012/main">
       <p:transition spd="slow"/>
     </mc:Fallback>
   </mc:AlternateContent>
@@ -12111,11 +13138,10 @@
           </a:bodyPr>
           <a:lstStyle/>
           <a:p>
-            <a:pPr indent="0" algn="ctr" defTabSz="914400">
+            <a:pPr algn="ctr">
               <a:lnSpc>
                 <a:spcPct val="100000"/>
               </a:lnSpc>
-              <a:buNone/>
               <a:tabLst>
                 <a:tab pos="0" algn="l"/>
               </a:tabLst>
@@ -12128,20 +13154,30 @@
                 <a:latin typeface="微軟正黑體"/>
                 <a:ea typeface="微軟正黑體"/>
               </a:rPr>
-              <a:t>Jenkins Folder / Item (</a:t>
-            </a:r>
-            <a:r>
-              <a:rPr lang="zh-TW" altLang="en-US" sz="3600" b="1" strike="noStrike" spc="-1" dirty="0" smtClean="0">
+              <a:t>Jenkins Folder </a:t>
+            </a:r>
+            <a:r>
+              <a:rPr lang="en-US" altLang="zh-TW" sz="3600" b="1" spc="-1" dirty="0">
                 <a:solidFill>
                   <a:srgbClr val="002060"/>
                 </a:solidFill>
                 <a:latin typeface="微軟正黑體"/>
                 <a:ea typeface="微軟正黑體"/>
               </a:rPr>
-              <a:t>二</a:t>
-            </a:r>
-            <a:r>
-              <a:rPr lang="en-US" altLang="zh-TW" sz="3600" b="1" strike="noStrike" spc="-1" dirty="0" smtClean="0">
+              <a:t>/ Item (</a:t>
+            </a:r>
+            <a:r>
+              <a:rPr lang="zh-TW" altLang="en-US" sz="3600" b="1" spc="-1" dirty="0">
+                <a:solidFill>
+                  <a:srgbClr val="002060"/>
+                </a:solidFill>
+                <a:latin typeface="微軟正黑體"/>
+                <a:ea typeface="微軟正黑體"/>
+              </a:rPr>
+              <a:t>一</a:t>
+            </a:r>
+            <a:r>
+              <a:rPr lang="en-US" altLang="zh-TW" sz="3600" b="1" spc="-1" dirty="0">
                 <a:solidFill>
                   <a:srgbClr val="002060"/>
                 </a:solidFill>
@@ -12159,6 +13195,35 @@
           </a:p>
         </p:txBody>
       </p:sp>
+      <p:pic>
+        <p:nvPicPr>
+          <p:cNvPr id="3" name="圖片 2"/>
+          <p:cNvPicPr>
+            <a:picLocks noChangeAspect="1"/>
+          </p:cNvPicPr>
+          <p:nvPr/>
+        </p:nvPicPr>
+        <p:blipFill>
+          <a:blip r:embed="rId3"/>
+          <a:stretch>
+            <a:fillRect/>
+          </a:stretch>
+        </p:blipFill>
+        <p:spPr>
+          <a:xfrm>
+            <a:off x="382748" y="1419517"/>
+            <a:ext cx="9179503" cy="4530144"/>
+          </a:xfrm>
+          <a:prstGeom prst="rect">
+            <a:avLst/>
+          </a:prstGeom>
+          <a:ln>
+            <a:solidFill>
+              <a:schemeClr val="accent1"/>
+            </a:solidFill>
+          </a:ln>
+        </p:spPr>
+      </p:pic>
       <p:sp>
         <p:nvSpPr>
           <p:cNvPr id="5" name="PlaceHolder 1"/>
@@ -12220,7 +13285,7 @@
                 <a:latin typeface="標楷體" panose="03000509000000000000" pitchFamily="65" charset="-120"/>
                 <a:ea typeface="標楷體" panose="03000509000000000000" pitchFamily="65" charset="-120"/>
               </a:rPr>
-              <a:t>輸入項目名稱</a:t>
+              <a:t>初始專案須先建立 </a:t>
             </a:r>
             <a:r>
               <a:rPr lang="en-US" altLang="zh-TW" sz="2400" spc="-1" dirty="0" smtClean="0">
@@ -12230,7 +13295,7 @@
                 <a:latin typeface="標楷體" panose="03000509000000000000" pitchFamily="65" charset="-120"/>
                 <a:ea typeface="標楷體" panose="03000509000000000000" pitchFamily="65" charset="-120"/>
               </a:rPr>
-              <a:t>,</a:t>
+              <a:t>Folder,</a:t>
             </a:r>
             <a:r>
               <a:rPr lang="zh-TW" altLang="en-US" sz="2400" spc="-1" dirty="0" smtClean="0">
@@ -12240,27 +13305,27 @@
                 <a:latin typeface="標楷體" panose="03000509000000000000" pitchFamily="65" charset="-120"/>
                 <a:ea typeface="標楷體" panose="03000509000000000000" pitchFamily="65" charset="-120"/>
               </a:rPr>
-              <a:t>點選 </a:t>
-            </a:r>
-            <a:r>
-              <a:rPr lang="en-US" altLang="zh-TW" sz="2400" spc="-1" dirty="0" smtClean="0">
-                <a:solidFill>
-                  <a:srgbClr val="002060"/>
-                </a:solidFill>
-                <a:latin typeface="標楷體" panose="03000509000000000000" pitchFamily="65" charset="-120"/>
-                <a:ea typeface="標楷體" panose="03000509000000000000" pitchFamily="65" charset="-120"/>
-              </a:rPr>
-              <a:t>Folder</a:t>
+              <a:t>在主頁</a:t>
             </a:r>
             <a:r>
               <a:rPr lang="zh-TW" altLang="en-US" sz="2400" spc="-1" dirty="0" smtClean="0">
                 <a:solidFill>
-                  <a:srgbClr val="002060"/>
-                </a:solidFill>
-                <a:latin typeface="標楷體" panose="03000509000000000000" pitchFamily="65" charset="-120"/>
-                <a:ea typeface="標楷體" panose="03000509000000000000" pitchFamily="65" charset="-120"/>
-              </a:rPr>
-              <a:t> 按確定</a:t>
+                  <a:srgbClr val="FF0000"/>
+                </a:solidFill>
+                <a:latin typeface="標楷體" panose="03000509000000000000" pitchFamily="65" charset="-120"/>
+                <a:ea typeface="標楷體" panose="03000509000000000000" pitchFamily="65" charset="-120"/>
+              </a:rPr>
+              <a:t>建立</a:t>
+            </a:r>
+            <a:r>
+              <a:rPr lang="zh-TW" altLang="en-US" sz="2400" spc="-1" dirty="0" smtClean="0">
+                <a:solidFill>
+                  <a:srgbClr val="002060"/>
+                </a:solidFill>
+                <a:latin typeface="標楷體" panose="03000509000000000000" pitchFamily="65" charset="-120"/>
+                <a:ea typeface="標楷體" panose="03000509000000000000" pitchFamily="65" charset="-120"/>
+              </a:rPr>
+              <a:t>點選新增作業</a:t>
             </a:r>
             <a:endParaRPr lang="zh-TW" altLang="en-US" sz="2400" spc="-1" dirty="0">
               <a:solidFill>
@@ -12272,39 +13337,10 @@
           </a:p>
         </p:txBody>
       </p:sp>
-      <p:pic>
-        <p:nvPicPr>
-          <p:cNvPr id="4" name="圖片 3"/>
-          <p:cNvPicPr>
-            <a:picLocks noChangeAspect="1"/>
-          </p:cNvPicPr>
-          <p:nvPr/>
-        </p:nvPicPr>
-        <p:blipFill>
-          <a:blip r:embed="rId3"/>
-          <a:stretch>
-            <a:fillRect/>
-          </a:stretch>
-        </p:blipFill>
-        <p:spPr>
-          <a:xfrm>
-            <a:off x="1147843" y="1419517"/>
-            <a:ext cx="7649314" cy="4538804"/>
-          </a:xfrm>
-          <a:prstGeom prst="rect">
-            <a:avLst/>
-          </a:prstGeom>
-          <a:ln>
-            <a:solidFill>
-              <a:schemeClr val="accent1"/>
-            </a:solidFill>
-          </a:ln>
-        </p:spPr>
-      </p:pic>
     </p:spTree>
     <p:extLst>
       <p:ext uri="{BB962C8B-B14F-4D97-AF65-F5344CB8AC3E}">
-        <p14:creationId xmlns:p14="http://schemas.microsoft.com/office/powerpoint/2010/main" val="2553284468"/>
+        <p14:creationId xmlns:p14="http://schemas.microsoft.com/office/powerpoint/2010/main" val="1262892407"/>
       </p:ext>
     </p:extLst>
   </p:cSld>
@@ -12315,7 +13351,7 @@
     <mc:Choice Requires="p14">
       <p:transition spd="slow" p14:dur="2000"/>
     </mc:Choice>
-    <mc:Fallback xmlns:p15="http://schemas.microsoft.com/office/powerpoint/2012/main" xmlns="">
+    <mc:Fallback xmlns="" xmlns:p15="http://schemas.microsoft.com/office/powerpoint/2012/main">
       <p:transition spd="slow"/>
     </mc:Fallback>
   </mc:AlternateContent>
@@ -12395,14 +13431,14 @@
               <a:t>Jenkins Folder / Item (</a:t>
             </a:r>
             <a:r>
-              <a:rPr lang="zh-TW" altLang="en-US" sz="3600" b="1" spc="-1" dirty="0">
+              <a:rPr lang="zh-TW" altLang="en-US" sz="3600" b="1" strike="noStrike" spc="-1" dirty="0" smtClean="0">
                 <a:solidFill>
                   <a:srgbClr val="002060"/>
                 </a:solidFill>
                 <a:latin typeface="微軟正黑體"/>
                 <a:ea typeface="微軟正黑體"/>
               </a:rPr>
-              <a:t>三</a:t>
+              <a:t>二</a:t>
             </a:r>
             <a:r>
               <a:rPr lang="en-US" altLang="zh-TW" sz="3600" b="1" strike="noStrike" spc="-1" dirty="0" smtClean="0">
@@ -12484,7 +13520,7 @@
                 <a:latin typeface="標楷體" panose="03000509000000000000" pitchFamily="65" charset="-120"/>
                 <a:ea typeface="標楷體" panose="03000509000000000000" pitchFamily="65" charset="-120"/>
               </a:rPr>
-              <a:t>進入 </a:t>
+              <a:t>輸入項目名稱</a:t>
             </a:r>
             <a:r>
               <a:rPr lang="en-US" altLang="zh-TW" sz="2400" spc="-1" dirty="0" smtClean="0">
@@ -12494,7 +13530,7 @@
                 <a:latin typeface="標楷體" panose="03000509000000000000" pitchFamily="65" charset="-120"/>
                 <a:ea typeface="標楷體" panose="03000509000000000000" pitchFamily="65" charset="-120"/>
               </a:rPr>
-              <a:t>Folder,</a:t>
+              <a:t>,</a:t>
             </a:r>
             <a:r>
               <a:rPr lang="zh-TW" altLang="en-US" sz="2400" spc="-1" dirty="0" smtClean="0">
@@ -12514,7 +13550,17 @@
                 <a:latin typeface="標楷體" panose="03000509000000000000" pitchFamily="65" charset="-120"/>
                 <a:ea typeface="標楷體" panose="03000509000000000000" pitchFamily="65" charset="-120"/>
               </a:rPr>
-              <a:t>New Item</a:t>
+              <a:t>Folder</a:t>
+            </a:r>
+            <a:r>
+              <a:rPr lang="zh-TW" altLang="en-US" sz="2400" spc="-1" dirty="0" smtClean="0">
+                <a:solidFill>
+                  <a:srgbClr val="002060"/>
+                </a:solidFill>
+                <a:latin typeface="標楷體" panose="03000509000000000000" pitchFamily="65" charset="-120"/>
+                <a:ea typeface="標楷體" panose="03000509000000000000" pitchFamily="65" charset="-120"/>
+              </a:rPr>
+              <a:t> 按確定</a:t>
             </a:r>
             <a:endParaRPr lang="zh-TW" altLang="en-US" sz="2400" spc="-1" dirty="0">
               <a:solidFill>
@@ -12528,7 +13574,7 @@
       </p:sp>
       <p:pic>
         <p:nvPicPr>
-          <p:cNvPr id="2" name="圖片 1"/>
+          <p:cNvPr id="4" name="圖片 3"/>
           <p:cNvPicPr>
             <a:picLocks noChangeAspect="1"/>
           </p:cNvPicPr>
@@ -12542,8 +13588,8 @@
         </p:blipFill>
         <p:spPr>
           <a:xfrm>
-            <a:off x="666035" y="1519560"/>
-            <a:ext cx="8841221" cy="4317597"/>
+            <a:off x="1147843" y="1419517"/>
+            <a:ext cx="7649314" cy="4538804"/>
           </a:xfrm>
           <a:prstGeom prst="rect">
             <a:avLst/>
@@ -12558,7 +13604,7 @@
     </p:spTree>
     <p:extLst>
       <p:ext uri="{BB962C8B-B14F-4D97-AF65-F5344CB8AC3E}">
-        <p14:creationId xmlns:p14="http://schemas.microsoft.com/office/powerpoint/2010/main" val="323550569"/>
+        <p14:creationId xmlns:p14="http://schemas.microsoft.com/office/powerpoint/2010/main" val="2553284468"/>
       </p:ext>
     </p:extLst>
   </p:cSld>
@@ -12569,7 +13615,7 @@
     <mc:Choice Requires="p14">
       <p:transition spd="slow" p14:dur="2000"/>
     </mc:Choice>
-    <mc:Fallback xmlns:p15="http://schemas.microsoft.com/office/powerpoint/2012/main" xmlns="">
+    <mc:Fallback xmlns="" xmlns:p15="http://schemas.microsoft.com/office/powerpoint/2012/main">
       <p:transition spd="slow"/>
     </mc:Fallback>
   </mc:AlternateContent>
@@ -12649,14 +13695,14 @@
               <a:t>Jenkins Folder / Item (</a:t>
             </a:r>
             <a:r>
-              <a:rPr lang="zh-TW" altLang="en-US" sz="3600" b="1" strike="noStrike" spc="-1" dirty="0" smtClean="0">
+              <a:rPr lang="zh-TW" altLang="en-US" sz="3600" b="1" spc="-1" dirty="0">
                 <a:solidFill>
                   <a:srgbClr val="002060"/>
                 </a:solidFill>
                 <a:latin typeface="微軟正黑體"/>
                 <a:ea typeface="微軟正黑體"/>
               </a:rPr>
-              <a:t>四</a:t>
+              <a:t>三</a:t>
             </a:r>
             <a:r>
               <a:rPr lang="en-US" altLang="zh-TW" sz="3600" b="1" strike="noStrike" spc="-1" dirty="0" smtClean="0">
@@ -12738,7 +13784,7 @@
                 <a:latin typeface="標楷體" panose="03000509000000000000" pitchFamily="65" charset="-120"/>
                 <a:ea typeface="標楷體" panose="03000509000000000000" pitchFamily="65" charset="-120"/>
               </a:rPr>
-              <a:t>新增 </a:t>
+              <a:t>進入 </a:t>
             </a:r>
             <a:r>
               <a:rPr lang="en-US" altLang="zh-TW" sz="2400" spc="-1" dirty="0" smtClean="0">
@@ -12748,7 +13794,27 @@
                 <a:latin typeface="標楷體" panose="03000509000000000000" pitchFamily="65" charset="-120"/>
                 <a:ea typeface="標楷體" panose="03000509000000000000" pitchFamily="65" charset="-120"/>
               </a:rPr>
-              <a:t>Pipeline</a:t>
+              <a:t>Folder,</a:t>
+            </a:r>
+            <a:r>
+              <a:rPr lang="zh-TW" altLang="en-US" sz="2400" spc="-1" dirty="0" smtClean="0">
+                <a:solidFill>
+                  <a:srgbClr val="002060"/>
+                </a:solidFill>
+                <a:latin typeface="標楷體" panose="03000509000000000000" pitchFamily="65" charset="-120"/>
+                <a:ea typeface="標楷體" panose="03000509000000000000" pitchFamily="65" charset="-120"/>
+              </a:rPr>
+              <a:t>點選 </a:t>
+            </a:r>
+            <a:r>
+              <a:rPr lang="en-US" altLang="zh-TW" sz="2400" spc="-1" dirty="0" smtClean="0">
+                <a:solidFill>
+                  <a:srgbClr val="002060"/>
+                </a:solidFill>
+                <a:latin typeface="標楷體" panose="03000509000000000000" pitchFamily="65" charset="-120"/>
+                <a:ea typeface="標楷體" panose="03000509000000000000" pitchFamily="65" charset="-120"/>
+              </a:rPr>
+              <a:t>New Item</a:t>
             </a:r>
             <a:endParaRPr lang="zh-TW" altLang="en-US" sz="2400" spc="-1" dirty="0">
               <a:solidFill>
@@ -12762,7 +13828,7 @@
       </p:sp>
       <p:pic>
         <p:nvPicPr>
-          <p:cNvPr id="3" name="圖片 2"/>
+          <p:cNvPr id="2" name="圖片 1"/>
           <p:cNvPicPr>
             <a:picLocks noChangeAspect="1"/>
           </p:cNvPicPr>
@@ -12776,8 +13842,8 @@
         </p:blipFill>
         <p:spPr>
           <a:xfrm>
-            <a:off x="1250471" y="1519560"/>
-            <a:ext cx="7444058" cy="4353250"/>
+            <a:off x="666035" y="1519560"/>
+            <a:ext cx="8841221" cy="4317597"/>
           </a:xfrm>
           <a:prstGeom prst="rect">
             <a:avLst/>
@@ -12792,7 +13858,7 @@
     </p:spTree>
     <p:extLst>
       <p:ext uri="{BB962C8B-B14F-4D97-AF65-F5344CB8AC3E}">
-        <p14:creationId xmlns:p14="http://schemas.microsoft.com/office/powerpoint/2010/main" val="2291547288"/>
+        <p14:creationId xmlns:p14="http://schemas.microsoft.com/office/powerpoint/2010/main" val="323550569"/>
       </p:ext>
     </p:extLst>
   </p:cSld>
@@ -12803,7 +13869,7 @@
     <mc:Choice Requires="p14">
       <p:transition spd="slow" p14:dur="2000"/>
     </mc:Choice>
-    <mc:Fallback xmlns:p15="http://schemas.microsoft.com/office/powerpoint/2012/main" xmlns="">
+    <mc:Fallback xmlns="" xmlns:p15="http://schemas.microsoft.com/office/powerpoint/2012/main">
       <p:transition spd="slow"/>
     </mc:Fallback>
   </mc:AlternateContent>
@@ -12836,12 +13902,12 @@
       </p:grpSpPr>
       <p:sp>
         <p:nvSpPr>
-          <p:cNvPr id="68" name="PlaceHolder 1"/>
+          <p:cNvPr id="58" name="PlaceHolder 1"/>
           <p:cNvSpPr>
             <a:spLocks noGrp="1"/>
           </p:cNvSpPr>
           <p:nvPr>
-            <p:ph type="title"/>
+            <p:ph type="title" idx="4294967295"/>
           </p:nvPr>
         </p:nvSpPr>
         <p:spPr>
@@ -12873,34 +13939,34 @@
               </a:tabLst>
             </a:pPr>
             <a:r>
-              <a:rPr lang="en-US" sz="3600" b="1" strike="noStrike" spc="-1" dirty="0" err="1">
+              <a:rPr lang="en-US" altLang="zh-TW" sz="3600" b="1" strike="noStrike" spc="-1" dirty="0" smtClean="0">
                 <a:solidFill>
                   <a:srgbClr val="002060"/>
                 </a:solidFill>
                 <a:latin typeface="微軟正黑體"/>
                 <a:ea typeface="微軟正黑體"/>
               </a:rPr>
-              <a:t>Gitlab</a:t>
-            </a:r>
-            <a:r>
-              <a:rPr lang="en-US" sz="3600" b="1" strike="noStrike" spc="-1" dirty="0">
+              <a:t>Jenkins Folder / Item (</a:t>
+            </a:r>
+            <a:r>
+              <a:rPr lang="zh-TW" altLang="en-US" sz="3600" b="1" strike="noStrike" spc="-1" dirty="0" smtClean="0">
                 <a:solidFill>
                   <a:srgbClr val="002060"/>
                 </a:solidFill>
                 <a:latin typeface="微軟正黑體"/>
                 <a:ea typeface="微軟正黑體"/>
               </a:rPr>
-              <a:t> </a:t>
-            </a:r>
-            <a:r>
-              <a:rPr lang="zh-TW" sz="3600" b="1" strike="noStrike" spc="-1" dirty="0">
+              <a:t>四</a:t>
+            </a:r>
+            <a:r>
+              <a:rPr lang="en-US" altLang="zh-TW" sz="3600" b="1" strike="noStrike" spc="-1" dirty="0" smtClean="0">
                 <a:solidFill>
                   <a:srgbClr val="002060"/>
                 </a:solidFill>
                 <a:latin typeface="微軟正黑體"/>
                 <a:ea typeface="微軟正黑體"/>
               </a:rPr>
-              <a:t>權限</a:t>
+              <a:t>)</a:t>
             </a:r>
             <a:endParaRPr lang="en-US" sz="3600" b="1" strike="noStrike" spc="-1" dirty="0">
               <a:solidFill>
@@ -12911,25 +13977,112 @@
           </a:p>
         </p:txBody>
       </p:sp>
+      <p:sp>
+        <p:nvSpPr>
+          <p:cNvPr id="5" name="PlaceHolder 1"/>
+          <p:cNvSpPr txBox="1">
+            <a:spLocks/>
+          </p:cNvSpPr>
+          <p:nvPr/>
+        </p:nvSpPr>
+        <p:spPr>
+          <a:xfrm>
+            <a:off x="502820" y="795600"/>
+            <a:ext cx="9167653" cy="623917"/>
+          </a:xfrm>
+          <a:prstGeom prst="rect">
+            <a:avLst/>
+          </a:prstGeom>
+          <a:noFill/>
+          <a:ln w="0">
+            <a:noFill/>
+          </a:ln>
+        </p:spPr>
+        <p:txBody>
+          <a:bodyPr lIns="100800" tIns="100800" rIns="100800" bIns="100800" anchor="ctr">
+            <a:noAutofit/>
+          </a:bodyPr>
+          <a:lstStyle>
+            <a:lvl1pPr algn="l" defTabSz="914400" rtl="0" eaLnBrk="1" latinLnBrk="0" hangingPunct="1">
+              <a:lnSpc>
+                <a:spcPct val="90000"/>
+              </a:lnSpc>
+              <a:spcBef>
+                <a:spcPct val="0"/>
+              </a:spcBef>
+              <a:buNone/>
+              <a:defRPr sz="4400" kern="1200">
+                <a:solidFill>
+                  <a:schemeClr val="tx1"/>
+                </a:solidFill>
+                <a:latin typeface="+mj-lt"/>
+                <a:ea typeface="+mj-ea"/>
+                <a:cs typeface="+mj-cs"/>
+              </a:defRPr>
+            </a:lvl1pPr>
+          </a:lstStyle>
+          <a:p>
+            <a:pPr>
+              <a:lnSpc>
+                <a:spcPct val="100000"/>
+              </a:lnSpc>
+              <a:tabLst>
+                <a:tab pos="0" algn="l"/>
+              </a:tabLst>
+            </a:pPr>
+            <a:r>
+              <a:rPr lang="zh-TW" altLang="en-US" sz="2400" spc="-1" dirty="0" smtClean="0">
+                <a:solidFill>
+                  <a:srgbClr val="002060"/>
+                </a:solidFill>
+                <a:latin typeface="標楷體" panose="03000509000000000000" pitchFamily="65" charset="-120"/>
+                <a:ea typeface="標楷體" panose="03000509000000000000" pitchFamily="65" charset="-120"/>
+              </a:rPr>
+              <a:t>新增 </a:t>
+            </a:r>
+            <a:r>
+              <a:rPr lang="en-US" altLang="zh-TW" sz="2400" spc="-1" dirty="0" smtClean="0">
+                <a:solidFill>
+                  <a:srgbClr val="002060"/>
+                </a:solidFill>
+                <a:latin typeface="標楷體" panose="03000509000000000000" pitchFamily="65" charset="-120"/>
+                <a:ea typeface="標楷體" panose="03000509000000000000" pitchFamily="65" charset="-120"/>
+              </a:rPr>
+              <a:t>Pipeline</a:t>
+            </a:r>
+            <a:endParaRPr lang="zh-TW" altLang="en-US" sz="2400" spc="-1" dirty="0">
+              <a:solidFill>
+                <a:srgbClr val="000000"/>
+              </a:solidFill>
+              <a:latin typeface="標楷體" panose="03000509000000000000" pitchFamily="65" charset="-120"/>
+              <a:ea typeface="標楷體" panose="03000509000000000000" pitchFamily="65" charset="-120"/>
+            </a:endParaRPr>
+          </a:p>
+        </p:txBody>
+      </p:sp>
       <p:pic>
         <p:nvPicPr>
-          <p:cNvPr id="69" name="圖片 68"/>
-          <p:cNvPicPr/>
+          <p:cNvPr id="3" name="圖片 2"/>
+          <p:cNvPicPr>
+            <a:picLocks noChangeAspect="1"/>
+          </p:cNvPicPr>
           <p:nvPr/>
         </p:nvPicPr>
         <p:blipFill>
           <a:blip r:embed="rId3"/>
-          <a:stretch/>
+          <a:stretch>
+            <a:fillRect/>
+          </a:stretch>
         </p:blipFill>
         <p:spPr>
           <a:xfrm>
-            <a:off x="464040" y="794160"/>
-            <a:ext cx="9003600" cy="5346720"/>
+            <a:off x="1250471" y="1519560"/>
+            <a:ext cx="7444058" cy="4353250"/>
           </a:xfrm>
           <a:prstGeom prst="rect">
             <a:avLst/>
           </a:prstGeom>
-          <a:ln w="0">
+          <a:ln>
             <a:solidFill>
               <a:schemeClr val="accent1"/>
             </a:solidFill>
@@ -12937,6 +14090,11 @@
         </p:spPr>
       </p:pic>
     </p:spTree>
+    <p:extLst>
+      <p:ext uri="{BB962C8B-B14F-4D97-AF65-F5344CB8AC3E}">
+        <p14:creationId xmlns:p14="http://schemas.microsoft.com/office/powerpoint/2010/main" val="2291547288"/>
+      </p:ext>
+    </p:extLst>
   </p:cSld>
   <p:clrMapOvr>
     <a:masterClrMapping/>
@@ -12945,10 +14103,17 @@
     <mc:Choice Requires="p14">
       <p:transition spd="slow" p14:dur="2000"/>
     </mc:Choice>
-    <mc:Fallback xmlns:p15="http://schemas.microsoft.com/office/powerpoint/2012/main" xmlns="">
+    <mc:Fallback xmlns="" xmlns:p15="http://schemas.microsoft.com/office/powerpoint/2012/main">
       <p:transition spd="slow"/>
     </mc:Fallback>
   </mc:AlternateContent>
+  <p:timing>
+    <p:tnLst>
+      <p:par>
+        <p:cTn id="1" dur="indefinite" restart="never" nodeType="tmRoot"/>
+      </p:par>
+    </p:tnLst>
+  </p:timing>
 </p:sld>
 </file>
 
@@ -12971,6 +14136,141 @@
       </p:grpSpPr>
       <p:sp>
         <p:nvSpPr>
+          <p:cNvPr id="68" name="PlaceHolder 1"/>
+          <p:cNvSpPr>
+            <a:spLocks noGrp="1"/>
+          </p:cNvSpPr>
+          <p:nvPr>
+            <p:ph type="title"/>
+          </p:nvPr>
+        </p:nvSpPr>
+        <p:spPr>
+          <a:xfrm>
+            <a:off x="1331640" y="71640"/>
+            <a:ext cx="7281720" cy="723960"/>
+          </a:xfrm>
+          <a:prstGeom prst="rect">
+            <a:avLst/>
+          </a:prstGeom>
+          <a:noFill/>
+          <a:ln w="0">
+            <a:noFill/>
+          </a:ln>
+        </p:spPr>
+        <p:txBody>
+          <a:bodyPr lIns="100800" tIns="100800" rIns="100800" bIns="100800" anchor="ctr">
+            <a:noAutofit/>
+          </a:bodyPr>
+          <a:lstStyle/>
+          <a:p>
+            <a:pPr indent="0" algn="ctr" defTabSz="914400">
+              <a:lnSpc>
+                <a:spcPct val="100000"/>
+              </a:lnSpc>
+              <a:buNone/>
+              <a:tabLst>
+                <a:tab pos="0" algn="l"/>
+              </a:tabLst>
+            </a:pPr>
+            <a:r>
+              <a:rPr lang="en-US" sz="3600" b="1" strike="noStrike" spc="-1" dirty="0" err="1">
+                <a:solidFill>
+                  <a:srgbClr val="002060"/>
+                </a:solidFill>
+                <a:latin typeface="微軟正黑體"/>
+                <a:ea typeface="微軟正黑體"/>
+              </a:rPr>
+              <a:t>Gitlab</a:t>
+            </a:r>
+            <a:r>
+              <a:rPr lang="en-US" sz="3600" b="1" strike="noStrike" spc="-1" dirty="0">
+                <a:solidFill>
+                  <a:srgbClr val="002060"/>
+                </a:solidFill>
+                <a:latin typeface="微軟正黑體"/>
+                <a:ea typeface="微軟正黑體"/>
+              </a:rPr>
+              <a:t> </a:t>
+            </a:r>
+            <a:r>
+              <a:rPr lang="zh-TW" sz="3600" b="1" strike="noStrike" spc="-1" dirty="0">
+                <a:solidFill>
+                  <a:srgbClr val="002060"/>
+                </a:solidFill>
+                <a:latin typeface="微軟正黑體"/>
+                <a:ea typeface="微軟正黑體"/>
+              </a:rPr>
+              <a:t>權限</a:t>
+            </a:r>
+            <a:endParaRPr lang="en-US" sz="3600" b="1" strike="noStrike" spc="-1" dirty="0">
+              <a:solidFill>
+                <a:srgbClr val="000000"/>
+              </a:solidFill>
+              <a:latin typeface="Arial"/>
+            </a:endParaRPr>
+          </a:p>
+        </p:txBody>
+      </p:sp>
+      <p:pic>
+        <p:nvPicPr>
+          <p:cNvPr id="69" name="圖片 68"/>
+          <p:cNvPicPr/>
+          <p:nvPr/>
+        </p:nvPicPr>
+        <p:blipFill>
+          <a:blip r:embed="rId3"/>
+          <a:stretch/>
+        </p:blipFill>
+        <p:spPr>
+          <a:xfrm>
+            <a:off x="464040" y="794160"/>
+            <a:ext cx="9003600" cy="5346720"/>
+          </a:xfrm>
+          <a:prstGeom prst="rect">
+            <a:avLst/>
+          </a:prstGeom>
+          <a:ln w="0">
+            <a:solidFill>
+              <a:schemeClr val="accent1"/>
+            </a:solidFill>
+          </a:ln>
+        </p:spPr>
+      </p:pic>
+    </p:spTree>
+  </p:cSld>
+  <p:clrMapOvr>
+    <a:masterClrMapping/>
+  </p:clrMapOvr>
+  <mc:AlternateContent xmlns:mc="http://schemas.openxmlformats.org/markup-compatibility/2006" xmlns:p14="http://schemas.microsoft.com/office/powerpoint/2010/main">
+    <mc:Choice Requires="p14">
+      <p:transition spd="slow" p14:dur="2000"/>
+    </mc:Choice>
+    <mc:Fallback xmlns="" xmlns:p15="http://schemas.microsoft.com/office/powerpoint/2012/main">
+      <p:transition spd="slow"/>
+    </mc:Fallback>
+  </mc:AlternateContent>
+</p:sld>
+</file>
+
+<file path=ppt/slides/slide25.xml><?xml version="1.0" encoding="utf-8"?>
+<p:sld xmlns:a="http://schemas.openxmlformats.org/drawingml/2006/main" xmlns:r="http://schemas.openxmlformats.org/officeDocument/2006/relationships" xmlns:p="http://schemas.openxmlformats.org/presentationml/2006/main">
+  <p:cSld>
+    <p:spTree>
+      <p:nvGrpSpPr>
+        <p:cNvPr id="1" name=""/>
+        <p:cNvGrpSpPr/>
+        <p:nvPr/>
+      </p:nvGrpSpPr>
+      <p:grpSpPr>
+        <a:xfrm>
+          <a:off x="0" y="0"/>
+          <a:ext cx="0" cy="0"/>
+          <a:chOff x="0" y="0"/>
+          <a:chExt cx="0" cy="0"/>
+        </a:xfrm>
+      </p:grpSpPr>
+      <p:sp>
+        <p:nvSpPr>
           <p:cNvPr id="70" name="PlaceHolder 1"/>
           <p:cNvSpPr>
             <a:spLocks noGrp="1"/>
@@ -13254,14 +14554,640 @@
     <mc:Choice Requires="p14">
       <p:transition spd="slow" p14:dur="2000"/>
     </mc:Choice>
-    <mc:Fallback xmlns:p15="http://schemas.microsoft.com/office/powerpoint/2012/main" xmlns="">
+    <mc:Fallback xmlns="" xmlns:p15="http://schemas.microsoft.com/office/powerpoint/2012/main">
       <p:transition spd="slow"/>
     </mc:Fallback>
   </mc:AlternateContent>
 </p:sld>
 </file>
 
-<file path=ppt/slides/slide25.xml><?xml version="1.0" encoding="utf-8"?>
+<file path=ppt/slides/slide26.xml><?xml version="1.0" encoding="utf-8"?>
+<p:sld xmlns:a="http://schemas.openxmlformats.org/drawingml/2006/main" xmlns:r="http://schemas.openxmlformats.org/officeDocument/2006/relationships" xmlns:p="http://schemas.openxmlformats.org/presentationml/2006/main">
+  <p:cSld>
+    <p:spTree>
+      <p:nvGrpSpPr>
+        <p:cNvPr id="1" name=""/>
+        <p:cNvGrpSpPr/>
+        <p:nvPr/>
+      </p:nvGrpSpPr>
+      <p:grpSpPr>
+        <a:xfrm>
+          <a:off x="0" y="0"/>
+          <a:ext cx="0" cy="0"/>
+          <a:chOff x="0" y="0"/>
+          <a:chExt cx="0" cy="0"/>
+        </a:xfrm>
+      </p:grpSpPr>
+      <p:sp>
+        <p:nvSpPr>
+          <p:cNvPr id="70" name="PlaceHolder 1"/>
+          <p:cNvSpPr>
+            <a:spLocks noGrp="1"/>
+          </p:cNvSpPr>
+          <p:nvPr>
+            <p:ph type="title" idx="4294967295"/>
+          </p:nvPr>
+        </p:nvSpPr>
+        <p:spPr>
+          <a:xfrm>
+            <a:off x="962184" y="71640"/>
+            <a:ext cx="8070979" cy="723960"/>
+          </a:xfrm>
+          <a:prstGeom prst="rect">
+            <a:avLst/>
+          </a:prstGeom>
+          <a:noFill/>
+          <a:ln w="0">
+            <a:noFill/>
+          </a:ln>
+        </p:spPr>
+        <p:txBody>
+          <a:bodyPr lIns="100800" tIns="100800" rIns="100800" bIns="100800" anchor="ctr">
+            <a:noAutofit/>
+          </a:bodyPr>
+          <a:lstStyle/>
+          <a:p>
+            <a:pPr indent="0" algn="ctr" defTabSz="914400">
+              <a:lnSpc>
+                <a:spcPct val="100000"/>
+              </a:lnSpc>
+              <a:buNone/>
+              <a:tabLst>
+                <a:tab pos="0" algn="l"/>
+              </a:tabLst>
+            </a:pPr>
+            <a:r>
+              <a:rPr lang="zh-TW" altLang="en-US" sz="3600" b="1" strike="noStrike" spc="-1" dirty="0" smtClean="0">
+                <a:solidFill>
+                  <a:srgbClr val="002060"/>
+                </a:solidFill>
+                <a:latin typeface="微軟正黑體"/>
+                <a:ea typeface="微軟正黑體"/>
+              </a:rPr>
+              <a:t>套件來源 </a:t>
+            </a:r>
+            <a:r>
+              <a:rPr lang="en-US" sz="3600" b="1" strike="noStrike" spc="-1" dirty="0" smtClean="0">
+                <a:solidFill>
+                  <a:srgbClr val="002060"/>
+                </a:solidFill>
+                <a:latin typeface="微軟正黑體"/>
+                <a:ea typeface="微軟正黑體"/>
+              </a:rPr>
+              <a:t>Nexus </a:t>
+            </a:r>
+            <a:r>
+              <a:rPr lang="zh-TW" altLang="en-US" sz="3600" b="1" strike="noStrike" spc="-1" dirty="0" smtClean="0">
+                <a:solidFill>
+                  <a:srgbClr val="002060"/>
+                </a:solidFill>
+                <a:latin typeface="微軟正黑體"/>
+                <a:ea typeface="微軟正黑體"/>
+              </a:rPr>
+              <a:t>內部開發本機設定</a:t>
+            </a:r>
+            <a:r>
+              <a:rPr lang="en-US" altLang="zh-TW" sz="3600" b="1" strike="noStrike" spc="-1" dirty="0" smtClean="0">
+                <a:solidFill>
+                  <a:srgbClr val="002060"/>
+                </a:solidFill>
+                <a:latin typeface="微軟正黑體"/>
+                <a:ea typeface="微軟正黑體"/>
+              </a:rPr>
+              <a:t>(</a:t>
+            </a:r>
+            <a:r>
+              <a:rPr lang="zh-TW" altLang="en-US" sz="3600" b="1" strike="noStrike" spc="-1" dirty="0" smtClean="0">
+                <a:solidFill>
+                  <a:srgbClr val="002060"/>
+                </a:solidFill>
+                <a:latin typeface="微軟正黑體"/>
+                <a:ea typeface="微軟正黑體"/>
+              </a:rPr>
+              <a:t>一</a:t>
+            </a:r>
+            <a:r>
+              <a:rPr lang="en-US" altLang="zh-TW" sz="3600" b="1" strike="noStrike" spc="-1" dirty="0" smtClean="0">
+                <a:solidFill>
+                  <a:srgbClr val="002060"/>
+                </a:solidFill>
+                <a:latin typeface="微軟正黑體"/>
+                <a:ea typeface="微軟正黑體"/>
+              </a:rPr>
+              <a:t>)</a:t>
+            </a:r>
+            <a:endParaRPr lang="en-US" sz="3600" b="1" strike="noStrike" spc="-1" dirty="0">
+              <a:solidFill>
+                <a:srgbClr val="000000"/>
+              </a:solidFill>
+              <a:latin typeface="Arial"/>
+            </a:endParaRPr>
+          </a:p>
+        </p:txBody>
+      </p:sp>
+      <p:pic>
+        <p:nvPicPr>
+          <p:cNvPr id="5" name="影像1"/>
+          <p:cNvPicPr/>
+          <p:nvPr/>
+        </p:nvPicPr>
+        <p:blipFill>
+          <a:blip r:embed="rId3"/>
+          <a:stretch>
+            <a:fillRect/>
+          </a:stretch>
+        </p:blipFill>
+        <p:spPr bwMode="auto">
+          <a:xfrm>
+            <a:off x="1136073" y="795600"/>
+            <a:ext cx="8120180" cy="5108430"/>
+          </a:xfrm>
+          <a:prstGeom prst="rect">
+            <a:avLst/>
+          </a:prstGeom>
+        </p:spPr>
+      </p:pic>
+    </p:spTree>
+    <p:extLst>
+      <p:ext uri="{BB962C8B-B14F-4D97-AF65-F5344CB8AC3E}">
+        <p14:creationId xmlns:p14="http://schemas.microsoft.com/office/powerpoint/2010/main" val="1718772805"/>
+      </p:ext>
+    </p:extLst>
+  </p:cSld>
+  <p:clrMapOvr>
+    <a:masterClrMapping/>
+  </p:clrMapOvr>
+  <mc:AlternateContent xmlns:mc="http://schemas.openxmlformats.org/markup-compatibility/2006" xmlns:p14="http://schemas.microsoft.com/office/powerpoint/2010/main">
+    <mc:Choice Requires="p14">
+      <p:transition spd="slow" p14:dur="2000"/>
+    </mc:Choice>
+    <mc:Fallback xmlns="" xmlns:p15="http://schemas.microsoft.com/office/powerpoint/2012/main">
+      <p:transition spd="slow"/>
+    </mc:Fallback>
+  </mc:AlternateContent>
+</p:sld>
+</file>
+
+<file path=ppt/slides/slide27.xml><?xml version="1.0" encoding="utf-8"?>
+<p:sld xmlns:a="http://schemas.openxmlformats.org/drawingml/2006/main" xmlns:r="http://schemas.openxmlformats.org/officeDocument/2006/relationships" xmlns:p="http://schemas.openxmlformats.org/presentationml/2006/main">
+  <p:cSld>
+    <p:spTree>
+      <p:nvGrpSpPr>
+        <p:cNvPr id="1" name=""/>
+        <p:cNvGrpSpPr/>
+        <p:nvPr/>
+      </p:nvGrpSpPr>
+      <p:grpSpPr>
+        <a:xfrm>
+          <a:off x="0" y="0"/>
+          <a:ext cx="0" cy="0"/>
+          <a:chOff x="0" y="0"/>
+          <a:chExt cx="0" cy="0"/>
+        </a:xfrm>
+      </p:grpSpPr>
+      <p:pic>
+        <p:nvPicPr>
+          <p:cNvPr id="4" name="影像2"/>
+          <p:cNvPicPr/>
+          <p:nvPr/>
+        </p:nvPicPr>
+        <p:blipFill>
+          <a:blip r:embed="rId3"/>
+          <a:stretch>
+            <a:fillRect/>
+          </a:stretch>
+        </p:blipFill>
+        <p:spPr bwMode="auto">
+          <a:xfrm>
+            <a:off x="723816" y="979055"/>
+            <a:ext cx="8497368" cy="4724574"/>
+          </a:xfrm>
+          <a:prstGeom prst="rect">
+            <a:avLst/>
+          </a:prstGeom>
+        </p:spPr>
+      </p:pic>
+      <p:sp>
+        <p:nvSpPr>
+          <p:cNvPr id="8" name="PlaceHolder 1"/>
+          <p:cNvSpPr txBox="1">
+            <a:spLocks/>
+          </p:cNvSpPr>
+          <p:nvPr/>
+        </p:nvSpPr>
+        <p:spPr>
+          <a:xfrm>
+            <a:off x="962184" y="71640"/>
+            <a:ext cx="8070979" cy="723960"/>
+          </a:xfrm>
+          <a:prstGeom prst="rect">
+            <a:avLst/>
+          </a:prstGeom>
+          <a:noFill/>
+          <a:ln w="0">
+            <a:noFill/>
+          </a:ln>
+        </p:spPr>
+        <p:txBody>
+          <a:bodyPr lIns="100800" tIns="100800" rIns="100800" bIns="100800" anchor="ctr">
+            <a:noAutofit/>
+          </a:bodyPr>
+          <a:lstStyle>
+            <a:lvl1pPr algn="l" defTabSz="914400" rtl="0" eaLnBrk="1" latinLnBrk="0" hangingPunct="1">
+              <a:lnSpc>
+                <a:spcPct val="90000"/>
+              </a:lnSpc>
+              <a:spcBef>
+                <a:spcPct val="0"/>
+              </a:spcBef>
+              <a:buNone/>
+              <a:defRPr sz="4400" kern="1200">
+                <a:solidFill>
+                  <a:schemeClr val="tx1"/>
+                </a:solidFill>
+                <a:latin typeface="+mj-lt"/>
+                <a:ea typeface="+mj-ea"/>
+                <a:cs typeface="+mj-cs"/>
+              </a:defRPr>
+            </a:lvl1pPr>
+          </a:lstStyle>
+          <a:p>
+            <a:pPr algn="ctr">
+              <a:lnSpc>
+                <a:spcPct val="100000"/>
+              </a:lnSpc>
+              <a:tabLst>
+                <a:tab pos="0" algn="l"/>
+              </a:tabLst>
+            </a:pPr>
+            <a:r>
+              <a:rPr lang="zh-TW" altLang="en-US" sz="3600" b="1" spc="-1" dirty="0" smtClean="0">
+                <a:solidFill>
+                  <a:srgbClr val="002060"/>
+                </a:solidFill>
+                <a:latin typeface="微軟正黑體"/>
+                <a:ea typeface="微軟正黑體"/>
+              </a:rPr>
+              <a:t>套件來源 </a:t>
+            </a:r>
+            <a:r>
+              <a:rPr lang="en-US" sz="3600" b="1" spc="-1" dirty="0" smtClean="0">
+                <a:solidFill>
+                  <a:srgbClr val="002060"/>
+                </a:solidFill>
+                <a:latin typeface="微軟正黑體"/>
+                <a:ea typeface="微軟正黑體"/>
+              </a:rPr>
+              <a:t>Nexus </a:t>
+            </a:r>
+            <a:r>
+              <a:rPr lang="zh-TW" altLang="en-US" sz="3600" b="1" spc="-1" dirty="0" smtClean="0">
+                <a:solidFill>
+                  <a:srgbClr val="002060"/>
+                </a:solidFill>
+                <a:latin typeface="微軟正黑體"/>
+                <a:ea typeface="微軟正黑體"/>
+              </a:rPr>
+              <a:t>內部開發本機設定</a:t>
+            </a:r>
+            <a:r>
+              <a:rPr lang="en-US" altLang="zh-TW" sz="3600" b="1" spc="-1" dirty="0" smtClean="0">
+                <a:solidFill>
+                  <a:srgbClr val="002060"/>
+                </a:solidFill>
+                <a:latin typeface="微軟正黑體"/>
+                <a:ea typeface="微軟正黑體"/>
+              </a:rPr>
+              <a:t>(</a:t>
+            </a:r>
+            <a:r>
+              <a:rPr lang="zh-TW" altLang="en-US" sz="3600" b="1" spc="-1" dirty="0" smtClean="0">
+                <a:solidFill>
+                  <a:srgbClr val="002060"/>
+                </a:solidFill>
+                <a:latin typeface="微軟正黑體"/>
+                <a:ea typeface="微軟正黑體"/>
+              </a:rPr>
+              <a:t>二</a:t>
+            </a:r>
+            <a:r>
+              <a:rPr lang="en-US" altLang="zh-TW" sz="3600" b="1" spc="-1" dirty="0" smtClean="0">
+                <a:solidFill>
+                  <a:srgbClr val="002060"/>
+                </a:solidFill>
+                <a:latin typeface="微軟正黑體"/>
+                <a:ea typeface="微軟正黑體"/>
+              </a:rPr>
+              <a:t>)</a:t>
+            </a:r>
+            <a:endParaRPr lang="en-US" sz="3600" b="1" spc="-1" dirty="0">
+              <a:solidFill>
+                <a:srgbClr val="000000"/>
+              </a:solidFill>
+              <a:latin typeface="Arial"/>
+            </a:endParaRPr>
+          </a:p>
+        </p:txBody>
+      </p:sp>
+    </p:spTree>
+    <p:extLst>
+      <p:ext uri="{BB962C8B-B14F-4D97-AF65-F5344CB8AC3E}">
+        <p14:creationId xmlns:p14="http://schemas.microsoft.com/office/powerpoint/2010/main" val="961069681"/>
+      </p:ext>
+    </p:extLst>
+  </p:cSld>
+  <p:clrMapOvr>
+    <a:masterClrMapping/>
+  </p:clrMapOvr>
+  <mc:AlternateContent xmlns:mc="http://schemas.openxmlformats.org/markup-compatibility/2006" xmlns:p14="http://schemas.microsoft.com/office/powerpoint/2010/main">
+    <mc:Choice Requires="p14">
+      <p:transition spd="slow" p14:dur="2000"/>
+    </mc:Choice>
+    <mc:Fallback xmlns="" xmlns:p15="http://schemas.microsoft.com/office/powerpoint/2012/main">
+      <p:transition spd="slow"/>
+    </mc:Fallback>
+  </mc:AlternateContent>
+</p:sld>
+</file>
+
+<file path=ppt/slides/slide28.xml><?xml version="1.0" encoding="utf-8"?>
+<p:sld xmlns:a="http://schemas.openxmlformats.org/drawingml/2006/main" xmlns:r="http://schemas.openxmlformats.org/officeDocument/2006/relationships" xmlns:p="http://schemas.openxmlformats.org/presentationml/2006/main">
+  <p:cSld>
+    <p:spTree>
+      <p:nvGrpSpPr>
+        <p:cNvPr id="1" name=""/>
+        <p:cNvGrpSpPr/>
+        <p:nvPr/>
+      </p:nvGrpSpPr>
+      <p:grpSpPr>
+        <a:xfrm>
+          <a:off x="0" y="0"/>
+          <a:ext cx="0" cy="0"/>
+          <a:chOff x="0" y="0"/>
+          <a:chExt cx="0" cy="0"/>
+        </a:xfrm>
+      </p:grpSpPr>
+      <p:pic>
+        <p:nvPicPr>
+          <p:cNvPr id="4" name="影像3"/>
+          <p:cNvPicPr/>
+          <p:nvPr/>
+        </p:nvPicPr>
+        <p:blipFill>
+          <a:blip r:embed="rId3"/>
+          <a:stretch>
+            <a:fillRect/>
+          </a:stretch>
+        </p:blipFill>
+        <p:spPr bwMode="auto">
+          <a:xfrm>
+            <a:off x="997527" y="1754909"/>
+            <a:ext cx="8211040" cy="4079269"/>
+          </a:xfrm>
+          <a:prstGeom prst="rect">
+            <a:avLst/>
+          </a:prstGeom>
+        </p:spPr>
+      </p:pic>
+      <p:sp>
+        <p:nvSpPr>
+          <p:cNvPr id="6" name="PlaceHolder 3"/>
+          <p:cNvSpPr/>
+          <p:nvPr/>
+        </p:nvSpPr>
+        <p:spPr>
+          <a:xfrm>
+            <a:off x="997527" y="795600"/>
+            <a:ext cx="8311320" cy="765345"/>
+          </a:xfrm>
+          <a:prstGeom prst="rect">
+            <a:avLst/>
+          </a:prstGeom>
+          <a:noFill/>
+          <a:ln w="0">
+            <a:noFill/>
+          </a:ln>
+        </p:spPr>
+        <p:style>
+          <a:lnRef idx="0">
+            <a:scrgbClr r="0" g="0" b="0"/>
+          </a:lnRef>
+          <a:fillRef idx="0">
+            <a:scrgbClr r="0" g="0" b="0"/>
+          </a:fillRef>
+          <a:effectRef idx="0">
+            <a:scrgbClr r="0" g="0" b="0"/>
+          </a:effectRef>
+          <a:fontRef idx="minor"/>
+        </p:style>
+        <p:txBody>
+          <a:bodyPr lIns="100800" tIns="100800" rIns="100800" bIns="100800" anchor="ctr">
+            <a:noAutofit/>
+          </a:bodyPr>
+          <a:lstStyle/>
+          <a:p>
+            <a:pPr defTabSz="914400">
+              <a:lnSpc>
+                <a:spcPct val="100000"/>
+              </a:lnSpc>
+              <a:tabLst>
+                <a:tab pos="0" algn="l"/>
+              </a:tabLst>
+            </a:pPr>
+            <a:r>
+              <a:rPr lang="zh-TW" altLang="en-US" sz="2400" b="0" strike="noStrike" spc="-1" dirty="0" smtClean="0">
+                <a:solidFill>
+                  <a:srgbClr val="002060"/>
+                </a:solidFill>
+                <a:latin typeface="標楷體" panose="03000509000000000000" pitchFamily="65" charset="-120"/>
+                <a:ea typeface="標楷體" panose="03000509000000000000" pitchFamily="65" charset="-120"/>
+              </a:rPr>
+              <a:t>於開發本機 </a:t>
+            </a:r>
+            <a:r>
+              <a:rPr lang="en-US" altLang="zh-TW" sz="2400" b="0" strike="noStrike" spc="-1" dirty="0" smtClean="0">
+                <a:solidFill>
+                  <a:srgbClr val="002060"/>
+                </a:solidFill>
+                <a:latin typeface="標楷體" panose="03000509000000000000" pitchFamily="65" charset="-120"/>
+                <a:ea typeface="標楷體" panose="03000509000000000000" pitchFamily="65" charset="-120"/>
+              </a:rPr>
+              <a:t>~/.m2/settings </a:t>
+            </a:r>
+            <a:r>
+              <a:rPr lang="zh-TW" altLang="en-US" sz="2400" b="0" strike="noStrike" spc="-1" dirty="0" smtClean="0">
+                <a:solidFill>
+                  <a:srgbClr val="002060"/>
+                </a:solidFill>
+                <a:latin typeface="標楷體" panose="03000509000000000000" pitchFamily="65" charset="-120"/>
+                <a:ea typeface="標楷體" panose="03000509000000000000" pitchFamily="65" charset="-120"/>
+              </a:rPr>
+              <a:t>設定 </a:t>
+            </a:r>
+            <a:r>
+              <a:rPr lang="en-US" altLang="zh-TW" sz="2400" b="0" strike="noStrike" spc="-1" dirty="0" smtClean="0">
+                <a:solidFill>
+                  <a:srgbClr val="002060"/>
+                </a:solidFill>
+                <a:latin typeface="標楷體" panose="03000509000000000000" pitchFamily="65" charset="-120"/>
+                <a:ea typeface="標楷體" panose="03000509000000000000" pitchFamily="65" charset="-120"/>
+              </a:rPr>
+              <a:t>mirrors</a:t>
+            </a:r>
+            <a:endParaRPr lang="en-US" sz="2400" b="0" strike="noStrike" spc="-1" dirty="0">
+              <a:solidFill>
+                <a:srgbClr val="000000"/>
+              </a:solidFill>
+              <a:latin typeface="標楷體" panose="03000509000000000000" pitchFamily="65" charset="-120"/>
+              <a:ea typeface="標楷體" panose="03000509000000000000" pitchFamily="65" charset="-120"/>
+            </a:endParaRPr>
+          </a:p>
+        </p:txBody>
+      </p:sp>
+      <p:sp>
+        <p:nvSpPr>
+          <p:cNvPr id="7" name="PlaceHolder 1"/>
+          <p:cNvSpPr txBox="1">
+            <a:spLocks/>
+          </p:cNvSpPr>
+          <p:nvPr/>
+        </p:nvSpPr>
+        <p:spPr>
+          <a:xfrm>
+            <a:off x="962184" y="71640"/>
+            <a:ext cx="8070979" cy="723960"/>
+          </a:xfrm>
+          <a:prstGeom prst="rect">
+            <a:avLst/>
+          </a:prstGeom>
+          <a:noFill/>
+          <a:ln w="0">
+            <a:noFill/>
+          </a:ln>
+        </p:spPr>
+        <p:txBody>
+          <a:bodyPr lIns="100800" tIns="100800" rIns="100800" bIns="100800" anchor="ctr">
+            <a:noAutofit/>
+          </a:bodyPr>
+          <a:lstStyle>
+            <a:lvl1pPr algn="l" defTabSz="914400" rtl="0" eaLnBrk="1" latinLnBrk="0" hangingPunct="1">
+              <a:lnSpc>
+                <a:spcPct val="90000"/>
+              </a:lnSpc>
+              <a:spcBef>
+                <a:spcPct val="0"/>
+              </a:spcBef>
+              <a:buNone/>
+              <a:defRPr sz="4400" kern="1200">
+                <a:solidFill>
+                  <a:schemeClr val="tx1"/>
+                </a:solidFill>
+                <a:latin typeface="+mj-lt"/>
+                <a:ea typeface="+mj-ea"/>
+                <a:cs typeface="+mj-cs"/>
+              </a:defRPr>
+            </a:lvl1pPr>
+          </a:lstStyle>
+          <a:p>
+            <a:pPr algn="ctr">
+              <a:lnSpc>
+                <a:spcPct val="100000"/>
+              </a:lnSpc>
+              <a:tabLst>
+                <a:tab pos="0" algn="l"/>
+              </a:tabLst>
+            </a:pPr>
+            <a:r>
+              <a:rPr lang="zh-TW" altLang="en-US" sz="3600" b="1" spc="-1" dirty="0" smtClean="0">
+                <a:solidFill>
+                  <a:srgbClr val="002060"/>
+                </a:solidFill>
+                <a:latin typeface="微軟正黑體"/>
+                <a:ea typeface="微軟正黑體"/>
+              </a:rPr>
+              <a:t>套件來源 </a:t>
+            </a:r>
+            <a:r>
+              <a:rPr lang="en-US" sz="3600" b="1" spc="-1" dirty="0" smtClean="0">
+                <a:solidFill>
+                  <a:srgbClr val="002060"/>
+                </a:solidFill>
+                <a:latin typeface="微軟正黑體"/>
+                <a:ea typeface="微軟正黑體"/>
+              </a:rPr>
+              <a:t>Nexus </a:t>
+            </a:r>
+            <a:r>
+              <a:rPr lang="zh-TW" altLang="en-US" sz="3600" b="1" spc="-1" dirty="0" smtClean="0">
+                <a:solidFill>
+                  <a:srgbClr val="002060"/>
+                </a:solidFill>
+                <a:latin typeface="微軟正黑體"/>
+                <a:ea typeface="微軟正黑體"/>
+              </a:rPr>
+              <a:t>內部開發本機設定</a:t>
+            </a:r>
+            <a:r>
+              <a:rPr lang="en-US" altLang="zh-TW" sz="3600" b="1" spc="-1" dirty="0" smtClean="0">
+                <a:solidFill>
+                  <a:srgbClr val="002060"/>
+                </a:solidFill>
+                <a:latin typeface="微軟正黑體"/>
+                <a:ea typeface="微軟正黑體"/>
+              </a:rPr>
+              <a:t>(</a:t>
+            </a:r>
+            <a:r>
+              <a:rPr lang="zh-TW" altLang="en-US" sz="3600" b="1" spc="-1" dirty="0" smtClean="0">
+                <a:solidFill>
+                  <a:srgbClr val="002060"/>
+                </a:solidFill>
+                <a:latin typeface="微軟正黑體"/>
+                <a:ea typeface="微軟正黑體"/>
+              </a:rPr>
+              <a:t>三</a:t>
+            </a:r>
+            <a:r>
+              <a:rPr lang="en-US" altLang="zh-TW" sz="3600" b="1" spc="-1" dirty="0" smtClean="0">
+                <a:solidFill>
+                  <a:srgbClr val="002060"/>
+                </a:solidFill>
+                <a:latin typeface="微軟正黑體"/>
+                <a:ea typeface="微軟正黑體"/>
+              </a:rPr>
+              <a:t>)</a:t>
+            </a:r>
+            <a:endParaRPr lang="en-US" sz="3600" b="1" spc="-1" dirty="0">
+              <a:solidFill>
+                <a:srgbClr val="000000"/>
+              </a:solidFill>
+              <a:latin typeface="Arial"/>
+            </a:endParaRPr>
+          </a:p>
+        </p:txBody>
+      </p:sp>
+    </p:spTree>
+    <p:extLst>
+      <p:ext uri="{BB962C8B-B14F-4D97-AF65-F5344CB8AC3E}">
+        <p14:creationId xmlns:p14="http://schemas.microsoft.com/office/powerpoint/2010/main" val="3362797581"/>
+      </p:ext>
+    </p:extLst>
+  </p:cSld>
+  <p:clrMapOvr>
+    <a:masterClrMapping/>
+  </p:clrMapOvr>
+  <mc:AlternateContent xmlns:mc="http://schemas.openxmlformats.org/markup-compatibility/2006" xmlns:p14="http://schemas.microsoft.com/office/powerpoint/2010/main">
+    <mc:Choice Requires="p14">
+      <p:transition spd="slow" p14:dur="2000"/>
+    </mc:Choice>
+    <mc:Fallback xmlns="" xmlns:p15="http://schemas.microsoft.com/office/powerpoint/2012/main">
+      <p:transition spd="slow"/>
+    </mc:Fallback>
+  </mc:AlternateContent>
+</p:sld>
+</file>
+
+<file path=ppt/slides/slide29.xml><?xml version="1.0" encoding="utf-8"?>
 <p:sld xmlns:a="http://schemas.openxmlformats.org/drawingml/2006/main" xmlns:r="http://schemas.openxmlformats.org/officeDocument/2006/relationships" xmlns:p="http://schemas.openxmlformats.org/presentationml/2006/main">
   <p:cSld>
     <p:spTree>
@@ -18264,7 +20190,7 @@
     <mc:Choice Requires="p14">
       <p:transition spd="slow" p14:dur="2000"/>
     </mc:Choice>
-    <mc:Fallback xmlns:p15="http://schemas.microsoft.com/office/powerpoint/2012/main" xmlns="">
+    <mc:Fallback xmlns="" xmlns:p15="http://schemas.microsoft.com/office/powerpoint/2012/main">
       <p:transition spd="slow"/>
     </mc:Fallback>
   </mc:AlternateContent>
@@ -20398,7 +22324,7 @@
     <mc:Choice Requires="p14">
       <p:transition spd="slow" p14:dur="2000"/>
     </mc:Choice>
-    <mc:Fallback xmlns:p15="http://schemas.microsoft.com/office/powerpoint/2012/main" xmlns="">
+    <mc:Fallback xmlns="" xmlns:p15="http://schemas.microsoft.com/office/powerpoint/2012/main">
       <p:transition spd="slow"/>
     </mc:Fallback>
   </mc:AlternateContent>
@@ -23882,7 +25808,7 @@
     <mc:Choice Requires="p14">
       <p:transition spd="slow" p14:dur="2000"/>
     </mc:Choice>
-    <mc:Fallback xmlns:p15="http://schemas.microsoft.com/office/powerpoint/2012/main" xmlns="">
+    <mc:Fallback xmlns="" xmlns:p15="http://schemas.microsoft.com/office/powerpoint/2012/main">
       <p:transition spd="slow"/>
     </mc:Fallback>
   </mc:AlternateContent>
@@ -27488,7 +29414,7 @@
     <mc:Choice Requires="p14">
       <p:transition spd="slow" p14:dur="2000"/>
     </mc:Choice>
-    <mc:Fallback xmlns:p15="http://schemas.microsoft.com/office/powerpoint/2012/main" xmlns="">
+    <mc:Fallback xmlns="" xmlns:p15="http://schemas.microsoft.com/office/powerpoint/2012/main">
       <p:transition spd="slow"/>
     </mc:Fallback>
   </mc:AlternateContent>
@@ -29920,7 +31846,7 @@
     <mc:Choice Requires="p14">
       <p:transition spd="slow" p14:dur="2000"/>
     </mc:Choice>
-    <mc:Fallback xmlns:p15="http://schemas.microsoft.com/office/powerpoint/2012/main" xmlns="">
+    <mc:Fallback xmlns="" xmlns:p15="http://schemas.microsoft.com/office/powerpoint/2012/main">
       <p:transition spd="slow"/>
     </mc:Fallback>
   </mc:AlternateContent>
@@ -30284,7 +32210,7 @@
     <mc:Choice Requires="p14">
       <p:transition spd="slow" p14:dur="2000"/>
     </mc:Choice>
-    <mc:Fallback xmlns:p15="http://schemas.microsoft.com/office/powerpoint/2012/main" xmlns="">
+    <mc:Fallback xmlns="" xmlns:p15="http://schemas.microsoft.com/office/powerpoint/2012/main">
       <p:transition spd="slow"/>
     </mc:Fallback>
   </mc:AlternateContent>
@@ -30598,7 +32524,7 @@
     <mc:Choice Requires="p14">
       <p:transition spd="slow" p14:dur="2000"/>
     </mc:Choice>
-    <mc:Fallback xmlns:p15="http://schemas.microsoft.com/office/powerpoint/2012/main" xmlns="">
+    <mc:Fallback xmlns="" xmlns:p15="http://schemas.microsoft.com/office/powerpoint/2012/main">
       <p:transition spd="slow"/>
     </mc:Fallback>
   </mc:AlternateContent>
@@ -30945,7 +32871,7 @@
     <mc:Choice Requires="p14">
       <p:transition spd="slow" p14:dur="2000"/>
     </mc:Choice>
-    <mc:Fallback xmlns:p15="http://schemas.microsoft.com/office/powerpoint/2012/main" xmlns="">
+    <mc:Fallback xmlns="" xmlns:p15="http://schemas.microsoft.com/office/powerpoint/2012/main">
       <p:transition spd="slow"/>
     </mc:Fallback>
   </mc:AlternateContent>

--- a/CICD Process.pptx
+++ b/CICD Process.pptx
@@ -7660,7 +7660,7 @@
     <mc:Choice Requires="p14">
       <p:transition spd="slow" p14:dur="2000"/>
     </mc:Choice>
-    <mc:Fallback xmlns="" xmlns:p15="http://schemas.microsoft.com/office/powerpoint/2012/main">
+    <mc:Fallback xmlns:p15="http://schemas.microsoft.com/office/powerpoint/2012/main" xmlns="">
       <p:transition spd="slow"/>
     </mc:Fallback>
   </mc:AlternateContent>
@@ -7811,7 +7811,7 @@
     <mc:Choice Requires="p14">
       <p:transition spd="slow" p14:dur="2000"/>
     </mc:Choice>
-    <mc:Fallback xmlns="" xmlns:p15="http://schemas.microsoft.com/office/powerpoint/2012/main">
+    <mc:Fallback xmlns:p15="http://schemas.microsoft.com/office/powerpoint/2012/main" xmlns="">
       <p:transition spd="slow"/>
     </mc:Fallback>
   </mc:AlternateContent>
@@ -7992,7 +7992,7 @@
     <mc:Choice Requires="p14">
       <p:transition spd="slow" p14:dur="2000"/>
     </mc:Choice>
-    <mc:Fallback xmlns="" xmlns:p15="http://schemas.microsoft.com/office/powerpoint/2012/main">
+    <mc:Fallback xmlns:p15="http://schemas.microsoft.com/office/powerpoint/2012/main" xmlns="">
       <p:transition spd="slow"/>
     </mc:Fallback>
   </mc:AlternateContent>
@@ -8403,7 +8403,7 @@
     <mc:Choice Requires="p14">
       <p:transition spd="slow" p14:dur="2000"/>
     </mc:Choice>
-    <mc:Fallback xmlns="" xmlns:p15="http://schemas.microsoft.com/office/powerpoint/2012/main">
+    <mc:Fallback xmlns:p15="http://schemas.microsoft.com/office/powerpoint/2012/main" xmlns="">
       <p:transition spd="slow"/>
     </mc:Fallback>
   </mc:AlternateContent>
@@ -8563,7 +8563,7 @@
     <mc:Choice Requires="p14">
       <p:transition spd="slow" p14:dur="2000"/>
     </mc:Choice>
-    <mc:Fallback xmlns="" xmlns:p15="http://schemas.microsoft.com/office/powerpoint/2012/main">
+    <mc:Fallback xmlns:p15="http://schemas.microsoft.com/office/powerpoint/2012/main" xmlns="">
       <p:transition spd="slow"/>
     </mc:Fallback>
   </mc:AlternateContent>
@@ -9140,7 +9140,7 @@
     <mc:Choice Requires="p14">
       <p:transition spd="slow" p14:dur="2000"/>
     </mc:Choice>
-    <mc:Fallback xmlns="" xmlns:p15="http://schemas.microsoft.com/office/powerpoint/2012/main">
+    <mc:Fallback xmlns:p15="http://schemas.microsoft.com/office/powerpoint/2012/main" xmlns="">
       <p:transition spd="slow"/>
     </mc:Fallback>
   </mc:AlternateContent>
@@ -9321,7 +9321,7 @@
     <mc:Choice Requires="p14">
       <p:transition spd="slow" p14:dur="2000"/>
     </mc:Choice>
-    <mc:Fallback xmlns="" xmlns:p15="http://schemas.microsoft.com/office/powerpoint/2012/main">
+    <mc:Fallback xmlns:p15="http://schemas.microsoft.com/office/powerpoint/2012/main" xmlns="">
       <p:transition spd="slow"/>
     </mc:Fallback>
   </mc:AlternateContent>
@@ -9502,7 +9502,7 @@
     <mc:Choice Requires="p14">
       <p:transition spd="slow" p14:dur="2000"/>
     </mc:Choice>
-    <mc:Fallback xmlns="" xmlns:p15="http://schemas.microsoft.com/office/powerpoint/2012/main">
+    <mc:Fallback xmlns:p15="http://schemas.microsoft.com/office/powerpoint/2012/main" xmlns="">
       <p:transition spd="slow"/>
     </mc:Fallback>
   </mc:AlternateContent>
@@ -10075,7 +10075,7 @@
     <mc:Choice Requires="p14">
       <p:transition spd="slow" p14:dur="2000"/>
     </mc:Choice>
-    <mc:Fallback xmlns="" xmlns:p15="http://schemas.microsoft.com/office/powerpoint/2012/main">
+    <mc:Fallback xmlns:p15="http://schemas.microsoft.com/office/powerpoint/2012/main" xmlns="">
       <p:transition spd="slow"/>
     </mc:Fallback>
   </mc:AlternateContent>
@@ -10226,7 +10226,7 @@
     <mc:Choice Requires="p14">
       <p:transition spd="slow" p14:dur="2000"/>
     </mc:Choice>
-    <mc:Fallback xmlns="" xmlns:p15="http://schemas.microsoft.com/office/powerpoint/2012/main">
+    <mc:Fallback xmlns:p15="http://schemas.microsoft.com/office/powerpoint/2012/main" xmlns="">
       <p:transition spd="slow"/>
     </mc:Fallback>
   </mc:AlternateContent>
@@ -10313,17 +10313,7 @@
                 <a:latin typeface="微軟正黑體"/>
                 <a:ea typeface="微軟正黑體"/>
               </a:rPr>
-              <a:t> </a:t>
-            </a:r>
-            <a:r>
-              <a:rPr lang="en-US" altLang="zh-TW" sz="3600" b="1" strike="noStrike" spc="-1" dirty="0" smtClean="0">
-                <a:solidFill>
-                  <a:srgbClr val="002060"/>
-                </a:solidFill>
-                <a:latin typeface="微軟正黑體"/>
-                <a:ea typeface="微軟正黑體"/>
-              </a:rPr>
-              <a:t>Tag </a:t>
+              <a:t> Tag </a:t>
             </a:r>
             <a:r>
               <a:rPr lang="zh-TW" altLang="en-US" sz="3600" b="1" strike="noStrike" spc="-1" dirty="0" smtClean="0">
@@ -11122,7 +11112,7 @@
     <mc:Choice Requires="p14">
       <p:transition spd="slow" p14:dur="2000"/>
     </mc:Choice>
-    <mc:Fallback xmlns="" xmlns:p15="http://schemas.microsoft.com/office/powerpoint/2012/main">
+    <mc:Fallback xmlns:p15="http://schemas.microsoft.com/office/powerpoint/2012/main" xmlns="">
       <p:transition spd="slow"/>
     </mc:Fallback>
   </mc:AlternateContent>
@@ -13078,7 +13068,7 @@
     <mc:Choice Requires="p14">
       <p:transition spd="slow" p14:dur="2000"/>
     </mc:Choice>
-    <mc:Fallback xmlns="" xmlns:p15="http://schemas.microsoft.com/office/powerpoint/2012/main">
+    <mc:Fallback xmlns:p15="http://schemas.microsoft.com/office/powerpoint/2012/main" xmlns="">
       <p:transition spd="slow"/>
     </mc:Fallback>
   </mc:AlternateContent>
@@ -13351,7 +13341,7 @@
     <mc:Choice Requires="p14">
       <p:transition spd="slow" p14:dur="2000"/>
     </mc:Choice>
-    <mc:Fallback xmlns="" xmlns:p15="http://schemas.microsoft.com/office/powerpoint/2012/main">
+    <mc:Fallback xmlns:p15="http://schemas.microsoft.com/office/powerpoint/2012/main" xmlns="">
       <p:transition spd="slow"/>
     </mc:Fallback>
   </mc:AlternateContent>
@@ -13615,7 +13605,7 @@
     <mc:Choice Requires="p14">
       <p:transition spd="slow" p14:dur="2000"/>
     </mc:Choice>
-    <mc:Fallback xmlns="" xmlns:p15="http://schemas.microsoft.com/office/powerpoint/2012/main">
+    <mc:Fallback xmlns:p15="http://schemas.microsoft.com/office/powerpoint/2012/main" xmlns="">
       <p:transition spd="slow"/>
     </mc:Fallback>
   </mc:AlternateContent>
@@ -13869,7 +13859,7 @@
     <mc:Choice Requires="p14">
       <p:transition spd="slow" p14:dur="2000"/>
     </mc:Choice>
-    <mc:Fallback xmlns="" xmlns:p15="http://schemas.microsoft.com/office/powerpoint/2012/main">
+    <mc:Fallback xmlns:p15="http://schemas.microsoft.com/office/powerpoint/2012/main" xmlns="">
       <p:transition spd="slow"/>
     </mc:Fallback>
   </mc:AlternateContent>
@@ -14103,7 +14093,7 @@
     <mc:Choice Requires="p14">
       <p:transition spd="slow" p14:dur="2000"/>
     </mc:Choice>
-    <mc:Fallback xmlns="" xmlns:p15="http://schemas.microsoft.com/office/powerpoint/2012/main">
+    <mc:Fallback xmlns:p15="http://schemas.microsoft.com/office/powerpoint/2012/main" xmlns="">
       <p:transition spd="slow"/>
     </mc:Fallback>
   </mc:AlternateContent>
@@ -14213,23 +14203,25 @@
       </p:sp>
       <p:pic>
         <p:nvPicPr>
-          <p:cNvPr id="69" name="圖片 68"/>
+          <p:cNvPr id="4" name="影像5"/>
           <p:cNvPicPr/>
           <p:nvPr/>
         </p:nvPicPr>
         <p:blipFill>
           <a:blip r:embed="rId3"/>
-          <a:stretch/>
+          <a:stretch>
+            <a:fillRect/>
+          </a:stretch>
         </p:blipFill>
-        <p:spPr>
-          <a:xfrm>
-            <a:off x="464040" y="794160"/>
-            <a:ext cx="9003600" cy="5346720"/>
+        <p:spPr bwMode="auto">
+          <a:xfrm>
+            <a:off x="372834" y="795600"/>
+            <a:ext cx="9199331" cy="4972050"/>
           </a:xfrm>
           <a:prstGeom prst="rect">
             <a:avLst/>
           </a:prstGeom>
-          <a:ln w="0">
+          <a:ln>
             <a:solidFill>
               <a:schemeClr val="accent1"/>
             </a:solidFill>
@@ -14245,7 +14237,7 @@
     <mc:Choice Requires="p14">
       <p:transition spd="slow" p14:dur="2000"/>
     </mc:Choice>
-    <mc:Fallback xmlns="" xmlns:p15="http://schemas.microsoft.com/office/powerpoint/2012/main">
+    <mc:Fallback xmlns:p15="http://schemas.microsoft.com/office/powerpoint/2012/main" xmlns="">
       <p:transition spd="slow"/>
     </mc:Fallback>
   </mc:AlternateContent>
@@ -14522,23 +14514,25 @@
       </p:sp>
       <p:pic>
         <p:nvPicPr>
-          <p:cNvPr id="72" name="圖片 71"/>
+          <p:cNvPr id="6" name="影像4"/>
           <p:cNvPicPr/>
           <p:nvPr/>
         </p:nvPicPr>
         <p:blipFill>
           <a:blip r:embed="rId3"/>
-          <a:stretch/>
+          <a:stretch>
+            <a:fillRect/>
+          </a:stretch>
         </p:blipFill>
-        <p:spPr>
-          <a:xfrm>
-            <a:off x="1137240" y="1034280"/>
-            <a:ext cx="7858080" cy="2846520"/>
+        <p:spPr bwMode="auto">
+          <a:xfrm>
+            <a:off x="822673" y="1007419"/>
+            <a:ext cx="8299653" cy="2924002"/>
           </a:xfrm>
           <a:prstGeom prst="rect">
             <a:avLst/>
           </a:prstGeom>
-          <a:ln w="0">
+          <a:ln>
             <a:solidFill>
               <a:schemeClr val="accent1"/>
             </a:solidFill>
@@ -14554,7 +14548,7 @@
     <mc:Choice Requires="p14">
       <p:transition spd="slow" p14:dur="2000"/>
     </mc:Choice>
-    <mc:Fallback xmlns="" xmlns:p15="http://schemas.microsoft.com/office/powerpoint/2012/main">
+    <mc:Fallback xmlns:p15="http://schemas.microsoft.com/office/powerpoint/2012/main" xmlns="">
       <p:transition spd="slow"/>
     </mc:Fallback>
   </mc:AlternateContent>
@@ -14721,7 +14715,7 @@
     <mc:Choice Requires="p14">
       <p:transition spd="slow" p14:dur="2000"/>
     </mc:Choice>
-    <mc:Fallback xmlns="" xmlns:p15="http://schemas.microsoft.com/office/powerpoint/2012/main">
+    <mc:Fallback xmlns:p15="http://schemas.microsoft.com/office/powerpoint/2012/main" xmlns="">
       <p:transition spd="slow"/>
     </mc:Fallback>
   </mc:AlternateContent>
@@ -14903,7 +14897,7 @@
     <mc:Choice Requires="p14">
       <p:transition spd="slow" p14:dur="2000"/>
     </mc:Choice>
-    <mc:Fallback xmlns="" xmlns:p15="http://schemas.microsoft.com/office/powerpoint/2012/main">
+    <mc:Fallback xmlns:p15="http://schemas.microsoft.com/office/powerpoint/2012/main" xmlns="">
       <p:transition spd="slow"/>
     </mc:Fallback>
   </mc:AlternateContent>
@@ -15180,7 +15174,7 @@
     <mc:Choice Requires="p14">
       <p:transition spd="slow" p14:dur="2000"/>
     </mc:Choice>
-    <mc:Fallback xmlns="" xmlns:p15="http://schemas.microsoft.com/office/powerpoint/2012/main">
+    <mc:Fallback xmlns:p15="http://schemas.microsoft.com/office/powerpoint/2012/main" xmlns="">
       <p:transition spd="slow"/>
     </mc:Fallback>
   </mc:AlternateContent>
@@ -20190,7 +20184,7 @@
     <mc:Choice Requires="p14">
       <p:transition spd="slow" p14:dur="2000"/>
     </mc:Choice>
-    <mc:Fallback xmlns="" xmlns:p15="http://schemas.microsoft.com/office/powerpoint/2012/main">
+    <mc:Fallback xmlns:p15="http://schemas.microsoft.com/office/powerpoint/2012/main" xmlns="">
       <p:transition spd="slow"/>
     </mc:Fallback>
   </mc:AlternateContent>
@@ -22324,7 +22318,7 @@
     <mc:Choice Requires="p14">
       <p:transition spd="slow" p14:dur="2000"/>
     </mc:Choice>
-    <mc:Fallback xmlns="" xmlns:p15="http://schemas.microsoft.com/office/powerpoint/2012/main">
+    <mc:Fallback xmlns:p15="http://schemas.microsoft.com/office/powerpoint/2012/main" xmlns="">
       <p:transition spd="slow"/>
     </mc:Fallback>
   </mc:AlternateContent>
@@ -25808,7 +25802,7 @@
     <mc:Choice Requires="p14">
       <p:transition spd="slow" p14:dur="2000"/>
     </mc:Choice>
-    <mc:Fallback xmlns="" xmlns:p15="http://schemas.microsoft.com/office/powerpoint/2012/main">
+    <mc:Fallback xmlns:p15="http://schemas.microsoft.com/office/powerpoint/2012/main" xmlns="">
       <p:transition spd="slow"/>
     </mc:Fallback>
   </mc:AlternateContent>
@@ -29414,7 +29408,7 @@
     <mc:Choice Requires="p14">
       <p:transition spd="slow" p14:dur="2000"/>
     </mc:Choice>
-    <mc:Fallback xmlns="" xmlns:p15="http://schemas.microsoft.com/office/powerpoint/2012/main">
+    <mc:Fallback xmlns:p15="http://schemas.microsoft.com/office/powerpoint/2012/main" xmlns="">
       <p:transition spd="slow"/>
     </mc:Fallback>
   </mc:AlternateContent>
@@ -31846,7 +31840,7 @@
     <mc:Choice Requires="p14">
       <p:transition spd="slow" p14:dur="2000"/>
     </mc:Choice>
-    <mc:Fallback xmlns="" xmlns:p15="http://schemas.microsoft.com/office/powerpoint/2012/main">
+    <mc:Fallback xmlns:p15="http://schemas.microsoft.com/office/powerpoint/2012/main" xmlns="">
       <p:transition spd="slow"/>
     </mc:Fallback>
   </mc:AlternateContent>
@@ -32210,7 +32204,7 @@
     <mc:Choice Requires="p14">
       <p:transition spd="slow" p14:dur="2000"/>
     </mc:Choice>
-    <mc:Fallback xmlns="" xmlns:p15="http://schemas.microsoft.com/office/powerpoint/2012/main">
+    <mc:Fallback xmlns:p15="http://schemas.microsoft.com/office/powerpoint/2012/main" xmlns="">
       <p:transition spd="slow"/>
     </mc:Fallback>
   </mc:AlternateContent>
@@ -32524,7 +32518,7 @@
     <mc:Choice Requires="p14">
       <p:transition spd="slow" p14:dur="2000"/>
     </mc:Choice>
-    <mc:Fallback xmlns="" xmlns:p15="http://schemas.microsoft.com/office/powerpoint/2012/main">
+    <mc:Fallback xmlns:p15="http://schemas.microsoft.com/office/powerpoint/2012/main" xmlns="">
       <p:transition spd="slow"/>
     </mc:Fallback>
   </mc:AlternateContent>
@@ -32871,7 +32865,7 @@
     <mc:Choice Requires="p14">
       <p:transition spd="slow" p14:dur="2000"/>
     </mc:Choice>
-    <mc:Fallback xmlns="" xmlns:p15="http://schemas.microsoft.com/office/powerpoint/2012/main">
+    <mc:Fallback xmlns:p15="http://schemas.microsoft.com/office/powerpoint/2012/main" xmlns="">
       <p:transition spd="slow"/>
     </mc:Fallback>
   </mc:AlternateContent>

--- a/CICD Process.pptx
+++ b/CICD Process.pptx
@@ -5,7 +5,7 @@
     <p:sldMasterId id="2147483648" r:id="rId1"/>
   </p:sldMasterIdLst>
   <p:notesMasterIdLst>
-    <p:notesMasterId r:id="rId31"/>
+    <p:notesMasterId r:id="rId39"/>
   </p:notesMasterIdLst>
   <p:sldIdLst>
     <p:sldId id="256" r:id="rId2"/>
@@ -31,12 +31,20 @@
     <p:sldId id="266" r:id="rId22"/>
     <p:sldId id="267" r:id="rId23"/>
     <p:sldId id="268" r:id="rId24"/>
-    <p:sldId id="258" r:id="rId25"/>
-    <p:sldId id="259" r:id="rId26"/>
-    <p:sldId id="286" r:id="rId27"/>
-    <p:sldId id="287" r:id="rId28"/>
-    <p:sldId id="288" r:id="rId29"/>
-    <p:sldId id="260" r:id="rId30"/>
+    <p:sldId id="290" r:id="rId25"/>
+    <p:sldId id="291" r:id="rId26"/>
+    <p:sldId id="292" r:id="rId27"/>
+    <p:sldId id="295" r:id="rId28"/>
+    <p:sldId id="296" r:id="rId29"/>
+    <p:sldId id="297" r:id="rId30"/>
+    <p:sldId id="298" r:id="rId31"/>
+    <p:sldId id="299" r:id="rId32"/>
+    <p:sldId id="258" r:id="rId33"/>
+    <p:sldId id="259" r:id="rId34"/>
+    <p:sldId id="286" r:id="rId35"/>
+    <p:sldId id="287" r:id="rId36"/>
+    <p:sldId id="288" r:id="rId37"/>
+    <p:sldId id="260" r:id="rId38"/>
   </p:sldIdLst>
   <p:sldSz cx="10080625" cy="6858000"/>
   <p:notesSz cx="6858000" cy="9144000"/>
@@ -2182,7 +2190,7 @@
       </p:grpSpPr>
       <p:sp>
         <p:nvSpPr>
-          <p:cNvPr id="128" name="PlaceHolder 1"/>
+          <p:cNvPr id="126" name="PlaceHolder 1"/>
           <p:cNvSpPr>
             <a:spLocks noGrp="1" noRot="1" noChangeAspect="1"/>
           </p:cNvSpPr>
@@ -2205,7 +2213,7 @@
       </p:sp>
       <p:sp>
         <p:nvSpPr>
-          <p:cNvPr id="129" name="PlaceHolder 2"/>
+          <p:cNvPr id="127" name="PlaceHolder 2"/>
           <p:cNvSpPr>
             <a:spLocks noGrp="1"/>
           </p:cNvSpPr>
@@ -2251,6 +2259,11 @@
         </p:txBody>
       </p:sp>
     </p:spTree>
+    <p:extLst>
+      <p:ext uri="{BB962C8B-B14F-4D97-AF65-F5344CB8AC3E}">
+        <p14:creationId xmlns:p14="http://schemas.microsoft.com/office/powerpoint/2010/main" val="3981654451"/>
+      </p:ext>
+    </p:extLst>
   </p:cSld>
   <p:clrMapOvr>
     <a:masterClrMapping/>
@@ -2277,7 +2290,7 @@
       </p:grpSpPr>
       <p:sp>
         <p:nvSpPr>
-          <p:cNvPr id="130" name="PlaceHolder 1"/>
+          <p:cNvPr id="126" name="PlaceHolder 1"/>
           <p:cNvSpPr>
             <a:spLocks noGrp="1" noRot="1" noChangeAspect="1"/>
           </p:cNvSpPr>
@@ -2300,7 +2313,7 @@
       </p:sp>
       <p:sp>
         <p:nvSpPr>
-          <p:cNvPr id="131" name="PlaceHolder 2"/>
+          <p:cNvPr id="127" name="PlaceHolder 2"/>
           <p:cNvSpPr>
             <a:spLocks noGrp="1"/>
           </p:cNvSpPr>
@@ -2346,6 +2359,11 @@
         </p:txBody>
       </p:sp>
     </p:spTree>
+    <p:extLst>
+      <p:ext uri="{BB962C8B-B14F-4D97-AF65-F5344CB8AC3E}">
+        <p14:creationId xmlns:p14="http://schemas.microsoft.com/office/powerpoint/2010/main" val="545622203"/>
+      </p:ext>
+    </p:extLst>
   </p:cSld>
   <p:clrMapOvr>
     <a:masterClrMapping/>
@@ -2372,7 +2390,7 @@
       </p:grpSpPr>
       <p:sp>
         <p:nvSpPr>
-          <p:cNvPr id="130" name="PlaceHolder 1"/>
+          <p:cNvPr id="126" name="PlaceHolder 1"/>
           <p:cNvSpPr>
             <a:spLocks noGrp="1" noRot="1" noChangeAspect="1"/>
           </p:cNvSpPr>
@@ -2395,7 +2413,7 @@
       </p:sp>
       <p:sp>
         <p:nvSpPr>
-          <p:cNvPr id="131" name="PlaceHolder 2"/>
+          <p:cNvPr id="127" name="PlaceHolder 2"/>
           <p:cNvSpPr>
             <a:spLocks noGrp="1"/>
           </p:cNvSpPr>
@@ -2443,7 +2461,7 @@
     </p:spTree>
     <p:extLst>
       <p:ext uri="{BB962C8B-B14F-4D97-AF65-F5344CB8AC3E}">
-        <p14:creationId xmlns:p14="http://schemas.microsoft.com/office/powerpoint/2010/main" val="3751427463"/>
+        <p14:creationId xmlns:p14="http://schemas.microsoft.com/office/powerpoint/2010/main" val="3861780111"/>
       </p:ext>
     </p:extLst>
   </p:cSld>
@@ -2472,7 +2490,7 @@
       </p:grpSpPr>
       <p:sp>
         <p:nvSpPr>
-          <p:cNvPr id="130" name="PlaceHolder 1"/>
+          <p:cNvPr id="126" name="PlaceHolder 1"/>
           <p:cNvSpPr>
             <a:spLocks noGrp="1" noRot="1" noChangeAspect="1"/>
           </p:cNvSpPr>
@@ -2495,7 +2513,7 @@
       </p:sp>
       <p:sp>
         <p:nvSpPr>
-          <p:cNvPr id="131" name="PlaceHolder 2"/>
+          <p:cNvPr id="127" name="PlaceHolder 2"/>
           <p:cNvSpPr>
             <a:spLocks noGrp="1"/>
           </p:cNvSpPr>
@@ -2543,7 +2561,7 @@
     </p:spTree>
     <p:extLst>
       <p:ext uri="{BB962C8B-B14F-4D97-AF65-F5344CB8AC3E}">
-        <p14:creationId xmlns:p14="http://schemas.microsoft.com/office/powerpoint/2010/main" val="3383089533"/>
+        <p14:creationId xmlns:p14="http://schemas.microsoft.com/office/powerpoint/2010/main" val="158647982"/>
       </p:ext>
     </p:extLst>
   </p:cSld>
@@ -2572,7 +2590,7 @@
       </p:grpSpPr>
       <p:sp>
         <p:nvSpPr>
-          <p:cNvPr id="130" name="PlaceHolder 1"/>
+          <p:cNvPr id="126" name="PlaceHolder 1"/>
           <p:cNvSpPr>
             <a:spLocks noGrp="1" noRot="1" noChangeAspect="1"/>
           </p:cNvSpPr>
@@ -2595,7 +2613,7 @@
       </p:sp>
       <p:sp>
         <p:nvSpPr>
-          <p:cNvPr id="131" name="PlaceHolder 2"/>
+          <p:cNvPr id="127" name="PlaceHolder 2"/>
           <p:cNvSpPr>
             <a:spLocks noGrp="1"/>
           </p:cNvSpPr>
@@ -2643,7 +2661,7 @@
     </p:spTree>
     <p:extLst>
       <p:ext uri="{BB962C8B-B14F-4D97-AF65-F5344CB8AC3E}">
-        <p14:creationId xmlns:p14="http://schemas.microsoft.com/office/powerpoint/2010/main" val="3379353514"/>
+        <p14:creationId xmlns:p14="http://schemas.microsoft.com/office/powerpoint/2010/main" val="2019166656"/>
       </p:ext>
     </p:extLst>
   </p:cSld>
@@ -2672,7 +2690,7 @@
       </p:grpSpPr>
       <p:sp>
         <p:nvSpPr>
-          <p:cNvPr id="2" name="投影片圖像版面配置區 1"/>
+          <p:cNvPr id="126" name="PlaceHolder 1"/>
           <p:cNvSpPr>
             <a:spLocks noGrp="1" noRot="1" noChangeAspect="1"/>
           </p:cNvSpPr>
@@ -2680,59 +2698,62 @@
             <p:ph type="sldImg"/>
           </p:nvPr>
         </p:nvSpPr>
-        <p:spPr/>
-      </p:sp>
-      <p:sp>
-        <p:nvSpPr>
-          <p:cNvPr id="3" name="備忘稿版面配置區 2"/>
+        <p:spPr>
+          <a:xfrm>
+            <a:off x="909638" y="685800"/>
+            <a:ext cx="5037137" cy="3427413"/>
+          </a:xfrm>
+          <a:prstGeom prst="rect">
+            <a:avLst/>
+          </a:prstGeom>
+          <a:ln w="0">
+            <a:noFill/>
+          </a:ln>
+        </p:spPr>
+      </p:sp>
+      <p:sp>
+        <p:nvSpPr>
+          <p:cNvPr id="127" name="PlaceHolder 2"/>
           <p:cNvSpPr>
             <a:spLocks noGrp="1"/>
           </p:cNvSpPr>
           <p:nvPr>
-            <p:ph type="body" idx="1"/>
+            <p:ph type="body"/>
           </p:nvPr>
         </p:nvSpPr>
-        <p:spPr/>
+        <p:spPr>
+          <a:xfrm>
+            <a:off x="685800" y="4343400"/>
+            <a:ext cx="5484240" cy="4112640"/>
+          </a:xfrm>
+          <a:prstGeom prst="rect">
+            <a:avLst/>
+          </a:prstGeom>
+          <a:noFill/>
+          <a:ln w="0">
+            <a:noFill/>
+          </a:ln>
+        </p:spPr>
         <p:txBody>
-          <a:bodyPr/>
+          <a:bodyPr lIns="91440" tIns="91440" rIns="91440" bIns="91440" anchor="t">
+            <a:noAutofit/>
+          </a:bodyPr>
           <a:lstStyle/>
           <a:p>
-            <a:endParaRPr lang="zh-TW" altLang="en-US" dirty="0"/>
-          </a:p>
-        </p:txBody>
-      </p:sp>
-      <p:sp>
-        <p:nvSpPr>
-          <p:cNvPr id="4" name="投影片編號版面配置區 3"/>
-          <p:cNvSpPr>
-            <a:spLocks noGrp="1"/>
-          </p:cNvSpPr>
-          <p:nvPr>
-            <p:ph type="sldNum" idx="10"/>
-          </p:nvPr>
-        </p:nvSpPr>
-        <p:spPr/>
-        <p:txBody>
-          <a:bodyPr/>
-          <a:lstStyle/>
-          <a:p>
-            <a:pPr indent="0" algn="r">
+            <a:pPr marL="216000" indent="0">
+              <a:lnSpc>
+                <a:spcPct val="100000"/>
+              </a:lnSpc>
               <a:buNone/>
+              <a:tabLst>
+                <a:tab pos="0" algn="l"/>
+              </a:tabLst>
             </a:pPr>
-            <a:fld id="{9BD1211D-8501-43AE-B436-36C6510E2CE2}" type="slidenum">
-              <a:rPr lang="en-US" sz="1400" b="0" strike="noStrike" spc="-1" smtClean="0">
-                <a:solidFill>
-                  <a:srgbClr val="000000"/>
-                </a:solidFill>
-                <a:latin typeface="Times New Roman"/>
-              </a:rPr>
-              <a:t>29</a:t>
-            </a:fld>
-            <a:endParaRPr lang="en-US" sz="1400" b="0" strike="noStrike" spc="-1">
+            <a:endParaRPr lang="en-US" sz="2000" b="0" strike="noStrike" spc="-1" dirty="0">
               <a:solidFill>
                 <a:srgbClr val="000000"/>
               </a:solidFill>
-              <a:latin typeface="Times New Roman"/>
+              <a:latin typeface="Arial"/>
             </a:endParaRPr>
           </a:p>
         </p:txBody>
@@ -2740,7 +2761,7 @@
     </p:spTree>
     <p:extLst>
       <p:ext uri="{BB962C8B-B14F-4D97-AF65-F5344CB8AC3E}">
-        <p14:creationId xmlns:p14="http://schemas.microsoft.com/office/powerpoint/2010/main" val="857396121"/>
+        <p14:creationId xmlns:p14="http://schemas.microsoft.com/office/powerpoint/2010/main" val="1908500653"/>
       </p:ext>
     </p:extLst>
   </p:cSld>
@@ -2841,6 +2862,793 @@
     <p:extLst>
       <p:ext uri="{BB962C8B-B14F-4D97-AF65-F5344CB8AC3E}">
         <p14:creationId xmlns:p14="http://schemas.microsoft.com/office/powerpoint/2010/main" val="654311372"/>
+      </p:ext>
+    </p:extLst>
+  </p:cSld>
+  <p:clrMapOvr>
+    <a:masterClrMapping/>
+  </p:clrMapOvr>
+</p:notes>
+</file>
+
+<file path=ppt/notesSlides/notesSlide30.xml><?xml version="1.0" encoding="utf-8"?>
+<p:notes xmlns:a="http://schemas.openxmlformats.org/drawingml/2006/main" xmlns:r="http://schemas.openxmlformats.org/officeDocument/2006/relationships" xmlns:p="http://schemas.openxmlformats.org/presentationml/2006/main">
+  <p:cSld>
+    <p:spTree>
+      <p:nvGrpSpPr>
+        <p:cNvPr id="1" name=""/>
+        <p:cNvGrpSpPr/>
+        <p:nvPr/>
+      </p:nvGrpSpPr>
+      <p:grpSpPr>
+        <a:xfrm>
+          <a:off x="0" y="0"/>
+          <a:ext cx="0" cy="0"/>
+          <a:chOff x="0" y="0"/>
+          <a:chExt cx="0" cy="0"/>
+        </a:xfrm>
+      </p:grpSpPr>
+      <p:sp>
+        <p:nvSpPr>
+          <p:cNvPr id="126" name="PlaceHolder 1"/>
+          <p:cNvSpPr>
+            <a:spLocks noGrp="1" noRot="1" noChangeAspect="1"/>
+          </p:cNvSpPr>
+          <p:nvPr>
+            <p:ph type="sldImg"/>
+          </p:nvPr>
+        </p:nvSpPr>
+        <p:spPr>
+          <a:xfrm>
+            <a:off x="909638" y="685800"/>
+            <a:ext cx="5037137" cy="3427413"/>
+          </a:xfrm>
+          <a:prstGeom prst="rect">
+            <a:avLst/>
+          </a:prstGeom>
+          <a:ln w="0">
+            <a:noFill/>
+          </a:ln>
+        </p:spPr>
+      </p:sp>
+      <p:sp>
+        <p:nvSpPr>
+          <p:cNvPr id="127" name="PlaceHolder 2"/>
+          <p:cNvSpPr>
+            <a:spLocks noGrp="1"/>
+          </p:cNvSpPr>
+          <p:nvPr>
+            <p:ph type="body"/>
+          </p:nvPr>
+        </p:nvSpPr>
+        <p:spPr>
+          <a:xfrm>
+            <a:off x="685800" y="4343400"/>
+            <a:ext cx="5484240" cy="4112640"/>
+          </a:xfrm>
+          <a:prstGeom prst="rect">
+            <a:avLst/>
+          </a:prstGeom>
+          <a:noFill/>
+          <a:ln w="0">
+            <a:noFill/>
+          </a:ln>
+        </p:spPr>
+        <p:txBody>
+          <a:bodyPr lIns="91440" tIns="91440" rIns="91440" bIns="91440" anchor="t">
+            <a:noAutofit/>
+          </a:bodyPr>
+          <a:lstStyle/>
+          <a:p>
+            <a:pPr marL="216000" indent="0">
+              <a:lnSpc>
+                <a:spcPct val="100000"/>
+              </a:lnSpc>
+              <a:buNone/>
+              <a:tabLst>
+                <a:tab pos="0" algn="l"/>
+              </a:tabLst>
+            </a:pPr>
+            <a:endParaRPr lang="en-US" sz="2000" b="0" strike="noStrike" spc="-1" dirty="0">
+              <a:solidFill>
+                <a:srgbClr val="000000"/>
+              </a:solidFill>
+              <a:latin typeface="Arial"/>
+            </a:endParaRPr>
+          </a:p>
+        </p:txBody>
+      </p:sp>
+    </p:spTree>
+    <p:extLst>
+      <p:ext uri="{BB962C8B-B14F-4D97-AF65-F5344CB8AC3E}">
+        <p14:creationId xmlns:p14="http://schemas.microsoft.com/office/powerpoint/2010/main" val="3766777362"/>
+      </p:ext>
+    </p:extLst>
+  </p:cSld>
+  <p:clrMapOvr>
+    <a:masterClrMapping/>
+  </p:clrMapOvr>
+</p:notes>
+</file>
+
+<file path=ppt/notesSlides/notesSlide31.xml><?xml version="1.0" encoding="utf-8"?>
+<p:notes xmlns:a="http://schemas.openxmlformats.org/drawingml/2006/main" xmlns:r="http://schemas.openxmlformats.org/officeDocument/2006/relationships" xmlns:p="http://schemas.openxmlformats.org/presentationml/2006/main">
+  <p:cSld>
+    <p:spTree>
+      <p:nvGrpSpPr>
+        <p:cNvPr id="1" name=""/>
+        <p:cNvGrpSpPr/>
+        <p:nvPr/>
+      </p:nvGrpSpPr>
+      <p:grpSpPr>
+        <a:xfrm>
+          <a:off x="0" y="0"/>
+          <a:ext cx="0" cy="0"/>
+          <a:chOff x="0" y="0"/>
+          <a:chExt cx="0" cy="0"/>
+        </a:xfrm>
+      </p:grpSpPr>
+      <p:sp>
+        <p:nvSpPr>
+          <p:cNvPr id="126" name="PlaceHolder 1"/>
+          <p:cNvSpPr>
+            <a:spLocks noGrp="1" noRot="1" noChangeAspect="1"/>
+          </p:cNvSpPr>
+          <p:nvPr>
+            <p:ph type="sldImg"/>
+          </p:nvPr>
+        </p:nvSpPr>
+        <p:spPr>
+          <a:xfrm>
+            <a:off x="909638" y="685800"/>
+            <a:ext cx="5037137" cy="3427413"/>
+          </a:xfrm>
+          <a:prstGeom prst="rect">
+            <a:avLst/>
+          </a:prstGeom>
+          <a:ln w="0">
+            <a:noFill/>
+          </a:ln>
+        </p:spPr>
+      </p:sp>
+      <p:sp>
+        <p:nvSpPr>
+          <p:cNvPr id="127" name="PlaceHolder 2"/>
+          <p:cNvSpPr>
+            <a:spLocks noGrp="1"/>
+          </p:cNvSpPr>
+          <p:nvPr>
+            <p:ph type="body"/>
+          </p:nvPr>
+        </p:nvSpPr>
+        <p:spPr>
+          <a:xfrm>
+            <a:off x="685800" y="4343400"/>
+            <a:ext cx="5484240" cy="4112640"/>
+          </a:xfrm>
+          <a:prstGeom prst="rect">
+            <a:avLst/>
+          </a:prstGeom>
+          <a:noFill/>
+          <a:ln w="0">
+            <a:noFill/>
+          </a:ln>
+        </p:spPr>
+        <p:txBody>
+          <a:bodyPr lIns="91440" tIns="91440" rIns="91440" bIns="91440" anchor="t">
+            <a:noAutofit/>
+          </a:bodyPr>
+          <a:lstStyle/>
+          <a:p>
+            <a:pPr marL="216000" indent="0">
+              <a:lnSpc>
+                <a:spcPct val="100000"/>
+              </a:lnSpc>
+              <a:buNone/>
+              <a:tabLst>
+                <a:tab pos="0" algn="l"/>
+              </a:tabLst>
+            </a:pPr>
+            <a:endParaRPr lang="en-US" sz="2000" b="0" strike="noStrike" spc="-1" dirty="0">
+              <a:solidFill>
+                <a:srgbClr val="000000"/>
+              </a:solidFill>
+              <a:latin typeface="Arial"/>
+            </a:endParaRPr>
+          </a:p>
+        </p:txBody>
+      </p:sp>
+    </p:spTree>
+    <p:extLst>
+      <p:ext uri="{BB962C8B-B14F-4D97-AF65-F5344CB8AC3E}">
+        <p14:creationId xmlns:p14="http://schemas.microsoft.com/office/powerpoint/2010/main" val="3977733460"/>
+      </p:ext>
+    </p:extLst>
+  </p:cSld>
+  <p:clrMapOvr>
+    <a:masterClrMapping/>
+  </p:clrMapOvr>
+</p:notes>
+</file>
+
+<file path=ppt/notesSlides/notesSlide32.xml><?xml version="1.0" encoding="utf-8"?>
+<p:notes xmlns:a="http://schemas.openxmlformats.org/drawingml/2006/main" xmlns:r="http://schemas.openxmlformats.org/officeDocument/2006/relationships" xmlns:p="http://schemas.openxmlformats.org/presentationml/2006/main">
+  <p:cSld>
+    <p:spTree>
+      <p:nvGrpSpPr>
+        <p:cNvPr id="1" name=""/>
+        <p:cNvGrpSpPr/>
+        <p:nvPr/>
+      </p:nvGrpSpPr>
+      <p:grpSpPr>
+        <a:xfrm>
+          <a:off x="0" y="0"/>
+          <a:ext cx="0" cy="0"/>
+          <a:chOff x="0" y="0"/>
+          <a:chExt cx="0" cy="0"/>
+        </a:xfrm>
+      </p:grpSpPr>
+      <p:sp>
+        <p:nvSpPr>
+          <p:cNvPr id="128" name="PlaceHolder 1"/>
+          <p:cNvSpPr>
+            <a:spLocks noGrp="1" noRot="1" noChangeAspect="1"/>
+          </p:cNvSpPr>
+          <p:nvPr>
+            <p:ph type="sldImg"/>
+          </p:nvPr>
+        </p:nvSpPr>
+        <p:spPr>
+          <a:xfrm>
+            <a:off x="909638" y="685800"/>
+            <a:ext cx="5037137" cy="3427413"/>
+          </a:xfrm>
+          <a:prstGeom prst="rect">
+            <a:avLst/>
+          </a:prstGeom>
+          <a:ln w="0">
+            <a:noFill/>
+          </a:ln>
+        </p:spPr>
+      </p:sp>
+      <p:sp>
+        <p:nvSpPr>
+          <p:cNvPr id="129" name="PlaceHolder 2"/>
+          <p:cNvSpPr>
+            <a:spLocks noGrp="1"/>
+          </p:cNvSpPr>
+          <p:nvPr>
+            <p:ph type="body"/>
+          </p:nvPr>
+        </p:nvSpPr>
+        <p:spPr>
+          <a:xfrm>
+            <a:off x="685800" y="4343400"/>
+            <a:ext cx="5484240" cy="4112640"/>
+          </a:xfrm>
+          <a:prstGeom prst="rect">
+            <a:avLst/>
+          </a:prstGeom>
+          <a:noFill/>
+          <a:ln w="0">
+            <a:noFill/>
+          </a:ln>
+        </p:spPr>
+        <p:txBody>
+          <a:bodyPr lIns="91440" tIns="91440" rIns="91440" bIns="91440" anchor="t">
+            <a:noAutofit/>
+          </a:bodyPr>
+          <a:lstStyle/>
+          <a:p>
+            <a:pPr marL="216000" indent="0">
+              <a:lnSpc>
+                <a:spcPct val="100000"/>
+              </a:lnSpc>
+              <a:buNone/>
+              <a:tabLst>
+                <a:tab pos="0" algn="l"/>
+              </a:tabLst>
+            </a:pPr>
+            <a:endParaRPr lang="en-US" sz="2000" b="0" strike="noStrike" spc="-1" dirty="0">
+              <a:solidFill>
+                <a:srgbClr val="000000"/>
+              </a:solidFill>
+              <a:latin typeface="Arial"/>
+            </a:endParaRPr>
+          </a:p>
+        </p:txBody>
+      </p:sp>
+    </p:spTree>
+  </p:cSld>
+  <p:clrMapOvr>
+    <a:masterClrMapping/>
+  </p:clrMapOvr>
+</p:notes>
+</file>
+
+<file path=ppt/notesSlides/notesSlide33.xml><?xml version="1.0" encoding="utf-8"?>
+<p:notes xmlns:a="http://schemas.openxmlformats.org/drawingml/2006/main" xmlns:r="http://schemas.openxmlformats.org/officeDocument/2006/relationships" xmlns:p="http://schemas.openxmlformats.org/presentationml/2006/main">
+  <p:cSld>
+    <p:spTree>
+      <p:nvGrpSpPr>
+        <p:cNvPr id="1" name=""/>
+        <p:cNvGrpSpPr/>
+        <p:nvPr/>
+      </p:nvGrpSpPr>
+      <p:grpSpPr>
+        <a:xfrm>
+          <a:off x="0" y="0"/>
+          <a:ext cx="0" cy="0"/>
+          <a:chOff x="0" y="0"/>
+          <a:chExt cx="0" cy="0"/>
+        </a:xfrm>
+      </p:grpSpPr>
+      <p:sp>
+        <p:nvSpPr>
+          <p:cNvPr id="130" name="PlaceHolder 1"/>
+          <p:cNvSpPr>
+            <a:spLocks noGrp="1" noRot="1" noChangeAspect="1"/>
+          </p:cNvSpPr>
+          <p:nvPr>
+            <p:ph type="sldImg"/>
+          </p:nvPr>
+        </p:nvSpPr>
+        <p:spPr>
+          <a:xfrm>
+            <a:off x="909638" y="685800"/>
+            <a:ext cx="5037137" cy="3427413"/>
+          </a:xfrm>
+          <a:prstGeom prst="rect">
+            <a:avLst/>
+          </a:prstGeom>
+          <a:ln w="0">
+            <a:noFill/>
+          </a:ln>
+        </p:spPr>
+      </p:sp>
+      <p:sp>
+        <p:nvSpPr>
+          <p:cNvPr id="131" name="PlaceHolder 2"/>
+          <p:cNvSpPr>
+            <a:spLocks noGrp="1"/>
+          </p:cNvSpPr>
+          <p:nvPr>
+            <p:ph type="body"/>
+          </p:nvPr>
+        </p:nvSpPr>
+        <p:spPr>
+          <a:xfrm>
+            <a:off x="685800" y="4343400"/>
+            <a:ext cx="5484240" cy="4112640"/>
+          </a:xfrm>
+          <a:prstGeom prst="rect">
+            <a:avLst/>
+          </a:prstGeom>
+          <a:noFill/>
+          <a:ln w="0">
+            <a:noFill/>
+          </a:ln>
+        </p:spPr>
+        <p:txBody>
+          <a:bodyPr lIns="91440" tIns="91440" rIns="91440" bIns="91440" anchor="t">
+            <a:noAutofit/>
+          </a:bodyPr>
+          <a:lstStyle/>
+          <a:p>
+            <a:pPr marL="216000" indent="0">
+              <a:lnSpc>
+                <a:spcPct val="100000"/>
+              </a:lnSpc>
+              <a:buNone/>
+              <a:tabLst>
+                <a:tab pos="0" algn="l"/>
+              </a:tabLst>
+            </a:pPr>
+            <a:endParaRPr lang="en-US" sz="2000" b="0" strike="noStrike" spc="-1" dirty="0">
+              <a:solidFill>
+                <a:srgbClr val="000000"/>
+              </a:solidFill>
+              <a:latin typeface="Arial"/>
+            </a:endParaRPr>
+          </a:p>
+        </p:txBody>
+      </p:sp>
+    </p:spTree>
+  </p:cSld>
+  <p:clrMapOvr>
+    <a:masterClrMapping/>
+  </p:clrMapOvr>
+</p:notes>
+</file>
+
+<file path=ppt/notesSlides/notesSlide34.xml><?xml version="1.0" encoding="utf-8"?>
+<p:notes xmlns:a="http://schemas.openxmlformats.org/drawingml/2006/main" xmlns:r="http://schemas.openxmlformats.org/officeDocument/2006/relationships" xmlns:p="http://schemas.openxmlformats.org/presentationml/2006/main">
+  <p:cSld>
+    <p:spTree>
+      <p:nvGrpSpPr>
+        <p:cNvPr id="1" name=""/>
+        <p:cNvGrpSpPr/>
+        <p:nvPr/>
+      </p:nvGrpSpPr>
+      <p:grpSpPr>
+        <a:xfrm>
+          <a:off x="0" y="0"/>
+          <a:ext cx="0" cy="0"/>
+          <a:chOff x="0" y="0"/>
+          <a:chExt cx="0" cy="0"/>
+        </a:xfrm>
+      </p:grpSpPr>
+      <p:sp>
+        <p:nvSpPr>
+          <p:cNvPr id="130" name="PlaceHolder 1"/>
+          <p:cNvSpPr>
+            <a:spLocks noGrp="1" noRot="1" noChangeAspect="1"/>
+          </p:cNvSpPr>
+          <p:nvPr>
+            <p:ph type="sldImg"/>
+          </p:nvPr>
+        </p:nvSpPr>
+        <p:spPr>
+          <a:xfrm>
+            <a:off x="909638" y="685800"/>
+            <a:ext cx="5037137" cy="3427413"/>
+          </a:xfrm>
+          <a:prstGeom prst="rect">
+            <a:avLst/>
+          </a:prstGeom>
+          <a:ln w="0">
+            <a:noFill/>
+          </a:ln>
+        </p:spPr>
+      </p:sp>
+      <p:sp>
+        <p:nvSpPr>
+          <p:cNvPr id="131" name="PlaceHolder 2"/>
+          <p:cNvSpPr>
+            <a:spLocks noGrp="1"/>
+          </p:cNvSpPr>
+          <p:nvPr>
+            <p:ph type="body"/>
+          </p:nvPr>
+        </p:nvSpPr>
+        <p:spPr>
+          <a:xfrm>
+            <a:off x="685800" y="4343400"/>
+            <a:ext cx="5484240" cy="4112640"/>
+          </a:xfrm>
+          <a:prstGeom prst="rect">
+            <a:avLst/>
+          </a:prstGeom>
+          <a:noFill/>
+          <a:ln w="0">
+            <a:noFill/>
+          </a:ln>
+        </p:spPr>
+        <p:txBody>
+          <a:bodyPr lIns="91440" tIns="91440" rIns="91440" bIns="91440" anchor="t">
+            <a:noAutofit/>
+          </a:bodyPr>
+          <a:lstStyle/>
+          <a:p>
+            <a:pPr marL="216000" indent="0">
+              <a:lnSpc>
+                <a:spcPct val="100000"/>
+              </a:lnSpc>
+              <a:buNone/>
+              <a:tabLst>
+                <a:tab pos="0" algn="l"/>
+              </a:tabLst>
+            </a:pPr>
+            <a:endParaRPr lang="en-US" sz="2000" b="0" strike="noStrike" spc="-1" dirty="0">
+              <a:solidFill>
+                <a:srgbClr val="000000"/>
+              </a:solidFill>
+              <a:latin typeface="Arial"/>
+            </a:endParaRPr>
+          </a:p>
+        </p:txBody>
+      </p:sp>
+    </p:spTree>
+    <p:extLst>
+      <p:ext uri="{BB962C8B-B14F-4D97-AF65-F5344CB8AC3E}">
+        <p14:creationId xmlns:p14="http://schemas.microsoft.com/office/powerpoint/2010/main" val="3751427463"/>
+      </p:ext>
+    </p:extLst>
+  </p:cSld>
+  <p:clrMapOvr>
+    <a:masterClrMapping/>
+  </p:clrMapOvr>
+</p:notes>
+</file>
+
+<file path=ppt/notesSlides/notesSlide35.xml><?xml version="1.0" encoding="utf-8"?>
+<p:notes xmlns:a="http://schemas.openxmlformats.org/drawingml/2006/main" xmlns:r="http://schemas.openxmlformats.org/officeDocument/2006/relationships" xmlns:p="http://schemas.openxmlformats.org/presentationml/2006/main">
+  <p:cSld>
+    <p:spTree>
+      <p:nvGrpSpPr>
+        <p:cNvPr id="1" name=""/>
+        <p:cNvGrpSpPr/>
+        <p:nvPr/>
+      </p:nvGrpSpPr>
+      <p:grpSpPr>
+        <a:xfrm>
+          <a:off x="0" y="0"/>
+          <a:ext cx="0" cy="0"/>
+          <a:chOff x="0" y="0"/>
+          <a:chExt cx="0" cy="0"/>
+        </a:xfrm>
+      </p:grpSpPr>
+      <p:sp>
+        <p:nvSpPr>
+          <p:cNvPr id="130" name="PlaceHolder 1"/>
+          <p:cNvSpPr>
+            <a:spLocks noGrp="1" noRot="1" noChangeAspect="1"/>
+          </p:cNvSpPr>
+          <p:nvPr>
+            <p:ph type="sldImg"/>
+          </p:nvPr>
+        </p:nvSpPr>
+        <p:spPr>
+          <a:xfrm>
+            <a:off x="909638" y="685800"/>
+            <a:ext cx="5037137" cy="3427413"/>
+          </a:xfrm>
+          <a:prstGeom prst="rect">
+            <a:avLst/>
+          </a:prstGeom>
+          <a:ln w="0">
+            <a:noFill/>
+          </a:ln>
+        </p:spPr>
+      </p:sp>
+      <p:sp>
+        <p:nvSpPr>
+          <p:cNvPr id="131" name="PlaceHolder 2"/>
+          <p:cNvSpPr>
+            <a:spLocks noGrp="1"/>
+          </p:cNvSpPr>
+          <p:nvPr>
+            <p:ph type="body"/>
+          </p:nvPr>
+        </p:nvSpPr>
+        <p:spPr>
+          <a:xfrm>
+            <a:off x="685800" y="4343400"/>
+            <a:ext cx="5484240" cy="4112640"/>
+          </a:xfrm>
+          <a:prstGeom prst="rect">
+            <a:avLst/>
+          </a:prstGeom>
+          <a:noFill/>
+          <a:ln w="0">
+            <a:noFill/>
+          </a:ln>
+        </p:spPr>
+        <p:txBody>
+          <a:bodyPr lIns="91440" tIns="91440" rIns="91440" bIns="91440" anchor="t">
+            <a:noAutofit/>
+          </a:bodyPr>
+          <a:lstStyle/>
+          <a:p>
+            <a:pPr marL="216000" indent="0">
+              <a:lnSpc>
+                <a:spcPct val="100000"/>
+              </a:lnSpc>
+              <a:buNone/>
+              <a:tabLst>
+                <a:tab pos="0" algn="l"/>
+              </a:tabLst>
+            </a:pPr>
+            <a:endParaRPr lang="en-US" sz="2000" b="0" strike="noStrike" spc="-1" dirty="0">
+              <a:solidFill>
+                <a:srgbClr val="000000"/>
+              </a:solidFill>
+              <a:latin typeface="Arial"/>
+            </a:endParaRPr>
+          </a:p>
+        </p:txBody>
+      </p:sp>
+    </p:spTree>
+    <p:extLst>
+      <p:ext uri="{BB962C8B-B14F-4D97-AF65-F5344CB8AC3E}">
+        <p14:creationId xmlns:p14="http://schemas.microsoft.com/office/powerpoint/2010/main" val="3383089533"/>
+      </p:ext>
+    </p:extLst>
+  </p:cSld>
+  <p:clrMapOvr>
+    <a:masterClrMapping/>
+  </p:clrMapOvr>
+</p:notes>
+</file>
+
+<file path=ppt/notesSlides/notesSlide36.xml><?xml version="1.0" encoding="utf-8"?>
+<p:notes xmlns:a="http://schemas.openxmlformats.org/drawingml/2006/main" xmlns:r="http://schemas.openxmlformats.org/officeDocument/2006/relationships" xmlns:p="http://schemas.openxmlformats.org/presentationml/2006/main">
+  <p:cSld>
+    <p:spTree>
+      <p:nvGrpSpPr>
+        <p:cNvPr id="1" name=""/>
+        <p:cNvGrpSpPr/>
+        <p:nvPr/>
+      </p:nvGrpSpPr>
+      <p:grpSpPr>
+        <a:xfrm>
+          <a:off x="0" y="0"/>
+          <a:ext cx="0" cy="0"/>
+          <a:chOff x="0" y="0"/>
+          <a:chExt cx="0" cy="0"/>
+        </a:xfrm>
+      </p:grpSpPr>
+      <p:sp>
+        <p:nvSpPr>
+          <p:cNvPr id="130" name="PlaceHolder 1"/>
+          <p:cNvSpPr>
+            <a:spLocks noGrp="1" noRot="1" noChangeAspect="1"/>
+          </p:cNvSpPr>
+          <p:nvPr>
+            <p:ph type="sldImg"/>
+          </p:nvPr>
+        </p:nvSpPr>
+        <p:spPr>
+          <a:xfrm>
+            <a:off x="909638" y="685800"/>
+            <a:ext cx="5037137" cy="3427413"/>
+          </a:xfrm>
+          <a:prstGeom prst="rect">
+            <a:avLst/>
+          </a:prstGeom>
+          <a:ln w="0">
+            <a:noFill/>
+          </a:ln>
+        </p:spPr>
+      </p:sp>
+      <p:sp>
+        <p:nvSpPr>
+          <p:cNvPr id="131" name="PlaceHolder 2"/>
+          <p:cNvSpPr>
+            <a:spLocks noGrp="1"/>
+          </p:cNvSpPr>
+          <p:nvPr>
+            <p:ph type="body"/>
+          </p:nvPr>
+        </p:nvSpPr>
+        <p:spPr>
+          <a:xfrm>
+            <a:off x="685800" y="4343400"/>
+            <a:ext cx="5484240" cy="4112640"/>
+          </a:xfrm>
+          <a:prstGeom prst="rect">
+            <a:avLst/>
+          </a:prstGeom>
+          <a:noFill/>
+          <a:ln w="0">
+            <a:noFill/>
+          </a:ln>
+        </p:spPr>
+        <p:txBody>
+          <a:bodyPr lIns="91440" tIns="91440" rIns="91440" bIns="91440" anchor="t">
+            <a:noAutofit/>
+          </a:bodyPr>
+          <a:lstStyle/>
+          <a:p>
+            <a:pPr marL="216000" indent="0">
+              <a:lnSpc>
+                <a:spcPct val="100000"/>
+              </a:lnSpc>
+              <a:buNone/>
+              <a:tabLst>
+                <a:tab pos="0" algn="l"/>
+              </a:tabLst>
+            </a:pPr>
+            <a:endParaRPr lang="en-US" sz="2000" b="0" strike="noStrike" spc="-1" dirty="0">
+              <a:solidFill>
+                <a:srgbClr val="000000"/>
+              </a:solidFill>
+              <a:latin typeface="Arial"/>
+            </a:endParaRPr>
+          </a:p>
+        </p:txBody>
+      </p:sp>
+    </p:spTree>
+    <p:extLst>
+      <p:ext uri="{BB962C8B-B14F-4D97-AF65-F5344CB8AC3E}">
+        <p14:creationId xmlns:p14="http://schemas.microsoft.com/office/powerpoint/2010/main" val="3379353514"/>
+      </p:ext>
+    </p:extLst>
+  </p:cSld>
+  <p:clrMapOvr>
+    <a:masterClrMapping/>
+  </p:clrMapOvr>
+</p:notes>
+</file>
+
+<file path=ppt/notesSlides/notesSlide37.xml><?xml version="1.0" encoding="utf-8"?>
+<p:notes xmlns:a="http://schemas.openxmlformats.org/drawingml/2006/main" xmlns:r="http://schemas.openxmlformats.org/officeDocument/2006/relationships" xmlns:p="http://schemas.openxmlformats.org/presentationml/2006/main">
+  <p:cSld>
+    <p:spTree>
+      <p:nvGrpSpPr>
+        <p:cNvPr id="1" name=""/>
+        <p:cNvGrpSpPr/>
+        <p:nvPr/>
+      </p:nvGrpSpPr>
+      <p:grpSpPr>
+        <a:xfrm>
+          <a:off x="0" y="0"/>
+          <a:ext cx="0" cy="0"/>
+          <a:chOff x="0" y="0"/>
+          <a:chExt cx="0" cy="0"/>
+        </a:xfrm>
+      </p:grpSpPr>
+      <p:sp>
+        <p:nvSpPr>
+          <p:cNvPr id="2" name="投影片圖像版面配置區 1"/>
+          <p:cNvSpPr>
+            <a:spLocks noGrp="1" noRot="1" noChangeAspect="1"/>
+          </p:cNvSpPr>
+          <p:nvPr>
+            <p:ph type="sldImg"/>
+          </p:nvPr>
+        </p:nvSpPr>
+        <p:spPr/>
+      </p:sp>
+      <p:sp>
+        <p:nvSpPr>
+          <p:cNvPr id="3" name="備忘稿版面配置區 2"/>
+          <p:cNvSpPr>
+            <a:spLocks noGrp="1"/>
+          </p:cNvSpPr>
+          <p:nvPr>
+            <p:ph type="body" idx="1"/>
+          </p:nvPr>
+        </p:nvSpPr>
+        <p:spPr/>
+        <p:txBody>
+          <a:bodyPr/>
+          <a:lstStyle/>
+          <a:p>
+            <a:endParaRPr lang="zh-TW" altLang="en-US" dirty="0"/>
+          </a:p>
+        </p:txBody>
+      </p:sp>
+      <p:sp>
+        <p:nvSpPr>
+          <p:cNvPr id="4" name="投影片編號版面配置區 3"/>
+          <p:cNvSpPr>
+            <a:spLocks noGrp="1"/>
+          </p:cNvSpPr>
+          <p:nvPr>
+            <p:ph type="sldNum" idx="10"/>
+          </p:nvPr>
+        </p:nvSpPr>
+        <p:spPr/>
+        <p:txBody>
+          <a:bodyPr/>
+          <a:lstStyle/>
+          <a:p>
+            <a:pPr indent="0" algn="r">
+              <a:buNone/>
+            </a:pPr>
+            <a:fld id="{9BD1211D-8501-43AE-B436-36C6510E2CE2}" type="slidenum">
+              <a:rPr lang="en-US" sz="1400" b="0" strike="noStrike" spc="-1" smtClean="0">
+                <a:solidFill>
+                  <a:srgbClr val="000000"/>
+                </a:solidFill>
+                <a:latin typeface="Times New Roman"/>
+              </a:rPr>
+              <a:t>37</a:t>
+            </a:fld>
+            <a:endParaRPr lang="en-US" sz="1400" b="0" strike="noStrike" spc="-1">
+              <a:solidFill>
+                <a:srgbClr val="000000"/>
+              </a:solidFill>
+              <a:latin typeface="Times New Roman"/>
+            </a:endParaRPr>
+          </a:p>
+        </p:txBody>
+      </p:sp>
+    </p:spTree>
+    <p:extLst>
+      <p:ext uri="{BB962C8B-B14F-4D97-AF65-F5344CB8AC3E}">
+        <p14:creationId xmlns:p14="http://schemas.microsoft.com/office/powerpoint/2010/main" val="857396121"/>
       </p:ext>
     </p:extLst>
   </p:cSld>
@@ -7660,7 +8468,7 @@
     <mc:Choice Requires="p14">
       <p:transition spd="slow" p14:dur="2000"/>
     </mc:Choice>
-    <mc:Fallback xmlns:p15="http://schemas.microsoft.com/office/powerpoint/2012/main" xmlns="">
+    <mc:Fallback xmlns="" xmlns:p15="http://schemas.microsoft.com/office/powerpoint/2012/main">
       <p:transition spd="slow"/>
     </mc:Fallback>
   </mc:AlternateContent>
@@ -7811,7 +8619,7 @@
     <mc:Choice Requires="p14">
       <p:transition spd="slow" p14:dur="2000"/>
     </mc:Choice>
-    <mc:Fallback xmlns:p15="http://schemas.microsoft.com/office/powerpoint/2012/main" xmlns="">
+    <mc:Fallback xmlns="" xmlns:p15="http://schemas.microsoft.com/office/powerpoint/2012/main">
       <p:transition spd="slow"/>
     </mc:Fallback>
   </mc:AlternateContent>
@@ -7992,7 +8800,7 @@
     <mc:Choice Requires="p14">
       <p:transition spd="slow" p14:dur="2000"/>
     </mc:Choice>
-    <mc:Fallback xmlns:p15="http://schemas.microsoft.com/office/powerpoint/2012/main" xmlns="">
+    <mc:Fallback xmlns="" xmlns:p15="http://schemas.microsoft.com/office/powerpoint/2012/main">
       <p:transition spd="slow"/>
     </mc:Fallback>
   </mc:AlternateContent>
@@ -8403,7 +9211,7 @@
     <mc:Choice Requires="p14">
       <p:transition spd="slow" p14:dur="2000"/>
     </mc:Choice>
-    <mc:Fallback xmlns:p15="http://schemas.microsoft.com/office/powerpoint/2012/main" xmlns="">
+    <mc:Fallback xmlns="" xmlns:p15="http://schemas.microsoft.com/office/powerpoint/2012/main">
       <p:transition spd="slow"/>
     </mc:Fallback>
   </mc:AlternateContent>
@@ -8563,7 +9371,7 @@
     <mc:Choice Requires="p14">
       <p:transition spd="slow" p14:dur="2000"/>
     </mc:Choice>
-    <mc:Fallback xmlns:p15="http://schemas.microsoft.com/office/powerpoint/2012/main" xmlns="">
+    <mc:Fallback xmlns="" xmlns:p15="http://schemas.microsoft.com/office/powerpoint/2012/main">
       <p:transition spd="slow"/>
     </mc:Fallback>
   </mc:AlternateContent>
@@ -9140,7 +9948,7 @@
     <mc:Choice Requires="p14">
       <p:transition spd="slow" p14:dur="2000"/>
     </mc:Choice>
-    <mc:Fallback xmlns:p15="http://schemas.microsoft.com/office/powerpoint/2012/main" xmlns="">
+    <mc:Fallback xmlns="" xmlns:p15="http://schemas.microsoft.com/office/powerpoint/2012/main">
       <p:transition spd="slow"/>
     </mc:Fallback>
   </mc:AlternateContent>
@@ -9321,7 +10129,7 @@
     <mc:Choice Requires="p14">
       <p:transition spd="slow" p14:dur="2000"/>
     </mc:Choice>
-    <mc:Fallback xmlns:p15="http://schemas.microsoft.com/office/powerpoint/2012/main" xmlns="">
+    <mc:Fallback xmlns="" xmlns:p15="http://schemas.microsoft.com/office/powerpoint/2012/main">
       <p:transition spd="slow"/>
     </mc:Fallback>
   </mc:AlternateContent>
@@ -9502,7 +10310,7 @@
     <mc:Choice Requires="p14">
       <p:transition spd="slow" p14:dur="2000"/>
     </mc:Choice>
-    <mc:Fallback xmlns:p15="http://schemas.microsoft.com/office/powerpoint/2012/main" xmlns="">
+    <mc:Fallback xmlns="" xmlns:p15="http://schemas.microsoft.com/office/powerpoint/2012/main">
       <p:transition spd="slow"/>
     </mc:Fallback>
   </mc:AlternateContent>
@@ -10075,7 +10883,7 @@
     <mc:Choice Requires="p14">
       <p:transition spd="slow" p14:dur="2000"/>
     </mc:Choice>
-    <mc:Fallback xmlns:p15="http://schemas.microsoft.com/office/powerpoint/2012/main" xmlns="">
+    <mc:Fallback xmlns="" xmlns:p15="http://schemas.microsoft.com/office/powerpoint/2012/main">
       <p:transition spd="slow"/>
     </mc:Fallback>
   </mc:AlternateContent>
@@ -10226,7 +11034,7 @@
     <mc:Choice Requires="p14">
       <p:transition spd="slow" p14:dur="2000"/>
     </mc:Choice>
-    <mc:Fallback xmlns:p15="http://schemas.microsoft.com/office/powerpoint/2012/main" xmlns="">
+    <mc:Fallback xmlns="" xmlns:p15="http://schemas.microsoft.com/office/powerpoint/2012/main">
       <p:transition spd="slow"/>
     </mc:Fallback>
   </mc:AlternateContent>
@@ -11112,7 +11920,7 @@
     <mc:Choice Requires="p14">
       <p:transition spd="slow" p14:dur="2000"/>
     </mc:Choice>
-    <mc:Fallback xmlns:p15="http://schemas.microsoft.com/office/powerpoint/2012/main" xmlns="">
+    <mc:Fallback xmlns="" xmlns:p15="http://schemas.microsoft.com/office/powerpoint/2012/main">
       <p:transition spd="slow"/>
     </mc:Fallback>
   </mc:AlternateContent>
@@ -13068,7 +13876,7 @@
     <mc:Choice Requires="p14">
       <p:transition spd="slow" p14:dur="2000"/>
     </mc:Choice>
-    <mc:Fallback xmlns:p15="http://schemas.microsoft.com/office/powerpoint/2012/main" xmlns="">
+    <mc:Fallback xmlns="" xmlns:p15="http://schemas.microsoft.com/office/powerpoint/2012/main">
       <p:transition spd="slow"/>
     </mc:Fallback>
   </mc:AlternateContent>
@@ -13341,7 +14149,7 @@
     <mc:Choice Requires="p14">
       <p:transition spd="slow" p14:dur="2000"/>
     </mc:Choice>
-    <mc:Fallback xmlns:p15="http://schemas.microsoft.com/office/powerpoint/2012/main" xmlns="">
+    <mc:Fallback xmlns="" xmlns:p15="http://schemas.microsoft.com/office/powerpoint/2012/main">
       <p:transition spd="slow"/>
     </mc:Fallback>
   </mc:AlternateContent>
@@ -13605,7 +14413,7 @@
     <mc:Choice Requires="p14">
       <p:transition spd="slow" p14:dur="2000"/>
     </mc:Choice>
-    <mc:Fallback xmlns:p15="http://schemas.microsoft.com/office/powerpoint/2012/main" xmlns="">
+    <mc:Fallback xmlns="" xmlns:p15="http://schemas.microsoft.com/office/powerpoint/2012/main">
       <p:transition spd="slow"/>
     </mc:Fallback>
   </mc:AlternateContent>
@@ -13859,7 +14667,7 @@
     <mc:Choice Requires="p14">
       <p:transition spd="slow" p14:dur="2000"/>
     </mc:Choice>
-    <mc:Fallback xmlns:p15="http://schemas.microsoft.com/office/powerpoint/2012/main" xmlns="">
+    <mc:Fallback xmlns="" xmlns:p15="http://schemas.microsoft.com/office/powerpoint/2012/main">
       <p:transition spd="slow"/>
     </mc:Fallback>
   </mc:AlternateContent>
@@ -14093,7 +14901,7 @@
     <mc:Choice Requires="p14">
       <p:transition spd="slow" p14:dur="2000"/>
     </mc:Choice>
-    <mc:Fallback xmlns:p15="http://schemas.microsoft.com/office/powerpoint/2012/main" xmlns="">
+    <mc:Fallback xmlns="" xmlns:p15="http://schemas.microsoft.com/office/powerpoint/2012/main">
       <p:transition spd="slow"/>
     </mc:Fallback>
   </mc:AlternateContent>
@@ -14126,12 +14934,12 @@
       </p:grpSpPr>
       <p:sp>
         <p:nvSpPr>
-          <p:cNvPr id="68" name="PlaceHolder 1"/>
+          <p:cNvPr id="58" name="PlaceHolder 1"/>
           <p:cNvSpPr>
             <a:spLocks noGrp="1"/>
           </p:cNvSpPr>
           <p:nvPr>
-            <p:ph type="title"/>
+            <p:ph type="title" idx="4294967295"/>
           </p:nvPr>
         </p:nvSpPr>
         <p:spPr>
@@ -14163,34 +14971,34 @@
               </a:tabLst>
             </a:pPr>
             <a:r>
-              <a:rPr lang="en-US" sz="3600" b="1" strike="noStrike" spc="-1" dirty="0" err="1">
+              <a:rPr lang="en-US" altLang="zh-TW" sz="3600" b="1" strike="noStrike" spc="-1" dirty="0" smtClean="0">
                 <a:solidFill>
                   <a:srgbClr val="002060"/>
                 </a:solidFill>
                 <a:latin typeface="微軟正黑體"/>
                 <a:ea typeface="微軟正黑體"/>
               </a:rPr>
-              <a:t>Gitlab</a:t>
-            </a:r>
-            <a:r>
-              <a:rPr lang="en-US" sz="3600" b="1" strike="noStrike" spc="-1" dirty="0">
+              <a:t>Jenkins Folder / Item (</a:t>
+            </a:r>
+            <a:r>
+              <a:rPr lang="zh-TW" altLang="en-US" sz="3600" b="1" strike="noStrike" spc="-1" dirty="0" smtClean="0">
                 <a:solidFill>
                   <a:srgbClr val="002060"/>
                 </a:solidFill>
                 <a:latin typeface="微軟正黑體"/>
                 <a:ea typeface="微軟正黑體"/>
               </a:rPr>
-              <a:t> </a:t>
-            </a:r>
-            <a:r>
-              <a:rPr lang="zh-TW" sz="3600" b="1" strike="noStrike" spc="-1" dirty="0">
+              <a:t>四</a:t>
+            </a:r>
+            <a:r>
+              <a:rPr lang="en-US" altLang="zh-TW" sz="3600" b="1" strike="noStrike" spc="-1" dirty="0" smtClean="0">
                 <a:solidFill>
                   <a:srgbClr val="002060"/>
                 </a:solidFill>
                 <a:latin typeface="微軟正黑體"/>
                 <a:ea typeface="微軟正黑體"/>
               </a:rPr>
-              <a:t>權限</a:t>
+              <a:t>)</a:t>
             </a:r>
             <a:endParaRPr lang="en-US" sz="3600" b="1" strike="noStrike" spc="-1" dirty="0">
               <a:solidFill>
@@ -14201,10 +15009,95 @@
           </a:p>
         </p:txBody>
       </p:sp>
+      <p:sp>
+        <p:nvSpPr>
+          <p:cNvPr id="5" name="PlaceHolder 1"/>
+          <p:cNvSpPr txBox="1">
+            <a:spLocks/>
+          </p:cNvSpPr>
+          <p:nvPr/>
+        </p:nvSpPr>
+        <p:spPr>
+          <a:xfrm>
+            <a:off x="502820" y="795600"/>
+            <a:ext cx="9167653" cy="623917"/>
+          </a:xfrm>
+          <a:prstGeom prst="rect">
+            <a:avLst/>
+          </a:prstGeom>
+          <a:noFill/>
+          <a:ln w="0">
+            <a:noFill/>
+          </a:ln>
+        </p:spPr>
+        <p:txBody>
+          <a:bodyPr lIns="100800" tIns="100800" rIns="100800" bIns="100800" anchor="ctr">
+            <a:noAutofit/>
+          </a:bodyPr>
+          <a:lstStyle>
+            <a:lvl1pPr algn="l" defTabSz="914400" rtl="0" eaLnBrk="1" latinLnBrk="0" hangingPunct="1">
+              <a:lnSpc>
+                <a:spcPct val="90000"/>
+              </a:lnSpc>
+              <a:spcBef>
+                <a:spcPct val="0"/>
+              </a:spcBef>
+              <a:buNone/>
+              <a:defRPr sz="4400" kern="1200">
+                <a:solidFill>
+                  <a:schemeClr val="tx1"/>
+                </a:solidFill>
+                <a:latin typeface="+mj-lt"/>
+                <a:ea typeface="+mj-ea"/>
+                <a:cs typeface="+mj-cs"/>
+              </a:defRPr>
+            </a:lvl1pPr>
+          </a:lstStyle>
+          <a:p>
+            <a:pPr>
+              <a:lnSpc>
+                <a:spcPct val="100000"/>
+              </a:lnSpc>
+              <a:tabLst>
+                <a:tab pos="0" algn="l"/>
+              </a:tabLst>
+            </a:pPr>
+            <a:r>
+              <a:rPr lang="zh-TW" altLang="en-US" sz="2400" spc="-1" dirty="0" smtClean="0">
+                <a:solidFill>
+                  <a:srgbClr val="002060"/>
+                </a:solidFill>
+                <a:latin typeface="標楷體" panose="03000509000000000000" pitchFamily="65" charset="-120"/>
+                <a:ea typeface="標楷體" panose="03000509000000000000" pitchFamily="65" charset="-120"/>
+              </a:rPr>
+              <a:t>新增 </a:t>
+            </a:r>
+            <a:r>
+              <a:rPr lang="en-US" altLang="zh-TW" sz="2400" spc="-1" dirty="0" smtClean="0">
+                <a:solidFill>
+                  <a:srgbClr val="002060"/>
+                </a:solidFill>
+                <a:latin typeface="標楷體" panose="03000509000000000000" pitchFamily="65" charset="-120"/>
+                <a:ea typeface="標楷體" panose="03000509000000000000" pitchFamily="65" charset="-120"/>
+              </a:rPr>
+              <a:t>Pipeline</a:t>
+            </a:r>
+            <a:endParaRPr lang="zh-TW" altLang="en-US" sz="2400" spc="-1" dirty="0">
+              <a:solidFill>
+                <a:srgbClr val="000000"/>
+              </a:solidFill>
+              <a:latin typeface="標楷體" panose="03000509000000000000" pitchFamily="65" charset="-120"/>
+              <a:ea typeface="標楷體" panose="03000509000000000000" pitchFamily="65" charset="-120"/>
+            </a:endParaRPr>
+          </a:p>
+        </p:txBody>
+      </p:sp>
       <p:pic>
         <p:nvPicPr>
-          <p:cNvPr id="4" name="影像5"/>
-          <p:cNvPicPr/>
+          <p:cNvPr id="3" name="圖片 2"/>
+          <p:cNvPicPr>
+            <a:picLocks noChangeAspect="1"/>
+          </p:cNvPicPr>
           <p:nvPr/>
         </p:nvPicPr>
         <p:blipFill>
@@ -14213,10 +15106,10 @@
             <a:fillRect/>
           </a:stretch>
         </p:blipFill>
-        <p:spPr bwMode="auto">
-          <a:xfrm>
-            <a:off x="372834" y="795600"/>
-            <a:ext cx="9199331" cy="4972050"/>
+        <p:spPr>
+          <a:xfrm>
+            <a:off x="1250471" y="1519560"/>
+            <a:ext cx="7444058" cy="4353250"/>
           </a:xfrm>
           <a:prstGeom prst="rect">
             <a:avLst/>
@@ -14229,6 +15122,11 @@
         </p:spPr>
       </p:pic>
     </p:spTree>
+    <p:extLst>
+      <p:ext uri="{BB962C8B-B14F-4D97-AF65-F5344CB8AC3E}">
+        <p14:creationId xmlns:p14="http://schemas.microsoft.com/office/powerpoint/2010/main" val="1355891523"/>
+      </p:ext>
+    </p:extLst>
   </p:cSld>
   <p:clrMapOvr>
     <a:masterClrMapping/>
@@ -14237,10 +15135,17 @@
     <mc:Choice Requires="p14">
       <p:transition spd="slow" p14:dur="2000"/>
     </mc:Choice>
-    <mc:Fallback xmlns:p15="http://schemas.microsoft.com/office/powerpoint/2012/main" xmlns="">
+    <mc:Fallback xmlns="" xmlns:p15="http://schemas.microsoft.com/office/powerpoint/2012/main">
       <p:transition spd="slow"/>
     </mc:Fallback>
   </mc:AlternateContent>
+  <p:timing>
+    <p:tnLst>
+      <p:par>
+        <p:cTn id="1" dur="indefinite" restart="never" nodeType="tmRoot"/>
+      </p:par>
+    </p:tnLst>
+  </p:timing>
 </p:sld>
 </file>
 
@@ -14263,12 +15168,12 @@
       </p:grpSpPr>
       <p:sp>
         <p:nvSpPr>
-          <p:cNvPr id="70" name="PlaceHolder 1"/>
+          <p:cNvPr id="58" name="PlaceHolder 1"/>
           <p:cNvSpPr>
             <a:spLocks noGrp="1"/>
           </p:cNvSpPr>
           <p:nvPr>
-            <p:ph type="title"/>
+            <p:ph type="title" idx="4294967295"/>
           </p:nvPr>
         </p:nvSpPr>
         <p:spPr>
@@ -14300,7 +15205,7 @@
               </a:tabLst>
             </a:pPr>
             <a:r>
-              <a:rPr lang="en-US" sz="3600" b="1" strike="noStrike" spc="-1" dirty="0">
+              <a:rPr lang="en-US" altLang="zh-TW" sz="3600" b="1" strike="noStrike" spc="-1" dirty="0" smtClean="0">
                 <a:solidFill>
                   <a:srgbClr val="002060"/>
                 </a:solidFill>
@@ -14310,14 +15215,34 @@
               <a:t>Jenkins </a:t>
             </a:r>
             <a:r>
-              <a:rPr lang="zh-TW" sz="3600" b="1" strike="noStrike" spc="-1" dirty="0">
+              <a:rPr lang="en-US" altLang="zh-TW" sz="3600" b="1" strike="noStrike" spc="-1" dirty="0" smtClean="0">
                 <a:solidFill>
                   <a:srgbClr val="002060"/>
                 </a:solidFill>
                 <a:latin typeface="微軟正黑體"/>
                 <a:ea typeface="微軟正黑體"/>
               </a:rPr>
-              <a:t>權限</a:t>
+              <a:t>pipeline (</a:t>
+            </a:r>
+            <a:r>
+              <a:rPr lang="zh-TW" altLang="en-US" sz="3600" b="1" strike="noStrike" spc="-1" dirty="0" smtClean="0">
+                <a:solidFill>
+                  <a:srgbClr val="002060"/>
+                </a:solidFill>
+                <a:latin typeface="微軟正黑體"/>
+                <a:ea typeface="微軟正黑體"/>
+              </a:rPr>
+              <a:t>一</a:t>
+            </a:r>
+            <a:r>
+              <a:rPr lang="en-US" altLang="zh-TW" sz="3600" b="1" strike="noStrike" spc="-1" dirty="0" smtClean="0">
+                <a:solidFill>
+                  <a:srgbClr val="002060"/>
+                </a:solidFill>
+                <a:latin typeface="微軟正黑體"/>
+                <a:ea typeface="微軟正黑體"/>
+              </a:rPr>
+              <a:t>)</a:t>
             </a:r>
             <a:endParaRPr lang="en-US" sz="3600" b="1" strike="noStrike" spc="-1" dirty="0">
               <a:solidFill>
@@ -14328,194 +15253,12 @@
           </a:p>
         </p:txBody>
       </p:sp>
-      <p:sp>
-        <p:nvSpPr>
-          <p:cNvPr id="71" name="PlaceHolder 3"/>
-          <p:cNvSpPr/>
-          <p:nvPr/>
-        </p:nvSpPr>
-        <p:spPr>
-          <a:xfrm>
-            <a:off x="1089000" y="4143240"/>
-            <a:ext cx="8311320" cy="1732680"/>
-          </a:xfrm>
-          <a:prstGeom prst="rect">
-            <a:avLst/>
-          </a:prstGeom>
-          <a:noFill/>
-          <a:ln w="0">
-            <a:noFill/>
-          </a:ln>
-        </p:spPr>
-        <p:style>
-          <a:lnRef idx="0">
-            <a:scrgbClr r="0" g="0" b="0"/>
-          </a:lnRef>
-          <a:fillRef idx="0">
-            <a:scrgbClr r="0" g="0" b="0"/>
-          </a:fillRef>
-          <a:effectRef idx="0">
-            <a:scrgbClr r="0" g="0" b="0"/>
-          </a:effectRef>
-          <a:fontRef idx="minor"/>
-        </p:style>
-        <p:txBody>
-          <a:bodyPr lIns="100800" tIns="100800" rIns="100800" bIns="100800" anchor="ctr">
-            <a:noAutofit/>
-          </a:bodyPr>
-          <a:lstStyle/>
-          <a:p>
-            <a:pPr defTabSz="914400">
-              <a:lnSpc>
-                <a:spcPct val="100000"/>
-              </a:lnSpc>
-              <a:tabLst>
-                <a:tab pos="0" algn="l"/>
-              </a:tabLst>
-            </a:pPr>
-            <a:r>
-              <a:rPr lang="en-US" sz="2400" b="0" strike="noStrike" spc="-1" dirty="0">
-                <a:solidFill>
-                  <a:srgbClr val="002060"/>
-                </a:solidFill>
-                <a:latin typeface="標楷體" panose="03000509000000000000" pitchFamily="65" charset="-120"/>
-                <a:ea typeface="標楷體" panose="03000509000000000000" pitchFamily="65" charset="-120"/>
-              </a:rPr>
-              <a:t>* DEV </a:t>
-            </a:r>
-            <a:r>
-              <a:rPr lang="zh-TW" sz="2400" b="0" strike="noStrike" spc="-1" dirty="0">
-                <a:solidFill>
-                  <a:srgbClr val="002060"/>
-                </a:solidFill>
-                <a:latin typeface="標楷體" panose="03000509000000000000" pitchFamily="65" charset="-120"/>
-                <a:ea typeface="標楷體" panose="03000509000000000000" pitchFamily="65" charset="-120"/>
-              </a:rPr>
-              <a:t>環境為了讓開發人員可以測試</a:t>
-            </a:r>
-            <a:r>
-              <a:rPr lang="en-US" sz="2400" b="0" strike="noStrike" spc="-1" dirty="0">
-                <a:solidFill>
-                  <a:srgbClr val="002060"/>
-                </a:solidFill>
-                <a:latin typeface="標楷體" panose="03000509000000000000" pitchFamily="65" charset="-120"/>
-                <a:ea typeface="標楷體" panose="03000509000000000000" pitchFamily="65" charset="-120"/>
-              </a:rPr>
-              <a:t>Pipeline </a:t>
-            </a:r>
-            <a:r>
-              <a:rPr sz="2400" dirty="0">
-                <a:latin typeface="標楷體" panose="03000509000000000000" pitchFamily="65" charset="-120"/>
-                <a:ea typeface="標楷體" panose="03000509000000000000" pitchFamily="65" charset="-120"/>
-              </a:rPr>
-              <a:t/>
-            </a:r>
-            <a:br>
-              <a:rPr sz="2400" dirty="0">
-                <a:latin typeface="標楷體" panose="03000509000000000000" pitchFamily="65" charset="-120"/>
-                <a:ea typeface="標楷體" panose="03000509000000000000" pitchFamily="65" charset="-120"/>
-              </a:rPr>
-            </a:br>
-            <a:r>
-              <a:rPr lang="zh-TW" sz="2400" b="0" strike="noStrike" spc="-1" dirty="0">
-                <a:solidFill>
-                  <a:srgbClr val="002060"/>
-                </a:solidFill>
-                <a:latin typeface="標楷體" panose="03000509000000000000" pitchFamily="65" charset="-120"/>
-                <a:ea typeface="標楷體" panose="03000509000000000000" pitchFamily="65" charset="-120"/>
-              </a:rPr>
-              <a:t>所以只限定不能做刪除的動作</a:t>
-            </a:r>
-            <a:r>
-              <a:rPr sz="2400" dirty="0">
-                <a:latin typeface="標楷體" panose="03000509000000000000" pitchFamily="65" charset="-120"/>
-                <a:ea typeface="標楷體" panose="03000509000000000000" pitchFamily="65" charset="-120"/>
-              </a:rPr>
-              <a:t/>
-            </a:r>
-            <a:br>
-              <a:rPr sz="2400" dirty="0">
-                <a:latin typeface="標楷體" panose="03000509000000000000" pitchFamily="65" charset="-120"/>
-                <a:ea typeface="標楷體" panose="03000509000000000000" pitchFamily="65" charset="-120"/>
-              </a:rPr>
-            </a:br>
-            <a:r>
-              <a:rPr sz="2400" dirty="0">
-                <a:latin typeface="標楷體" panose="03000509000000000000" pitchFamily="65" charset="-120"/>
-                <a:ea typeface="標楷體" panose="03000509000000000000" pitchFamily="65" charset="-120"/>
-              </a:rPr>
-              <a:t/>
-            </a:r>
-            <a:br>
-              <a:rPr sz="2400" dirty="0">
-                <a:latin typeface="標楷體" panose="03000509000000000000" pitchFamily="65" charset="-120"/>
-                <a:ea typeface="標楷體" panose="03000509000000000000" pitchFamily="65" charset="-120"/>
-              </a:rPr>
-            </a:br>
-            <a:r>
-              <a:rPr lang="en-US" sz="2400" b="0" strike="noStrike" spc="-1" dirty="0">
-                <a:solidFill>
-                  <a:srgbClr val="002060"/>
-                </a:solidFill>
-                <a:latin typeface="標楷體" panose="03000509000000000000" pitchFamily="65" charset="-120"/>
-                <a:ea typeface="標楷體" panose="03000509000000000000" pitchFamily="65" charset="-120"/>
-              </a:rPr>
-              <a:t>* </a:t>
-            </a:r>
-            <a:r>
-              <a:rPr lang="zh-TW" sz="2400" b="0" strike="noStrike" spc="-1" dirty="0">
-                <a:solidFill>
-                  <a:srgbClr val="002060"/>
-                </a:solidFill>
-                <a:latin typeface="標楷體" panose="03000509000000000000" pitchFamily="65" charset="-120"/>
-                <a:ea typeface="標楷體" panose="03000509000000000000" pitchFamily="65" charset="-120"/>
-              </a:rPr>
-              <a:t>可以透過</a:t>
-            </a:r>
-            <a:r>
-              <a:rPr lang="en-US" sz="2400" b="0" strike="noStrike" spc="-1" dirty="0">
-                <a:solidFill>
-                  <a:srgbClr val="002060"/>
-                </a:solidFill>
-                <a:latin typeface="標楷體" panose="03000509000000000000" pitchFamily="65" charset="-120"/>
-                <a:ea typeface="標楷體" panose="03000509000000000000" pitchFamily="65" charset="-120"/>
-              </a:rPr>
-              <a:t>Item role </a:t>
-            </a:r>
-            <a:r>
-              <a:rPr lang="zh-TW" sz="2400" b="0" strike="noStrike" spc="-1" dirty="0">
-                <a:solidFill>
-                  <a:srgbClr val="002060"/>
-                </a:solidFill>
-                <a:latin typeface="標楷體" panose="03000509000000000000" pitchFamily="65" charset="-120"/>
-                <a:ea typeface="標楷體" panose="03000509000000000000" pitchFamily="65" charset="-120"/>
-              </a:rPr>
-              <a:t>限定使用者能看到的</a:t>
-            </a:r>
-            <a:r>
-              <a:rPr lang="en-US" sz="2400" b="0" strike="noStrike" spc="-1" dirty="0">
-                <a:solidFill>
-                  <a:srgbClr val="002060"/>
-                </a:solidFill>
-                <a:latin typeface="標楷體" panose="03000509000000000000" pitchFamily="65" charset="-120"/>
-                <a:ea typeface="標楷體" panose="03000509000000000000" pitchFamily="65" charset="-120"/>
-              </a:rPr>
-              <a:t>Pipeline</a:t>
-            </a:r>
-            <a:endParaRPr lang="en-US" sz="2400" b="0" strike="noStrike" spc="-1" dirty="0">
-              <a:solidFill>
-                <a:srgbClr val="000000"/>
-              </a:solidFill>
-              <a:latin typeface="標楷體" panose="03000509000000000000" pitchFamily="65" charset="-120"/>
-              <a:ea typeface="標楷體" panose="03000509000000000000" pitchFamily="65" charset="-120"/>
-            </a:endParaRPr>
-          </a:p>
-        </p:txBody>
-      </p:sp>
       <p:pic>
         <p:nvPicPr>
-          <p:cNvPr id="6" name="影像4"/>
-          <p:cNvPicPr/>
+          <p:cNvPr id="2" name="圖片 1"/>
+          <p:cNvPicPr>
+            <a:picLocks noChangeAspect="1"/>
+          </p:cNvPicPr>
           <p:nvPr/>
         </p:nvPicPr>
         <p:blipFill>
@@ -14524,10 +15267,10 @@
             <a:fillRect/>
           </a:stretch>
         </p:blipFill>
-        <p:spPr bwMode="auto">
-          <a:xfrm>
-            <a:off x="822673" y="1007419"/>
-            <a:ext cx="8299653" cy="2924002"/>
+        <p:spPr>
+          <a:xfrm>
+            <a:off x="95700" y="2015403"/>
+            <a:ext cx="9753600" cy="2771775"/>
           </a:xfrm>
           <a:prstGeom prst="rect">
             <a:avLst/>
@@ -14539,7 +15282,85 @@
           </a:ln>
         </p:spPr>
       </p:pic>
+      <p:sp>
+        <p:nvSpPr>
+          <p:cNvPr id="6" name="PlaceHolder 1"/>
+          <p:cNvSpPr txBox="1">
+            <a:spLocks/>
+          </p:cNvSpPr>
+          <p:nvPr/>
+        </p:nvSpPr>
+        <p:spPr>
+          <a:xfrm>
+            <a:off x="502820" y="795600"/>
+            <a:ext cx="9167653" cy="623917"/>
+          </a:xfrm>
+          <a:prstGeom prst="rect">
+            <a:avLst/>
+          </a:prstGeom>
+          <a:noFill/>
+          <a:ln w="0">
+            <a:noFill/>
+          </a:ln>
+        </p:spPr>
+        <p:txBody>
+          <a:bodyPr lIns="100800" tIns="100800" rIns="100800" bIns="100800" anchor="ctr">
+            <a:noAutofit/>
+          </a:bodyPr>
+          <a:lstStyle>
+            <a:lvl1pPr algn="l" defTabSz="914400" rtl="0" eaLnBrk="1" latinLnBrk="0" hangingPunct="1">
+              <a:lnSpc>
+                <a:spcPct val="90000"/>
+              </a:lnSpc>
+              <a:spcBef>
+                <a:spcPct val="0"/>
+              </a:spcBef>
+              <a:buNone/>
+              <a:defRPr sz="4400" kern="1200">
+                <a:solidFill>
+                  <a:schemeClr val="tx1"/>
+                </a:solidFill>
+                <a:latin typeface="+mj-lt"/>
+                <a:ea typeface="+mj-ea"/>
+                <a:cs typeface="+mj-cs"/>
+              </a:defRPr>
+            </a:lvl1pPr>
+          </a:lstStyle>
+          <a:p>
+            <a:pPr>
+              <a:lnSpc>
+                <a:spcPct val="100000"/>
+              </a:lnSpc>
+              <a:tabLst>
+                <a:tab pos="0" algn="l"/>
+              </a:tabLst>
+            </a:pPr>
+            <a:r>
+              <a:rPr lang="en-US" altLang="zh-TW" sz="2400" spc="-1" dirty="0" smtClean="0">
+                <a:solidFill>
+                  <a:srgbClr val="002060"/>
+                </a:solidFill>
+                <a:latin typeface="標楷體" panose="03000509000000000000" pitchFamily="65" charset="-120"/>
+                <a:ea typeface="標楷體" panose="03000509000000000000" pitchFamily="65" charset="-120"/>
+              </a:rPr>
+              <a:t>tool &amp; environment :</a:t>
+            </a:r>
+            <a:endParaRPr lang="zh-TW" altLang="en-US" sz="2400" spc="-1" dirty="0">
+              <a:solidFill>
+                <a:srgbClr val="000000"/>
+              </a:solidFill>
+              <a:latin typeface="標楷體" panose="03000509000000000000" pitchFamily="65" charset="-120"/>
+              <a:ea typeface="標楷體" panose="03000509000000000000" pitchFamily="65" charset="-120"/>
+            </a:endParaRPr>
+          </a:p>
+        </p:txBody>
+      </p:sp>
     </p:spTree>
+    <p:extLst>
+      <p:ext uri="{BB962C8B-B14F-4D97-AF65-F5344CB8AC3E}">
+        <p14:creationId xmlns:p14="http://schemas.microsoft.com/office/powerpoint/2010/main" val="720334688"/>
+      </p:ext>
+    </p:extLst>
   </p:cSld>
   <p:clrMapOvr>
     <a:masterClrMapping/>
@@ -14548,10 +15369,17 @@
     <mc:Choice Requires="p14">
       <p:transition spd="slow" p14:dur="2000"/>
     </mc:Choice>
-    <mc:Fallback xmlns:p15="http://schemas.microsoft.com/office/powerpoint/2012/main" xmlns="">
+    <mc:Fallback xmlns="" xmlns:p15="http://schemas.microsoft.com/office/powerpoint/2012/main">
       <p:transition spd="slow"/>
     </mc:Fallback>
   </mc:AlternateContent>
+  <p:timing>
+    <p:tnLst>
+      <p:par>
+        <p:cTn id="1" dur="indefinite" restart="never" nodeType="tmRoot"/>
+      </p:par>
+    </p:tnLst>
+  </p:timing>
 </p:sld>
 </file>
 
@@ -14574,6 +15402,4196 @@
       </p:grpSpPr>
       <p:sp>
         <p:nvSpPr>
+          <p:cNvPr id="58" name="PlaceHolder 1"/>
+          <p:cNvSpPr>
+            <a:spLocks noGrp="1"/>
+          </p:cNvSpPr>
+          <p:nvPr>
+            <p:ph type="title" idx="4294967295"/>
+          </p:nvPr>
+        </p:nvSpPr>
+        <p:spPr>
+          <a:xfrm>
+            <a:off x="1331640" y="71640"/>
+            <a:ext cx="7281720" cy="723960"/>
+          </a:xfrm>
+          <a:prstGeom prst="rect">
+            <a:avLst/>
+          </a:prstGeom>
+          <a:noFill/>
+          <a:ln w="0">
+            <a:noFill/>
+          </a:ln>
+        </p:spPr>
+        <p:txBody>
+          <a:bodyPr lIns="100800" tIns="100800" rIns="100800" bIns="100800" anchor="ctr">
+            <a:noAutofit/>
+          </a:bodyPr>
+          <a:lstStyle/>
+          <a:p>
+            <a:pPr indent="0" algn="ctr" defTabSz="914400">
+              <a:lnSpc>
+                <a:spcPct val="100000"/>
+              </a:lnSpc>
+              <a:buNone/>
+              <a:tabLst>
+                <a:tab pos="0" algn="l"/>
+              </a:tabLst>
+            </a:pPr>
+            <a:r>
+              <a:rPr lang="en-US" altLang="zh-TW" sz="3600" b="1" strike="noStrike" spc="-1" dirty="0" smtClean="0">
+                <a:solidFill>
+                  <a:srgbClr val="002060"/>
+                </a:solidFill>
+                <a:latin typeface="微軟正黑體"/>
+                <a:ea typeface="微軟正黑體"/>
+              </a:rPr>
+              <a:t>Jenkins </a:t>
+            </a:r>
+            <a:r>
+              <a:rPr lang="en-US" altLang="zh-TW" sz="3600" b="1" strike="noStrike" spc="-1" dirty="0" smtClean="0">
+                <a:solidFill>
+                  <a:srgbClr val="002060"/>
+                </a:solidFill>
+                <a:latin typeface="微軟正黑體"/>
+                <a:ea typeface="微軟正黑體"/>
+              </a:rPr>
+              <a:t>pipeline (</a:t>
+            </a:r>
+            <a:r>
+              <a:rPr lang="zh-TW" altLang="en-US" sz="3600" b="1" strike="noStrike" spc="-1" dirty="0" smtClean="0">
+                <a:solidFill>
+                  <a:srgbClr val="002060"/>
+                </a:solidFill>
+                <a:latin typeface="微軟正黑體"/>
+                <a:ea typeface="微軟正黑體"/>
+              </a:rPr>
+              <a:t>二</a:t>
+            </a:r>
+            <a:r>
+              <a:rPr lang="en-US" altLang="zh-TW" sz="3600" b="1" strike="noStrike" spc="-1" dirty="0" smtClean="0">
+                <a:solidFill>
+                  <a:srgbClr val="002060"/>
+                </a:solidFill>
+                <a:latin typeface="微軟正黑體"/>
+                <a:ea typeface="微軟正黑體"/>
+              </a:rPr>
+              <a:t>)</a:t>
+            </a:r>
+            <a:endParaRPr lang="en-US" sz="3600" b="1" strike="noStrike" spc="-1" dirty="0">
+              <a:solidFill>
+                <a:srgbClr val="000000"/>
+              </a:solidFill>
+              <a:latin typeface="Arial"/>
+            </a:endParaRPr>
+          </a:p>
+        </p:txBody>
+      </p:sp>
+      <p:pic>
+        <p:nvPicPr>
+          <p:cNvPr id="3" name="圖片 2"/>
+          <p:cNvPicPr>
+            <a:picLocks noChangeAspect="1"/>
+          </p:cNvPicPr>
+          <p:nvPr/>
+        </p:nvPicPr>
+        <p:blipFill>
+          <a:blip r:embed="rId3"/>
+          <a:stretch>
+            <a:fillRect/>
+          </a:stretch>
+        </p:blipFill>
+        <p:spPr>
+          <a:xfrm>
+            <a:off x="252272" y="1386728"/>
+            <a:ext cx="5943600" cy="5124450"/>
+          </a:xfrm>
+          <a:prstGeom prst="rect">
+            <a:avLst/>
+          </a:prstGeom>
+          <a:ln>
+            <a:solidFill>
+              <a:schemeClr val="accent1"/>
+            </a:solidFill>
+          </a:ln>
+        </p:spPr>
+      </p:pic>
+      <p:pic>
+        <p:nvPicPr>
+          <p:cNvPr id="6" name="圖片 5"/>
+          <p:cNvPicPr>
+            <a:picLocks noChangeAspect="1"/>
+          </p:cNvPicPr>
+          <p:nvPr/>
+        </p:nvPicPr>
+        <p:blipFill>
+          <a:blip r:embed="rId4"/>
+          <a:stretch>
+            <a:fillRect/>
+          </a:stretch>
+        </p:blipFill>
+        <p:spPr>
+          <a:xfrm>
+            <a:off x="6303962" y="1296528"/>
+            <a:ext cx="3079467" cy="4891376"/>
+          </a:xfrm>
+          <a:prstGeom prst="rect">
+            <a:avLst/>
+          </a:prstGeom>
+          <a:ln>
+            <a:solidFill>
+              <a:schemeClr val="accent1"/>
+            </a:solidFill>
+          </a:ln>
+        </p:spPr>
+      </p:pic>
+      <p:sp>
+        <p:nvSpPr>
+          <p:cNvPr id="8" name="PlaceHolder 1"/>
+          <p:cNvSpPr txBox="1">
+            <a:spLocks/>
+          </p:cNvSpPr>
+          <p:nvPr/>
+        </p:nvSpPr>
+        <p:spPr>
+          <a:xfrm>
+            <a:off x="502820" y="795600"/>
+            <a:ext cx="9167653" cy="623917"/>
+          </a:xfrm>
+          <a:prstGeom prst="rect">
+            <a:avLst/>
+          </a:prstGeom>
+          <a:noFill/>
+          <a:ln w="0">
+            <a:noFill/>
+          </a:ln>
+        </p:spPr>
+        <p:txBody>
+          <a:bodyPr lIns="100800" tIns="100800" rIns="100800" bIns="100800" anchor="ctr">
+            <a:noAutofit/>
+          </a:bodyPr>
+          <a:lstStyle>
+            <a:lvl1pPr algn="l" defTabSz="914400" rtl="0" eaLnBrk="1" latinLnBrk="0" hangingPunct="1">
+              <a:lnSpc>
+                <a:spcPct val="90000"/>
+              </a:lnSpc>
+              <a:spcBef>
+                <a:spcPct val="0"/>
+              </a:spcBef>
+              <a:buNone/>
+              <a:defRPr sz="4400" kern="1200">
+                <a:solidFill>
+                  <a:schemeClr val="tx1"/>
+                </a:solidFill>
+                <a:latin typeface="+mj-lt"/>
+                <a:ea typeface="+mj-ea"/>
+                <a:cs typeface="+mj-cs"/>
+              </a:defRPr>
+            </a:lvl1pPr>
+          </a:lstStyle>
+          <a:p>
+            <a:pPr>
+              <a:lnSpc>
+                <a:spcPct val="100000"/>
+              </a:lnSpc>
+              <a:tabLst>
+                <a:tab pos="0" algn="l"/>
+              </a:tabLst>
+            </a:pPr>
+            <a:r>
+              <a:rPr lang="en-US" altLang="zh-TW" sz="2400" spc="-1" dirty="0" smtClean="0">
+                <a:solidFill>
+                  <a:srgbClr val="002060"/>
+                </a:solidFill>
+                <a:latin typeface="標楷體" panose="03000509000000000000" pitchFamily="65" charset="-120"/>
+                <a:ea typeface="標楷體" panose="03000509000000000000" pitchFamily="65" charset="-120"/>
+              </a:rPr>
+              <a:t>Stage 1: </a:t>
+            </a:r>
+            <a:r>
+              <a:rPr lang="zh-TW" altLang="en-US" sz="2400" spc="-1" dirty="0" smtClean="0">
+                <a:solidFill>
+                  <a:srgbClr val="002060"/>
+                </a:solidFill>
+                <a:latin typeface="標楷體" panose="03000509000000000000" pitchFamily="65" charset="-120"/>
+                <a:ea typeface="標楷體" panose="03000509000000000000" pitchFamily="65" charset="-120"/>
+              </a:rPr>
+              <a:t>查看環境變數與設定</a:t>
+            </a:r>
+            <a:endParaRPr lang="zh-TW" altLang="en-US" sz="2400" spc="-1" dirty="0">
+              <a:solidFill>
+                <a:srgbClr val="000000"/>
+              </a:solidFill>
+              <a:latin typeface="標楷體" panose="03000509000000000000" pitchFamily="65" charset="-120"/>
+              <a:ea typeface="標楷體" panose="03000509000000000000" pitchFamily="65" charset="-120"/>
+            </a:endParaRPr>
+          </a:p>
+        </p:txBody>
+      </p:sp>
+    </p:spTree>
+    <p:extLst>
+      <p:ext uri="{BB962C8B-B14F-4D97-AF65-F5344CB8AC3E}">
+        <p14:creationId xmlns:p14="http://schemas.microsoft.com/office/powerpoint/2010/main" val="521535665"/>
+      </p:ext>
+    </p:extLst>
+  </p:cSld>
+  <p:clrMapOvr>
+    <a:masterClrMapping/>
+  </p:clrMapOvr>
+  <mc:AlternateContent xmlns:mc="http://schemas.openxmlformats.org/markup-compatibility/2006" xmlns:p14="http://schemas.microsoft.com/office/powerpoint/2010/main">
+    <mc:Choice Requires="p14">
+      <p:transition spd="slow" p14:dur="2000"/>
+    </mc:Choice>
+    <mc:Fallback xmlns="" xmlns:p15="http://schemas.microsoft.com/office/powerpoint/2012/main">
+      <p:transition spd="slow"/>
+    </mc:Fallback>
+  </mc:AlternateContent>
+  <p:timing>
+    <p:tnLst>
+      <p:par>
+        <p:cTn id="1" dur="indefinite" restart="never" nodeType="tmRoot"/>
+      </p:par>
+    </p:tnLst>
+  </p:timing>
+</p:sld>
+</file>
+
+<file path=ppt/slides/slide27.xml><?xml version="1.0" encoding="utf-8"?>
+<p:sld xmlns:a="http://schemas.openxmlformats.org/drawingml/2006/main" xmlns:r="http://schemas.openxmlformats.org/officeDocument/2006/relationships" xmlns:p="http://schemas.openxmlformats.org/presentationml/2006/main">
+  <p:cSld>
+    <p:spTree>
+      <p:nvGrpSpPr>
+        <p:cNvPr id="1" name=""/>
+        <p:cNvGrpSpPr/>
+        <p:nvPr/>
+      </p:nvGrpSpPr>
+      <p:grpSpPr>
+        <a:xfrm>
+          <a:off x="0" y="0"/>
+          <a:ext cx="0" cy="0"/>
+          <a:chOff x="0" y="0"/>
+          <a:chExt cx="0" cy="0"/>
+        </a:xfrm>
+      </p:grpSpPr>
+      <p:sp>
+        <p:nvSpPr>
+          <p:cNvPr id="58" name="PlaceHolder 1"/>
+          <p:cNvSpPr>
+            <a:spLocks noGrp="1"/>
+          </p:cNvSpPr>
+          <p:nvPr>
+            <p:ph type="title" idx="4294967295"/>
+          </p:nvPr>
+        </p:nvSpPr>
+        <p:spPr>
+          <a:xfrm>
+            <a:off x="1331640" y="71640"/>
+            <a:ext cx="7281720" cy="723960"/>
+          </a:xfrm>
+          <a:prstGeom prst="rect">
+            <a:avLst/>
+          </a:prstGeom>
+          <a:noFill/>
+          <a:ln w="0">
+            <a:noFill/>
+          </a:ln>
+        </p:spPr>
+        <p:txBody>
+          <a:bodyPr lIns="100800" tIns="100800" rIns="100800" bIns="100800" anchor="ctr">
+            <a:noAutofit/>
+          </a:bodyPr>
+          <a:lstStyle/>
+          <a:p>
+            <a:pPr indent="0" algn="ctr" defTabSz="914400">
+              <a:lnSpc>
+                <a:spcPct val="100000"/>
+              </a:lnSpc>
+              <a:buNone/>
+              <a:tabLst>
+                <a:tab pos="0" algn="l"/>
+              </a:tabLst>
+            </a:pPr>
+            <a:r>
+              <a:rPr lang="en-US" altLang="zh-TW" sz="3600" b="1" strike="noStrike" spc="-1" dirty="0" smtClean="0">
+                <a:solidFill>
+                  <a:srgbClr val="002060"/>
+                </a:solidFill>
+                <a:latin typeface="微軟正黑體"/>
+                <a:ea typeface="微軟正黑體"/>
+              </a:rPr>
+              <a:t>Jenkins </a:t>
+            </a:r>
+            <a:r>
+              <a:rPr lang="en-US" altLang="zh-TW" sz="3600" b="1" strike="noStrike" spc="-1" dirty="0" smtClean="0">
+                <a:solidFill>
+                  <a:srgbClr val="002060"/>
+                </a:solidFill>
+                <a:latin typeface="微軟正黑體"/>
+                <a:ea typeface="微軟正黑體"/>
+              </a:rPr>
+              <a:t>pipeline (</a:t>
+            </a:r>
+            <a:r>
+              <a:rPr lang="zh-TW" altLang="en-US" sz="3600" b="1" strike="noStrike" spc="-1" dirty="0" smtClean="0">
+                <a:solidFill>
+                  <a:srgbClr val="002060"/>
+                </a:solidFill>
+                <a:latin typeface="微軟正黑體"/>
+                <a:ea typeface="微軟正黑體"/>
+              </a:rPr>
+              <a:t>三</a:t>
+            </a:r>
+            <a:r>
+              <a:rPr lang="en-US" altLang="zh-TW" sz="3600" b="1" strike="noStrike" spc="-1" dirty="0" smtClean="0">
+                <a:solidFill>
+                  <a:srgbClr val="002060"/>
+                </a:solidFill>
+                <a:latin typeface="微軟正黑體"/>
+                <a:ea typeface="微軟正黑體"/>
+              </a:rPr>
+              <a:t>)</a:t>
+            </a:r>
+            <a:endParaRPr lang="en-US" sz="3600" b="1" strike="noStrike" spc="-1" dirty="0">
+              <a:solidFill>
+                <a:srgbClr val="000000"/>
+              </a:solidFill>
+              <a:latin typeface="Arial"/>
+            </a:endParaRPr>
+          </a:p>
+        </p:txBody>
+      </p:sp>
+      <p:sp>
+        <p:nvSpPr>
+          <p:cNvPr id="8" name="PlaceHolder 1"/>
+          <p:cNvSpPr txBox="1">
+            <a:spLocks/>
+          </p:cNvSpPr>
+          <p:nvPr/>
+        </p:nvSpPr>
+        <p:spPr>
+          <a:xfrm>
+            <a:off x="502820" y="795600"/>
+            <a:ext cx="9167653" cy="623917"/>
+          </a:xfrm>
+          <a:prstGeom prst="rect">
+            <a:avLst/>
+          </a:prstGeom>
+          <a:noFill/>
+          <a:ln w="0">
+            <a:noFill/>
+          </a:ln>
+        </p:spPr>
+        <p:txBody>
+          <a:bodyPr lIns="100800" tIns="100800" rIns="100800" bIns="100800" anchor="ctr">
+            <a:noAutofit/>
+          </a:bodyPr>
+          <a:lstStyle>
+            <a:lvl1pPr algn="l" defTabSz="914400" rtl="0" eaLnBrk="1" latinLnBrk="0" hangingPunct="1">
+              <a:lnSpc>
+                <a:spcPct val="90000"/>
+              </a:lnSpc>
+              <a:spcBef>
+                <a:spcPct val="0"/>
+              </a:spcBef>
+              <a:buNone/>
+              <a:defRPr sz="4400" kern="1200">
+                <a:solidFill>
+                  <a:schemeClr val="tx1"/>
+                </a:solidFill>
+                <a:latin typeface="+mj-lt"/>
+                <a:ea typeface="+mj-ea"/>
+                <a:cs typeface="+mj-cs"/>
+              </a:defRPr>
+            </a:lvl1pPr>
+          </a:lstStyle>
+          <a:p>
+            <a:pPr>
+              <a:lnSpc>
+                <a:spcPct val="100000"/>
+              </a:lnSpc>
+              <a:tabLst>
+                <a:tab pos="0" algn="l"/>
+              </a:tabLst>
+            </a:pPr>
+            <a:r>
+              <a:rPr lang="en-US" altLang="zh-TW" sz="2400" spc="-1" dirty="0" smtClean="0">
+                <a:solidFill>
+                  <a:srgbClr val="002060"/>
+                </a:solidFill>
+                <a:latin typeface="標楷體" panose="03000509000000000000" pitchFamily="65" charset="-120"/>
+                <a:ea typeface="標楷體" panose="03000509000000000000" pitchFamily="65" charset="-120"/>
+              </a:rPr>
+              <a:t>Stage 2: </a:t>
+            </a:r>
+            <a:r>
+              <a:rPr lang="zh-TW" altLang="en-US" sz="2400" spc="-1" dirty="0" smtClean="0">
+                <a:solidFill>
+                  <a:srgbClr val="002060"/>
+                </a:solidFill>
+                <a:latin typeface="標楷體" panose="03000509000000000000" pitchFamily="65" charset="-120"/>
+                <a:ea typeface="標楷體" panose="03000509000000000000" pitchFamily="65" charset="-120"/>
+              </a:rPr>
+              <a:t>初始化工作空間 </a:t>
+            </a:r>
+            <a:r>
+              <a:rPr lang="en-US" altLang="zh-TW" sz="2400" spc="-1" dirty="0" smtClean="0">
+                <a:solidFill>
+                  <a:srgbClr val="002060"/>
+                </a:solidFill>
+                <a:latin typeface="標楷體" panose="03000509000000000000" pitchFamily="65" charset="-120"/>
+                <a:ea typeface="標楷體" panose="03000509000000000000" pitchFamily="65" charset="-120"/>
+              </a:rPr>
+              <a:t>(./</a:t>
+            </a:r>
+            <a:r>
+              <a:rPr lang="zh-TW" altLang="en-US" sz="2400" spc="-1" dirty="0" smtClean="0">
+                <a:solidFill>
+                  <a:srgbClr val="002060"/>
+                </a:solidFill>
+                <a:latin typeface="標楷體" panose="03000509000000000000" pitchFamily="65" charset="-120"/>
+                <a:ea typeface="標楷體" panose="03000509000000000000" pitchFamily="65" charset="-120"/>
+              </a:rPr>
+              <a:t>該 </a:t>
+            </a:r>
+            <a:r>
+              <a:rPr lang="en-US" altLang="zh-TW" sz="2400" spc="-1" dirty="0" smtClean="0">
+                <a:solidFill>
+                  <a:srgbClr val="002060"/>
+                </a:solidFill>
+                <a:latin typeface="標楷體" panose="03000509000000000000" pitchFamily="65" charset="-120"/>
+                <a:ea typeface="標楷體" panose="03000509000000000000" pitchFamily="65" charset="-120"/>
+              </a:rPr>
+              <a:t>pipeline </a:t>
+            </a:r>
+            <a:r>
+              <a:rPr lang="zh-TW" altLang="en-US" sz="2400" spc="-1" dirty="0" smtClean="0">
+                <a:solidFill>
+                  <a:srgbClr val="002060"/>
+                </a:solidFill>
+                <a:latin typeface="標楷體" panose="03000509000000000000" pitchFamily="65" charset="-120"/>
+                <a:ea typeface="標楷體" panose="03000509000000000000" pitchFamily="65" charset="-120"/>
+              </a:rPr>
+              <a:t>的資料夾</a:t>
+            </a:r>
+            <a:r>
+              <a:rPr lang="en-US" altLang="zh-TW" sz="2400" spc="-1" dirty="0" smtClean="0">
+                <a:solidFill>
+                  <a:srgbClr val="002060"/>
+                </a:solidFill>
+                <a:latin typeface="標楷體" panose="03000509000000000000" pitchFamily="65" charset="-120"/>
+                <a:ea typeface="標楷體" panose="03000509000000000000" pitchFamily="65" charset="-120"/>
+              </a:rPr>
+              <a:t>)</a:t>
+            </a:r>
+            <a:endParaRPr lang="zh-TW" altLang="en-US" sz="2400" spc="-1" dirty="0">
+              <a:solidFill>
+                <a:srgbClr val="000000"/>
+              </a:solidFill>
+              <a:latin typeface="標楷體" panose="03000509000000000000" pitchFamily="65" charset="-120"/>
+              <a:ea typeface="標楷體" panose="03000509000000000000" pitchFamily="65" charset="-120"/>
+            </a:endParaRPr>
+          </a:p>
+        </p:txBody>
+      </p:sp>
+      <p:pic>
+        <p:nvPicPr>
+          <p:cNvPr id="2" name="圖片 1"/>
+          <p:cNvPicPr>
+            <a:picLocks noChangeAspect="1"/>
+          </p:cNvPicPr>
+          <p:nvPr/>
+        </p:nvPicPr>
+        <p:blipFill>
+          <a:blip r:embed="rId3"/>
+          <a:stretch>
+            <a:fillRect/>
+          </a:stretch>
+        </p:blipFill>
+        <p:spPr>
+          <a:xfrm>
+            <a:off x="345930" y="1593416"/>
+            <a:ext cx="3810000" cy="3190875"/>
+          </a:xfrm>
+          <a:prstGeom prst="rect">
+            <a:avLst/>
+          </a:prstGeom>
+          <a:ln>
+            <a:solidFill>
+              <a:schemeClr val="accent1"/>
+            </a:solidFill>
+          </a:ln>
+        </p:spPr>
+      </p:pic>
+      <p:pic>
+        <p:nvPicPr>
+          <p:cNvPr id="4" name="圖片 3"/>
+          <p:cNvPicPr>
+            <a:picLocks noChangeAspect="1"/>
+          </p:cNvPicPr>
+          <p:nvPr/>
+        </p:nvPicPr>
+        <p:blipFill>
+          <a:blip r:embed="rId4"/>
+          <a:stretch>
+            <a:fillRect/>
+          </a:stretch>
+        </p:blipFill>
+        <p:spPr>
+          <a:xfrm>
+            <a:off x="4407399" y="1690255"/>
+            <a:ext cx="5517088" cy="4067029"/>
+          </a:xfrm>
+          <a:prstGeom prst="rect">
+            <a:avLst/>
+          </a:prstGeom>
+          <a:ln>
+            <a:solidFill>
+              <a:schemeClr val="accent1"/>
+            </a:solidFill>
+          </a:ln>
+        </p:spPr>
+      </p:pic>
+    </p:spTree>
+    <p:extLst>
+      <p:ext uri="{BB962C8B-B14F-4D97-AF65-F5344CB8AC3E}">
+        <p14:creationId xmlns:p14="http://schemas.microsoft.com/office/powerpoint/2010/main" val="3784752547"/>
+      </p:ext>
+    </p:extLst>
+  </p:cSld>
+  <p:clrMapOvr>
+    <a:masterClrMapping/>
+  </p:clrMapOvr>
+  <mc:AlternateContent xmlns:mc="http://schemas.openxmlformats.org/markup-compatibility/2006" xmlns:p14="http://schemas.microsoft.com/office/powerpoint/2010/main">
+    <mc:Choice Requires="p14">
+      <p:transition spd="slow" p14:dur="2000"/>
+    </mc:Choice>
+    <mc:Fallback xmlns="" xmlns:p15="http://schemas.microsoft.com/office/powerpoint/2012/main">
+      <p:transition spd="slow"/>
+    </mc:Fallback>
+  </mc:AlternateContent>
+  <p:timing>
+    <p:tnLst>
+      <p:par>
+        <p:cTn id="1" dur="indefinite" restart="never" nodeType="tmRoot"/>
+      </p:par>
+    </p:tnLst>
+  </p:timing>
+</p:sld>
+</file>
+
+<file path=ppt/slides/slide28.xml><?xml version="1.0" encoding="utf-8"?>
+<p:sld xmlns:a="http://schemas.openxmlformats.org/drawingml/2006/main" xmlns:r="http://schemas.openxmlformats.org/officeDocument/2006/relationships" xmlns:p="http://schemas.openxmlformats.org/presentationml/2006/main">
+  <p:cSld>
+    <p:spTree>
+      <p:nvGrpSpPr>
+        <p:cNvPr id="1" name=""/>
+        <p:cNvGrpSpPr/>
+        <p:nvPr/>
+      </p:nvGrpSpPr>
+      <p:grpSpPr>
+        <a:xfrm>
+          <a:off x="0" y="0"/>
+          <a:ext cx="0" cy="0"/>
+          <a:chOff x="0" y="0"/>
+          <a:chExt cx="0" cy="0"/>
+        </a:xfrm>
+      </p:grpSpPr>
+      <p:sp>
+        <p:nvSpPr>
+          <p:cNvPr id="58" name="PlaceHolder 1"/>
+          <p:cNvSpPr>
+            <a:spLocks noGrp="1"/>
+          </p:cNvSpPr>
+          <p:nvPr>
+            <p:ph type="title" idx="4294967295"/>
+          </p:nvPr>
+        </p:nvSpPr>
+        <p:spPr>
+          <a:xfrm>
+            <a:off x="1331640" y="71640"/>
+            <a:ext cx="7281720" cy="723960"/>
+          </a:xfrm>
+          <a:prstGeom prst="rect">
+            <a:avLst/>
+          </a:prstGeom>
+          <a:noFill/>
+          <a:ln w="0">
+            <a:noFill/>
+          </a:ln>
+        </p:spPr>
+        <p:txBody>
+          <a:bodyPr lIns="100800" tIns="100800" rIns="100800" bIns="100800" anchor="ctr">
+            <a:noAutofit/>
+          </a:bodyPr>
+          <a:lstStyle/>
+          <a:p>
+            <a:pPr indent="0" algn="ctr" defTabSz="914400">
+              <a:lnSpc>
+                <a:spcPct val="100000"/>
+              </a:lnSpc>
+              <a:buNone/>
+              <a:tabLst>
+                <a:tab pos="0" algn="l"/>
+              </a:tabLst>
+            </a:pPr>
+            <a:r>
+              <a:rPr lang="en-US" altLang="zh-TW" sz="3600" b="1" strike="noStrike" spc="-1" dirty="0" smtClean="0">
+                <a:solidFill>
+                  <a:srgbClr val="002060"/>
+                </a:solidFill>
+                <a:latin typeface="微軟正黑體"/>
+                <a:ea typeface="微軟正黑體"/>
+              </a:rPr>
+              <a:t>Jenkins </a:t>
+            </a:r>
+            <a:r>
+              <a:rPr lang="en-US" altLang="zh-TW" sz="3600" b="1" strike="noStrike" spc="-1" dirty="0" smtClean="0">
+                <a:solidFill>
+                  <a:srgbClr val="002060"/>
+                </a:solidFill>
+                <a:latin typeface="微軟正黑體"/>
+                <a:ea typeface="微軟正黑體"/>
+              </a:rPr>
+              <a:t>pipeline (</a:t>
+            </a:r>
+            <a:r>
+              <a:rPr lang="zh-TW" altLang="en-US" sz="3600" b="1" strike="noStrike" spc="-1" dirty="0" smtClean="0">
+                <a:solidFill>
+                  <a:srgbClr val="002060"/>
+                </a:solidFill>
+                <a:latin typeface="微軟正黑體"/>
+                <a:ea typeface="微軟正黑體"/>
+              </a:rPr>
+              <a:t>四</a:t>
+            </a:r>
+            <a:r>
+              <a:rPr lang="en-US" altLang="zh-TW" sz="3600" b="1" strike="noStrike" spc="-1" dirty="0" smtClean="0">
+                <a:solidFill>
+                  <a:srgbClr val="002060"/>
+                </a:solidFill>
+                <a:latin typeface="微軟正黑體"/>
+                <a:ea typeface="微軟正黑體"/>
+              </a:rPr>
+              <a:t>)</a:t>
+            </a:r>
+            <a:endParaRPr lang="en-US" sz="3600" b="1" strike="noStrike" spc="-1" dirty="0">
+              <a:solidFill>
+                <a:srgbClr val="000000"/>
+              </a:solidFill>
+              <a:latin typeface="Arial"/>
+            </a:endParaRPr>
+          </a:p>
+        </p:txBody>
+      </p:sp>
+      <p:sp>
+        <p:nvSpPr>
+          <p:cNvPr id="8" name="PlaceHolder 1"/>
+          <p:cNvSpPr txBox="1">
+            <a:spLocks/>
+          </p:cNvSpPr>
+          <p:nvPr/>
+        </p:nvSpPr>
+        <p:spPr>
+          <a:xfrm>
+            <a:off x="502820" y="795600"/>
+            <a:ext cx="9167653" cy="623917"/>
+          </a:xfrm>
+          <a:prstGeom prst="rect">
+            <a:avLst/>
+          </a:prstGeom>
+          <a:noFill/>
+          <a:ln w="0">
+            <a:noFill/>
+          </a:ln>
+        </p:spPr>
+        <p:txBody>
+          <a:bodyPr lIns="100800" tIns="100800" rIns="100800" bIns="100800" anchor="ctr">
+            <a:noAutofit/>
+          </a:bodyPr>
+          <a:lstStyle>
+            <a:lvl1pPr algn="l" defTabSz="914400" rtl="0" eaLnBrk="1" latinLnBrk="0" hangingPunct="1">
+              <a:lnSpc>
+                <a:spcPct val="90000"/>
+              </a:lnSpc>
+              <a:spcBef>
+                <a:spcPct val="0"/>
+              </a:spcBef>
+              <a:buNone/>
+              <a:defRPr sz="4400" kern="1200">
+                <a:solidFill>
+                  <a:schemeClr val="tx1"/>
+                </a:solidFill>
+                <a:latin typeface="+mj-lt"/>
+                <a:ea typeface="+mj-ea"/>
+                <a:cs typeface="+mj-cs"/>
+              </a:defRPr>
+            </a:lvl1pPr>
+          </a:lstStyle>
+          <a:p>
+            <a:pPr>
+              <a:lnSpc>
+                <a:spcPct val="100000"/>
+              </a:lnSpc>
+              <a:tabLst>
+                <a:tab pos="0" algn="l"/>
+              </a:tabLst>
+            </a:pPr>
+            <a:r>
+              <a:rPr lang="en-US" altLang="zh-TW" sz="2400" spc="-1" dirty="0" smtClean="0">
+                <a:solidFill>
+                  <a:srgbClr val="002060"/>
+                </a:solidFill>
+                <a:latin typeface="標楷體" panose="03000509000000000000" pitchFamily="65" charset="-120"/>
+                <a:ea typeface="標楷體" panose="03000509000000000000" pitchFamily="65" charset="-120"/>
+              </a:rPr>
+              <a:t>Stage 3: clone </a:t>
+            </a:r>
+            <a:r>
+              <a:rPr lang="en-US" altLang="zh-TW" sz="2400" spc="-1" dirty="0" err="1" smtClean="0">
+                <a:solidFill>
+                  <a:srgbClr val="002060"/>
+                </a:solidFill>
+                <a:latin typeface="標楷體" panose="03000509000000000000" pitchFamily="65" charset="-120"/>
+                <a:ea typeface="標楷體" panose="03000509000000000000" pitchFamily="65" charset="-120"/>
+              </a:rPr>
+              <a:t>Gitlab</a:t>
+            </a:r>
+            <a:r>
+              <a:rPr lang="en-US" altLang="zh-TW" sz="2400" spc="-1" dirty="0" smtClean="0">
+                <a:solidFill>
+                  <a:srgbClr val="002060"/>
+                </a:solidFill>
+                <a:latin typeface="標楷體" panose="03000509000000000000" pitchFamily="65" charset="-120"/>
+                <a:ea typeface="標楷體" panose="03000509000000000000" pitchFamily="65" charset="-120"/>
+              </a:rPr>
+              <a:t> project </a:t>
+            </a:r>
+            <a:r>
+              <a:rPr lang="zh-TW" altLang="en-US" sz="2400" spc="-1" dirty="0" smtClean="0">
+                <a:solidFill>
+                  <a:srgbClr val="002060"/>
+                </a:solidFill>
+                <a:latin typeface="標楷體" panose="03000509000000000000" pitchFamily="65" charset="-120"/>
+                <a:ea typeface="標楷體" panose="03000509000000000000" pitchFamily="65" charset="-120"/>
+              </a:rPr>
+              <a:t>至 </a:t>
+            </a:r>
+            <a:r>
+              <a:rPr lang="en-US" altLang="zh-TW" sz="2400" spc="-1" dirty="0" smtClean="0">
+                <a:solidFill>
+                  <a:srgbClr val="002060"/>
+                </a:solidFill>
+                <a:latin typeface="標楷體" panose="03000509000000000000" pitchFamily="65" charset="-120"/>
+                <a:ea typeface="標楷體" panose="03000509000000000000" pitchFamily="65" charset="-120"/>
+              </a:rPr>
+              <a:t>Jenkins server</a:t>
+            </a:r>
+            <a:endParaRPr lang="zh-TW" altLang="en-US" sz="2400" spc="-1" dirty="0">
+              <a:solidFill>
+                <a:srgbClr val="000000"/>
+              </a:solidFill>
+              <a:latin typeface="標楷體" panose="03000509000000000000" pitchFamily="65" charset="-120"/>
+              <a:ea typeface="標楷體" panose="03000509000000000000" pitchFamily="65" charset="-120"/>
+            </a:endParaRPr>
+          </a:p>
+        </p:txBody>
+      </p:sp>
+      <p:pic>
+        <p:nvPicPr>
+          <p:cNvPr id="5" name="圖片 4"/>
+          <p:cNvPicPr>
+            <a:picLocks noChangeAspect="1"/>
+          </p:cNvPicPr>
+          <p:nvPr/>
+        </p:nvPicPr>
+        <p:blipFill>
+          <a:blip r:embed="rId3"/>
+          <a:stretch>
+            <a:fillRect/>
+          </a:stretch>
+        </p:blipFill>
+        <p:spPr>
+          <a:xfrm>
+            <a:off x="288510" y="1609148"/>
+            <a:ext cx="8324850" cy="3676650"/>
+          </a:xfrm>
+          <a:prstGeom prst="rect">
+            <a:avLst/>
+          </a:prstGeom>
+          <a:ln>
+            <a:solidFill>
+              <a:schemeClr val="accent1"/>
+            </a:solidFill>
+          </a:ln>
+        </p:spPr>
+      </p:pic>
+      <p:pic>
+        <p:nvPicPr>
+          <p:cNvPr id="6" name="圖片 5"/>
+          <p:cNvPicPr>
+            <a:picLocks noChangeAspect="1"/>
+          </p:cNvPicPr>
+          <p:nvPr/>
+        </p:nvPicPr>
+        <p:blipFill>
+          <a:blip r:embed="rId4"/>
+          <a:stretch>
+            <a:fillRect/>
+          </a:stretch>
+        </p:blipFill>
+        <p:spPr>
+          <a:xfrm>
+            <a:off x="3347749" y="3332272"/>
+            <a:ext cx="6618288" cy="1436866"/>
+          </a:xfrm>
+          <a:prstGeom prst="rect">
+            <a:avLst/>
+          </a:prstGeom>
+          <a:ln>
+            <a:solidFill>
+              <a:schemeClr val="accent1"/>
+            </a:solidFill>
+          </a:ln>
+        </p:spPr>
+      </p:pic>
+    </p:spTree>
+    <p:extLst>
+      <p:ext uri="{BB962C8B-B14F-4D97-AF65-F5344CB8AC3E}">
+        <p14:creationId xmlns:p14="http://schemas.microsoft.com/office/powerpoint/2010/main" val="525240272"/>
+      </p:ext>
+    </p:extLst>
+  </p:cSld>
+  <p:clrMapOvr>
+    <a:masterClrMapping/>
+  </p:clrMapOvr>
+  <mc:AlternateContent xmlns:mc="http://schemas.openxmlformats.org/markup-compatibility/2006" xmlns:p14="http://schemas.microsoft.com/office/powerpoint/2010/main">
+    <mc:Choice Requires="p14">
+      <p:transition spd="slow" p14:dur="2000"/>
+    </mc:Choice>
+    <mc:Fallback xmlns="" xmlns:p15="http://schemas.microsoft.com/office/powerpoint/2012/main">
+      <p:transition spd="slow"/>
+    </mc:Fallback>
+  </mc:AlternateContent>
+  <p:timing>
+    <p:tnLst>
+      <p:par>
+        <p:cTn id="1" dur="indefinite" restart="never" nodeType="tmRoot"/>
+      </p:par>
+    </p:tnLst>
+  </p:timing>
+</p:sld>
+</file>
+
+<file path=ppt/slides/slide29.xml><?xml version="1.0" encoding="utf-8"?>
+<p:sld xmlns:a="http://schemas.openxmlformats.org/drawingml/2006/main" xmlns:r="http://schemas.openxmlformats.org/officeDocument/2006/relationships" xmlns:p="http://schemas.openxmlformats.org/presentationml/2006/main">
+  <p:cSld>
+    <p:spTree>
+      <p:nvGrpSpPr>
+        <p:cNvPr id="1" name=""/>
+        <p:cNvGrpSpPr/>
+        <p:nvPr/>
+      </p:nvGrpSpPr>
+      <p:grpSpPr>
+        <a:xfrm>
+          <a:off x="0" y="0"/>
+          <a:ext cx="0" cy="0"/>
+          <a:chOff x="0" y="0"/>
+          <a:chExt cx="0" cy="0"/>
+        </a:xfrm>
+      </p:grpSpPr>
+      <p:sp>
+        <p:nvSpPr>
+          <p:cNvPr id="58" name="PlaceHolder 1"/>
+          <p:cNvSpPr>
+            <a:spLocks noGrp="1"/>
+          </p:cNvSpPr>
+          <p:nvPr>
+            <p:ph type="title" idx="4294967295"/>
+          </p:nvPr>
+        </p:nvSpPr>
+        <p:spPr>
+          <a:xfrm>
+            <a:off x="1331640" y="71640"/>
+            <a:ext cx="7281720" cy="723960"/>
+          </a:xfrm>
+          <a:prstGeom prst="rect">
+            <a:avLst/>
+          </a:prstGeom>
+          <a:noFill/>
+          <a:ln w="0">
+            <a:noFill/>
+          </a:ln>
+        </p:spPr>
+        <p:txBody>
+          <a:bodyPr lIns="100800" tIns="100800" rIns="100800" bIns="100800" anchor="ctr">
+            <a:noAutofit/>
+          </a:bodyPr>
+          <a:lstStyle/>
+          <a:p>
+            <a:pPr indent="0" algn="ctr" defTabSz="914400">
+              <a:lnSpc>
+                <a:spcPct val="100000"/>
+              </a:lnSpc>
+              <a:buNone/>
+              <a:tabLst>
+                <a:tab pos="0" algn="l"/>
+              </a:tabLst>
+            </a:pPr>
+            <a:r>
+              <a:rPr lang="en-US" altLang="zh-TW" sz="3600" b="1" strike="noStrike" spc="-1" dirty="0" smtClean="0">
+                <a:solidFill>
+                  <a:srgbClr val="002060"/>
+                </a:solidFill>
+                <a:latin typeface="微軟正黑體"/>
+                <a:ea typeface="微軟正黑體"/>
+              </a:rPr>
+              <a:t>Jenkins </a:t>
+            </a:r>
+            <a:r>
+              <a:rPr lang="en-US" altLang="zh-TW" sz="3600" b="1" strike="noStrike" spc="-1" dirty="0" smtClean="0">
+                <a:solidFill>
+                  <a:srgbClr val="002060"/>
+                </a:solidFill>
+                <a:latin typeface="微軟正黑體"/>
+                <a:ea typeface="微軟正黑體"/>
+              </a:rPr>
+              <a:t>pipeline (</a:t>
+            </a:r>
+            <a:r>
+              <a:rPr lang="zh-TW" altLang="en-US" sz="3600" b="1" strike="noStrike" spc="-1" dirty="0" smtClean="0">
+                <a:solidFill>
+                  <a:srgbClr val="002060"/>
+                </a:solidFill>
+                <a:latin typeface="微軟正黑體"/>
+                <a:ea typeface="微軟正黑體"/>
+              </a:rPr>
+              <a:t>五</a:t>
+            </a:r>
+            <a:r>
+              <a:rPr lang="en-US" altLang="zh-TW" sz="3600" b="1" strike="noStrike" spc="-1" dirty="0" smtClean="0">
+                <a:solidFill>
+                  <a:srgbClr val="002060"/>
+                </a:solidFill>
+                <a:latin typeface="微軟正黑體"/>
+                <a:ea typeface="微軟正黑體"/>
+              </a:rPr>
+              <a:t>)</a:t>
+            </a:r>
+            <a:endParaRPr lang="en-US" sz="3600" b="1" strike="noStrike" spc="-1" dirty="0">
+              <a:solidFill>
+                <a:srgbClr val="000000"/>
+              </a:solidFill>
+              <a:latin typeface="Arial"/>
+            </a:endParaRPr>
+          </a:p>
+        </p:txBody>
+      </p:sp>
+      <p:sp>
+        <p:nvSpPr>
+          <p:cNvPr id="8" name="PlaceHolder 1"/>
+          <p:cNvSpPr txBox="1">
+            <a:spLocks/>
+          </p:cNvSpPr>
+          <p:nvPr/>
+        </p:nvSpPr>
+        <p:spPr>
+          <a:xfrm>
+            <a:off x="502820" y="795600"/>
+            <a:ext cx="9167653" cy="623917"/>
+          </a:xfrm>
+          <a:prstGeom prst="rect">
+            <a:avLst/>
+          </a:prstGeom>
+          <a:noFill/>
+          <a:ln w="0">
+            <a:noFill/>
+          </a:ln>
+        </p:spPr>
+        <p:txBody>
+          <a:bodyPr lIns="100800" tIns="100800" rIns="100800" bIns="100800" anchor="ctr">
+            <a:noAutofit/>
+          </a:bodyPr>
+          <a:lstStyle>
+            <a:lvl1pPr algn="l" defTabSz="914400" rtl="0" eaLnBrk="1" latinLnBrk="0" hangingPunct="1">
+              <a:lnSpc>
+                <a:spcPct val="90000"/>
+              </a:lnSpc>
+              <a:spcBef>
+                <a:spcPct val="0"/>
+              </a:spcBef>
+              <a:buNone/>
+              <a:defRPr sz="4400" kern="1200">
+                <a:solidFill>
+                  <a:schemeClr val="tx1"/>
+                </a:solidFill>
+                <a:latin typeface="+mj-lt"/>
+                <a:ea typeface="+mj-ea"/>
+                <a:cs typeface="+mj-cs"/>
+              </a:defRPr>
+            </a:lvl1pPr>
+          </a:lstStyle>
+          <a:p>
+            <a:pPr>
+              <a:lnSpc>
+                <a:spcPct val="100000"/>
+              </a:lnSpc>
+              <a:tabLst>
+                <a:tab pos="0" algn="l"/>
+              </a:tabLst>
+            </a:pPr>
+            <a:r>
+              <a:rPr lang="en-US" altLang="zh-TW" sz="2400" spc="-1" dirty="0" smtClean="0">
+                <a:solidFill>
+                  <a:srgbClr val="002060"/>
+                </a:solidFill>
+                <a:latin typeface="標楷體" panose="03000509000000000000" pitchFamily="65" charset="-120"/>
+                <a:ea typeface="標楷體" panose="03000509000000000000" pitchFamily="65" charset="-120"/>
+              </a:rPr>
+              <a:t>Stage 4: package jar/war file</a:t>
+            </a:r>
+            <a:endParaRPr lang="zh-TW" altLang="en-US" sz="2400" spc="-1" dirty="0">
+              <a:solidFill>
+                <a:srgbClr val="000000"/>
+              </a:solidFill>
+              <a:latin typeface="標楷體" panose="03000509000000000000" pitchFamily="65" charset="-120"/>
+              <a:ea typeface="標楷體" panose="03000509000000000000" pitchFamily="65" charset="-120"/>
+            </a:endParaRPr>
+          </a:p>
+        </p:txBody>
+      </p:sp>
+      <p:pic>
+        <p:nvPicPr>
+          <p:cNvPr id="2" name="圖片 1"/>
+          <p:cNvPicPr>
+            <a:picLocks noChangeAspect="1"/>
+          </p:cNvPicPr>
+          <p:nvPr/>
+        </p:nvPicPr>
+        <p:blipFill>
+          <a:blip r:embed="rId3"/>
+          <a:stretch>
+            <a:fillRect/>
+          </a:stretch>
+        </p:blipFill>
+        <p:spPr>
+          <a:xfrm>
+            <a:off x="1518497" y="1419517"/>
+            <a:ext cx="6908006" cy="4648378"/>
+          </a:xfrm>
+          <a:prstGeom prst="rect">
+            <a:avLst/>
+          </a:prstGeom>
+          <a:ln>
+            <a:solidFill>
+              <a:schemeClr val="accent1"/>
+            </a:solidFill>
+          </a:ln>
+        </p:spPr>
+      </p:pic>
+    </p:spTree>
+    <p:extLst>
+      <p:ext uri="{BB962C8B-B14F-4D97-AF65-F5344CB8AC3E}">
+        <p14:creationId xmlns:p14="http://schemas.microsoft.com/office/powerpoint/2010/main" val="2456772819"/>
+      </p:ext>
+    </p:extLst>
+  </p:cSld>
+  <p:clrMapOvr>
+    <a:masterClrMapping/>
+  </p:clrMapOvr>
+  <mc:AlternateContent xmlns:mc="http://schemas.openxmlformats.org/markup-compatibility/2006" xmlns:p14="http://schemas.microsoft.com/office/powerpoint/2010/main">
+    <mc:Choice Requires="p14">
+      <p:transition spd="slow" p14:dur="2000"/>
+    </mc:Choice>
+    <mc:Fallback xmlns="" xmlns:p15="http://schemas.microsoft.com/office/powerpoint/2012/main">
+      <p:transition spd="slow"/>
+    </mc:Fallback>
+  </mc:AlternateContent>
+  <p:timing>
+    <p:tnLst>
+      <p:par>
+        <p:cTn id="1" dur="indefinite" restart="never" nodeType="tmRoot"/>
+      </p:par>
+    </p:tnLst>
+  </p:timing>
+</p:sld>
+</file>
+
+<file path=ppt/slides/slide3.xml><?xml version="1.0" encoding="utf-8"?>
+<p:sld xmlns:a="http://schemas.openxmlformats.org/drawingml/2006/main" xmlns:r="http://schemas.openxmlformats.org/officeDocument/2006/relationships" xmlns:p="http://schemas.openxmlformats.org/presentationml/2006/main">
+  <p:cSld>
+    <p:spTree>
+      <p:nvGrpSpPr>
+        <p:cNvPr id="1" name=""/>
+        <p:cNvGrpSpPr/>
+        <p:nvPr/>
+      </p:nvGrpSpPr>
+      <p:grpSpPr>
+        <a:xfrm>
+          <a:off x="0" y="0"/>
+          <a:ext cx="0" cy="0"/>
+          <a:chOff x="0" y="0"/>
+          <a:chExt cx="0" cy="0"/>
+        </a:xfrm>
+      </p:grpSpPr>
+      <p:sp>
+        <p:nvSpPr>
+          <p:cNvPr id="58" name="PlaceHolder 1"/>
+          <p:cNvSpPr>
+            <a:spLocks noGrp="1"/>
+          </p:cNvSpPr>
+          <p:nvPr>
+            <p:ph type="title" idx="4294967295"/>
+          </p:nvPr>
+        </p:nvSpPr>
+        <p:spPr>
+          <a:xfrm>
+            <a:off x="1331640" y="71640"/>
+            <a:ext cx="7281720" cy="723960"/>
+          </a:xfrm>
+          <a:prstGeom prst="rect">
+            <a:avLst/>
+          </a:prstGeom>
+          <a:noFill/>
+          <a:ln w="0">
+            <a:noFill/>
+          </a:ln>
+        </p:spPr>
+        <p:txBody>
+          <a:bodyPr lIns="100800" tIns="100800" rIns="100800" bIns="100800" anchor="ctr">
+            <a:noAutofit/>
+          </a:bodyPr>
+          <a:lstStyle/>
+          <a:p>
+            <a:pPr indent="0" algn="ctr" defTabSz="914400">
+              <a:lnSpc>
+                <a:spcPct val="100000"/>
+              </a:lnSpc>
+              <a:buNone/>
+              <a:tabLst>
+                <a:tab pos="0" algn="l"/>
+              </a:tabLst>
+            </a:pPr>
+            <a:r>
+              <a:rPr lang="en-US" sz="3600" b="1" strike="noStrike" spc="-1" dirty="0" err="1" smtClean="0">
+                <a:solidFill>
+                  <a:srgbClr val="002060"/>
+                </a:solidFill>
+                <a:latin typeface="微軟正黑體"/>
+                <a:ea typeface="微軟正黑體"/>
+              </a:rPr>
+              <a:t>Gitlab</a:t>
+            </a:r>
+            <a:r>
+              <a:rPr lang="en-US" altLang="zh-TW" sz="3600" b="1" strike="noStrike" spc="-1" dirty="0" smtClean="0">
+                <a:solidFill>
+                  <a:srgbClr val="002060"/>
+                </a:solidFill>
+                <a:latin typeface="微軟正黑體"/>
+                <a:ea typeface="微軟正黑體"/>
+              </a:rPr>
+              <a:t> </a:t>
+            </a:r>
+            <a:r>
+              <a:rPr lang="zh-TW" altLang="en-US" sz="3600" b="1" strike="noStrike" spc="-1" dirty="0" smtClean="0">
+                <a:solidFill>
+                  <a:srgbClr val="002060"/>
+                </a:solidFill>
+                <a:latin typeface="微軟正黑體"/>
+                <a:ea typeface="微軟正黑體"/>
+              </a:rPr>
+              <a:t>情境二</a:t>
+            </a:r>
+            <a:endParaRPr lang="en-US" sz="3600" b="1" strike="noStrike" spc="-1" dirty="0">
+              <a:solidFill>
+                <a:srgbClr val="000000"/>
+              </a:solidFill>
+              <a:latin typeface="Arial"/>
+            </a:endParaRPr>
+          </a:p>
+        </p:txBody>
+      </p:sp>
+      <p:sp>
+        <p:nvSpPr>
+          <p:cNvPr id="6" name="PlaceHolder 1"/>
+          <p:cNvSpPr txBox="1">
+            <a:spLocks/>
+          </p:cNvSpPr>
+          <p:nvPr/>
+        </p:nvSpPr>
+        <p:spPr>
+          <a:xfrm>
+            <a:off x="441457" y="3591765"/>
+            <a:ext cx="9143999" cy="1838036"/>
+          </a:xfrm>
+          <a:prstGeom prst="rect">
+            <a:avLst/>
+          </a:prstGeom>
+          <a:noFill/>
+          <a:ln w="0">
+            <a:noFill/>
+          </a:ln>
+        </p:spPr>
+        <p:txBody>
+          <a:bodyPr lIns="100800" tIns="100800" rIns="100800" bIns="100800" anchor="ctr">
+            <a:noAutofit/>
+          </a:bodyPr>
+          <a:lstStyle>
+            <a:lvl1pPr algn="l" defTabSz="914400" rtl="0" eaLnBrk="1" latinLnBrk="0" hangingPunct="1">
+              <a:lnSpc>
+                <a:spcPct val="90000"/>
+              </a:lnSpc>
+              <a:spcBef>
+                <a:spcPct val="0"/>
+              </a:spcBef>
+              <a:buNone/>
+              <a:defRPr sz="4400" kern="1200">
+                <a:solidFill>
+                  <a:schemeClr val="tx1"/>
+                </a:solidFill>
+                <a:latin typeface="+mj-lt"/>
+                <a:ea typeface="+mj-ea"/>
+                <a:cs typeface="+mj-cs"/>
+              </a:defRPr>
+            </a:lvl1pPr>
+          </a:lstStyle>
+          <a:p>
+            <a:pPr>
+              <a:lnSpc>
+                <a:spcPct val="100000"/>
+              </a:lnSpc>
+              <a:tabLst>
+                <a:tab pos="0" algn="l"/>
+              </a:tabLst>
+            </a:pPr>
+            <a:endParaRPr lang="en-US" altLang="zh-TW" sz="2400" spc="-1" dirty="0">
+              <a:solidFill>
+                <a:srgbClr val="002060"/>
+              </a:solidFill>
+              <a:latin typeface="標楷體" panose="03000509000000000000" pitchFamily="65" charset="-120"/>
+              <a:ea typeface="標楷體" panose="03000509000000000000" pitchFamily="65" charset="-120"/>
+            </a:endParaRPr>
+          </a:p>
+          <a:p>
+            <a:pPr>
+              <a:lnSpc>
+                <a:spcPct val="100000"/>
+              </a:lnSpc>
+              <a:tabLst>
+                <a:tab pos="0" algn="l"/>
+              </a:tabLst>
+            </a:pPr>
+            <a:r>
+              <a:rPr lang="zh-TW" altLang="en-US" sz="2400" b="1" spc="-1" dirty="0">
+                <a:solidFill>
+                  <a:srgbClr val="002060"/>
+                </a:solidFill>
+                <a:latin typeface="標楷體" panose="03000509000000000000" pitchFamily="65" charset="-120"/>
+                <a:ea typeface="標楷體" panose="03000509000000000000" pitchFamily="65" charset="-120"/>
+              </a:rPr>
+              <a:t>情境細節</a:t>
+            </a:r>
+            <a:r>
+              <a:rPr lang="en-US" altLang="zh-TW" sz="2400" b="1" spc="-1" dirty="0">
+                <a:solidFill>
+                  <a:srgbClr val="002060"/>
+                </a:solidFill>
+                <a:latin typeface="標楷體" panose="03000509000000000000" pitchFamily="65" charset="-120"/>
+                <a:ea typeface="標楷體" panose="03000509000000000000" pitchFamily="65" charset="-120"/>
+              </a:rPr>
+              <a:t>:</a:t>
+            </a:r>
+          </a:p>
+          <a:p>
+            <a:pPr>
+              <a:lnSpc>
+                <a:spcPct val="100000"/>
+              </a:lnSpc>
+              <a:tabLst>
+                <a:tab pos="0" algn="l"/>
+              </a:tabLst>
+            </a:pPr>
+            <a:r>
+              <a:rPr lang="en-US" altLang="zh-TW" sz="2400" spc="-1" dirty="0" smtClean="0">
+                <a:solidFill>
+                  <a:srgbClr val="002060"/>
+                </a:solidFill>
+                <a:latin typeface="標楷體" panose="03000509000000000000" pitchFamily="65" charset="-120"/>
+                <a:ea typeface="標楷體" panose="03000509000000000000" pitchFamily="65" charset="-120"/>
+              </a:rPr>
+              <a:t>Pull </a:t>
+            </a:r>
+            <a:r>
+              <a:rPr lang="en-US" altLang="zh-TW" sz="2400" spc="-1" dirty="0">
+                <a:solidFill>
+                  <a:srgbClr val="FF0000"/>
+                </a:solidFill>
+                <a:latin typeface="標楷體" panose="03000509000000000000" pitchFamily="65" charset="-120"/>
+                <a:ea typeface="標楷體" panose="03000509000000000000" pitchFamily="65" charset="-120"/>
+              </a:rPr>
+              <a:t>main</a:t>
+            </a:r>
+            <a:r>
+              <a:rPr lang="en-US" altLang="zh-TW" sz="2400" spc="-1" dirty="0">
+                <a:solidFill>
+                  <a:srgbClr val="002060"/>
+                </a:solidFill>
+                <a:latin typeface="標楷體" panose="03000509000000000000" pitchFamily="65" charset="-120"/>
+                <a:ea typeface="標楷體" panose="03000509000000000000" pitchFamily="65" charset="-120"/>
+              </a:rPr>
+              <a:t> branch &gt; </a:t>
+            </a:r>
+            <a:r>
+              <a:rPr lang="zh-TW" altLang="en-US" sz="2400" spc="-1" dirty="0">
+                <a:solidFill>
+                  <a:srgbClr val="002060"/>
+                </a:solidFill>
+                <a:latin typeface="標楷體" panose="03000509000000000000" pitchFamily="65" charset="-120"/>
+                <a:ea typeface="標楷體" panose="03000509000000000000" pitchFamily="65" charset="-120"/>
+              </a:rPr>
+              <a:t>開發 </a:t>
+            </a:r>
+            <a:r>
+              <a:rPr lang="en-US" altLang="zh-TW" sz="2400" spc="-1" dirty="0">
+                <a:solidFill>
+                  <a:srgbClr val="002060"/>
+                </a:solidFill>
+                <a:latin typeface="標楷體" panose="03000509000000000000" pitchFamily="65" charset="-120"/>
+                <a:ea typeface="標楷體" panose="03000509000000000000" pitchFamily="65" charset="-120"/>
+              </a:rPr>
+              <a:t>A </a:t>
+            </a:r>
+            <a:r>
+              <a:rPr lang="zh-TW" altLang="en-US" sz="2400" spc="-1" dirty="0">
+                <a:solidFill>
+                  <a:srgbClr val="002060"/>
+                </a:solidFill>
+                <a:latin typeface="標楷體" panose="03000509000000000000" pitchFamily="65" charset="-120"/>
+                <a:ea typeface="標楷體" panose="03000509000000000000" pitchFamily="65" charset="-120"/>
+              </a:rPr>
+              <a:t>版本 </a:t>
+            </a:r>
+            <a:r>
+              <a:rPr lang="en-US" altLang="zh-TW" sz="2400" spc="-1" dirty="0">
+                <a:solidFill>
+                  <a:srgbClr val="002060"/>
+                </a:solidFill>
+                <a:latin typeface="標楷體" panose="03000509000000000000" pitchFamily="65" charset="-120"/>
+                <a:ea typeface="標楷體" panose="03000509000000000000" pitchFamily="65" charset="-120"/>
+              </a:rPr>
+              <a:t>&gt;</a:t>
+            </a:r>
+            <a:r>
+              <a:rPr lang="zh-TW" altLang="en-US" sz="2400" spc="-1" dirty="0">
+                <a:solidFill>
+                  <a:srgbClr val="002060"/>
+                </a:solidFill>
+                <a:latin typeface="標楷體" panose="03000509000000000000" pitchFamily="65" charset="-120"/>
+                <a:ea typeface="標楷體" panose="03000509000000000000" pitchFamily="65" charset="-120"/>
+              </a:rPr>
+              <a:t> </a:t>
+            </a:r>
+            <a:r>
+              <a:rPr lang="en-US" altLang="zh-TW" sz="2400" spc="-1" dirty="0">
+                <a:solidFill>
+                  <a:srgbClr val="002060"/>
+                </a:solidFill>
+                <a:latin typeface="標楷體" panose="03000509000000000000" pitchFamily="65" charset="-120"/>
+                <a:ea typeface="標楷體" panose="03000509000000000000" pitchFamily="65" charset="-120"/>
+              </a:rPr>
+              <a:t>Push </a:t>
+            </a:r>
+            <a:r>
+              <a:rPr lang="en-US" altLang="zh-TW" sz="2400" spc="-1" dirty="0">
+                <a:solidFill>
+                  <a:srgbClr val="FF0000"/>
+                </a:solidFill>
+                <a:latin typeface="標楷體" panose="03000509000000000000" pitchFamily="65" charset="-120"/>
+                <a:ea typeface="標楷體" panose="03000509000000000000" pitchFamily="65" charset="-120"/>
+              </a:rPr>
+              <a:t>Issue B</a:t>
+            </a:r>
+            <a:r>
+              <a:rPr lang="en-US" altLang="zh-TW" sz="2400" spc="-1" dirty="0" smtClean="0">
+                <a:solidFill>
+                  <a:srgbClr val="002060"/>
+                </a:solidFill>
+                <a:latin typeface="標楷體" panose="03000509000000000000" pitchFamily="65" charset="-120"/>
+                <a:ea typeface="標楷體" panose="03000509000000000000" pitchFamily="65" charset="-120"/>
+              </a:rPr>
+              <a:t> </a:t>
+            </a:r>
+            <a:r>
+              <a:rPr lang="en-US" altLang="zh-TW" sz="2400" spc="-1" dirty="0">
+                <a:solidFill>
+                  <a:srgbClr val="002060"/>
+                </a:solidFill>
+                <a:latin typeface="標楷體" panose="03000509000000000000" pitchFamily="65" charset="-120"/>
+                <a:ea typeface="標楷體" panose="03000509000000000000" pitchFamily="65" charset="-120"/>
+              </a:rPr>
+              <a:t>branch </a:t>
+            </a:r>
+          </a:p>
+          <a:p>
+            <a:pPr>
+              <a:lnSpc>
+                <a:spcPct val="100000"/>
+              </a:lnSpc>
+              <a:tabLst>
+                <a:tab pos="0" algn="l"/>
+              </a:tabLst>
+            </a:pPr>
+            <a:r>
+              <a:rPr lang="en-US" altLang="zh-TW" sz="2400" spc="-1" dirty="0">
+                <a:solidFill>
+                  <a:srgbClr val="002060"/>
+                </a:solidFill>
+                <a:latin typeface="標楷體" panose="03000509000000000000" pitchFamily="65" charset="-120"/>
+                <a:ea typeface="標楷體" panose="03000509000000000000" pitchFamily="65" charset="-120"/>
+              </a:rPr>
+              <a:t>&gt; Merge </a:t>
+            </a:r>
+            <a:r>
+              <a:rPr lang="en-US" altLang="zh-TW" sz="2400" spc="-1" dirty="0">
+                <a:solidFill>
+                  <a:srgbClr val="FF0000"/>
+                </a:solidFill>
+                <a:latin typeface="標楷體" panose="03000509000000000000" pitchFamily="65" charset="-120"/>
+                <a:ea typeface="標楷體" panose="03000509000000000000" pitchFamily="65" charset="-120"/>
+              </a:rPr>
+              <a:t>Issue </a:t>
+            </a:r>
+            <a:r>
+              <a:rPr lang="en-US" altLang="zh-TW" sz="2400" spc="-1" dirty="0" smtClean="0">
+                <a:solidFill>
+                  <a:srgbClr val="FF0000"/>
+                </a:solidFill>
+                <a:latin typeface="標楷體" panose="03000509000000000000" pitchFamily="65" charset="-120"/>
+                <a:ea typeface="標楷體" panose="03000509000000000000" pitchFamily="65" charset="-120"/>
+              </a:rPr>
+              <a:t>B</a:t>
+            </a:r>
+            <a:r>
+              <a:rPr lang="en-US" altLang="zh-TW" sz="2400" spc="-1" dirty="0" smtClean="0">
+                <a:solidFill>
+                  <a:srgbClr val="002060"/>
+                </a:solidFill>
+                <a:latin typeface="標楷體" panose="03000509000000000000" pitchFamily="65" charset="-120"/>
+                <a:ea typeface="標楷體" panose="03000509000000000000" pitchFamily="65" charset="-120"/>
+              </a:rPr>
+              <a:t> </a:t>
+            </a:r>
+            <a:r>
+              <a:rPr lang="en-US" altLang="zh-TW" sz="2400" spc="-1" dirty="0">
+                <a:solidFill>
+                  <a:srgbClr val="002060"/>
+                </a:solidFill>
+                <a:latin typeface="標楷體" panose="03000509000000000000" pitchFamily="65" charset="-120"/>
+                <a:ea typeface="標楷體" panose="03000509000000000000" pitchFamily="65" charset="-120"/>
+              </a:rPr>
+              <a:t>branch</a:t>
+            </a:r>
+            <a:r>
+              <a:rPr lang="zh-TW" altLang="en-US" sz="2400" spc="-1" dirty="0">
+                <a:solidFill>
+                  <a:srgbClr val="002060"/>
+                </a:solidFill>
+                <a:latin typeface="標楷體" panose="03000509000000000000" pitchFamily="65" charset="-120"/>
+                <a:ea typeface="標楷體" panose="03000509000000000000" pitchFamily="65" charset="-120"/>
+              </a:rPr>
+              <a:t> 至 </a:t>
+            </a:r>
+            <a:r>
+              <a:rPr lang="en-US" altLang="zh-TW" sz="2400" spc="-1" dirty="0">
+                <a:solidFill>
+                  <a:srgbClr val="FF0000"/>
+                </a:solidFill>
+                <a:latin typeface="標楷體" panose="03000509000000000000" pitchFamily="65" charset="-120"/>
+                <a:ea typeface="標楷體" panose="03000509000000000000" pitchFamily="65" charset="-120"/>
+              </a:rPr>
+              <a:t>dev</a:t>
+            </a:r>
+            <a:r>
+              <a:rPr lang="en-US" altLang="zh-TW" sz="2400" spc="-1" dirty="0">
+                <a:solidFill>
+                  <a:srgbClr val="002060"/>
+                </a:solidFill>
+                <a:latin typeface="標楷體" panose="03000509000000000000" pitchFamily="65" charset="-120"/>
+                <a:ea typeface="標楷體" panose="03000509000000000000" pitchFamily="65" charset="-120"/>
+              </a:rPr>
+              <a:t> branch </a:t>
+            </a:r>
+            <a:r>
+              <a:rPr lang="zh-TW" altLang="en-US" sz="2400" spc="-1" dirty="0">
+                <a:solidFill>
+                  <a:srgbClr val="002060"/>
+                </a:solidFill>
+                <a:latin typeface="標楷體" panose="03000509000000000000" pitchFamily="65" charset="-120"/>
+                <a:ea typeface="標楷體" panose="03000509000000000000" pitchFamily="65" charset="-120"/>
+              </a:rPr>
+              <a:t>進行 </a:t>
+            </a:r>
+            <a:r>
+              <a:rPr lang="en-US" altLang="zh-TW" sz="2400" spc="-1" dirty="0">
+                <a:solidFill>
+                  <a:srgbClr val="002060"/>
+                </a:solidFill>
+                <a:latin typeface="標楷體" panose="03000509000000000000" pitchFamily="65" charset="-120"/>
+                <a:ea typeface="標楷體" panose="03000509000000000000" pitchFamily="65" charset="-120"/>
+              </a:rPr>
+              <a:t>SIT</a:t>
+            </a:r>
+            <a:r>
+              <a:rPr lang="zh-TW" altLang="en-US" sz="2400" spc="-1" dirty="0">
+                <a:solidFill>
+                  <a:srgbClr val="002060"/>
+                </a:solidFill>
+                <a:latin typeface="標楷體" panose="03000509000000000000" pitchFamily="65" charset="-120"/>
+                <a:ea typeface="標楷體" panose="03000509000000000000" pitchFamily="65" charset="-120"/>
+              </a:rPr>
+              <a:t> 測試</a:t>
+            </a:r>
+            <a:endParaRPr lang="en-US" altLang="zh-TW" sz="2400" spc="-1" dirty="0">
+              <a:solidFill>
+                <a:srgbClr val="002060"/>
+              </a:solidFill>
+              <a:latin typeface="標楷體" panose="03000509000000000000" pitchFamily="65" charset="-120"/>
+              <a:ea typeface="標楷體" panose="03000509000000000000" pitchFamily="65" charset="-120"/>
+            </a:endParaRPr>
+          </a:p>
+          <a:p>
+            <a:pPr>
+              <a:lnSpc>
+                <a:spcPct val="100000"/>
+              </a:lnSpc>
+              <a:tabLst>
+                <a:tab pos="0" algn="l"/>
+              </a:tabLst>
+            </a:pPr>
+            <a:r>
+              <a:rPr lang="en-US" altLang="zh-TW" sz="2400" spc="-1" dirty="0" smtClean="0">
+                <a:solidFill>
+                  <a:srgbClr val="002060"/>
+                </a:solidFill>
+                <a:latin typeface="標楷體" panose="03000509000000000000" pitchFamily="65" charset="-120"/>
+                <a:ea typeface="標楷體" panose="03000509000000000000" pitchFamily="65" charset="-120"/>
+              </a:rPr>
+              <a:t>&gt;</a:t>
+            </a:r>
+            <a:r>
+              <a:rPr lang="zh-TW" altLang="en-US" sz="2400" spc="-1" dirty="0" smtClean="0">
+                <a:solidFill>
+                  <a:srgbClr val="002060"/>
+                </a:solidFill>
+                <a:latin typeface="標楷體" panose="03000509000000000000" pitchFamily="65" charset="-120"/>
+                <a:ea typeface="標楷體" panose="03000509000000000000" pitchFamily="65" charset="-120"/>
+              </a:rPr>
+              <a:t> </a:t>
+            </a:r>
+            <a:r>
+              <a:rPr lang="zh-TW" altLang="en-US" sz="2400" b="1" spc="-1" dirty="0" smtClean="0">
+                <a:solidFill>
+                  <a:srgbClr val="002060"/>
+                </a:solidFill>
+                <a:latin typeface="標楷體" panose="03000509000000000000" pitchFamily="65" charset="-120"/>
+                <a:ea typeface="標楷體" panose="03000509000000000000" pitchFamily="65" charset="-120"/>
+              </a:rPr>
+              <a:t>因為 </a:t>
+            </a:r>
+            <a:r>
+              <a:rPr lang="en-US" altLang="zh-TW" sz="2400" b="1" spc="-1" dirty="0">
+                <a:solidFill>
+                  <a:srgbClr val="002060"/>
+                </a:solidFill>
+                <a:latin typeface="標楷體" panose="03000509000000000000" pitchFamily="65" charset="-120"/>
+                <a:ea typeface="標楷體" panose="03000509000000000000" pitchFamily="65" charset="-120"/>
+              </a:rPr>
+              <a:t>UAT</a:t>
+            </a:r>
+            <a:r>
+              <a:rPr lang="zh-TW" altLang="en-US" sz="2400" b="1" spc="-1" dirty="0">
+                <a:solidFill>
+                  <a:srgbClr val="002060"/>
+                </a:solidFill>
+                <a:latin typeface="標楷體" panose="03000509000000000000" pitchFamily="65" charset="-120"/>
+                <a:ea typeface="標楷體" panose="03000509000000000000" pitchFamily="65" charset="-120"/>
+              </a:rPr>
+              <a:t> 正在測試 </a:t>
+            </a:r>
+            <a:r>
+              <a:rPr lang="en-US" altLang="zh-TW" sz="2400" b="1" spc="-1" dirty="0">
+                <a:solidFill>
+                  <a:srgbClr val="002060"/>
+                </a:solidFill>
+                <a:latin typeface="標楷體" panose="03000509000000000000" pitchFamily="65" charset="-120"/>
+                <a:ea typeface="標楷體" panose="03000509000000000000" pitchFamily="65" charset="-120"/>
+              </a:rPr>
+              <a:t>A</a:t>
+            </a:r>
+            <a:r>
+              <a:rPr lang="zh-TW" altLang="en-US" sz="2400" b="1" spc="-1" dirty="0">
+                <a:solidFill>
+                  <a:srgbClr val="002060"/>
+                </a:solidFill>
+                <a:latin typeface="標楷體" panose="03000509000000000000" pitchFamily="65" charset="-120"/>
+                <a:ea typeface="標楷體" panose="03000509000000000000" pitchFamily="65" charset="-120"/>
+              </a:rPr>
+              <a:t> 版本</a:t>
+            </a:r>
+            <a:r>
+              <a:rPr lang="en-US" altLang="zh-TW" sz="2400" b="1" spc="-1" dirty="0">
+                <a:solidFill>
+                  <a:srgbClr val="002060"/>
+                </a:solidFill>
+                <a:latin typeface="標楷體" panose="03000509000000000000" pitchFamily="65" charset="-120"/>
+                <a:ea typeface="標楷體" panose="03000509000000000000" pitchFamily="65" charset="-120"/>
+              </a:rPr>
+              <a:t>,</a:t>
+            </a:r>
+            <a:r>
+              <a:rPr lang="zh-TW" altLang="en-US" sz="2400" b="1" spc="-1" dirty="0">
+                <a:solidFill>
+                  <a:srgbClr val="002060"/>
+                </a:solidFill>
+                <a:latin typeface="標楷體" panose="03000509000000000000" pitchFamily="65" charset="-120"/>
+                <a:ea typeface="標楷體" panose="03000509000000000000" pitchFamily="65" charset="-120"/>
+              </a:rPr>
+              <a:t>不得 </a:t>
+            </a:r>
+            <a:r>
+              <a:rPr lang="en-US" altLang="zh-TW" sz="2400" b="1" spc="-1" dirty="0" smtClean="0">
+                <a:solidFill>
+                  <a:srgbClr val="002060"/>
+                </a:solidFill>
+                <a:latin typeface="標楷體" panose="03000509000000000000" pitchFamily="65" charset="-120"/>
+                <a:ea typeface="標楷體" panose="03000509000000000000" pitchFamily="65" charset="-120"/>
+              </a:rPr>
+              <a:t>Merge </a:t>
+            </a:r>
+            <a:r>
+              <a:rPr lang="zh-TW" altLang="en-US" sz="2400" b="1" spc="-1" dirty="0" smtClean="0">
+                <a:solidFill>
+                  <a:srgbClr val="002060"/>
+                </a:solidFill>
+                <a:latin typeface="標楷體" panose="03000509000000000000" pitchFamily="65" charset="-120"/>
+                <a:ea typeface="標楷體" panose="03000509000000000000" pitchFamily="65" charset="-120"/>
+              </a:rPr>
+              <a:t>至 </a:t>
+            </a:r>
+            <a:r>
+              <a:rPr lang="en-US" altLang="zh-TW" sz="2400" b="1" spc="-1" dirty="0" smtClean="0">
+                <a:solidFill>
+                  <a:srgbClr val="FF0000"/>
+                </a:solidFill>
+                <a:latin typeface="標楷體" panose="03000509000000000000" pitchFamily="65" charset="-120"/>
+                <a:ea typeface="標楷體" panose="03000509000000000000" pitchFamily="65" charset="-120"/>
+              </a:rPr>
+              <a:t>main</a:t>
+            </a:r>
+            <a:r>
+              <a:rPr lang="zh-TW" altLang="en-US" sz="2400" b="1" spc="-1" dirty="0" smtClean="0">
+                <a:solidFill>
+                  <a:srgbClr val="002060"/>
+                </a:solidFill>
+                <a:latin typeface="標楷體" panose="03000509000000000000" pitchFamily="65" charset="-120"/>
+                <a:ea typeface="標楷體" panose="03000509000000000000" pitchFamily="65" charset="-120"/>
+              </a:rPr>
+              <a:t> </a:t>
+            </a:r>
+            <a:r>
+              <a:rPr lang="en-US" altLang="zh-TW" sz="2400" b="1" spc="-1" dirty="0">
+                <a:solidFill>
+                  <a:srgbClr val="002060"/>
+                </a:solidFill>
+                <a:latin typeface="標楷體" panose="03000509000000000000" pitchFamily="65" charset="-120"/>
+                <a:ea typeface="標楷體" panose="03000509000000000000" pitchFamily="65" charset="-120"/>
+              </a:rPr>
+              <a:t>branch</a:t>
+            </a:r>
+          </a:p>
+          <a:p>
+            <a:pPr>
+              <a:lnSpc>
+                <a:spcPct val="100000"/>
+              </a:lnSpc>
+              <a:tabLst>
+                <a:tab pos="0" algn="l"/>
+              </a:tabLst>
+            </a:pPr>
+            <a:endParaRPr lang="en-US" altLang="zh-TW" sz="2400" spc="-1" dirty="0" smtClean="0">
+              <a:solidFill>
+                <a:srgbClr val="002060"/>
+              </a:solidFill>
+              <a:latin typeface="標楷體" panose="03000509000000000000" pitchFamily="65" charset="-120"/>
+              <a:ea typeface="標楷體" panose="03000509000000000000" pitchFamily="65" charset="-120"/>
+            </a:endParaRPr>
+          </a:p>
+          <a:p>
+            <a:pPr>
+              <a:lnSpc>
+                <a:spcPct val="100000"/>
+              </a:lnSpc>
+              <a:tabLst>
+                <a:tab pos="0" algn="l"/>
+              </a:tabLst>
+            </a:pPr>
+            <a:endParaRPr lang="zh-TW" altLang="en-US" sz="2400" spc="-1" dirty="0">
+              <a:solidFill>
+                <a:srgbClr val="000000"/>
+              </a:solidFill>
+              <a:latin typeface="標楷體" panose="03000509000000000000" pitchFamily="65" charset="-120"/>
+              <a:ea typeface="標楷體" panose="03000509000000000000" pitchFamily="65" charset="-120"/>
+            </a:endParaRPr>
+          </a:p>
+        </p:txBody>
+      </p:sp>
+      <p:sp>
+        <p:nvSpPr>
+          <p:cNvPr id="4" name="圓角矩形 10"/>
+          <p:cNvSpPr/>
+          <p:nvPr/>
+        </p:nvSpPr>
+        <p:spPr>
+          <a:xfrm>
+            <a:off x="256737" y="2221181"/>
+            <a:ext cx="987709" cy="593280"/>
+          </a:xfrm>
+          <a:prstGeom prst="roundRect">
+            <a:avLst>
+              <a:gd name="adj" fmla="val 16667"/>
+            </a:avLst>
+          </a:prstGeom>
+          <a:solidFill>
+            <a:srgbClr val="4BACC6"/>
+          </a:solidFill>
+          <a:ln>
+            <a:noFill/>
+          </a:ln>
+        </p:spPr>
+        <p:style>
+          <a:lnRef idx="2">
+            <a:schemeClr val="accent5">
+              <a:shade val="50000"/>
+            </a:schemeClr>
+          </a:lnRef>
+          <a:fillRef idx="1">
+            <a:schemeClr val="accent5"/>
+          </a:fillRef>
+          <a:effectRef idx="0">
+            <a:schemeClr val="accent5"/>
+          </a:effectRef>
+          <a:fontRef idx="minor"/>
+        </p:style>
+        <p:txBody>
+          <a:bodyPr lIns="90000" tIns="45000" rIns="90000" bIns="45000" anchor="ctr">
+            <a:noAutofit/>
+          </a:bodyPr>
+          <a:lstStyle/>
+          <a:p>
+            <a:pPr algn="ctr" defTabSz="914400">
+              <a:lnSpc>
+                <a:spcPct val="100000"/>
+              </a:lnSpc>
+            </a:pPr>
+            <a:r>
+              <a:rPr lang="en-US" altLang="zh-TW" sz="1600" spc="-1" dirty="0">
+                <a:solidFill>
+                  <a:schemeClr val="dk1"/>
+                </a:solidFill>
+                <a:latin typeface="Arial"/>
+              </a:rPr>
+              <a:t>m</a:t>
+            </a:r>
+            <a:r>
+              <a:rPr lang="en-US" altLang="zh-TW" sz="1600" b="0" strike="noStrike" spc="-1" dirty="0" smtClean="0">
+                <a:solidFill>
+                  <a:schemeClr val="dk1"/>
+                </a:solidFill>
+                <a:latin typeface="Arial"/>
+              </a:rPr>
+              <a:t>ain </a:t>
+            </a:r>
+          </a:p>
+        </p:txBody>
+      </p:sp>
+      <p:sp>
+        <p:nvSpPr>
+          <p:cNvPr id="5" name="圓角矩形 11"/>
+          <p:cNvSpPr/>
+          <p:nvPr/>
+        </p:nvSpPr>
+        <p:spPr>
+          <a:xfrm>
+            <a:off x="247737" y="2813021"/>
+            <a:ext cx="996709" cy="196920"/>
+          </a:xfrm>
+          <a:prstGeom prst="roundRect">
+            <a:avLst>
+              <a:gd name="adj" fmla="val 16667"/>
+            </a:avLst>
+          </a:prstGeom>
+          <a:solidFill>
+            <a:srgbClr val="F79646"/>
+          </a:solidFill>
+          <a:ln>
+            <a:noFill/>
+          </a:ln>
+        </p:spPr>
+        <p:style>
+          <a:lnRef idx="2">
+            <a:schemeClr val="accent6">
+              <a:shade val="50000"/>
+            </a:schemeClr>
+          </a:lnRef>
+          <a:fillRef idx="1">
+            <a:schemeClr val="accent6"/>
+          </a:fillRef>
+          <a:effectRef idx="0">
+            <a:schemeClr val="accent6"/>
+          </a:effectRef>
+          <a:fontRef idx="minor"/>
+        </p:style>
+        <p:txBody>
+          <a:bodyPr lIns="90000" tIns="45000" rIns="90000" bIns="45000" anchor="ctr">
+            <a:noAutofit/>
+          </a:bodyPr>
+          <a:lstStyle/>
+          <a:p>
+            <a:pPr algn="ctr"/>
+            <a:r>
+              <a:rPr lang="en-US" altLang="zh-TW" sz="1200" spc="-1" dirty="0" smtClean="0">
+                <a:solidFill>
+                  <a:schemeClr val="dk1"/>
+                </a:solidFill>
+              </a:rPr>
+              <a:t>remote</a:t>
+            </a:r>
+            <a:endParaRPr lang="en-US" altLang="zh-TW" sz="1200" spc="-1" dirty="0">
+              <a:solidFill>
+                <a:srgbClr val="000000"/>
+              </a:solidFill>
+            </a:endParaRPr>
+          </a:p>
+        </p:txBody>
+      </p:sp>
+      <p:sp>
+        <p:nvSpPr>
+          <p:cNvPr id="7" name="圓角矩形 1"/>
+          <p:cNvSpPr/>
+          <p:nvPr/>
+        </p:nvSpPr>
+        <p:spPr>
+          <a:xfrm>
+            <a:off x="1369354" y="2421331"/>
+            <a:ext cx="632865" cy="345520"/>
+          </a:xfrm>
+          <a:prstGeom prst="roundRect">
+            <a:avLst>
+              <a:gd name="adj" fmla="val 16667"/>
+            </a:avLst>
+          </a:prstGeom>
+          <a:ln/>
+        </p:spPr>
+        <p:style>
+          <a:lnRef idx="2">
+            <a:schemeClr val="accent3">
+              <a:shade val="50000"/>
+            </a:schemeClr>
+          </a:lnRef>
+          <a:fillRef idx="1">
+            <a:schemeClr val="accent3"/>
+          </a:fillRef>
+          <a:effectRef idx="0">
+            <a:schemeClr val="accent3"/>
+          </a:effectRef>
+          <a:fontRef idx="minor">
+            <a:schemeClr val="lt1"/>
+          </a:fontRef>
+        </p:style>
+        <p:txBody>
+          <a:bodyPr lIns="90000" tIns="45000" rIns="90000" bIns="45000" anchor="ctr">
+            <a:noAutofit/>
+          </a:bodyPr>
+          <a:lstStyle/>
+          <a:p>
+            <a:pPr algn="ctr" defTabSz="914400">
+              <a:lnSpc>
+                <a:spcPct val="100000"/>
+              </a:lnSpc>
+            </a:pPr>
+            <a:r>
+              <a:rPr lang="en-US" altLang="zh-TW" sz="1400" b="0" strike="noStrike" spc="-1" dirty="0" smtClean="0">
+                <a:solidFill>
+                  <a:schemeClr val="dk1"/>
+                </a:solidFill>
+                <a:latin typeface="Arial"/>
+              </a:rPr>
+              <a:t>Pull</a:t>
+            </a:r>
+            <a:endParaRPr lang="en-US" sz="1400" b="0" strike="noStrike" spc="-1" dirty="0">
+              <a:solidFill>
+                <a:srgbClr val="000000"/>
+              </a:solidFill>
+              <a:latin typeface="Arial"/>
+            </a:endParaRPr>
+          </a:p>
+        </p:txBody>
+      </p:sp>
+      <p:sp>
+        <p:nvSpPr>
+          <p:cNvPr id="8" name="圓角矩形 10"/>
+          <p:cNvSpPr/>
+          <p:nvPr/>
+        </p:nvSpPr>
+        <p:spPr>
+          <a:xfrm>
+            <a:off x="2136287" y="2221181"/>
+            <a:ext cx="987709" cy="593280"/>
+          </a:xfrm>
+          <a:prstGeom prst="roundRect">
+            <a:avLst>
+              <a:gd name="adj" fmla="val 16667"/>
+            </a:avLst>
+          </a:prstGeom>
+          <a:solidFill>
+            <a:srgbClr val="4BACC6"/>
+          </a:solidFill>
+          <a:ln>
+            <a:noFill/>
+          </a:ln>
+        </p:spPr>
+        <p:style>
+          <a:lnRef idx="2">
+            <a:schemeClr val="accent5">
+              <a:shade val="50000"/>
+            </a:schemeClr>
+          </a:lnRef>
+          <a:fillRef idx="1">
+            <a:schemeClr val="accent5"/>
+          </a:fillRef>
+          <a:effectRef idx="0">
+            <a:schemeClr val="accent5"/>
+          </a:effectRef>
+          <a:fontRef idx="minor"/>
+        </p:style>
+        <p:txBody>
+          <a:bodyPr lIns="90000" tIns="45000" rIns="90000" bIns="45000" anchor="ctr">
+            <a:noAutofit/>
+          </a:bodyPr>
+          <a:lstStyle/>
+          <a:p>
+            <a:pPr algn="ctr" defTabSz="914400">
+              <a:lnSpc>
+                <a:spcPct val="100000"/>
+              </a:lnSpc>
+            </a:pPr>
+            <a:r>
+              <a:rPr lang="en-US" altLang="zh-TW" sz="1600" spc="-1" dirty="0" smtClean="0">
+                <a:solidFill>
+                  <a:schemeClr val="dk1"/>
+                </a:solidFill>
+                <a:latin typeface="Arial"/>
+              </a:rPr>
+              <a:t>Issue A</a:t>
+            </a:r>
+            <a:r>
+              <a:rPr lang="en-US" altLang="zh-TW" sz="1600" b="0" strike="noStrike" spc="-1" dirty="0" smtClean="0">
+                <a:solidFill>
+                  <a:schemeClr val="dk1"/>
+                </a:solidFill>
+                <a:latin typeface="Arial"/>
+              </a:rPr>
+              <a:t> </a:t>
+            </a:r>
+          </a:p>
+        </p:txBody>
+      </p:sp>
+      <p:sp>
+        <p:nvSpPr>
+          <p:cNvPr id="9" name="圓角矩形 11"/>
+          <p:cNvSpPr/>
+          <p:nvPr/>
+        </p:nvSpPr>
+        <p:spPr>
+          <a:xfrm>
+            <a:off x="2127287" y="2813021"/>
+            <a:ext cx="996709" cy="196920"/>
+          </a:xfrm>
+          <a:prstGeom prst="roundRect">
+            <a:avLst>
+              <a:gd name="adj" fmla="val 16667"/>
+            </a:avLst>
+          </a:prstGeom>
+          <a:solidFill>
+            <a:srgbClr val="FFC000"/>
+          </a:solidFill>
+          <a:ln/>
+        </p:spPr>
+        <p:style>
+          <a:lnRef idx="2">
+            <a:schemeClr val="accent1">
+              <a:shade val="50000"/>
+            </a:schemeClr>
+          </a:lnRef>
+          <a:fillRef idx="1">
+            <a:schemeClr val="accent1"/>
+          </a:fillRef>
+          <a:effectRef idx="0">
+            <a:schemeClr val="accent1"/>
+          </a:effectRef>
+          <a:fontRef idx="minor">
+            <a:schemeClr val="lt1"/>
+          </a:fontRef>
+        </p:style>
+        <p:txBody>
+          <a:bodyPr lIns="90000" tIns="45000" rIns="90000" bIns="45000" anchor="ctr">
+            <a:noAutofit/>
+          </a:bodyPr>
+          <a:lstStyle/>
+          <a:p>
+            <a:pPr algn="ctr"/>
+            <a:r>
+              <a:rPr lang="en-US" altLang="zh-TW" sz="1200" spc="-1" dirty="0" smtClean="0">
+                <a:solidFill>
+                  <a:schemeClr val="dk1"/>
+                </a:solidFill>
+              </a:rPr>
+              <a:t>local</a:t>
+            </a:r>
+            <a:endParaRPr lang="en-US" altLang="zh-TW" sz="1200" spc="-1" dirty="0">
+              <a:solidFill>
+                <a:srgbClr val="000000"/>
+              </a:solidFill>
+            </a:endParaRPr>
+          </a:p>
+        </p:txBody>
+      </p:sp>
+      <p:sp>
+        <p:nvSpPr>
+          <p:cNvPr id="10" name="圓角矩形 1"/>
+          <p:cNvSpPr/>
+          <p:nvPr/>
+        </p:nvSpPr>
+        <p:spPr>
+          <a:xfrm>
+            <a:off x="3258064" y="2421331"/>
+            <a:ext cx="632865" cy="345520"/>
+          </a:xfrm>
+          <a:prstGeom prst="roundRect">
+            <a:avLst>
+              <a:gd name="adj" fmla="val 16667"/>
+            </a:avLst>
+          </a:prstGeom>
+          <a:ln/>
+        </p:spPr>
+        <p:style>
+          <a:lnRef idx="3">
+            <a:schemeClr val="lt1"/>
+          </a:lnRef>
+          <a:fillRef idx="1">
+            <a:schemeClr val="accent3"/>
+          </a:fillRef>
+          <a:effectRef idx="1">
+            <a:schemeClr val="accent3"/>
+          </a:effectRef>
+          <a:fontRef idx="minor">
+            <a:schemeClr val="lt1"/>
+          </a:fontRef>
+        </p:style>
+        <p:txBody>
+          <a:bodyPr lIns="90000" tIns="45000" rIns="90000" bIns="45000" anchor="ctr">
+            <a:noAutofit/>
+          </a:bodyPr>
+          <a:lstStyle/>
+          <a:p>
+            <a:pPr algn="ctr" defTabSz="914400">
+              <a:lnSpc>
+                <a:spcPct val="100000"/>
+              </a:lnSpc>
+            </a:pPr>
+            <a:r>
+              <a:rPr lang="en-US" altLang="zh-TW" sz="1400" b="0" strike="noStrike" spc="-1" dirty="0" smtClean="0">
+                <a:solidFill>
+                  <a:schemeClr val="dk1"/>
+                </a:solidFill>
+                <a:latin typeface="Arial"/>
+              </a:rPr>
+              <a:t>Push</a:t>
+            </a:r>
+            <a:endParaRPr lang="en-US" sz="1400" b="0" strike="noStrike" spc="-1" dirty="0">
+              <a:solidFill>
+                <a:srgbClr val="000000"/>
+              </a:solidFill>
+              <a:latin typeface="Arial"/>
+            </a:endParaRPr>
+          </a:p>
+        </p:txBody>
+      </p:sp>
+      <p:sp>
+        <p:nvSpPr>
+          <p:cNvPr id="11" name="圓角矩形 10"/>
+          <p:cNvSpPr/>
+          <p:nvPr/>
+        </p:nvSpPr>
+        <p:spPr>
+          <a:xfrm>
+            <a:off x="4059318" y="2221181"/>
+            <a:ext cx="987709" cy="593280"/>
+          </a:xfrm>
+          <a:prstGeom prst="roundRect">
+            <a:avLst>
+              <a:gd name="adj" fmla="val 16667"/>
+            </a:avLst>
+          </a:prstGeom>
+          <a:solidFill>
+            <a:srgbClr val="4BACC6"/>
+          </a:solidFill>
+          <a:ln>
+            <a:noFill/>
+          </a:ln>
+        </p:spPr>
+        <p:style>
+          <a:lnRef idx="2">
+            <a:schemeClr val="accent5">
+              <a:shade val="50000"/>
+            </a:schemeClr>
+          </a:lnRef>
+          <a:fillRef idx="1">
+            <a:schemeClr val="accent5"/>
+          </a:fillRef>
+          <a:effectRef idx="0">
+            <a:schemeClr val="accent5"/>
+          </a:effectRef>
+          <a:fontRef idx="minor"/>
+        </p:style>
+        <p:txBody>
+          <a:bodyPr lIns="90000" tIns="45000" rIns="90000" bIns="45000" anchor="ctr">
+            <a:noAutofit/>
+          </a:bodyPr>
+          <a:lstStyle/>
+          <a:p>
+            <a:pPr algn="ctr" defTabSz="914400">
+              <a:lnSpc>
+                <a:spcPct val="100000"/>
+              </a:lnSpc>
+            </a:pPr>
+            <a:r>
+              <a:rPr lang="en-US" altLang="zh-TW" sz="1600" spc="-1" dirty="0" smtClean="0">
+                <a:solidFill>
+                  <a:schemeClr val="dk1"/>
+                </a:solidFill>
+                <a:latin typeface="Arial"/>
+              </a:rPr>
+              <a:t>Issue A</a:t>
+            </a:r>
+            <a:r>
+              <a:rPr lang="en-US" altLang="zh-TW" sz="1600" b="0" strike="noStrike" spc="-1" dirty="0" smtClean="0">
+                <a:solidFill>
+                  <a:schemeClr val="dk1"/>
+                </a:solidFill>
+                <a:latin typeface="Arial"/>
+              </a:rPr>
+              <a:t> </a:t>
+            </a:r>
+          </a:p>
+        </p:txBody>
+      </p:sp>
+      <p:sp>
+        <p:nvSpPr>
+          <p:cNvPr id="12" name="圓角矩形 11"/>
+          <p:cNvSpPr/>
+          <p:nvPr/>
+        </p:nvSpPr>
+        <p:spPr>
+          <a:xfrm>
+            <a:off x="4050318" y="2813021"/>
+            <a:ext cx="996709" cy="196920"/>
+          </a:xfrm>
+          <a:prstGeom prst="roundRect">
+            <a:avLst>
+              <a:gd name="adj" fmla="val 16667"/>
+            </a:avLst>
+          </a:prstGeom>
+          <a:solidFill>
+            <a:srgbClr val="F79646"/>
+          </a:solidFill>
+          <a:ln>
+            <a:noFill/>
+          </a:ln>
+        </p:spPr>
+        <p:style>
+          <a:lnRef idx="2">
+            <a:schemeClr val="accent6">
+              <a:shade val="50000"/>
+            </a:schemeClr>
+          </a:lnRef>
+          <a:fillRef idx="1">
+            <a:schemeClr val="accent6"/>
+          </a:fillRef>
+          <a:effectRef idx="0">
+            <a:schemeClr val="accent6"/>
+          </a:effectRef>
+          <a:fontRef idx="minor"/>
+        </p:style>
+        <p:txBody>
+          <a:bodyPr lIns="90000" tIns="45000" rIns="90000" bIns="45000" anchor="ctr">
+            <a:noAutofit/>
+          </a:bodyPr>
+          <a:lstStyle/>
+          <a:p>
+            <a:pPr algn="ctr"/>
+            <a:r>
+              <a:rPr lang="en-US" altLang="zh-TW" sz="1200" spc="-1" dirty="0" smtClean="0">
+                <a:solidFill>
+                  <a:schemeClr val="dk1"/>
+                </a:solidFill>
+              </a:rPr>
+              <a:t>remote</a:t>
+            </a:r>
+            <a:endParaRPr lang="en-US" altLang="zh-TW" sz="1200" spc="-1" dirty="0">
+              <a:solidFill>
+                <a:srgbClr val="000000"/>
+              </a:solidFill>
+            </a:endParaRPr>
+          </a:p>
+        </p:txBody>
+      </p:sp>
+      <p:sp>
+        <p:nvSpPr>
+          <p:cNvPr id="13" name="向右箭號 3"/>
+          <p:cNvSpPr/>
+          <p:nvPr/>
+        </p:nvSpPr>
+        <p:spPr>
+          <a:xfrm>
+            <a:off x="1263715" y="2767664"/>
+            <a:ext cx="844141" cy="287634"/>
+          </a:xfrm>
+          <a:prstGeom prst="rightArrow">
+            <a:avLst>
+              <a:gd name="adj1" fmla="val 50000"/>
+              <a:gd name="adj2" fmla="val 50000"/>
+            </a:avLst>
+          </a:prstGeom>
+          <a:solidFill>
+            <a:srgbClr val="FF0000"/>
+          </a:solidFill>
+          <a:ln>
+            <a:noFill/>
+          </a:ln>
+        </p:spPr>
+        <p:style>
+          <a:lnRef idx="2">
+            <a:schemeClr val="accent1">
+              <a:shade val="50000"/>
+            </a:schemeClr>
+          </a:lnRef>
+          <a:fillRef idx="1">
+            <a:schemeClr val="accent1"/>
+          </a:fillRef>
+          <a:effectRef idx="0">
+            <a:schemeClr val="accent1"/>
+          </a:effectRef>
+          <a:fontRef idx="minor"/>
+        </p:style>
+        <p:txBody>
+          <a:bodyPr lIns="90000" tIns="45000" rIns="90000" bIns="45000" anchor="ctr">
+            <a:noAutofit/>
+          </a:bodyPr>
+          <a:lstStyle/>
+          <a:p>
+            <a:endParaRPr lang="en-US" sz="1200" b="0" strike="noStrike" spc="-1" dirty="0">
+              <a:solidFill>
+                <a:schemeClr val="lt1"/>
+              </a:solidFill>
+              <a:latin typeface="Arial"/>
+            </a:endParaRPr>
+          </a:p>
+        </p:txBody>
+      </p:sp>
+      <p:sp>
+        <p:nvSpPr>
+          <p:cNvPr id="14" name="圓角矩形 1"/>
+          <p:cNvSpPr/>
+          <p:nvPr/>
+        </p:nvSpPr>
+        <p:spPr>
+          <a:xfrm>
+            <a:off x="5199190" y="2392791"/>
+            <a:ext cx="632865" cy="345520"/>
+          </a:xfrm>
+          <a:prstGeom prst="roundRect">
+            <a:avLst>
+              <a:gd name="adj" fmla="val 16667"/>
+            </a:avLst>
+          </a:prstGeom>
+          <a:ln/>
+        </p:spPr>
+        <p:style>
+          <a:lnRef idx="3">
+            <a:schemeClr val="lt1"/>
+          </a:lnRef>
+          <a:fillRef idx="1">
+            <a:schemeClr val="accent3"/>
+          </a:fillRef>
+          <a:effectRef idx="1">
+            <a:schemeClr val="accent3"/>
+          </a:effectRef>
+          <a:fontRef idx="minor">
+            <a:schemeClr val="lt1"/>
+          </a:fontRef>
+        </p:style>
+        <p:txBody>
+          <a:bodyPr lIns="90000" tIns="45000" rIns="90000" bIns="45000" anchor="ctr">
+            <a:noAutofit/>
+          </a:bodyPr>
+          <a:lstStyle/>
+          <a:p>
+            <a:pPr algn="ctr" defTabSz="914400">
+              <a:lnSpc>
+                <a:spcPct val="100000"/>
+              </a:lnSpc>
+            </a:pPr>
+            <a:r>
+              <a:rPr lang="en-US" altLang="zh-TW" sz="1400" b="0" strike="noStrike" spc="-1" dirty="0" smtClean="0">
+                <a:solidFill>
+                  <a:schemeClr val="dk1"/>
+                </a:solidFill>
+                <a:latin typeface="Arial"/>
+              </a:rPr>
+              <a:t>MR</a:t>
+            </a:r>
+            <a:endParaRPr lang="en-US" sz="1400" b="0" strike="noStrike" spc="-1" dirty="0">
+              <a:solidFill>
+                <a:srgbClr val="000000"/>
+              </a:solidFill>
+              <a:latin typeface="Arial"/>
+            </a:endParaRPr>
+          </a:p>
+        </p:txBody>
+      </p:sp>
+      <p:sp>
+        <p:nvSpPr>
+          <p:cNvPr id="15" name="圓角矩形 10"/>
+          <p:cNvSpPr/>
+          <p:nvPr/>
+        </p:nvSpPr>
+        <p:spPr>
+          <a:xfrm>
+            <a:off x="5995825" y="2237185"/>
+            <a:ext cx="987709" cy="593280"/>
+          </a:xfrm>
+          <a:prstGeom prst="roundRect">
+            <a:avLst>
+              <a:gd name="adj" fmla="val 16667"/>
+            </a:avLst>
+          </a:prstGeom>
+          <a:solidFill>
+            <a:srgbClr val="4BACC6"/>
+          </a:solidFill>
+          <a:ln>
+            <a:noFill/>
+          </a:ln>
+        </p:spPr>
+        <p:style>
+          <a:lnRef idx="2">
+            <a:schemeClr val="accent5">
+              <a:shade val="50000"/>
+            </a:schemeClr>
+          </a:lnRef>
+          <a:fillRef idx="1">
+            <a:schemeClr val="accent5"/>
+          </a:fillRef>
+          <a:effectRef idx="0">
+            <a:schemeClr val="accent5"/>
+          </a:effectRef>
+          <a:fontRef idx="minor"/>
+        </p:style>
+        <p:txBody>
+          <a:bodyPr lIns="90000" tIns="45000" rIns="90000" bIns="45000" anchor="ctr">
+            <a:noAutofit/>
+          </a:bodyPr>
+          <a:lstStyle/>
+          <a:p>
+            <a:pPr algn="ctr" defTabSz="914400">
+              <a:lnSpc>
+                <a:spcPct val="100000"/>
+              </a:lnSpc>
+            </a:pPr>
+            <a:r>
+              <a:rPr lang="en-US" altLang="zh-TW" sz="1600" spc="-1" dirty="0" smtClean="0">
+                <a:solidFill>
+                  <a:schemeClr val="dk1"/>
+                </a:solidFill>
+                <a:latin typeface="Arial"/>
+              </a:rPr>
+              <a:t>dev</a:t>
+            </a:r>
+            <a:r>
+              <a:rPr lang="en-US" altLang="zh-TW" sz="1600" b="0" strike="noStrike" spc="-1" dirty="0" smtClean="0">
+                <a:solidFill>
+                  <a:schemeClr val="dk1"/>
+                </a:solidFill>
+                <a:latin typeface="Arial"/>
+              </a:rPr>
+              <a:t> </a:t>
+            </a:r>
+          </a:p>
+        </p:txBody>
+      </p:sp>
+      <p:sp>
+        <p:nvSpPr>
+          <p:cNvPr id="16" name="圓角矩形 11"/>
+          <p:cNvSpPr/>
+          <p:nvPr/>
+        </p:nvSpPr>
+        <p:spPr>
+          <a:xfrm>
+            <a:off x="5986825" y="2829025"/>
+            <a:ext cx="996709" cy="196920"/>
+          </a:xfrm>
+          <a:prstGeom prst="roundRect">
+            <a:avLst>
+              <a:gd name="adj" fmla="val 16667"/>
+            </a:avLst>
+          </a:prstGeom>
+          <a:solidFill>
+            <a:srgbClr val="F79646"/>
+          </a:solidFill>
+          <a:ln>
+            <a:noFill/>
+          </a:ln>
+        </p:spPr>
+        <p:style>
+          <a:lnRef idx="2">
+            <a:schemeClr val="accent6">
+              <a:shade val="50000"/>
+            </a:schemeClr>
+          </a:lnRef>
+          <a:fillRef idx="1">
+            <a:schemeClr val="accent6"/>
+          </a:fillRef>
+          <a:effectRef idx="0">
+            <a:schemeClr val="accent6"/>
+          </a:effectRef>
+          <a:fontRef idx="minor"/>
+        </p:style>
+        <p:txBody>
+          <a:bodyPr lIns="90000" tIns="45000" rIns="90000" bIns="45000" anchor="ctr">
+            <a:noAutofit/>
+          </a:bodyPr>
+          <a:lstStyle/>
+          <a:p>
+            <a:pPr algn="ctr"/>
+            <a:r>
+              <a:rPr lang="en-US" altLang="zh-TW" sz="1200" spc="-1" dirty="0" smtClean="0">
+                <a:solidFill>
+                  <a:schemeClr val="dk1"/>
+                </a:solidFill>
+              </a:rPr>
+              <a:t>remote</a:t>
+            </a:r>
+            <a:endParaRPr lang="en-US" altLang="zh-TW" sz="1200" spc="-1" dirty="0">
+              <a:solidFill>
+                <a:srgbClr val="000000"/>
+              </a:solidFill>
+            </a:endParaRPr>
+          </a:p>
+        </p:txBody>
+      </p:sp>
+      <p:sp>
+        <p:nvSpPr>
+          <p:cNvPr id="17" name="向右箭號 3"/>
+          <p:cNvSpPr/>
+          <p:nvPr/>
+        </p:nvSpPr>
+        <p:spPr>
+          <a:xfrm>
+            <a:off x="3171696" y="2766851"/>
+            <a:ext cx="844141" cy="287634"/>
+          </a:xfrm>
+          <a:prstGeom prst="rightArrow">
+            <a:avLst>
+              <a:gd name="adj1" fmla="val 50000"/>
+              <a:gd name="adj2" fmla="val 50000"/>
+            </a:avLst>
+          </a:prstGeom>
+          <a:solidFill>
+            <a:srgbClr val="FF0000"/>
+          </a:solidFill>
+          <a:ln>
+            <a:noFill/>
+          </a:ln>
+        </p:spPr>
+        <p:style>
+          <a:lnRef idx="2">
+            <a:schemeClr val="accent1">
+              <a:shade val="50000"/>
+            </a:schemeClr>
+          </a:lnRef>
+          <a:fillRef idx="1">
+            <a:schemeClr val="accent1"/>
+          </a:fillRef>
+          <a:effectRef idx="0">
+            <a:schemeClr val="accent1"/>
+          </a:effectRef>
+          <a:fontRef idx="minor"/>
+        </p:style>
+        <p:txBody>
+          <a:bodyPr lIns="90000" tIns="45000" rIns="90000" bIns="45000" anchor="ctr">
+            <a:noAutofit/>
+          </a:bodyPr>
+          <a:lstStyle/>
+          <a:p>
+            <a:endParaRPr lang="en-US" sz="1200" b="0" strike="noStrike" spc="-1">
+              <a:solidFill>
+                <a:schemeClr val="lt1"/>
+              </a:solidFill>
+              <a:latin typeface="Arial"/>
+            </a:endParaRPr>
+          </a:p>
+        </p:txBody>
+      </p:sp>
+      <p:sp>
+        <p:nvSpPr>
+          <p:cNvPr id="18" name="向右箭號 3"/>
+          <p:cNvSpPr/>
+          <p:nvPr/>
+        </p:nvSpPr>
+        <p:spPr>
+          <a:xfrm>
+            <a:off x="5093553" y="2738311"/>
+            <a:ext cx="844141" cy="287634"/>
+          </a:xfrm>
+          <a:prstGeom prst="rightArrow">
+            <a:avLst>
+              <a:gd name="adj1" fmla="val 50000"/>
+              <a:gd name="adj2" fmla="val 50000"/>
+            </a:avLst>
+          </a:prstGeom>
+          <a:solidFill>
+            <a:srgbClr val="FF0000"/>
+          </a:solidFill>
+          <a:ln>
+            <a:noFill/>
+          </a:ln>
+        </p:spPr>
+        <p:style>
+          <a:lnRef idx="2">
+            <a:schemeClr val="accent1">
+              <a:shade val="50000"/>
+            </a:schemeClr>
+          </a:lnRef>
+          <a:fillRef idx="1">
+            <a:schemeClr val="accent1"/>
+          </a:fillRef>
+          <a:effectRef idx="0">
+            <a:schemeClr val="accent1"/>
+          </a:effectRef>
+          <a:fontRef idx="minor"/>
+        </p:style>
+        <p:txBody>
+          <a:bodyPr lIns="90000" tIns="45000" rIns="90000" bIns="45000" anchor="ctr">
+            <a:noAutofit/>
+          </a:bodyPr>
+          <a:lstStyle/>
+          <a:p>
+            <a:endParaRPr lang="en-US" sz="1200" b="0" strike="noStrike" spc="-1">
+              <a:solidFill>
+                <a:schemeClr val="lt1"/>
+              </a:solidFill>
+              <a:latin typeface="Arial"/>
+            </a:endParaRPr>
+          </a:p>
+        </p:txBody>
+      </p:sp>
+      <p:sp>
+        <p:nvSpPr>
+          <p:cNvPr id="19" name="圓角矩形 1"/>
+          <p:cNvSpPr/>
+          <p:nvPr/>
+        </p:nvSpPr>
+        <p:spPr>
+          <a:xfrm>
+            <a:off x="7147302" y="1947333"/>
+            <a:ext cx="632865" cy="345520"/>
+          </a:xfrm>
+          <a:prstGeom prst="roundRect">
+            <a:avLst>
+              <a:gd name="adj" fmla="val 16667"/>
+            </a:avLst>
+          </a:prstGeom>
+          <a:solidFill>
+            <a:schemeClr val="accent2">
+              <a:lumMod val="60000"/>
+              <a:lumOff val="40000"/>
+            </a:schemeClr>
+          </a:solidFill>
+          <a:ln/>
+        </p:spPr>
+        <p:style>
+          <a:lnRef idx="3">
+            <a:schemeClr val="lt1"/>
+          </a:lnRef>
+          <a:fillRef idx="1">
+            <a:schemeClr val="accent2"/>
+          </a:fillRef>
+          <a:effectRef idx="1">
+            <a:schemeClr val="accent2"/>
+          </a:effectRef>
+          <a:fontRef idx="minor">
+            <a:schemeClr val="lt1"/>
+          </a:fontRef>
+        </p:style>
+        <p:txBody>
+          <a:bodyPr lIns="90000" tIns="45000" rIns="90000" bIns="45000" anchor="ctr">
+            <a:noAutofit/>
+          </a:bodyPr>
+          <a:lstStyle/>
+          <a:p>
+            <a:pPr algn="ctr" defTabSz="914400">
+              <a:lnSpc>
+                <a:spcPct val="100000"/>
+              </a:lnSpc>
+            </a:pPr>
+            <a:r>
+              <a:rPr lang="en-US" altLang="zh-TW" sz="1400" b="0" strike="noStrike" spc="-1" dirty="0" smtClean="0">
+                <a:solidFill>
+                  <a:schemeClr val="dk1"/>
+                </a:solidFill>
+                <a:latin typeface="Arial"/>
+              </a:rPr>
+              <a:t>MR</a:t>
+            </a:r>
+            <a:endParaRPr lang="en-US" sz="1400" b="0" strike="noStrike" spc="-1" dirty="0">
+              <a:solidFill>
+                <a:srgbClr val="000000"/>
+              </a:solidFill>
+              <a:latin typeface="Arial"/>
+            </a:endParaRPr>
+          </a:p>
+        </p:txBody>
+      </p:sp>
+      <p:sp>
+        <p:nvSpPr>
+          <p:cNvPr id="20" name="圓角矩形 10"/>
+          <p:cNvSpPr/>
+          <p:nvPr/>
+        </p:nvSpPr>
+        <p:spPr>
+          <a:xfrm>
+            <a:off x="7943937" y="2214094"/>
+            <a:ext cx="987709" cy="593280"/>
+          </a:xfrm>
+          <a:prstGeom prst="roundRect">
+            <a:avLst>
+              <a:gd name="adj" fmla="val 16667"/>
+            </a:avLst>
+          </a:prstGeom>
+          <a:solidFill>
+            <a:srgbClr val="4BACC6"/>
+          </a:solidFill>
+          <a:ln>
+            <a:noFill/>
+          </a:ln>
+        </p:spPr>
+        <p:style>
+          <a:lnRef idx="2">
+            <a:schemeClr val="accent5">
+              <a:shade val="50000"/>
+            </a:schemeClr>
+          </a:lnRef>
+          <a:fillRef idx="1">
+            <a:schemeClr val="accent5"/>
+          </a:fillRef>
+          <a:effectRef idx="0">
+            <a:schemeClr val="accent5"/>
+          </a:effectRef>
+          <a:fontRef idx="minor"/>
+        </p:style>
+        <p:txBody>
+          <a:bodyPr lIns="90000" tIns="45000" rIns="90000" bIns="45000" anchor="ctr">
+            <a:noAutofit/>
+          </a:bodyPr>
+          <a:lstStyle/>
+          <a:p>
+            <a:pPr algn="ctr" defTabSz="914400">
+              <a:lnSpc>
+                <a:spcPct val="100000"/>
+              </a:lnSpc>
+            </a:pPr>
+            <a:r>
+              <a:rPr lang="en-US" altLang="zh-TW" sz="1600" spc="-1" dirty="0" smtClean="0">
+                <a:solidFill>
+                  <a:schemeClr val="dk1"/>
+                </a:solidFill>
+                <a:latin typeface="Arial"/>
+              </a:rPr>
+              <a:t>main</a:t>
+            </a:r>
+            <a:r>
+              <a:rPr lang="en-US" altLang="zh-TW" sz="1600" b="0" strike="noStrike" spc="-1" dirty="0" smtClean="0">
+                <a:solidFill>
+                  <a:schemeClr val="dk1"/>
+                </a:solidFill>
+                <a:latin typeface="Arial"/>
+              </a:rPr>
+              <a:t> </a:t>
+            </a:r>
+          </a:p>
+        </p:txBody>
+      </p:sp>
+      <p:sp>
+        <p:nvSpPr>
+          <p:cNvPr id="21" name="圓角矩形 11"/>
+          <p:cNvSpPr/>
+          <p:nvPr/>
+        </p:nvSpPr>
+        <p:spPr>
+          <a:xfrm>
+            <a:off x="7934937" y="2805934"/>
+            <a:ext cx="996709" cy="196920"/>
+          </a:xfrm>
+          <a:prstGeom prst="roundRect">
+            <a:avLst>
+              <a:gd name="adj" fmla="val 16667"/>
+            </a:avLst>
+          </a:prstGeom>
+          <a:solidFill>
+            <a:srgbClr val="F79646"/>
+          </a:solidFill>
+          <a:ln>
+            <a:noFill/>
+          </a:ln>
+        </p:spPr>
+        <p:style>
+          <a:lnRef idx="2">
+            <a:schemeClr val="accent6">
+              <a:shade val="50000"/>
+            </a:schemeClr>
+          </a:lnRef>
+          <a:fillRef idx="1">
+            <a:schemeClr val="accent6"/>
+          </a:fillRef>
+          <a:effectRef idx="0">
+            <a:schemeClr val="accent6"/>
+          </a:effectRef>
+          <a:fontRef idx="minor"/>
+        </p:style>
+        <p:txBody>
+          <a:bodyPr lIns="90000" tIns="45000" rIns="90000" bIns="45000" anchor="ctr">
+            <a:noAutofit/>
+          </a:bodyPr>
+          <a:lstStyle/>
+          <a:p>
+            <a:pPr algn="ctr"/>
+            <a:r>
+              <a:rPr lang="en-US" altLang="zh-TW" sz="1200" spc="-1" dirty="0" smtClean="0">
+                <a:solidFill>
+                  <a:schemeClr val="dk1"/>
+                </a:solidFill>
+              </a:rPr>
+              <a:t>remote</a:t>
+            </a:r>
+            <a:endParaRPr lang="en-US" altLang="zh-TW" sz="1200" spc="-1" dirty="0">
+              <a:solidFill>
+                <a:srgbClr val="000000"/>
+              </a:solidFill>
+            </a:endParaRPr>
+          </a:p>
+        </p:txBody>
+      </p:sp>
+      <p:sp>
+        <p:nvSpPr>
+          <p:cNvPr id="23" name="PlaceHolder 1"/>
+          <p:cNvSpPr txBox="1">
+            <a:spLocks/>
+          </p:cNvSpPr>
+          <p:nvPr/>
+        </p:nvSpPr>
+        <p:spPr>
+          <a:xfrm>
+            <a:off x="432458" y="1054218"/>
+            <a:ext cx="9152998" cy="517949"/>
+          </a:xfrm>
+          <a:prstGeom prst="rect">
+            <a:avLst/>
+          </a:prstGeom>
+          <a:noFill/>
+          <a:ln w="0">
+            <a:noFill/>
+          </a:ln>
+        </p:spPr>
+        <p:txBody>
+          <a:bodyPr lIns="100800" tIns="100800" rIns="100800" bIns="100800" anchor="ctr">
+            <a:noAutofit/>
+          </a:bodyPr>
+          <a:lstStyle>
+            <a:lvl1pPr algn="l" defTabSz="914400" rtl="0" eaLnBrk="1" latinLnBrk="0" hangingPunct="1">
+              <a:lnSpc>
+                <a:spcPct val="90000"/>
+              </a:lnSpc>
+              <a:spcBef>
+                <a:spcPct val="0"/>
+              </a:spcBef>
+              <a:buNone/>
+              <a:defRPr sz="4400" kern="1200">
+                <a:solidFill>
+                  <a:schemeClr val="tx1"/>
+                </a:solidFill>
+                <a:latin typeface="+mj-lt"/>
+                <a:ea typeface="+mj-ea"/>
+                <a:cs typeface="+mj-cs"/>
+              </a:defRPr>
+            </a:lvl1pPr>
+          </a:lstStyle>
+          <a:p>
+            <a:pPr>
+              <a:lnSpc>
+                <a:spcPct val="100000"/>
+              </a:lnSpc>
+              <a:tabLst>
+                <a:tab pos="0" algn="l"/>
+              </a:tabLst>
+            </a:pPr>
+            <a:r>
+              <a:rPr lang="zh-TW" altLang="en-US" sz="2400" spc="-1" dirty="0" smtClean="0">
+                <a:solidFill>
+                  <a:srgbClr val="002060"/>
+                </a:solidFill>
+                <a:latin typeface="標楷體" panose="03000509000000000000" pitchFamily="65" charset="-120"/>
+                <a:ea typeface="標楷體" panose="03000509000000000000" pitchFamily="65" charset="-120"/>
+              </a:rPr>
+              <a:t>情境二、</a:t>
+            </a:r>
+            <a:r>
+              <a:rPr lang="en-US" altLang="zh-TW" sz="2400" spc="-1" dirty="0" smtClean="0">
+                <a:solidFill>
+                  <a:srgbClr val="002060"/>
+                </a:solidFill>
+                <a:latin typeface="標楷體" panose="03000509000000000000" pitchFamily="65" charset="-120"/>
+                <a:ea typeface="標楷體" panose="03000509000000000000" pitchFamily="65" charset="-120"/>
+              </a:rPr>
+              <a:t>UAT </a:t>
+            </a:r>
+            <a:r>
+              <a:rPr lang="zh-TW" altLang="en-US" sz="2400" spc="-1" dirty="0" smtClean="0">
+                <a:solidFill>
+                  <a:srgbClr val="002060"/>
+                </a:solidFill>
+                <a:latin typeface="標楷體" panose="03000509000000000000" pitchFamily="65" charset="-120"/>
+                <a:ea typeface="標楷體" panose="03000509000000000000" pitchFamily="65" charset="-120"/>
+              </a:rPr>
+              <a:t>測試 </a:t>
+            </a:r>
+            <a:r>
+              <a:rPr lang="en-US" altLang="zh-TW" sz="2400" spc="-1" dirty="0" smtClean="0">
+                <a:solidFill>
+                  <a:srgbClr val="002060"/>
+                </a:solidFill>
+                <a:latin typeface="標楷體" panose="03000509000000000000" pitchFamily="65" charset="-120"/>
+                <a:ea typeface="標楷體" panose="03000509000000000000" pitchFamily="65" charset="-120"/>
+              </a:rPr>
+              <a:t>Issue</a:t>
+            </a:r>
+            <a:r>
+              <a:rPr lang="zh-TW" altLang="en-US" sz="2400" spc="-1" dirty="0" smtClean="0">
+                <a:solidFill>
+                  <a:srgbClr val="002060"/>
+                </a:solidFill>
+                <a:latin typeface="標楷體" panose="03000509000000000000" pitchFamily="65" charset="-120"/>
+                <a:ea typeface="標楷體" panose="03000509000000000000" pitchFamily="65" charset="-120"/>
+              </a:rPr>
+              <a:t> </a:t>
+            </a:r>
+            <a:r>
+              <a:rPr lang="en-US" altLang="zh-TW" sz="2400" spc="-1" dirty="0" smtClean="0">
+                <a:solidFill>
+                  <a:srgbClr val="002060"/>
+                </a:solidFill>
+                <a:latin typeface="標楷體" panose="03000509000000000000" pitchFamily="65" charset="-120"/>
+                <a:ea typeface="標楷體" panose="03000509000000000000" pitchFamily="65" charset="-120"/>
+              </a:rPr>
+              <a:t>A</a:t>
+            </a:r>
+            <a:r>
+              <a:rPr lang="zh-TW" altLang="en-US" sz="2400" spc="-1" dirty="0" smtClean="0">
+                <a:solidFill>
+                  <a:srgbClr val="002060"/>
+                </a:solidFill>
+                <a:latin typeface="標楷體" panose="03000509000000000000" pitchFamily="65" charset="-120"/>
+                <a:ea typeface="標楷體" panose="03000509000000000000" pitchFamily="65" charset="-120"/>
+              </a:rPr>
+              <a:t> </a:t>
+            </a:r>
+            <a:r>
+              <a:rPr lang="en-US" altLang="zh-TW" sz="2400" spc="-1" dirty="0" smtClean="0">
+                <a:solidFill>
+                  <a:srgbClr val="002060"/>
+                </a:solidFill>
+                <a:latin typeface="標楷體" panose="03000509000000000000" pitchFamily="65" charset="-120"/>
+                <a:ea typeface="標楷體" panose="03000509000000000000" pitchFamily="65" charset="-120"/>
+              </a:rPr>
+              <a:t>,</a:t>
+            </a:r>
+            <a:r>
+              <a:rPr lang="zh-TW" altLang="en-US" sz="2400" spc="-1" dirty="0" smtClean="0">
+                <a:solidFill>
+                  <a:srgbClr val="002060"/>
+                </a:solidFill>
+                <a:latin typeface="標楷體" panose="03000509000000000000" pitchFamily="65" charset="-120"/>
+                <a:ea typeface="標楷體" panose="03000509000000000000" pitchFamily="65" charset="-120"/>
+              </a:rPr>
+              <a:t> 開發 </a:t>
+            </a:r>
+            <a:r>
+              <a:rPr lang="en-US" altLang="zh-TW" sz="2400" spc="-1" dirty="0" smtClean="0">
+                <a:solidFill>
+                  <a:srgbClr val="002060"/>
+                </a:solidFill>
+                <a:latin typeface="標楷體" panose="03000509000000000000" pitchFamily="65" charset="-120"/>
+                <a:ea typeface="標楷體" panose="03000509000000000000" pitchFamily="65" charset="-120"/>
+              </a:rPr>
+              <a:t>Issue</a:t>
+            </a:r>
+            <a:r>
+              <a:rPr lang="zh-TW" altLang="en-US" sz="2400" spc="-1" dirty="0" smtClean="0">
+                <a:solidFill>
+                  <a:srgbClr val="002060"/>
+                </a:solidFill>
+                <a:latin typeface="標楷體" panose="03000509000000000000" pitchFamily="65" charset="-120"/>
+                <a:ea typeface="標楷體" panose="03000509000000000000" pitchFamily="65" charset="-120"/>
+              </a:rPr>
+              <a:t> </a:t>
+            </a:r>
+            <a:r>
+              <a:rPr lang="en-US" altLang="zh-TW" sz="2400" spc="-1" dirty="0" smtClean="0">
+                <a:solidFill>
+                  <a:srgbClr val="002060"/>
+                </a:solidFill>
+                <a:latin typeface="標楷體" panose="03000509000000000000" pitchFamily="65" charset="-120"/>
+                <a:ea typeface="標楷體" panose="03000509000000000000" pitchFamily="65" charset="-120"/>
+              </a:rPr>
+              <a:t>B</a:t>
+            </a:r>
+            <a:r>
+              <a:rPr lang="zh-TW" altLang="en-US" sz="2400" spc="-1" dirty="0" smtClean="0">
+                <a:solidFill>
+                  <a:srgbClr val="002060"/>
+                </a:solidFill>
+                <a:latin typeface="標楷體" panose="03000509000000000000" pitchFamily="65" charset="-120"/>
+                <a:ea typeface="標楷體" panose="03000509000000000000" pitchFamily="65" charset="-120"/>
+              </a:rPr>
+              <a:t> 正常流程</a:t>
+            </a:r>
+            <a:endParaRPr lang="zh-TW" altLang="en-US" sz="2400" spc="-1" dirty="0">
+              <a:solidFill>
+                <a:srgbClr val="000000"/>
+              </a:solidFill>
+              <a:latin typeface="標楷體" panose="03000509000000000000" pitchFamily="65" charset="-120"/>
+              <a:ea typeface="標楷體" panose="03000509000000000000" pitchFamily="65" charset="-120"/>
+            </a:endParaRPr>
+          </a:p>
+        </p:txBody>
+      </p:sp>
+      <p:sp>
+        <p:nvSpPr>
+          <p:cNvPr id="2" name="禁止標誌 1"/>
+          <p:cNvSpPr/>
+          <p:nvPr/>
+        </p:nvSpPr>
+        <p:spPr>
+          <a:xfrm>
+            <a:off x="7104097" y="2385704"/>
+            <a:ext cx="701278" cy="624767"/>
+          </a:xfrm>
+          <a:prstGeom prst="noSmoking">
+            <a:avLst/>
+          </a:prstGeom>
+          <a:solidFill>
+            <a:srgbClr val="FF0000"/>
+          </a:solidFill>
+        </p:spPr>
+        <p:style>
+          <a:lnRef idx="2">
+            <a:schemeClr val="accent2">
+              <a:shade val="50000"/>
+            </a:schemeClr>
+          </a:lnRef>
+          <a:fillRef idx="1">
+            <a:schemeClr val="accent2"/>
+          </a:fillRef>
+          <a:effectRef idx="0">
+            <a:schemeClr val="accent2"/>
+          </a:effectRef>
+          <a:fontRef idx="minor">
+            <a:schemeClr val="lt1"/>
+          </a:fontRef>
+        </p:style>
+        <p:txBody>
+          <a:bodyPr rtlCol="0" anchor="ctr"/>
+          <a:lstStyle/>
+          <a:p>
+            <a:pPr algn="ctr"/>
+            <a:endParaRPr lang="zh-TW" altLang="en-US">
+              <a:ln w="0"/>
+              <a:solidFill>
+                <a:schemeClr val="accent1"/>
+              </a:solidFill>
+              <a:effectLst>
+                <a:outerShdw blurRad="38100" dist="25400" dir="5400000" algn="ctr" rotWithShape="0">
+                  <a:srgbClr val="6E747A">
+                    <a:alpha val="43000"/>
+                  </a:srgbClr>
+                </a:outerShdw>
+              </a:effectLst>
+            </a:endParaRPr>
+          </a:p>
+        </p:txBody>
+      </p:sp>
+      <p:sp>
+        <p:nvSpPr>
+          <p:cNvPr id="26" name="圓角矩形 1"/>
+          <p:cNvSpPr/>
+          <p:nvPr/>
+        </p:nvSpPr>
+        <p:spPr>
+          <a:xfrm>
+            <a:off x="9276495" y="2586182"/>
+            <a:ext cx="632865" cy="414104"/>
+          </a:xfrm>
+          <a:prstGeom prst="roundRect">
+            <a:avLst>
+              <a:gd name="adj" fmla="val 16667"/>
+            </a:avLst>
+          </a:prstGeom>
+          <a:solidFill>
+            <a:schemeClr val="accent4">
+              <a:lumMod val="60000"/>
+              <a:lumOff val="40000"/>
+            </a:schemeClr>
+          </a:solidFill>
+          <a:ln/>
+        </p:spPr>
+        <p:style>
+          <a:lnRef idx="3">
+            <a:schemeClr val="lt1"/>
+          </a:lnRef>
+          <a:fillRef idx="1">
+            <a:schemeClr val="accent1"/>
+          </a:fillRef>
+          <a:effectRef idx="1">
+            <a:schemeClr val="accent1"/>
+          </a:effectRef>
+          <a:fontRef idx="minor">
+            <a:schemeClr val="lt1"/>
+          </a:fontRef>
+        </p:style>
+        <p:txBody>
+          <a:bodyPr lIns="90000" tIns="45000" rIns="90000" bIns="45000" anchor="ctr">
+            <a:noAutofit/>
+          </a:bodyPr>
+          <a:lstStyle/>
+          <a:p>
+            <a:pPr algn="ctr" defTabSz="914400">
+              <a:lnSpc>
+                <a:spcPct val="100000"/>
+              </a:lnSpc>
+            </a:pPr>
+            <a:r>
+              <a:rPr lang="en-US" altLang="zh-TW" sz="1400" b="0" strike="noStrike" spc="-1" dirty="0" smtClean="0">
+                <a:solidFill>
+                  <a:schemeClr val="dk1"/>
+                </a:solidFill>
+                <a:latin typeface="Arial"/>
+              </a:rPr>
+              <a:t>UAT</a:t>
+            </a:r>
+            <a:endParaRPr lang="en-US" sz="1400" b="0" strike="noStrike" spc="-1" dirty="0">
+              <a:solidFill>
+                <a:srgbClr val="000000"/>
+              </a:solidFill>
+              <a:latin typeface="Arial"/>
+            </a:endParaRPr>
+          </a:p>
+        </p:txBody>
+      </p:sp>
+      <p:sp>
+        <p:nvSpPr>
+          <p:cNvPr id="27" name="向右箭號 3"/>
+          <p:cNvSpPr/>
+          <p:nvPr/>
+        </p:nvSpPr>
+        <p:spPr>
+          <a:xfrm>
+            <a:off x="8962063" y="2735510"/>
+            <a:ext cx="256301" cy="257670"/>
+          </a:xfrm>
+          <a:prstGeom prst="rightArrow">
+            <a:avLst>
+              <a:gd name="adj1" fmla="val 50000"/>
+              <a:gd name="adj2" fmla="val 50000"/>
+            </a:avLst>
+          </a:prstGeom>
+          <a:solidFill>
+            <a:srgbClr val="FF0000"/>
+          </a:solidFill>
+          <a:ln>
+            <a:noFill/>
+          </a:ln>
+        </p:spPr>
+        <p:style>
+          <a:lnRef idx="2">
+            <a:schemeClr val="accent1">
+              <a:shade val="50000"/>
+            </a:schemeClr>
+          </a:lnRef>
+          <a:fillRef idx="1">
+            <a:schemeClr val="accent1"/>
+          </a:fillRef>
+          <a:effectRef idx="0">
+            <a:schemeClr val="accent1"/>
+          </a:effectRef>
+          <a:fontRef idx="minor"/>
+        </p:style>
+        <p:txBody>
+          <a:bodyPr lIns="90000" tIns="45000" rIns="90000" bIns="45000" anchor="ctr">
+            <a:noAutofit/>
+          </a:bodyPr>
+          <a:lstStyle/>
+          <a:p>
+            <a:endParaRPr lang="en-US" sz="1200" b="0" strike="noStrike" spc="-1">
+              <a:solidFill>
+                <a:schemeClr val="lt1"/>
+              </a:solidFill>
+              <a:latin typeface="Arial"/>
+            </a:endParaRPr>
+          </a:p>
+        </p:txBody>
+      </p:sp>
+      <p:sp>
+        <p:nvSpPr>
+          <p:cNvPr id="28" name="圓角矩形 1"/>
+          <p:cNvSpPr/>
+          <p:nvPr/>
+        </p:nvSpPr>
+        <p:spPr>
+          <a:xfrm>
+            <a:off x="9276495" y="2214094"/>
+            <a:ext cx="632865" cy="383559"/>
+          </a:xfrm>
+          <a:prstGeom prst="roundRect">
+            <a:avLst>
+              <a:gd name="adj" fmla="val 16667"/>
+            </a:avLst>
+          </a:prstGeom>
+          <a:ln/>
+        </p:spPr>
+        <p:style>
+          <a:lnRef idx="3">
+            <a:schemeClr val="lt1"/>
+          </a:lnRef>
+          <a:fillRef idx="1">
+            <a:schemeClr val="accent5"/>
+          </a:fillRef>
+          <a:effectRef idx="1">
+            <a:schemeClr val="accent5"/>
+          </a:effectRef>
+          <a:fontRef idx="minor">
+            <a:schemeClr val="lt1"/>
+          </a:fontRef>
+        </p:style>
+        <p:txBody>
+          <a:bodyPr lIns="90000" tIns="45000" rIns="90000" bIns="45000" anchor="ctr">
+            <a:noAutofit/>
+          </a:bodyPr>
+          <a:lstStyle/>
+          <a:p>
+            <a:pPr algn="ctr" defTabSz="914400">
+              <a:lnSpc>
+                <a:spcPct val="100000"/>
+              </a:lnSpc>
+            </a:pPr>
+            <a:r>
+              <a:rPr lang="en-US" altLang="zh-TW" sz="1400" b="0" strike="noStrike" spc="-1" dirty="0" smtClean="0">
+                <a:solidFill>
+                  <a:schemeClr val="dk1"/>
+                </a:solidFill>
+                <a:latin typeface="Arial"/>
+              </a:rPr>
+              <a:t>A</a:t>
+            </a:r>
+            <a:endParaRPr lang="en-US" sz="1400" b="0" strike="noStrike" spc="-1" dirty="0">
+              <a:solidFill>
+                <a:srgbClr val="000000"/>
+              </a:solidFill>
+              <a:latin typeface="Arial"/>
+            </a:endParaRPr>
+          </a:p>
+        </p:txBody>
+      </p:sp>
+    </p:spTree>
+    <p:extLst>
+      <p:ext uri="{BB962C8B-B14F-4D97-AF65-F5344CB8AC3E}">
+        <p14:creationId xmlns:p14="http://schemas.microsoft.com/office/powerpoint/2010/main" val="4167953904"/>
+      </p:ext>
+    </p:extLst>
+  </p:cSld>
+  <p:clrMapOvr>
+    <a:masterClrMapping/>
+  </p:clrMapOvr>
+  <mc:AlternateContent xmlns:mc="http://schemas.openxmlformats.org/markup-compatibility/2006" xmlns:p14="http://schemas.microsoft.com/office/powerpoint/2010/main">
+    <mc:Choice Requires="p14">
+      <p:transition spd="slow" p14:dur="2000"/>
+    </mc:Choice>
+    <mc:Fallback xmlns="" xmlns:p15="http://schemas.microsoft.com/office/powerpoint/2012/main">
+      <p:transition spd="slow"/>
+    </mc:Fallback>
+  </mc:AlternateContent>
+  <p:timing>
+    <p:tnLst>
+      <p:par>
+        <p:cTn id="1" dur="indefinite" restart="never" nodeType="tmRoot"/>
+      </p:par>
+    </p:tnLst>
+  </p:timing>
+</p:sld>
+</file>
+
+<file path=ppt/slides/slide30.xml><?xml version="1.0" encoding="utf-8"?>
+<p:sld xmlns:a="http://schemas.openxmlformats.org/drawingml/2006/main" xmlns:r="http://schemas.openxmlformats.org/officeDocument/2006/relationships" xmlns:p="http://schemas.openxmlformats.org/presentationml/2006/main">
+  <p:cSld>
+    <p:spTree>
+      <p:nvGrpSpPr>
+        <p:cNvPr id="1" name=""/>
+        <p:cNvGrpSpPr/>
+        <p:nvPr/>
+      </p:nvGrpSpPr>
+      <p:grpSpPr>
+        <a:xfrm>
+          <a:off x="0" y="0"/>
+          <a:ext cx="0" cy="0"/>
+          <a:chOff x="0" y="0"/>
+          <a:chExt cx="0" cy="0"/>
+        </a:xfrm>
+      </p:grpSpPr>
+      <p:sp>
+        <p:nvSpPr>
+          <p:cNvPr id="58" name="PlaceHolder 1"/>
+          <p:cNvSpPr>
+            <a:spLocks noGrp="1"/>
+          </p:cNvSpPr>
+          <p:nvPr>
+            <p:ph type="title" idx="4294967295"/>
+          </p:nvPr>
+        </p:nvSpPr>
+        <p:spPr>
+          <a:xfrm>
+            <a:off x="1331640" y="71640"/>
+            <a:ext cx="7281720" cy="723960"/>
+          </a:xfrm>
+          <a:prstGeom prst="rect">
+            <a:avLst/>
+          </a:prstGeom>
+          <a:noFill/>
+          <a:ln w="0">
+            <a:noFill/>
+          </a:ln>
+        </p:spPr>
+        <p:txBody>
+          <a:bodyPr lIns="100800" tIns="100800" rIns="100800" bIns="100800" anchor="ctr">
+            <a:noAutofit/>
+          </a:bodyPr>
+          <a:lstStyle/>
+          <a:p>
+            <a:pPr indent="0" algn="ctr" defTabSz="914400">
+              <a:lnSpc>
+                <a:spcPct val="100000"/>
+              </a:lnSpc>
+              <a:buNone/>
+              <a:tabLst>
+                <a:tab pos="0" algn="l"/>
+              </a:tabLst>
+            </a:pPr>
+            <a:r>
+              <a:rPr lang="en-US" altLang="zh-TW" sz="3600" b="1" strike="noStrike" spc="-1" dirty="0" smtClean="0">
+                <a:solidFill>
+                  <a:srgbClr val="002060"/>
+                </a:solidFill>
+                <a:latin typeface="微軟正黑體"/>
+                <a:ea typeface="微軟正黑體"/>
+              </a:rPr>
+              <a:t>Jenkins </a:t>
+            </a:r>
+            <a:r>
+              <a:rPr lang="en-US" altLang="zh-TW" sz="3600" b="1" strike="noStrike" spc="-1" dirty="0" smtClean="0">
+                <a:solidFill>
+                  <a:srgbClr val="002060"/>
+                </a:solidFill>
+                <a:latin typeface="微軟正黑體"/>
+                <a:ea typeface="微軟正黑體"/>
+              </a:rPr>
+              <a:t>pipeline (</a:t>
+            </a:r>
+            <a:r>
+              <a:rPr lang="zh-TW" altLang="en-US" sz="3600" b="1" strike="noStrike" spc="-1" dirty="0" smtClean="0">
+                <a:solidFill>
+                  <a:srgbClr val="002060"/>
+                </a:solidFill>
+                <a:latin typeface="微軟正黑體"/>
+                <a:ea typeface="微軟正黑體"/>
+              </a:rPr>
+              <a:t>六</a:t>
+            </a:r>
+            <a:r>
+              <a:rPr lang="en-US" altLang="zh-TW" sz="3600" b="1" strike="noStrike" spc="-1" dirty="0" smtClean="0">
+                <a:solidFill>
+                  <a:srgbClr val="002060"/>
+                </a:solidFill>
+                <a:latin typeface="微軟正黑體"/>
+                <a:ea typeface="微軟正黑體"/>
+              </a:rPr>
+              <a:t>)</a:t>
+            </a:r>
+            <a:endParaRPr lang="en-US" sz="3600" b="1" strike="noStrike" spc="-1" dirty="0">
+              <a:solidFill>
+                <a:srgbClr val="000000"/>
+              </a:solidFill>
+              <a:latin typeface="Arial"/>
+            </a:endParaRPr>
+          </a:p>
+        </p:txBody>
+      </p:sp>
+      <p:sp>
+        <p:nvSpPr>
+          <p:cNvPr id="8" name="PlaceHolder 1"/>
+          <p:cNvSpPr txBox="1">
+            <a:spLocks/>
+          </p:cNvSpPr>
+          <p:nvPr/>
+        </p:nvSpPr>
+        <p:spPr>
+          <a:xfrm>
+            <a:off x="502820" y="795600"/>
+            <a:ext cx="9167653" cy="623917"/>
+          </a:xfrm>
+          <a:prstGeom prst="rect">
+            <a:avLst/>
+          </a:prstGeom>
+          <a:noFill/>
+          <a:ln w="0">
+            <a:noFill/>
+          </a:ln>
+        </p:spPr>
+        <p:txBody>
+          <a:bodyPr lIns="100800" tIns="100800" rIns="100800" bIns="100800" anchor="ctr">
+            <a:noAutofit/>
+          </a:bodyPr>
+          <a:lstStyle>
+            <a:lvl1pPr algn="l" defTabSz="914400" rtl="0" eaLnBrk="1" latinLnBrk="0" hangingPunct="1">
+              <a:lnSpc>
+                <a:spcPct val="90000"/>
+              </a:lnSpc>
+              <a:spcBef>
+                <a:spcPct val="0"/>
+              </a:spcBef>
+              <a:buNone/>
+              <a:defRPr sz="4400" kern="1200">
+                <a:solidFill>
+                  <a:schemeClr val="tx1"/>
+                </a:solidFill>
+                <a:latin typeface="+mj-lt"/>
+                <a:ea typeface="+mj-ea"/>
+                <a:cs typeface="+mj-cs"/>
+              </a:defRPr>
+            </a:lvl1pPr>
+          </a:lstStyle>
+          <a:p>
+            <a:pPr>
+              <a:lnSpc>
+                <a:spcPct val="100000"/>
+              </a:lnSpc>
+              <a:tabLst>
+                <a:tab pos="0" algn="l"/>
+              </a:tabLst>
+            </a:pPr>
+            <a:r>
+              <a:rPr lang="en-US" altLang="zh-TW" sz="2400" spc="-1" dirty="0" smtClean="0">
+                <a:solidFill>
+                  <a:srgbClr val="002060"/>
+                </a:solidFill>
+                <a:latin typeface="標楷體" panose="03000509000000000000" pitchFamily="65" charset="-120"/>
+                <a:ea typeface="標楷體" panose="03000509000000000000" pitchFamily="65" charset="-120"/>
+              </a:rPr>
+              <a:t>Stage 5: upload jar/war file to Nexus Repo</a:t>
+            </a:r>
+            <a:endParaRPr lang="zh-TW" altLang="en-US" sz="2400" spc="-1" dirty="0">
+              <a:solidFill>
+                <a:srgbClr val="000000"/>
+              </a:solidFill>
+              <a:latin typeface="標楷體" panose="03000509000000000000" pitchFamily="65" charset="-120"/>
+              <a:ea typeface="標楷體" panose="03000509000000000000" pitchFamily="65" charset="-120"/>
+            </a:endParaRPr>
+          </a:p>
+        </p:txBody>
+      </p:sp>
+      <p:pic>
+        <p:nvPicPr>
+          <p:cNvPr id="7" name="圖片 6"/>
+          <p:cNvPicPr>
+            <a:picLocks noChangeAspect="1"/>
+          </p:cNvPicPr>
+          <p:nvPr/>
+        </p:nvPicPr>
+        <p:blipFill>
+          <a:blip r:embed="rId3"/>
+          <a:stretch>
+            <a:fillRect/>
+          </a:stretch>
+        </p:blipFill>
+        <p:spPr>
+          <a:xfrm>
+            <a:off x="429075" y="1419517"/>
+            <a:ext cx="9086850" cy="4476750"/>
+          </a:xfrm>
+          <a:prstGeom prst="rect">
+            <a:avLst/>
+          </a:prstGeom>
+          <a:ln>
+            <a:solidFill>
+              <a:schemeClr val="accent1"/>
+            </a:solidFill>
+          </a:ln>
+        </p:spPr>
+      </p:pic>
+    </p:spTree>
+    <p:extLst>
+      <p:ext uri="{BB962C8B-B14F-4D97-AF65-F5344CB8AC3E}">
+        <p14:creationId xmlns:p14="http://schemas.microsoft.com/office/powerpoint/2010/main" val="641378588"/>
+      </p:ext>
+    </p:extLst>
+  </p:cSld>
+  <p:clrMapOvr>
+    <a:masterClrMapping/>
+  </p:clrMapOvr>
+  <mc:AlternateContent xmlns:mc="http://schemas.openxmlformats.org/markup-compatibility/2006" xmlns:p14="http://schemas.microsoft.com/office/powerpoint/2010/main">
+    <mc:Choice Requires="p14">
+      <p:transition spd="slow" p14:dur="2000"/>
+    </mc:Choice>
+    <mc:Fallback xmlns="" xmlns:p15="http://schemas.microsoft.com/office/powerpoint/2012/main">
+      <p:transition spd="slow"/>
+    </mc:Fallback>
+  </mc:AlternateContent>
+  <p:timing>
+    <p:tnLst>
+      <p:par>
+        <p:cTn id="1" dur="indefinite" restart="never" nodeType="tmRoot"/>
+      </p:par>
+    </p:tnLst>
+  </p:timing>
+</p:sld>
+</file>
+
+<file path=ppt/slides/slide31.xml><?xml version="1.0" encoding="utf-8"?>
+<p:sld xmlns:a="http://schemas.openxmlformats.org/drawingml/2006/main" xmlns:r="http://schemas.openxmlformats.org/officeDocument/2006/relationships" xmlns:p="http://schemas.openxmlformats.org/presentationml/2006/main">
+  <p:cSld>
+    <p:spTree>
+      <p:nvGrpSpPr>
+        <p:cNvPr id="1" name=""/>
+        <p:cNvGrpSpPr/>
+        <p:nvPr/>
+      </p:nvGrpSpPr>
+      <p:grpSpPr>
+        <a:xfrm>
+          <a:off x="0" y="0"/>
+          <a:ext cx="0" cy="0"/>
+          <a:chOff x="0" y="0"/>
+          <a:chExt cx="0" cy="0"/>
+        </a:xfrm>
+      </p:grpSpPr>
+      <p:sp>
+        <p:nvSpPr>
+          <p:cNvPr id="58" name="PlaceHolder 1"/>
+          <p:cNvSpPr>
+            <a:spLocks noGrp="1"/>
+          </p:cNvSpPr>
+          <p:nvPr>
+            <p:ph type="title" idx="4294967295"/>
+          </p:nvPr>
+        </p:nvSpPr>
+        <p:spPr>
+          <a:xfrm>
+            <a:off x="1331640" y="71640"/>
+            <a:ext cx="7281720" cy="723960"/>
+          </a:xfrm>
+          <a:prstGeom prst="rect">
+            <a:avLst/>
+          </a:prstGeom>
+          <a:noFill/>
+          <a:ln w="0">
+            <a:noFill/>
+          </a:ln>
+        </p:spPr>
+        <p:txBody>
+          <a:bodyPr lIns="100800" tIns="100800" rIns="100800" bIns="100800" anchor="ctr">
+            <a:noAutofit/>
+          </a:bodyPr>
+          <a:lstStyle/>
+          <a:p>
+            <a:pPr indent="0" algn="ctr" defTabSz="914400">
+              <a:lnSpc>
+                <a:spcPct val="100000"/>
+              </a:lnSpc>
+              <a:buNone/>
+              <a:tabLst>
+                <a:tab pos="0" algn="l"/>
+              </a:tabLst>
+            </a:pPr>
+            <a:r>
+              <a:rPr lang="en-US" altLang="zh-TW" sz="3600" b="1" strike="noStrike" spc="-1" dirty="0" smtClean="0">
+                <a:solidFill>
+                  <a:srgbClr val="002060"/>
+                </a:solidFill>
+                <a:latin typeface="微軟正黑體"/>
+                <a:ea typeface="微軟正黑體"/>
+              </a:rPr>
+              <a:t>Jenkins </a:t>
+            </a:r>
+            <a:r>
+              <a:rPr lang="en-US" altLang="zh-TW" sz="3600" b="1" strike="noStrike" spc="-1" dirty="0" smtClean="0">
+                <a:solidFill>
+                  <a:srgbClr val="002060"/>
+                </a:solidFill>
+                <a:latin typeface="微軟正黑體"/>
+                <a:ea typeface="微軟正黑體"/>
+              </a:rPr>
+              <a:t>pipeline (</a:t>
+            </a:r>
+            <a:r>
+              <a:rPr lang="zh-TW" altLang="en-US" sz="3600" b="1" strike="noStrike" spc="-1" dirty="0" smtClean="0">
+                <a:solidFill>
+                  <a:srgbClr val="002060"/>
+                </a:solidFill>
+                <a:latin typeface="微軟正黑體"/>
+                <a:ea typeface="微軟正黑體"/>
+              </a:rPr>
+              <a:t>七</a:t>
+            </a:r>
+            <a:r>
+              <a:rPr lang="en-US" altLang="zh-TW" sz="3600" b="1" strike="noStrike" spc="-1" dirty="0" smtClean="0">
+                <a:solidFill>
+                  <a:srgbClr val="002060"/>
+                </a:solidFill>
+                <a:latin typeface="微軟正黑體"/>
+                <a:ea typeface="微軟正黑體"/>
+              </a:rPr>
+              <a:t>)</a:t>
+            </a:r>
+            <a:endParaRPr lang="en-US" sz="3600" b="1" strike="noStrike" spc="-1" dirty="0">
+              <a:solidFill>
+                <a:srgbClr val="000000"/>
+              </a:solidFill>
+              <a:latin typeface="Arial"/>
+            </a:endParaRPr>
+          </a:p>
+        </p:txBody>
+      </p:sp>
+      <p:sp>
+        <p:nvSpPr>
+          <p:cNvPr id="8" name="PlaceHolder 1"/>
+          <p:cNvSpPr txBox="1">
+            <a:spLocks/>
+          </p:cNvSpPr>
+          <p:nvPr/>
+        </p:nvSpPr>
+        <p:spPr>
+          <a:xfrm>
+            <a:off x="502820" y="795600"/>
+            <a:ext cx="9167653" cy="623917"/>
+          </a:xfrm>
+          <a:prstGeom prst="rect">
+            <a:avLst/>
+          </a:prstGeom>
+          <a:noFill/>
+          <a:ln w="0">
+            <a:noFill/>
+          </a:ln>
+        </p:spPr>
+        <p:txBody>
+          <a:bodyPr lIns="100800" tIns="100800" rIns="100800" bIns="100800" anchor="ctr">
+            <a:noAutofit/>
+          </a:bodyPr>
+          <a:lstStyle>
+            <a:lvl1pPr algn="l" defTabSz="914400" rtl="0" eaLnBrk="1" latinLnBrk="0" hangingPunct="1">
+              <a:lnSpc>
+                <a:spcPct val="90000"/>
+              </a:lnSpc>
+              <a:spcBef>
+                <a:spcPct val="0"/>
+              </a:spcBef>
+              <a:buNone/>
+              <a:defRPr sz="4400" kern="1200">
+                <a:solidFill>
+                  <a:schemeClr val="tx1"/>
+                </a:solidFill>
+                <a:latin typeface="+mj-lt"/>
+                <a:ea typeface="+mj-ea"/>
+                <a:cs typeface="+mj-cs"/>
+              </a:defRPr>
+            </a:lvl1pPr>
+          </a:lstStyle>
+          <a:p>
+            <a:pPr>
+              <a:lnSpc>
+                <a:spcPct val="100000"/>
+              </a:lnSpc>
+              <a:tabLst>
+                <a:tab pos="0" algn="l"/>
+              </a:tabLst>
+            </a:pPr>
+            <a:r>
+              <a:rPr lang="en-US" altLang="zh-TW" sz="2400" spc="-1" dirty="0" smtClean="0">
+                <a:solidFill>
+                  <a:srgbClr val="002060"/>
+                </a:solidFill>
+                <a:latin typeface="標楷體" panose="03000509000000000000" pitchFamily="65" charset="-120"/>
+                <a:ea typeface="標楷體" panose="03000509000000000000" pitchFamily="65" charset="-120"/>
+              </a:rPr>
+              <a:t>Stage 6: Deploy jar/war file to AP Server</a:t>
+            </a:r>
+            <a:endParaRPr lang="zh-TW" altLang="en-US" sz="2400" spc="-1" dirty="0">
+              <a:solidFill>
+                <a:srgbClr val="000000"/>
+              </a:solidFill>
+              <a:latin typeface="標楷體" panose="03000509000000000000" pitchFamily="65" charset="-120"/>
+              <a:ea typeface="標楷體" panose="03000509000000000000" pitchFamily="65" charset="-120"/>
+            </a:endParaRPr>
+          </a:p>
+        </p:txBody>
+      </p:sp>
+      <p:pic>
+        <p:nvPicPr>
+          <p:cNvPr id="2" name="圖片 1"/>
+          <p:cNvPicPr>
+            <a:picLocks noChangeAspect="1"/>
+          </p:cNvPicPr>
+          <p:nvPr/>
+        </p:nvPicPr>
+        <p:blipFill>
+          <a:blip r:embed="rId3"/>
+          <a:stretch>
+            <a:fillRect/>
+          </a:stretch>
+        </p:blipFill>
+        <p:spPr>
+          <a:xfrm>
+            <a:off x="305096" y="1419517"/>
+            <a:ext cx="9563100" cy="4295775"/>
+          </a:xfrm>
+          <a:prstGeom prst="rect">
+            <a:avLst/>
+          </a:prstGeom>
+          <a:ln>
+            <a:solidFill>
+              <a:schemeClr val="accent1"/>
+            </a:solidFill>
+          </a:ln>
+        </p:spPr>
+      </p:pic>
+    </p:spTree>
+    <p:extLst>
+      <p:ext uri="{BB962C8B-B14F-4D97-AF65-F5344CB8AC3E}">
+        <p14:creationId xmlns:p14="http://schemas.microsoft.com/office/powerpoint/2010/main" val="3893881509"/>
+      </p:ext>
+    </p:extLst>
+  </p:cSld>
+  <p:clrMapOvr>
+    <a:masterClrMapping/>
+  </p:clrMapOvr>
+  <mc:AlternateContent xmlns:mc="http://schemas.openxmlformats.org/markup-compatibility/2006" xmlns:p14="http://schemas.microsoft.com/office/powerpoint/2010/main">
+    <mc:Choice Requires="p14">
+      <p:transition spd="slow" p14:dur="2000"/>
+    </mc:Choice>
+    <mc:Fallback xmlns="" xmlns:p15="http://schemas.microsoft.com/office/powerpoint/2012/main">
+      <p:transition spd="slow"/>
+    </mc:Fallback>
+  </mc:AlternateContent>
+  <p:timing>
+    <p:tnLst>
+      <p:par>
+        <p:cTn id="1" dur="indefinite" restart="never" nodeType="tmRoot"/>
+      </p:par>
+    </p:tnLst>
+  </p:timing>
+</p:sld>
+</file>
+
+<file path=ppt/slides/slide32.xml><?xml version="1.0" encoding="utf-8"?>
+<p:sld xmlns:a="http://schemas.openxmlformats.org/drawingml/2006/main" xmlns:r="http://schemas.openxmlformats.org/officeDocument/2006/relationships" xmlns:p="http://schemas.openxmlformats.org/presentationml/2006/main">
+  <p:cSld>
+    <p:spTree>
+      <p:nvGrpSpPr>
+        <p:cNvPr id="1" name=""/>
+        <p:cNvGrpSpPr/>
+        <p:nvPr/>
+      </p:nvGrpSpPr>
+      <p:grpSpPr>
+        <a:xfrm>
+          <a:off x="0" y="0"/>
+          <a:ext cx="0" cy="0"/>
+          <a:chOff x="0" y="0"/>
+          <a:chExt cx="0" cy="0"/>
+        </a:xfrm>
+      </p:grpSpPr>
+      <p:sp>
+        <p:nvSpPr>
+          <p:cNvPr id="68" name="PlaceHolder 1"/>
+          <p:cNvSpPr>
+            <a:spLocks noGrp="1"/>
+          </p:cNvSpPr>
+          <p:nvPr>
+            <p:ph type="title"/>
+          </p:nvPr>
+        </p:nvSpPr>
+        <p:spPr>
+          <a:xfrm>
+            <a:off x="1331640" y="71640"/>
+            <a:ext cx="7281720" cy="723960"/>
+          </a:xfrm>
+          <a:prstGeom prst="rect">
+            <a:avLst/>
+          </a:prstGeom>
+          <a:noFill/>
+          <a:ln w="0">
+            <a:noFill/>
+          </a:ln>
+        </p:spPr>
+        <p:txBody>
+          <a:bodyPr lIns="100800" tIns="100800" rIns="100800" bIns="100800" anchor="ctr">
+            <a:noAutofit/>
+          </a:bodyPr>
+          <a:lstStyle/>
+          <a:p>
+            <a:pPr indent="0" algn="ctr" defTabSz="914400">
+              <a:lnSpc>
+                <a:spcPct val="100000"/>
+              </a:lnSpc>
+              <a:buNone/>
+              <a:tabLst>
+                <a:tab pos="0" algn="l"/>
+              </a:tabLst>
+            </a:pPr>
+            <a:r>
+              <a:rPr lang="en-US" sz="3600" b="1" strike="noStrike" spc="-1" dirty="0" err="1">
+                <a:solidFill>
+                  <a:srgbClr val="002060"/>
+                </a:solidFill>
+                <a:latin typeface="微軟正黑體"/>
+                <a:ea typeface="微軟正黑體"/>
+              </a:rPr>
+              <a:t>Gitlab</a:t>
+            </a:r>
+            <a:r>
+              <a:rPr lang="en-US" sz="3600" b="1" strike="noStrike" spc="-1" dirty="0">
+                <a:solidFill>
+                  <a:srgbClr val="002060"/>
+                </a:solidFill>
+                <a:latin typeface="微軟正黑體"/>
+                <a:ea typeface="微軟正黑體"/>
+              </a:rPr>
+              <a:t> </a:t>
+            </a:r>
+            <a:r>
+              <a:rPr lang="zh-TW" sz="3600" b="1" strike="noStrike" spc="-1" dirty="0">
+                <a:solidFill>
+                  <a:srgbClr val="002060"/>
+                </a:solidFill>
+                <a:latin typeface="微軟正黑體"/>
+                <a:ea typeface="微軟正黑體"/>
+              </a:rPr>
+              <a:t>權限</a:t>
+            </a:r>
+            <a:endParaRPr lang="en-US" sz="3600" b="1" strike="noStrike" spc="-1" dirty="0">
+              <a:solidFill>
+                <a:srgbClr val="000000"/>
+              </a:solidFill>
+              <a:latin typeface="Arial"/>
+            </a:endParaRPr>
+          </a:p>
+        </p:txBody>
+      </p:sp>
+      <p:pic>
+        <p:nvPicPr>
+          <p:cNvPr id="4" name="影像5"/>
+          <p:cNvPicPr/>
+          <p:nvPr/>
+        </p:nvPicPr>
+        <p:blipFill>
+          <a:blip r:embed="rId3"/>
+          <a:stretch>
+            <a:fillRect/>
+          </a:stretch>
+        </p:blipFill>
+        <p:spPr bwMode="auto">
+          <a:xfrm>
+            <a:off x="372834" y="795600"/>
+            <a:ext cx="9199331" cy="4972050"/>
+          </a:xfrm>
+          <a:prstGeom prst="rect">
+            <a:avLst/>
+          </a:prstGeom>
+          <a:ln>
+            <a:solidFill>
+              <a:schemeClr val="accent1"/>
+            </a:solidFill>
+          </a:ln>
+        </p:spPr>
+      </p:pic>
+    </p:spTree>
+  </p:cSld>
+  <p:clrMapOvr>
+    <a:masterClrMapping/>
+  </p:clrMapOvr>
+  <mc:AlternateContent xmlns:mc="http://schemas.openxmlformats.org/markup-compatibility/2006" xmlns:p14="http://schemas.microsoft.com/office/powerpoint/2010/main">
+    <mc:Choice Requires="p14">
+      <p:transition spd="slow" p14:dur="2000"/>
+    </mc:Choice>
+    <mc:Fallback xmlns="" xmlns:p15="http://schemas.microsoft.com/office/powerpoint/2012/main">
+      <p:transition spd="slow"/>
+    </mc:Fallback>
+  </mc:AlternateContent>
+</p:sld>
+</file>
+
+<file path=ppt/slides/slide33.xml><?xml version="1.0" encoding="utf-8"?>
+<p:sld xmlns:a="http://schemas.openxmlformats.org/drawingml/2006/main" xmlns:r="http://schemas.openxmlformats.org/officeDocument/2006/relationships" xmlns:p="http://schemas.openxmlformats.org/presentationml/2006/main">
+  <p:cSld>
+    <p:spTree>
+      <p:nvGrpSpPr>
+        <p:cNvPr id="1" name=""/>
+        <p:cNvGrpSpPr/>
+        <p:nvPr/>
+      </p:nvGrpSpPr>
+      <p:grpSpPr>
+        <a:xfrm>
+          <a:off x="0" y="0"/>
+          <a:ext cx="0" cy="0"/>
+          <a:chOff x="0" y="0"/>
+          <a:chExt cx="0" cy="0"/>
+        </a:xfrm>
+      </p:grpSpPr>
+      <p:sp>
+        <p:nvSpPr>
+          <p:cNvPr id="70" name="PlaceHolder 1"/>
+          <p:cNvSpPr>
+            <a:spLocks noGrp="1"/>
+          </p:cNvSpPr>
+          <p:nvPr>
+            <p:ph type="title"/>
+          </p:nvPr>
+        </p:nvSpPr>
+        <p:spPr>
+          <a:xfrm>
+            <a:off x="1331640" y="71640"/>
+            <a:ext cx="7281720" cy="723960"/>
+          </a:xfrm>
+          <a:prstGeom prst="rect">
+            <a:avLst/>
+          </a:prstGeom>
+          <a:noFill/>
+          <a:ln w="0">
+            <a:noFill/>
+          </a:ln>
+        </p:spPr>
+        <p:txBody>
+          <a:bodyPr lIns="100800" tIns="100800" rIns="100800" bIns="100800" anchor="ctr">
+            <a:noAutofit/>
+          </a:bodyPr>
+          <a:lstStyle/>
+          <a:p>
+            <a:pPr indent="0" algn="ctr" defTabSz="914400">
+              <a:lnSpc>
+                <a:spcPct val="100000"/>
+              </a:lnSpc>
+              <a:buNone/>
+              <a:tabLst>
+                <a:tab pos="0" algn="l"/>
+              </a:tabLst>
+            </a:pPr>
+            <a:r>
+              <a:rPr lang="en-US" sz="3600" b="1" strike="noStrike" spc="-1" dirty="0">
+                <a:solidFill>
+                  <a:srgbClr val="002060"/>
+                </a:solidFill>
+                <a:latin typeface="微軟正黑體"/>
+                <a:ea typeface="微軟正黑體"/>
+              </a:rPr>
+              <a:t>Jenkins </a:t>
+            </a:r>
+            <a:r>
+              <a:rPr lang="zh-TW" sz="3600" b="1" strike="noStrike" spc="-1" dirty="0">
+                <a:solidFill>
+                  <a:srgbClr val="002060"/>
+                </a:solidFill>
+                <a:latin typeface="微軟正黑體"/>
+                <a:ea typeface="微軟正黑體"/>
+              </a:rPr>
+              <a:t>權限</a:t>
+            </a:r>
+            <a:endParaRPr lang="en-US" sz="3600" b="1" strike="noStrike" spc="-1" dirty="0">
+              <a:solidFill>
+                <a:srgbClr val="000000"/>
+              </a:solidFill>
+              <a:latin typeface="Arial"/>
+            </a:endParaRPr>
+          </a:p>
+        </p:txBody>
+      </p:sp>
+      <p:sp>
+        <p:nvSpPr>
+          <p:cNvPr id="71" name="PlaceHolder 3"/>
+          <p:cNvSpPr/>
+          <p:nvPr/>
+        </p:nvSpPr>
+        <p:spPr>
+          <a:xfrm>
+            <a:off x="1089000" y="4143240"/>
+            <a:ext cx="8311320" cy="1732680"/>
+          </a:xfrm>
+          <a:prstGeom prst="rect">
+            <a:avLst/>
+          </a:prstGeom>
+          <a:noFill/>
+          <a:ln w="0">
+            <a:noFill/>
+          </a:ln>
+        </p:spPr>
+        <p:style>
+          <a:lnRef idx="0">
+            <a:scrgbClr r="0" g="0" b="0"/>
+          </a:lnRef>
+          <a:fillRef idx="0">
+            <a:scrgbClr r="0" g="0" b="0"/>
+          </a:fillRef>
+          <a:effectRef idx="0">
+            <a:scrgbClr r="0" g="0" b="0"/>
+          </a:effectRef>
+          <a:fontRef idx="minor"/>
+        </p:style>
+        <p:txBody>
+          <a:bodyPr lIns="100800" tIns="100800" rIns="100800" bIns="100800" anchor="ctr">
+            <a:noAutofit/>
+          </a:bodyPr>
+          <a:lstStyle/>
+          <a:p>
+            <a:pPr defTabSz="914400">
+              <a:lnSpc>
+                <a:spcPct val="100000"/>
+              </a:lnSpc>
+              <a:tabLst>
+                <a:tab pos="0" algn="l"/>
+              </a:tabLst>
+            </a:pPr>
+            <a:r>
+              <a:rPr lang="en-US" sz="2400" b="0" strike="noStrike" spc="-1" dirty="0">
+                <a:solidFill>
+                  <a:srgbClr val="002060"/>
+                </a:solidFill>
+                <a:latin typeface="標楷體" panose="03000509000000000000" pitchFamily="65" charset="-120"/>
+                <a:ea typeface="標楷體" panose="03000509000000000000" pitchFamily="65" charset="-120"/>
+              </a:rPr>
+              <a:t>* DEV </a:t>
+            </a:r>
+            <a:r>
+              <a:rPr lang="zh-TW" sz="2400" b="0" strike="noStrike" spc="-1" dirty="0">
+                <a:solidFill>
+                  <a:srgbClr val="002060"/>
+                </a:solidFill>
+                <a:latin typeface="標楷體" panose="03000509000000000000" pitchFamily="65" charset="-120"/>
+                <a:ea typeface="標楷體" panose="03000509000000000000" pitchFamily="65" charset="-120"/>
+              </a:rPr>
+              <a:t>環境為了讓開發人員可以測試</a:t>
+            </a:r>
+            <a:r>
+              <a:rPr lang="en-US" sz="2400" b="0" strike="noStrike" spc="-1" dirty="0">
+                <a:solidFill>
+                  <a:srgbClr val="002060"/>
+                </a:solidFill>
+                <a:latin typeface="標楷體" panose="03000509000000000000" pitchFamily="65" charset="-120"/>
+                <a:ea typeface="標楷體" panose="03000509000000000000" pitchFamily="65" charset="-120"/>
+              </a:rPr>
+              <a:t>Pipeline </a:t>
+            </a:r>
+            <a:r>
+              <a:rPr sz="2400" dirty="0">
+                <a:latin typeface="標楷體" panose="03000509000000000000" pitchFamily="65" charset="-120"/>
+                <a:ea typeface="標楷體" panose="03000509000000000000" pitchFamily="65" charset="-120"/>
+              </a:rPr>
+              <a:t/>
+            </a:r>
+            <a:br>
+              <a:rPr sz="2400" dirty="0">
+                <a:latin typeface="標楷體" panose="03000509000000000000" pitchFamily="65" charset="-120"/>
+                <a:ea typeface="標楷體" panose="03000509000000000000" pitchFamily="65" charset="-120"/>
+              </a:rPr>
+            </a:br>
+            <a:r>
+              <a:rPr lang="zh-TW" sz="2400" b="0" strike="noStrike" spc="-1" dirty="0">
+                <a:solidFill>
+                  <a:srgbClr val="002060"/>
+                </a:solidFill>
+                <a:latin typeface="標楷體" panose="03000509000000000000" pitchFamily="65" charset="-120"/>
+                <a:ea typeface="標楷體" panose="03000509000000000000" pitchFamily="65" charset="-120"/>
+              </a:rPr>
+              <a:t>所以只限定不能做刪除的動作</a:t>
+            </a:r>
+            <a:r>
+              <a:rPr sz="2400" dirty="0">
+                <a:latin typeface="標楷體" panose="03000509000000000000" pitchFamily="65" charset="-120"/>
+                <a:ea typeface="標楷體" panose="03000509000000000000" pitchFamily="65" charset="-120"/>
+              </a:rPr>
+              <a:t/>
+            </a:r>
+            <a:br>
+              <a:rPr sz="2400" dirty="0">
+                <a:latin typeface="標楷體" panose="03000509000000000000" pitchFamily="65" charset="-120"/>
+                <a:ea typeface="標楷體" panose="03000509000000000000" pitchFamily="65" charset="-120"/>
+              </a:rPr>
+            </a:br>
+            <a:r>
+              <a:rPr sz="2400" dirty="0">
+                <a:latin typeface="標楷體" panose="03000509000000000000" pitchFamily="65" charset="-120"/>
+                <a:ea typeface="標楷體" panose="03000509000000000000" pitchFamily="65" charset="-120"/>
+              </a:rPr>
+              <a:t/>
+            </a:r>
+            <a:br>
+              <a:rPr sz="2400" dirty="0">
+                <a:latin typeface="標楷體" panose="03000509000000000000" pitchFamily="65" charset="-120"/>
+                <a:ea typeface="標楷體" panose="03000509000000000000" pitchFamily="65" charset="-120"/>
+              </a:rPr>
+            </a:br>
+            <a:r>
+              <a:rPr lang="en-US" sz="2400" b="0" strike="noStrike" spc="-1" dirty="0">
+                <a:solidFill>
+                  <a:srgbClr val="002060"/>
+                </a:solidFill>
+                <a:latin typeface="標楷體" panose="03000509000000000000" pitchFamily="65" charset="-120"/>
+                <a:ea typeface="標楷體" panose="03000509000000000000" pitchFamily="65" charset="-120"/>
+              </a:rPr>
+              <a:t>* </a:t>
+            </a:r>
+            <a:r>
+              <a:rPr lang="zh-TW" sz="2400" b="0" strike="noStrike" spc="-1" dirty="0">
+                <a:solidFill>
+                  <a:srgbClr val="002060"/>
+                </a:solidFill>
+                <a:latin typeface="標楷體" panose="03000509000000000000" pitchFamily="65" charset="-120"/>
+                <a:ea typeface="標楷體" panose="03000509000000000000" pitchFamily="65" charset="-120"/>
+              </a:rPr>
+              <a:t>可以透過</a:t>
+            </a:r>
+            <a:r>
+              <a:rPr lang="en-US" sz="2400" b="0" strike="noStrike" spc="-1" dirty="0">
+                <a:solidFill>
+                  <a:srgbClr val="002060"/>
+                </a:solidFill>
+                <a:latin typeface="標楷體" panose="03000509000000000000" pitchFamily="65" charset="-120"/>
+                <a:ea typeface="標楷體" panose="03000509000000000000" pitchFamily="65" charset="-120"/>
+              </a:rPr>
+              <a:t>Item role </a:t>
+            </a:r>
+            <a:r>
+              <a:rPr lang="zh-TW" sz="2400" b="0" strike="noStrike" spc="-1" dirty="0">
+                <a:solidFill>
+                  <a:srgbClr val="002060"/>
+                </a:solidFill>
+                <a:latin typeface="標楷體" panose="03000509000000000000" pitchFamily="65" charset="-120"/>
+                <a:ea typeface="標楷體" panose="03000509000000000000" pitchFamily="65" charset="-120"/>
+              </a:rPr>
+              <a:t>限定使用者能看到的</a:t>
+            </a:r>
+            <a:r>
+              <a:rPr lang="en-US" sz="2400" b="0" strike="noStrike" spc="-1" dirty="0">
+                <a:solidFill>
+                  <a:srgbClr val="002060"/>
+                </a:solidFill>
+                <a:latin typeface="標楷體" panose="03000509000000000000" pitchFamily="65" charset="-120"/>
+                <a:ea typeface="標楷體" panose="03000509000000000000" pitchFamily="65" charset="-120"/>
+              </a:rPr>
+              <a:t>Pipeline</a:t>
+            </a:r>
+            <a:endParaRPr lang="en-US" sz="2400" b="0" strike="noStrike" spc="-1" dirty="0">
+              <a:solidFill>
+                <a:srgbClr val="000000"/>
+              </a:solidFill>
+              <a:latin typeface="標楷體" panose="03000509000000000000" pitchFamily="65" charset="-120"/>
+              <a:ea typeface="標楷體" panose="03000509000000000000" pitchFamily="65" charset="-120"/>
+            </a:endParaRPr>
+          </a:p>
+        </p:txBody>
+      </p:sp>
+      <p:pic>
+        <p:nvPicPr>
+          <p:cNvPr id="6" name="影像4"/>
+          <p:cNvPicPr/>
+          <p:nvPr/>
+        </p:nvPicPr>
+        <p:blipFill>
+          <a:blip r:embed="rId3"/>
+          <a:stretch>
+            <a:fillRect/>
+          </a:stretch>
+        </p:blipFill>
+        <p:spPr bwMode="auto">
+          <a:xfrm>
+            <a:off x="822673" y="1007419"/>
+            <a:ext cx="8299653" cy="2924002"/>
+          </a:xfrm>
+          <a:prstGeom prst="rect">
+            <a:avLst/>
+          </a:prstGeom>
+          <a:ln>
+            <a:solidFill>
+              <a:schemeClr val="accent1"/>
+            </a:solidFill>
+          </a:ln>
+        </p:spPr>
+      </p:pic>
+    </p:spTree>
+  </p:cSld>
+  <p:clrMapOvr>
+    <a:masterClrMapping/>
+  </p:clrMapOvr>
+  <mc:AlternateContent xmlns:mc="http://schemas.openxmlformats.org/markup-compatibility/2006" xmlns:p14="http://schemas.microsoft.com/office/powerpoint/2010/main">
+    <mc:Choice Requires="p14">
+      <p:transition spd="slow" p14:dur="2000"/>
+    </mc:Choice>
+    <mc:Fallback xmlns="" xmlns:p15="http://schemas.microsoft.com/office/powerpoint/2012/main">
+      <p:transition spd="slow"/>
+    </mc:Fallback>
+  </mc:AlternateContent>
+</p:sld>
+</file>
+
+<file path=ppt/slides/slide34.xml><?xml version="1.0" encoding="utf-8"?>
+<p:sld xmlns:a="http://schemas.openxmlformats.org/drawingml/2006/main" xmlns:r="http://schemas.openxmlformats.org/officeDocument/2006/relationships" xmlns:p="http://schemas.openxmlformats.org/presentationml/2006/main">
+  <p:cSld>
+    <p:spTree>
+      <p:nvGrpSpPr>
+        <p:cNvPr id="1" name=""/>
+        <p:cNvGrpSpPr/>
+        <p:nvPr/>
+      </p:nvGrpSpPr>
+      <p:grpSpPr>
+        <a:xfrm>
+          <a:off x="0" y="0"/>
+          <a:ext cx="0" cy="0"/>
+          <a:chOff x="0" y="0"/>
+          <a:chExt cx="0" cy="0"/>
+        </a:xfrm>
+      </p:grpSpPr>
+      <p:sp>
+        <p:nvSpPr>
           <p:cNvPr id="70" name="PlaceHolder 1"/>
           <p:cNvSpPr>
             <a:spLocks noGrp="1"/>
@@ -14715,14 +19733,14 @@
     <mc:Choice Requires="p14">
       <p:transition spd="slow" p14:dur="2000"/>
     </mc:Choice>
-    <mc:Fallback xmlns:p15="http://schemas.microsoft.com/office/powerpoint/2012/main" xmlns="">
+    <mc:Fallback xmlns="" xmlns:p15="http://schemas.microsoft.com/office/powerpoint/2012/main">
       <p:transition spd="slow"/>
     </mc:Fallback>
   </mc:AlternateContent>
 </p:sld>
 </file>
 
-<file path=ppt/slides/slide27.xml><?xml version="1.0" encoding="utf-8"?>
+<file path=ppt/slides/slide35.xml><?xml version="1.0" encoding="utf-8"?>
 <p:sld xmlns:a="http://schemas.openxmlformats.org/drawingml/2006/main" xmlns:r="http://schemas.openxmlformats.org/officeDocument/2006/relationships" xmlns:p="http://schemas.openxmlformats.org/presentationml/2006/main">
   <p:cSld>
     <p:spTree>
@@ -14897,14 +19915,14 @@
     <mc:Choice Requires="p14">
       <p:transition spd="slow" p14:dur="2000"/>
     </mc:Choice>
-    <mc:Fallback xmlns:p15="http://schemas.microsoft.com/office/powerpoint/2012/main" xmlns="">
+    <mc:Fallback xmlns="" xmlns:p15="http://schemas.microsoft.com/office/powerpoint/2012/main">
       <p:transition spd="slow"/>
     </mc:Fallback>
   </mc:AlternateContent>
 </p:sld>
 </file>
 
-<file path=ppt/slides/slide28.xml><?xml version="1.0" encoding="utf-8"?>
+<file path=ppt/slides/slide36.xml><?xml version="1.0" encoding="utf-8"?>
 <p:sld xmlns:a="http://schemas.openxmlformats.org/drawingml/2006/main" xmlns:r="http://schemas.openxmlformats.org/officeDocument/2006/relationships" xmlns:p="http://schemas.openxmlformats.org/presentationml/2006/main">
   <p:cSld>
     <p:spTree>
@@ -15174,14 +20192,14 @@
     <mc:Choice Requires="p14">
       <p:transition spd="slow" p14:dur="2000"/>
     </mc:Choice>
-    <mc:Fallback xmlns:p15="http://schemas.microsoft.com/office/powerpoint/2012/main" xmlns="">
+    <mc:Fallback xmlns="" xmlns:p15="http://schemas.microsoft.com/office/powerpoint/2012/main">
       <p:transition spd="slow"/>
     </mc:Fallback>
   </mc:AlternateContent>
 </p:sld>
 </file>
 
-<file path=ppt/slides/slide29.xml><?xml version="1.0" encoding="utf-8"?>
+<file path=ppt/slides/slide37.xml><?xml version="1.0" encoding="utf-8"?>
 <p:sld xmlns:a="http://schemas.openxmlformats.org/drawingml/2006/main" xmlns:r="http://schemas.openxmlformats.org/officeDocument/2006/relationships" xmlns:p="http://schemas.openxmlformats.org/presentationml/2006/main">
   <p:cSld>
     <p:spTree>
@@ -20184,14 +25202,14 @@
     <mc:Choice Requires="p14">
       <p:transition spd="slow" p14:dur="2000"/>
     </mc:Choice>
-    <mc:Fallback xmlns:p15="http://schemas.microsoft.com/office/powerpoint/2012/main" xmlns="">
+    <mc:Fallback xmlns="" xmlns:p15="http://schemas.microsoft.com/office/powerpoint/2012/main">
       <p:transition spd="slow"/>
     </mc:Fallback>
   </mc:AlternateContent>
 </p:sld>
 </file>
 
-<file path=ppt/slides/slide3.xml><?xml version="1.0" encoding="utf-8"?>
+<file path=ppt/slides/slide4.xml><?xml version="1.0" encoding="utf-8"?>
 <p:sld xmlns:a="http://schemas.openxmlformats.org/drawingml/2006/main" xmlns:r="http://schemas.openxmlformats.org/officeDocument/2006/relationships" xmlns:p="http://schemas.openxmlformats.org/presentationml/2006/main">
   <p:cSld>
     <p:spTree>
@@ -20274,7 +25292,7 @@
                 <a:latin typeface="微軟正黑體"/>
                 <a:ea typeface="微軟正黑體"/>
               </a:rPr>
-              <a:t>情境二</a:t>
+              <a:t>情境三</a:t>
             </a:r>
             <a:endParaRPr lang="en-US" sz="3600" b="1" strike="noStrike" spc="-1" dirty="0">
               <a:solidFill>
@@ -20295,8 +25313,8 @@
         </p:nvSpPr>
         <p:spPr>
           <a:xfrm>
-            <a:off x="441457" y="3591765"/>
-            <a:ext cx="9143999" cy="1838036"/>
+            <a:off x="432457" y="4377575"/>
+            <a:ext cx="9358325" cy="1690716"/>
           </a:xfrm>
           <a:prstGeom prst="rect">
             <a:avLst/>
@@ -20386,6 +25404,16 @@
               </a:tabLst>
             </a:pPr>
             <a:r>
+              <a:rPr lang="zh-TW" altLang="en-US" sz="2400" spc="-1" dirty="0" smtClean="0">
+                <a:solidFill>
+                  <a:srgbClr val="002060"/>
+                </a:solidFill>
+                <a:latin typeface="標楷體" panose="03000509000000000000" pitchFamily="65" charset="-120"/>
+                <a:ea typeface="標楷體" panose="03000509000000000000" pitchFamily="65" charset="-120"/>
+              </a:rPr>
+              <a:t>退回 </a:t>
+            </a:r>
+            <a:r>
               <a:rPr lang="en-US" altLang="zh-TW" sz="2400" spc="-1" dirty="0" smtClean="0">
                 <a:solidFill>
                   <a:srgbClr val="002060"/>
@@ -20393,6 +25421,26 @@
                 <a:latin typeface="標楷體" panose="03000509000000000000" pitchFamily="65" charset="-120"/>
                 <a:ea typeface="標楷體" panose="03000509000000000000" pitchFamily="65" charset="-120"/>
               </a:rPr>
+              <a:t>&gt;</a:t>
+            </a:r>
+            <a:r>
+              <a:rPr lang="zh-TW" altLang="en-US" sz="2400" spc="-1" dirty="0" smtClean="0">
+                <a:solidFill>
+                  <a:srgbClr val="002060"/>
+                </a:solidFill>
+                <a:latin typeface="標楷體" panose="03000509000000000000" pitchFamily="65" charset="-120"/>
+                <a:ea typeface="標楷體" panose="03000509000000000000" pitchFamily="65" charset="-120"/>
+              </a:rPr>
+              <a:t> </a:t>
+            </a:r>
+            <a:r>
+              <a:rPr lang="en-US" altLang="zh-TW" sz="2400" spc="-1" dirty="0" smtClean="0">
+                <a:solidFill>
+                  <a:srgbClr val="002060"/>
+                </a:solidFill>
+                <a:latin typeface="標楷體" panose="03000509000000000000" pitchFamily="65" charset="-120"/>
+                <a:ea typeface="標楷體" panose="03000509000000000000" pitchFamily="65" charset="-120"/>
+              </a:rPr>
               <a:t>Pull </a:t>
             </a:r>
             <a:r>
@@ -20416,6 +25464,26 @@
               <a:t> branch &gt; </a:t>
             </a:r>
             <a:r>
+              <a:rPr lang="zh-TW" altLang="en-US" sz="2400" spc="-1" dirty="0" smtClean="0">
+                <a:solidFill>
+                  <a:srgbClr val="002060"/>
+                </a:solidFill>
+                <a:latin typeface="標楷體" panose="03000509000000000000" pitchFamily="65" charset="-120"/>
+                <a:ea typeface="標楷體" panose="03000509000000000000" pitchFamily="65" charset="-120"/>
+              </a:rPr>
+              <a:t>調整 </a:t>
+            </a:r>
+            <a:r>
+              <a:rPr lang="en-US" altLang="zh-TW" sz="2400" spc="-1" dirty="0">
+                <a:solidFill>
+                  <a:srgbClr val="002060"/>
+                </a:solidFill>
+                <a:latin typeface="標楷體" panose="03000509000000000000" pitchFamily="65" charset="-120"/>
+                <a:ea typeface="標楷體" panose="03000509000000000000" pitchFamily="65" charset="-120"/>
+              </a:rPr>
+              <a:t>A </a:t>
+            </a:r>
+            <a:r>
               <a:rPr lang="zh-TW" altLang="en-US" sz="2400" spc="-1" dirty="0">
                 <a:solidFill>
                   <a:srgbClr val="002060"/>
@@ -20423,7 +25491,7 @@
                 <a:latin typeface="標楷體" panose="03000509000000000000" pitchFamily="65" charset="-120"/>
                 <a:ea typeface="標楷體" panose="03000509000000000000" pitchFamily="65" charset="-120"/>
               </a:rPr>
-              <a:t>開發 </a:t>
+              <a:t>版本 </a:t>
             </a:r>
             <a:r>
               <a:rPr lang="en-US" altLang="zh-TW" sz="2400" spc="-1" dirty="0">
@@ -20433,7 +25501,7 @@
                 <a:latin typeface="標楷體" panose="03000509000000000000" pitchFamily="65" charset="-120"/>
                 <a:ea typeface="標楷體" panose="03000509000000000000" pitchFamily="65" charset="-120"/>
               </a:rPr>
-              <a:t>A </a:t>
+              <a:t>&gt;</a:t>
             </a:r>
             <a:r>
               <a:rPr lang="zh-TW" altLang="en-US" sz="2400" spc="-1" dirty="0">
@@ -20443,7 +25511,7 @@
                 <a:latin typeface="標楷體" panose="03000509000000000000" pitchFamily="65" charset="-120"/>
                 <a:ea typeface="標楷體" panose="03000509000000000000" pitchFamily="65" charset="-120"/>
               </a:rPr>
-              <a:t>版本 </a:t>
+              <a:t> </a:t>
             </a:r>
             <a:r>
               <a:rPr lang="en-US" altLang="zh-TW" sz="2400" spc="-1" dirty="0">
@@ -20453,37 +25521,27 @@
                 <a:latin typeface="標楷體" panose="03000509000000000000" pitchFamily="65" charset="-120"/>
                 <a:ea typeface="標楷體" panose="03000509000000000000" pitchFamily="65" charset="-120"/>
               </a:rPr>
-              <a:t>&gt;</a:t>
-            </a:r>
-            <a:r>
-              <a:rPr lang="zh-TW" altLang="en-US" sz="2400" spc="-1" dirty="0">
-                <a:solidFill>
-                  <a:srgbClr val="002060"/>
-                </a:solidFill>
-                <a:latin typeface="標楷體" panose="03000509000000000000" pitchFamily="65" charset="-120"/>
-                <a:ea typeface="標楷體" panose="03000509000000000000" pitchFamily="65" charset="-120"/>
-              </a:rPr>
-              <a:t> </a:t>
+              <a:t>Push </a:t>
             </a:r>
             <a:r>
               <a:rPr lang="en-US" altLang="zh-TW" sz="2400" spc="-1" dirty="0">
                 <a:solidFill>
-                  <a:srgbClr val="002060"/>
-                </a:solidFill>
-                <a:latin typeface="標楷體" panose="03000509000000000000" pitchFamily="65" charset="-120"/>
-                <a:ea typeface="標楷體" panose="03000509000000000000" pitchFamily="65" charset="-120"/>
-              </a:rPr>
-              <a:t>Push </a:t>
-            </a:r>
-            <a:r>
-              <a:rPr lang="en-US" altLang="zh-TW" sz="2400" spc="-1" dirty="0">
-                <a:solidFill>
                   <a:srgbClr val="FF0000"/>
                 </a:solidFill>
                 <a:latin typeface="標楷體" panose="03000509000000000000" pitchFamily="65" charset="-120"/>
                 <a:ea typeface="標楷體" panose="03000509000000000000" pitchFamily="65" charset="-120"/>
               </a:rPr>
-              <a:t>Issue B</a:t>
+              <a:t>Issue </a:t>
+            </a:r>
+            <a:r>
+              <a:rPr lang="en-US" altLang="zh-TW" sz="2400" spc="-1" dirty="0" smtClean="0">
+                <a:solidFill>
+                  <a:srgbClr val="FF0000"/>
+                </a:solidFill>
+                <a:latin typeface="標楷體" panose="03000509000000000000" pitchFamily="65" charset="-120"/>
+                <a:ea typeface="標楷體" panose="03000509000000000000" pitchFamily="65" charset="-120"/>
+              </a:rPr>
+              <a:t>A</a:t>
             </a:r>
             <a:r>
               <a:rPr lang="en-US" altLang="zh-TW" sz="2400" spc="-1" dirty="0" smtClean="0">
@@ -20543,7 +25601,7 @@
                 <a:latin typeface="標楷體" panose="03000509000000000000" pitchFamily="65" charset="-120"/>
                 <a:ea typeface="標楷體" panose="03000509000000000000" pitchFamily="65" charset="-120"/>
               </a:rPr>
-              <a:t>B</a:t>
+              <a:t>A</a:t>
             </a:r>
             <a:r>
               <a:rPr lang="en-US" altLang="zh-TW" sz="2400" spc="-1" dirty="0" smtClean="0">
@@ -20663,17 +25721,77 @@
               <a:t> </a:t>
             </a:r>
             <a:r>
-              <a:rPr lang="zh-TW" altLang="en-US" sz="2400" b="1" spc="-1" dirty="0" smtClean="0">
-                <a:solidFill>
-                  <a:srgbClr val="002060"/>
-                </a:solidFill>
-                <a:latin typeface="標楷體" panose="03000509000000000000" pitchFamily="65" charset="-120"/>
-                <a:ea typeface="標楷體" panose="03000509000000000000" pitchFamily="65" charset="-120"/>
-              </a:rPr>
-              <a:t>因為 </a:t>
-            </a:r>
-            <a:r>
-              <a:rPr lang="en-US" altLang="zh-TW" sz="2400" b="1" spc="-1" dirty="0">
+              <a:rPr lang="en-US" altLang="zh-TW" sz="2400" spc="-1" dirty="0">
+                <a:solidFill>
+                  <a:srgbClr val="002060"/>
+                </a:solidFill>
+                <a:latin typeface="標楷體" panose="03000509000000000000" pitchFamily="65" charset="-120"/>
+                <a:ea typeface="標楷體" panose="03000509000000000000" pitchFamily="65" charset="-120"/>
+              </a:rPr>
+              <a:t>Merge </a:t>
+            </a:r>
+            <a:r>
+              <a:rPr lang="en-US" altLang="zh-TW" sz="2400" spc="-1" dirty="0">
+                <a:solidFill>
+                  <a:srgbClr val="FF0000"/>
+                </a:solidFill>
+                <a:latin typeface="標楷體" panose="03000509000000000000" pitchFamily="65" charset="-120"/>
+                <a:ea typeface="標楷體" panose="03000509000000000000" pitchFamily="65" charset="-120"/>
+              </a:rPr>
+              <a:t>dev</a:t>
+            </a:r>
+            <a:r>
+              <a:rPr lang="en-US" altLang="zh-TW" sz="2400" spc="-1" dirty="0">
+                <a:solidFill>
+                  <a:srgbClr val="002060"/>
+                </a:solidFill>
+                <a:latin typeface="標楷體" panose="03000509000000000000" pitchFamily="65" charset="-120"/>
+                <a:ea typeface="標楷體" panose="03000509000000000000" pitchFamily="65" charset="-120"/>
+              </a:rPr>
+              <a:t> branch </a:t>
+            </a:r>
+            <a:r>
+              <a:rPr lang="zh-TW" altLang="en-US" sz="2400" spc="-1" dirty="0">
+                <a:solidFill>
+                  <a:srgbClr val="002060"/>
+                </a:solidFill>
+                <a:latin typeface="標楷體" panose="03000509000000000000" pitchFamily="65" charset="-120"/>
+                <a:ea typeface="標楷體" panose="03000509000000000000" pitchFamily="65" charset="-120"/>
+              </a:rPr>
+              <a:t>至 </a:t>
+            </a:r>
+            <a:r>
+              <a:rPr lang="en-US" altLang="zh-TW" sz="2400" spc="-1" dirty="0">
+                <a:solidFill>
+                  <a:srgbClr val="FF0000"/>
+                </a:solidFill>
+                <a:latin typeface="標楷體" panose="03000509000000000000" pitchFamily="65" charset="-120"/>
+                <a:ea typeface="標楷體" panose="03000509000000000000" pitchFamily="65" charset="-120"/>
+              </a:rPr>
+              <a:t>main</a:t>
+            </a:r>
+            <a:r>
+              <a:rPr lang="en-US" altLang="zh-TW" sz="2400" spc="-1" dirty="0">
+                <a:solidFill>
+                  <a:srgbClr val="002060"/>
+                </a:solidFill>
+                <a:latin typeface="標楷體" panose="03000509000000000000" pitchFamily="65" charset="-120"/>
+                <a:ea typeface="標楷體" panose="03000509000000000000" pitchFamily="65" charset="-120"/>
+              </a:rPr>
+              <a:t> branch </a:t>
+            </a:r>
+            <a:r>
+              <a:rPr lang="zh-TW" altLang="en-US" sz="2400" spc="-1" dirty="0">
+                <a:solidFill>
+                  <a:srgbClr val="002060"/>
+                </a:solidFill>
+                <a:latin typeface="標楷體" panose="03000509000000000000" pitchFamily="65" charset="-120"/>
+                <a:ea typeface="標楷體" panose="03000509000000000000" pitchFamily="65" charset="-120"/>
+              </a:rPr>
+              <a:t>進行 </a:t>
+            </a:r>
+            <a:r>
+              <a:rPr lang="en-US" altLang="zh-TW" sz="2400" spc="-1" dirty="0">
                 <a:solidFill>
                   <a:srgbClr val="002060"/>
                 </a:solidFill>
@@ -20683,105 +25801,22 @@
               <a:t>UAT</a:t>
             </a:r>
             <a:r>
-              <a:rPr lang="zh-TW" altLang="en-US" sz="2400" b="1" spc="-1" dirty="0">
-                <a:solidFill>
-                  <a:srgbClr val="002060"/>
-                </a:solidFill>
-                <a:latin typeface="標楷體" panose="03000509000000000000" pitchFamily="65" charset="-120"/>
-                <a:ea typeface="標楷體" panose="03000509000000000000" pitchFamily="65" charset="-120"/>
-              </a:rPr>
-              <a:t> 正在測試 </a:t>
-            </a:r>
-            <a:r>
-              <a:rPr lang="en-US" altLang="zh-TW" sz="2400" b="1" spc="-1" dirty="0">
-                <a:solidFill>
-                  <a:srgbClr val="002060"/>
-                </a:solidFill>
-                <a:latin typeface="標楷體" panose="03000509000000000000" pitchFamily="65" charset="-120"/>
-                <a:ea typeface="標楷體" panose="03000509000000000000" pitchFamily="65" charset="-120"/>
-              </a:rPr>
-              <a:t>A</a:t>
-            </a:r>
-            <a:r>
-              <a:rPr lang="zh-TW" altLang="en-US" sz="2400" b="1" spc="-1" dirty="0">
-                <a:solidFill>
-                  <a:srgbClr val="002060"/>
-                </a:solidFill>
-                <a:latin typeface="標楷體" panose="03000509000000000000" pitchFamily="65" charset="-120"/>
-                <a:ea typeface="標楷體" panose="03000509000000000000" pitchFamily="65" charset="-120"/>
-              </a:rPr>
-              <a:t> 版本</a:t>
-            </a:r>
-            <a:r>
-              <a:rPr lang="en-US" altLang="zh-TW" sz="2400" b="1" spc="-1" dirty="0">
-                <a:solidFill>
-                  <a:srgbClr val="002060"/>
-                </a:solidFill>
-                <a:latin typeface="標楷體" panose="03000509000000000000" pitchFamily="65" charset="-120"/>
-                <a:ea typeface="標楷體" panose="03000509000000000000" pitchFamily="65" charset="-120"/>
-              </a:rPr>
-              <a:t>,</a:t>
-            </a:r>
-            <a:r>
-              <a:rPr lang="zh-TW" altLang="en-US" sz="2400" b="1" spc="-1" dirty="0">
-                <a:solidFill>
-                  <a:srgbClr val="002060"/>
-                </a:solidFill>
-                <a:latin typeface="標楷體" panose="03000509000000000000" pitchFamily="65" charset="-120"/>
-                <a:ea typeface="標楷體" panose="03000509000000000000" pitchFamily="65" charset="-120"/>
-              </a:rPr>
-              <a:t>不得 </a:t>
-            </a:r>
-            <a:r>
-              <a:rPr lang="en-US" altLang="zh-TW" sz="2400" b="1" spc="-1" dirty="0" smtClean="0">
-                <a:solidFill>
-                  <a:srgbClr val="002060"/>
-                </a:solidFill>
-                <a:latin typeface="標楷體" panose="03000509000000000000" pitchFamily="65" charset="-120"/>
-                <a:ea typeface="標楷體" panose="03000509000000000000" pitchFamily="65" charset="-120"/>
-              </a:rPr>
-              <a:t>Merge </a:t>
-            </a:r>
-            <a:r>
-              <a:rPr lang="zh-TW" altLang="en-US" sz="2400" b="1" spc="-1" dirty="0" smtClean="0">
-                <a:solidFill>
-                  <a:srgbClr val="002060"/>
-                </a:solidFill>
-                <a:latin typeface="標楷體" panose="03000509000000000000" pitchFamily="65" charset="-120"/>
-                <a:ea typeface="標楷體" panose="03000509000000000000" pitchFamily="65" charset="-120"/>
-              </a:rPr>
-              <a:t>至 </a:t>
-            </a:r>
-            <a:r>
-              <a:rPr lang="en-US" altLang="zh-TW" sz="2400" b="1" spc="-1" dirty="0" smtClean="0">
-                <a:solidFill>
-                  <a:srgbClr val="FF0000"/>
-                </a:solidFill>
-                <a:latin typeface="標楷體" panose="03000509000000000000" pitchFamily="65" charset="-120"/>
-                <a:ea typeface="標楷體" panose="03000509000000000000" pitchFamily="65" charset="-120"/>
-              </a:rPr>
-              <a:t>main</a:t>
-            </a:r>
-            <a:r>
-              <a:rPr lang="zh-TW" altLang="en-US" sz="2400" b="1" spc="-1" dirty="0" smtClean="0">
-                <a:solidFill>
-                  <a:srgbClr val="002060"/>
-                </a:solidFill>
-                <a:latin typeface="標楷體" panose="03000509000000000000" pitchFamily="65" charset="-120"/>
-                <a:ea typeface="標楷體" panose="03000509000000000000" pitchFamily="65" charset="-120"/>
-              </a:rPr>
-              <a:t> </a:t>
-            </a:r>
-            <a:r>
-              <a:rPr lang="en-US" altLang="zh-TW" sz="2400" b="1" spc="-1" dirty="0">
-                <a:solidFill>
-                  <a:srgbClr val="002060"/>
-                </a:solidFill>
-                <a:latin typeface="標楷體" panose="03000509000000000000" pitchFamily="65" charset="-120"/>
-                <a:ea typeface="標楷體" panose="03000509000000000000" pitchFamily="65" charset="-120"/>
-              </a:rPr>
-              <a:t>branch</a:t>
-            </a:r>
+              <a:rPr lang="zh-TW" altLang="en-US" sz="2400" spc="-1" dirty="0" smtClean="0">
+                <a:solidFill>
+                  <a:srgbClr val="002060"/>
+                </a:solidFill>
+                <a:latin typeface="標楷體" panose="03000509000000000000" pitchFamily="65" charset="-120"/>
+                <a:ea typeface="標楷體" panose="03000509000000000000" pitchFamily="65" charset="-120"/>
+              </a:rPr>
+              <a:t> 再次測試</a:t>
+            </a:r>
+            <a:endParaRPr lang="en-US" altLang="zh-TW" sz="2400" spc="-1" dirty="0">
+              <a:solidFill>
+                <a:srgbClr val="002060"/>
+              </a:solidFill>
+              <a:latin typeface="標楷體" panose="03000509000000000000" pitchFamily="65" charset="-120"/>
+              <a:ea typeface="標楷體" panose="03000509000000000000" pitchFamily="65" charset="-120"/>
+            </a:endParaRPr>
           </a:p>
           <a:p>
             <a:pPr>
@@ -20827,7 +25862,7 @@
         </p:nvSpPr>
         <p:spPr>
           <a:xfrm>
-            <a:off x="256737" y="2221181"/>
+            <a:off x="219784" y="1679084"/>
             <a:ext cx="987709" cy="593280"/>
           </a:xfrm>
           <a:prstGeom prst="roundRect">
@@ -20896,7 +25931,7 @@
         </p:nvSpPr>
         <p:spPr>
           <a:xfrm>
-            <a:off x="247737" y="2813021"/>
+            <a:off x="210784" y="2270924"/>
             <a:ext cx="996709" cy="196920"/>
           </a:xfrm>
           <a:prstGeom prst="roundRect">
@@ -20956,7 +25991,7 @@
         </p:nvSpPr>
         <p:spPr>
           <a:xfrm>
-            <a:off x="1369354" y="2421331"/>
+            <a:off x="1332401" y="1879234"/>
             <a:ext cx="632865" cy="345520"/>
           </a:xfrm>
           <a:prstGeom prst="roundRect">
@@ -21019,7 +26054,7 @@
         </p:nvSpPr>
         <p:spPr>
           <a:xfrm>
-            <a:off x="2136287" y="2221181"/>
+            <a:off x="2099334" y="1679084"/>
             <a:ext cx="987709" cy="593280"/>
           </a:xfrm>
           <a:prstGeom prst="roundRect">
@@ -21088,7 +26123,7 @@
         </p:nvSpPr>
         <p:spPr>
           <a:xfrm>
-            <a:off x="2127287" y="2813021"/>
+            <a:off x="2090334" y="2270924"/>
             <a:ext cx="996709" cy="196920"/>
           </a:xfrm>
           <a:prstGeom prst="roundRect">
@@ -21148,7 +26183,7 @@
         </p:nvSpPr>
         <p:spPr>
           <a:xfrm>
-            <a:off x="3258064" y="2421331"/>
+            <a:off x="3221111" y="1879234"/>
             <a:ext cx="632865" cy="345520"/>
           </a:xfrm>
           <a:prstGeom prst="roundRect">
@@ -21209,7 +26244,7 @@
         </p:nvSpPr>
         <p:spPr>
           <a:xfrm>
-            <a:off x="4059318" y="2221181"/>
+            <a:off x="4022365" y="1679084"/>
             <a:ext cx="987709" cy="593280"/>
           </a:xfrm>
           <a:prstGeom prst="roundRect">
@@ -21278,7 +26313,7 @@
         </p:nvSpPr>
         <p:spPr>
           <a:xfrm>
-            <a:off x="4050318" y="2813021"/>
+            <a:off x="4013365" y="2270924"/>
             <a:ext cx="996709" cy="196920"/>
           </a:xfrm>
           <a:prstGeom prst="roundRect">
@@ -21338,7 +26373,7 @@
         </p:nvSpPr>
         <p:spPr>
           <a:xfrm>
-            <a:off x="1263715" y="2767664"/>
+            <a:off x="1226762" y="2225567"/>
             <a:ext cx="844141" cy="287634"/>
           </a:xfrm>
           <a:prstGeom prst="rightArrow">
@@ -21391,7 +26426,7 @@
         </p:nvSpPr>
         <p:spPr>
           <a:xfrm>
-            <a:off x="5199190" y="2392791"/>
+            <a:off x="5162237" y="1850694"/>
             <a:ext cx="632865" cy="345520"/>
           </a:xfrm>
           <a:prstGeom prst="roundRect">
@@ -21452,7 +26487,7 @@
         </p:nvSpPr>
         <p:spPr>
           <a:xfrm>
-            <a:off x="5995825" y="2237185"/>
+            <a:off x="5958872" y="1695088"/>
             <a:ext cx="987709" cy="593280"/>
           </a:xfrm>
           <a:prstGeom prst="roundRect">
@@ -21521,7 +26556,7 @@
         </p:nvSpPr>
         <p:spPr>
           <a:xfrm>
-            <a:off x="5986825" y="2829025"/>
+            <a:off x="5949872" y="2286928"/>
             <a:ext cx="996709" cy="196920"/>
           </a:xfrm>
           <a:prstGeom prst="roundRect">
@@ -21581,7 +26616,7 @@
         </p:nvSpPr>
         <p:spPr>
           <a:xfrm>
-            <a:off x="3171696" y="2766851"/>
+            <a:off x="3134743" y="2224754"/>
             <a:ext cx="844141" cy="287634"/>
           </a:xfrm>
           <a:prstGeom prst="rightArrow">
@@ -21634,7 +26669,7 @@
         </p:nvSpPr>
         <p:spPr>
           <a:xfrm>
-            <a:off x="5093553" y="2738311"/>
+            <a:off x="5056600" y="2196214"/>
             <a:ext cx="844141" cy="287634"/>
           </a:xfrm>
           <a:prstGeom prst="rightArrow">
@@ -21687,7 +26722,7 @@
         </p:nvSpPr>
         <p:spPr>
           <a:xfrm>
-            <a:off x="7147302" y="1947333"/>
+            <a:off x="7110349" y="1827603"/>
             <a:ext cx="632865" cy="345520"/>
           </a:xfrm>
           <a:prstGeom prst="roundRect">
@@ -21695,12 +26730,6 @@
               <a:gd name="adj" fmla="val 16667"/>
             </a:avLst>
           </a:prstGeom>
-          <a:solidFill>
-            <a:schemeClr val="accent2">
-              <a:lumMod val="60000"/>
-              <a:lumOff val="40000"/>
-            </a:schemeClr>
-          </a:solidFill>
           <a:ln/>
         </p:spPr>
         <p:style>
@@ -21708,10 +26737,10 @@
             <a:schemeClr val="lt1"/>
           </a:lnRef>
           <a:fillRef idx="1">
-            <a:schemeClr val="accent2"/>
+            <a:schemeClr val="accent3"/>
           </a:fillRef>
           <a:effectRef idx="1">
-            <a:schemeClr val="accent2"/>
+            <a:schemeClr val="accent3"/>
           </a:effectRef>
           <a:fontRef idx="minor">
             <a:schemeClr val="lt1"/>
@@ -21754,7 +26783,7 @@
         </p:nvSpPr>
         <p:spPr>
           <a:xfrm>
-            <a:off x="7943937" y="2214094"/>
+            <a:off x="7906984" y="1671997"/>
             <a:ext cx="987709" cy="593280"/>
           </a:xfrm>
           <a:prstGeom prst="roundRect">
@@ -21823,7 +26852,7 @@
         </p:nvSpPr>
         <p:spPr>
           <a:xfrm>
-            <a:off x="7934937" y="2805934"/>
+            <a:off x="7897984" y="2263837"/>
             <a:ext cx="996709" cy="196920"/>
           </a:xfrm>
           <a:prstGeom prst="roundRect">
@@ -21877,329 +26906,14 @@
       </p:sp>
       <p:sp>
         <p:nvSpPr>
-          <p:cNvPr id="23" name="PlaceHolder 1"/>
-          <p:cNvSpPr txBox="1">
-            <a:spLocks/>
-          </p:cNvSpPr>
-          <p:nvPr/>
-        </p:nvSpPr>
-        <p:spPr>
-          <a:xfrm>
-            <a:off x="432458" y="1054218"/>
-            <a:ext cx="9152998" cy="517949"/>
-          </a:xfrm>
-          <a:prstGeom prst="rect">
-            <a:avLst/>
-          </a:prstGeom>
-          <a:noFill/>
-          <a:ln w="0">
-            <a:noFill/>
-          </a:ln>
-        </p:spPr>
-        <p:txBody>
-          <a:bodyPr lIns="100800" tIns="100800" rIns="100800" bIns="100800" anchor="ctr">
-            <a:noAutofit/>
-          </a:bodyPr>
-          <a:lstStyle>
-            <a:lvl1pPr algn="l" defTabSz="914400" rtl="0" eaLnBrk="1" latinLnBrk="0" hangingPunct="1">
-              <a:lnSpc>
-                <a:spcPct val="90000"/>
-              </a:lnSpc>
-              <a:spcBef>
-                <a:spcPct val="0"/>
-              </a:spcBef>
-              <a:buNone/>
-              <a:defRPr sz="4400" kern="1200">
-                <a:solidFill>
-                  <a:schemeClr val="tx1"/>
-                </a:solidFill>
-                <a:latin typeface="+mj-lt"/>
-                <a:ea typeface="+mj-ea"/>
-                <a:cs typeface="+mj-cs"/>
-              </a:defRPr>
-            </a:lvl1pPr>
-          </a:lstStyle>
-          <a:p>
-            <a:pPr>
-              <a:lnSpc>
-                <a:spcPct val="100000"/>
-              </a:lnSpc>
-              <a:tabLst>
-                <a:tab pos="0" algn="l"/>
-              </a:tabLst>
-            </a:pPr>
-            <a:r>
-              <a:rPr lang="zh-TW" altLang="en-US" sz="2400" spc="-1" dirty="0" smtClean="0">
-                <a:solidFill>
-                  <a:srgbClr val="002060"/>
-                </a:solidFill>
-                <a:latin typeface="標楷體" panose="03000509000000000000" pitchFamily="65" charset="-120"/>
-                <a:ea typeface="標楷體" panose="03000509000000000000" pitchFamily="65" charset="-120"/>
-              </a:rPr>
-              <a:t>情境二、</a:t>
-            </a:r>
-            <a:r>
-              <a:rPr lang="en-US" altLang="zh-TW" sz="2400" spc="-1" dirty="0" smtClean="0">
-                <a:solidFill>
-                  <a:srgbClr val="002060"/>
-                </a:solidFill>
-                <a:latin typeface="標楷體" panose="03000509000000000000" pitchFamily="65" charset="-120"/>
-                <a:ea typeface="標楷體" panose="03000509000000000000" pitchFamily="65" charset="-120"/>
-              </a:rPr>
-              <a:t>UAT </a:t>
-            </a:r>
-            <a:r>
-              <a:rPr lang="zh-TW" altLang="en-US" sz="2400" spc="-1" dirty="0" smtClean="0">
-                <a:solidFill>
-                  <a:srgbClr val="002060"/>
-                </a:solidFill>
-                <a:latin typeface="標楷體" panose="03000509000000000000" pitchFamily="65" charset="-120"/>
-                <a:ea typeface="標楷體" panose="03000509000000000000" pitchFamily="65" charset="-120"/>
-              </a:rPr>
-              <a:t>測試 </a:t>
-            </a:r>
-            <a:r>
-              <a:rPr lang="en-US" altLang="zh-TW" sz="2400" spc="-1" dirty="0" smtClean="0">
-                <a:solidFill>
-                  <a:srgbClr val="002060"/>
-                </a:solidFill>
-                <a:latin typeface="標楷體" panose="03000509000000000000" pitchFamily="65" charset="-120"/>
-                <a:ea typeface="標楷體" panose="03000509000000000000" pitchFamily="65" charset="-120"/>
-              </a:rPr>
-              <a:t>Issue</a:t>
-            </a:r>
-            <a:r>
-              <a:rPr lang="zh-TW" altLang="en-US" sz="2400" spc="-1" dirty="0" smtClean="0">
-                <a:solidFill>
-                  <a:srgbClr val="002060"/>
-                </a:solidFill>
-                <a:latin typeface="標楷體" panose="03000509000000000000" pitchFamily="65" charset="-120"/>
-                <a:ea typeface="標楷體" panose="03000509000000000000" pitchFamily="65" charset="-120"/>
-              </a:rPr>
-              <a:t> </a:t>
-            </a:r>
-            <a:r>
-              <a:rPr lang="en-US" altLang="zh-TW" sz="2400" spc="-1" dirty="0" smtClean="0">
-                <a:solidFill>
-                  <a:srgbClr val="002060"/>
-                </a:solidFill>
-                <a:latin typeface="標楷體" panose="03000509000000000000" pitchFamily="65" charset="-120"/>
-                <a:ea typeface="標楷體" panose="03000509000000000000" pitchFamily="65" charset="-120"/>
-              </a:rPr>
-              <a:t>A</a:t>
-            </a:r>
-            <a:r>
-              <a:rPr lang="zh-TW" altLang="en-US" sz="2400" spc="-1" dirty="0" smtClean="0">
-                <a:solidFill>
-                  <a:srgbClr val="002060"/>
-                </a:solidFill>
-                <a:latin typeface="標楷體" panose="03000509000000000000" pitchFamily="65" charset="-120"/>
-                <a:ea typeface="標楷體" panose="03000509000000000000" pitchFamily="65" charset="-120"/>
-              </a:rPr>
-              <a:t> </a:t>
-            </a:r>
-            <a:r>
-              <a:rPr lang="en-US" altLang="zh-TW" sz="2400" spc="-1" dirty="0" smtClean="0">
-                <a:solidFill>
-                  <a:srgbClr val="002060"/>
-                </a:solidFill>
-                <a:latin typeface="標楷體" panose="03000509000000000000" pitchFamily="65" charset="-120"/>
-                <a:ea typeface="標楷體" panose="03000509000000000000" pitchFamily="65" charset="-120"/>
-              </a:rPr>
-              <a:t>,</a:t>
-            </a:r>
-            <a:r>
-              <a:rPr lang="zh-TW" altLang="en-US" sz="2400" spc="-1" dirty="0" smtClean="0">
-                <a:solidFill>
-                  <a:srgbClr val="002060"/>
-                </a:solidFill>
-                <a:latin typeface="標楷體" panose="03000509000000000000" pitchFamily="65" charset="-120"/>
-                <a:ea typeface="標楷體" panose="03000509000000000000" pitchFamily="65" charset="-120"/>
-              </a:rPr>
-              <a:t> 開發 </a:t>
-            </a:r>
-            <a:r>
-              <a:rPr lang="en-US" altLang="zh-TW" sz="2400" spc="-1" dirty="0" smtClean="0">
-                <a:solidFill>
-                  <a:srgbClr val="002060"/>
-                </a:solidFill>
-                <a:latin typeface="標楷體" panose="03000509000000000000" pitchFamily="65" charset="-120"/>
-                <a:ea typeface="標楷體" panose="03000509000000000000" pitchFamily="65" charset="-120"/>
-              </a:rPr>
-              <a:t>Issue</a:t>
-            </a:r>
-            <a:r>
-              <a:rPr lang="zh-TW" altLang="en-US" sz="2400" spc="-1" dirty="0" smtClean="0">
-                <a:solidFill>
-                  <a:srgbClr val="002060"/>
-                </a:solidFill>
-                <a:latin typeface="標楷體" panose="03000509000000000000" pitchFamily="65" charset="-120"/>
-                <a:ea typeface="標楷體" panose="03000509000000000000" pitchFamily="65" charset="-120"/>
-              </a:rPr>
-              <a:t> </a:t>
-            </a:r>
-            <a:r>
-              <a:rPr lang="en-US" altLang="zh-TW" sz="2400" spc="-1" dirty="0" smtClean="0">
-                <a:solidFill>
-                  <a:srgbClr val="002060"/>
-                </a:solidFill>
-                <a:latin typeface="標楷體" panose="03000509000000000000" pitchFamily="65" charset="-120"/>
-                <a:ea typeface="標楷體" panose="03000509000000000000" pitchFamily="65" charset="-120"/>
-              </a:rPr>
-              <a:t>B</a:t>
-            </a:r>
-            <a:r>
-              <a:rPr lang="zh-TW" altLang="en-US" sz="2400" spc="-1" dirty="0" smtClean="0">
-                <a:solidFill>
-                  <a:srgbClr val="002060"/>
-                </a:solidFill>
-                <a:latin typeface="標楷體" panose="03000509000000000000" pitchFamily="65" charset="-120"/>
-                <a:ea typeface="標楷體" panose="03000509000000000000" pitchFamily="65" charset="-120"/>
-              </a:rPr>
-              <a:t> 正常流程</a:t>
-            </a:r>
-            <a:endParaRPr lang="zh-TW" altLang="en-US" sz="2400" spc="-1" dirty="0">
-              <a:solidFill>
-                <a:srgbClr val="000000"/>
-              </a:solidFill>
-              <a:latin typeface="標楷體" panose="03000509000000000000" pitchFamily="65" charset="-120"/>
-              <a:ea typeface="標楷體" panose="03000509000000000000" pitchFamily="65" charset="-120"/>
-            </a:endParaRPr>
-          </a:p>
-        </p:txBody>
-      </p:sp>
-      <p:sp>
-        <p:nvSpPr>
-          <p:cNvPr id="2" name="禁止標誌 1"/>
+          <p:cNvPr id="22" name="向右箭號 3"/>
           <p:cNvSpPr/>
           <p:nvPr/>
         </p:nvSpPr>
         <p:spPr>
           <a:xfrm>
-            <a:off x="7104097" y="2385704"/>
-            <a:ext cx="701278" cy="624767"/>
-          </a:xfrm>
-          <a:prstGeom prst="noSmoking">
-            <a:avLst/>
-          </a:prstGeom>
-          <a:solidFill>
-            <a:srgbClr val="FF0000"/>
-          </a:solidFill>
-        </p:spPr>
-        <p:style>
-          <a:lnRef idx="2">
-            <a:schemeClr val="accent2">
-              <a:shade val="50000"/>
-            </a:schemeClr>
-          </a:lnRef>
-          <a:fillRef idx="1">
-            <a:schemeClr val="accent2"/>
-          </a:fillRef>
-          <a:effectRef idx="0">
-            <a:schemeClr val="accent2"/>
-          </a:effectRef>
-          <a:fontRef idx="minor">
-            <a:schemeClr val="lt1"/>
-          </a:fontRef>
-        </p:style>
-        <p:txBody>
-          <a:bodyPr rtlCol="0" anchor="ctr"/>
-          <a:lstStyle/>
-          <a:p>
-            <a:pPr algn="ctr"/>
-            <a:endParaRPr lang="zh-TW" altLang="en-US">
-              <a:ln w="0"/>
-              <a:solidFill>
-                <a:schemeClr val="accent1"/>
-              </a:solidFill>
-              <a:effectLst>
-                <a:outerShdw blurRad="38100" dist="25400" dir="5400000" algn="ctr" rotWithShape="0">
-                  <a:srgbClr val="6E747A">
-                    <a:alpha val="43000"/>
-                  </a:srgbClr>
-                </a:outerShdw>
-              </a:effectLst>
-            </a:endParaRPr>
-          </a:p>
-        </p:txBody>
-      </p:sp>
-      <p:sp>
-        <p:nvSpPr>
-          <p:cNvPr id="26" name="圓角矩形 1"/>
-          <p:cNvSpPr/>
-          <p:nvPr/>
-        </p:nvSpPr>
-        <p:spPr>
-          <a:xfrm>
-            <a:off x="9276495" y="2586182"/>
-            <a:ext cx="632865" cy="414104"/>
-          </a:xfrm>
-          <a:prstGeom prst="roundRect">
-            <a:avLst>
-              <a:gd name="adj" fmla="val 16667"/>
-            </a:avLst>
-          </a:prstGeom>
-          <a:solidFill>
-            <a:schemeClr val="accent4">
-              <a:lumMod val="60000"/>
-              <a:lumOff val="40000"/>
-            </a:schemeClr>
-          </a:solidFill>
-          <a:ln/>
-        </p:spPr>
-        <p:style>
-          <a:lnRef idx="3">
-            <a:schemeClr val="lt1"/>
-          </a:lnRef>
-          <a:fillRef idx="1">
-            <a:schemeClr val="accent1"/>
-          </a:fillRef>
-          <a:effectRef idx="1">
-            <a:schemeClr val="accent1"/>
-          </a:effectRef>
-          <a:fontRef idx="minor">
-            <a:schemeClr val="lt1"/>
-          </a:fontRef>
-        </p:style>
-        <p:txBody>
-          <a:bodyPr lIns="90000" tIns="45000" rIns="90000" bIns="45000" anchor="ctr">
-            <a:noAutofit/>
-          </a:bodyPr>
-          <a:lstStyle/>
-          <a:p>
-            <a:pPr algn="ctr" defTabSz="914400">
-              <a:lnSpc>
-                <a:spcPct val="100000"/>
-              </a:lnSpc>
-            </a:pPr>
-            <a:r>
-              <a:rPr lang="en-US" altLang="zh-TW" sz="1400" b="0" strike="noStrike" spc="-1" dirty="0" smtClean="0">
-                <a:solidFill>
-                  <a:schemeClr val="dk1"/>
-                </a:solidFill>
-                <a:latin typeface="Arial"/>
-              </a:rPr>
-              <a:t>UAT</a:t>
-            </a:r>
-            <a:endParaRPr lang="en-US" sz="1400" b="0" strike="noStrike" spc="-1" dirty="0">
-              <a:solidFill>
-                <a:srgbClr val="000000"/>
-              </a:solidFill>
-              <a:latin typeface="Arial"/>
-            </a:endParaRPr>
-          </a:p>
-        </p:txBody>
-      </p:sp>
-      <p:sp>
-        <p:nvSpPr>
-          <p:cNvPr id="27" name="向右箭號 3"/>
-          <p:cNvSpPr/>
-          <p:nvPr/>
-        </p:nvSpPr>
-        <p:spPr>
-          <a:xfrm>
-            <a:off x="8962063" y="2735510"/>
-            <a:ext cx="256301" cy="257670"/>
+            <a:off x="7004712" y="2173123"/>
+            <a:ext cx="844141" cy="287634"/>
           </a:xfrm>
           <a:prstGeom prst="rightArrow">
             <a:avLst>
@@ -22245,190 +26959,7 @@
       </p:sp>
       <p:sp>
         <p:nvSpPr>
-          <p:cNvPr id="28" name="圓角矩形 1"/>
-          <p:cNvSpPr/>
-          <p:nvPr/>
-        </p:nvSpPr>
-        <p:spPr>
-          <a:xfrm>
-            <a:off x="9276495" y="2214094"/>
-            <a:ext cx="632865" cy="383559"/>
-          </a:xfrm>
-          <a:prstGeom prst="roundRect">
-            <a:avLst>
-              <a:gd name="adj" fmla="val 16667"/>
-            </a:avLst>
-          </a:prstGeom>
-          <a:ln/>
-        </p:spPr>
-        <p:style>
-          <a:lnRef idx="3">
-            <a:schemeClr val="lt1"/>
-          </a:lnRef>
-          <a:fillRef idx="1">
-            <a:schemeClr val="accent5"/>
-          </a:fillRef>
-          <a:effectRef idx="1">
-            <a:schemeClr val="accent5"/>
-          </a:effectRef>
-          <a:fontRef idx="minor">
-            <a:schemeClr val="lt1"/>
-          </a:fontRef>
-        </p:style>
-        <p:txBody>
-          <a:bodyPr lIns="90000" tIns="45000" rIns="90000" bIns="45000" anchor="ctr">
-            <a:noAutofit/>
-          </a:bodyPr>
-          <a:lstStyle/>
-          <a:p>
-            <a:pPr algn="ctr" defTabSz="914400">
-              <a:lnSpc>
-                <a:spcPct val="100000"/>
-              </a:lnSpc>
-            </a:pPr>
-            <a:r>
-              <a:rPr lang="en-US" altLang="zh-TW" sz="1400" b="0" strike="noStrike" spc="-1" dirty="0" smtClean="0">
-                <a:solidFill>
-                  <a:schemeClr val="dk1"/>
-                </a:solidFill>
-                <a:latin typeface="Arial"/>
-              </a:rPr>
-              <a:t>A</a:t>
-            </a:r>
-            <a:endParaRPr lang="en-US" sz="1400" b="0" strike="noStrike" spc="-1" dirty="0">
-              <a:solidFill>
-                <a:srgbClr val="000000"/>
-              </a:solidFill>
-              <a:latin typeface="Arial"/>
-            </a:endParaRPr>
-          </a:p>
-        </p:txBody>
-      </p:sp>
-    </p:spTree>
-    <p:extLst>
-      <p:ext uri="{BB962C8B-B14F-4D97-AF65-F5344CB8AC3E}">
-        <p14:creationId xmlns:p14="http://schemas.microsoft.com/office/powerpoint/2010/main" val="4167953904"/>
-      </p:ext>
-    </p:extLst>
-  </p:cSld>
-  <p:clrMapOvr>
-    <a:masterClrMapping/>
-  </p:clrMapOvr>
-  <mc:AlternateContent xmlns:mc="http://schemas.openxmlformats.org/markup-compatibility/2006" xmlns:p14="http://schemas.microsoft.com/office/powerpoint/2010/main">
-    <mc:Choice Requires="p14">
-      <p:transition spd="slow" p14:dur="2000"/>
-    </mc:Choice>
-    <mc:Fallback xmlns:p15="http://schemas.microsoft.com/office/powerpoint/2012/main" xmlns="">
-      <p:transition spd="slow"/>
-    </mc:Fallback>
-  </mc:AlternateContent>
-  <p:timing>
-    <p:tnLst>
-      <p:par>
-        <p:cTn id="1" dur="indefinite" restart="never" nodeType="tmRoot"/>
-      </p:par>
-    </p:tnLst>
-  </p:timing>
-</p:sld>
-</file>
-
-<file path=ppt/slides/slide4.xml><?xml version="1.0" encoding="utf-8"?>
-<p:sld xmlns:a="http://schemas.openxmlformats.org/drawingml/2006/main" xmlns:r="http://schemas.openxmlformats.org/officeDocument/2006/relationships" xmlns:p="http://schemas.openxmlformats.org/presentationml/2006/main">
-  <p:cSld>
-    <p:spTree>
-      <p:nvGrpSpPr>
-        <p:cNvPr id="1" name=""/>
-        <p:cNvGrpSpPr/>
-        <p:nvPr/>
-      </p:nvGrpSpPr>
-      <p:grpSpPr>
-        <a:xfrm>
-          <a:off x="0" y="0"/>
-          <a:ext cx="0" cy="0"/>
-          <a:chOff x="0" y="0"/>
-          <a:chExt cx="0" cy="0"/>
-        </a:xfrm>
-      </p:grpSpPr>
-      <p:sp>
-        <p:nvSpPr>
-          <p:cNvPr id="58" name="PlaceHolder 1"/>
-          <p:cNvSpPr>
-            <a:spLocks noGrp="1"/>
-          </p:cNvSpPr>
-          <p:nvPr>
-            <p:ph type="title" idx="4294967295"/>
-          </p:nvPr>
-        </p:nvSpPr>
-        <p:spPr>
-          <a:xfrm>
-            <a:off x="1331640" y="71640"/>
-            <a:ext cx="7281720" cy="723960"/>
-          </a:xfrm>
-          <a:prstGeom prst="rect">
-            <a:avLst/>
-          </a:prstGeom>
-          <a:noFill/>
-          <a:ln w="0">
-            <a:noFill/>
-          </a:ln>
-        </p:spPr>
-        <p:txBody>
-          <a:bodyPr lIns="100800" tIns="100800" rIns="100800" bIns="100800" anchor="ctr">
-            <a:noAutofit/>
-          </a:bodyPr>
-          <a:lstStyle/>
-          <a:p>
-            <a:pPr indent="0" algn="ctr" defTabSz="914400">
-              <a:lnSpc>
-                <a:spcPct val="100000"/>
-              </a:lnSpc>
-              <a:buNone/>
-              <a:tabLst>
-                <a:tab pos="0" algn="l"/>
-              </a:tabLst>
-            </a:pPr>
-            <a:r>
-              <a:rPr lang="en-US" sz="3600" b="1" strike="noStrike" spc="-1" dirty="0" err="1" smtClean="0">
-                <a:solidFill>
-                  <a:srgbClr val="002060"/>
-                </a:solidFill>
-                <a:latin typeface="微軟正黑體"/>
-                <a:ea typeface="微軟正黑體"/>
-              </a:rPr>
-              <a:t>Gitlab</a:t>
-            </a:r>
-            <a:r>
-              <a:rPr lang="en-US" altLang="zh-TW" sz="3600" b="1" strike="noStrike" spc="-1" dirty="0" smtClean="0">
-                <a:solidFill>
-                  <a:srgbClr val="002060"/>
-                </a:solidFill>
-                <a:latin typeface="微軟正黑體"/>
-                <a:ea typeface="微軟正黑體"/>
-              </a:rPr>
-              <a:t> </a:t>
-            </a:r>
-            <a:r>
-              <a:rPr lang="zh-TW" altLang="en-US" sz="3600" b="1" strike="noStrike" spc="-1" dirty="0" smtClean="0">
-                <a:solidFill>
-                  <a:srgbClr val="002060"/>
-                </a:solidFill>
-                <a:latin typeface="微軟正黑體"/>
-                <a:ea typeface="微軟正黑體"/>
-              </a:rPr>
-              <a:t>情境三</a:t>
-            </a:r>
-            <a:endParaRPr lang="en-US" sz="3600" b="1" strike="noStrike" spc="-1" dirty="0">
-              <a:solidFill>
-                <a:srgbClr val="000000"/>
-              </a:solidFill>
-              <a:latin typeface="Arial"/>
-            </a:endParaRPr>
-          </a:p>
-        </p:txBody>
-      </p:sp>
-      <p:sp>
-        <p:nvSpPr>
-          <p:cNvPr id="6" name="PlaceHolder 1"/>
+          <p:cNvPr id="23" name="PlaceHolder 1"/>
           <p:cNvSpPr txBox="1">
             <a:spLocks/>
           </p:cNvSpPr>
@@ -22436,8 +26967,8 @@
         </p:nvSpPr>
         <p:spPr>
           <a:xfrm>
-            <a:off x="432457" y="4377575"/>
-            <a:ext cx="9358325" cy="1690716"/>
+            <a:off x="432457" y="961858"/>
+            <a:ext cx="8850087" cy="621448"/>
           </a:xfrm>
           <a:prstGeom prst="rect">
             <a:avLst/>
@@ -22479,53 +27010,6 @@
                 <a:tab pos="0" algn="l"/>
               </a:tabLst>
             </a:pPr>
-            <a:endParaRPr lang="en-US" altLang="zh-TW" sz="2400" spc="-1" dirty="0">
-              <a:solidFill>
-                <a:srgbClr val="002060"/>
-              </a:solidFill>
-              <a:latin typeface="標楷體" panose="03000509000000000000" pitchFamily="65" charset="-120"/>
-              <a:ea typeface="標楷體" panose="03000509000000000000" pitchFamily="65" charset="-120"/>
-            </a:endParaRPr>
-          </a:p>
-          <a:p>
-            <a:pPr>
-              <a:lnSpc>
-                <a:spcPct val="100000"/>
-              </a:lnSpc>
-              <a:tabLst>
-                <a:tab pos="0" algn="l"/>
-              </a:tabLst>
-            </a:pPr>
-            <a:r>
-              <a:rPr lang="zh-TW" altLang="en-US" sz="2400" b="1" spc="-1" dirty="0">
-                <a:solidFill>
-                  <a:srgbClr val="002060"/>
-                </a:solidFill>
-                <a:latin typeface="標楷體" panose="03000509000000000000" pitchFamily="65" charset="-120"/>
-                <a:ea typeface="標楷體" panose="03000509000000000000" pitchFamily="65" charset="-120"/>
-              </a:rPr>
-              <a:t>情境細節</a:t>
-            </a:r>
-            <a:r>
-              <a:rPr lang="en-US" altLang="zh-TW" sz="2400" b="1" spc="-1" dirty="0">
-                <a:solidFill>
-                  <a:srgbClr val="002060"/>
-                </a:solidFill>
-                <a:latin typeface="標楷體" panose="03000509000000000000" pitchFamily="65" charset="-120"/>
-                <a:ea typeface="標楷體" panose="03000509000000000000" pitchFamily="65" charset="-120"/>
-              </a:rPr>
-              <a:t>:</a:t>
-            </a:r>
-          </a:p>
-          <a:p>
-            <a:pPr>
-              <a:lnSpc>
-                <a:spcPct val="100000"/>
-              </a:lnSpc>
-              <a:tabLst>
-                <a:tab pos="0" algn="l"/>
-              </a:tabLst>
-            </a:pPr>
             <a:r>
               <a:rPr lang="zh-TW" altLang="en-US" sz="2400" spc="-1" dirty="0" smtClean="0">
                 <a:solidFill>
@@ -22534,7 +27018,7 @@
                 <a:latin typeface="標楷體" panose="03000509000000000000" pitchFamily="65" charset="-120"/>
                 <a:ea typeface="標楷體" panose="03000509000000000000" pitchFamily="65" charset="-120"/>
               </a:rPr>
-              <a:t>退回 </a:t>
+              <a:t>情境三、</a:t>
             </a:r>
             <a:r>
               <a:rPr lang="en-US" altLang="zh-TW" sz="2400" spc="-1" dirty="0" smtClean="0">
@@ -22544,7 +27028,7 @@
                 <a:latin typeface="標楷體" panose="03000509000000000000" pitchFamily="65" charset="-120"/>
                 <a:ea typeface="標楷體" panose="03000509000000000000" pitchFamily="65" charset="-120"/>
               </a:rPr>
-              <a:t>&gt;</a:t>
+              <a:t>UAT</a:t>
             </a:r>
             <a:r>
               <a:rPr lang="zh-TW" altLang="en-US" sz="2400" spc="-1" dirty="0" smtClean="0">
@@ -22554,7 +27038,7 @@
                 <a:latin typeface="標楷體" panose="03000509000000000000" pitchFamily="65" charset="-120"/>
                 <a:ea typeface="標楷體" panose="03000509000000000000" pitchFamily="65" charset="-120"/>
               </a:rPr>
-              <a:t> </a:t>
+              <a:t> 測試的 </a:t>
             </a:r>
             <a:r>
               <a:rPr lang="en-US" altLang="zh-TW" sz="2400" spc="-1" dirty="0" smtClean="0">
@@ -22564,27 +27048,7 @@
                 <a:latin typeface="標楷體" panose="03000509000000000000" pitchFamily="65" charset="-120"/>
                 <a:ea typeface="標楷體" panose="03000509000000000000" pitchFamily="65" charset="-120"/>
               </a:rPr>
-              <a:t>Pull </a:t>
-            </a:r>
-            <a:r>
-              <a:rPr lang="en-US" altLang="zh-TW" sz="2400" spc="-1" dirty="0">
-                <a:solidFill>
-                  <a:srgbClr val="FF0000"/>
-                </a:solidFill>
-                <a:latin typeface="標楷體" panose="03000509000000000000" pitchFamily="65" charset="-120"/>
-                <a:ea typeface="標楷體" panose="03000509000000000000" pitchFamily="65" charset="-120"/>
-              </a:rPr>
-              <a:t>main</a:t>
-            </a:r>
-            <a:r>
-              <a:rPr lang="en-US" altLang="zh-TW" sz="2400" spc="-1" dirty="0">
-                <a:solidFill>
-                  <a:srgbClr val="002060"/>
-                </a:solidFill>
-                <a:latin typeface="標楷體" panose="03000509000000000000" pitchFamily="65" charset="-120"/>
-                <a:ea typeface="標楷體" panose="03000509000000000000" pitchFamily="65" charset="-120"/>
-              </a:rPr>
-              <a:t> branch &gt; </a:t>
+              <a:t>A</a:t>
             </a:r>
             <a:r>
               <a:rPr lang="zh-TW" altLang="en-US" sz="2400" spc="-1" dirty="0" smtClean="0">
@@ -22594,244 +27058,17 @@
                 <a:latin typeface="標楷體" panose="03000509000000000000" pitchFamily="65" charset="-120"/>
                 <a:ea typeface="標楷體" panose="03000509000000000000" pitchFamily="65" charset="-120"/>
               </a:rPr>
-              <a:t>調整 </a:t>
-            </a:r>
-            <a:r>
-              <a:rPr lang="en-US" altLang="zh-TW" sz="2400" spc="-1" dirty="0">
-                <a:solidFill>
-                  <a:srgbClr val="002060"/>
-                </a:solidFill>
-                <a:latin typeface="標楷體" panose="03000509000000000000" pitchFamily="65" charset="-120"/>
-                <a:ea typeface="標楷體" panose="03000509000000000000" pitchFamily="65" charset="-120"/>
-              </a:rPr>
-              <a:t>A </a:t>
-            </a:r>
-            <a:r>
-              <a:rPr lang="zh-TW" altLang="en-US" sz="2400" spc="-1" dirty="0">
-                <a:solidFill>
-                  <a:srgbClr val="002060"/>
-                </a:solidFill>
-                <a:latin typeface="標楷體" panose="03000509000000000000" pitchFamily="65" charset="-120"/>
-                <a:ea typeface="標楷體" panose="03000509000000000000" pitchFamily="65" charset="-120"/>
-              </a:rPr>
-              <a:t>版本 </a:t>
-            </a:r>
-            <a:r>
-              <a:rPr lang="en-US" altLang="zh-TW" sz="2400" spc="-1" dirty="0">
-                <a:solidFill>
-                  <a:srgbClr val="002060"/>
-                </a:solidFill>
-                <a:latin typeface="標楷體" panose="03000509000000000000" pitchFamily="65" charset="-120"/>
-                <a:ea typeface="標楷體" panose="03000509000000000000" pitchFamily="65" charset="-120"/>
-              </a:rPr>
-              <a:t>&gt;</a:t>
-            </a:r>
-            <a:r>
-              <a:rPr lang="zh-TW" altLang="en-US" sz="2400" spc="-1" dirty="0">
-                <a:solidFill>
-                  <a:srgbClr val="002060"/>
-                </a:solidFill>
-                <a:latin typeface="標楷體" panose="03000509000000000000" pitchFamily="65" charset="-120"/>
-                <a:ea typeface="標楷體" panose="03000509000000000000" pitchFamily="65" charset="-120"/>
-              </a:rPr>
-              <a:t> </a:t>
-            </a:r>
-            <a:r>
-              <a:rPr lang="en-US" altLang="zh-TW" sz="2400" spc="-1" dirty="0">
-                <a:solidFill>
-                  <a:srgbClr val="002060"/>
-                </a:solidFill>
-                <a:latin typeface="標楷體" panose="03000509000000000000" pitchFamily="65" charset="-120"/>
-                <a:ea typeface="標楷體" panose="03000509000000000000" pitchFamily="65" charset="-120"/>
-              </a:rPr>
-              <a:t>Push </a:t>
-            </a:r>
-            <a:r>
-              <a:rPr lang="en-US" altLang="zh-TW" sz="2400" spc="-1" dirty="0">
-                <a:solidFill>
-                  <a:srgbClr val="FF0000"/>
-                </a:solidFill>
-                <a:latin typeface="標楷體" panose="03000509000000000000" pitchFamily="65" charset="-120"/>
-                <a:ea typeface="標楷體" panose="03000509000000000000" pitchFamily="65" charset="-120"/>
-              </a:rPr>
-              <a:t>Issue </a:t>
+              <a:t> 版本測試不通過</a:t>
             </a:r>
             <a:r>
               <a:rPr lang="en-US" altLang="zh-TW" sz="2400" spc="-1" dirty="0" smtClean="0">
                 <a:solidFill>
-                  <a:srgbClr val="FF0000"/>
-                </a:solidFill>
-                <a:latin typeface="標楷體" panose="03000509000000000000" pitchFamily="65" charset="-120"/>
-                <a:ea typeface="標楷體" panose="03000509000000000000" pitchFamily="65" charset="-120"/>
-              </a:rPr>
-              <a:t>A</a:t>
-            </a:r>
-            <a:r>
-              <a:rPr lang="en-US" altLang="zh-TW" sz="2400" spc="-1" dirty="0" smtClean="0">
-                <a:solidFill>
-                  <a:srgbClr val="002060"/>
-                </a:solidFill>
-                <a:latin typeface="標楷體" panose="03000509000000000000" pitchFamily="65" charset="-120"/>
-                <a:ea typeface="標楷體" panose="03000509000000000000" pitchFamily="65" charset="-120"/>
-              </a:rPr>
-              <a:t> </a:t>
-            </a:r>
-            <a:r>
-              <a:rPr lang="en-US" altLang="zh-TW" sz="2400" spc="-1" dirty="0">
-                <a:solidFill>
-                  <a:srgbClr val="002060"/>
-                </a:solidFill>
-                <a:latin typeface="標楷體" panose="03000509000000000000" pitchFamily="65" charset="-120"/>
-                <a:ea typeface="標楷體" panose="03000509000000000000" pitchFamily="65" charset="-120"/>
-              </a:rPr>
-              <a:t>branch </a:t>
-            </a:r>
-          </a:p>
-          <a:p>
-            <a:pPr>
-              <a:lnSpc>
-                <a:spcPct val="100000"/>
-              </a:lnSpc>
-              <a:tabLst>
-                <a:tab pos="0" algn="l"/>
-              </a:tabLst>
-            </a:pPr>
-            <a:r>
-              <a:rPr lang="en-US" altLang="zh-TW" sz="2400" spc="-1" dirty="0">
-                <a:solidFill>
-                  <a:srgbClr val="002060"/>
-                </a:solidFill>
-                <a:latin typeface="標楷體" panose="03000509000000000000" pitchFamily="65" charset="-120"/>
-                <a:ea typeface="標楷體" panose="03000509000000000000" pitchFamily="65" charset="-120"/>
-              </a:rPr>
-              <a:t>&gt; Merge </a:t>
-            </a:r>
-            <a:r>
-              <a:rPr lang="en-US" altLang="zh-TW" sz="2400" spc="-1" dirty="0">
-                <a:solidFill>
-                  <a:srgbClr val="FF0000"/>
-                </a:solidFill>
-                <a:latin typeface="標楷體" panose="03000509000000000000" pitchFamily="65" charset="-120"/>
-                <a:ea typeface="標楷體" panose="03000509000000000000" pitchFamily="65" charset="-120"/>
-              </a:rPr>
-              <a:t>Issue </a:t>
-            </a:r>
-            <a:r>
-              <a:rPr lang="en-US" altLang="zh-TW" sz="2400" spc="-1" dirty="0" smtClean="0">
-                <a:solidFill>
-                  <a:srgbClr val="FF0000"/>
-                </a:solidFill>
-                <a:latin typeface="標楷體" panose="03000509000000000000" pitchFamily="65" charset="-120"/>
-                <a:ea typeface="標楷體" panose="03000509000000000000" pitchFamily="65" charset="-120"/>
-              </a:rPr>
-              <a:t>A</a:t>
-            </a:r>
-            <a:r>
-              <a:rPr lang="en-US" altLang="zh-TW" sz="2400" spc="-1" dirty="0" smtClean="0">
-                <a:solidFill>
-                  <a:srgbClr val="002060"/>
-                </a:solidFill>
-                <a:latin typeface="標楷體" panose="03000509000000000000" pitchFamily="65" charset="-120"/>
-                <a:ea typeface="標楷體" panose="03000509000000000000" pitchFamily="65" charset="-120"/>
-              </a:rPr>
-              <a:t> </a:t>
-            </a:r>
-            <a:r>
-              <a:rPr lang="en-US" altLang="zh-TW" sz="2400" spc="-1" dirty="0">
-                <a:solidFill>
-                  <a:srgbClr val="002060"/>
-                </a:solidFill>
-                <a:latin typeface="標楷體" panose="03000509000000000000" pitchFamily="65" charset="-120"/>
-                <a:ea typeface="標楷體" panose="03000509000000000000" pitchFamily="65" charset="-120"/>
-              </a:rPr>
-              <a:t>branch</a:t>
-            </a:r>
-            <a:r>
-              <a:rPr lang="zh-TW" altLang="en-US" sz="2400" spc="-1" dirty="0">
-                <a:solidFill>
-                  <a:srgbClr val="002060"/>
-                </a:solidFill>
-                <a:latin typeface="標楷體" panose="03000509000000000000" pitchFamily="65" charset="-120"/>
-                <a:ea typeface="標楷體" panose="03000509000000000000" pitchFamily="65" charset="-120"/>
-              </a:rPr>
-              <a:t> 至 </a:t>
-            </a:r>
-            <a:r>
-              <a:rPr lang="en-US" altLang="zh-TW" sz="2400" spc="-1" dirty="0">
-                <a:solidFill>
-                  <a:srgbClr val="FF0000"/>
-                </a:solidFill>
-                <a:latin typeface="標楷體" panose="03000509000000000000" pitchFamily="65" charset="-120"/>
-                <a:ea typeface="標楷體" panose="03000509000000000000" pitchFamily="65" charset="-120"/>
-              </a:rPr>
-              <a:t>dev</a:t>
-            </a:r>
-            <a:r>
-              <a:rPr lang="en-US" altLang="zh-TW" sz="2400" spc="-1" dirty="0">
-                <a:solidFill>
-                  <a:srgbClr val="002060"/>
-                </a:solidFill>
-                <a:latin typeface="標楷體" panose="03000509000000000000" pitchFamily="65" charset="-120"/>
-                <a:ea typeface="標楷體" panose="03000509000000000000" pitchFamily="65" charset="-120"/>
-              </a:rPr>
-              <a:t> branch </a:t>
-            </a:r>
-            <a:r>
-              <a:rPr lang="zh-TW" altLang="en-US" sz="2400" spc="-1" dirty="0">
-                <a:solidFill>
-                  <a:srgbClr val="002060"/>
-                </a:solidFill>
-                <a:latin typeface="標楷體" panose="03000509000000000000" pitchFamily="65" charset="-120"/>
-                <a:ea typeface="標楷體" panose="03000509000000000000" pitchFamily="65" charset="-120"/>
-              </a:rPr>
-              <a:t>進行 </a:t>
-            </a:r>
-            <a:r>
-              <a:rPr lang="en-US" altLang="zh-TW" sz="2400" spc="-1" dirty="0">
-                <a:solidFill>
-                  <a:srgbClr val="002060"/>
-                </a:solidFill>
-                <a:latin typeface="標楷體" panose="03000509000000000000" pitchFamily="65" charset="-120"/>
-                <a:ea typeface="標楷體" panose="03000509000000000000" pitchFamily="65" charset="-120"/>
-              </a:rPr>
-              <a:t>SIT</a:t>
-            </a:r>
-            <a:r>
-              <a:rPr lang="zh-TW" altLang="en-US" sz="2400" spc="-1" dirty="0">
-                <a:solidFill>
-                  <a:srgbClr val="002060"/>
-                </a:solidFill>
-                <a:latin typeface="標楷體" panose="03000509000000000000" pitchFamily="65" charset="-120"/>
-                <a:ea typeface="標楷體" panose="03000509000000000000" pitchFamily="65" charset="-120"/>
-              </a:rPr>
-              <a:t> 測試</a:t>
-            </a:r>
-            <a:endParaRPr lang="en-US" altLang="zh-TW" sz="2400" spc="-1" dirty="0">
-              <a:solidFill>
-                <a:srgbClr val="002060"/>
-              </a:solidFill>
-              <a:latin typeface="標楷體" panose="03000509000000000000" pitchFamily="65" charset="-120"/>
-              <a:ea typeface="標楷體" panose="03000509000000000000" pitchFamily="65" charset="-120"/>
-            </a:endParaRPr>
-          </a:p>
-          <a:p>
-            <a:pPr>
-              <a:lnSpc>
-                <a:spcPct val="100000"/>
-              </a:lnSpc>
-              <a:tabLst>
-                <a:tab pos="0" algn="l"/>
-              </a:tabLst>
-            </a:pPr>
-            <a:r>
-              <a:rPr lang="en-US" altLang="zh-TW" sz="2400" spc="-1" dirty="0" smtClean="0">
-                <a:solidFill>
-                  <a:srgbClr val="002060"/>
-                </a:solidFill>
-                <a:latin typeface="標楷體" panose="03000509000000000000" pitchFamily="65" charset="-120"/>
-                <a:ea typeface="標楷體" panose="03000509000000000000" pitchFamily="65" charset="-120"/>
-              </a:rPr>
-              <a:t>&gt;</a:t>
+                  <a:srgbClr val="002060"/>
+                </a:solidFill>
+                <a:latin typeface="標楷體" panose="03000509000000000000" pitchFamily="65" charset="-120"/>
+                <a:ea typeface="標楷體" panose="03000509000000000000" pitchFamily="65" charset="-120"/>
+              </a:rPr>
+              <a:t>,</a:t>
             </a:r>
             <a:r>
               <a:rPr lang="zh-TW" altLang="en-US" sz="2400" spc="-1" dirty="0" smtClean="0">
@@ -22841,132 +27078,8 @@
                 <a:latin typeface="標楷體" panose="03000509000000000000" pitchFamily="65" charset="-120"/>
                 <a:ea typeface="標楷體" panose="03000509000000000000" pitchFamily="65" charset="-120"/>
               </a:rPr>
-              <a:t> </a:t>
-            </a:r>
-            <a:r>
-              <a:rPr lang="en-US" altLang="zh-TW" sz="2400" spc="-1" dirty="0">
-                <a:solidFill>
-                  <a:srgbClr val="002060"/>
-                </a:solidFill>
-                <a:latin typeface="標楷體" panose="03000509000000000000" pitchFamily="65" charset="-120"/>
-                <a:ea typeface="標楷體" panose="03000509000000000000" pitchFamily="65" charset="-120"/>
-              </a:rPr>
-              <a:t>Merge </a:t>
-            </a:r>
-            <a:r>
-              <a:rPr lang="en-US" altLang="zh-TW" sz="2400" spc="-1" dirty="0">
-                <a:solidFill>
-                  <a:srgbClr val="FF0000"/>
-                </a:solidFill>
-                <a:latin typeface="標楷體" panose="03000509000000000000" pitchFamily="65" charset="-120"/>
-                <a:ea typeface="標楷體" panose="03000509000000000000" pitchFamily="65" charset="-120"/>
-              </a:rPr>
-              <a:t>dev</a:t>
-            </a:r>
-            <a:r>
-              <a:rPr lang="en-US" altLang="zh-TW" sz="2400" spc="-1" dirty="0">
-                <a:solidFill>
-                  <a:srgbClr val="002060"/>
-                </a:solidFill>
-                <a:latin typeface="標楷體" panose="03000509000000000000" pitchFamily="65" charset="-120"/>
-                <a:ea typeface="標楷體" panose="03000509000000000000" pitchFamily="65" charset="-120"/>
-              </a:rPr>
-              <a:t> branch </a:t>
-            </a:r>
-            <a:r>
-              <a:rPr lang="zh-TW" altLang="en-US" sz="2400" spc="-1" dirty="0">
-                <a:solidFill>
-                  <a:srgbClr val="002060"/>
-                </a:solidFill>
-                <a:latin typeface="標楷體" panose="03000509000000000000" pitchFamily="65" charset="-120"/>
-                <a:ea typeface="標楷體" panose="03000509000000000000" pitchFamily="65" charset="-120"/>
-              </a:rPr>
-              <a:t>至 </a:t>
-            </a:r>
-            <a:r>
-              <a:rPr lang="en-US" altLang="zh-TW" sz="2400" spc="-1" dirty="0">
-                <a:solidFill>
-                  <a:srgbClr val="FF0000"/>
-                </a:solidFill>
-                <a:latin typeface="標楷體" panose="03000509000000000000" pitchFamily="65" charset="-120"/>
-                <a:ea typeface="標楷體" panose="03000509000000000000" pitchFamily="65" charset="-120"/>
-              </a:rPr>
-              <a:t>main</a:t>
-            </a:r>
-            <a:r>
-              <a:rPr lang="en-US" altLang="zh-TW" sz="2400" spc="-1" dirty="0">
-                <a:solidFill>
-                  <a:srgbClr val="002060"/>
-                </a:solidFill>
-                <a:latin typeface="標楷體" panose="03000509000000000000" pitchFamily="65" charset="-120"/>
-                <a:ea typeface="標楷體" panose="03000509000000000000" pitchFamily="65" charset="-120"/>
-              </a:rPr>
-              <a:t> branch </a:t>
-            </a:r>
-            <a:r>
-              <a:rPr lang="zh-TW" altLang="en-US" sz="2400" spc="-1" dirty="0">
-                <a:solidFill>
-                  <a:srgbClr val="002060"/>
-                </a:solidFill>
-                <a:latin typeface="標楷體" panose="03000509000000000000" pitchFamily="65" charset="-120"/>
-                <a:ea typeface="標楷體" panose="03000509000000000000" pitchFamily="65" charset="-120"/>
-              </a:rPr>
-              <a:t>進行 </a:t>
-            </a:r>
-            <a:r>
-              <a:rPr lang="en-US" altLang="zh-TW" sz="2400" spc="-1" dirty="0">
-                <a:solidFill>
-                  <a:srgbClr val="002060"/>
-                </a:solidFill>
-                <a:latin typeface="標楷體" panose="03000509000000000000" pitchFamily="65" charset="-120"/>
-                <a:ea typeface="標楷體" panose="03000509000000000000" pitchFamily="65" charset="-120"/>
-              </a:rPr>
-              <a:t>UAT</a:t>
-            </a:r>
-            <a:r>
-              <a:rPr lang="zh-TW" altLang="en-US" sz="2400" spc="-1" dirty="0" smtClean="0">
-                <a:solidFill>
-                  <a:srgbClr val="002060"/>
-                </a:solidFill>
-                <a:latin typeface="標楷體" panose="03000509000000000000" pitchFamily="65" charset="-120"/>
-                <a:ea typeface="標楷體" panose="03000509000000000000" pitchFamily="65" charset="-120"/>
-              </a:rPr>
-              <a:t> 再次測試</a:t>
-            </a:r>
-            <a:endParaRPr lang="en-US" altLang="zh-TW" sz="2400" spc="-1" dirty="0">
-              <a:solidFill>
-                <a:srgbClr val="002060"/>
-              </a:solidFill>
-              <a:latin typeface="標楷體" panose="03000509000000000000" pitchFamily="65" charset="-120"/>
-              <a:ea typeface="標楷體" panose="03000509000000000000" pitchFamily="65" charset="-120"/>
-            </a:endParaRPr>
-          </a:p>
-          <a:p>
-            <a:pPr>
-              <a:lnSpc>
-                <a:spcPct val="100000"/>
-              </a:lnSpc>
-              <a:tabLst>
-                <a:tab pos="0" algn="l"/>
-              </a:tabLst>
-            </a:pPr>
-            <a:endParaRPr lang="en-US" altLang="zh-TW" sz="2400" spc="-1" dirty="0" smtClean="0">
-              <a:solidFill>
-                <a:srgbClr val="002060"/>
-              </a:solidFill>
-              <a:latin typeface="標楷體" panose="03000509000000000000" pitchFamily="65" charset="-120"/>
-              <a:ea typeface="標楷體" panose="03000509000000000000" pitchFamily="65" charset="-120"/>
-            </a:endParaRPr>
-          </a:p>
-          <a:p>
-            <a:pPr>
-              <a:lnSpc>
-                <a:spcPct val="100000"/>
-              </a:lnSpc>
-              <a:tabLst>
-                <a:tab pos="0" algn="l"/>
-              </a:tabLst>
-            </a:pPr>
+              <a:t>退回重新修改送測</a:t>
+            </a:r>
             <a:endParaRPr lang="zh-TW" altLang="en-US" sz="2400" spc="-1" dirty="0">
               <a:solidFill>
                 <a:srgbClr val="000000"/>
@@ -22979,13 +27092,13 @@
       </p:sp>
       <p:sp>
         <p:nvSpPr>
-          <p:cNvPr id="4" name="圓角矩形 10"/>
+          <p:cNvPr id="24" name="圓角矩形 10"/>
           <p:cNvSpPr/>
           <p:nvPr/>
         </p:nvSpPr>
         <p:spPr>
           <a:xfrm>
-            <a:off x="219784" y="1679084"/>
+            <a:off x="228784" y="3278709"/>
             <a:ext cx="987709" cy="593280"/>
           </a:xfrm>
           <a:prstGeom prst="roundRect">
@@ -23048,13 +27161,13 @@
       </p:sp>
       <p:sp>
         <p:nvSpPr>
-          <p:cNvPr id="5" name="圓角矩形 11"/>
+          <p:cNvPr id="25" name="圓角矩形 11"/>
           <p:cNvSpPr/>
           <p:nvPr/>
         </p:nvSpPr>
         <p:spPr>
           <a:xfrm>
-            <a:off x="210784" y="2270924"/>
+            <a:off x="219784" y="3870549"/>
             <a:ext cx="996709" cy="196920"/>
           </a:xfrm>
           <a:prstGeom prst="roundRect">
@@ -23108,13 +27221,13 @@
       </p:sp>
       <p:sp>
         <p:nvSpPr>
-          <p:cNvPr id="7" name="圓角矩形 1"/>
+          <p:cNvPr id="26" name="圓角矩形 1"/>
           <p:cNvSpPr/>
           <p:nvPr/>
         </p:nvSpPr>
         <p:spPr>
           <a:xfrm>
-            <a:off x="1332401" y="1879234"/>
+            <a:off x="1341401" y="3478859"/>
             <a:ext cx="632865" cy="345520"/>
           </a:xfrm>
           <a:prstGeom prst="roundRect">
@@ -23171,13 +27284,13 @@
       </p:sp>
       <p:sp>
         <p:nvSpPr>
-          <p:cNvPr id="8" name="圓角矩形 10"/>
+          <p:cNvPr id="27" name="圓角矩形 10"/>
           <p:cNvSpPr/>
           <p:nvPr/>
         </p:nvSpPr>
         <p:spPr>
           <a:xfrm>
-            <a:off x="2099334" y="1679084"/>
+            <a:off x="2108334" y="3278709"/>
             <a:ext cx="987709" cy="593280"/>
           </a:xfrm>
           <a:prstGeom prst="roundRect">
@@ -23240,13 +27353,13 @@
       </p:sp>
       <p:sp>
         <p:nvSpPr>
-          <p:cNvPr id="9" name="圓角矩形 11"/>
+          <p:cNvPr id="28" name="圓角矩形 11"/>
           <p:cNvSpPr/>
           <p:nvPr/>
         </p:nvSpPr>
         <p:spPr>
           <a:xfrm>
-            <a:off x="2090334" y="2270924"/>
+            <a:off x="2099334" y="3870549"/>
             <a:ext cx="996709" cy="196920"/>
           </a:xfrm>
           <a:prstGeom prst="roundRect">
@@ -23300,1242 +27413,6 @@
       </p:sp>
       <p:sp>
         <p:nvSpPr>
-          <p:cNvPr id="10" name="圓角矩形 1"/>
-          <p:cNvSpPr/>
-          <p:nvPr/>
-        </p:nvSpPr>
-        <p:spPr>
-          <a:xfrm>
-            <a:off x="3221111" y="1879234"/>
-            <a:ext cx="632865" cy="345520"/>
-          </a:xfrm>
-          <a:prstGeom prst="roundRect">
-            <a:avLst>
-              <a:gd name="adj" fmla="val 16667"/>
-            </a:avLst>
-          </a:prstGeom>
-          <a:ln/>
-        </p:spPr>
-        <p:style>
-          <a:lnRef idx="3">
-            <a:schemeClr val="lt1"/>
-          </a:lnRef>
-          <a:fillRef idx="1">
-            <a:schemeClr val="accent3"/>
-          </a:fillRef>
-          <a:effectRef idx="1">
-            <a:schemeClr val="accent3"/>
-          </a:effectRef>
-          <a:fontRef idx="minor">
-            <a:schemeClr val="lt1"/>
-          </a:fontRef>
-        </p:style>
-        <p:txBody>
-          <a:bodyPr lIns="90000" tIns="45000" rIns="90000" bIns="45000" anchor="ctr">
-            <a:noAutofit/>
-          </a:bodyPr>
-          <a:lstStyle/>
-          <a:p>
-            <a:pPr algn="ctr" defTabSz="914400">
-              <a:lnSpc>
-                <a:spcPct val="100000"/>
-              </a:lnSpc>
-            </a:pPr>
-            <a:r>
-              <a:rPr lang="en-US" altLang="zh-TW" sz="1400" b="0" strike="noStrike" spc="-1" dirty="0" smtClean="0">
-                <a:solidFill>
-                  <a:schemeClr val="dk1"/>
-                </a:solidFill>
-                <a:latin typeface="Arial"/>
-              </a:rPr>
-              <a:t>Push</a:t>
-            </a:r>
-            <a:endParaRPr lang="en-US" sz="1400" b="0" strike="noStrike" spc="-1" dirty="0">
-              <a:solidFill>
-                <a:srgbClr val="000000"/>
-              </a:solidFill>
-              <a:latin typeface="Arial"/>
-            </a:endParaRPr>
-          </a:p>
-        </p:txBody>
-      </p:sp>
-      <p:sp>
-        <p:nvSpPr>
-          <p:cNvPr id="11" name="圓角矩形 10"/>
-          <p:cNvSpPr/>
-          <p:nvPr/>
-        </p:nvSpPr>
-        <p:spPr>
-          <a:xfrm>
-            <a:off x="4022365" y="1679084"/>
-            <a:ext cx="987709" cy="593280"/>
-          </a:xfrm>
-          <a:prstGeom prst="roundRect">
-            <a:avLst>
-              <a:gd name="adj" fmla="val 16667"/>
-            </a:avLst>
-          </a:prstGeom>
-          <a:solidFill>
-            <a:srgbClr val="4BACC6"/>
-          </a:solidFill>
-          <a:ln>
-            <a:noFill/>
-          </a:ln>
-        </p:spPr>
-        <p:style>
-          <a:lnRef idx="2">
-            <a:schemeClr val="accent5">
-              <a:shade val="50000"/>
-            </a:schemeClr>
-          </a:lnRef>
-          <a:fillRef idx="1">
-            <a:schemeClr val="accent5"/>
-          </a:fillRef>
-          <a:effectRef idx="0">
-            <a:schemeClr val="accent5"/>
-          </a:effectRef>
-          <a:fontRef idx="minor"/>
-        </p:style>
-        <p:txBody>
-          <a:bodyPr lIns="90000" tIns="45000" rIns="90000" bIns="45000" anchor="ctr">
-            <a:noAutofit/>
-          </a:bodyPr>
-          <a:lstStyle/>
-          <a:p>
-            <a:pPr algn="ctr" defTabSz="914400">
-              <a:lnSpc>
-                <a:spcPct val="100000"/>
-              </a:lnSpc>
-            </a:pPr>
-            <a:r>
-              <a:rPr lang="en-US" altLang="zh-TW" sz="1600" spc="-1" dirty="0" smtClean="0">
-                <a:solidFill>
-                  <a:schemeClr val="dk1"/>
-                </a:solidFill>
-                <a:latin typeface="Arial"/>
-              </a:rPr>
-              <a:t>Issue A</a:t>
-            </a:r>
-            <a:r>
-              <a:rPr lang="en-US" altLang="zh-TW" sz="1600" b="0" strike="noStrike" spc="-1" dirty="0" smtClean="0">
-                <a:solidFill>
-                  <a:schemeClr val="dk1"/>
-                </a:solidFill>
-                <a:latin typeface="Arial"/>
-              </a:rPr>
-              <a:t> </a:t>
-            </a:r>
-          </a:p>
-        </p:txBody>
-      </p:sp>
-      <p:sp>
-        <p:nvSpPr>
-          <p:cNvPr id="12" name="圓角矩形 11"/>
-          <p:cNvSpPr/>
-          <p:nvPr/>
-        </p:nvSpPr>
-        <p:spPr>
-          <a:xfrm>
-            <a:off x="4013365" y="2270924"/>
-            <a:ext cx="996709" cy="196920"/>
-          </a:xfrm>
-          <a:prstGeom prst="roundRect">
-            <a:avLst>
-              <a:gd name="adj" fmla="val 16667"/>
-            </a:avLst>
-          </a:prstGeom>
-          <a:solidFill>
-            <a:srgbClr val="F79646"/>
-          </a:solidFill>
-          <a:ln>
-            <a:noFill/>
-          </a:ln>
-        </p:spPr>
-        <p:style>
-          <a:lnRef idx="2">
-            <a:schemeClr val="accent6">
-              <a:shade val="50000"/>
-            </a:schemeClr>
-          </a:lnRef>
-          <a:fillRef idx="1">
-            <a:schemeClr val="accent6"/>
-          </a:fillRef>
-          <a:effectRef idx="0">
-            <a:schemeClr val="accent6"/>
-          </a:effectRef>
-          <a:fontRef idx="minor"/>
-        </p:style>
-        <p:txBody>
-          <a:bodyPr lIns="90000" tIns="45000" rIns="90000" bIns="45000" anchor="ctr">
-            <a:noAutofit/>
-          </a:bodyPr>
-          <a:lstStyle/>
-          <a:p>
-            <a:pPr algn="ctr"/>
-            <a:r>
-              <a:rPr lang="en-US" altLang="zh-TW" sz="1200" spc="-1" dirty="0" smtClean="0">
-                <a:solidFill>
-                  <a:schemeClr val="dk1"/>
-                </a:solidFill>
-              </a:rPr>
-              <a:t>remote</a:t>
-            </a:r>
-            <a:endParaRPr lang="en-US" altLang="zh-TW" sz="1200" spc="-1" dirty="0">
-              <a:solidFill>
-                <a:srgbClr val="000000"/>
-              </a:solidFill>
-            </a:endParaRPr>
-          </a:p>
-        </p:txBody>
-      </p:sp>
-      <p:sp>
-        <p:nvSpPr>
-          <p:cNvPr id="13" name="向右箭號 3"/>
-          <p:cNvSpPr/>
-          <p:nvPr/>
-        </p:nvSpPr>
-        <p:spPr>
-          <a:xfrm>
-            <a:off x="1226762" y="2225567"/>
-            <a:ext cx="844141" cy="287634"/>
-          </a:xfrm>
-          <a:prstGeom prst="rightArrow">
-            <a:avLst>
-              <a:gd name="adj1" fmla="val 50000"/>
-              <a:gd name="adj2" fmla="val 50000"/>
-            </a:avLst>
-          </a:prstGeom>
-          <a:solidFill>
-            <a:srgbClr val="FF0000"/>
-          </a:solidFill>
-          <a:ln>
-            <a:noFill/>
-          </a:ln>
-        </p:spPr>
-        <p:style>
-          <a:lnRef idx="2">
-            <a:schemeClr val="accent1">
-              <a:shade val="50000"/>
-            </a:schemeClr>
-          </a:lnRef>
-          <a:fillRef idx="1">
-            <a:schemeClr val="accent1"/>
-          </a:fillRef>
-          <a:effectRef idx="0">
-            <a:schemeClr val="accent1"/>
-          </a:effectRef>
-          <a:fontRef idx="minor"/>
-        </p:style>
-        <p:txBody>
-          <a:bodyPr lIns="90000" tIns="45000" rIns="90000" bIns="45000" anchor="ctr">
-            <a:noAutofit/>
-          </a:bodyPr>
-          <a:lstStyle/>
-          <a:p>
-            <a:endParaRPr lang="en-US" sz="1200" b="0" strike="noStrike" spc="-1" dirty="0">
-              <a:solidFill>
-                <a:schemeClr val="lt1"/>
-              </a:solidFill>
-              <a:latin typeface="Arial"/>
-            </a:endParaRPr>
-          </a:p>
-        </p:txBody>
-      </p:sp>
-      <p:sp>
-        <p:nvSpPr>
-          <p:cNvPr id="14" name="圓角矩形 1"/>
-          <p:cNvSpPr/>
-          <p:nvPr/>
-        </p:nvSpPr>
-        <p:spPr>
-          <a:xfrm>
-            <a:off x="5162237" y="1850694"/>
-            <a:ext cx="632865" cy="345520"/>
-          </a:xfrm>
-          <a:prstGeom prst="roundRect">
-            <a:avLst>
-              <a:gd name="adj" fmla="val 16667"/>
-            </a:avLst>
-          </a:prstGeom>
-          <a:ln/>
-        </p:spPr>
-        <p:style>
-          <a:lnRef idx="3">
-            <a:schemeClr val="lt1"/>
-          </a:lnRef>
-          <a:fillRef idx="1">
-            <a:schemeClr val="accent3"/>
-          </a:fillRef>
-          <a:effectRef idx="1">
-            <a:schemeClr val="accent3"/>
-          </a:effectRef>
-          <a:fontRef idx="minor">
-            <a:schemeClr val="lt1"/>
-          </a:fontRef>
-        </p:style>
-        <p:txBody>
-          <a:bodyPr lIns="90000" tIns="45000" rIns="90000" bIns="45000" anchor="ctr">
-            <a:noAutofit/>
-          </a:bodyPr>
-          <a:lstStyle/>
-          <a:p>
-            <a:pPr algn="ctr" defTabSz="914400">
-              <a:lnSpc>
-                <a:spcPct val="100000"/>
-              </a:lnSpc>
-            </a:pPr>
-            <a:r>
-              <a:rPr lang="en-US" altLang="zh-TW" sz="1400" b="0" strike="noStrike" spc="-1" dirty="0" smtClean="0">
-                <a:solidFill>
-                  <a:schemeClr val="dk1"/>
-                </a:solidFill>
-                <a:latin typeface="Arial"/>
-              </a:rPr>
-              <a:t>MR</a:t>
-            </a:r>
-            <a:endParaRPr lang="en-US" sz="1400" b="0" strike="noStrike" spc="-1" dirty="0">
-              <a:solidFill>
-                <a:srgbClr val="000000"/>
-              </a:solidFill>
-              <a:latin typeface="Arial"/>
-            </a:endParaRPr>
-          </a:p>
-        </p:txBody>
-      </p:sp>
-      <p:sp>
-        <p:nvSpPr>
-          <p:cNvPr id="15" name="圓角矩形 10"/>
-          <p:cNvSpPr/>
-          <p:nvPr/>
-        </p:nvSpPr>
-        <p:spPr>
-          <a:xfrm>
-            <a:off x="5958872" y="1695088"/>
-            <a:ext cx="987709" cy="593280"/>
-          </a:xfrm>
-          <a:prstGeom prst="roundRect">
-            <a:avLst>
-              <a:gd name="adj" fmla="val 16667"/>
-            </a:avLst>
-          </a:prstGeom>
-          <a:solidFill>
-            <a:srgbClr val="4BACC6"/>
-          </a:solidFill>
-          <a:ln>
-            <a:noFill/>
-          </a:ln>
-        </p:spPr>
-        <p:style>
-          <a:lnRef idx="2">
-            <a:schemeClr val="accent5">
-              <a:shade val="50000"/>
-            </a:schemeClr>
-          </a:lnRef>
-          <a:fillRef idx="1">
-            <a:schemeClr val="accent5"/>
-          </a:fillRef>
-          <a:effectRef idx="0">
-            <a:schemeClr val="accent5"/>
-          </a:effectRef>
-          <a:fontRef idx="minor"/>
-        </p:style>
-        <p:txBody>
-          <a:bodyPr lIns="90000" tIns="45000" rIns="90000" bIns="45000" anchor="ctr">
-            <a:noAutofit/>
-          </a:bodyPr>
-          <a:lstStyle/>
-          <a:p>
-            <a:pPr algn="ctr" defTabSz="914400">
-              <a:lnSpc>
-                <a:spcPct val="100000"/>
-              </a:lnSpc>
-            </a:pPr>
-            <a:r>
-              <a:rPr lang="en-US" altLang="zh-TW" sz="1600" spc="-1" dirty="0" smtClean="0">
-                <a:solidFill>
-                  <a:schemeClr val="dk1"/>
-                </a:solidFill>
-                <a:latin typeface="Arial"/>
-              </a:rPr>
-              <a:t>dev</a:t>
-            </a:r>
-            <a:r>
-              <a:rPr lang="en-US" altLang="zh-TW" sz="1600" b="0" strike="noStrike" spc="-1" dirty="0" smtClean="0">
-                <a:solidFill>
-                  <a:schemeClr val="dk1"/>
-                </a:solidFill>
-                <a:latin typeface="Arial"/>
-              </a:rPr>
-              <a:t> </a:t>
-            </a:r>
-          </a:p>
-        </p:txBody>
-      </p:sp>
-      <p:sp>
-        <p:nvSpPr>
-          <p:cNvPr id="16" name="圓角矩形 11"/>
-          <p:cNvSpPr/>
-          <p:nvPr/>
-        </p:nvSpPr>
-        <p:spPr>
-          <a:xfrm>
-            <a:off x="5949872" y="2286928"/>
-            <a:ext cx="996709" cy="196920"/>
-          </a:xfrm>
-          <a:prstGeom prst="roundRect">
-            <a:avLst>
-              <a:gd name="adj" fmla="val 16667"/>
-            </a:avLst>
-          </a:prstGeom>
-          <a:solidFill>
-            <a:srgbClr val="F79646"/>
-          </a:solidFill>
-          <a:ln>
-            <a:noFill/>
-          </a:ln>
-        </p:spPr>
-        <p:style>
-          <a:lnRef idx="2">
-            <a:schemeClr val="accent6">
-              <a:shade val="50000"/>
-            </a:schemeClr>
-          </a:lnRef>
-          <a:fillRef idx="1">
-            <a:schemeClr val="accent6"/>
-          </a:fillRef>
-          <a:effectRef idx="0">
-            <a:schemeClr val="accent6"/>
-          </a:effectRef>
-          <a:fontRef idx="minor"/>
-        </p:style>
-        <p:txBody>
-          <a:bodyPr lIns="90000" tIns="45000" rIns="90000" bIns="45000" anchor="ctr">
-            <a:noAutofit/>
-          </a:bodyPr>
-          <a:lstStyle/>
-          <a:p>
-            <a:pPr algn="ctr"/>
-            <a:r>
-              <a:rPr lang="en-US" altLang="zh-TW" sz="1200" spc="-1" dirty="0" smtClean="0">
-                <a:solidFill>
-                  <a:schemeClr val="dk1"/>
-                </a:solidFill>
-              </a:rPr>
-              <a:t>remote</a:t>
-            </a:r>
-            <a:endParaRPr lang="en-US" altLang="zh-TW" sz="1200" spc="-1" dirty="0">
-              <a:solidFill>
-                <a:srgbClr val="000000"/>
-              </a:solidFill>
-            </a:endParaRPr>
-          </a:p>
-        </p:txBody>
-      </p:sp>
-      <p:sp>
-        <p:nvSpPr>
-          <p:cNvPr id="17" name="向右箭號 3"/>
-          <p:cNvSpPr/>
-          <p:nvPr/>
-        </p:nvSpPr>
-        <p:spPr>
-          <a:xfrm>
-            <a:off x="3134743" y="2224754"/>
-            <a:ext cx="844141" cy="287634"/>
-          </a:xfrm>
-          <a:prstGeom prst="rightArrow">
-            <a:avLst>
-              <a:gd name="adj1" fmla="val 50000"/>
-              <a:gd name="adj2" fmla="val 50000"/>
-            </a:avLst>
-          </a:prstGeom>
-          <a:solidFill>
-            <a:srgbClr val="FF0000"/>
-          </a:solidFill>
-          <a:ln>
-            <a:noFill/>
-          </a:ln>
-        </p:spPr>
-        <p:style>
-          <a:lnRef idx="2">
-            <a:schemeClr val="accent1">
-              <a:shade val="50000"/>
-            </a:schemeClr>
-          </a:lnRef>
-          <a:fillRef idx="1">
-            <a:schemeClr val="accent1"/>
-          </a:fillRef>
-          <a:effectRef idx="0">
-            <a:schemeClr val="accent1"/>
-          </a:effectRef>
-          <a:fontRef idx="minor"/>
-        </p:style>
-        <p:txBody>
-          <a:bodyPr lIns="90000" tIns="45000" rIns="90000" bIns="45000" anchor="ctr">
-            <a:noAutofit/>
-          </a:bodyPr>
-          <a:lstStyle/>
-          <a:p>
-            <a:endParaRPr lang="en-US" sz="1200" b="0" strike="noStrike" spc="-1">
-              <a:solidFill>
-                <a:schemeClr val="lt1"/>
-              </a:solidFill>
-              <a:latin typeface="Arial"/>
-            </a:endParaRPr>
-          </a:p>
-        </p:txBody>
-      </p:sp>
-      <p:sp>
-        <p:nvSpPr>
-          <p:cNvPr id="18" name="向右箭號 3"/>
-          <p:cNvSpPr/>
-          <p:nvPr/>
-        </p:nvSpPr>
-        <p:spPr>
-          <a:xfrm>
-            <a:off x="5056600" y="2196214"/>
-            <a:ext cx="844141" cy="287634"/>
-          </a:xfrm>
-          <a:prstGeom prst="rightArrow">
-            <a:avLst>
-              <a:gd name="adj1" fmla="val 50000"/>
-              <a:gd name="adj2" fmla="val 50000"/>
-            </a:avLst>
-          </a:prstGeom>
-          <a:solidFill>
-            <a:srgbClr val="FF0000"/>
-          </a:solidFill>
-          <a:ln>
-            <a:noFill/>
-          </a:ln>
-        </p:spPr>
-        <p:style>
-          <a:lnRef idx="2">
-            <a:schemeClr val="accent1">
-              <a:shade val="50000"/>
-            </a:schemeClr>
-          </a:lnRef>
-          <a:fillRef idx="1">
-            <a:schemeClr val="accent1"/>
-          </a:fillRef>
-          <a:effectRef idx="0">
-            <a:schemeClr val="accent1"/>
-          </a:effectRef>
-          <a:fontRef idx="minor"/>
-        </p:style>
-        <p:txBody>
-          <a:bodyPr lIns="90000" tIns="45000" rIns="90000" bIns="45000" anchor="ctr">
-            <a:noAutofit/>
-          </a:bodyPr>
-          <a:lstStyle/>
-          <a:p>
-            <a:endParaRPr lang="en-US" sz="1200" b="0" strike="noStrike" spc="-1">
-              <a:solidFill>
-                <a:schemeClr val="lt1"/>
-              </a:solidFill>
-              <a:latin typeface="Arial"/>
-            </a:endParaRPr>
-          </a:p>
-        </p:txBody>
-      </p:sp>
-      <p:sp>
-        <p:nvSpPr>
-          <p:cNvPr id="19" name="圓角矩形 1"/>
-          <p:cNvSpPr/>
-          <p:nvPr/>
-        </p:nvSpPr>
-        <p:spPr>
-          <a:xfrm>
-            <a:off x="7110349" y="1827603"/>
-            <a:ext cx="632865" cy="345520"/>
-          </a:xfrm>
-          <a:prstGeom prst="roundRect">
-            <a:avLst>
-              <a:gd name="adj" fmla="val 16667"/>
-            </a:avLst>
-          </a:prstGeom>
-          <a:ln/>
-        </p:spPr>
-        <p:style>
-          <a:lnRef idx="3">
-            <a:schemeClr val="lt1"/>
-          </a:lnRef>
-          <a:fillRef idx="1">
-            <a:schemeClr val="accent3"/>
-          </a:fillRef>
-          <a:effectRef idx="1">
-            <a:schemeClr val="accent3"/>
-          </a:effectRef>
-          <a:fontRef idx="minor">
-            <a:schemeClr val="lt1"/>
-          </a:fontRef>
-        </p:style>
-        <p:txBody>
-          <a:bodyPr lIns="90000" tIns="45000" rIns="90000" bIns="45000" anchor="ctr">
-            <a:noAutofit/>
-          </a:bodyPr>
-          <a:lstStyle/>
-          <a:p>
-            <a:pPr algn="ctr" defTabSz="914400">
-              <a:lnSpc>
-                <a:spcPct val="100000"/>
-              </a:lnSpc>
-            </a:pPr>
-            <a:r>
-              <a:rPr lang="en-US" altLang="zh-TW" sz="1400" b="0" strike="noStrike" spc="-1" dirty="0" smtClean="0">
-                <a:solidFill>
-                  <a:schemeClr val="dk1"/>
-                </a:solidFill>
-                <a:latin typeface="Arial"/>
-              </a:rPr>
-              <a:t>MR</a:t>
-            </a:r>
-            <a:endParaRPr lang="en-US" sz="1400" b="0" strike="noStrike" spc="-1" dirty="0">
-              <a:solidFill>
-                <a:srgbClr val="000000"/>
-              </a:solidFill>
-              <a:latin typeface="Arial"/>
-            </a:endParaRPr>
-          </a:p>
-        </p:txBody>
-      </p:sp>
-      <p:sp>
-        <p:nvSpPr>
-          <p:cNvPr id="20" name="圓角矩形 10"/>
-          <p:cNvSpPr/>
-          <p:nvPr/>
-        </p:nvSpPr>
-        <p:spPr>
-          <a:xfrm>
-            <a:off x="7906984" y="1671997"/>
-            <a:ext cx="987709" cy="593280"/>
-          </a:xfrm>
-          <a:prstGeom prst="roundRect">
-            <a:avLst>
-              <a:gd name="adj" fmla="val 16667"/>
-            </a:avLst>
-          </a:prstGeom>
-          <a:solidFill>
-            <a:srgbClr val="4BACC6"/>
-          </a:solidFill>
-          <a:ln>
-            <a:noFill/>
-          </a:ln>
-        </p:spPr>
-        <p:style>
-          <a:lnRef idx="2">
-            <a:schemeClr val="accent5">
-              <a:shade val="50000"/>
-            </a:schemeClr>
-          </a:lnRef>
-          <a:fillRef idx="1">
-            <a:schemeClr val="accent5"/>
-          </a:fillRef>
-          <a:effectRef idx="0">
-            <a:schemeClr val="accent5"/>
-          </a:effectRef>
-          <a:fontRef idx="minor"/>
-        </p:style>
-        <p:txBody>
-          <a:bodyPr lIns="90000" tIns="45000" rIns="90000" bIns="45000" anchor="ctr">
-            <a:noAutofit/>
-          </a:bodyPr>
-          <a:lstStyle/>
-          <a:p>
-            <a:pPr algn="ctr" defTabSz="914400">
-              <a:lnSpc>
-                <a:spcPct val="100000"/>
-              </a:lnSpc>
-            </a:pPr>
-            <a:r>
-              <a:rPr lang="en-US" altLang="zh-TW" sz="1600" spc="-1" dirty="0" smtClean="0">
-                <a:solidFill>
-                  <a:schemeClr val="dk1"/>
-                </a:solidFill>
-                <a:latin typeface="Arial"/>
-              </a:rPr>
-              <a:t>main</a:t>
-            </a:r>
-            <a:r>
-              <a:rPr lang="en-US" altLang="zh-TW" sz="1600" b="0" strike="noStrike" spc="-1" dirty="0" smtClean="0">
-                <a:solidFill>
-                  <a:schemeClr val="dk1"/>
-                </a:solidFill>
-                <a:latin typeface="Arial"/>
-              </a:rPr>
-              <a:t> </a:t>
-            </a:r>
-          </a:p>
-        </p:txBody>
-      </p:sp>
-      <p:sp>
-        <p:nvSpPr>
-          <p:cNvPr id="21" name="圓角矩形 11"/>
-          <p:cNvSpPr/>
-          <p:nvPr/>
-        </p:nvSpPr>
-        <p:spPr>
-          <a:xfrm>
-            <a:off x="7897984" y="2263837"/>
-            <a:ext cx="996709" cy="196920"/>
-          </a:xfrm>
-          <a:prstGeom prst="roundRect">
-            <a:avLst>
-              <a:gd name="adj" fmla="val 16667"/>
-            </a:avLst>
-          </a:prstGeom>
-          <a:solidFill>
-            <a:srgbClr val="F79646"/>
-          </a:solidFill>
-          <a:ln>
-            <a:noFill/>
-          </a:ln>
-        </p:spPr>
-        <p:style>
-          <a:lnRef idx="2">
-            <a:schemeClr val="accent6">
-              <a:shade val="50000"/>
-            </a:schemeClr>
-          </a:lnRef>
-          <a:fillRef idx="1">
-            <a:schemeClr val="accent6"/>
-          </a:fillRef>
-          <a:effectRef idx="0">
-            <a:schemeClr val="accent6"/>
-          </a:effectRef>
-          <a:fontRef idx="minor"/>
-        </p:style>
-        <p:txBody>
-          <a:bodyPr lIns="90000" tIns="45000" rIns="90000" bIns="45000" anchor="ctr">
-            <a:noAutofit/>
-          </a:bodyPr>
-          <a:lstStyle/>
-          <a:p>
-            <a:pPr algn="ctr"/>
-            <a:r>
-              <a:rPr lang="en-US" altLang="zh-TW" sz="1200" spc="-1" dirty="0" smtClean="0">
-                <a:solidFill>
-                  <a:schemeClr val="dk1"/>
-                </a:solidFill>
-              </a:rPr>
-              <a:t>remote</a:t>
-            </a:r>
-            <a:endParaRPr lang="en-US" altLang="zh-TW" sz="1200" spc="-1" dirty="0">
-              <a:solidFill>
-                <a:srgbClr val="000000"/>
-              </a:solidFill>
-            </a:endParaRPr>
-          </a:p>
-        </p:txBody>
-      </p:sp>
-      <p:sp>
-        <p:nvSpPr>
-          <p:cNvPr id="22" name="向右箭號 3"/>
-          <p:cNvSpPr/>
-          <p:nvPr/>
-        </p:nvSpPr>
-        <p:spPr>
-          <a:xfrm>
-            <a:off x="7004712" y="2173123"/>
-            <a:ext cx="844141" cy="287634"/>
-          </a:xfrm>
-          <a:prstGeom prst="rightArrow">
-            <a:avLst>
-              <a:gd name="adj1" fmla="val 50000"/>
-              <a:gd name="adj2" fmla="val 50000"/>
-            </a:avLst>
-          </a:prstGeom>
-          <a:solidFill>
-            <a:srgbClr val="FF0000"/>
-          </a:solidFill>
-          <a:ln>
-            <a:noFill/>
-          </a:ln>
-        </p:spPr>
-        <p:style>
-          <a:lnRef idx="2">
-            <a:schemeClr val="accent1">
-              <a:shade val="50000"/>
-            </a:schemeClr>
-          </a:lnRef>
-          <a:fillRef idx="1">
-            <a:schemeClr val="accent1"/>
-          </a:fillRef>
-          <a:effectRef idx="0">
-            <a:schemeClr val="accent1"/>
-          </a:effectRef>
-          <a:fontRef idx="minor"/>
-        </p:style>
-        <p:txBody>
-          <a:bodyPr lIns="90000" tIns="45000" rIns="90000" bIns="45000" anchor="ctr">
-            <a:noAutofit/>
-          </a:bodyPr>
-          <a:lstStyle/>
-          <a:p>
-            <a:endParaRPr lang="en-US" sz="1200" b="0" strike="noStrike" spc="-1">
-              <a:solidFill>
-                <a:schemeClr val="lt1"/>
-              </a:solidFill>
-              <a:latin typeface="Arial"/>
-            </a:endParaRPr>
-          </a:p>
-        </p:txBody>
-      </p:sp>
-      <p:sp>
-        <p:nvSpPr>
-          <p:cNvPr id="23" name="PlaceHolder 1"/>
-          <p:cNvSpPr txBox="1">
-            <a:spLocks/>
-          </p:cNvSpPr>
-          <p:nvPr/>
-        </p:nvSpPr>
-        <p:spPr>
-          <a:xfrm>
-            <a:off x="432457" y="961858"/>
-            <a:ext cx="8850087" cy="621448"/>
-          </a:xfrm>
-          <a:prstGeom prst="rect">
-            <a:avLst/>
-          </a:prstGeom>
-          <a:noFill/>
-          <a:ln w="0">
-            <a:noFill/>
-          </a:ln>
-        </p:spPr>
-        <p:txBody>
-          <a:bodyPr lIns="100800" tIns="100800" rIns="100800" bIns="100800" anchor="ctr">
-            <a:noAutofit/>
-          </a:bodyPr>
-          <a:lstStyle>
-            <a:lvl1pPr algn="l" defTabSz="914400" rtl="0" eaLnBrk="1" latinLnBrk="0" hangingPunct="1">
-              <a:lnSpc>
-                <a:spcPct val="90000"/>
-              </a:lnSpc>
-              <a:spcBef>
-                <a:spcPct val="0"/>
-              </a:spcBef>
-              <a:buNone/>
-              <a:defRPr sz="4400" kern="1200">
-                <a:solidFill>
-                  <a:schemeClr val="tx1"/>
-                </a:solidFill>
-                <a:latin typeface="+mj-lt"/>
-                <a:ea typeface="+mj-ea"/>
-                <a:cs typeface="+mj-cs"/>
-              </a:defRPr>
-            </a:lvl1pPr>
-          </a:lstStyle>
-          <a:p>
-            <a:pPr>
-              <a:lnSpc>
-                <a:spcPct val="100000"/>
-              </a:lnSpc>
-              <a:tabLst>
-                <a:tab pos="0" algn="l"/>
-              </a:tabLst>
-            </a:pPr>
-            <a:r>
-              <a:rPr lang="zh-TW" altLang="en-US" sz="2400" spc="-1" dirty="0" smtClean="0">
-                <a:solidFill>
-                  <a:srgbClr val="002060"/>
-                </a:solidFill>
-                <a:latin typeface="標楷體" panose="03000509000000000000" pitchFamily="65" charset="-120"/>
-                <a:ea typeface="標楷體" panose="03000509000000000000" pitchFamily="65" charset="-120"/>
-              </a:rPr>
-              <a:t>情境三、</a:t>
-            </a:r>
-            <a:r>
-              <a:rPr lang="en-US" altLang="zh-TW" sz="2400" spc="-1" dirty="0" smtClean="0">
-                <a:solidFill>
-                  <a:srgbClr val="002060"/>
-                </a:solidFill>
-                <a:latin typeface="標楷體" panose="03000509000000000000" pitchFamily="65" charset="-120"/>
-                <a:ea typeface="標楷體" panose="03000509000000000000" pitchFamily="65" charset="-120"/>
-              </a:rPr>
-              <a:t>UAT</a:t>
-            </a:r>
-            <a:r>
-              <a:rPr lang="zh-TW" altLang="en-US" sz="2400" spc="-1" dirty="0" smtClean="0">
-                <a:solidFill>
-                  <a:srgbClr val="002060"/>
-                </a:solidFill>
-                <a:latin typeface="標楷體" panose="03000509000000000000" pitchFamily="65" charset="-120"/>
-                <a:ea typeface="標楷體" panose="03000509000000000000" pitchFamily="65" charset="-120"/>
-              </a:rPr>
-              <a:t> 測試的 </a:t>
-            </a:r>
-            <a:r>
-              <a:rPr lang="en-US" altLang="zh-TW" sz="2400" spc="-1" dirty="0" smtClean="0">
-                <a:solidFill>
-                  <a:srgbClr val="002060"/>
-                </a:solidFill>
-                <a:latin typeface="標楷體" panose="03000509000000000000" pitchFamily="65" charset="-120"/>
-                <a:ea typeface="標楷體" panose="03000509000000000000" pitchFamily="65" charset="-120"/>
-              </a:rPr>
-              <a:t>A</a:t>
-            </a:r>
-            <a:r>
-              <a:rPr lang="zh-TW" altLang="en-US" sz="2400" spc="-1" dirty="0" smtClean="0">
-                <a:solidFill>
-                  <a:srgbClr val="002060"/>
-                </a:solidFill>
-                <a:latin typeface="標楷體" panose="03000509000000000000" pitchFamily="65" charset="-120"/>
-                <a:ea typeface="標楷體" panose="03000509000000000000" pitchFamily="65" charset="-120"/>
-              </a:rPr>
-              <a:t> 版本測試不通過</a:t>
-            </a:r>
-            <a:r>
-              <a:rPr lang="en-US" altLang="zh-TW" sz="2400" spc="-1" dirty="0" smtClean="0">
-                <a:solidFill>
-                  <a:srgbClr val="002060"/>
-                </a:solidFill>
-                <a:latin typeface="標楷體" panose="03000509000000000000" pitchFamily="65" charset="-120"/>
-                <a:ea typeface="標楷體" panose="03000509000000000000" pitchFamily="65" charset="-120"/>
-              </a:rPr>
-              <a:t>,</a:t>
-            </a:r>
-            <a:r>
-              <a:rPr lang="zh-TW" altLang="en-US" sz="2400" spc="-1" dirty="0" smtClean="0">
-                <a:solidFill>
-                  <a:srgbClr val="002060"/>
-                </a:solidFill>
-                <a:latin typeface="標楷體" panose="03000509000000000000" pitchFamily="65" charset="-120"/>
-                <a:ea typeface="標楷體" panose="03000509000000000000" pitchFamily="65" charset="-120"/>
-              </a:rPr>
-              <a:t>退回重新修改送測</a:t>
-            </a:r>
-            <a:endParaRPr lang="zh-TW" altLang="en-US" sz="2400" spc="-1" dirty="0">
-              <a:solidFill>
-                <a:srgbClr val="000000"/>
-              </a:solidFill>
-              <a:latin typeface="標楷體" panose="03000509000000000000" pitchFamily="65" charset="-120"/>
-              <a:ea typeface="標楷體" panose="03000509000000000000" pitchFamily="65" charset="-120"/>
-            </a:endParaRPr>
-          </a:p>
-        </p:txBody>
-      </p:sp>
-      <p:sp>
-        <p:nvSpPr>
-          <p:cNvPr id="24" name="圓角矩形 10"/>
-          <p:cNvSpPr/>
-          <p:nvPr/>
-        </p:nvSpPr>
-        <p:spPr>
-          <a:xfrm>
-            <a:off x="228784" y="3278709"/>
-            <a:ext cx="987709" cy="593280"/>
-          </a:xfrm>
-          <a:prstGeom prst="roundRect">
-            <a:avLst>
-              <a:gd name="adj" fmla="val 16667"/>
-            </a:avLst>
-          </a:prstGeom>
-          <a:solidFill>
-            <a:srgbClr val="4BACC6"/>
-          </a:solidFill>
-          <a:ln>
-            <a:noFill/>
-          </a:ln>
-        </p:spPr>
-        <p:style>
-          <a:lnRef idx="2">
-            <a:schemeClr val="accent5">
-              <a:shade val="50000"/>
-            </a:schemeClr>
-          </a:lnRef>
-          <a:fillRef idx="1">
-            <a:schemeClr val="accent5"/>
-          </a:fillRef>
-          <a:effectRef idx="0">
-            <a:schemeClr val="accent5"/>
-          </a:effectRef>
-          <a:fontRef idx="minor"/>
-        </p:style>
-        <p:txBody>
-          <a:bodyPr lIns="90000" tIns="45000" rIns="90000" bIns="45000" anchor="ctr">
-            <a:noAutofit/>
-          </a:bodyPr>
-          <a:lstStyle/>
-          <a:p>
-            <a:pPr algn="ctr" defTabSz="914400">
-              <a:lnSpc>
-                <a:spcPct val="100000"/>
-              </a:lnSpc>
-            </a:pPr>
-            <a:r>
-              <a:rPr lang="en-US" altLang="zh-TW" sz="1600" spc="-1" dirty="0">
-                <a:solidFill>
-                  <a:schemeClr val="dk1"/>
-                </a:solidFill>
-                <a:latin typeface="Arial"/>
-              </a:rPr>
-              <a:t>m</a:t>
-            </a:r>
-            <a:r>
-              <a:rPr lang="en-US" altLang="zh-TW" sz="1600" b="0" strike="noStrike" spc="-1" dirty="0" smtClean="0">
-                <a:solidFill>
-                  <a:schemeClr val="dk1"/>
-                </a:solidFill>
-                <a:latin typeface="Arial"/>
-              </a:rPr>
-              <a:t>ain </a:t>
-            </a:r>
-          </a:p>
-        </p:txBody>
-      </p:sp>
-      <p:sp>
-        <p:nvSpPr>
-          <p:cNvPr id="25" name="圓角矩形 11"/>
-          <p:cNvSpPr/>
-          <p:nvPr/>
-        </p:nvSpPr>
-        <p:spPr>
-          <a:xfrm>
-            <a:off x="219784" y="3870549"/>
-            <a:ext cx="996709" cy="196920"/>
-          </a:xfrm>
-          <a:prstGeom prst="roundRect">
-            <a:avLst>
-              <a:gd name="adj" fmla="val 16667"/>
-            </a:avLst>
-          </a:prstGeom>
-          <a:solidFill>
-            <a:srgbClr val="F79646"/>
-          </a:solidFill>
-          <a:ln>
-            <a:noFill/>
-          </a:ln>
-        </p:spPr>
-        <p:style>
-          <a:lnRef idx="2">
-            <a:schemeClr val="accent6">
-              <a:shade val="50000"/>
-            </a:schemeClr>
-          </a:lnRef>
-          <a:fillRef idx="1">
-            <a:schemeClr val="accent6"/>
-          </a:fillRef>
-          <a:effectRef idx="0">
-            <a:schemeClr val="accent6"/>
-          </a:effectRef>
-          <a:fontRef idx="minor"/>
-        </p:style>
-        <p:txBody>
-          <a:bodyPr lIns="90000" tIns="45000" rIns="90000" bIns="45000" anchor="ctr">
-            <a:noAutofit/>
-          </a:bodyPr>
-          <a:lstStyle/>
-          <a:p>
-            <a:pPr algn="ctr"/>
-            <a:r>
-              <a:rPr lang="en-US" altLang="zh-TW" sz="1200" spc="-1" dirty="0" smtClean="0">
-                <a:solidFill>
-                  <a:schemeClr val="dk1"/>
-                </a:solidFill>
-              </a:rPr>
-              <a:t>remote</a:t>
-            </a:r>
-            <a:endParaRPr lang="en-US" altLang="zh-TW" sz="1200" spc="-1" dirty="0">
-              <a:solidFill>
-                <a:srgbClr val="000000"/>
-              </a:solidFill>
-            </a:endParaRPr>
-          </a:p>
-        </p:txBody>
-      </p:sp>
-      <p:sp>
-        <p:nvSpPr>
-          <p:cNvPr id="26" name="圓角矩形 1"/>
-          <p:cNvSpPr/>
-          <p:nvPr/>
-        </p:nvSpPr>
-        <p:spPr>
-          <a:xfrm>
-            <a:off x="1341401" y="3478859"/>
-            <a:ext cx="632865" cy="345520"/>
-          </a:xfrm>
-          <a:prstGeom prst="roundRect">
-            <a:avLst>
-              <a:gd name="adj" fmla="val 16667"/>
-            </a:avLst>
-          </a:prstGeom>
-          <a:ln/>
-        </p:spPr>
-        <p:style>
-          <a:lnRef idx="2">
-            <a:schemeClr val="accent3">
-              <a:shade val="50000"/>
-            </a:schemeClr>
-          </a:lnRef>
-          <a:fillRef idx="1">
-            <a:schemeClr val="accent3"/>
-          </a:fillRef>
-          <a:effectRef idx="0">
-            <a:schemeClr val="accent3"/>
-          </a:effectRef>
-          <a:fontRef idx="minor">
-            <a:schemeClr val="lt1"/>
-          </a:fontRef>
-        </p:style>
-        <p:txBody>
-          <a:bodyPr lIns="90000" tIns="45000" rIns="90000" bIns="45000" anchor="ctr">
-            <a:noAutofit/>
-          </a:bodyPr>
-          <a:lstStyle/>
-          <a:p>
-            <a:pPr algn="ctr" defTabSz="914400">
-              <a:lnSpc>
-                <a:spcPct val="100000"/>
-              </a:lnSpc>
-            </a:pPr>
-            <a:r>
-              <a:rPr lang="en-US" altLang="zh-TW" sz="1400" b="0" strike="noStrike" spc="-1" dirty="0" smtClean="0">
-                <a:solidFill>
-                  <a:schemeClr val="dk1"/>
-                </a:solidFill>
-                <a:latin typeface="Arial"/>
-              </a:rPr>
-              <a:t>Pull</a:t>
-            </a:r>
-            <a:endParaRPr lang="en-US" sz="1400" b="0" strike="noStrike" spc="-1" dirty="0">
-              <a:solidFill>
-                <a:srgbClr val="000000"/>
-              </a:solidFill>
-              <a:latin typeface="Arial"/>
-            </a:endParaRPr>
-          </a:p>
-        </p:txBody>
-      </p:sp>
-      <p:sp>
-        <p:nvSpPr>
-          <p:cNvPr id="27" name="圓角矩形 10"/>
-          <p:cNvSpPr/>
-          <p:nvPr/>
-        </p:nvSpPr>
-        <p:spPr>
-          <a:xfrm>
-            <a:off x="2108334" y="3278709"/>
-            <a:ext cx="987709" cy="593280"/>
-          </a:xfrm>
-          <a:prstGeom prst="roundRect">
-            <a:avLst>
-              <a:gd name="adj" fmla="val 16667"/>
-            </a:avLst>
-          </a:prstGeom>
-          <a:solidFill>
-            <a:srgbClr val="4BACC6"/>
-          </a:solidFill>
-          <a:ln>
-            <a:noFill/>
-          </a:ln>
-        </p:spPr>
-        <p:style>
-          <a:lnRef idx="2">
-            <a:schemeClr val="accent5">
-              <a:shade val="50000"/>
-            </a:schemeClr>
-          </a:lnRef>
-          <a:fillRef idx="1">
-            <a:schemeClr val="accent5"/>
-          </a:fillRef>
-          <a:effectRef idx="0">
-            <a:schemeClr val="accent5"/>
-          </a:effectRef>
-          <a:fontRef idx="minor"/>
-        </p:style>
-        <p:txBody>
-          <a:bodyPr lIns="90000" tIns="45000" rIns="90000" bIns="45000" anchor="ctr">
-            <a:noAutofit/>
-          </a:bodyPr>
-          <a:lstStyle/>
-          <a:p>
-            <a:pPr algn="ctr" defTabSz="914400">
-              <a:lnSpc>
-                <a:spcPct val="100000"/>
-              </a:lnSpc>
-            </a:pPr>
-            <a:r>
-              <a:rPr lang="en-US" altLang="zh-TW" sz="1600" spc="-1" dirty="0" smtClean="0">
-                <a:solidFill>
-                  <a:schemeClr val="dk1"/>
-                </a:solidFill>
-                <a:latin typeface="Arial"/>
-              </a:rPr>
-              <a:t>Issue A</a:t>
-            </a:r>
-            <a:r>
-              <a:rPr lang="en-US" altLang="zh-TW" sz="1600" b="0" strike="noStrike" spc="-1" dirty="0" smtClean="0">
-                <a:solidFill>
-                  <a:schemeClr val="dk1"/>
-                </a:solidFill>
-                <a:latin typeface="Arial"/>
-              </a:rPr>
-              <a:t> </a:t>
-            </a:r>
-          </a:p>
-        </p:txBody>
-      </p:sp>
-      <p:sp>
-        <p:nvSpPr>
-          <p:cNvPr id="28" name="圓角矩形 11"/>
-          <p:cNvSpPr/>
-          <p:nvPr/>
-        </p:nvSpPr>
-        <p:spPr>
-          <a:xfrm>
-            <a:off x="2099334" y="3870549"/>
-            <a:ext cx="996709" cy="196920"/>
-          </a:xfrm>
-          <a:prstGeom prst="roundRect">
-            <a:avLst>
-              <a:gd name="adj" fmla="val 16667"/>
-            </a:avLst>
-          </a:prstGeom>
-          <a:solidFill>
-            <a:srgbClr val="FFC000"/>
-          </a:solidFill>
-          <a:ln/>
-        </p:spPr>
-        <p:style>
-          <a:lnRef idx="2">
-            <a:schemeClr val="accent1">
-              <a:shade val="50000"/>
-            </a:schemeClr>
-          </a:lnRef>
-          <a:fillRef idx="1">
-            <a:schemeClr val="accent1"/>
-          </a:fillRef>
-          <a:effectRef idx="0">
-            <a:schemeClr val="accent1"/>
-          </a:effectRef>
-          <a:fontRef idx="minor">
-            <a:schemeClr val="lt1"/>
-          </a:fontRef>
-        </p:style>
-        <p:txBody>
-          <a:bodyPr lIns="90000" tIns="45000" rIns="90000" bIns="45000" anchor="ctr">
-            <a:noAutofit/>
-          </a:bodyPr>
-          <a:lstStyle/>
-          <a:p>
-            <a:pPr algn="ctr"/>
-            <a:r>
-              <a:rPr lang="en-US" altLang="zh-TW" sz="1200" spc="-1" dirty="0" smtClean="0">
-                <a:solidFill>
-                  <a:schemeClr val="dk1"/>
-                </a:solidFill>
-              </a:rPr>
-              <a:t>local</a:t>
-            </a:r>
-            <a:endParaRPr lang="en-US" altLang="zh-TW" sz="1200" spc="-1" dirty="0">
-              <a:solidFill>
-                <a:srgbClr val="000000"/>
-              </a:solidFill>
-            </a:endParaRPr>
-          </a:p>
-        </p:txBody>
-      </p:sp>
-      <p:sp>
-        <p:nvSpPr>
           <p:cNvPr id="29" name="圓角矩形 1"/>
           <p:cNvSpPr/>
           <p:nvPr/>
@@ -25802,7 +28679,7 @@
     <mc:Choice Requires="p14">
       <p:transition spd="slow" p14:dur="2000"/>
     </mc:Choice>
-    <mc:Fallback xmlns:p15="http://schemas.microsoft.com/office/powerpoint/2012/main" xmlns="">
+    <mc:Fallback xmlns="" xmlns:p15="http://schemas.microsoft.com/office/powerpoint/2012/main">
       <p:transition spd="slow"/>
     </mc:Fallback>
   </mc:AlternateContent>
@@ -29408,7 +32285,7 @@
     <mc:Choice Requires="p14">
       <p:transition spd="slow" p14:dur="2000"/>
     </mc:Choice>
-    <mc:Fallback xmlns:p15="http://schemas.microsoft.com/office/powerpoint/2012/main" xmlns="">
+    <mc:Fallback xmlns="" xmlns:p15="http://schemas.microsoft.com/office/powerpoint/2012/main">
       <p:transition spd="slow"/>
     </mc:Fallback>
   </mc:AlternateContent>
@@ -31840,7 +34717,7 @@
     <mc:Choice Requires="p14">
       <p:transition spd="slow" p14:dur="2000"/>
     </mc:Choice>
-    <mc:Fallback xmlns:p15="http://schemas.microsoft.com/office/powerpoint/2012/main" xmlns="">
+    <mc:Fallback xmlns="" xmlns:p15="http://schemas.microsoft.com/office/powerpoint/2012/main">
       <p:transition spd="slow"/>
     </mc:Fallback>
   </mc:AlternateContent>
@@ -32204,7 +35081,7 @@
     <mc:Choice Requires="p14">
       <p:transition spd="slow" p14:dur="2000"/>
     </mc:Choice>
-    <mc:Fallback xmlns:p15="http://schemas.microsoft.com/office/powerpoint/2012/main" xmlns="">
+    <mc:Fallback xmlns="" xmlns:p15="http://schemas.microsoft.com/office/powerpoint/2012/main">
       <p:transition spd="slow"/>
     </mc:Fallback>
   </mc:AlternateContent>
@@ -32518,7 +35395,7 @@
     <mc:Choice Requires="p14">
       <p:transition spd="slow" p14:dur="2000"/>
     </mc:Choice>
-    <mc:Fallback xmlns:p15="http://schemas.microsoft.com/office/powerpoint/2012/main" xmlns="">
+    <mc:Fallback xmlns="" xmlns:p15="http://schemas.microsoft.com/office/powerpoint/2012/main">
       <p:transition spd="slow"/>
     </mc:Fallback>
   </mc:AlternateContent>
@@ -32865,7 +35742,7 @@
     <mc:Choice Requires="p14">
       <p:transition spd="slow" p14:dur="2000"/>
     </mc:Choice>
-    <mc:Fallback xmlns:p15="http://schemas.microsoft.com/office/powerpoint/2012/main" xmlns="">
+    <mc:Fallback xmlns="" xmlns:p15="http://schemas.microsoft.com/office/powerpoint/2012/main">
       <p:transition spd="slow"/>
     </mc:Fallback>
   </mc:AlternateContent>

--- a/CICD Process.pptx
+++ b/CICD Process.pptx
@@ -5,7 +5,7 @@
     <p:sldMasterId id="2147483648" r:id="rId1"/>
   </p:sldMasterIdLst>
   <p:notesMasterIdLst>
-    <p:notesMasterId r:id="rId39"/>
+    <p:notesMasterId r:id="rId40"/>
   </p:notesMasterIdLst>
   <p:sldIdLst>
     <p:sldId id="256" r:id="rId2"/>
@@ -44,7 +44,8 @@
     <p:sldId id="286" r:id="rId35"/>
     <p:sldId id="287" r:id="rId36"/>
     <p:sldId id="288" r:id="rId37"/>
-    <p:sldId id="260" r:id="rId38"/>
+    <p:sldId id="300" r:id="rId38"/>
+    <p:sldId id="260" r:id="rId39"/>
   </p:sldIdLst>
   <p:sldSz cx="10080625" cy="6858000"/>
   <p:notesSz cx="6858000" cy="9144000"/>
@@ -3580,6 +3581,106 @@
       </p:grpSpPr>
       <p:sp>
         <p:nvSpPr>
+          <p:cNvPr id="130" name="PlaceHolder 1"/>
+          <p:cNvSpPr>
+            <a:spLocks noGrp="1" noRot="1" noChangeAspect="1"/>
+          </p:cNvSpPr>
+          <p:nvPr>
+            <p:ph type="sldImg"/>
+          </p:nvPr>
+        </p:nvSpPr>
+        <p:spPr>
+          <a:xfrm>
+            <a:off x="909638" y="685800"/>
+            <a:ext cx="5037137" cy="3427413"/>
+          </a:xfrm>
+          <a:prstGeom prst="rect">
+            <a:avLst/>
+          </a:prstGeom>
+          <a:ln w="0">
+            <a:noFill/>
+          </a:ln>
+        </p:spPr>
+      </p:sp>
+      <p:sp>
+        <p:nvSpPr>
+          <p:cNvPr id="131" name="PlaceHolder 2"/>
+          <p:cNvSpPr>
+            <a:spLocks noGrp="1"/>
+          </p:cNvSpPr>
+          <p:nvPr>
+            <p:ph type="body"/>
+          </p:nvPr>
+        </p:nvSpPr>
+        <p:spPr>
+          <a:xfrm>
+            <a:off x="685800" y="4343400"/>
+            <a:ext cx="5484240" cy="4112640"/>
+          </a:xfrm>
+          <a:prstGeom prst="rect">
+            <a:avLst/>
+          </a:prstGeom>
+          <a:noFill/>
+          <a:ln w="0">
+            <a:noFill/>
+          </a:ln>
+        </p:spPr>
+        <p:txBody>
+          <a:bodyPr lIns="91440" tIns="91440" rIns="91440" bIns="91440" anchor="t">
+            <a:noAutofit/>
+          </a:bodyPr>
+          <a:lstStyle/>
+          <a:p>
+            <a:pPr marL="216000" indent="0">
+              <a:lnSpc>
+                <a:spcPct val="100000"/>
+              </a:lnSpc>
+              <a:buNone/>
+              <a:tabLst>
+                <a:tab pos="0" algn="l"/>
+              </a:tabLst>
+            </a:pPr>
+            <a:endParaRPr lang="en-US" sz="2000" b="0" strike="noStrike" spc="-1" dirty="0">
+              <a:solidFill>
+                <a:srgbClr val="000000"/>
+              </a:solidFill>
+              <a:latin typeface="Arial"/>
+            </a:endParaRPr>
+          </a:p>
+        </p:txBody>
+      </p:sp>
+    </p:spTree>
+    <p:extLst>
+      <p:ext uri="{BB962C8B-B14F-4D97-AF65-F5344CB8AC3E}">
+        <p14:creationId xmlns:p14="http://schemas.microsoft.com/office/powerpoint/2010/main" val="2738632134"/>
+      </p:ext>
+    </p:extLst>
+  </p:cSld>
+  <p:clrMapOvr>
+    <a:masterClrMapping/>
+  </p:clrMapOvr>
+</p:notes>
+</file>
+
+<file path=ppt/notesSlides/notesSlide38.xml><?xml version="1.0" encoding="utf-8"?>
+<p:notes xmlns:a="http://schemas.openxmlformats.org/drawingml/2006/main" xmlns:r="http://schemas.openxmlformats.org/officeDocument/2006/relationships" xmlns:p="http://schemas.openxmlformats.org/presentationml/2006/main">
+  <p:cSld>
+    <p:spTree>
+      <p:nvGrpSpPr>
+        <p:cNvPr id="1" name=""/>
+        <p:cNvGrpSpPr/>
+        <p:nvPr/>
+      </p:nvGrpSpPr>
+      <p:grpSpPr>
+        <a:xfrm>
+          <a:off x="0" y="0"/>
+          <a:ext cx="0" cy="0"/>
+          <a:chOff x="0" y="0"/>
+          <a:chExt cx="0" cy="0"/>
+        </a:xfrm>
+      </p:grpSpPr>
+      <p:sp>
+        <p:nvSpPr>
           <p:cNvPr id="2" name="投影片圖像版面配置區 1"/>
           <p:cNvSpPr>
             <a:spLocks noGrp="1" noRot="1" noChangeAspect="1"/>
@@ -3634,7 +3735,7 @@
                 </a:solidFill>
                 <a:latin typeface="Times New Roman"/>
               </a:rPr>
-              <a:t>37</a:t>
+              <a:t>38</a:t>
             </a:fld>
             <a:endParaRPr lang="en-US" sz="1400" b="0" strike="noStrike" spc="-1">
               <a:solidFill>
@@ -8468,7 +8569,7 @@
     <mc:Choice Requires="p14">
       <p:transition spd="slow" p14:dur="2000"/>
     </mc:Choice>
-    <mc:Fallback xmlns="" xmlns:p15="http://schemas.microsoft.com/office/powerpoint/2012/main">
+    <mc:Fallback xmlns:p15="http://schemas.microsoft.com/office/powerpoint/2012/main" xmlns="">
       <p:transition spd="slow"/>
     </mc:Fallback>
   </mc:AlternateContent>
@@ -8619,7 +8720,7 @@
     <mc:Choice Requires="p14">
       <p:transition spd="slow" p14:dur="2000"/>
     </mc:Choice>
-    <mc:Fallback xmlns="" xmlns:p15="http://schemas.microsoft.com/office/powerpoint/2012/main">
+    <mc:Fallback xmlns:p15="http://schemas.microsoft.com/office/powerpoint/2012/main" xmlns="">
       <p:transition spd="slow"/>
     </mc:Fallback>
   </mc:AlternateContent>
@@ -8800,7 +8901,7 @@
     <mc:Choice Requires="p14">
       <p:transition spd="slow" p14:dur="2000"/>
     </mc:Choice>
-    <mc:Fallback xmlns="" xmlns:p15="http://schemas.microsoft.com/office/powerpoint/2012/main">
+    <mc:Fallback xmlns:p15="http://schemas.microsoft.com/office/powerpoint/2012/main" xmlns="">
       <p:transition spd="slow"/>
     </mc:Fallback>
   </mc:AlternateContent>
@@ -9211,7 +9312,7 @@
     <mc:Choice Requires="p14">
       <p:transition spd="slow" p14:dur="2000"/>
     </mc:Choice>
-    <mc:Fallback xmlns="" xmlns:p15="http://schemas.microsoft.com/office/powerpoint/2012/main">
+    <mc:Fallback xmlns:p15="http://schemas.microsoft.com/office/powerpoint/2012/main" xmlns="">
       <p:transition spd="slow"/>
     </mc:Fallback>
   </mc:AlternateContent>
@@ -9371,7 +9472,7 @@
     <mc:Choice Requires="p14">
       <p:transition spd="slow" p14:dur="2000"/>
     </mc:Choice>
-    <mc:Fallback xmlns="" xmlns:p15="http://schemas.microsoft.com/office/powerpoint/2012/main">
+    <mc:Fallback xmlns:p15="http://schemas.microsoft.com/office/powerpoint/2012/main" xmlns="">
       <p:transition spd="slow"/>
     </mc:Fallback>
   </mc:AlternateContent>
@@ -9948,7 +10049,7 @@
     <mc:Choice Requires="p14">
       <p:transition spd="slow" p14:dur="2000"/>
     </mc:Choice>
-    <mc:Fallback xmlns="" xmlns:p15="http://schemas.microsoft.com/office/powerpoint/2012/main">
+    <mc:Fallback xmlns:p15="http://schemas.microsoft.com/office/powerpoint/2012/main" xmlns="">
       <p:transition spd="slow"/>
     </mc:Fallback>
   </mc:AlternateContent>
@@ -10129,7 +10230,7 @@
     <mc:Choice Requires="p14">
       <p:transition spd="slow" p14:dur="2000"/>
     </mc:Choice>
-    <mc:Fallback xmlns="" xmlns:p15="http://schemas.microsoft.com/office/powerpoint/2012/main">
+    <mc:Fallback xmlns:p15="http://schemas.microsoft.com/office/powerpoint/2012/main" xmlns="">
       <p:transition spd="slow"/>
     </mc:Fallback>
   </mc:AlternateContent>
@@ -10310,7 +10411,7 @@
     <mc:Choice Requires="p14">
       <p:transition spd="slow" p14:dur="2000"/>
     </mc:Choice>
-    <mc:Fallback xmlns="" xmlns:p15="http://schemas.microsoft.com/office/powerpoint/2012/main">
+    <mc:Fallback xmlns:p15="http://schemas.microsoft.com/office/powerpoint/2012/main" xmlns="">
       <p:transition spd="slow"/>
     </mc:Fallback>
   </mc:AlternateContent>
@@ -10883,7 +10984,7 @@
     <mc:Choice Requires="p14">
       <p:transition spd="slow" p14:dur="2000"/>
     </mc:Choice>
-    <mc:Fallback xmlns="" xmlns:p15="http://schemas.microsoft.com/office/powerpoint/2012/main">
+    <mc:Fallback xmlns:p15="http://schemas.microsoft.com/office/powerpoint/2012/main" xmlns="">
       <p:transition spd="slow"/>
     </mc:Fallback>
   </mc:AlternateContent>
@@ -11034,7 +11135,7 @@
     <mc:Choice Requires="p14">
       <p:transition spd="slow" p14:dur="2000"/>
     </mc:Choice>
-    <mc:Fallback xmlns="" xmlns:p15="http://schemas.microsoft.com/office/powerpoint/2012/main">
+    <mc:Fallback xmlns:p15="http://schemas.microsoft.com/office/powerpoint/2012/main" xmlns="">
       <p:transition spd="slow"/>
     </mc:Fallback>
   </mc:AlternateContent>
@@ -11920,7 +12021,7 @@
     <mc:Choice Requires="p14">
       <p:transition spd="slow" p14:dur="2000"/>
     </mc:Choice>
-    <mc:Fallback xmlns="" xmlns:p15="http://schemas.microsoft.com/office/powerpoint/2012/main">
+    <mc:Fallback xmlns:p15="http://schemas.microsoft.com/office/powerpoint/2012/main" xmlns="">
       <p:transition spd="slow"/>
     </mc:Fallback>
   </mc:AlternateContent>
@@ -12036,7 +12137,7 @@
         </p:nvSpPr>
         <p:spPr>
           <a:xfrm>
-            <a:off x="275203" y="2070598"/>
+            <a:off x="626185" y="1957527"/>
             <a:ext cx="987709" cy="593280"/>
           </a:xfrm>
           <a:prstGeom prst="roundRect">
@@ -12105,7 +12206,7 @@
         </p:nvSpPr>
         <p:spPr>
           <a:xfrm>
-            <a:off x="266203" y="2662438"/>
+            <a:off x="617185" y="2549367"/>
             <a:ext cx="996709" cy="196920"/>
           </a:xfrm>
           <a:prstGeom prst="roundRect">
@@ -12165,7 +12266,7 @@
         </p:nvSpPr>
         <p:spPr>
           <a:xfrm>
-            <a:off x="1387820" y="2270748"/>
+            <a:off x="1738802" y="2157677"/>
             <a:ext cx="632865" cy="345520"/>
           </a:xfrm>
           <a:prstGeom prst="roundRect">
@@ -12228,7 +12329,7 @@
         </p:nvSpPr>
         <p:spPr>
           <a:xfrm>
-            <a:off x="2154753" y="2070598"/>
+            <a:off x="2505735" y="1957527"/>
             <a:ext cx="987709" cy="593280"/>
           </a:xfrm>
           <a:prstGeom prst="roundRect">
@@ -12297,7 +12398,7 @@
         </p:nvSpPr>
         <p:spPr>
           <a:xfrm>
-            <a:off x="2145753" y="2662438"/>
+            <a:off x="2496735" y="2549367"/>
             <a:ext cx="996709" cy="196920"/>
           </a:xfrm>
           <a:prstGeom prst="roundRect">
@@ -12357,7 +12458,7 @@
         </p:nvSpPr>
         <p:spPr>
           <a:xfrm>
-            <a:off x="3276530" y="2270748"/>
+            <a:off x="3627512" y="2157677"/>
             <a:ext cx="632865" cy="345520"/>
           </a:xfrm>
           <a:prstGeom prst="roundRect">
@@ -12418,7 +12519,7 @@
         </p:nvSpPr>
         <p:spPr>
           <a:xfrm>
-            <a:off x="4077784" y="2070598"/>
+            <a:off x="4428766" y="1957527"/>
             <a:ext cx="987709" cy="593280"/>
           </a:xfrm>
           <a:prstGeom prst="roundRect">
@@ -12487,7 +12588,7 @@
         </p:nvSpPr>
         <p:spPr>
           <a:xfrm>
-            <a:off x="4068784" y="2662438"/>
+            <a:off x="4419766" y="2549367"/>
             <a:ext cx="996709" cy="196920"/>
           </a:xfrm>
           <a:prstGeom prst="roundRect">
@@ -12547,7 +12648,7 @@
         </p:nvSpPr>
         <p:spPr>
           <a:xfrm>
-            <a:off x="1282181" y="2617081"/>
+            <a:off x="1633163" y="2504010"/>
             <a:ext cx="844141" cy="287634"/>
           </a:xfrm>
           <a:prstGeom prst="rightArrow">
@@ -12600,7 +12701,7 @@
         </p:nvSpPr>
         <p:spPr>
           <a:xfrm>
-            <a:off x="5217656" y="2242208"/>
+            <a:off x="5568638" y="2129137"/>
             <a:ext cx="632865" cy="345520"/>
           </a:xfrm>
           <a:prstGeom prst="roundRect">
@@ -12661,7 +12762,7 @@
         </p:nvSpPr>
         <p:spPr>
           <a:xfrm>
-            <a:off x="6014291" y="2086602"/>
+            <a:off x="6365273" y="1973531"/>
             <a:ext cx="987709" cy="593280"/>
           </a:xfrm>
           <a:prstGeom prst="roundRect">
@@ -12730,7 +12831,7 @@
         </p:nvSpPr>
         <p:spPr>
           <a:xfrm>
-            <a:off x="6005291" y="2678442"/>
+            <a:off x="6356273" y="2565371"/>
             <a:ext cx="996709" cy="196920"/>
           </a:xfrm>
           <a:prstGeom prst="roundRect">
@@ -12790,7 +12891,7 @@
         </p:nvSpPr>
         <p:spPr>
           <a:xfrm>
-            <a:off x="3190162" y="2616268"/>
+            <a:off x="3541144" y="2503197"/>
             <a:ext cx="844141" cy="287634"/>
           </a:xfrm>
           <a:prstGeom prst="rightArrow">
@@ -12843,7 +12944,7 @@
         </p:nvSpPr>
         <p:spPr>
           <a:xfrm>
-            <a:off x="5112019" y="2587728"/>
+            <a:off x="5463001" y="2474657"/>
             <a:ext cx="844141" cy="287634"/>
           </a:xfrm>
           <a:prstGeom prst="rightArrow">
@@ -12896,7 +12997,7 @@
         </p:nvSpPr>
         <p:spPr>
           <a:xfrm>
-            <a:off x="7165768" y="2219117"/>
+            <a:off x="5595647" y="3565677"/>
             <a:ext cx="632865" cy="345520"/>
           </a:xfrm>
           <a:prstGeom prst="roundRect">
@@ -12957,7 +13058,7 @@
         </p:nvSpPr>
         <p:spPr>
           <a:xfrm>
-            <a:off x="7962403" y="2063511"/>
+            <a:off x="6392282" y="3410071"/>
             <a:ext cx="987709" cy="593280"/>
           </a:xfrm>
           <a:prstGeom prst="roundRect">
@@ -13026,7 +13127,7 @@
         </p:nvSpPr>
         <p:spPr>
           <a:xfrm>
-            <a:off x="7953403" y="2655351"/>
+            <a:off x="6383282" y="4001911"/>
             <a:ext cx="996709" cy="196920"/>
           </a:xfrm>
           <a:prstGeom prst="roundRect">
@@ -13086,7 +13187,7 @@
         </p:nvSpPr>
         <p:spPr>
           <a:xfrm>
-            <a:off x="7060131" y="2564637"/>
+            <a:off x="5490010" y="3911197"/>
             <a:ext cx="844141" cy="287634"/>
           </a:xfrm>
           <a:prstGeom prst="rightArrow">
@@ -13254,8 +13355,8 @@
         </p:nvSpPr>
         <p:spPr>
           <a:xfrm>
-            <a:off x="426771" y="3195024"/>
-            <a:ext cx="10176574" cy="2743958"/>
+            <a:off x="507360" y="4348871"/>
+            <a:ext cx="10176574" cy="1553676"/>
           </a:xfrm>
           <a:prstGeom prst="rect">
             <a:avLst/>
@@ -13652,7 +13753,17 @@
                 <a:latin typeface="標楷體" panose="03000509000000000000" pitchFamily="65" charset="-120"/>
                 <a:ea typeface="標楷體" panose="03000509000000000000" pitchFamily="65" charset="-120"/>
               </a:rPr>
-              <a:t> 測試</a:t>
+              <a:t> </a:t>
+            </a:r>
+            <a:r>
+              <a:rPr lang="zh-TW" altLang="en-US" sz="2400" spc="-1" dirty="0" smtClean="0">
+                <a:solidFill>
+                  <a:srgbClr val="002060"/>
+                </a:solidFill>
+                <a:latin typeface="標楷體" panose="03000509000000000000" pitchFamily="65" charset="-120"/>
+                <a:ea typeface="標楷體" panose="03000509000000000000" pitchFamily="65" charset="-120"/>
+              </a:rPr>
+              <a:t>測試</a:t>
             </a:r>
             <a:endParaRPr lang="en-US" altLang="zh-TW" sz="2400" spc="-1" dirty="0">
               <a:solidFill>
@@ -13662,35 +13773,146 @@
               <a:ea typeface="標楷體" panose="03000509000000000000" pitchFamily="65" charset="-120"/>
             </a:endParaRPr>
           </a:p>
-          <a:p>
-            <a:pPr>
+        </p:txBody>
+      </p:sp>
+      <p:sp>
+        <p:nvSpPr>
+          <p:cNvPr id="32" name="圓角矩形 1"/>
+          <p:cNvSpPr/>
+          <p:nvPr/>
+        </p:nvSpPr>
+        <p:spPr>
+          <a:xfrm>
+            <a:off x="8407194" y="3782159"/>
+            <a:ext cx="632865" cy="414104"/>
+          </a:xfrm>
+          <a:prstGeom prst="roundRect">
+            <a:avLst>
+              <a:gd name="adj" fmla="val 16667"/>
+            </a:avLst>
+          </a:prstGeom>
+          <a:solidFill>
+            <a:schemeClr val="accent4">
+              <a:lumMod val="60000"/>
+              <a:lumOff val="40000"/>
+            </a:schemeClr>
+          </a:solidFill>
+          <a:ln/>
+        </p:spPr>
+        <p:style>
+          <a:lnRef idx="3">
+            <a:schemeClr val="lt1"/>
+          </a:lnRef>
+          <a:fillRef idx="1">
+            <a:schemeClr val="accent1"/>
+          </a:fillRef>
+          <a:effectRef idx="1">
+            <a:schemeClr val="accent1"/>
+          </a:effectRef>
+          <a:fontRef idx="minor">
+            <a:schemeClr val="lt1"/>
+          </a:fontRef>
+        </p:style>
+        <p:txBody>
+          <a:bodyPr lIns="90000" tIns="45000" rIns="90000" bIns="45000" anchor="ctr">
+            <a:noAutofit/>
+          </a:bodyPr>
+          <a:lstStyle/>
+          <a:p>
+            <a:pPr algn="ctr" defTabSz="914400">
               <a:lnSpc>
                 <a:spcPct val="100000"/>
               </a:lnSpc>
-              <a:tabLst>
-                <a:tab pos="0" algn="l"/>
-              </a:tabLst>
             </a:pPr>
-            <a:endParaRPr lang="zh-TW" altLang="en-US" sz="2400" spc="-1" dirty="0">
+            <a:r>
+              <a:rPr lang="en-US" altLang="zh-TW" sz="1400" b="0" strike="noStrike" spc="-1" dirty="0" smtClean="0">
+                <a:solidFill>
+                  <a:schemeClr val="dk1"/>
+                </a:solidFill>
+                <a:latin typeface="Arial"/>
+              </a:rPr>
+              <a:t>UAT</a:t>
+            </a:r>
+            <a:endParaRPr lang="en-US" sz="1400" b="0" strike="noStrike" spc="-1" dirty="0">
               <a:solidFill>
                 <a:srgbClr val="000000"/>
               </a:solidFill>
-              <a:latin typeface="標楷體" panose="03000509000000000000" pitchFamily="65" charset="-120"/>
-              <a:ea typeface="標楷體" panose="03000509000000000000" pitchFamily="65" charset="-120"/>
+              <a:latin typeface="Arial"/>
             </a:endParaRPr>
           </a:p>
         </p:txBody>
       </p:sp>
       <p:sp>
         <p:nvSpPr>
-          <p:cNvPr id="63" name="向右箭號 3"/>
+          <p:cNvPr id="33" name="圓角矩形 1"/>
           <p:cNvSpPr/>
           <p:nvPr/>
         </p:nvSpPr>
         <p:spPr>
           <a:xfrm>
-            <a:off x="9008243" y="2587728"/>
-            <a:ext cx="256301" cy="257670"/>
+            <a:off x="8407194" y="3410071"/>
+            <a:ext cx="632865" cy="383559"/>
+          </a:xfrm>
+          <a:prstGeom prst="roundRect">
+            <a:avLst>
+              <a:gd name="adj" fmla="val 16667"/>
+            </a:avLst>
+          </a:prstGeom>
+          <a:ln/>
+        </p:spPr>
+        <p:style>
+          <a:lnRef idx="3">
+            <a:schemeClr val="lt1"/>
+          </a:lnRef>
+          <a:fillRef idx="1">
+            <a:schemeClr val="accent5"/>
+          </a:fillRef>
+          <a:effectRef idx="1">
+            <a:schemeClr val="accent5"/>
+          </a:effectRef>
+          <a:fontRef idx="minor">
+            <a:schemeClr val="lt1"/>
+          </a:fontRef>
+        </p:style>
+        <p:txBody>
+          <a:bodyPr lIns="90000" tIns="45000" rIns="90000" bIns="45000" anchor="ctr">
+            <a:noAutofit/>
+          </a:bodyPr>
+          <a:lstStyle/>
+          <a:p>
+            <a:pPr algn="ctr" defTabSz="914400">
+              <a:lnSpc>
+                <a:spcPct val="100000"/>
+              </a:lnSpc>
+            </a:pPr>
+            <a:r>
+              <a:rPr lang="en-US" altLang="zh-TW" sz="1400" b="0" strike="noStrike" spc="-1" dirty="0" smtClean="0">
+                <a:solidFill>
+                  <a:schemeClr val="dk1"/>
+                </a:solidFill>
+                <a:latin typeface="Arial"/>
+              </a:rPr>
+              <a:t>A</a:t>
+            </a:r>
+            <a:endParaRPr lang="en-US" sz="1400" b="0" strike="noStrike" spc="-1" dirty="0">
+              <a:solidFill>
+                <a:srgbClr val="000000"/>
+              </a:solidFill>
+              <a:latin typeface="Arial"/>
+            </a:endParaRPr>
+          </a:p>
+        </p:txBody>
+      </p:sp>
+      <p:sp>
+        <p:nvSpPr>
+          <p:cNvPr id="34" name="向右箭號 3"/>
+          <p:cNvSpPr/>
+          <p:nvPr/>
+        </p:nvSpPr>
+        <p:spPr>
+          <a:xfrm>
+            <a:off x="7444514" y="2477891"/>
+            <a:ext cx="844141" cy="287634"/>
           </a:xfrm>
           <a:prstGeom prst="rightArrow">
             <a:avLst>
@@ -13736,13 +13958,66 @@
       </p:sp>
       <p:sp>
         <p:nvSpPr>
-          <p:cNvPr id="32" name="圓角矩形 1"/>
+          <p:cNvPr id="42" name="向右箭號 3"/>
           <p:cNvSpPr/>
           <p:nvPr/>
         </p:nvSpPr>
         <p:spPr>
           <a:xfrm>
-            <a:off x="9322675" y="2435599"/>
+            <a:off x="7471522" y="3914050"/>
+            <a:ext cx="844141" cy="287634"/>
+          </a:xfrm>
+          <a:prstGeom prst="rightArrow">
+            <a:avLst>
+              <a:gd name="adj1" fmla="val 50000"/>
+              <a:gd name="adj2" fmla="val 50000"/>
+            </a:avLst>
+          </a:prstGeom>
+          <a:solidFill>
+            <a:srgbClr val="FF0000"/>
+          </a:solidFill>
+          <a:ln>
+            <a:noFill/>
+          </a:ln>
+        </p:spPr>
+        <p:style>
+          <a:lnRef idx="2">
+            <a:schemeClr val="accent1">
+              <a:shade val="50000"/>
+            </a:schemeClr>
+          </a:lnRef>
+          <a:fillRef idx="1">
+            <a:schemeClr val="accent1"/>
+          </a:fillRef>
+          <a:effectRef idx="0">
+            <a:schemeClr val="accent1"/>
+          </a:effectRef>
+          <a:fontRef idx="minor"/>
+        </p:style>
+        <p:txBody>
+          <a:bodyPr lIns="90000" tIns="45000" rIns="90000" bIns="45000" anchor="ctr">
+            <a:noAutofit/>
+          </a:bodyPr>
+          <a:lstStyle/>
+          <a:p>
+            <a:endParaRPr lang="en-US" sz="1200" b="0" strike="noStrike" spc="-1">
+              <a:solidFill>
+                <a:schemeClr val="lt1"/>
+              </a:solidFill>
+              <a:latin typeface="Arial"/>
+            </a:endParaRPr>
+          </a:p>
+        </p:txBody>
+      </p:sp>
+      <p:sp>
+        <p:nvSpPr>
+          <p:cNvPr id="43" name="圓角矩形 1"/>
+          <p:cNvSpPr/>
+          <p:nvPr/>
+        </p:nvSpPr>
+        <p:spPr>
+          <a:xfrm>
+            <a:off x="8375185" y="2329615"/>
             <a:ext cx="632865" cy="414104"/>
           </a:xfrm>
           <a:prstGeom prst="roundRect">
@@ -13751,10 +14026,7 @@
             </a:avLst>
           </a:prstGeom>
           <a:solidFill>
-            <a:schemeClr val="accent4">
-              <a:lumMod val="60000"/>
-              <a:lumOff val="40000"/>
-            </a:schemeClr>
+            <a:srgbClr val="FFFF00"/>
           </a:solidFill>
           <a:ln/>
         </p:spPr>
@@ -13790,7 +14062,7 @@
                 </a:solidFill>
                 <a:latin typeface="Arial"/>
               </a:rPr>
-              <a:t>UAT</a:t>
+              <a:t>SIT</a:t>
             </a:r>
             <a:endParaRPr lang="en-US" sz="1400" b="0" strike="noStrike" spc="-1" dirty="0">
               <a:solidFill>
@@ -13803,13 +14075,13 @@
       </p:sp>
       <p:sp>
         <p:nvSpPr>
-          <p:cNvPr id="33" name="圓角矩形 1"/>
+          <p:cNvPr id="44" name="圓角矩形 1"/>
           <p:cNvSpPr/>
           <p:nvPr/>
         </p:nvSpPr>
         <p:spPr>
           <a:xfrm>
-            <a:off x="9322675" y="2063511"/>
+            <a:off x="8375185" y="1957527"/>
             <a:ext cx="632865" cy="383559"/>
           </a:xfrm>
           <a:prstGeom prst="roundRect">
@@ -13862,6 +14134,249 @@
           </a:p>
         </p:txBody>
       </p:sp>
+      <p:sp>
+        <p:nvSpPr>
+          <p:cNvPr id="45" name="圓角矩形 10"/>
+          <p:cNvSpPr/>
+          <p:nvPr/>
+        </p:nvSpPr>
+        <p:spPr>
+          <a:xfrm>
+            <a:off x="4428766" y="3410071"/>
+            <a:ext cx="987709" cy="593280"/>
+          </a:xfrm>
+          <a:prstGeom prst="roundRect">
+            <a:avLst>
+              <a:gd name="adj" fmla="val 16667"/>
+            </a:avLst>
+          </a:prstGeom>
+          <a:solidFill>
+            <a:srgbClr val="4BACC6"/>
+          </a:solidFill>
+          <a:ln>
+            <a:noFill/>
+          </a:ln>
+        </p:spPr>
+        <p:style>
+          <a:lnRef idx="2">
+            <a:schemeClr val="accent5">
+              <a:shade val="50000"/>
+            </a:schemeClr>
+          </a:lnRef>
+          <a:fillRef idx="1">
+            <a:schemeClr val="accent5"/>
+          </a:fillRef>
+          <a:effectRef idx="0">
+            <a:schemeClr val="accent5"/>
+          </a:effectRef>
+          <a:fontRef idx="minor"/>
+        </p:style>
+        <p:txBody>
+          <a:bodyPr lIns="90000" tIns="45000" rIns="90000" bIns="45000" anchor="ctr">
+            <a:noAutofit/>
+          </a:bodyPr>
+          <a:lstStyle/>
+          <a:p>
+            <a:pPr algn="ctr" defTabSz="914400">
+              <a:lnSpc>
+                <a:spcPct val="100000"/>
+              </a:lnSpc>
+            </a:pPr>
+            <a:r>
+              <a:rPr lang="en-US" altLang="zh-TW" sz="1600" spc="-1" dirty="0" smtClean="0">
+                <a:solidFill>
+                  <a:schemeClr val="dk1"/>
+                </a:solidFill>
+                <a:latin typeface="Arial"/>
+              </a:rPr>
+              <a:t>Issue A</a:t>
+            </a:r>
+            <a:r>
+              <a:rPr lang="en-US" altLang="zh-TW" sz="1600" b="0" strike="noStrike" spc="-1" dirty="0" smtClean="0">
+                <a:solidFill>
+                  <a:schemeClr val="dk1"/>
+                </a:solidFill>
+                <a:latin typeface="Arial"/>
+              </a:rPr>
+              <a:t> </a:t>
+            </a:r>
+          </a:p>
+        </p:txBody>
+      </p:sp>
+      <p:sp>
+        <p:nvSpPr>
+          <p:cNvPr id="46" name="圓角矩形 11"/>
+          <p:cNvSpPr/>
+          <p:nvPr/>
+        </p:nvSpPr>
+        <p:spPr>
+          <a:xfrm>
+            <a:off x="4419766" y="4001911"/>
+            <a:ext cx="996709" cy="196920"/>
+          </a:xfrm>
+          <a:prstGeom prst="roundRect">
+            <a:avLst>
+              <a:gd name="adj" fmla="val 16667"/>
+            </a:avLst>
+          </a:prstGeom>
+          <a:solidFill>
+            <a:srgbClr val="F79646"/>
+          </a:solidFill>
+          <a:ln>
+            <a:noFill/>
+          </a:ln>
+        </p:spPr>
+        <p:style>
+          <a:lnRef idx="2">
+            <a:schemeClr val="accent6">
+              <a:shade val="50000"/>
+            </a:schemeClr>
+          </a:lnRef>
+          <a:fillRef idx="1">
+            <a:schemeClr val="accent6"/>
+          </a:fillRef>
+          <a:effectRef idx="0">
+            <a:schemeClr val="accent6"/>
+          </a:effectRef>
+          <a:fontRef idx="minor"/>
+        </p:style>
+        <p:txBody>
+          <a:bodyPr lIns="90000" tIns="45000" rIns="90000" bIns="45000" anchor="ctr">
+            <a:noAutofit/>
+          </a:bodyPr>
+          <a:lstStyle/>
+          <a:p>
+            <a:pPr algn="ctr"/>
+            <a:r>
+              <a:rPr lang="en-US" altLang="zh-TW" sz="1200" spc="-1" dirty="0" smtClean="0">
+                <a:solidFill>
+                  <a:schemeClr val="dk1"/>
+                </a:solidFill>
+              </a:rPr>
+              <a:t>remote</a:t>
+            </a:r>
+            <a:endParaRPr lang="en-US" altLang="zh-TW" sz="1200" spc="-1" dirty="0">
+              <a:solidFill>
+                <a:srgbClr val="000000"/>
+              </a:solidFill>
+            </a:endParaRPr>
+          </a:p>
+        </p:txBody>
+      </p:sp>
+      <p:cxnSp>
+        <p:nvCxnSpPr>
+          <p:cNvPr id="11" name="肘形接點 10"/>
+          <p:cNvCxnSpPr>
+            <a:stCxn id="43" idx="2"/>
+            <a:endCxn id="45" idx="0"/>
+          </p:cNvCxnSpPr>
+          <p:nvPr/>
+        </p:nvCxnSpPr>
+        <p:spPr>
+          <a:xfrm rot="5400000">
+            <a:off x="6473944" y="1192397"/>
+            <a:ext cx="666352" cy="3768997"/>
+          </a:xfrm>
+          <a:prstGeom prst="bentConnector3">
+            <a:avLst/>
+          </a:prstGeom>
+          <a:ln>
+            <a:solidFill>
+              <a:schemeClr val="tx1"/>
+            </a:solidFill>
+            <a:tailEnd type="triangle"/>
+          </a:ln>
+        </p:spPr>
+        <p:style>
+          <a:lnRef idx="1">
+            <a:schemeClr val="accent1"/>
+          </a:lnRef>
+          <a:fillRef idx="0">
+            <a:schemeClr val="accent1"/>
+          </a:fillRef>
+          <a:effectRef idx="0">
+            <a:schemeClr val="accent1"/>
+          </a:effectRef>
+          <a:fontRef idx="minor">
+            <a:schemeClr val="tx1"/>
+          </a:fontRef>
+        </p:style>
+      </p:cxnSp>
+      <p:sp>
+        <p:nvSpPr>
+          <p:cNvPr id="48" name="圓角矩形 1"/>
+          <p:cNvSpPr/>
+          <p:nvPr/>
+        </p:nvSpPr>
+        <p:spPr>
+          <a:xfrm>
+            <a:off x="6325958" y="2899299"/>
+            <a:ext cx="1127096" cy="410377"/>
+          </a:xfrm>
+          <a:prstGeom prst="roundRect">
+            <a:avLst>
+              <a:gd name="adj" fmla="val 16667"/>
+            </a:avLst>
+          </a:prstGeom>
+          <a:solidFill>
+            <a:srgbClr val="FFFF00"/>
+          </a:solidFill>
+          <a:ln/>
+        </p:spPr>
+        <p:style>
+          <a:lnRef idx="2">
+            <a:schemeClr val="accent4">
+              <a:shade val="50000"/>
+            </a:schemeClr>
+          </a:lnRef>
+          <a:fillRef idx="1">
+            <a:schemeClr val="accent4"/>
+          </a:fillRef>
+          <a:effectRef idx="0">
+            <a:schemeClr val="accent4"/>
+          </a:effectRef>
+          <a:fontRef idx="minor">
+            <a:schemeClr val="lt1"/>
+          </a:fontRef>
+        </p:style>
+        <p:txBody>
+          <a:bodyPr lIns="90000" tIns="45000" rIns="90000" bIns="45000" anchor="ctr">
+            <a:noAutofit/>
+          </a:bodyPr>
+          <a:lstStyle/>
+          <a:p>
+            <a:pPr algn="ctr" defTabSz="914400">
+              <a:lnSpc>
+                <a:spcPct val="100000"/>
+              </a:lnSpc>
+            </a:pPr>
+            <a:r>
+              <a:rPr lang="zh-TW" altLang="en-US" sz="1400" b="1" spc="-1" dirty="0" smtClean="0">
+                <a:solidFill>
+                  <a:schemeClr val="dk1"/>
+                </a:solidFill>
+                <a:latin typeface="Arial"/>
+              </a:rPr>
+              <a:t>測試通</a:t>
+            </a:r>
+            <a:r>
+              <a:rPr lang="zh-TW" altLang="en-US" sz="1400" b="1" spc="-1" dirty="0">
+                <a:solidFill>
+                  <a:schemeClr val="dk1"/>
+                </a:solidFill>
+                <a:latin typeface="Arial"/>
+              </a:rPr>
+              <a:t>過</a:t>
+            </a:r>
+            <a:endParaRPr lang="en-US" sz="1400" b="1" strike="noStrike" spc="-1" dirty="0">
+              <a:solidFill>
+                <a:srgbClr val="000000"/>
+              </a:solidFill>
+              <a:latin typeface="Arial"/>
+            </a:endParaRPr>
+          </a:p>
+        </p:txBody>
+      </p:sp>
     </p:spTree>
     <p:extLst>
       <p:ext uri="{BB962C8B-B14F-4D97-AF65-F5344CB8AC3E}">
@@ -13876,7 +14391,7 @@
     <mc:Choice Requires="p14">
       <p:transition spd="slow" p14:dur="2000"/>
     </mc:Choice>
-    <mc:Fallback xmlns="" xmlns:p15="http://schemas.microsoft.com/office/powerpoint/2012/main">
+    <mc:Fallback xmlns:p15="http://schemas.microsoft.com/office/powerpoint/2012/main" xmlns="">
       <p:transition spd="slow"/>
     </mc:Fallback>
   </mc:AlternateContent>
@@ -14149,7 +14664,7 @@
     <mc:Choice Requires="p14">
       <p:transition spd="slow" p14:dur="2000"/>
     </mc:Choice>
-    <mc:Fallback xmlns="" xmlns:p15="http://schemas.microsoft.com/office/powerpoint/2012/main">
+    <mc:Fallback xmlns:p15="http://schemas.microsoft.com/office/powerpoint/2012/main" xmlns="">
       <p:transition spd="slow"/>
     </mc:Fallback>
   </mc:AlternateContent>
@@ -14413,7 +14928,7 @@
     <mc:Choice Requires="p14">
       <p:transition spd="slow" p14:dur="2000"/>
     </mc:Choice>
-    <mc:Fallback xmlns="" xmlns:p15="http://schemas.microsoft.com/office/powerpoint/2012/main">
+    <mc:Fallback xmlns:p15="http://schemas.microsoft.com/office/powerpoint/2012/main" xmlns="">
       <p:transition spd="slow"/>
     </mc:Fallback>
   </mc:AlternateContent>
@@ -14667,7 +15182,7 @@
     <mc:Choice Requires="p14">
       <p:transition spd="slow" p14:dur="2000"/>
     </mc:Choice>
-    <mc:Fallback xmlns="" xmlns:p15="http://schemas.microsoft.com/office/powerpoint/2012/main">
+    <mc:Fallback xmlns:p15="http://schemas.microsoft.com/office/powerpoint/2012/main" xmlns="">
       <p:transition spd="slow"/>
     </mc:Fallback>
   </mc:AlternateContent>
@@ -14901,7 +15416,7 @@
     <mc:Choice Requires="p14">
       <p:transition spd="slow" p14:dur="2000"/>
     </mc:Choice>
-    <mc:Fallback xmlns="" xmlns:p15="http://schemas.microsoft.com/office/powerpoint/2012/main">
+    <mc:Fallback xmlns:p15="http://schemas.microsoft.com/office/powerpoint/2012/main" xmlns="">
       <p:transition spd="slow"/>
     </mc:Fallback>
   </mc:AlternateContent>
@@ -15135,7 +15650,7 @@
     <mc:Choice Requires="p14">
       <p:transition spd="slow" p14:dur="2000"/>
     </mc:Choice>
-    <mc:Fallback xmlns="" xmlns:p15="http://schemas.microsoft.com/office/powerpoint/2012/main">
+    <mc:Fallback xmlns:p15="http://schemas.microsoft.com/office/powerpoint/2012/main" xmlns="">
       <p:transition spd="slow"/>
     </mc:Fallback>
   </mc:AlternateContent>
@@ -15212,17 +15727,7 @@
                 <a:latin typeface="微軟正黑體"/>
                 <a:ea typeface="微軟正黑體"/>
               </a:rPr>
-              <a:t>Jenkins </a:t>
-            </a:r>
-            <a:r>
-              <a:rPr lang="en-US" altLang="zh-TW" sz="3600" b="1" strike="noStrike" spc="-1" dirty="0" smtClean="0">
-                <a:solidFill>
-                  <a:srgbClr val="002060"/>
-                </a:solidFill>
-                <a:latin typeface="微軟正黑體"/>
-                <a:ea typeface="微軟正黑體"/>
-              </a:rPr>
-              <a:t>pipeline (</a:t>
+              <a:t>Jenkins pipeline (</a:t>
             </a:r>
             <a:r>
               <a:rPr lang="zh-TW" altLang="en-US" sz="3600" b="1" strike="noStrike" spc="-1" dirty="0" smtClean="0">
@@ -15369,7 +15874,7 @@
     <mc:Choice Requires="p14">
       <p:transition spd="slow" p14:dur="2000"/>
     </mc:Choice>
-    <mc:Fallback xmlns="" xmlns:p15="http://schemas.microsoft.com/office/powerpoint/2012/main">
+    <mc:Fallback xmlns:p15="http://schemas.microsoft.com/office/powerpoint/2012/main" xmlns="">
       <p:transition spd="slow"/>
     </mc:Fallback>
   </mc:AlternateContent>
@@ -15446,17 +15951,7 @@
                 <a:latin typeface="微軟正黑體"/>
                 <a:ea typeface="微軟正黑體"/>
               </a:rPr>
-              <a:t>Jenkins </a:t>
-            </a:r>
-            <a:r>
-              <a:rPr lang="en-US" altLang="zh-TW" sz="3600" b="1" strike="noStrike" spc="-1" dirty="0" smtClean="0">
-                <a:solidFill>
-                  <a:srgbClr val="002060"/>
-                </a:solidFill>
-                <a:latin typeface="微軟正黑體"/>
-                <a:ea typeface="微軟正黑體"/>
-              </a:rPr>
-              <a:t>pipeline (</a:t>
+              <a:t>Jenkins pipeline (</a:t>
             </a:r>
             <a:r>
               <a:rPr lang="zh-TW" altLang="en-US" sz="3600" b="1" strike="noStrike" spc="-1" dirty="0" smtClean="0">
@@ -15642,7 +16137,7 @@
     <mc:Choice Requires="p14">
       <p:transition spd="slow" p14:dur="2000"/>
     </mc:Choice>
-    <mc:Fallback xmlns="" xmlns:p15="http://schemas.microsoft.com/office/powerpoint/2012/main">
+    <mc:Fallback xmlns:p15="http://schemas.microsoft.com/office/powerpoint/2012/main" xmlns="">
       <p:transition spd="slow"/>
     </mc:Fallback>
   </mc:AlternateContent>
@@ -15719,17 +16214,7 @@
                 <a:latin typeface="微軟正黑體"/>
                 <a:ea typeface="微軟正黑體"/>
               </a:rPr>
-              <a:t>Jenkins </a:t>
-            </a:r>
-            <a:r>
-              <a:rPr lang="en-US" altLang="zh-TW" sz="3600" b="1" strike="noStrike" spc="-1" dirty="0" smtClean="0">
-                <a:solidFill>
-                  <a:srgbClr val="002060"/>
-                </a:solidFill>
-                <a:latin typeface="微軟正黑體"/>
-                <a:ea typeface="微軟正黑體"/>
-              </a:rPr>
-              <a:t>pipeline (</a:t>
+              <a:t>Jenkins pipeline (</a:t>
             </a:r>
             <a:r>
               <a:rPr lang="zh-TW" altLang="en-US" sz="3600" b="1" strike="noStrike" spc="-1" dirty="0" smtClean="0">
@@ -15965,7 +16450,7 @@
     <mc:Choice Requires="p14">
       <p:transition spd="slow" p14:dur="2000"/>
     </mc:Choice>
-    <mc:Fallback xmlns="" xmlns:p15="http://schemas.microsoft.com/office/powerpoint/2012/main">
+    <mc:Fallback xmlns:p15="http://schemas.microsoft.com/office/powerpoint/2012/main" xmlns="">
       <p:transition spd="slow"/>
     </mc:Fallback>
   </mc:AlternateContent>
@@ -16042,17 +16527,7 @@
                 <a:latin typeface="微軟正黑體"/>
                 <a:ea typeface="微軟正黑體"/>
               </a:rPr>
-              <a:t>Jenkins </a:t>
-            </a:r>
-            <a:r>
-              <a:rPr lang="en-US" altLang="zh-TW" sz="3600" b="1" strike="noStrike" spc="-1" dirty="0" smtClean="0">
-                <a:solidFill>
-                  <a:srgbClr val="002060"/>
-                </a:solidFill>
-                <a:latin typeface="微軟正黑體"/>
-                <a:ea typeface="微軟正黑體"/>
-              </a:rPr>
-              <a:t>pipeline (</a:t>
+              <a:t>Jenkins pipeline (</a:t>
             </a:r>
             <a:r>
               <a:rPr lang="zh-TW" altLang="en-US" sz="3600" b="1" strike="noStrike" spc="-1" dirty="0" smtClean="0">
@@ -16268,7 +16743,7 @@
     <mc:Choice Requires="p14">
       <p:transition spd="slow" p14:dur="2000"/>
     </mc:Choice>
-    <mc:Fallback xmlns="" xmlns:p15="http://schemas.microsoft.com/office/powerpoint/2012/main">
+    <mc:Fallback xmlns:p15="http://schemas.microsoft.com/office/powerpoint/2012/main" xmlns="">
       <p:transition spd="slow"/>
     </mc:Fallback>
   </mc:AlternateContent>
@@ -16345,17 +16820,7 @@
                 <a:latin typeface="微軟正黑體"/>
                 <a:ea typeface="微軟正黑體"/>
               </a:rPr>
-              <a:t>Jenkins </a:t>
-            </a:r>
-            <a:r>
-              <a:rPr lang="en-US" altLang="zh-TW" sz="3600" b="1" strike="noStrike" spc="-1" dirty="0" smtClean="0">
-                <a:solidFill>
-                  <a:srgbClr val="002060"/>
-                </a:solidFill>
-                <a:latin typeface="微軟正黑體"/>
-                <a:ea typeface="微軟正黑體"/>
-              </a:rPr>
-              <a:t>pipeline (</a:t>
+              <a:t>Jenkins pipeline (</a:t>
             </a:r>
             <a:r>
               <a:rPr lang="zh-TW" altLang="en-US" sz="3600" b="1" strike="noStrike" spc="-1" dirty="0" smtClean="0">
@@ -16502,7 +16967,7 @@
     <mc:Choice Requires="p14">
       <p:transition spd="slow" p14:dur="2000"/>
     </mc:Choice>
-    <mc:Fallback xmlns="" xmlns:p15="http://schemas.microsoft.com/office/powerpoint/2012/main">
+    <mc:Fallback xmlns:p15="http://schemas.microsoft.com/office/powerpoint/2012/main" xmlns="">
       <p:transition spd="slow"/>
     </mc:Fallback>
   </mc:AlternateContent>
@@ -16620,8 +17085,8 @@
         </p:nvSpPr>
         <p:spPr>
           <a:xfrm>
-            <a:off x="441457" y="3591765"/>
-            <a:ext cx="9143999" cy="1838036"/>
+            <a:off x="233010" y="4456336"/>
+            <a:ext cx="9746015" cy="1435993"/>
           </a:xfrm>
           <a:prstGeom prst="rect">
             <a:avLst/>
@@ -16738,7 +17203,77 @@
                 <a:latin typeface="標楷體" panose="03000509000000000000" pitchFamily="65" charset="-120"/>
                 <a:ea typeface="標楷體" panose="03000509000000000000" pitchFamily="65" charset="-120"/>
               </a:rPr>
-              <a:t> branch &gt; </a:t>
+              <a:t> </a:t>
+            </a:r>
+            <a:r>
+              <a:rPr lang="en-US" altLang="zh-TW" sz="2400" spc="-1" dirty="0" smtClean="0">
+                <a:solidFill>
+                  <a:srgbClr val="002060"/>
+                </a:solidFill>
+                <a:latin typeface="標楷體" panose="03000509000000000000" pitchFamily="65" charset="-120"/>
+                <a:ea typeface="標楷體" panose="03000509000000000000" pitchFamily="65" charset="-120"/>
+              </a:rPr>
+              <a:t>branch</a:t>
+            </a:r>
+            <a:r>
+              <a:rPr lang="zh-TW" altLang="en-US" sz="2400" spc="-1" dirty="0" smtClean="0">
+                <a:solidFill>
+                  <a:srgbClr val="002060"/>
+                </a:solidFill>
+                <a:latin typeface="標楷體" panose="03000509000000000000" pitchFamily="65" charset="-120"/>
+                <a:ea typeface="標楷體" panose="03000509000000000000" pitchFamily="65" charset="-120"/>
+              </a:rPr>
+              <a:t> </a:t>
+            </a:r>
+            <a:r>
+              <a:rPr lang="en-US" altLang="zh-TW" sz="2400" spc="-1" dirty="0" smtClean="0">
+                <a:solidFill>
+                  <a:srgbClr val="002060"/>
+                </a:solidFill>
+                <a:latin typeface="標楷體" panose="03000509000000000000" pitchFamily="65" charset="-120"/>
+                <a:ea typeface="標楷體" panose="03000509000000000000" pitchFamily="65" charset="-120"/>
+              </a:rPr>
+              <a:t>(</a:t>
+            </a:r>
+            <a:r>
+              <a:rPr lang="zh-TW" altLang="en-US" sz="2400" spc="-1" dirty="0" smtClean="0">
+                <a:solidFill>
+                  <a:srgbClr val="002060"/>
+                </a:solidFill>
+                <a:latin typeface="標楷體" panose="03000509000000000000" pitchFamily="65" charset="-120"/>
+                <a:ea typeface="標楷體" panose="03000509000000000000" pitchFamily="65" charset="-120"/>
+              </a:rPr>
+              <a:t>有</a:t>
+            </a:r>
+            <a:r>
+              <a:rPr lang="en-US" altLang="zh-TW" sz="2400" spc="-1" dirty="0" smtClean="0">
+                <a:solidFill>
+                  <a:srgbClr val="002060"/>
+                </a:solidFill>
+                <a:latin typeface="標楷體" panose="03000509000000000000" pitchFamily="65" charset="-120"/>
+                <a:ea typeface="標楷體" panose="03000509000000000000" pitchFamily="65" charset="-120"/>
+              </a:rPr>
+              <a:t>A</a:t>
+            </a:r>
+            <a:r>
+              <a:rPr lang="zh-TW" altLang="en-US" sz="2400" spc="-1" dirty="0" smtClean="0">
+                <a:solidFill>
+                  <a:srgbClr val="002060"/>
+                </a:solidFill>
+                <a:latin typeface="標楷體" panose="03000509000000000000" pitchFamily="65" charset="-120"/>
+                <a:ea typeface="標楷體" panose="03000509000000000000" pitchFamily="65" charset="-120"/>
+              </a:rPr>
+              <a:t>版本</a:t>
+            </a:r>
+            <a:r>
+              <a:rPr lang="en-US" altLang="zh-TW" sz="2400" spc="-1" dirty="0" smtClean="0">
+                <a:solidFill>
+                  <a:srgbClr val="002060"/>
+                </a:solidFill>
+                <a:latin typeface="標楷體" panose="03000509000000000000" pitchFamily="65" charset="-120"/>
+                <a:ea typeface="標楷體" panose="03000509000000000000" pitchFamily="65" charset="-120"/>
+              </a:rPr>
+              <a:t>) &gt; </a:t>
             </a:r>
             <a:r>
               <a:rPr lang="zh-TW" altLang="en-US" sz="2400" spc="-1" dirty="0">
@@ -16751,14 +17286,14 @@
               <a:t>開發 </a:t>
             </a:r>
             <a:r>
-              <a:rPr lang="en-US" altLang="zh-TW" sz="2400" spc="-1" dirty="0">
-                <a:solidFill>
-                  <a:srgbClr val="002060"/>
-                </a:solidFill>
-                <a:latin typeface="標楷體" panose="03000509000000000000" pitchFamily="65" charset="-120"/>
-                <a:ea typeface="標楷體" panose="03000509000000000000" pitchFamily="65" charset="-120"/>
-              </a:rPr>
-              <a:t>A </a:t>
+              <a:rPr lang="en-US" altLang="zh-TW" sz="2400" spc="-1" dirty="0" smtClean="0">
+                <a:solidFill>
+                  <a:srgbClr val="002060"/>
+                </a:solidFill>
+                <a:latin typeface="標楷體" panose="03000509000000000000" pitchFamily="65" charset="-120"/>
+                <a:ea typeface="標楷體" panose="03000509000000000000" pitchFamily="65" charset="-120"/>
+              </a:rPr>
+              <a:t>B </a:t>
             </a:r>
             <a:r>
               <a:rPr lang="zh-TW" altLang="en-US" sz="2400" spc="-1" dirty="0">
@@ -16998,7 +17533,7 @@
               <a:t>因為 </a:t>
             </a:r>
             <a:r>
-              <a:rPr lang="en-US" altLang="zh-TW" sz="2400" b="1" spc="-1" dirty="0">
+              <a:rPr lang="en-US" altLang="zh-TW" sz="2400" b="1" spc="-1" dirty="0" smtClean="0">
                 <a:solidFill>
                   <a:srgbClr val="002060"/>
                 </a:solidFill>
@@ -17008,7 +17543,7 @@
               <a:t>UAT</a:t>
             </a:r>
             <a:r>
-              <a:rPr lang="zh-TW" altLang="en-US" sz="2400" b="1" spc="-1" dirty="0">
+              <a:rPr lang="zh-TW" altLang="en-US" sz="2400" b="1" spc="-1" dirty="0" smtClean="0">
                 <a:solidFill>
                   <a:srgbClr val="002060"/>
                 </a:solidFill>
@@ -17018,7 +17553,7 @@
               <a:t> 正在測試 </a:t>
             </a:r>
             <a:r>
-              <a:rPr lang="en-US" altLang="zh-TW" sz="2400" b="1" spc="-1" dirty="0">
+              <a:rPr lang="en-US" altLang="zh-TW" sz="2400" b="1" spc="-1" dirty="0" smtClean="0">
                 <a:solidFill>
                   <a:srgbClr val="002060"/>
                 </a:solidFill>
@@ -17028,7 +17563,7 @@
               <a:t>A</a:t>
             </a:r>
             <a:r>
-              <a:rPr lang="zh-TW" altLang="en-US" sz="2400" b="1" spc="-1" dirty="0">
+              <a:rPr lang="zh-TW" altLang="en-US" sz="2400" b="1" spc="-1" dirty="0" smtClean="0">
                 <a:solidFill>
                   <a:srgbClr val="002060"/>
                 </a:solidFill>
@@ -17038,7 +17573,7 @@
               <a:t> 版本</a:t>
             </a:r>
             <a:r>
-              <a:rPr lang="en-US" altLang="zh-TW" sz="2400" b="1" spc="-1" dirty="0">
+              <a:rPr lang="en-US" altLang="zh-TW" sz="2400" b="1" spc="-1" dirty="0" smtClean="0">
                 <a:solidFill>
                   <a:srgbClr val="002060"/>
                 </a:solidFill>
@@ -17048,14 +17583,24 @@
               <a:t>,</a:t>
             </a:r>
             <a:r>
-              <a:rPr lang="zh-TW" altLang="en-US" sz="2400" b="1" spc="-1" dirty="0">
-                <a:solidFill>
-                  <a:srgbClr val="002060"/>
-                </a:solidFill>
-                <a:latin typeface="標楷體" panose="03000509000000000000" pitchFamily="65" charset="-120"/>
-                <a:ea typeface="標楷體" panose="03000509000000000000" pitchFamily="65" charset="-120"/>
-              </a:rPr>
-              <a:t>不得 </a:t>
+              <a:rPr lang="zh-TW" altLang="en-US" sz="2400" b="1" spc="-1" dirty="0" smtClean="0">
+                <a:solidFill>
+                  <a:srgbClr val="FF0000"/>
+                </a:solidFill>
+                <a:latin typeface="標楷體" panose="03000509000000000000" pitchFamily="65" charset="-120"/>
+                <a:ea typeface="標楷體" panose="03000509000000000000" pitchFamily="65" charset="-120"/>
+              </a:rPr>
+              <a:t>不得</a:t>
+            </a:r>
+            <a:r>
+              <a:rPr lang="zh-TW" altLang="en-US" sz="2400" b="1" spc="-1" dirty="0" smtClean="0">
+                <a:solidFill>
+                  <a:srgbClr val="002060"/>
+                </a:solidFill>
+                <a:latin typeface="標楷體" panose="03000509000000000000" pitchFamily="65" charset="-120"/>
+                <a:ea typeface="標楷體" panose="03000509000000000000" pitchFamily="65" charset="-120"/>
+              </a:rPr>
+              <a:t> </a:t>
             </a:r>
             <a:r>
               <a:rPr lang="en-US" altLang="zh-TW" sz="2400" b="1" spc="-1" dirty="0" smtClean="0">
@@ -17098,7 +17643,7 @@
               <a:t> </a:t>
             </a:r>
             <a:r>
-              <a:rPr lang="en-US" altLang="zh-TW" sz="2400" b="1" spc="-1" dirty="0">
+              <a:rPr lang="en-US" altLang="zh-TW" sz="2400" b="1" spc="-1" dirty="0" smtClean="0">
                 <a:solidFill>
                   <a:srgbClr val="002060"/>
                 </a:solidFill>
@@ -17107,16 +17652,6 @@
               </a:rPr>
               <a:t>branch</a:t>
             </a:r>
-          </a:p>
-          <a:p>
-            <a:pPr>
-              <a:lnSpc>
-                <a:spcPct val="100000"/>
-              </a:lnSpc>
-              <a:tabLst>
-                <a:tab pos="0" algn="l"/>
-              </a:tabLst>
-            </a:pPr>
             <a:endParaRPr lang="en-US" altLang="zh-TW" sz="2400" spc="-1" dirty="0" smtClean="0">
               <a:solidFill>
                 <a:srgbClr val="002060"/>
@@ -17152,7 +17687,7 @@
         </p:nvSpPr>
         <p:spPr>
           <a:xfrm>
-            <a:off x="256737" y="2221181"/>
+            <a:off x="534455" y="1870821"/>
             <a:ext cx="987709" cy="593280"/>
           </a:xfrm>
           <a:prstGeom prst="roundRect">
@@ -17221,7 +17756,7 @@
         </p:nvSpPr>
         <p:spPr>
           <a:xfrm>
-            <a:off x="247737" y="2813021"/>
+            <a:off x="525455" y="2462661"/>
             <a:ext cx="996709" cy="196920"/>
           </a:xfrm>
           <a:prstGeom prst="roundRect">
@@ -17281,7 +17816,7 @@
         </p:nvSpPr>
         <p:spPr>
           <a:xfrm>
-            <a:off x="1369354" y="2421331"/>
+            <a:off x="1647072" y="2070971"/>
             <a:ext cx="632865" cy="345520"/>
           </a:xfrm>
           <a:prstGeom prst="roundRect">
@@ -17344,7 +17879,7 @@
         </p:nvSpPr>
         <p:spPr>
           <a:xfrm>
-            <a:off x="2136287" y="2221181"/>
+            <a:off x="2414005" y="1870821"/>
             <a:ext cx="987709" cy="593280"/>
           </a:xfrm>
           <a:prstGeom prst="roundRect">
@@ -17391,7 +17926,7 @@
                 </a:solidFill>
                 <a:latin typeface="Arial"/>
               </a:rPr>
-              <a:t>Issue A</a:t>
+              <a:t>Issue B</a:t>
             </a:r>
             <a:r>
               <a:rPr lang="en-US" altLang="zh-TW" sz="1600" b="0" strike="noStrike" spc="-1" dirty="0" smtClean="0">
@@ -17413,7 +17948,7 @@
         </p:nvSpPr>
         <p:spPr>
           <a:xfrm>
-            <a:off x="2127287" y="2813021"/>
+            <a:off x="2405005" y="2462661"/>
             <a:ext cx="996709" cy="196920"/>
           </a:xfrm>
           <a:prstGeom prst="roundRect">
@@ -17473,7 +18008,7 @@
         </p:nvSpPr>
         <p:spPr>
           <a:xfrm>
-            <a:off x="3258064" y="2421331"/>
+            <a:off x="3535782" y="2070971"/>
             <a:ext cx="632865" cy="345520"/>
           </a:xfrm>
           <a:prstGeom prst="roundRect">
@@ -17534,7 +18069,7 @@
         </p:nvSpPr>
         <p:spPr>
           <a:xfrm>
-            <a:off x="4059318" y="2221181"/>
+            <a:off x="4337036" y="1870821"/>
             <a:ext cx="987709" cy="593280"/>
           </a:xfrm>
           <a:prstGeom prst="roundRect">
@@ -17581,7 +18116,7 @@
                 </a:solidFill>
                 <a:latin typeface="Arial"/>
               </a:rPr>
-              <a:t>Issue A</a:t>
+              <a:t>Issue B</a:t>
             </a:r>
             <a:r>
               <a:rPr lang="en-US" altLang="zh-TW" sz="1600" b="0" strike="noStrike" spc="-1" dirty="0" smtClean="0">
@@ -17603,7 +18138,7 @@
         </p:nvSpPr>
         <p:spPr>
           <a:xfrm>
-            <a:off x="4050318" y="2813021"/>
+            <a:off x="4328036" y="2462661"/>
             <a:ext cx="996709" cy="196920"/>
           </a:xfrm>
           <a:prstGeom prst="roundRect">
@@ -17663,7 +18198,7 @@
         </p:nvSpPr>
         <p:spPr>
           <a:xfrm>
-            <a:off x="1263715" y="2767664"/>
+            <a:off x="1541433" y="2417304"/>
             <a:ext cx="844141" cy="287634"/>
           </a:xfrm>
           <a:prstGeom prst="rightArrow">
@@ -17716,7 +18251,7 @@
         </p:nvSpPr>
         <p:spPr>
           <a:xfrm>
-            <a:off x="5199190" y="2392791"/>
+            <a:off x="5476908" y="2042431"/>
             <a:ext cx="632865" cy="345520"/>
           </a:xfrm>
           <a:prstGeom prst="roundRect">
@@ -17777,7 +18312,7 @@
         </p:nvSpPr>
         <p:spPr>
           <a:xfrm>
-            <a:off x="5995825" y="2237185"/>
+            <a:off x="6273543" y="1886825"/>
             <a:ext cx="987709" cy="593280"/>
           </a:xfrm>
           <a:prstGeom prst="roundRect">
@@ -17846,7 +18381,7 @@
         </p:nvSpPr>
         <p:spPr>
           <a:xfrm>
-            <a:off x="5986825" y="2829025"/>
+            <a:off x="6264543" y="2478665"/>
             <a:ext cx="996709" cy="196920"/>
           </a:xfrm>
           <a:prstGeom prst="roundRect">
@@ -17906,7 +18441,7 @@
         </p:nvSpPr>
         <p:spPr>
           <a:xfrm>
-            <a:off x="3171696" y="2766851"/>
+            <a:off x="3449414" y="2416491"/>
             <a:ext cx="844141" cy="287634"/>
           </a:xfrm>
           <a:prstGeom prst="rightArrow">
@@ -17959,7 +18494,7 @@
         </p:nvSpPr>
         <p:spPr>
           <a:xfrm>
-            <a:off x="5093553" y="2738311"/>
+            <a:off x="5371271" y="2387951"/>
             <a:ext cx="844141" cy="287634"/>
           </a:xfrm>
           <a:prstGeom prst="rightArrow">
@@ -18012,7 +18547,7 @@
         </p:nvSpPr>
         <p:spPr>
           <a:xfrm>
-            <a:off x="7147302" y="1947333"/>
+            <a:off x="5394607" y="3592121"/>
             <a:ext cx="632865" cy="345520"/>
           </a:xfrm>
           <a:prstGeom prst="roundRect">
@@ -18079,7 +18614,7 @@
         </p:nvSpPr>
         <p:spPr>
           <a:xfrm>
-            <a:off x="7943937" y="2214094"/>
+            <a:off x="6273543" y="3433690"/>
             <a:ext cx="987709" cy="593280"/>
           </a:xfrm>
           <a:prstGeom prst="roundRect">
@@ -18148,7 +18683,7 @@
         </p:nvSpPr>
         <p:spPr>
           <a:xfrm>
-            <a:off x="7934937" y="2805934"/>
+            <a:off x="6264543" y="4025530"/>
             <a:ext cx="996709" cy="196920"/>
           </a:xfrm>
           <a:prstGeom prst="roundRect">
@@ -18281,7 +18816,7 @@
                 <a:latin typeface="標楷體" panose="03000509000000000000" pitchFamily="65" charset="-120"/>
                 <a:ea typeface="標楷體" panose="03000509000000000000" pitchFamily="65" charset="-120"/>
               </a:rPr>
-              <a:t>測試 </a:t>
+              <a:t>正在測試 </a:t>
             </a:r>
             <a:r>
               <a:rPr lang="en-US" altLang="zh-TW" sz="2400" spc="-1" dirty="0" smtClean="0">
@@ -18401,8 +18936,8 @@
         </p:nvSpPr>
         <p:spPr>
           <a:xfrm>
-            <a:off x="7104097" y="2385704"/>
-            <a:ext cx="701278" cy="624767"/>
+            <a:off x="5875086" y="3604462"/>
+            <a:ext cx="340326" cy="312383"/>
           </a:xfrm>
           <a:prstGeom prst="noSmoking">
             <a:avLst/>
@@ -18456,7 +18991,7 @@
         </p:nvSpPr>
         <p:spPr>
           <a:xfrm>
-            <a:off x="9276495" y="2586182"/>
+            <a:off x="8247255" y="3853622"/>
             <a:ext cx="632865" cy="414104"/>
           </a:xfrm>
           <a:prstGeom prst="roundRect">
@@ -18517,14 +19052,75 @@
       </p:sp>
       <p:sp>
         <p:nvSpPr>
-          <p:cNvPr id="27" name="向右箭號 3"/>
+          <p:cNvPr id="28" name="圓角矩形 1"/>
           <p:cNvSpPr/>
           <p:nvPr/>
         </p:nvSpPr>
         <p:spPr>
           <a:xfrm>
-            <a:off x="8962063" y="2735510"/>
-            <a:ext cx="256301" cy="257670"/>
+            <a:off x="8247255" y="3481534"/>
+            <a:ext cx="632865" cy="383559"/>
+          </a:xfrm>
+          <a:prstGeom prst="roundRect">
+            <a:avLst>
+              <a:gd name="adj" fmla="val 16667"/>
+            </a:avLst>
+          </a:prstGeom>
+          <a:ln/>
+        </p:spPr>
+        <p:style>
+          <a:lnRef idx="3">
+            <a:schemeClr val="lt1"/>
+          </a:lnRef>
+          <a:fillRef idx="1">
+            <a:schemeClr val="accent5"/>
+          </a:fillRef>
+          <a:effectRef idx="1">
+            <a:schemeClr val="accent5"/>
+          </a:effectRef>
+          <a:fontRef idx="minor">
+            <a:schemeClr val="lt1"/>
+          </a:fontRef>
+        </p:style>
+        <p:txBody>
+          <a:bodyPr lIns="90000" tIns="45000" rIns="90000" bIns="45000" anchor="ctr">
+            <a:noAutofit/>
+          </a:bodyPr>
+          <a:lstStyle/>
+          <a:p>
+            <a:pPr algn="ctr" defTabSz="914400">
+              <a:lnSpc>
+                <a:spcPct val="100000"/>
+              </a:lnSpc>
+            </a:pPr>
+            <a:r>
+              <a:rPr lang="en-US" altLang="zh-TW" sz="1400" b="0" strike="noStrike" spc="-1" dirty="0" smtClean="0">
+                <a:solidFill>
+                  <a:schemeClr val="dk1"/>
+                </a:solidFill>
+                <a:latin typeface="Arial"/>
+              </a:rPr>
+              <a:t>A</a:t>
+            </a:r>
+            <a:endParaRPr lang="en-US" sz="1400" b="0" strike="noStrike" spc="-1" dirty="0">
+              <a:solidFill>
+                <a:srgbClr val="000000"/>
+              </a:solidFill>
+              <a:latin typeface="Arial"/>
+            </a:endParaRPr>
+          </a:p>
+        </p:txBody>
+      </p:sp>
+      <p:sp>
+        <p:nvSpPr>
+          <p:cNvPr id="34" name="向右箭號 3"/>
+          <p:cNvSpPr/>
+          <p:nvPr/>
+        </p:nvSpPr>
+        <p:spPr>
+          <a:xfrm>
+            <a:off x="7310383" y="2387951"/>
+            <a:ext cx="844141" cy="287634"/>
           </a:xfrm>
           <a:prstGeom prst="rightArrow">
             <a:avLst>
@@ -18570,13 +19166,77 @@
       </p:sp>
       <p:sp>
         <p:nvSpPr>
-          <p:cNvPr id="28" name="圓角矩形 1"/>
+          <p:cNvPr id="35" name="圓角矩形 1"/>
           <p:cNvSpPr/>
           <p:nvPr/>
         </p:nvSpPr>
         <p:spPr>
           <a:xfrm>
-            <a:off x="9276495" y="2214094"/>
+            <a:off x="8241054" y="2239675"/>
+            <a:ext cx="632865" cy="414104"/>
+          </a:xfrm>
+          <a:prstGeom prst="roundRect">
+            <a:avLst>
+              <a:gd name="adj" fmla="val 16667"/>
+            </a:avLst>
+          </a:prstGeom>
+          <a:solidFill>
+            <a:srgbClr val="FFFF00"/>
+          </a:solidFill>
+          <a:ln/>
+        </p:spPr>
+        <p:style>
+          <a:lnRef idx="3">
+            <a:schemeClr val="lt1"/>
+          </a:lnRef>
+          <a:fillRef idx="1">
+            <a:schemeClr val="accent1"/>
+          </a:fillRef>
+          <a:effectRef idx="1">
+            <a:schemeClr val="accent1"/>
+          </a:effectRef>
+          <a:fontRef idx="minor">
+            <a:schemeClr val="lt1"/>
+          </a:fontRef>
+        </p:style>
+        <p:txBody>
+          <a:bodyPr lIns="90000" tIns="45000" rIns="90000" bIns="45000" anchor="ctr">
+            <a:noAutofit/>
+          </a:bodyPr>
+          <a:lstStyle/>
+          <a:p>
+            <a:pPr algn="ctr" defTabSz="914400">
+              <a:lnSpc>
+                <a:spcPct val="100000"/>
+              </a:lnSpc>
+            </a:pPr>
+            <a:r>
+              <a:rPr lang="en-US" altLang="zh-TW" sz="1400" b="0" strike="noStrike" spc="-1" dirty="0" smtClean="0">
+                <a:solidFill>
+                  <a:schemeClr val="dk1"/>
+                </a:solidFill>
+                <a:latin typeface="Arial"/>
+              </a:rPr>
+              <a:t>SIT</a:t>
+            </a:r>
+            <a:endParaRPr lang="en-US" sz="1400" b="0" strike="noStrike" spc="-1" dirty="0">
+              <a:solidFill>
+                <a:srgbClr val="000000"/>
+              </a:solidFill>
+              <a:latin typeface="Arial"/>
+            </a:endParaRPr>
+          </a:p>
+        </p:txBody>
+      </p:sp>
+      <p:sp>
+        <p:nvSpPr>
+          <p:cNvPr id="36" name="圓角矩形 1"/>
+          <p:cNvSpPr/>
+          <p:nvPr/>
+        </p:nvSpPr>
+        <p:spPr>
+          <a:xfrm>
+            <a:off x="8241054" y="1867587"/>
             <a:ext cx="632865" cy="383559"/>
           </a:xfrm>
           <a:prstGeom prst="roundRect">
@@ -18614,15 +19274,364 @@
             <a:r>
               <a:rPr lang="en-US" altLang="zh-TW" sz="1400" b="0" strike="noStrike" spc="-1" dirty="0" smtClean="0">
                 <a:solidFill>
-                  <a:schemeClr val="dk1"/>
+                  <a:srgbClr val="FF0000"/>
                 </a:solidFill>
                 <a:latin typeface="Arial"/>
               </a:rPr>
-              <a:t>A</a:t>
+              <a:t>A+B</a:t>
             </a:r>
             <a:endParaRPr lang="en-US" sz="1400" b="0" strike="noStrike" spc="-1" dirty="0">
               <a:solidFill>
+                <a:srgbClr val="FF0000"/>
+              </a:solidFill>
+              <a:latin typeface="Arial"/>
+            </a:endParaRPr>
+          </a:p>
+        </p:txBody>
+      </p:sp>
+      <p:sp>
+        <p:nvSpPr>
+          <p:cNvPr id="37" name="圓角矩形 36"/>
+          <p:cNvSpPr/>
+          <p:nvPr/>
+        </p:nvSpPr>
+        <p:spPr>
+          <a:xfrm>
+            <a:off x="4346036" y="3433690"/>
+            <a:ext cx="987709" cy="593280"/>
+          </a:xfrm>
+          <a:prstGeom prst="roundRect">
+            <a:avLst>
+              <a:gd name="adj" fmla="val 16667"/>
+            </a:avLst>
+          </a:prstGeom>
+          <a:solidFill>
+            <a:srgbClr val="4BACC6"/>
+          </a:solidFill>
+          <a:ln>
+            <a:noFill/>
+          </a:ln>
+        </p:spPr>
+        <p:style>
+          <a:lnRef idx="2">
+            <a:schemeClr val="accent5">
+              <a:shade val="50000"/>
+            </a:schemeClr>
+          </a:lnRef>
+          <a:fillRef idx="1">
+            <a:schemeClr val="accent5"/>
+          </a:fillRef>
+          <a:effectRef idx="0">
+            <a:schemeClr val="accent5"/>
+          </a:effectRef>
+          <a:fontRef idx="minor"/>
+        </p:style>
+        <p:txBody>
+          <a:bodyPr lIns="90000" tIns="45000" rIns="90000" bIns="45000" anchor="ctr">
+            <a:noAutofit/>
+          </a:bodyPr>
+          <a:lstStyle/>
+          <a:p>
+            <a:pPr algn="ctr" defTabSz="914400">
+              <a:lnSpc>
+                <a:spcPct val="100000"/>
+              </a:lnSpc>
+            </a:pPr>
+            <a:r>
+              <a:rPr lang="en-US" altLang="zh-TW" sz="1600" spc="-1" dirty="0" smtClean="0">
+                <a:solidFill>
+                  <a:schemeClr val="dk1"/>
+                </a:solidFill>
+                <a:latin typeface="Arial"/>
+              </a:rPr>
+              <a:t>Issue B</a:t>
+            </a:r>
+            <a:r>
+              <a:rPr lang="en-US" altLang="zh-TW" sz="1600" b="0" strike="noStrike" spc="-1" dirty="0" smtClean="0">
+                <a:solidFill>
+                  <a:schemeClr val="dk1"/>
+                </a:solidFill>
+                <a:latin typeface="Arial"/>
+              </a:rPr>
+              <a:t> </a:t>
+            </a:r>
+          </a:p>
+        </p:txBody>
+      </p:sp>
+      <p:sp>
+        <p:nvSpPr>
+          <p:cNvPr id="38" name="圓角矩形 37"/>
+          <p:cNvSpPr/>
+          <p:nvPr/>
+        </p:nvSpPr>
+        <p:spPr>
+          <a:xfrm>
+            <a:off x="4337036" y="4025530"/>
+            <a:ext cx="996709" cy="196920"/>
+          </a:xfrm>
+          <a:prstGeom prst="roundRect">
+            <a:avLst>
+              <a:gd name="adj" fmla="val 16667"/>
+            </a:avLst>
+          </a:prstGeom>
+          <a:solidFill>
+            <a:srgbClr val="F79646"/>
+          </a:solidFill>
+          <a:ln>
+            <a:noFill/>
+          </a:ln>
+        </p:spPr>
+        <p:style>
+          <a:lnRef idx="2">
+            <a:schemeClr val="accent6">
+              <a:shade val="50000"/>
+            </a:schemeClr>
+          </a:lnRef>
+          <a:fillRef idx="1">
+            <a:schemeClr val="accent6"/>
+          </a:fillRef>
+          <a:effectRef idx="0">
+            <a:schemeClr val="accent6"/>
+          </a:effectRef>
+          <a:fontRef idx="minor"/>
+        </p:style>
+        <p:txBody>
+          <a:bodyPr lIns="90000" tIns="45000" rIns="90000" bIns="45000" anchor="ctr">
+            <a:noAutofit/>
+          </a:bodyPr>
+          <a:lstStyle/>
+          <a:p>
+            <a:pPr algn="ctr"/>
+            <a:r>
+              <a:rPr lang="en-US" altLang="zh-TW" sz="1200" spc="-1" dirty="0" smtClean="0">
+                <a:solidFill>
+                  <a:schemeClr val="dk1"/>
+                </a:solidFill>
+              </a:rPr>
+              <a:t>remote</a:t>
+            </a:r>
+            <a:endParaRPr lang="en-US" altLang="zh-TW" sz="1200" spc="-1" dirty="0">
+              <a:solidFill>
                 <a:srgbClr val="000000"/>
+              </a:solidFill>
+            </a:endParaRPr>
+          </a:p>
+        </p:txBody>
+      </p:sp>
+      <p:cxnSp>
+        <p:nvCxnSpPr>
+          <p:cNvPr id="25" name="肘形接點 24"/>
+          <p:cNvCxnSpPr>
+            <a:stCxn id="35" idx="2"/>
+            <a:endCxn id="37" idx="0"/>
+          </p:cNvCxnSpPr>
+          <p:nvPr/>
+        </p:nvCxnSpPr>
+        <p:spPr>
+          <a:xfrm rot="5400000">
+            <a:off x="6308734" y="1184936"/>
+            <a:ext cx="779911" cy="3717596"/>
+          </a:xfrm>
+          <a:prstGeom prst="bentConnector3">
+            <a:avLst/>
+          </a:prstGeom>
+          <a:ln>
+            <a:solidFill>
+              <a:schemeClr val="tx1"/>
+            </a:solidFill>
+            <a:tailEnd type="triangle"/>
+          </a:ln>
+        </p:spPr>
+        <p:style>
+          <a:lnRef idx="1">
+            <a:schemeClr val="accent1"/>
+          </a:lnRef>
+          <a:fillRef idx="0">
+            <a:schemeClr val="accent1"/>
+          </a:fillRef>
+          <a:effectRef idx="0">
+            <a:schemeClr val="accent1"/>
+          </a:effectRef>
+          <a:fontRef idx="minor">
+            <a:schemeClr val="tx1"/>
+          </a:fontRef>
+        </p:style>
+      </p:cxnSp>
+      <p:sp>
+        <p:nvSpPr>
+          <p:cNvPr id="40" name="圓角矩形 1"/>
+          <p:cNvSpPr/>
+          <p:nvPr/>
+        </p:nvSpPr>
+        <p:spPr>
+          <a:xfrm>
+            <a:off x="6183287" y="2845019"/>
+            <a:ext cx="1127096" cy="410377"/>
+          </a:xfrm>
+          <a:prstGeom prst="roundRect">
+            <a:avLst>
+              <a:gd name="adj" fmla="val 16667"/>
+            </a:avLst>
+          </a:prstGeom>
+          <a:solidFill>
+            <a:srgbClr val="FFFF00"/>
+          </a:solidFill>
+          <a:ln/>
+        </p:spPr>
+        <p:style>
+          <a:lnRef idx="2">
+            <a:schemeClr val="accent4">
+              <a:shade val="50000"/>
+            </a:schemeClr>
+          </a:lnRef>
+          <a:fillRef idx="1">
+            <a:schemeClr val="accent4"/>
+          </a:fillRef>
+          <a:effectRef idx="0">
+            <a:schemeClr val="accent4"/>
+          </a:effectRef>
+          <a:fontRef idx="minor">
+            <a:schemeClr val="lt1"/>
+          </a:fontRef>
+        </p:style>
+        <p:txBody>
+          <a:bodyPr lIns="90000" tIns="45000" rIns="90000" bIns="45000" anchor="ctr">
+            <a:noAutofit/>
+          </a:bodyPr>
+          <a:lstStyle/>
+          <a:p>
+            <a:pPr algn="ctr" defTabSz="914400">
+              <a:lnSpc>
+                <a:spcPct val="100000"/>
+              </a:lnSpc>
+            </a:pPr>
+            <a:r>
+              <a:rPr lang="zh-TW" altLang="en-US" sz="1400" b="1" spc="-1" dirty="0" smtClean="0">
+                <a:solidFill>
+                  <a:schemeClr val="dk1"/>
+                </a:solidFill>
+                <a:latin typeface="Arial"/>
+              </a:rPr>
+              <a:t>測試通</a:t>
+            </a:r>
+            <a:r>
+              <a:rPr lang="zh-TW" altLang="en-US" sz="1400" b="1" spc="-1" dirty="0">
+                <a:solidFill>
+                  <a:schemeClr val="dk1"/>
+                </a:solidFill>
+                <a:latin typeface="Arial"/>
+              </a:rPr>
+              <a:t>過</a:t>
+            </a:r>
+            <a:endParaRPr lang="en-US" sz="1400" b="1" strike="noStrike" spc="-1" dirty="0">
+              <a:solidFill>
+                <a:srgbClr val="000000"/>
+              </a:solidFill>
+              <a:latin typeface="Arial"/>
+            </a:endParaRPr>
+          </a:p>
+        </p:txBody>
+      </p:sp>
+      <p:sp>
+        <p:nvSpPr>
+          <p:cNvPr id="41" name="向右箭號 3"/>
+          <p:cNvSpPr/>
+          <p:nvPr/>
+        </p:nvSpPr>
+        <p:spPr>
+          <a:xfrm>
+            <a:off x="5371271" y="3973869"/>
+            <a:ext cx="844141" cy="287634"/>
+          </a:xfrm>
+          <a:prstGeom prst="rightArrow">
+            <a:avLst>
+              <a:gd name="adj1" fmla="val 50000"/>
+              <a:gd name="adj2" fmla="val 50000"/>
+            </a:avLst>
+          </a:prstGeom>
+          <a:solidFill>
+            <a:srgbClr val="FF0000"/>
+          </a:solidFill>
+          <a:ln>
+            <a:noFill/>
+          </a:ln>
+        </p:spPr>
+        <p:style>
+          <a:lnRef idx="2">
+            <a:schemeClr val="accent1">
+              <a:shade val="50000"/>
+            </a:schemeClr>
+          </a:lnRef>
+          <a:fillRef idx="1">
+            <a:schemeClr val="accent1"/>
+          </a:fillRef>
+          <a:effectRef idx="0">
+            <a:schemeClr val="accent1"/>
+          </a:effectRef>
+          <a:fontRef idx="minor"/>
+        </p:style>
+        <p:txBody>
+          <a:bodyPr lIns="90000" tIns="45000" rIns="90000" bIns="45000" anchor="ctr">
+            <a:noAutofit/>
+          </a:bodyPr>
+          <a:lstStyle/>
+          <a:p>
+            <a:endParaRPr lang="en-US" sz="1200" b="0" strike="noStrike" spc="-1" dirty="0">
+              <a:solidFill>
+                <a:schemeClr val="lt1"/>
+              </a:solidFill>
+              <a:latin typeface="Arial"/>
+            </a:endParaRPr>
+          </a:p>
+        </p:txBody>
+      </p:sp>
+      <p:sp>
+        <p:nvSpPr>
+          <p:cNvPr id="42" name="向右箭號 3"/>
+          <p:cNvSpPr/>
+          <p:nvPr/>
+        </p:nvSpPr>
+        <p:spPr>
+          <a:xfrm>
+            <a:off x="7319383" y="3973181"/>
+            <a:ext cx="844141" cy="287634"/>
+          </a:xfrm>
+          <a:prstGeom prst="rightArrow">
+            <a:avLst>
+              <a:gd name="adj1" fmla="val 50000"/>
+              <a:gd name="adj2" fmla="val 50000"/>
+            </a:avLst>
+          </a:prstGeom>
+          <a:solidFill>
+            <a:srgbClr val="FF0000"/>
+          </a:solidFill>
+          <a:ln>
+            <a:noFill/>
+          </a:ln>
+        </p:spPr>
+        <p:style>
+          <a:lnRef idx="2">
+            <a:schemeClr val="accent1">
+              <a:shade val="50000"/>
+            </a:schemeClr>
+          </a:lnRef>
+          <a:fillRef idx="1">
+            <a:schemeClr val="accent1"/>
+          </a:fillRef>
+          <a:effectRef idx="0">
+            <a:schemeClr val="accent1"/>
+          </a:effectRef>
+          <a:fontRef idx="minor"/>
+        </p:style>
+        <p:txBody>
+          <a:bodyPr lIns="90000" tIns="45000" rIns="90000" bIns="45000" anchor="ctr">
+            <a:noAutofit/>
+          </a:bodyPr>
+          <a:lstStyle/>
+          <a:p>
+            <a:endParaRPr lang="en-US" sz="1200" b="0" strike="noStrike" spc="-1">
+              <a:solidFill>
+                <a:schemeClr val="lt1"/>
               </a:solidFill>
               <a:latin typeface="Arial"/>
             </a:endParaRPr>
@@ -18643,7 +19652,7 @@
     <mc:Choice Requires="p14">
       <p:transition spd="slow" p14:dur="2000"/>
     </mc:Choice>
-    <mc:Fallback xmlns="" xmlns:p15="http://schemas.microsoft.com/office/powerpoint/2012/main">
+    <mc:Fallback xmlns:p15="http://schemas.microsoft.com/office/powerpoint/2012/main" xmlns="">
       <p:transition spd="slow"/>
     </mc:Fallback>
   </mc:AlternateContent>
@@ -18720,17 +19729,7 @@
                 <a:latin typeface="微軟正黑體"/>
                 <a:ea typeface="微軟正黑體"/>
               </a:rPr>
-              <a:t>Jenkins </a:t>
-            </a:r>
-            <a:r>
-              <a:rPr lang="en-US" altLang="zh-TW" sz="3600" b="1" strike="noStrike" spc="-1" dirty="0" smtClean="0">
-                <a:solidFill>
-                  <a:srgbClr val="002060"/>
-                </a:solidFill>
-                <a:latin typeface="微軟正黑體"/>
-                <a:ea typeface="微軟正黑體"/>
-              </a:rPr>
-              <a:t>pipeline (</a:t>
+              <a:t>Jenkins pipeline (</a:t>
             </a:r>
             <a:r>
               <a:rPr lang="zh-TW" altLang="en-US" sz="3600" b="1" strike="noStrike" spc="-1" dirty="0" smtClean="0">
@@ -18877,7 +19876,7 @@
     <mc:Choice Requires="p14">
       <p:transition spd="slow" p14:dur="2000"/>
     </mc:Choice>
-    <mc:Fallback xmlns="" xmlns:p15="http://schemas.microsoft.com/office/powerpoint/2012/main">
+    <mc:Fallback xmlns:p15="http://schemas.microsoft.com/office/powerpoint/2012/main" xmlns="">
       <p:transition spd="slow"/>
     </mc:Fallback>
   </mc:AlternateContent>
@@ -18954,17 +19953,7 @@
                 <a:latin typeface="微軟正黑體"/>
                 <a:ea typeface="微軟正黑體"/>
               </a:rPr>
-              <a:t>Jenkins </a:t>
-            </a:r>
-            <a:r>
-              <a:rPr lang="en-US" altLang="zh-TW" sz="3600" b="1" strike="noStrike" spc="-1" dirty="0" smtClean="0">
-                <a:solidFill>
-                  <a:srgbClr val="002060"/>
-                </a:solidFill>
-                <a:latin typeface="微軟正黑體"/>
-                <a:ea typeface="微軟正黑體"/>
-              </a:rPr>
-              <a:t>pipeline (</a:t>
+              <a:t>Jenkins pipeline (</a:t>
             </a:r>
             <a:r>
               <a:rPr lang="zh-TW" altLang="en-US" sz="3600" b="1" strike="noStrike" spc="-1" dirty="0" smtClean="0">
@@ -19111,7 +20100,7 @@
     <mc:Choice Requires="p14">
       <p:transition spd="slow" p14:dur="2000"/>
     </mc:Choice>
-    <mc:Fallback xmlns="" xmlns:p15="http://schemas.microsoft.com/office/powerpoint/2012/main">
+    <mc:Fallback xmlns:p15="http://schemas.microsoft.com/office/powerpoint/2012/main" xmlns="">
       <p:transition spd="slow"/>
     </mc:Fallback>
   </mc:AlternateContent>
@@ -19255,7 +20244,7 @@
     <mc:Choice Requires="p14">
       <p:transition spd="slow" p14:dur="2000"/>
     </mc:Choice>
-    <mc:Fallback xmlns="" xmlns:p15="http://schemas.microsoft.com/office/powerpoint/2012/main">
+    <mc:Fallback xmlns:p15="http://schemas.microsoft.com/office/powerpoint/2012/main" xmlns="">
       <p:transition spd="slow"/>
     </mc:Fallback>
   </mc:AlternateContent>
@@ -19566,7 +20555,7 @@
     <mc:Choice Requires="p14">
       <p:transition spd="slow" p14:dur="2000"/>
     </mc:Choice>
-    <mc:Fallback xmlns="" xmlns:p15="http://schemas.microsoft.com/office/powerpoint/2012/main">
+    <mc:Fallback xmlns:p15="http://schemas.microsoft.com/office/powerpoint/2012/main" xmlns="">
       <p:transition spd="slow"/>
     </mc:Fallback>
   </mc:AlternateContent>
@@ -19733,7 +20722,7 @@
     <mc:Choice Requires="p14">
       <p:transition spd="slow" p14:dur="2000"/>
     </mc:Choice>
-    <mc:Fallback xmlns="" xmlns:p15="http://schemas.microsoft.com/office/powerpoint/2012/main">
+    <mc:Fallback xmlns:p15="http://schemas.microsoft.com/office/powerpoint/2012/main" xmlns="">
       <p:transition spd="slow"/>
     </mc:Fallback>
   </mc:AlternateContent>
@@ -19915,7 +20904,7 @@
     <mc:Choice Requires="p14">
       <p:transition spd="slow" p14:dur="2000"/>
     </mc:Choice>
-    <mc:Fallback xmlns="" xmlns:p15="http://schemas.microsoft.com/office/powerpoint/2012/main">
+    <mc:Fallback xmlns:p15="http://schemas.microsoft.com/office/powerpoint/2012/main" xmlns="">
       <p:transition spd="slow"/>
     </mc:Fallback>
   </mc:AlternateContent>
@@ -20192,7 +21181,7 @@
     <mc:Choice Requires="p14">
       <p:transition spd="slow" p14:dur="2000"/>
     </mc:Choice>
-    <mc:Fallback xmlns="" xmlns:p15="http://schemas.microsoft.com/office/powerpoint/2012/main">
+    <mc:Fallback xmlns:p15="http://schemas.microsoft.com/office/powerpoint/2012/main" xmlns="">
       <p:transition spd="slow"/>
     </mc:Fallback>
   </mc:AlternateContent>
@@ -20200,6 +21189,453 @@
 </file>
 
 <file path=ppt/slides/slide37.xml><?xml version="1.0" encoding="utf-8"?>
+<p:sld xmlns:a="http://schemas.openxmlformats.org/drawingml/2006/main" xmlns:r="http://schemas.openxmlformats.org/officeDocument/2006/relationships" xmlns:p="http://schemas.openxmlformats.org/presentationml/2006/main">
+  <p:cSld>
+    <p:spTree>
+      <p:nvGrpSpPr>
+        <p:cNvPr id="1" name=""/>
+        <p:cNvGrpSpPr/>
+        <p:nvPr/>
+      </p:nvGrpSpPr>
+      <p:grpSpPr>
+        <a:xfrm>
+          <a:off x="0" y="0"/>
+          <a:ext cx="0" cy="0"/>
+          <a:chOff x="0" y="0"/>
+          <a:chExt cx="0" cy="0"/>
+        </a:xfrm>
+      </p:grpSpPr>
+      <p:sp>
+        <p:nvSpPr>
+          <p:cNvPr id="6" name="PlaceHolder 3"/>
+          <p:cNvSpPr/>
+          <p:nvPr/>
+        </p:nvSpPr>
+        <p:spPr>
+          <a:xfrm>
+            <a:off x="587309" y="693278"/>
+            <a:ext cx="8820728" cy="1153273"/>
+          </a:xfrm>
+          <a:prstGeom prst="rect">
+            <a:avLst/>
+          </a:prstGeom>
+          <a:noFill/>
+          <a:ln w="0">
+            <a:noFill/>
+          </a:ln>
+        </p:spPr>
+        <p:style>
+          <a:lnRef idx="0">
+            <a:scrgbClr r="0" g="0" b="0"/>
+          </a:lnRef>
+          <a:fillRef idx="0">
+            <a:scrgbClr r="0" g="0" b="0"/>
+          </a:fillRef>
+          <a:effectRef idx="0">
+            <a:scrgbClr r="0" g="0" b="0"/>
+          </a:effectRef>
+          <a:fontRef idx="minor"/>
+        </p:style>
+        <p:txBody>
+          <a:bodyPr lIns="100800" tIns="100800" rIns="100800" bIns="100800" anchor="ctr">
+            <a:noAutofit/>
+          </a:bodyPr>
+          <a:lstStyle/>
+          <a:p>
+            <a:pPr defTabSz="914400">
+              <a:lnSpc>
+                <a:spcPct val="100000"/>
+              </a:lnSpc>
+              <a:tabLst>
+                <a:tab pos="0" algn="l"/>
+              </a:tabLst>
+            </a:pPr>
+            <a:r>
+              <a:rPr lang="en-US" altLang="zh-TW" sz="2400" b="0" strike="noStrike" spc="-1" dirty="0" smtClean="0">
+                <a:solidFill>
+                  <a:srgbClr val="002060"/>
+                </a:solidFill>
+                <a:latin typeface="標楷體" panose="03000509000000000000" pitchFamily="65" charset="-120"/>
+                <a:ea typeface="標楷體" panose="03000509000000000000" pitchFamily="65" charset="-120"/>
+              </a:rPr>
+              <a:t>Maven </a:t>
+            </a:r>
+            <a:r>
+              <a:rPr lang="en-US" altLang="zh-TW" sz="2400" b="0" strike="noStrike" spc="-1" dirty="0" err="1" smtClean="0">
+                <a:solidFill>
+                  <a:srgbClr val="002060"/>
+                </a:solidFill>
+                <a:latin typeface="標楷體" panose="03000509000000000000" pitchFamily="65" charset="-120"/>
+                <a:ea typeface="標楷體" panose="03000509000000000000" pitchFamily="65" charset="-120"/>
+              </a:rPr>
+              <a:t>pom</a:t>
+            </a:r>
+            <a:r>
+              <a:rPr lang="en-US" altLang="zh-TW" sz="2400" b="0" strike="noStrike" spc="-1" dirty="0" smtClean="0">
+                <a:solidFill>
+                  <a:srgbClr val="002060"/>
+                </a:solidFill>
+                <a:latin typeface="標楷體" panose="03000509000000000000" pitchFamily="65" charset="-120"/>
+                <a:ea typeface="標楷體" panose="03000509000000000000" pitchFamily="65" charset="-120"/>
+              </a:rPr>
+              <a:t> file </a:t>
+            </a:r>
+            <a:r>
+              <a:rPr lang="zh-TW" altLang="en-US" sz="2400" b="0" strike="noStrike" spc="-1" dirty="0" smtClean="0">
+                <a:solidFill>
+                  <a:srgbClr val="002060"/>
+                </a:solidFill>
+                <a:latin typeface="標楷體" panose="03000509000000000000" pitchFamily="65" charset="-120"/>
+                <a:ea typeface="標楷體" panose="03000509000000000000" pitchFamily="65" charset="-120"/>
+              </a:rPr>
+              <a:t>檔案設定 </a:t>
+            </a:r>
+            <a:r>
+              <a:rPr lang="en-US" altLang="zh-TW" sz="2400" spc="-1" dirty="0" smtClean="0">
+                <a:solidFill>
+                  <a:srgbClr val="002060"/>
+                </a:solidFill>
+                <a:latin typeface="標楷體" panose="03000509000000000000" pitchFamily="65" charset="-120"/>
+                <a:ea typeface="標楷體" panose="03000509000000000000" pitchFamily="65" charset="-120"/>
+              </a:rPr>
+              <a:t>v</a:t>
+            </a:r>
+            <a:r>
+              <a:rPr lang="en-US" altLang="zh-TW" sz="2400" b="0" strike="noStrike" spc="-1" dirty="0" smtClean="0">
+                <a:solidFill>
+                  <a:srgbClr val="002060"/>
+                </a:solidFill>
+                <a:latin typeface="標楷體" panose="03000509000000000000" pitchFamily="65" charset="-120"/>
+                <a:ea typeface="標楷體" panose="03000509000000000000" pitchFamily="65" charset="-120"/>
+              </a:rPr>
+              <a:t>ersion </a:t>
+            </a:r>
+            <a:r>
+              <a:rPr lang="zh-TW" altLang="en-US" sz="2400" b="0" strike="noStrike" spc="-1" dirty="0" smtClean="0">
+                <a:solidFill>
+                  <a:srgbClr val="002060"/>
+                </a:solidFill>
+                <a:latin typeface="標楷體" panose="03000509000000000000" pitchFamily="65" charset="-120"/>
+                <a:ea typeface="標楷體" panose="03000509000000000000" pitchFamily="65" charset="-120"/>
+              </a:rPr>
+              <a:t>須為 </a:t>
+            </a:r>
+            <a:r>
+              <a:rPr lang="en-US" altLang="zh-TW" sz="2400" b="0" strike="noStrike" spc="-1" dirty="0" smtClean="0">
+                <a:solidFill>
+                  <a:srgbClr val="002060"/>
+                </a:solidFill>
+                <a:latin typeface="標楷體" panose="03000509000000000000" pitchFamily="65" charset="-120"/>
+                <a:ea typeface="標楷體" panose="03000509000000000000" pitchFamily="65" charset="-120"/>
+              </a:rPr>
+              <a:t>Notes </a:t>
+            </a:r>
+            <a:r>
+              <a:rPr lang="zh-TW" altLang="en-US" sz="2400" b="0" strike="noStrike" spc="-1" dirty="0" smtClean="0">
+                <a:solidFill>
+                  <a:srgbClr val="002060"/>
+                </a:solidFill>
+                <a:latin typeface="標楷體" panose="03000509000000000000" pitchFamily="65" charset="-120"/>
+                <a:ea typeface="標楷體" panose="03000509000000000000" pitchFamily="65" charset="-120"/>
+              </a:rPr>
+              <a:t>單號</a:t>
+            </a:r>
+            <a:endParaRPr lang="en-US" altLang="zh-TW" sz="2400" b="0" strike="noStrike" spc="-1" dirty="0" smtClean="0">
+              <a:solidFill>
+                <a:srgbClr val="002060"/>
+              </a:solidFill>
+              <a:latin typeface="標楷體" panose="03000509000000000000" pitchFamily="65" charset="-120"/>
+              <a:ea typeface="標楷體" panose="03000509000000000000" pitchFamily="65" charset="-120"/>
+            </a:endParaRPr>
+          </a:p>
+          <a:p>
+            <a:pPr>
+              <a:tabLst>
+                <a:tab pos="0" algn="l"/>
+              </a:tabLst>
+            </a:pPr>
+            <a:r>
+              <a:rPr lang="en-US" altLang="zh-TW" sz="2400" b="0" strike="noStrike" spc="-1" dirty="0" err="1" smtClean="0">
+                <a:solidFill>
+                  <a:srgbClr val="002060"/>
+                </a:solidFill>
+                <a:latin typeface="標楷體" panose="03000509000000000000" pitchFamily="65" charset="-120"/>
+                <a:ea typeface="標楷體" panose="03000509000000000000" pitchFamily="65" charset="-120"/>
+              </a:rPr>
+              <a:t>groupId</a:t>
+            </a:r>
+            <a:r>
+              <a:rPr lang="en-US" altLang="zh-TW" sz="2400" b="0" strike="noStrike" spc="-1" dirty="0" smtClean="0">
+                <a:solidFill>
+                  <a:srgbClr val="002060"/>
+                </a:solidFill>
+                <a:latin typeface="標楷體" panose="03000509000000000000" pitchFamily="65" charset="-120"/>
+                <a:ea typeface="標楷體" panose="03000509000000000000" pitchFamily="65" charset="-120"/>
+              </a:rPr>
+              <a:t> </a:t>
+            </a:r>
+            <a:r>
+              <a:rPr lang="zh-TW" altLang="en-US" sz="2400" b="0" strike="noStrike" spc="-1" dirty="0" smtClean="0">
+                <a:solidFill>
+                  <a:srgbClr val="002060"/>
+                </a:solidFill>
+                <a:latin typeface="標楷體" panose="03000509000000000000" pitchFamily="65" charset="-120"/>
+                <a:ea typeface="標楷體" panose="03000509000000000000" pitchFamily="65" charset="-120"/>
+              </a:rPr>
+              <a:t>會影響 </a:t>
+            </a:r>
+            <a:r>
+              <a:rPr lang="en-US" altLang="zh-TW" sz="2400" b="0" strike="noStrike" spc="-1" dirty="0" smtClean="0">
+                <a:solidFill>
+                  <a:srgbClr val="002060"/>
+                </a:solidFill>
+                <a:latin typeface="標楷體" panose="03000509000000000000" pitchFamily="65" charset="-120"/>
+                <a:ea typeface="標楷體" panose="03000509000000000000" pitchFamily="65" charset="-120"/>
+              </a:rPr>
+              <a:t>Nexus</a:t>
+            </a:r>
+            <a:r>
+              <a:rPr lang="zh-TW" altLang="en-US" sz="2400" b="0" strike="noStrike" spc="-1" dirty="0" smtClean="0">
+                <a:solidFill>
+                  <a:srgbClr val="002060"/>
+                </a:solidFill>
+                <a:latin typeface="標楷體" panose="03000509000000000000" pitchFamily="65" charset="-120"/>
+                <a:ea typeface="標楷體" panose="03000509000000000000" pitchFamily="65" charset="-120"/>
+              </a:rPr>
+              <a:t> 儲存庫的路徑</a:t>
+            </a:r>
+            <a:r>
+              <a:rPr lang="en-US" altLang="zh-TW" sz="2400" b="0" strike="noStrike" spc="-1" dirty="0" smtClean="0">
+                <a:solidFill>
+                  <a:srgbClr val="002060"/>
+                </a:solidFill>
+                <a:latin typeface="標楷體" panose="03000509000000000000" pitchFamily="65" charset="-120"/>
+                <a:ea typeface="標楷體" panose="03000509000000000000" pitchFamily="65" charset="-120"/>
+              </a:rPr>
+              <a:t>,</a:t>
+            </a:r>
+            <a:r>
+              <a:rPr lang="zh-TW" altLang="en-US" sz="2400" spc="-1" dirty="0">
+                <a:solidFill>
+                  <a:srgbClr val="002060"/>
+                </a:solidFill>
+                <a:latin typeface="標楷體" panose="03000509000000000000" pitchFamily="65" charset="-120"/>
+                <a:ea typeface="標楷體" panose="03000509000000000000" pitchFamily="65" charset="-120"/>
+              </a:rPr>
+              <a:t>如下圖 </a:t>
+            </a:r>
+            <a:r>
+              <a:rPr lang="en-US" altLang="zh-TW" sz="2400" spc="-1" dirty="0">
+                <a:solidFill>
+                  <a:srgbClr val="002060"/>
+                </a:solidFill>
+                <a:latin typeface="標楷體" panose="03000509000000000000" pitchFamily="65" charset="-120"/>
+                <a:ea typeface="標楷體" panose="03000509000000000000" pitchFamily="65" charset="-120"/>
+              </a:rPr>
+              <a:t>:</a:t>
+            </a:r>
+            <a:r>
+              <a:rPr lang="zh-TW" altLang="en-US" sz="2400" spc="-1" dirty="0">
+                <a:solidFill>
+                  <a:srgbClr val="002060"/>
+                </a:solidFill>
+                <a:latin typeface="標楷體" panose="03000509000000000000" pitchFamily="65" charset="-120"/>
+                <a:ea typeface="標楷體" panose="03000509000000000000" pitchFamily="65" charset="-120"/>
+              </a:rPr>
+              <a:t> </a:t>
+            </a:r>
+            <a:endParaRPr lang="en-US" altLang="zh-TW" sz="2400" b="0" strike="noStrike" spc="-1" dirty="0" smtClean="0">
+              <a:solidFill>
+                <a:srgbClr val="002060"/>
+              </a:solidFill>
+              <a:latin typeface="標楷體" panose="03000509000000000000" pitchFamily="65" charset="-120"/>
+              <a:ea typeface="標楷體" panose="03000509000000000000" pitchFamily="65" charset="-120"/>
+            </a:endParaRPr>
+          </a:p>
+        </p:txBody>
+      </p:sp>
+      <p:sp>
+        <p:nvSpPr>
+          <p:cNvPr id="7" name="PlaceHolder 1"/>
+          <p:cNvSpPr txBox="1">
+            <a:spLocks/>
+          </p:cNvSpPr>
+          <p:nvPr/>
+        </p:nvSpPr>
+        <p:spPr>
+          <a:xfrm>
+            <a:off x="962184" y="71640"/>
+            <a:ext cx="8070979" cy="723960"/>
+          </a:xfrm>
+          <a:prstGeom prst="rect">
+            <a:avLst/>
+          </a:prstGeom>
+          <a:noFill/>
+          <a:ln w="0">
+            <a:noFill/>
+          </a:ln>
+        </p:spPr>
+        <p:txBody>
+          <a:bodyPr lIns="100800" tIns="100800" rIns="100800" bIns="100800" anchor="ctr">
+            <a:noAutofit/>
+          </a:bodyPr>
+          <a:lstStyle>
+            <a:lvl1pPr algn="l" defTabSz="914400" rtl="0" eaLnBrk="1" latinLnBrk="0" hangingPunct="1">
+              <a:lnSpc>
+                <a:spcPct val="90000"/>
+              </a:lnSpc>
+              <a:spcBef>
+                <a:spcPct val="0"/>
+              </a:spcBef>
+              <a:buNone/>
+              <a:defRPr sz="4400" kern="1200">
+                <a:solidFill>
+                  <a:schemeClr val="tx1"/>
+                </a:solidFill>
+                <a:latin typeface="+mj-lt"/>
+                <a:ea typeface="+mj-ea"/>
+                <a:cs typeface="+mj-cs"/>
+              </a:defRPr>
+            </a:lvl1pPr>
+          </a:lstStyle>
+          <a:p>
+            <a:pPr algn="ctr">
+              <a:lnSpc>
+                <a:spcPct val="100000"/>
+              </a:lnSpc>
+              <a:tabLst>
+                <a:tab pos="0" algn="l"/>
+              </a:tabLst>
+            </a:pPr>
+            <a:r>
+              <a:rPr lang="en-US" sz="3600" b="1" spc="-1" dirty="0" smtClean="0">
+                <a:solidFill>
+                  <a:srgbClr val="002060"/>
+                </a:solidFill>
+                <a:latin typeface="微軟正黑體"/>
+                <a:ea typeface="微軟正黑體"/>
+              </a:rPr>
+              <a:t>Nexus </a:t>
+            </a:r>
+            <a:r>
+              <a:rPr lang="en-US" sz="3600" b="1" spc="-1" dirty="0" err="1" smtClean="0">
+                <a:solidFill>
+                  <a:srgbClr val="002060"/>
+                </a:solidFill>
+                <a:latin typeface="微軟正黑體"/>
+                <a:ea typeface="微軟正黑體"/>
+              </a:rPr>
+              <a:t>pom</a:t>
+            </a:r>
+            <a:r>
+              <a:rPr lang="en-US" sz="3600" b="1" spc="-1" dirty="0" smtClean="0">
+                <a:solidFill>
+                  <a:srgbClr val="002060"/>
+                </a:solidFill>
+                <a:latin typeface="微軟正黑體"/>
+                <a:ea typeface="微軟正黑體"/>
+              </a:rPr>
+              <a:t> file </a:t>
+            </a:r>
+            <a:r>
+              <a:rPr lang="zh-TW" altLang="en-US" sz="3600" b="1" spc="-1" dirty="0" smtClean="0">
+                <a:solidFill>
+                  <a:srgbClr val="002060"/>
+                </a:solidFill>
+                <a:latin typeface="微軟正黑體"/>
+                <a:ea typeface="微軟正黑體"/>
+              </a:rPr>
+              <a:t>注意事項</a:t>
+            </a:r>
+            <a:endParaRPr lang="en-US" sz="3600" b="1" spc="-1" dirty="0">
+              <a:solidFill>
+                <a:srgbClr val="000000"/>
+              </a:solidFill>
+              <a:latin typeface="Arial"/>
+            </a:endParaRPr>
+          </a:p>
+        </p:txBody>
+      </p:sp>
+      <p:pic>
+        <p:nvPicPr>
+          <p:cNvPr id="5" name="圖片 4"/>
+          <p:cNvPicPr>
+            <a:picLocks noChangeAspect="1"/>
+          </p:cNvPicPr>
+          <p:nvPr/>
+        </p:nvPicPr>
+        <p:blipFill>
+          <a:blip r:embed="rId3"/>
+          <a:stretch>
+            <a:fillRect/>
+          </a:stretch>
+        </p:blipFill>
+        <p:spPr>
+          <a:xfrm>
+            <a:off x="6444834" y="1938911"/>
+            <a:ext cx="2749091" cy="4189421"/>
+          </a:xfrm>
+          <a:prstGeom prst="rect">
+            <a:avLst/>
+          </a:prstGeom>
+          <a:ln>
+            <a:solidFill>
+              <a:schemeClr val="accent1"/>
+            </a:solidFill>
+          </a:ln>
+        </p:spPr>
+      </p:pic>
+      <p:pic>
+        <p:nvPicPr>
+          <p:cNvPr id="8" name="圖片 7"/>
+          <p:cNvPicPr>
+            <a:picLocks noChangeAspect="1"/>
+          </p:cNvPicPr>
+          <p:nvPr/>
+        </p:nvPicPr>
+        <p:blipFill>
+          <a:blip r:embed="rId4"/>
+          <a:stretch>
+            <a:fillRect/>
+          </a:stretch>
+        </p:blipFill>
+        <p:spPr>
+          <a:xfrm>
+            <a:off x="1005962" y="1938911"/>
+            <a:ext cx="5270265" cy="4144419"/>
+          </a:xfrm>
+          <a:prstGeom prst="rect">
+            <a:avLst/>
+          </a:prstGeom>
+          <a:ln>
+            <a:solidFill>
+              <a:schemeClr val="accent1"/>
+            </a:solidFill>
+          </a:ln>
+        </p:spPr>
+      </p:pic>
+    </p:spTree>
+    <p:extLst>
+      <p:ext uri="{BB962C8B-B14F-4D97-AF65-F5344CB8AC3E}">
+        <p14:creationId xmlns:p14="http://schemas.microsoft.com/office/powerpoint/2010/main" val="503131920"/>
+      </p:ext>
+    </p:extLst>
+  </p:cSld>
+  <p:clrMapOvr>
+    <a:masterClrMapping/>
+  </p:clrMapOvr>
+  <mc:AlternateContent xmlns:mc="http://schemas.openxmlformats.org/markup-compatibility/2006" xmlns:p14="http://schemas.microsoft.com/office/powerpoint/2010/main">
+    <mc:Choice Requires="p14">
+      <p:transition spd="slow" p14:dur="2000"/>
+    </mc:Choice>
+    <mc:Fallback xmlns:p15="http://schemas.microsoft.com/office/powerpoint/2012/main" xmlns="">
+      <p:transition spd="slow"/>
+    </mc:Fallback>
+  </mc:AlternateContent>
+</p:sld>
+</file>
+
+<file path=ppt/slides/slide38.xml><?xml version="1.0" encoding="utf-8"?>
 <p:sld xmlns:a="http://schemas.openxmlformats.org/drawingml/2006/main" xmlns:r="http://schemas.openxmlformats.org/officeDocument/2006/relationships" xmlns:p="http://schemas.openxmlformats.org/presentationml/2006/main">
   <p:cSld>
     <p:spTree>
@@ -25202,7 +26638,7 @@
     <mc:Choice Requires="p14">
       <p:transition spd="slow" p14:dur="2000"/>
     </mc:Choice>
-    <mc:Fallback xmlns="" xmlns:p15="http://schemas.microsoft.com/office/powerpoint/2012/main">
+    <mc:Fallback xmlns:p15="http://schemas.microsoft.com/office/powerpoint/2012/main" xmlns="">
       <p:transition spd="slow"/>
     </mc:Fallback>
   </mc:AlternateContent>
@@ -25856,13 +27292,274 @@
       </p:sp>
       <p:sp>
         <p:nvSpPr>
-          <p:cNvPr id="4" name="圓角矩形 10"/>
+          <p:cNvPr id="23" name="PlaceHolder 1"/>
+          <p:cNvSpPr txBox="1">
+            <a:spLocks/>
+          </p:cNvSpPr>
+          <p:nvPr/>
+        </p:nvSpPr>
+        <p:spPr>
+          <a:xfrm>
+            <a:off x="432457" y="777138"/>
+            <a:ext cx="8850087" cy="621448"/>
+          </a:xfrm>
+          <a:prstGeom prst="rect">
+            <a:avLst/>
+          </a:prstGeom>
+          <a:noFill/>
+          <a:ln w="0">
+            <a:noFill/>
+          </a:ln>
+        </p:spPr>
+        <p:txBody>
+          <a:bodyPr lIns="100800" tIns="100800" rIns="100800" bIns="100800" anchor="ctr">
+            <a:noAutofit/>
+          </a:bodyPr>
+          <a:lstStyle>
+            <a:lvl1pPr algn="l" defTabSz="914400" rtl="0" eaLnBrk="1" latinLnBrk="0" hangingPunct="1">
+              <a:lnSpc>
+                <a:spcPct val="90000"/>
+              </a:lnSpc>
+              <a:spcBef>
+                <a:spcPct val="0"/>
+              </a:spcBef>
+              <a:buNone/>
+              <a:defRPr sz="4400" kern="1200">
+                <a:solidFill>
+                  <a:schemeClr val="tx1"/>
+                </a:solidFill>
+                <a:latin typeface="+mj-lt"/>
+                <a:ea typeface="+mj-ea"/>
+                <a:cs typeface="+mj-cs"/>
+              </a:defRPr>
+            </a:lvl1pPr>
+          </a:lstStyle>
+          <a:p>
+            <a:pPr>
+              <a:lnSpc>
+                <a:spcPct val="100000"/>
+              </a:lnSpc>
+              <a:tabLst>
+                <a:tab pos="0" algn="l"/>
+              </a:tabLst>
+            </a:pPr>
+            <a:r>
+              <a:rPr lang="zh-TW" altLang="en-US" sz="2400" spc="-1" dirty="0" smtClean="0">
+                <a:solidFill>
+                  <a:srgbClr val="002060"/>
+                </a:solidFill>
+                <a:latin typeface="標楷體" panose="03000509000000000000" pitchFamily="65" charset="-120"/>
+                <a:ea typeface="標楷體" panose="03000509000000000000" pitchFamily="65" charset="-120"/>
+              </a:rPr>
+              <a:t>情境三、</a:t>
+            </a:r>
+            <a:r>
+              <a:rPr lang="en-US" altLang="zh-TW" sz="2400" spc="-1" dirty="0" smtClean="0">
+                <a:solidFill>
+                  <a:srgbClr val="002060"/>
+                </a:solidFill>
+                <a:latin typeface="標楷體" panose="03000509000000000000" pitchFamily="65" charset="-120"/>
+                <a:ea typeface="標楷體" panose="03000509000000000000" pitchFamily="65" charset="-120"/>
+              </a:rPr>
+              <a:t>UAT</a:t>
+            </a:r>
+            <a:r>
+              <a:rPr lang="zh-TW" altLang="en-US" sz="2400" spc="-1" dirty="0" smtClean="0">
+                <a:solidFill>
+                  <a:srgbClr val="002060"/>
+                </a:solidFill>
+                <a:latin typeface="標楷體" panose="03000509000000000000" pitchFamily="65" charset="-120"/>
+                <a:ea typeface="標楷體" panose="03000509000000000000" pitchFamily="65" charset="-120"/>
+              </a:rPr>
+              <a:t> 測試的 </a:t>
+            </a:r>
+            <a:r>
+              <a:rPr lang="en-US" altLang="zh-TW" sz="2400" spc="-1" dirty="0" smtClean="0">
+                <a:solidFill>
+                  <a:srgbClr val="002060"/>
+                </a:solidFill>
+                <a:latin typeface="標楷體" panose="03000509000000000000" pitchFamily="65" charset="-120"/>
+                <a:ea typeface="標楷體" panose="03000509000000000000" pitchFamily="65" charset="-120"/>
+              </a:rPr>
+              <a:t>A</a:t>
+            </a:r>
+            <a:r>
+              <a:rPr lang="zh-TW" altLang="en-US" sz="2400" spc="-1" dirty="0" smtClean="0">
+                <a:solidFill>
+                  <a:srgbClr val="002060"/>
+                </a:solidFill>
+                <a:latin typeface="標楷體" panose="03000509000000000000" pitchFamily="65" charset="-120"/>
+                <a:ea typeface="標楷體" panose="03000509000000000000" pitchFamily="65" charset="-120"/>
+              </a:rPr>
+              <a:t> 版本測試不通過</a:t>
+            </a:r>
+            <a:r>
+              <a:rPr lang="en-US" altLang="zh-TW" sz="2400" spc="-1" dirty="0" smtClean="0">
+                <a:solidFill>
+                  <a:srgbClr val="002060"/>
+                </a:solidFill>
+                <a:latin typeface="標楷體" panose="03000509000000000000" pitchFamily="65" charset="-120"/>
+                <a:ea typeface="標楷體" panose="03000509000000000000" pitchFamily="65" charset="-120"/>
+              </a:rPr>
+              <a:t>,</a:t>
+            </a:r>
+            <a:r>
+              <a:rPr lang="zh-TW" altLang="en-US" sz="2400" spc="-1" dirty="0" smtClean="0">
+                <a:solidFill>
+                  <a:srgbClr val="002060"/>
+                </a:solidFill>
+                <a:latin typeface="標楷體" panose="03000509000000000000" pitchFamily="65" charset="-120"/>
+                <a:ea typeface="標楷體" panose="03000509000000000000" pitchFamily="65" charset="-120"/>
+              </a:rPr>
+              <a:t>退回重新修改送測</a:t>
+            </a:r>
+            <a:endParaRPr lang="zh-TW" altLang="en-US" sz="2400" spc="-1" dirty="0">
+              <a:solidFill>
+                <a:srgbClr val="000000"/>
+              </a:solidFill>
+              <a:latin typeface="標楷體" panose="03000509000000000000" pitchFamily="65" charset="-120"/>
+              <a:ea typeface="標楷體" panose="03000509000000000000" pitchFamily="65" charset="-120"/>
+            </a:endParaRPr>
+          </a:p>
+        </p:txBody>
+      </p:sp>
+      <p:sp>
+        <p:nvSpPr>
+          <p:cNvPr id="49" name="圓角矩形 1"/>
           <p:cNvSpPr/>
           <p:nvPr/>
         </p:nvSpPr>
         <p:spPr>
           <a:xfrm>
-            <a:off x="219784" y="1679084"/>
+            <a:off x="183064" y="2042848"/>
+            <a:ext cx="632865" cy="414104"/>
+          </a:xfrm>
+          <a:prstGeom prst="roundRect">
+            <a:avLst>
+              <a:gd name="adj" fmla="val 16667"/>
+            </a:avLst>
+          </a:prstGeom>
+          <a:solidFill>
+            <a:schemeClr val="accent4">
+              <a:lumMod val="60000"/>
+              <a:lumOff val="40000"/>
+            </a:schemeClr>
+          </a:solidFill>
+          <a:ln/>
+        </p:spPr>
+        <p:style>
+          <a:lnRef idx="3">
+            <a:schemeClr val="lt1"/>
+          </a:lnRef>
+          <a:fillRef idx="1">
+            <a:schemeClr val="accent1"/>
+          </a:fillRef>
+          <a:effectRef idx="1">
+            <a:schemeClr val="accent1"/>
+          </a:effectRef>
+          <a:fontRef idx="minor">
+            <a:schemeClr val="lt1"/>
+          </a:fontRef>
+        </p:style>
+        <p:txBody>
+          <a:bodyPr lIns="90000" tIns="45000" rIns="90000" bIns="45000" anchor="ctr">
+            <a:noAutofit/>
+          </a:bodyPr>
+          <a:lstStyle/>
+          <a:p>
+            <a:pPr algn="ctr" defTabSz="914400">
+              <a:lnSpc>
+                <a:spcPct val="100000"/>
+              </a:lnSpc>
+            </a:pPr>
+            <a:r>
+              <a:rPr lang="en-US" altLang="zh-TW" sz="1400" b="0" strike="noStrike" spc="-1" dirty="0" smtClean="0">
+                <a:solidFill>
+                  <a:schemeClr val="dk1"/>
+                </a:solidFill>
+                <a:latin typeface="Arial"/>
+              </a:rPr>
+              <a:t>UAT</a:t>
+            </a:r>
+            <a:endParaRPr lang="en-US" sz="1400" b="0" strike="noStrike" spc="-1" dirty="0">
+              <a:solidFill>
+                <a:srgbClr val="000000"/>
+              </a:solidFill>
+              <a:latin typeface="Arial"/>
+            </a:endParaRPr>
+          </a:p>
+        </p:txBody>
+      </p:sp>
+      <p:sp>
+        <p:nvSpPr>
+          <p:cNvPr id="50" name="圓角矩形 1"/>
+          <p:cNvSpPr/>
+          <p:nvPr/>
+        </p:nvSpPr>
+        <p:spPr>
+          <a:xfrm>
+            <a:off x="183064" y="1670760"/>
+            <a:ext cx="632865" cy="383559"/>
+          </a:xfrm>
+          <a:prstGeom prst="roundRect">
+            <a:avLst>
+              <a:gd name="adj" fmla="val 16667"/>
+            </a:avLst>
+          </a:prstGeom>
+          <a:ln/>
+        </p:spPr>
+        <p:style>
+          <a:lnRef idx="3">
+            <a:schemeClr val="lt1"/>
+          </a:lnRef>
+          <a:fillRef idx="1">
+            <a:schemeClr val="accent5"/>
+          </a:fillRef>
+          <a:effectRef idx="1">
+            <a:schemeClr val="accent5"/>
+          </a:effectRef>
+          <a:fontRef idx="minor">
+            <a:schemeClr val="lt1"/>
+          </a:fontRef>
+        </p:style>
+        <p:txBody>
+          <a:bodyPr lIns="90000" tIns="45000" rIns="90000" bIns="45000" anchor="ctr">
+            <a:noAutofit/>
+          </a:bodyPr>
+          <a:lstStyle/>
+          <a:p>
+            <a:pPr algn="ctr" defTabSz="914400">
+              <a:lnSpc>
+                <a:spcPct val="100000"/>
+              </a:lnSpc>
+            </a:pPr>
+            <a:r>
+              <a:rPr lang="en-US" altLang="zh-TW" sz="1400" b="0" strike="noStrike" spc="-1" dirty="0" smtClean="0">
+                <a:solidFill>
+                  <a:schemeClr val="dk1"/>
+                </a:solidFill>
+                <a:latin typeface="Arial"/>
+              </a:rPr>
+              <a:t>A</a:t>
+            </a:r>
+            <a:endParaRPr lang="en-US" sz="1400" b="0" strike="noStrike" spc="-1" dirty="0">
+              <a:solidFill>
+                <a:srgbClr val="000000"/>
+              </a:solidFill>
+              <a:latin typeface="Arial"/>
+            </a:endParaRPr>
+          </a:p>
+        </p:txBody>
+      </p:sp>
+      <p:sp>
+        <p:nvSpPr>
+          <p:cNvPr id="51" name="圓角矩形 10"/>
+          <p:cNvSpPr/>
+          <p:nvPr/>
+        </p:nvSpPr>
+        <p:spPr>
+          <a:xfrm>
+            <a:off x="1656933" y="1665157"/>
             <a:ext cx="987709" cy="593280"/>
           </a:xfrm>
           <a:prstGeom prst="roundRect">
@@ -25925,13 +27622,13 @@
       </p:sp>
       <p:sp>
         <p:nvSpPr>
-          <p:cNvPr id="5" name="圓角矩形 11"/>
+          <p:cNvPr id="53" name="圓角矩形 11"/>
           <p:cNvSpPr/>
           <p:nvPr/>
         </p:nvSpPr>
         <p:spPr>
           <a:xfrm>
-            <a:off x="210784" y="2270924"/>
+            <a:off x="1647933" y="2256997"/>
             <a:ext cx="996709" cy="196920"/>
           </a:xfrm>
           <a:prstGeom prst="roundRect">
@@ -25985,13 +27682,13 @@
       </p:sp>
       <p:sp>
         <p:nvSpPr>
-          <p:cNvPr id="7" name="圓角矩形 1"/>
+          <p:cNvPr id="54" name="圓角矩形 1"/>
           <p:cNvSpPr/>
           <p:nvPr/>
         </p:nvSpPr>
         <p:spPr>
           <a:xfrm>
-            <a:off x="1332401" y="1879234"/>
+            <a:off x="2769550" y="1865307"/>
             <a:ext cx="632865" cy="345520"/>
           </a:xfrm>
           <a:prstGeom prst="roundRect">
@@ -26048,13 +27745,13 @@
       </p:sp>
       <p:sp>
         <p:nvSpPr>
-          <p:cNvPr id="8" name="圓角矩形 10"/>
+          <p:cNvPr id="55" name="圓角矩形 10"/>
           <p:cNvSpPr/>
           <p:nvPr/>
         </p:nvSpPr>
         <p:spPr>
           <a:xfrm>
-            <a:off x="2099334" y="1679084"/>
+            <a:off x="3536483" y="1665157"/>
             <a:ext cx="987709" cy="593280"/>
           </a:xfrm>
           <a:prstGeom prst="roundRect">
@@ -26117,13 +27814,13 @@
       </p:sp>
       <p:sp>
         <p:nvSpPr>
-          <p:cNvPr id="9" name="圓角矩形 11"/>
+          <p:cNvPr id="56" name="圓角矩形 11"/>
           <p:cNvSpPr/>
           <p:nvPr/>
         </p:nvSpPr>
         <p:spPr>
           <a:xfrm>
-            <a:off x="2090334" y="2270924"/>
+            <a:off x="3527483" y="2256997"/>
             <a:ext cx="996709" cy="196920"/>
           </a:xfrm>
           <a:prstGeom prst="roundRect">
@@ -26177,13 +27874,13 @@
       </p:sp>
       <p:sp>
         <p:nvSpPr>
-          <p:cNvPr id="10" name="圓角矩形 1"/>
+          <p:cNvPr id="57" name="圓角矩形 1"/>
           <p:cNvSpPr/>
           <p:nvPr/>
         </p:nvSpPr>
         <p:spPr>
           <a:xfrm>
-            <a:off x="3221111" y="1879234"/>
+            <a:off x="4658260" y="1865307"/>
             <a:ext cx="632865" cy="345520"/>
           </a:xfrm>
           <a:prstGeom prst="roundRect">
@@ -26238,13 +27935,13 @@
       </p:sp>
       <p:sp>
         <p:nvSpPr>
-          <p:cNvPr id="11" name="圓角矩形 10"/>
+          <p:cNvPr id="59" name="圓角矩形 10"/>
           <p:cNvSpPr/>
           <p:nvPr/>
         </p:nvSpPr>
         <p:spPr>
           <a:xfrm>
-            <a:off x="4022365" y="1679084"/>
+            <a:off x="5459514" y="1665157"/>
             <a:ext cx="987709" cy="593280"/>
           </a:xfrm>
           <a:prstGeom prst="roundRect">
@@ -26307,13 +28004,13 @@
       </p:sp>
       <p:sp>
         <p:nvSpPr>
-          <p:cNvPr id="12" name="圓角矩形 11"/>
+          <p:cNvPr id="60" name="圓角矩形 11"/>
           <p:cNvSpPr/>
           <p:nvPr/>
         </p:nvSpPr>
         <p:spPr>
           <a:xfrm>
-            <a:off x="4013365" y="2270924"/>
+            <a:off x="5450514" y="2256997"/>
             <a:ext cx="996709" cy="196920"/>
           </a:xfrm>
           <a:prstGeom prst="roundRect">
@@ -26367,13 +28064,13 @@
       </p:sp>
       <p:sp>
         <p:nvSpPr>
-          <p:cNvPr id="13" name="向右箭號 3"/>
+          <p:cNvPr id="61" name="向右箭號 3"/>
           <p:cNvSpPr/>
           <p:nvPr/>
         </p:nvSpPr>
         <p:spPr>
           <a:xfrm>
-            <a:off x="1226762" y="2225567"/>
+            <a:off x="2663911" y="2211640"/>
             <a:ext cx="844141" cy="287634"/>
           </a:xfrm>
           <a:prstGeom prst="rightArrow">
@@ -26420,13 +28117,13 @@
       </p:sp>
       <p:sp>
         <p:nvSpPr>
-          <p:cNvPr id="14" name="圓角矩形 1"/>
+          <p:cNvPr id="62" name="圓角矩形 1"/>
           <p:cNvSpPr/>
           <p:nvPr/>
         </p:nvSpPr>
         <p:spPr>
           <a:xfrm>
-            <a:off x="5162237" y="1850694"/>
+            <a:off x="6599386" y="1836767"/>
             <a:ext cx="632865" cy="345520"/>
           </a:xfrm>
           <a:prstGeom prst="roundRect">
@@ -26481,13 +28178,13 @@
       </p:sp>
       <p:sp>
         <p:nvSpPr>
-          <p:cNvPr id="15" name="圓角矩形 10"/>
+          <p:cNvPr id="63" name="圓角矩形 10"/>
           <p:cNvSpPr/>
           <p:nvPr/>
         </p:nvSpPr>
         <p:spPr>
           <a:xfrm>
-            <a:off x="5958872" y="1695088"/>
+            <a:off x="7396021" y="1681161"/>
             <a:ext cx="987709" cy="593280"/>
           </a:xfrm>
           <a:prstGeom prst="roundRect">
@@ -26550,13 +28247,13 @@
       </p:sp>
       <p:sp>
         <p:nvSpPr>
-          <p:cNvPr id="16" name="圓角矩形 11"/>
+          <p:cNvPr id="64" name="圓角矩形 11"/>
           <p:cNvSpPr/>
           <p:nvPr/>
         </p:nvSpPr>
         <p:spPr>
           <a:xfrm>
-            <a:off x="5949872" y="2286928"/>
+            <a:off x="7387021" y="2273001"/>
             <a:ext cx="996709" cy="196920"/>
           </a:xfrm>
           <a:prstGeom prst="roundRect">
@@ -26610,13 +28307,13 @@
       </p:sp>
       <p:sp>
         <p:nvSpPr>
-          <p:cNvPr id="17" name="向右箭號 3"/>
+          <p:cNvPr id="66" name="向右箭號 3"/>
           <p:cNvSpPr/>
           <p:nvPr/>
         </p:nvSpPr>
         <p:spPr>
           <a:xfrm>
-            <a:off x="3134743" y="2224754"/>
+            <a:off x="4571892" y="2210827"/>
             <a:ext cx="844141" cy="287634"/>
           </a:xfrm>
           <a:prstGeom prst="rightArrow">
@@ -26663,13 +28360,13 @@
       </p:sp>
       <p:sp>
         <p:nvSpPr>
-          <p:cNvPr id="18" name="向右箭號 3"/>
+          <p:cNvPr id="67" name="向右箭號 3"/>
           <p:cNvSpPr/>
           <p:nvPr/>
         </p:nvSpPr>
         <p:spPr>
           <a:xfrm>
-            <a:off x="5056600" y="2196214"/>
+            <a:off x="6493749" y="2182287"/>
             <a:ext cx="844141" cy="287634"/>
           </a:xfrm>
           <a:prstGeom prst="rightArrow">
@@ -26716,13 +28413,13 @@
       </p:sp>
       <p:sp>
         <p:nvSpPr>
-          <p:cNvPr id="19" name="圓角矩形 1"/>
+          <p:cNvPr id="68" name="圓角矩形 1"/>
           <p:cNvSpPr/>
           <p:nvPr/>
         </p:nvSpPr>
         <p:spPr>
           <a:xfrm>
-            <a:off x="7110349" y="1827603"/>
+            <a:off x="6626395" y="3273307"/>
             <a:ext cx="632865" cy="345520"/>
           </a:xfrm>
           <a:prstGeom prst="roundRect">
@@ -26777,13 +28474,13 @@
       </p:sp>
       <p:sp>
         <p:nvSpPr>
-          <p:cNvPr id="20" name="圓角矩形 10"/>
+          <p:cNvPr id="69" name="圓角矩形 10"/>
           <p:cNvSpPr/>
           <p:nvPr/>
         </p:nvSpPr>
         <p:spPr>
           <a:xfrm>
-            <a:off x="7906984" y="1671997"/>
+            <a:off x="7423030" y="3117701"/>
             <a:ext cx="987709" cy="593280"/>
           </a:xfrm>
           <a:prstGeom prst="roundRect">
@@ -26846,13 +28543,13 @@
       </p:sp>
       <p:sp>
         <p:nvSpPr>
-          <p:cNvPr id="21" name="圓角矩形 11"/>
+          <p:cNvPr id="70" name="圓角矩形 11"/>
           <p:cNvSpPr/>
           <p:nvPr/>
         </p:nvSpPr>
         <p:spPr>
           <a:xfrm>
-            <a:off x="7897984" y="2263837"/>
+            <a:off x="7414030" y="3709541"/>
             <a:ext cx="996709" cy="196920"/>
           </a:xfrm>
           <a:prstGeom prst="roundRect">
@@ -26906,13 +28603,13 @@
       </p:sp>
       <p:sp>
         <p:nvSpPr>
-          <p:cNvPr id="22" name="向右箭號 3"/>
+          <p:cNvPr id="72" name="向右箭號 3"/>
           <p:cNvSpPr/>
           <p:nvPr/>
         </p:nvSpPr>
         <p:spPr>
           <a:xfrm>
-            <a:off x="7004712" y="2173123"/>
+            <a:off x="6520758" y="3618827"/>
             <a:ext cx="844141" cy="287634"/>
           </a:xfrm>
           <a:prstGeom prst="rightArrow">
@@ -26959,146 +28656,372 @@
       </p:sp>
       <p:sp>
         <p:nvSpPr>
-          <p:cNvPr id="23" name="PlaceHolder 1"/>
-          <p:cNvSpPr txBox="1">
-            <a:spLocks/>
-          </p:cNvSpPr>
+          <p:cNvPr id="74" name="圓角矩形 1"/>
+          <p:cNvSpPr/>
           <p:nvPr/>
         </p:nvSpPr>
         <p:spPr>
           <a:xfrm>
-            <a:off x="432457" y="961858"/>
-            <a:ext cx="8850087" cy="621448"/>
-          </a:xfrm>
-          <a:prstGeom prst="rect">
-            <a:avLst/>
-          </a:prstGeom>
-          <a:noFill/>
-          <a:ln w="0">
-            <a:noFill/>
-          </a:ln>
-        </p:spPr>
+            <a:off x="9157917" y="3511573"/>
+            <a:ext cx="632865" cy="414104"/>
+          </a:xfrm>
+          <a:prstGeom prst="roundRect">
+            <a:avLst>
+              <a:gd name="adj" fmla="val 16667"/>
+            </a:avLst>
+          </a:prstGeom>
+          <a:solidFill>
+            <a:schemeClr val="accent4">
+              <a:lumMod val="60000"/>
+              <a:lumOff val="40000"/>
+            </a:schemeClr>
+          </a:solidFill>
+          <a:ln/>
+        </p:spPr>
+        <p:style>
+          <a:lnRef idx="3">
+            <a:schemeClr val="lt1"/>
+          </a:lnRef>
+          <a:fillRef idx="1">
+            <a:schemeClr val="accent1"/>
+          </a:fillRef>
+          <a:effectRef idx="1">
+            <a:schemeClr val="accent1"/>
+          </a:effectRef>
+          <a:fontRef idx="minor">
+            <a:schemeClr val="lt1"/>
+          </a:fontRef>
+        </p:style>
         <p:txBody>
-          <a:bodyPr lIns="100800" tIns="100800" rIns="100800" bIns="100800" anchor="ctr">
+          <a:bodyPr lIns="90000" tIns="45000" rIns="90000" bIns="45000" anchor="ctr">
             <a:noAutofit/>
           </a:bodyPr>
-          <a:lstStyle>
-            <a:lvl1pPr algn="l" defTabSz="914400" rtl="0" eaLnBrk="1" latinLnBrk="0" hangingPunct="1">
-              <a:lnSpc>
-                <a:spcPct val="90000"/>
-              </a:lnSpc>
-              <a:spcBef>
-                <a:spcPct val="0"/>
-              </a:spcBef>
-              <a:buNone/>
-              <a:defRPr sz="4400" kern="1200">
-                <a:solidFill>
-                  <a:schemeClr val="tx1"/>
-                </a:solidFill>
-                <a:latin typeface="+mj-lt"/>
-                <a:ea typeface="+mj-ea"/>
-                <a:cs typeface="+mj-cs"/>
-              </a:defRPr>
-            </a:lvl1pPr>
-          </a:lstStyle>
-          <a:p>
-            <a:pPr>
+          <a:lstStyle/>
+          <a:p>
+            <a:pPr algn="ctr" defTabSz="914400">
               <a:lnSpc>
                 <a:spcPct val="100000"/>
               </a:lnSpc>
-              <a:tabLst>
-                <a:tab pos="0" algn="l"/>
-              </a:tabLst>
             </a:pPr>
             <a:r>
-              <a:rPr lang="zh-TW" altLang="en-US" sz="2400" spc="-1" dirty="0" smtClean="0">
-                <a:solidFill>
-                  <a:srgbClr val="002060"/>
-                </a:solidFill>
-                <a:latin typeface="標楷體" panose="03000509000000000000" pitchFamily="65" charset="-120"/>
-                <a:ea typeface="標楷體" panose="03000509000000000000" pitchFamily="65" charset="-120"/>
-              </a:rPr>
-              <a:t>情境三、</a:t>
-            </a:r>
-            <a:r>
-              <a:rPr lang="en-US" altLang="zh-TW" sz="2400" spc="-1" dirty="0" smtClean="0">
-                <a:solidFill>
-                  <a:srgbClr val="002060"/>
-                </a:solidFill>
-                <a:latin typeface="標楷體" panose="03000509000000000000" pitchFamily="65" charset="-120"/>
-                <a:ea typeface="標楷體" panose="03000509000000000000" pitchFamily="65" charset="-120"/>
+              <a:rPr lang="en-US" altLang="zh-TW" sz="1400" b="0" strike="noStrike" spc="-1" dirty="0" smtClean="0">
+                <a:solidFill>
+                  <a:schemeClr val="dk1"/>
+                </a:solidFill>
+                <a:latin typeface="Arial"/>
               </a:rPr>
               <a:t>UAT</a:t>
             </a:r>
-            <a:r>
-              <a:rPr lang="zh-TW" altLang="en-US" sz="2400" spc="-1" dirty="0" smtClean="0">
-                <a:solidFill>
-                  <a:srgbClr val="002060"/>
-                </a:solidFill>
-                <a:latin typeface="標楷體" panose="03000509000000000000" pitchFamily="65" charset="-120"/>
-                <a:ea typeface="標楷體" panose="03000509000000000000" pitchFamily="65" charset="-120"/>
-              </a:rPr>
-              <a:t> 測試的 </a:t>
-            </a:r>
-            <a:r>
-              <a:rPr lang="en-US" altLang="zh-TW" sz="2400" spc="-1" dirty="0" smtClean="0">
-                <a:solidFill>
-                  <a:srgbClr val="002060"/>
-                </a:solidFill>
-                <a:latin typeface="標楷體" panose="03000509000000000000" pitchFamily="65" charset="-120"/>
-                <a:ea typeface="標楷體" panose="03000509000000000000" pitchFamily="65" charset="-120"/>
-              </a:rPr>
-              <a:t>A</a:t>
-            </a:r>
-            <a:r>
-              <a:rPr lang="zh-TW" altLang="en-US" sz="2400" spc="-1" dirty="0" smtClean="0">
-                <a:solidFill>
-                  <a:srgbClr val="002060"/>
-                </a:solidFill>
-                <a:latin typeface="標楷體" panose="03000509000000000000" pitchFamily="65" charset="-120"/>
-                <a:ea typeface="標楷體" panose="03000509000000000000" pitchFamily="65" charset="-120"/>
-              </a:rPr>
-              <a:t> 版本測試不通過</a:t>
-            </a:r>
-            <a:r>
-              <a:rPr lang="en-US" altLang="zh-TW" sz="2400" spc="-1" dirty="0" smtClean="0">
-                <a:solidFill>
-                  <a:srgbClr val="002060"/>
-                </a:solidFill>
-                <a:latin typeface="標楷體" panose="03000509000000000000" pitchFamily="65" charset="-120"/>
-                <a:ea typeface="標楷體" panose="03000509000000000000" pitchFamily="65" charset="-120"/>
-              </a:rPr>
-              <a:t>,</a:t>
-            </a:r>
-            <a:r>
-              <a:rPr lang="zh-TW" altLang="en-US" sz="2400" spc="-1" dirty="0" smtClean="0">
-                <a:solidFill>
-                  <a:srgbClr val="002060"/>
-                </a:solidFill>
-                <a:latin typeface="標楷體" panose="03000509000000000000" pitchFamily="65" charset="-120"/>
-                <a:ea typeface="標楷體" panose="03000509000000000000" pitchFamily="65" charset="-120"/>
-              </a:rPr>
-              <a:t>退回重新修改送測</a:t>
-            </a:r>
-            <a:endParaRPr lang="zh-TW" altLang="en-US" sz="2400" spc="-1" dirty="0">
+            <a:endParaRPr lang="en-US" sz="1400" b="0" strike="noStrike" spc="-1" dirty="0">
               <a:solidFill>
                 <a:srgbClr val="000000"/>
               </a:solidFill>
-              <a:latin typeface="標楷體" panose="03000509000000000000" pitchFamily="65" charset="-120"/>
-              <a:ea typeface="標楷體" panose="03000509000000000000" pitchFamily="65" charset="-120"/>
+              <a:latin typeface="Arial"/>
             </a:endParaRPr>
           </a:p>
         </p:txBody>
       </p:sp>
       <p:sp>
         <p:nvSpPr>
-          <p:cNvPr id="24" name="圓角矩形 10"/>
+          <p:cNvPr id="75" name="圓角矩形 1"/>
           <p:cNvSpPr/>
           <p:nvPr/>
         </p:nvSpPr>
         <p:spPr>
           <a:xfrm>
-            <a:off x="228784" y="3278709"/>
+            <a:off x="9157917" y="3139485"/>
+            <a:ext cx="632865" cy="383559"/>
+          </a:xfrm>
+          <a:prstGeom prst="roundRect">
+            <a:avLst>
+              <a:gd name="adj" fmla="val 16667"/>
+            </a:avLst>
+          </a:prstGeom>
+          <a:ln/>
+        </p:spPr>
+        <p:style>
+          <a:lnRef idx="3">
+            <a:schemeClr val="lt1"/>
+          </a:lnRef>
+          <a:fillRef idx="1">
+            <a:schemeClr val="accent5"/>
+          </a:fillRef>
+          <a:effectRef idx="1">
+            <a:schemeClr val="accent5"/>
+          </a:effectRef>
+          <a:fontRef idx="minor">
+            <a:schemeClr val="lt1"/>
+          </a:fontRef>
+        </p:style>
+        <p:txBody>
+          <a:bodyPr lIns="90000" tIns="45000" rIns="90000" bIns="45000" anchor="ctr">
+            <a:noAutofit/>
+          </a:bodyPr>
+          <a:lstStyle/>
+          <a:p>
+            <a:pPr algn="ctr" defTabSz="914400">
+              <a:lnSpc>
+                <a:spcPct val="100000"/>
+              </a:lnSpc>
+            </a:pPr>
+            <a:r>
+              <a:rPr lang="en-US" altLang="zh-TW" sz="1400" b="0" strike="noStrike" spc="-1" dirty="0" smtClean="0">
+                <a:solidFill>
+                  <a:schemeClr val="dk1"/>
+                </a:solidFill>
+                <a:latin typeface="Arial"/>
+              </a:rPr>
+              <a:t>A</a:t>
+            </a:r>
+            <a:endParaRPr lang="en-US" sz="1400" b="0" strike="noStrike" spc="-1" dirty="0">
+              <a:solidFill>
+                <a:srgbClr val="000000"/>
+              </a:solidFill>
+              <a:latin typeface="Arial"/>
+            </a:endParaRPr>
+          </a:p>
+        </p:txBody>
+      </p:sp>
+      <p:sp>
+        <p:nvSpPr>
+          <p:cNvPr id="76" name="向右箭號 3"/>
+          <p:cNvSpPr/>
+          <p:nvPr/>
+        </p:nvSpPr>
+        <p:spPr>
+          <a:xfrm>
+            <a:off x="8475262" y="2185521"/>
+            <a:ext cx="591123" cy="284400"/>
+          </a:xfrm>
+          <a:prstGeom prst="rightArrow">
+            <a:avLst>
+              <a:gd name="adj1" fmla="val 50000"/>
+              <a:gd name="adj2" fmla="val 50000"/>
+            </a:avLst>
+          </a:prstGeom>
+          <a:solidFill>
+            <a:srgbClr val="FF0000"/>
+          </a:solidFill>
+          <a:ln>
+            <a:noFill/>
+          </a:ln>
+        </p:spPr>
+        <p:style>
+          <a:lnRef idx="2">
+            <a:schemeClr val="accent1">
+              <a:shade val="50000"/>
+            </a:schemeClr>
+          </a:lnRef>
+          <a:fillRef idx="1">
+            <a:schemeClr val="accent1"/>
+          </a:fillRef>
+          <a:effectRef idx="0">
+            <a:schemeClr val="accent1"/>
+          </a:effectRef>
+          <a:fontRef idx="minor"/>
+        </p:style>
+        <p:txBody>
+          <a:bodyPr lIns="90000" tIns="45000" rIns="90000" bIns="45000" anchor="ctr">
+            <a:noAutofit/>
+          </a:bodyPr>
+          <a:lstStyle/>
+          <a:p>
+            <a:endParaRPr lang="en-US" sz="1200" b="0" strike="noStrike" spc="-1">
+              <a:solidFill>
+                <a:schemeClr val="lt1"/>
+              </a:solidFill>
+              <a:latin typeface="Arial"/>
+            </a:endParaRPr>
+          </a:p>
+        </p:txBody>
+      </p:sp>
+      <p:sp>
+        <p:nvSpPr>
+          <p:cNvPr id="77" name="向右箭號 3"/>
+          <p:cNvSpPr/>
+          <p:nvPr/>
+        </p:nvSpPr>
+        <p:spPr>
+          <a:xfrm>
+            <a:off x="8502271" y="3621680"/>
+            <a:ext cx="564114" cy="282213"/>
+          </a:xfrm>
+          <a:prstGeom prst="rightArrow">
+            <a:avLst>
+              <a:gd name="adj1" fmla="val 50000"/>
+              <a:gd name="adj2" fmla="val 50000"/>
+            </a:avLst>
+          </a:prstGeom>
+          <a:solidFill>
+            <a:srgbClr val="FF0000"/>
+          </a:solidFill>
+          <a:ln>
+            <a:noFill/>
+          </a:ln>
+        </p:spPr>
+        <p:style>
+          <a:lnRef idx="2">
+            <a:schemeClr val="accent1">
+              <a:shade val="50000"/>
+            </a:schemeClr>
+          </a:lnRef>
+          <a:fillRef idx="1">
+            <a:schemeClr val="accent1"/>
+          </a:fillRef>
+          <a:effectRef idx="0">
+            <a:schemeClr val="accent1"/>
+          </a:effectRef>
+          <a:fontRef idx="minor"/>
+        </p:style>
+        <p:txBody>
+          <a:bodyPr lIns="90000" tIns="45000" rIns="90000" bIns="45000" anchor="ctr">
+            <a:noAutofit/>
+          </a:bodyPr>
+          <a:lstStyle/>
+          <a:p>
+            <a:endParaRPr lang="en-US" sz="1200" b="0" strike="noStrike" spc="-1">
+              <a:solidFill>
+                <a:schemeClr val="lt1"/>
+              </a:solidFill>
+              <a:latin typeface="Arial"/>
+            </a:endParaRPr>
+          </a:p>
+        </p:txBody>
+      </p:sp>
+      <p:sp>
+        <p:nvSpPr>
+          <p:cNvPr id="78" name="圓角矩形 1"/>
+          <p:cNvSpPr/>
+          <p:nvPr/>
+        </p:nvSpPr>
+        <p:spPr>
+          <a:xfrm>
+            <a:off x="9157917" y="2037245"/>
+            <a:ext cx="632865" cy="414104"/>
+          </a:xfrm>
+          <a:prstGeom prst="roundRect">
+            <a:avLst>
+              <a:gd name="adj" fmla="val 16667"/>
+            </a:avLst>
+          </a:prstGeom>
+          <a:solidFill>
+            <a:srgbClr val="FFFF00"/>
+          </a:solidFill>
+          <a:ln/>
+        </p:spPr>
+        <p:style>
+          <a:lnRef idx="3">
+            <a:schemeClr val="lt1"/>
+          </a:lnRef>
+          <a:fillRef idx="1">
+            <a:schemeClr val="accent1"/>
+          </a:fillRef>
+          <a:effectRef idx="1">
+            <a:schemeClr val="accent1"/>
+          </a:effectRef>
+          <a:fontRef idx="minor">
+            <a:schemeClr val="lt1"/>
+          </a:fontRef>
+        </p:style>
+        <p:txBody>
+          <a:bodyPr lIns="90000" tIns="45000" rIns="90000" bIns="45000" anchor="ctr">
+            <a:noAutofit/>
+          </a:bodyPr>
+          <a:lstStyle/>
+          <a:p>
+            <a:pPr algn="ctr" defTabSz="914400">
+              <a:lnSpc>
+                <a:spcPct val="100000"/>
+              </a:lnSpc>
+            </a:pPr>
+            <a:r>
+              <a:rPr lang="en-US" altLang="zh-TW" sz="1400" b="0" strike="noStrike" spc="-1" dirty="0" smtClean="0">
+                <a:solidFill>
+                  <a:schemeClr val="dk1"/>
+                </a:solidFill>
+                <a:latin typeface="Arial"/>
+              </a:rPr>
+              <a:t>SIT</a:t>
+            </a:r>
+            <a:endParaRPr lang="en-US" sz="1400" b="0" strike="noStrike" spc="-1" dirty="0">
+              <a:solidFill>
+                <a:srgbClr val="000000"/>
+              </a:solidFill>
+              <a:latin typeface="Arial"/>
+            </a:endParaRPr>
+          </a:p>
+        </p:txBody>
+      </p:sp>
+      <p:sp>
+        <p:nvSpPr>
+          <p:cNvPr id="79" name="圓角矩形 1"/>
+          <p:cNvSpPr/>
+          <p:nvPr/>
+        </p:nvSpPr>
+        <p:spPr>
+          <a:xfrm>
+            <a:off x="9157917" y="1665157"/>
+            <a:ext cx="632865" cy="383559"/>
+          </a:xfrm>
+          <a:prstGeom prst="roundRect">
+            <a:avLst>
+              <a:gd name="adj" fmla="val 16667"/>
+            </a:avLst>
+          </a:prstGeom>
+          <a:ln/>
+        </p:spPr>
+        <p:style>
+          <a:lnRef idx="3">
+            <a:schemeClr val="lt1"/>
+          </a:lnRef>
+          <a:fillRef idx="1">
+            <a:schemeClr val="accent5"/>
+          </a:fillRef>
+          <a:effectRef idx="1">
+            <a:schemeClr val="accent5"/>
+          </a:effectRef>
+          <a:fontRef idx="minor">
+            <a:schemeClr val="lt1"/>
+          </a:fontRef>
+        </p:style>
+        <p:txBody>
+          <a:bodyPr lIns="90000" tIns="45000" rIns="90000" bIns="45000" anchor="ctr">
+            <a:noAutofit/>
+          </a:bodyPr>
+          <a:lstStyle/>
+          <a:p>
+            <a:pPr algn="ctr" defTabSz="914400">
+              <a:lnSpc>
+                <a:spcPct val="100000"/>
+              </a:lnSpc>
+            </a:pPr>
+            <a:r>
+              <a:rPr lang="en-US" altLang="zh-TW" sz="1400" b="0" strike="noStrike" spc="-1" dirty="0" smtClean="0">
+                <a:solidFill>
+                  <a:schemeClr val="dk1"/>
+                </a:solidFill>
+                <a:latin typeface="Arial"/>
+              </a:rPr>
+              <a:t>A</a:t>
+            </a:r>
+            <a:endParaRPr lang="en-US" sz="1400" b="0" strike="noStrike" spc="-1" dirty="0">
+              <a:solidFill>
+                <a:srgbClr val="000000"/>
+              </a:solidFill>
+              <a:latin typeface="Arial"/>
+            </a:endParaRPr>
+          </a:p>
+        </p:txBody>
+      </p:sp>
+      <p:sp>
+        <p:nvSpPr>
+          <p:cNvPr id="80" name="圓角矩形 10"/>
+          <p:cNvSpPr/>
+          <p:nvPr/>
+        </p:nvSpPr>
+        <p:spPr>
+          <a:xfrm>
+            <a:off x="5459514" y="3117701"/>
             <a:ext cx="987709" cy="593280"/>
           </a:xfrm>
           <a:prstGeom prst="roundRect">
@@ -27139,13 +29062,13 @@
               </a:lnSpc>
             </a:pPr>
             <a:r>
-              <a:rPr lang="en-US" altLang="zh-TW" sz="1600" spc="-1" dirty="0">
+              <a:rPr lang="en-US" altLang="zh-TW" sz="1600" spc="-1" dirty="0" smtClean="0">
                 <a:solidFill>
                   <a:schemeClr val="dk1"/>
                 </a:solidFill>
                 <a:latin typeface="Arial"/>
               </a:rPr>
-              <a:t>m</a:t>
+              <a:t>Issue A</a:t>
             </a:r>
             <a:r>
               <a:rPr lang="en-US" altLang="zh-TW" sz="1600" b="0" strike="noStrike" spc="-1" dirty="0" smtClean="0">
@@ -27154,20 +29077,20 @@
                 </a:solidFill>
                 <a:latin typeface="Arial"/>
               </a:rPr>
-              <a:t>ain </a:t>
+              <a:t> </a:t>
             </a:r>
           </a:p>
         </p:txBody>
       </p:sp>
       <p:sp>
         <p:nvSpPr>
-          <p:cNvPr id="25" name="圓角矩形 11"/>
+          <p:cNvPr id="81" name="圓角矩形 11"/>
           <p:cNvSpPr/>
           <p:nvPr/>
         </p:nvSpPr>
         <p:spPr>
           <a:xfrm>
-            <a:off x="219784" y="3870549"/>
+            <a:off x="5450514" y="3709541"/>
             <a:ext cx="996709" cy="196920"/>
           </a:xfrm>
           <a:prstGeom prst="roundRect">
@@ -27219,22 +29142,142 @@
           </a:p>
         </p:txBody>
       </p:sp>
-      <p:sp>
-        <p:nvSpPr>
-          <p:cNvPr id="26" name="圓角矩形 1"/>
+      <p:cxnSp>
+        <p:nvCxnSpPr>
+          <p:cNvPr id="82" name="肘形接點 81"/>
+          <p:cNvCxnSpPr>
+            <a:stCxn id="78" idx="2"/>
+            <a:endCxn id="80" idx="0"/>
+          </p:cNvCxnSpPr>
+          <p:nvPr/>
+        </p:nvCxnSpPr>
+        <p:spPr>
+          <a:xfrm rot="5400000">
+            <a:off x="7380684" y="1024035"/>
+            <a:ext cx="666352" cy="3520981"/>
+          </a:xfrm>
+          <a:prstGeom prst="bentConnector3">
+            <a:avLst/>
+          </a:prstGeom>
+          <a:ln>
+            <a:solidFill>
+              <a:schemeClr val="tx1"/>
+            </a:solidFill>
+            <a:tailEnd type="triangle"/>
+          </a:ln>
+        </p:spPr>
+        <p:style>
+          <a:lnRef idx="1">
+            <a:schemeClr val="accent1"/>
+          </a:lnRef>
+          <a:fillRef idx="0">
+            <a:schemeClr val="accent1"/>
+          </a:fillRef>
+          <a:effectRef idx="0">
+            <a:schemeClr val="accent1"/>
+          </a:effectRef>
+          <a:fontRef idx="minor">
+            <a:schemeClr val="tx1"/>
+          </a:fontRef>
+        </p:style>
+      </p:cxnSp>
+      <p:sp>
+        <p:nvSpPr>
+          <p:cNvPr id="83" name="圓角矩形 1"/>
           <p:cNvSpPr/>
           <p:nvPr/>
         </p:nvSpPr>
         <p:spPr>
           <a:xfrm>
-            <a:off x="1341401" y="3478859"/>
-            <a:ext cx="632865" cy="345520"/>
+            <a:off x="7356706" y="2606929"/>
+            <a:ext cx="1127096" cy="410377"/>
           </a:xfrm>
           <a:prstGeom prst="roundRect">
             <a:avLst>
               <a:gd name="adj" fmla="val 16667"/>
             </a:avLst>
           </a:prstGeom>
+          <a:solidFill>
+            <a:srgbClr val="FFFF00"/>
+          </a:solidFill>
+          <a:ln/>
+        </p:spPr>
+        <p:style>
+          <a:lnRef idx="2">
+            <a:schemeClr val="accent4">
+              <a:shade val="50000"/>
+            </a:schemeClr>
+          </a:lnRef>
+          <a:fillRef idx="1">
+            <a:schemeClr val="accent4"/>
+          </a:fillRef>
+          <a:effectRef idx="0">
+            <a:schemeClr val="accent4"/>
+          </a:effectRef>
+          <a:fontRef idx="minor">
+            <a:schemeClr val="lt1"/>
+          </a:fontRef>
+        </p:style>
+        <p:txBody>
+          <a:bodyPr lIns="90000" tIns="45000" rIns="90000" bIns="45000" anchor="ctr">
+            <a:noAutofit/>
+          </a:bodyPr>
+          <a:lstStyle/>
+          <a:p>
+            <a:pPr algn="ctr" defTabSz="914400">
+              <a:lnSpc>
+                <a:spcPct val="100000"/>
+              </a:lnSpc>
+            </a:pPr>
+            <a:r>
+              <a:rPr lang="zh-TW" altLang="en-US" sz="1400" b="1" spc="-1" dirty="0" smtClean="0">
+                <a:solidFill>
+                  <a:schemeClr val="dk1"/>
+                </a:solidFill>
+                <a:latin typeface="Arial"/>
+              </a:rPr>
+              <a:t>測試通</a:t>
+            </a:r>
+            <a:r>
+              <a:rPr lang="zh-TW" altLang="en-US" sz="1400" b="1" spc="-1" dirty="0">
+                <a:solidFill>
+                  <a:schemeClr val="dk1"/>
+                </a:solidFill>
+                <a:latin typeface="Arial"/>
+              </a:rPr>
+              <a:t>過</a:t>
+            </a:r>
+            <a:endParaRPr lang="en-US" sz="1400" b="1" strike="noStrike" spc="-1" dirty="0">
+              <a:solidFill>
+                <a:srgbClr val="000000"/>
+              </a:solidFill>
+              <a:latin typeface="Arial"/>
+            </a:endParaRPr>
+          </a:p>
+        </p:txBody>
+      </p:sp>
+      <p:sp>
+        <p:nvSpPr>
+          <p:cNvPr id="85" name="圓角矩形 1"/>
+          <p:cNvSpPr/>
+          <p:nvPr/>
+        </p:nvSpPr>
+        <p:spPr>
+          <a:xfrm>
+            <a:off x="913777" y="1865307"/>
+            <a:ext cx="632865" cy="345520"/>
+          </a:xfrm>
+          <a:prstGeom prst="roundRect">
+            <a:avLst>
+              <a:gd name="adj" fmla="val 16667"/>
+            </a:avLst>
+          </a:prstGeom>
+          <a:solidFill>
+            <a:schemeClr val="accent2">
+              <a:lumMod val="60000"/>
+              <a:lumOff val="40000"/>
+            </a:schemeClr>
+          </a:solidFill>
           <a:ln/>
         </p:spPr>
         <p:style>
@@ -27265,15 +29308,15 @@
               </a:lnSpc>
             </a:pPr>
             <a:r>
-              <a:rPr lang="en-US" altLang="zh-TW" sz="1400" b="0" strike="noStrike" spc="-1" dirty="0" smtClean="0">
+              <a:rPr lang="zh-TW" altLang="en-US" sz="1400" b="1" strike="noStrike" spc="-1" dirty="0" smtClean="0">
                 <a:solidFill>
                   <a:schemeClr val="dk1"/>
                 </a:solidFill>
                 <a:latin typeface="Arial"/>
               </a:rPr>
-              <a:t>Pull</a:t>
-            </a:r>
-            <a:endParaRPr lang="en-US" sz="1400" b="0" strike="noStrike" spc="-1" dirty="0">
+              <a:t>退回</a:t>
+            </a:r>
+            <a:endParaRPr lang="en-US" sz="1400" b="1" strike="noStrike" spc="-1" dirty="0">
               <a:solidFill>
                 <a:srgbClr val="000000"/>
               </a:solidFill>
@@ -27284,333 +29327,14 @@
       </p:sp>
       <p:sp>
         <p:nvSpPr>
-          <p:cNvPr id="27" name="圓角矩形 10"/>
+          <p:cNvPr id="86" name="向右箭號 3"/>
           <p:cNvSpPr/>
           <p:nvPr/>
         </p:nvSpPr>
         <p:spPr>
           <a:xfrm>
-            <a:off x="2108334" y="3278709"/>
-            <a:ext cx="987709" cy="593280"/>
-          </a:xfrm>
-          <a:prstGeom prst="roundRect">
-            <a:avLst>
-              <a:gd name="adj" fmla="val 16667"/>
-            </a:avLst>
-          </a:prstGeom>
-          <a:solidFill>
-            <a:srgbClr val="4BACC6"/>
-          </a:solidFill>
-          <a:ln>
-            <a:noFill/>
-          </a:ln>
-        </p:spPr>
-        <p:style>
-          <a:lnRef idx="2">
-            <a:schemeClr val="accent5">
-              <a:shade val="50000"/>
-            </a:schemeClr>
-          </a:lnRef>
-          <a:fillRef idx="1">
-            <a:schemeClr val="accent5"/>
-          </a:fillRef>
-          <a:effectRef idx="0">
-            <a:schemeClr val="accent5"/>
-          </a:effectRef>
-          <a:fontRef idx="minor"/>
-        </p:style>
-        <p:txBody>
-          <a:bodyPr lIns="90000" tIns="45000" rIns="90000" bIns="45000" anchor="ctr">
-            <a:noAutofit/>
-          </a:bodyPr>
-          <a:lstStyle/>
-          <a:p>
-            <a:pPr algn="ctr" defTabSz="914400">
-              <a:lnSpc>
-                <a:spcPct val="100000"/>
-              </a:lnSpc>
-            </a:pPr>
-            <a:r>
-              <a:rPr lang="en-US" altLang="zh-TW" sz="1600" spc="-1" dirty="0" smtClean="0">
-                <a:solidFill>
-                  <a:schemeClr val="dk1"/>
-                </a:solidFill>
-                <a:latin typeface="Arial"/>
-              </a:rPr>
-              <a:t>Issue A</a:t>
-            </a:r>
-            <a:r>
-              <a:rPr lang="en-US" altLang="zh-TW" sz="1600" b="0" strike="noStrike" spc="-1" dirty="0" smtClean="0">
-                <a:solidFill>
-                  <a:schemeClr val="dk1"/>
-                </a:solidFill>
-                <a:latin typeface="Arial"/>
-              </a:rPr>
-              <a:t> </a:t>
-            </a:r>
-          </a:p>
-        </p:txBody>
-      </p:sp>
-      <p:sp>
-        <p:nvSpPr>
-          <p:cNvPr id="28" name="圓角矩形 11"/>
-          <p:cNvSpPr/>
-          <p:nvPr/>
-        </p:nvSpPr>
-        <p:spPr>
-          <a:xfrm>
-            <a:off x="2099334" y="3870549"/>
-            <a:ext cx="996709" cy="196920"/>
-          </a:xfrm>
-          <a:prstGeom prst="roundRect">
-            <a:avLst>
-              <a:gd name="adj" fmla="val 16667"/>
-            </a:avLst>
-          </a:prstGeom>
-          <a:solidFill>
-            <a:srgbClr val="FFC000"/>
-          </a:solidFill>
-          <a:ln/>
-        </p:spPr>
-        <p:style>
-          <a:lnRef idx="2">
-            <a:schemeClr val="accent1">
-              <a:shade val="50000"/>
-            </a:schemeClr>
-          </a:lnRef>
-          <a:fillRef idx="1">
-            <a:schemeClr val="accent1"/>
-          </a:fillRef>
-          <a:effectRef idx="0">
-            <a:schemeClr val="accent1"/>
-          </a:effectRef>
-          <a:fontRef idx="minor">
-            <a:schemeClr val="lt1"/>
-          </a:fontRef>
-        </p:style>
-        <p:txBody>
-          <a:bodyPr lIns="90000" tIns="45000" rIns="90000" bIns="45000" anchor="ctr">
-            <a:noAutofit/>
-          </a:bodyPr>
-          <a:lstStyle/>
-          <a:p>
-            <a:pPr algn="ctr"/>
-            <a:r>
-              <a:rPr lang="en-US" altLang="zh-TW" sz="1200" spc="-1" dirty="0" smtClean="0">
-                <a:solidFill>
-                  <a:schemeClr val="dk1"/>
-                </a:solidFill>
-              </a:rPr>
-              <a:t>local</a:t>
-            </a:r>
-            <a:endParaRPr lang="en-US" altLang="zh-TW" sz="1200" spc="-1" dirty="0">
-              <a:solidFill>
-                <a:srgbClr val="000000"/>
-              </a:solidFill>
-            </a:endParaRPr>
-          </a:p>
-        </p:txBody>
-      </p:sp>
-      <p:sp>
-        <p:nvSpPr>
-          <p:cNvPr id="29" name="圓角矩形 1"/>
-          <p:cNvSpPr/>
-          <p:nvPr/>
-        </p:nvSpPr>
-        <p:spPr>
-          <a:xfrm>
-            <a:off x="3230111" y="3478859"/>
-            <a:ext cx="632865" cy="345520"/>
-          </a:xfrm>
-          <a:prstGeom prst="roundRect">
-            <a:avLst>
-              <a:gd name="adj" fmla="val 16667"/>
-            </a:avLst>
-          </a:prstGeom>
-          <a:ln/>
-        </p:spPr>
-        <p:style>
-          <a:lnRef idx="3">
-            <a:schemeClr val="lt1"/>
-          </a:lnRef>
-          <a:fillRef idx="1">
-            <a:schemeClr val="accent3"/>
-          </a:fillRef>
-          <a:effectRef idx="1">
-            <a:schemeClr val="accent3"/>
-          </a:effectRef>
-          <a:fontRef idx="minor">
-            <a:schemeClr val="lt1"/>
-          </a:fontRef>
-        </p:style>
-        <p:txBody>
-          <a:bodyPr lIns="90000" tIns="45000" rIns="90000" bIns="45000" anchor="ctr">
-            <a:noAutofit/>
-          </a:bodyPr>
-          <a:lstStyle/>
-          <a:p>
-            <a:pPr algn="ctr" defTabSz="914400">
-              <a:lnSpc>
-                <a:spcPct val="100000"/>
-              </a:lnSpc>
-            </a:pPr>
-            <a:r>
-              <a:rPr lang="en-US" altLang="zh-TW" sz="1400" b="0" strike="noStrike" spc="-1" dirty="0" smtClean="0">
-                <a:solidFill>
-                  <a:schemeClr val="dk1"/>
-                </a:solidFill>
-                <a:latin typeface="Arial"/>
-              </a:rPr>
-              <a:t>Push</a:t>
-            </a:r>
-            <a:endParaRPr lang="en-US" sz="1400" b="0" strike="noStrike" spc="-1" dirty="0">
-              <a:solidFill>
-                <a:srgbClr val="000000"/>
-              </a:solidFill>
-              <a:latin typeface="Arial"/>
-            </a:endParaRPr>
-          </a:p>
-        </p:txBody>
-      </p:sp>
-      <p:sp>
-        <p:nvSpPr>
-          <p:cNvPr id="30" name="圓角矩形 29"/>
-          <p:cNvSpPr/>
-          <p:nvPr/>
-        </p:nvSpPr>
-        <p:spPr>
-          <a:xfrm>
-            <a:off x="4031365" y="3278709"/>
-            <a:ext cx="987709" cy="593280"/>
-          </a:xfrm>
-          <a:prstGeom prst="roundRect">
-            <a:avLst>
-              <a:gd name="adj" fmla="val 16667"/>
-            </a:avLst>
-          </a:prstGeom>
-          <a:solidFill>
-            <a:srgbClr val="4BACC6"/>
-          </a:solidFill>
-          <a:ln>
-            <a:noFill/>
-          </a:ln>
-        </p:spPr>
-        <p:style>
-          <a:lnRef idx="2">
-            <a:schemeClr val="accent5">
-              <a:shade val="50000"/>
-            </a:schemeClr>
-          </a:lnRef>
-          <a:fillRef idx="1">
-            <a:schemeClr val="accent5"/>
-          </a:fillRef>
-          <a:effectRef idx="0">
-            <a:schemeClr val="accent5"/>
-          </a:effectRef>
-          <a:fontRef idx="minor"/>
-        </p:style>
-        <p:txBody>
-          <a:bodyPr lIns="90000" tIns="45000" rIns="90000" bIns="45000" anchor="ctr">
-            <a:noAutofit/>
-          </a:bodyPr>
-          <a:lstStyle/>
-          <a:p>
-            <a:pPr algn="ctr" defTabSz="914400">
-              <a:lnSpc>
-                <a:spcPct val="100000"/>
-              </a:lnSpc>
-            </a:pPr>
-            <a:r>
-              <a:rPr lang="en-US" altLang="zh-TW" sz="1600" spc="-1" dirty="0" smtClean="0">
-                <a:solidFill>
-                  <a:schemeClr val="dk1"/>
-                </a:solidFill>
-                <a:latin typeface="Arial"/>
-              </a:rPr>
-              <a:t>Issue A</a:t>
-            </a:r>
-            <a:r>
-              <a:rPr lang="en-US" altLang="zh-TW" sz="1600" b="0" strike="noStrike" spc="-1" dirty="0" smtClean="0">
-                <a:solidFill>
-                  <a:schemeClr val="dk1"/>
-                </a:solidFill>
-                <a:latin typeface="Arial"/>
-              </a:rPr>
-              <a:t> </a:t>
-            </a:r>
-          </a:p>
-        </p:txBody>
-      </p:sp>
-      <p:sp>
-        <p:nvSpPr>
-          <p:cNvPr id="31" name="圓角矩形 30"/>
-          <p:cNvSpPr/>
-          <p:nvPr/>
-        </p:nvSpPr>
-        <p:spPr>
-          <a:xfrm>
-            <a:off x="4022365" y="3870549"/>
-            <a:ext cx="996709" cy="196920"/>
-          </a:xfrm>
-          <a:prstGeom prst="roundRect">
-            <a:avLst>
-              <a:gd name="adj" fmla="val 16667"/>
-            </a:avLst>
-          </a:prstGeom>
-          <a:solidFill>
-            <a:srgbClr val="F79646"/>
-          </a:solidFill>
-          <a:ln>
-            <a:noFill/>
-          </a:ln>
-        </p:spPr>
-        <p:style>
-          <a:lnRef idx="2">
-            <a:schemeClr val="accent6">
-              <a:shade val="50000"/>
-            </a:schemeClr>
-          </a:lnRef>
-          <a:fillRef idx="1">
-            <a:schemeClr val="accent6"/>
-          </a:fillRef>
-          <a:effectRef idx="0">
-            <a:schemeClr val="accent6"/>
-          </a:effectRef>
-          <a:fontRef idx="minor"/>
-        </p:style>
-        <p:txBody>
-          <a:bodyPr lIns="90000" tIns="45000" rIns="90000" bIns="45000" anchor="ctr">
-            <a:noAutofit/>
-          </a:bodyPr>
-          <a:lstStyle/>
-          <a:p>
-            <a:pPr algn="ctr"/>
-            <a:r>
-              <a:rPr lang="en-US" altLang="zh-TW" sz="1200" spc="-1" dirty="0" smtClean="0">
-                <a:solidFill>
-                  <a:schemeClr val="dk1"/>
-                </a:solidFill>
-              </a:rPr>
-              <a:t>remote</a:t>
-            </a:r>
-            <a:endParaRPr lang="en-US" altLang="zh-TW" sz="1200" spc="-1" dirty="0">
-              <a:solidFill>
-                <a:srgbClr val="000000"/>
-              </a:solidFill>
-            </a:endParaRPr>
-          </a:p>
-        </p:txBody>
-      </p:sp>
-      <p:sp>
-        <p:nvSpPr>
-          <p:cNvPr id="32" name="向右箭號 3"/>
-          <p:cNvSpPr/>
-          <p:nvPr/>
-        </p:nvSpPr>
-        <p:spPr>
-          <a:xfrm>
-            <a:off x="1235762" y="3825192"/>
-            <a:ext cx="844141" cy="287634"/>
+            <a:off x="944405" y="2214874"/>
+            <a:ext cx="591123" cy="284400"/>
           </a:xfrm>
           <a:prstGeom prst="rightArrow">
             <a:avLst>
@@ -27645,1020 +29369,9 @@
           </a:bodyPr>
           <a:lstStyle/>
           <a:p>
-            <a:endParaRPr lang="en-US" sz="1200" b="0" strike="noStrike" spc="-1" dirty="0">
-              <a:solidFill>
-                <a:schemeClr val="lt1"/>
-              </a:solidFill>
-              <a:latin typeface="Arial"/>
-            </a:endParaRPr>
-          </a:p>
-        </p:txBody>
-      </p:sp>
-      <p:sp>
-        <p:nvSpPr>
-          <p:cNvPr id="33" name="圓角矩形 1"/>
-          <p:cNvSpPr/>
-          <p:nvPr/>
-        </p:nvSpPr>
-        <p:spPr>
-          <a:xfrm>
-            <a:off x="5171237" y="3450319"/>
-            <a:ext cx="632865" cy="345520"/>
-          </a:xfrm>
-          <a:prstGeom prst="roundRect">
-            <a:avLst>
-              <a:gd name="adj" fmla="val 16667"/>
-            </a:avLst>
-          </a:prstGeom>
-          <a:ln/>
-        </p:spPr>
-        <p:style>
-          <a:lnRef idx="3">
-            <a:schemeClr val="lt1"/>
-          </a:lnRef>
-          <a:fillRef idx="1">
-            <a:schemeClr val="accent3"/>
-          </a:fillRef>
-          <a:effectRef idx="1">
-            <a:schemeClr val="accent3"/>
-          </a:effectRef>
-          <a:fontRef idx="minor">
-            <a:schemeClr val="lt1"/>
-          </a:fontRef>
-        </p:style>
-        <p:txBody>
-          <a:bodyPr lIns="90000" tIns="45000" rIns="90000" bIns="45000" anchor="ctr">
-            <a:noAutofit/>
-          </a:bodyPr>
-          <a:lstStyle/>
-          <a:p>
-            <a:pPr algn="ctr" defTabSz="914400">
-              <a:lnSpc>
-                <a:spcPct val="100000"/>
-              </a:lnSpc>
-            </a:pPr>
-            <a:r>
-              <a:rPr lang="en-US" altLang="zh-TW" sz="1400" b="0" strike="noStrike" spc="-1" dirty="0" smtClean="0">
-                <a:solidFill>
-                  <a:schemeClr val="dk1"/>
-                </a:solidFill>
-                <a:latin typeface="Arial"/>
-              </a:rPr>
-              <a:t>MR</a:t>
-            </a:r>
-            <a:endParaRPr lang="en-US" sz="1400" b="0" strike="noStrike" spc="-1" dirty="0">
-              <a:solidFill>
-                <a:srgbClr val="000000"/>
-              </a:solidFill>
-              <a:latin typeface="Arial"/>
-            </a:endParaRPr>
-          </a:p>
-        </p:txBody>
-      </p:sp>
-      <p:sp>
-        <p:nvSpPr>
-          <p:cNvPr id="34" name="圓角矩形 10"/>
-          <p:cNvSpPr/>
-          <p:nvPr/>
-        </p:nvSpPr>
-        <p:spPr>
-          <a:xfrm>
-            <a:off x="5967872" y="3294713"/>
-            <a:ext cx="987709" cy="593280"/>
-          </a:xfrm>
-          <a:prstGeom prst="roundRect">
-            <a:avLst>
-              <a:gd name="adj" fmla="val 16667"/>
-            </a:avLst>
-          </a:prstGeom>
-          <a:solidFill>
-            <a:srgbClr val="4BACC6"/>
-          </a:solidFill>
-          <a:ln>
-            <a:noFill/>
-          </a:ln>
-        </p:spPr>
-        <p:style>
-          <a:lnRef idx="2">
-            <a:schemeClr val="accent5">
-              <a:shade val="50000"/>
-            </a:schemeClr>
-          </a:lnRef>
-          <a:fillRef idx="1">
-            <a:schemeClr val="accent5"/>
-          </a:fillRef>
-          <a:effectRef idx="0">
-            <a:schemeClr val="accent5"/>
-          </a:effectRef>
-          <a:fontRef idx="minor"/>
-        </p:style>
-        <p:txBody>
-          <a:bodyPr lIns="90000" tIns="45000" rIns="90000" bIns="45000" anchor="ctr">
-            <a:noAutofit/>
-          </a:bodyPr>
-          <a:lstStyle/>
-          <a:p>
-            <a:pPr algn="ctr" defTabSz="914400">
-              <a:lnSpc>
-                <a:spcPct val="100000"/>
-              </a:lnSpc>
-            </a:pPr>
-            <a:r>
-              <a:rPr lang="en-US" altLang="zh-TW" sz="1600" spc="-1" dirty="0" smtClean="0">
-                <a:solidFill>
-                  <a:schemeClr val="dk1"/>
-                </a:solidFill>
-                <a:latin typeface="Arial"/>
-              </a:rPr>
-              <a:t>dev</a:t>
-            </a:r>
-            <a:r>
-              <a:rPr lang="en-US" altLang="zh-TW" sz="1600" b="0" strike="noStrike" spc="-1" dirty="0" smtClean="0">
-                <a:solidFill>
-                  <a:schemeClr val="dk1"/>
-                </a:solidFill>
-                <a:latin typeface="Arial"/>
-              </a:rPr>
-              <a:t> </a:t>
-            </a:r>
-          </a:p>
-        </p:txBody>
-      </p:sp>
-      <p:sp>
-        <p:nvSpPr>
-          <p:cNvPr id="35" name="圓角矩形 11"/>
-          <p:cNvSpPr/>
-          <p:nvPr/>
-        </p:nvSpPr>
-        <p:spPr>
-          <a:xfrm>
-            <a:off x="5958872" y="3886553"/>
-            <a:ext cx="996709" cy="196920"/>
-          </a:xfrm>
-          <a:prstGeom prst="roundRect">
-            <a:avLst>
-              <a:gd name="adj" fmla="val 16667"/>
-            </a:avLst>
-          </a:prstGeom>
-          <a:solidFill>
-            <a:srgbClr val="F79646"/>
-          </a:solidFill>
-          <a:ln>
-            <a:noFill/>
-          </a:ln>
-        </p:spPr>
-        <p:style>
-          <a:lnRef idx="2">
-            <a:schemeClr val="accent6">
-              <a:shade val="50000"/>
-            </a:schemeClr>
-          </a:lnRef>
-          <a:fillRef idx="1">
-            <a:schemeClr val="accent6"/>
-          </a:fillRef>
-          <a:effectRef idx="0">
-            <a:schemeClr val="accent6"/>
-          </a:effectRef>
-          <a:fontRef idx="minor"/>
-        </p:style>
-        <p:txBody>
-          <a:bodyPr lIns="90000" tIns="45000" rIns="90000" bIns="45000" anchor="ctr">
-            <a:noAutofit/>
-          </a:bodyPr>
-          <a:lstStyle/>
-          <a:p>
-            <a:pPr algn="ctr"/>
-            <a:r>
-              <a:rPr lang="en-US" altLang="zh-TW" sz="1200" spc="-1" dirty="0" smtClean="0">
-                <a:solidFill>
-                  <a:schemeClr val="dk1"/>
-                </a:solidFill>
-              </a:rPr>
-              <a:t>remote</a:t>
-            </a:r>
-            <a:endParaRPr lang="en-US" altLang="zh-TW" sz="1200" spc="-1" dirty="0">
-              <a:solidFill>
-                <a:srgbClr val="000000"/>
-              </a:solidFill>
-            </a:endParaRPr>
-          </a:p>
-        </p:txBody>
-      </p:sp>
-      <p:sp>
-        <p:nvSpPr>
-          <p:cNvPr id="36" name="向右箭號 3"/>
-          <p:cNvSpPr/>
-          <p:nvPr/>
-        </p:nvSpPr>
-        <p:spPr>
-          <a:xfrm>
-            <a:off x="3143743" y="3824379"/>
-            <a:ext cx="844141" cy="287634"/>
-          </a:xfrm>
-          <a:prstGeom prst="rightArrow">
-            <a:avLst>
-              <a:gd name="adj1" fmla="val 50000"/>
-              <a:gd name="adj2" fmla="val 50000"/>
-            </a:avLst>
-          </a:prstGeom>
-          <a:solidFill>
-            <a:srgbClr val="FF0000"/>
-          </a:solidFill>
-          <a:ln>
-            <a:noFill/>
-          </a:ln>
-        </p:spPr>
-        <p:style>
-          <a:lnRef idx="2">
-            <a:schemeClr val="accent1">
-              <a:shade val="50000"/>
-            </a:schemeClr>
-          </a:lnRef>
-          <a:fillRef idx="1">
-            <a:schemeClr val="accent1"/>
-          </a:fillRef>
-          <a:effectRef idx="0">
-            <a:schemeClr val="accent1"/>
-          </a:effectRef>
-          <a:fontRef idx="minor"/>
-        </p:style>
-        <p:txBody>
-          <a:bodyPr lIns="90000" tIns="45000" rIns="90000" bIns="45000" anchor="ctr">
-            <a:noAutofit/>
-          </a:bodyPr>
-          <a:lstStyle/>
-          <a:p>
             <a:endParaRPr lang="en-US" sz="1200" b="0" strike="noStrike" spc="-1">
               <a:solidFill>
                 <a:schemeClr val="lt1"/>
-              </a:solidFill>
-              <a:latin typeface="Arial"/>
-            </a:endParaRPr>
-          </a:p>
-        </p:txBody>
-      </p:sp>
-      <p:sp>
-        <p:nvSpPr>
-          <p:cNvPr id="37" name="向右箭號 3"/>
-          <p:cNvSpPr/>
-          <p:nvPr/>
-        </p:nvSpPr>
-        <p:spPr>
-          <a:xfrm>
-            <a:off x="5065600" y="3795839"/>
-            <a:ext cx="844141" cy="287634"/>
-          </a:xfrm>
-          <a:prstGeom prst="rightArrow">
-            <a:avLst>
-              <a:gd name="adj1" fmla="val 50000"/>
-              <a:gd name="adj2" fmla="val 50000"/>
-            </a:avLst>
-          </a:prstGeom>
-          <a:solidFill>
-            <a:srgbClr val="FF0000"/>
-          </a:solidFill>
-          <a:ln>
-            <a:noFill/>
-          </a:ln>
-        </p:spPr>
-        <p:style>
-          <a:lnRef idx="2">
-            <a:schemeClr val="accent1">
-              <a:shade val="50000"/>
-            </a:schemeClr>
-          </a:lnRef>
-          <a:fillRef idx="1">
-            <a:schemeClr val="accent1"/>
-          </a:fillRef>
-          <a:effectRef idx="0">
-            <a:schemeClr val="accent1"/>
-          </a:effectRef>
-          <a:fontRef idx="minor"/>
-        </p:style>
-        <p:txBody>
-          <a:bodyPr lIns="90000" tIns="45000" rIns="90000" bIns="45000" anchor="ctr">
-            <a:noAutofit/>
-          </a:bodyPr>
-          <a:lstStyle/>
-          <a:p>
-            <a:endParaRPr lang="en-US" sz="1200" b="0" strike="noStrike" spc="-1">
-              <a:solidFill>
-                <a:schemeClr val="lt1"/>
-              </a:solidFill>
-              <a:latin typeface="Arial"/>
-            </a:endParaRPr>
-          </a:p>
-        </p:txBody>
-      </p:sp>
-      <p:sp>
-        <p:nvSpPr>
-          <p:cNvPr id="38" name="圓角矩形 1"/>
-          <p:cNvSpPr/>
-          <p:nvPr/>
-        </p:nvSpPr>
-        <p:spPr>
-          <a:xfrm>
-            <a:off x="7119349" y="3427228"/>
-            <a:ext cx="632865" cy="345520"/>
-          </a:xfrm>
-          <a:prstGeom prst="roundRect">
-            <a:avLst>
-              <a:gd name="adj" fmla="val 16667"/>
-            </a:avLst>
-          </a:prstGeom>
-          <a:ln/>
-        </p:spPr>
-        <p:style>
-          <a:lnRef idx="3">
-            <a:schemeClr val="lt1"/>
-          </a:lnRef>
-          <a:fillRef idx="1">
-            <a:schemeClr val="accent3"/>
-          </a:fillRef>
-          <a:effectRef idx="1">
-            <a:schemeClr val="accent3"/>
-          </a:effectRef>
-          <a:fontRef idx="minor">
-            <a:schemeClr val="lt1"/>
-          </a:fontRef>
-        </p:style>
-        <p:txBody>
-          <a:bodyPr lIns="90000" tIns="45000" rIns="90000" bIns="45000" anchor="ctr">
-            <a:noAutofit/>
-          </a:bodyPr>
-          <a:lstStyle/>
-          <a:p>
-            <a:pPr algn="ctr" defTabSz="914400">
-              <a:lnSpc>
-                <a:spcPct val="100000"/>
-              </a:lnSpc>
-            </a:pPr>
-            <a:r>
-              <a:rPr lang="en-US" altLang="zh-TW" sz="1400" b="0" strike="noStrike" spc="-1" dirty="0" smtClean="0">
-                <a:solidFill>
-                  <a:schemeClr val="dk1"/>
-                </a:solidFill>
-                <a:latin typeface="Arial"/>
-              </a:rPr>
-              <a:t>MR</a:t>
-            </a:r>
-            <a:endParaRPr lang="en-US" sz="1400" b="0" strike="noStrike" spc="-1" dirty="0">
-              <a:solidFill>
-                <a:srgbClr val="000000"/>
-              </a:solidFill>
-              <a:latin typeface="Arial"/>
-            </a:endParaRPr>
-          </a:p>
-        </p:txBody>
-      </p:sp>
-      <p:sp>
-        <p:nvSpPr>
-          <p:cNvPr id="39" name="圓角矩形 10"/>
-          <p:cNvSpPr/>
-          <p:nvPr/>
-        </p:nvSpPr>
-        <p:spPr>
-          <a:xfrm>
-            <a:off x="7915984" y="3271622"/>
-            <a:ext cx="987709" cy="593280"/>
-          </a:xfrm>
-          <a:prstGeom prst="roundRect">
-            <a:avLst>
-              <a:gd name="adj" fmla="val 16667"/>
-            </a:avLst>
-          </a:prstGeom>
-          <a:solidFill>
-            <a:srgbClr val="4BACC6"/>
-          </a:solidFill>
-          <a:ln>
-            <a:noFill/>
-          </a:ln>
-        </p:spPr>
-        <p:style>
-          <a:lnRef idx="2">
-            <a:schemeClr val="accent5">
-              <a:shade val="50000"/>
-            </a:schemeClr>
-          </a:lnRef>
-          <a:fillRef idx="1">
-            <a:schemeClr val="accent5"/>
-          </a:fillRef>
-          <a:effectRef idx="0">
-            <a:schemeClr val="accent5"/>
-          </a:effectRef>
-          <a:fontRef idx="minor"/>
-        </p:style>
-        <p:txBody>
-          <a:bodyPr lIns="90000" tIns="45000" rIns="90000" bIns="45000" anchor="ctr">
-            <a:noAutofit/>
-          </a:bodyPr>
-          <a:lstStyle/>
-          <a:p>
-            <a:pPr algn="ctr" defTabSz="914400">
-              <a:lnSpc>
-                <a:spcPct val="100000"/>
-              </a:lnSpc>
-            </a:pPr>
-            <a:r>
-              <a:rPr lang="en-US" altLang="zh-TW" sz="1600" spc="-1" dirty="0" smtClean="0">
-                <a:solidFill>
-                  <a:schemeClr val="dk1"/>
-                </a:solidFill>
-                <a:latin typeface="Arial"/>
-              </a:rPr>
-              <a:t>main</a:t>
-            </a:r>
-            <a:r>
-              <a:rPr lang="en-US" altLang="zh-TW" sz="1600" b="0" strike="noStrike" spc="-1" dirty="0" smtClean="0">
-                <a:solidFill>
-                  <a:schemeClr val="dk1"/>
-                </a:solidFill>
-                <a:latin typeface="Arial"/>
-              </a:rPr>
-              <a:t> </a:t>
-            </a:r>
-          </a:p>
-        </p:txBody>
-      </p:sp>
-      <p:sp>
-        <p:nvSpPr>
-          <p:cNvPr id="40" name="圓角矩形 11"/>
-          <p:cNvSpPr/>
-          <p:nvPr/>
-        </p:nvSpPr>
-        <p:spPr>
-          <a:xfrm>
-            <a:off x="7906984" y="3863462"/>
-            <a:ext cx="996709" cy="196920"/>
-          </a:xfrm>
-          <a:prstGeom prst="roundRect">
-            <a:avLst>
-              <a:gd name="adj" fmla="val 16667"/>
-            </a:avLst>
-          </a:prstGeom>
-          <a:solidFill>
-            <a:srgbClr val="F79646"/>
-          </a:solidFill>
-          <a:ln>
-            <a:noFill/>
-          </a:ln>
-        </p:spPr>
-        <p:style>
-          <a:lnRef idx="2">
-            <a:schemeClr val="accent6">
-              <a:shade val="50000"/>
-            </a:schemeClr>
-          </a:lnRef>
-          <a:fillRef idx="1">
-            <a:schemeClr val="accent6"/>
-          </a:fillRef>
-          <a:effectRef idx="0">
-            <a:schemeClr val="accent6"/>
-          </a:effectRef>
-          <a:fontRef idx="minor"/>
-        </p:style>
-        <p:txBody>
-          <a:bodyPr lIns="90000" tIns="45000" rIns="90000" bIns="45000" anchor="ctr">
-            <a:noAutofit/>
-          </a:bodyPr>
-          <a:lstStyle/>
-          <a:p>
-            <a:pPr algn="ctr"/>
-            <a:r>
-              <a:rPr lang="en-US" altLang="zh-TW" sz="1200" spc="-1" dirty="0" smtClean="0">
-                <a:solidFill>
-                  <a:schemeClr val="dk1"/>
-                </a:solidFill>
-              </a:rPr>
-              <a:t>remote</a:t>
-            </a:r>
-            <a:endParaRPr lang="en-US" altLang="zh-TW" sz="1200" spc="-1" dirty="0">
-              <a:solidFill>
-                <a:srgbClr val="000000"/>
-              </a:solidFill>
-            </a:endParaRPr>
-          </a:p>
-        </p:txBody>
-      </p:sp>
-      <p:sp>
-        <p:nvSpPr>
-          <p:cNvPr id="41" name="向右箭號 3"/>
-          <p:cNvSpPr/>
-          <p:nvPr/>
-        </p:nvSpPr>
-        <p:spPr>
-          <a:xfrm>
-            <a:off x="7013712" y="3772748"/>
-            <a:ext cx="844141" cy="287634"/>
-          </a:xfrm>
-          <a:prstGeom prst="rightArrow">
-            <a:avLst>
-              <a:gd name="adj1" fmla="val 50000"/>
-              <a:gd name="adj2" fmla="val 50000"/>
-            </a:avLst>
-          </a:prstGeom>
-          <a:solidFill>
-            <a:srgbClr val="FF0000"/>
-          </a:solidFill>
-          <a:ln>
-            <a:noFill/>
-          </a:ln>
-        </p:spPr>
-        <p:style>
-          <a:lnRef idx="2">
-            <a:schemeClr val="accent1">
-              <a:shade val="50000"/>
-            </a:schemeClr>
-          </a:lnRef>
-          <a:fillRef idx="1">
-            <a:schemeClr val="accent1"/>
-          </a:fillRef>
-          <a:effectRef idx="0">
-            <a:schemeClr val="accent1"/>
-          </a:effectRef>
-          <a:fontRef idx="minor"/>
-        </p:style>
-        <p:txBody>
-          <a:bodyPr lIns="90000" tIns="45000" rIns="90000" bIns="45000" anchor="ctr">
-            <a:noAutofit/>
-          </a:bodyPr>
-          <a:lstStyle/>
-          <a:p>
-            <a:endParaRPr lang="en-US" sz="1200" b="0" strike="noStrike" spc="-1">
-              <a:solidFill>
-                <a:schemeClr val="lt1"/>
-              </a:solidFill>
-              <a:latin typeface="Arial"/>
-            </a:endParaRPr>
-          </a:p>
-        </p:txBody>
-      </p:sp>
-      <p:cxnSp>
-        <p:nvCxnSpPr>
-          <p:cNvPr id="52" name="肘形接點 51"/>
-          <p:cNvCxnSpPr>
-            <a:stCxn id="49" idx="2"/>
-            <a:endCxn id="24" idx="0"/>
-          </p:cNvCxnSpPr>
-          <p:nvPr/>
-        </p:nvCxnSpPr>
-        <p:spPr>
-          <a:xfrm rot="5400000">
-            <a:off x="4758520" y="-1571465"/>
-            <a:ext cx="814293" cy="8886054"/>
-          </a:xfrm>
-          <a:prstGeom prst="bentConnector3">
-            <a:avLst>
-              <a:gd name="adj1" fmla="val 50000"/>
-            </a:avLst>
-          </a:prstGeom>
-          <a:ln>
-            <a:solidFill>
-              <a:schemeClr val="tx1"/>
-            </a:solidFill>
-            <a:tailEnd type="triangle"/>
-          </a:ln>
-        </p:spPr>
-        <p:style>
-          <a:lnRef idx="1">
-            <a:schemeClr val="accent1"/>
-          </a:lnRef>
-          <a:fillRef idx="0">
-            <a:schemeClr val="accent1"/>
-          </a:fillRef>
-          <a:effectRef idx="0">
-            <a:schemeClr val="accent1"/>
-          </a:effectRef>
-          <a:fontRef idx="minor">
-            <a:schemeClr val="tx1"/>
-          </a:fontRef>
-        </p:style>
-      </p:cxnSp>
-      <p:sp>
-        <p:nvSpPr>
-          <p:cNvPr id="65" name="向右箭號 3"/>
-          <p:cNvSpPr/>
-          <p:nvPr/>
-        </p:nvSpPr>
-        <p:spPr>
-          <a:xfrm>
-            <a:off x="8943824" y="2198865"/>
-            <a:ext cx="256301" cy="257670"/>
-          </a:xfrm>
-          <a:prstGeom prst="rightArrow">
-            <a:avLst>
-              <a:gd name="adj1" fmla="val 50000"/>
-              <a:gd name="adj2" fmla="val 50000"/>
-            </a:avLst>
-          </a:prstGeom>
-          <a:solidFill>
-            <a:srgbClr val="FF0000"/>
-          </a:solidFill>
-          <a:ln>
-            <a:noFill/>
-          </a:ln>
-        </p:spPr>
-        <p:style>
-          <a:lnRef idx="2">
-            <a:schemeClr val="accent1">
-              <a:shade val="50000"/>
-            </a:schemeClr>
-          </a:lnRef>
-          <a:fillRef idx="1">
-            <a:schemeClr val="accent1"/>
-          </a:fillRef>
-          <a:effectRef idx="0">
-            <a:schemeClr val="accent1"/>
-          </a:effectRef>
-          <a:fontRef idx="minor"/>
-        </p:style>
-        <p:txBody>
-          <a:bodyPr lIns="90000" tIns="45000" rIns="90000" bIns="45000" anchor="ctr">
-            <a:noAutofit/>
-          </a:bodyPr>
-          <a:lstStyle/>
-          <a:p>
-            <a:endParaRPr lang="en-US" sz="1200" b="0" strike="noStrike" spc="-1">
-              <a:solidFill>
-                <a:schemeClr val="lt1"/>
-              </a:solidFill>
-              <a:latin typeface="Arial"/>
-            </a:endParaRPr>
-          </a:p>
-        </p:txBody>
-      </p:sp>
-      <p:sp>
-        <p:nvSpPr>
-          <p:cNvPr id="71" name="向右箭號 3"/>
-          <p:cNvSpPr/>
-          <p:nvPr/>
-        </p:nvSpPr>
-        <p:spPr>
-          <a:xfrm>
-            <a:off x="8943824" y="3809437"/>
-            <a:ext cx="256301" cy="257670"/>
-          </a:xfrm>
-          <a:prstGeom prst="rightArrow">
-            <a:avLst>
-              <a:gd name="adj1" fmla="val 50000"/>
-              <a:gd name="adj2" fmla="val 50000"/>
-            </a:avLst>
-          </a:prstGeom>
-          <a:solidFill>
-            <a:srgbClr val="FF0000"/>
-          </a:solidFill>
-          <a:ln>
-            <a:noFill/>
-          </a:ln>
-        </p:spPr>
-        <p:style>
-          <a:lnRef idx="2">
-            <a:schemeClr val="accent1">
-              <a:shade val="50000"/>
-            </a:schemeClr>
-          </a:lnRef>
-          <a:fillRef idx="1">
-            <a:schemeClr val="accent1"/>
-          </a:fillRef>
-          <a:effectRef idx="0">
-            <a:schemeClr val="accent1"/>
-          </a:effectRef>
-          <a:fontRef idx="minor"/>
-        </p:style>
-        <p:txBody>
-          <a:bodyPr lIns="90000" tIns="45000" rIns="90000" bIns="45000" anchor="ctr">
-            <a:noAutofit/>
-          </a:bodyPr>
-          <a:lstStyle/>
-          <a:p>
-            <a:endParaRPr lang="en-US" sz="1200" b="0" strike="noStrike" spc="-1">
-              <a:solidFill>
-                <a:schemeClr val="lt1"/>
-              </a:solidFill>
-              <a:latin typeface="Arial"/>
-            </a:endParaRPr>
-          </a:p>
-        </p:txBody>
-      </p:sp>
-      <p:sp>
-        <p:nvSpPr>
-          <p:cNvPr id="73" name="圓角矩形 1"/>
-          <p:cNvSpPr/>
-          <p:nvPr/>
-        </p:nvSpPr>
-        <p:spPr>
-          <a:xfrm>
-            <a:off x="4496499" y="2686379"/>
-            <a:ext cx="869828" cy="410377"/>
-          </a:xfrm>
-          <a:prstGeom prst="roundRect">
-            <a:avLst>
-              <a:gd name="adj" fmla="val 16667"/>
-            </a:avLst>
-          </a:prstGeom>
-          <a:solidFill>
-            <a:schemeClr val="accent2">
-              <a:lumMod val="60000"/>
-              <a:lumOff val="40000"/>
-            </a:schemeClr>
-          </a:solidFill>
-          <a:ln/>
-        </p:spPr>
-        <p:style>
-          <a:lnRef idx="2">
-            <a:schemeClr val="accent4">
-              <a:shade val="50000"/>
-            </a:schemeClr>
-          </a:lnRef>
-          <a:fillRef idx="1">
-            <a:schemeClr val="accent4"/>
-          </a:fillRef>
-          <a:effectRef idx="0">
-            <a:schemeClr val="accent4"/>
-          </a:effectRef>
-          <a:fontRef idx="minor">
-            <a:schemeClr val="lt1"/>
-          </a:fontRef>
-        </p:style>
-        <p:txBody>
-          <a:bodyPr lIns="90000" tIns="45000" rIns="90000" bIns="45000" anchor="ctr">
-            <a:noAutofit/>
-          </a:bodyPr>
-          <a:lstStyle/>
-          <a:p>
-            <a:pPr algn="ctr" defTabSz="914400">
-              <a:lnSpc>
-                <a:spcPct val="100000"/>
-              </a:lnSpc>
-            </a:pPr>
-            <a:r>
-              <a:rPr lang="zh-TW" altLang="en-US" sz="1400" b="1" strike="noStrike" spc="-1" dirty="0" smtClean="0">
-                <a:solidFill>
-                  <a:schemeClr val="dk1"/>
-                </a:solidFill>
-                <a:latin typeface="Arial"/>
-              </a:rPr>
-              <a:t>退回</a:t>
-            </a:r>
-            <a:endParaRPr lang="en-US" sz="1400" b="1" strike="noStrike" spc="-1" dirty="0">
-              <a:solidFill>
-                <a:srgbClr val="000000"/>
-              </a:solidFill>
-              <a:latin typeface="Arial"/>
-            </a:endParaRPr>
-          </a:p>
-        </p:txBody>
-      </p:sp>
-      <p:sp>
-        <p:nvSpPr>
-          <p:cNvPr id="47" name="圓角矩形 1"/>
-          <p:cNvSpPr/>
-          <p:nvPr/>
-        </p:nvSpPr>
-        <p:spPr>
-          <a:xfrm>
-            <a:off x="9292260" y="3649576"/>
-            <a:ext cx="632865" cy="414104"/>
-          </a:xfrm>
-          <a:prstGeom prst="roundRect">
-            <a:avLst>
-              <a:gd name="adj" fmla="val 16667"/>
-            </a:avLst>
-          </a:prstGeom>
-          <a:solidFill>
-            <a:schemeClr val="accent4">
-              <a:lumMod val="60000"/>
-              <a:lumOff val="40000"/>
-            </a:schemeClr>
-          </a:solidFill>
-          <a:ln/>
-        </p:spPr>
-        <p:style>
-          <a:lnRef idx="3">
-            <a:schemeClr val="lt1"/>
-          </a:lnRef>
-          <a:fillRef idx="1">
-            <a:schemeClr val="accent1"/>
-          </a:fillRef>
-          <a:effectRef idx="1">
-            <a:schemeClr val="accent1"/>
-          </a:effectRef>
-          <a:fontRef idx="minor">
-            <a:schemeClr val="lt1"/>
-          </a:fontRef>
-        </p:style>
-        <p:txBody>
-          <a:bodyPr lIns="90000" tIns="45000" rIns="90000" bIns="45000" anchor="ctr">
-            <a:noAutofit/>
-          </a:bodyPr>
-          <a:lstStyle/>
-          <a:p>
-            <a:pPr algn="ctr" defTabSz="914400">
-              <a:lnSpc>
-                <a:spcPct val="100000"/>
-              </a:lnSpc>
-            </a:pPr>
-            <a:r>
-              <a:rPr lang="en-US" altLang="zh-TW" sz="1400" b="0" strike="noStrike" spc="-1" dirty="0" smtClean="0">
-                <a:solidFill>
-                  <a:schemeClr val="dk1"/>
-                </a:solidFill>
-                <a:latin typeface="Arial"/>
-              </a:rPr>
-              <a:t>UAT</a:t>
-            </a:r>
-            <a:endParaRPr lang="en-US" sz="1400" b="0" strike="noStrike" spc="-1" dirty="0">
-              <a:solidFill>
-                <a:srgbClr val="000000"/>
-              </a:solidFill>
-              <a:latin typeface="Arial"/>
-            </a:endParaRPr>
-          </a:p>
-        </p:txBody>
-      </p:sp>
-      <p:sp>
-        <p:nvSpPr>
-          <p:cNvPr id="48" name="圓角矩形 1"/>
-          <p:cNvSpPr/>
-          <p:nvPr/>
-        </p:nvSpPr>
-        <p:spPr>
-          <a:xfrm>
-            <a:off x="9292260" y="3277488"/>
-            <a:ext cx="632865" cy="383559"/>
-          </a:xfrm>
-          <a:prstGeom prst="roundRect">
-            <a:avLst>
-              <a:gd name="adj" fmla="val 16667"/>
-            </a:avLst>
-          </a:prstGeom>
-          <a:ln/>
-        </p:spPr>
-        <p:style>
-          <a:lnRef idx="3">
-            <a:schemeClr val="lt1"/>
-          </a:lnRef>
-          <a:fillRef idx="1">
-            <a:schemeClr val="accent5"/>
-          </a:fillRef>
-          <a:effectRef idx="1">
-            <a:schemeClr val="accent5"/>
-          </a:effectRef>
-          <a:fontRef idx="minor">
-            <a:schemeClr val="lt1"/>
-          </a:fontRef>
-        </p:style>
-        <p:txBody>
-          <a:bodyPr lIns="90000" tIns="45000" rIns="90000" bIns="45000" anchor="ctr">
-            <a:noAutofit/>
-          </a:bodyPr>
-          <a:lstStyle/>
-          <a:p>
-            <a:pPr algn="ctr" defTabSz="914400">
-              <a:lnSpc>
-                <a:spcPct val="100000"/>
-              </a:lnSpc>
-            </a:pPr>
-            <a:r>
-              <a:rPr lang="en-US" altLang="zh-TW" sz="1400" b="0" strike="noStrike" spc="-1" dirty="0" smtClean="0">
-                <a:solidFill>
-                  <a:srgbClr val="000000"/>
-                </a:solidFill>
-                <a:latin typeface="Arial"/>
-              </a:rPr>
-              <a:t>A</a:t>
-            </a:r>
-            <a:endParaRPr lang="en-US" sz="1400" b="0" strike="noStrike" spc="-1" dirty="0">
-              <a:solidFill>
-                <a:srgbClr val="000000"/>
-              </a:solidFill>
-              <a:latin typeface="Arial"/>
-            </a:endParaRPr>
-          </a:p>
-        </p:txBody>
-      </p:sp>
-      <p:sp>
-        <p:nvSpPr>
-          <p:cNvPr id="49" name="圓角矩形 1"/>
-          <p:cNvSpPr/>
-          <p:nvPr/>
-        </p:nvSpPr>
-        <p:spPr>
-          <a:xfrm>
-            <a:off x="9292260" y="2050312"/>
-            <a:ext cx="632865" cy="414104"/>
-          </a:xfrm>
-          <a:prstGeom prst="roundRect">
-            <a:avLst>
-              <a:gd name="adj" fmla="val 16667"/>
-            </a:avLst>
-          </a:prstGeom>
-          <a:solidFill>
-            <a:schemeClr val="accent4">
-              <a:lumMod val="60000"/>
-              <a:lumOff val="40000"/>
-            </a:schemeClr>
-          </a:solidFill>
-          <a:ln/>
-        </p:spPr>
-        <p:style>
-          <a:lnRef idx="3">
-            <a:schemeClr val="lt1"/>
-          </a:lnRef>
-          <a:fillRef idx="1">
-            <a:schemeClr val="accent1"/>
-          </a:fillRef>
-          <a:effectRef idx="1">
-            <a:schemeClr val="accent1"/>
-          </a:effectRef>
-          <a:fontRef idx="minor">
-            <a:schemeClr val="lt1"/>
-          </a:fontRef>
-        </p:style>
-        <p:txBody>
-          <a:bodyPr lIns="90000" tIns="45000" rIns="90000" bIns="45000" anchor="ctr">
-            <a:noAutofit/>
-          </a:bodyPr>
-          <a:lstStyle/>
-          <a:p>
-            <a:pPr algn="ctr" defTabSz="914400">
-              <a:lnSpc>
-                <a:spcPct val="100000"/>
-              </a:lnSpc>
-            </a:pPr>
-            <a:r>
-              <a:rPr lang="en-US" altLang="zh-TW" sz="1400" b="0" strike="noStrike" spc="-1" dirty="0" smtClean="0">
-                <a:solidFill>
-                  <a:schemeClr val="dk1"/>
-                </a:solidFill>
-                <a:latin typeface="Arial"/>
-              </a:rPr>
-              <a:t>UAT</a:t>
-            </a:r>
-            <a:endParaRPr lang="en-US" sz="1400" b="0" strike="noStrike" spc="-1" dirty="0">
-              <a:solidFill>
-                <a:srgbClr val="000000"/>
-              </a:solidFill>
-              <a:latin typeface="Arial"/>
-            </a:endParaRPr>
-          </a:p>
-        </p:txBody>
-      </p:sp>
-      <p:sp>
-        <p:nvSpPr>
-          <p:cNvPr id="50" name="圓角矩形 1"/>
-          <p:cNvSpPr/>
-          <p:nvPr/>
-        </p:nvSpPr>
-        <p:spPr>
-          <a:xfrm>
-            <a:off x="9292260" y="1678224"/>
-            <a:ext cx="632865" cy="383559"/>
-          </a:xfrm>
-          <a:prstGeom prst="roundRect">
-            <a:avLst>
-              <a:gd name="adj" fmla="val 16667"/>
-            </a:avLst>
-          </a:prstGeom>
-          <a:ln/>
-        </p:spPr>
-        <p:style>
-          <a:lnRef idx="3">
-            <a:schemeClr val="lt1"/>
-          </a:lnRef>
-          <a:fillRef idx="1">
-            <a:schemeClr val="accent5"/>
-          </a:fillRef>
-          <a:effectRef idx="1">
-            <a:schemeClr val="accent5"/>
-          </a:effectRef>
-          <a:fontRef idx="minor">
-            <a:schemeClr val="lt1"/>
-          </a:fontRef>
-        </p:style>
-        <p:txBody>
-          <a:bodyPr lIns="90000" tIns="45000" rIns="90000" bIns="45000" anchor="ctr">
-            <a:noAutofit/>
-          </a:bodyPr>
-          <a:lstStyle/>
-          <a:p>
-            <a:pPr algn="ctr" defTabSz="914400">
-              <a:lnSpc>
-                <a:spcPct val="100000"/>
-              </a:lnSpc>
-            </a:pPr>
-            <a:r>
-              <a:rPr lang="en-US" altLang="zh-TW" sz="1400" b="0" strike="noStrike" spc="-1" dirty="0" smtClean="0">
-                <a:solidFill>
-                  <a:schemeClr val="dk1"/>
-                </a:solidFill>
-                <a:latin typeface="Arial"/>
-              </a:rPr>
-              <a:t>A</a:t>
-            </a:r>
-            <a:endParaRPr lang="en-US" sz="1400" b="0" strike="noStrike" spc="-1" dirty="0">
-              <a:solidFill>
-                <a:srgbClr val="000000"/>
               </a:solidFill>
               <a:latin typeface="Arial"/>
             </a:endParaRPr>
@@ -28679,7 +29392,7 @@
     <mc:Choice Requires="p14">
       <p:transition spd="slow" p14:dur="2000"/>
     </mc:Choice>
-    <mc:Fallback xmlns="" xmlns:p15="http://schemas.microsoft.com/office/powerpoint/2012/main">
+    <mc:Fallback xmlns:p15="http://schemas.microsoft.com/office/powerpoint/2012/main" xmlns="">
       <p:transition spd="slow"/>
     </mc:Fallback>
   </mc:AlternateContent>
@@ -29390,13 +30103,334 @@
       </p:sp>
       <p:sp>
         <p:nvSpPr>
-          <p:cNvPr id="4" name="圓角矩形 10"/>
+          <p:cNvPr id="23" name="PlaceHolder 1"/>
+          <p:cNvSpPr txBox="1">
+            <a:spLocks/>
+          </p:cNvSpPr>
+          <p:nvPr/>
+        </p:nvSpPr>
+        <p:spPr>
+          <a:xfrm>
+            <a:off x="432457" y="777138"/>
+            <a:ext cx="9482952" cy="621448"/>
+          </a:xfrm>
+          <a:prstGeom prst="rect">
+            <a:avLst/>
+          </a:prstGeom>
+          <a:noFill/>
+          <a:ln w="0">
+            <a:noFill/>
+          </a:ln>
+        </p:spPr>
+        <p:txBody>
+          <a:bodyPr lIns="100800" tIns="100800" rIns="100800" bIns="100800" anchor="ctr">
+            <a:noAutofit/>
+          </a:bodyPr>
+          <a:lstStyle>
+            <a:lvl1pPr algn="l" defTabSz="914400" rtl="0" eaLnBrk="1" latinLnBrk="0" hangingPunct="1">
+              <a:lnSpc>
+                <a:spcPct val="90000"/>
+              </a:lnSpc>
+              <a:spcBef>
+                <a:spcPct val="0"/>
+              </a:spcBef>
+              <a:buNone/>
+              <a:defRPr sz="4400" kern="1200">
+                <a:solidFill>
+                  <a:schemeClr val="tx1"/>
+                </a:solidFill>
+                <a:latin typeface="+mj-lt"/>
+                <a:ea typeface="+mj-ea"/>
+                <a:cs typeface="+mj-cs"/>
+              </a:defRPr>
+            </a:lvl1pPr>
+          </a:lstStyle>
+          <a:p>
+            <a:pPr>
+              <a:lnSpc>
+                <a:spcPct val="100000"/>
+              </a:lnSpc>
+              <a:tabLst>
+                <a:tab pos="0" algn="l"/>
+              </a:tabLst>
+            </a:pPr>
+            <a:r>
+              <a:rPr lang="zh-TW" altLang="en-US" sz="2400" spc="-1" dirty="0" smtClean="0">
+                <a:solidFill>
+                  <a:srgbClr val="002060"/>
+                </a:solidFill>
+                <a:latin typeface="標楷體" panose="03000509000000000000" pitchFamily="65" charset="-120"/>
+                <a:ea typeface="標楷體" panose="03000509000000000000" pitchFamily="65" charset="-120"/>
+              </a:rPr>
+              <a:t>情境</a:t>
+            </a:r>
+            <a:r>
+              <a:rPr lang="zh-TW" altLang="en-US" sz="2400" spc="-1" dirty="0">
+                <a:solidFill>
+                  <a:srgbClr val="002060"/>
+                </a:solidFill>
+                <a:latin typeface="標楷體" panose="03000509000000000000" pitchFamily="65" charset="-120"/>
+                <a:ea typeface="標楷體" panose="03000509000000000000" pitchFamily="65" charset="-120"/>
+              </a:rPr>
+              <a:t>四</a:t>
+            </a:r>
+            <a:r>
+              <a:rPr lang="zh-TW" altLang="en-US" sz="2400" spc="-1" dirty="0" smtClean="0">
+                <a:solidFill>
+                  <a:srgbClr val="002060"/>
+                </a:solidFill>
+                <a:latin typeface="標楷體" panose="03000509000000000000" pitchFamily="65" charset="-120"/>
+                <a:ea typeface="標楷體" panose="03000509000000000000" pitchFamily="65" charset="-120"/>
+              </a:rPr>
+              <a:t>、</a:t>
+            </a:r>
+            <a:r>
+              <a:rPr lang="en-US" altLang="zh-TW" sz="2400" spc="-1" dirty="0" smtClean="0">
+                <a:solidFill>
+                  <a:srgbClr val="002060"/>
+                </a:solidFill>
+                <a:latin typeface="標楷體" panose="03000509000000000000" pitchFamily="65" charset="-120"/>
+                <a:ea typeface="標楷體" panose="03000509000000000000" pitchFamily="65" charset="-120"/>
+              </a:rPr>
+              <a:t>UAT</a:t>
+            </a:r>
+            <a:r>
+              <a:rPr lang="zh-TW" altLang="en-US" sz="2400" spc="-1" dirty="0" smtClean="0">
+                <a:solidFill>
+                  <a:srgbClr val="002060"/>
+                </a:solidFill>
+                <a:latin typeface="標楷體" panose="03000509000000000000" pitchFamily="65" charset="-120"/>
+                <a:ea typeface="標楷體" panose="03000509000000000000" pitchFamily="65" charset="-120"/>
+              </a:rPr>
+              <a:t> 測試的 </a:t>
+            </a:r>
+            <a:r>
+              <a:rPr lang="en-US" altLang="zh-TW" sz="2400" spc="-1" dirty="0" smtClean="0">
+                <a:solidFill>
+                  <a:srgbClr val="002060"/>
+                </a:solidFill>
+                <a:latin typeface="標楷體" panose="03000509000000000000" pitchFamily="65" charset="-120"/>
+                <a:ea typeface="標楷體" panose="03000509000000000000" pitchFamily="65" charset="-120"/>
+              </a:rPr>
+              <a:t>A</a:t>
+            </a:r>
+            <a:r>
+              <a:rPr lang="zh-TW" altLang="en-US" sz="2400" spc="-1" dirty="0" smtClean="0">
+                <a:solidFill>
+                  <a:srgbClr val="002060"/>
+                </a:solidFill>
+                <a:latin typeface="標楷體" panose="03000509000000000000" pitchFamily="65" charset="-120"/>
+                <a:ea typeface="標楷體" panose="03000509000000000000" pitchFamily="65" charset="-120"/>
+              </a:rPr>
+              <a:t> 版本測試不通過</a:t>
+            </a:r>
+            <a:r>
+              <a:rPr lang="en-US" altLang="zh-TW" sz="2400" spc="-1" dirty="0" smtClean="0">
+                <a:solidFill>
+                  <a:srgbClr val="002060"/>
+                </a:solidFill>
+                <a:latin typeface="標楷體" panose="03000509000000000000" pitchFamily="65" charset="-120"/>
+                <a:ea typeface="標楷體" panose="03000509000000000000" pitchFamily="65" charset="-120"/>
+              </a:rPr>
+              <a:t>,</a:t>
+            </a:r>
+            <a:r>
+              <a:rPr lang="zh-TW" altLang="en-US" sz="2400" spc="-1" dirty="0" smtClean="0">
+                <a:solidFill>
+                  <a:srgbClr val="002060"/>
+                </a:solidFill>
+                <a:latin typeface="標楷體" panose="03000509000000000000" pitchFamily="65" charset="-120"/>
+                <a:ea typeface="標楷體" panose="03000509000000000000" pitchFamily="65" charset="-120"/>
+              </a:rPr>
+              <a:t>退回 </a:t>
+            </a:r>
+            <a:r>
+              <a:rPr lang="en-US" altLang="zh-TW" sz="2400" spc="-1" dirty="0" smtClean="0">
+                <a:solidFill>
+                  <a:srgbClr val="002060"/>
+                </a:solidFill>
+                <a:latin typeface="標楷體" panose="03000509000000000000" pitchFamily="65" charset="-120"/>
+                <a:ea typeface="標楷體" panose="03000509000000000000" pitchFamily="65" charset="-120"/>
+              </a:rPr>
+              <a:t>A</a:t>
+            </a:r>
+            <a:r>
+              <a:rPr lang="zh-TW" altLang="en-US" sz="2400" spc="-1" dirty="0" smtClean="0">
+                <a:solidFill>
+                  <a:srgbClr val="002060"/>
+                </a:solidFill>
+                <a:latin typeface="標楷體" panose="03000509000000000000" pitchFamily="65" charset="-120"/>
+                <a:ea typeface="標楷體" panose="03000509000000000000" pitchFamily="65" charset="-120"/>
+              </a:rPr>
+              <a:t> 版本讓 </a:t>
+            </a:r>
+            <a:r>
+              <a:rPr lang="en-US" altLang="zh-TW" sz="2400" spc="-1" dirty="0" smtClean="0">
+                <a:solidFill>
+                  <a:srgbClr val="002060"/>
+                </a:solidFill>
+                <a:latin typeface="標楷體" panose="03000509000000000000" pitchFamily="65" charset="-120"/>
+                <a:ea typeface="標楷體" panose="03000509000000000000" pitchFamily="65" charset="-120"/>
+              </a:rPr>
+              <a:t>B</a:t>
+            </a:r>
+            <a:r>
+              <a:rPr lang="zh-TW" altLang="en-US" sz="2400" spc="-1" dirty="0" smtClean="0">
+                <a:solidFill>
+                  <a:srgbClr val="002060"/>
+                </a:solidFill>
+                <a:latin typeface="標楷體" panose="03000509000000000000" pitchFamily="65" charset="-120"/>
+                <a:ea typeface="標楷體" panose="03000509000000000000" pitchFamily="65" charset="-120"/>
+              </a:rPr>
+              <a:t> 版本先上</a:t>
+            </a:r>
+            <a:endParaRPr lang="zh-TW" altLang="en-US" sz="2400" spc="-1" dirty="0">
+              <a:solidFill>
+                <a:srgbClr val="000000"/>
+              </a:solidFill>
+              <a:latin typeface="標楷體" panose="03000509000000000000" pitchFamily="65" charset="-120"/>
+              <a:ea typeface="標楷體" panose="03000509000000000000" pitchFamily="65" charset="-120"/>
+            </a:endParaRPr>
+          </a:p>
+        </p:txBody>
+      </p:sp>
+      <p:sp>
+        <p:nvSpPr>
+          <p:cNvPr id="55" name="圓角矩形 1"/>
           <p:cNvSpPr/>
           <p:nvPr/>
         </p:nvSpPr>
         <p:spPr>
           <a:xfrm>
-            <a:off x="219784" y="1679084"/>
+            <a:off x="183064" y="2042848"/>
+            <a:ext cx="632865" cy="414104"/>
+          </a:xfrm>
+          <a:prstGeom prst="roundRect">
+            <a:avLst>
+              <a:gd name="adj" fmla="val 16667"/>
+            </a:avLst>
+          </a:prstGeom>
+          <a:solidFill>
+            <a:schemeClr val="accent4">
+              <a:lumMod val="60000"/>
+              <a:lumOff val="40000"/>
+            </a:schemeClr>
+          </a:solidFill>
+          <a:ln/>
+        </p:spPr>
+        <p:style>
+          <a:lnRef idx="3">
+            <a:schemeClr val="lt1"/>
+          </a:lnRef>
+          <a:fillRef idx="1">
+            <a:schemeClr val="accent1"/>
+          </a:fillRef>
+          <a:effectRef idx="1">
+            <a:schemeClr val="accent1"/>
+          </a:effectRef>
+          <a:fontRef idx="minor">
+            <a:schemeClr val="lt1"/>
+          </a:fontRef>
+        </p:style>
+        <p:txBody>
+          <a:bodyPr lIns="90000" tIns="45000" rIns="90000" bIns="45000" anchor="ctr">
+            <a:noAutofit/>
+          </a:bodyPr>
+          <a:lstStyle/>
+          <a:p>
+            <a:pPr algn="ctr" defTabSz="914400">
+              <a:lnSpc>
+                <a:spcPct val="100000"/>
+              </a:lnSpc>
+            </a:pPr>
+            <a:r>
+              <a:rPr lang="en-US" altLang="zh-TW" sz="1400" b="0" strike="noStrike" spc="-1" dirty="0" smtClean="0">
+                <a:solidFill>
+                  <a:schemeClr val="dk1"/>
+                </a:solidFill>
+                <a:latin typeface="Arial"/>
+              </a:rPr>
+              <a:t>UAT</a:t>
+            </a:r>
+            <a:endParaRPr lang="en-US" sz="1400" b="0" strike="noStrike" spc="-1" dirty="0">
+              <a:solidFill>
+                <a:srgbClr val="000000"/>
+              </a:solidFill>
+              <a:latin typeface="Arial"/>
+            </a:endParaRPr>
+          </a:p>
+        </p:txBody>
+      </p:sp>
+      <p:sp>
+        <p:nvSpPr>
+          <p:cNvPr id="56" name="圓角矩形 1"/>
+          <p:cNvSpPr/>
+          <p:nvPr/>
+        </p:nvSpPr>
+        <p:spPr>
+          <a:xfrm>
+            <a:off x="183064" y="1670760"/>
+            <a:ext cx="632865" cy="383559"/>
+          </a:xfrm>
+          <a:prstGeom prst="roundRect">
+            <a:avLst>
+              <a:gd name="adj" fmla="val 16667"/>
+            </a:avLst>
+          </a:prstGeom>
+          <a:ln/>
+        </p:spPr>
+        <p:style>
+          <a:lnRef idx="3">
+            <a:schemeClr val="lt1"/>
+          </a:lnRef>
+          <a:fillRef idx="1">
+            <a:schemeClr val="accent5"/>
+          </a:fillRef>
+          <a:effectRef idx="1">
+            <a:schemeClr val="accent5"/>
+          </a:effectRef>
+          <a:fontRef idx="minor">
+            <a:schemeClr val="lt1"/>
+          </a:fontRef>
+        </p:style>
+        <p:txBody>
+          <a:bodyPr lIns="90000" tIns="45000" rIns="90000" bIns="45000" anchor="ctr">
+            <a:noAutofit/>
+          </a:bodyPr>
+          <a:lstStyle/>
+          <a:p>
+            <a:pPr algn="ctr" defTabSz="914400">
+              <a:lnSpc>
+                <a:spcPct val="100000"/>
+              </a:lnSpc>
+            </a:pPr>
+            <a:r>
+              <a:rPr lang="en-US" altLang="zh-TW" sz="1400" b="0" strike="noStrike" spc="-1" dirty="0" smtClean="0">
+                <a:solidFill>
+                  <a:schemeClr val="dk1"/>
+                </a:solidFill>
+                <a:latin typeface="Arial"/>
+              </a:rPr>
+              <a:t>A</a:t>
+            </a:r>
+            <a:endParaRPr lang="en-US" sz="1400" b="0" strike="noStrike" spc="-1" dirty="0">
+              <a:solidFill>
+                <a:srgbClr val="000000"/>
+              </a:solidFill>
+              <a:latin typeface="Arial"/>
+            </a:endParaRPr>
+          </a:p>
+        </p:txBody>
+      </p:sp>
+      <p:sp>
+        <p:nvSpPr>
+          <p:cNvPr id="57" name="圓角矩形 10"/>
+          <p:cNvSpPr/>
+          <p:nvPr/>
+        </p:nvSpPr>
+        <p:spPr>
+          <a:xfrm>
+            <a:off x="1656933" y="1665157"/>
             <a:ext cx="987709" cy="593280"/>
           </a:xfrm>
           <a:prstGeom prst="roundRect">
@@ -29431,41 +30465,36 @@
           </a:bodyPr>
           <a:lstStyle/>
           <a:p>
-            <a:pPr algn="ctr" defTabSz="914400">
-              <a:lnSpc>
-                <a:spcPct val="100000"/>
-              </a:lnSpc>
-            </a:pPr>
+            <a:pPr algn="ctr"/>
             <a:r>
               <a:rPr lang="en-US" altLang="zh-TW" sz="1600" spc="-1" dirty="0">
                 <a:solidFill>
                   <a:schemeClr val="dk1"/>
                 </a:solidFill>
+              </a:rPr>
+              <a:t>Tag</a:t>
+            </a:r>
+            <a:r>
+              <a:rPr lang="en-US" altLang="zh-TW" sz="1600" b="0" strike="noStrike" spc="-1" dirty="0" smtClean="0">
+                <a:solidFill>
+                  <a:schemeClr val="dk1"/>
+                </a:solidFill>
                 <a:latin typeface="Arial"/>
               </a:rPr>
-              <a:t>m</a:t>
-            </a:r>
-            <a:r>
-              <a:rPr lang="en-US" altLang="zh-TW" sz="1600" b="0" strike="noStrike" spc="-1" dirty="0" smtClean="0">
-                <a:solidFill>
-                  <a:schemeClr val="dk1"/>
-                </a:solidFill>
-                <a:latin typeface="Arial"/>
-              </a:rPr>
-              <a:t>ain </a:t>
+              <a:t> </a:t>
             </a:r>
           </a:p>
         </p:txBody>
       </p:sp>
       <p:sp>
         <p:nvSpPr>
-          <p:cNvPr id="5" name="圓角矩形 11"/>
+          <p:cNvPr id="59" name="圓角矩形 11"/>
           <p:cNvSpPr/>
           <p:nvPr/>
         </p:nvSpPr>
         <p:spPr>
           <a:xfrm>
-            <a:off x="210784" y="2270924"/>
+            <a:off x="1647933" y="2256997"/>
             <a:ext cx="996709" cy="196920"/>
           </a:xfrm>
           <a:prstGeom prst="roundRect">
@@ -29502,12 +30531,12 @@
           <a:p>
             <a:pPr algn="ctr"/>
             <a:r>
-              <a:rPr lang="en-US" altLang="zh-TW" sz="1200" spc="-1" dirty="0" smtClean="0">
+              <a:rPr lang="en-US" altLang="zh-TW" sz="1200" spc="-1" dirty="0">
                 <a:solidFill>
                   <a:schemeClr val="dk1"/>
                 </a:solidFill>
               </a:rPr>
-              <a:t>remote</a:t>
+              <a:t>Prod Ver.</a:t>
             </a:r>
             <a:endParaRPr lang="en-US" altLang="zh-TW" sz="1200" spc="-1" dirty="0">
               <a:solidFill>
@@ -29519,13 +30548,13 @@
       </p:sp>
       <p:sp>
         <p:nvSpPr>
-          <p:cNvPr id="7" name="圓角矩形 1"/>
+          <p:cNvPr id="60" name="圓角矩形 1"/>
           <p:cNvSpPr/>
           <p:nvPr/>
         </p:nvSpPr>
         <p:spPr>
           <a:xfrm>
-            <a:off x="1332401" y="1879234"/>
+            <a:off x="2769550" y="1865307"/>
             <a:ext cx="632865" cy="345520"/>
           </a:xfrm>
           <a:prstGeom prst="roundRect">
@@ -29582,13 +30611,13 @@
       </p:sp>
       <p:sp>
         <p:nvSpPr>
-          <p:cNvPr id="8" name="圓角矩形 10"/>
+          <p:cNvPr id="61" name="圓角矩形 10"/>
           <p:cNvSpPr/>
           <p:nvPr/>
         </p:nvSpPr>
         <p:spPr>
           <a:xfrm>
-            <a:off x="2099334" y="1679084"/>
+            <a:off x="3536483" y="1665157"/>
             <a:ext cx="987709" cy="593280"/>
           </a:xfrm>
           <a:prstGeom prst="roundRect">
@@ -29635,7 +30664,7 @@
                 </a:solidFill>
                 <a:latin typeface="Arial"/>
               </a:rPr>
-              <a:t>Issue A</a:t>
+              <a:t>Issue B</a:t>
             </a:r>
             <a:r>
               <a:rPr lang="en-US" altLang="zh-TW" sz="1600" b="0" strike="noStrike" spc="-1" dirty="0" smtClean="0">
@@ -29651,13 +30680,13 @@
       </p:sp>
       <p:sp>
         <p:nvSpPr>
-          <p:cNvPr id="9" name="圓角矩形 11"/>
+          <p:cNvPr id="62" name="圓角矩形 11"/>
           <p:cNvSpPr/>
           <p:nvPr/>
         </p:nvSpPr>
         <p:spPr>
           <a:xfrm>
-            <a:off x="2090334" y="2270924"/>
+            <a:off x="3527483" y="2256997"/>
             <a:ext cx="996709" cy="196920"/>
           </a:xfrm>
           <a:prstGeom prst="roundRect">
@@ -29711,13 +30740,13 @@
       </p:sp>
       <p:sp>
         <p:nvSpPr>
-          <p:cNvPr id="10" name="圓角矩形 1"/>
+          <p:cNvPr id="63" name="圓角矩形 1"/>
           <p:cNvSpPr/>
           <p:nvPr/>
         </p:nvSpPr>
         <p:spPr>
           <a:xfrm>
-            <a:off x="3221111" y="1879234"/>
+            <a:off x="4658260" y="1865307"/>
             <a:ext cx="632865" cy="345520"/>
           </a:xfrm>
           <a:prstGeom prst="roundRect">
@@ -29772,13 +30801,13 @@
       </p:sp>
       <p:sp>
         <p:nvSpPr>
-          <p:cNvPr id="11" name="圓角矩形 10"/>
+          <p:cNvPr id="64" name="圓角矩形 10"/>
           <p:cNvSpPr/>
           <p:nvPr/>
         </p:nvSpPr>
         <p:spPr>
           <a:xfrm>
-            <a:off x="4022365" y="1679084"/>
+            <a:off x="5459514" y="1665157"/>
             <a:ext cx="987709" cy="593280"/>
           </a:xfrm>
           <a:prstGeom prst="roundRect">
@@ -29825,7 +30854,7 @@
                 </a:solidFill>
                 <a:latin typeface="Arial"/>
               </a:rPr>
-              <a:t>Issue A</a:t>
+              <a:t>Issue B</a:t>
             </a:r>
             <a:r>
               <a:rPr lang="en-US" altLang="zh-TW" sz="1600" b="0" strike="noStrike" spc="-1" dirty="0" smtClean="0">
@@ -29841,13 +30870,13 @@
       </p:sp>
       <p:sp>
         <p:nvSpPr>
-          <p:cNvPr id="12" name="圓角矩形 11"/>
+          <p:cNvPr id="66" name="圓角矩形 11"/>
           <p:cNvSpPr/>
           <p:nvPr/>
         </p:nvSpPr>
         <p:spPr>
           <a:xfrm>
-            <a:off x="4013365" y="2270924"/>
+            <a:off x="5450514" y="2256997"/>
             <a:ext cx="996709" cy="196920"/>
           </a:xfrm>
           <a:prstGeom prst="roundRect">
@@ -29901,13 +30930,13 @@
       </p:sp>
       <p:sp>
         <p:nvSpPr>
-          <p:cNvPr id="13" name="向右箭號 3"/>
+          <p:cNvPr id="67" name="向右箭號 3"/>
           <p:cNvSpPr/>
           <p:nvPr/>
         </p:nvSpPr>
         <p:spPr>
           <a:xfrm>
-            <a:off x="1226762" y="2225567"/>
+            <a:off x="2663911" y="2211640"/>
             <a:ext cx="844141" cy="287634"/>
           </a:xfrm>
           <a:prstGeom prst="rightArrow">
@@ -29954,13 +30983,13 @@
       </p:sp>
       <p:sp>
         <p:nvSpPr>
-          <p:cNvPr id="14" name="圓角矩形 1"/>
+          <p:cNvPr id="68" name="圓角矩形 1"/>
           <p:cNvSpPr/>
           <p:nvPr/>
         </p:nvSpPr>
         <p:spPr>
           <a:xfrm>
-            <a:off x="5162237" y="1850694"/>
+            <a:off x="6599386" y="1836767"/>
             <a:ext cx="632865" cy="345520"/>
           </a:xfrm>
           <a:prstGeom prst="roundRect">
@@ -30015,13 +31044,13 @@
       </p:sp>
       <p:sp>
         <p:nvSpPr>
-          <p:cNvPr id="15" name="圓角矩形 10"/>
+          <p:cNvPr id="69" name="圓角矩形 10"/>
           <p:cNvSpPr/>
           <p:nvPr/>
         </p:nvSpPr>
         <p:spPr>
           <a:xfrm>
-            <a:off x="5958872" y="1695088"/>
+            <a:off x="7396021" y="1681161"/>
             <a:ext cx="987709" cy="593280"/>
           </a:xfrm>
           <a:prstGeom prst="roundRect">
@@ -30084,13 +31113,13 @@
       </p:sp>
       <p:sp>
         <p:nvSpPr>
-          <p:cNvPr id="16" name="圓角矩形 11"/>
+          <p:cNvPr id="70" name="圓角矩形 11"/>
           <p:cNvSpPr/>
           <p:nvPr/>
         </p:nvSpPr>
         <p:spPr>
           <a:xfrm>
-            <a:off x="5949872" y="2286928"/>
+            <a:off x="7387021" y="2273001"/>
             <a:ext cx="996709" cy="196920"/>
           </a:xfrm>
           <a:prstGeom prst="roundRect">
@@ -30144,13 +31173,13 @@
       </p:sp>
       <p:sp>
         <p:nvSpPr>
-          <p:cNvPr id="17" name="向右箭號 3"/>
+          <p:cNvPr id="71" name="向右箭號 3"/>
           <p:cNvSpPr/>
           <p:nvPr/>
         </p:nvSpPr>
         <p:spPr>
           <a:xfrm>
-            <a:off x="3134743" y="2224754"/>
+            <a:off x="4571892" y="2210827"/>
             <a:ext cx="844141" cy="287634"/>
           </a:xfrm>
           <a:prstGeom prst="rightArrow">
@@ -30197,13 +31226,13 @@
       </p:sp>
       <p:sp>
         <p:nvSpPr>
-          <p:cNvPr id="18" name="向右箭號 3"/>
+          <p:cNvPr id="72" name="向右箭號 3"/>
           <p:cNvSpPr/>
           <p:nvPr/>
         </p:nvSpPr>
         <p:spPr>
           <a:xfrm>
-            <a:off x="5056600" y="2196214"/>
+            <a:off x="6493749" y="2182287"/>
             <a:ext cx="844141" cy="287634"/>
           </a:xfrm>
           <a:prstGeom prst="rightArrow">
@@ -30250,13 +31279,13 @@
       </p:sp>
       <p:sp>
         <p:nvSpPr>
-          <p:cNvPr id="19" name="圓角矩形 1"/>
+          <p:cNvPr id="73" name="圓角矩形 1"/>
           <p:cNvSpPr/>
           <p:nvPr/>
         </p:nvSpPr>
         <p:spPr>
           <a:xfrm>
-            <a:off x="7110349" y="1827603"/>
+            <a:off x="6626395" y="3273307"/>
             <a:ext cx="632865" cy="345520"/>
           </a:xfrm>
           <a:prstGeom prst="roundRect">
@@ -30311,13 +31340,13 @@
       </p:sp>
       <p:sp>
         <p:nvSpPr>
-          <p:cNvPr id="20" name="圓角矩形 10"/>
+          <p:cNvPr id="74" name="圓角矩形 10"/>
           <p:cNvSpPr/>
           <p:nvPr/>
         </p:nvSpPr>
         <p:spPr>
           <a:xfrm>
-            <a:off x="7906984" y="1671997"/>
+            <a:off x="7423030" y="3117701"/>
             <a:ext cx="987709" cy="593280"/>
           </a:xfrm>
           <a:prstGeom prst="roundRect">
@@ -30380,13 +31409,13 @@
       </p:sp>
       <p:sp>
         <p:nvSpPr>
-          <p:cNvPr id="21" name="圓角矩形 11"/>
+          <p:cNvPr id="75" name="圓角矩形 11"/>
           <p:cNvSpPr/>
           <p:nvPr/>
         </p:nvSpPr>
         <p:spPr>
           <a:xfrm>
-            <a:off x="7897984" y="2263837"/>
+            <a:off x="7414030" y="3709541"/>
             <a:ext cx="996709" cy="196920"/>
           </a:xfrm>
           <a:prstGeom prst="roundRect">
@@ -30440,13 +31469,13 @@
       </p:sp>
       <p:sp>
         <p:nvSpPr>
-          <p:cNvPr id="22" name="向右箭號 3"/>
+          <p:cNvPr id="76" name="向右箭號 3"/>
           <p:cNvSpPr/>
           <p:nvPr/>
         </p:nvSpPr>
         <p:spPr>
           <a:xfrm>
-            <a:off x="7004712" y="2173123"/>
+            <a:off x="6520758" y="3618827"/>
             <a:ext cx="844141" cy="287634"/>
           </a:xfrm>
           <a:prstGeom prst="rightArrow">
@@ -30493,206 +31522,372 @@
       </p:sp>
       <p:sp>
         <p:nvSpPr>
-          <p:cNvPr id="23" name="PlaceHolder 1"/>
-          <p:cNvSpPr txBox="1">
-            <a:spLocks/>
-          </p:cNvSpPr>
+          <p:cNvPr id="77" name="圓角矩形 1"/>
+          <p:cNvSpPr/>
           <p:nvPr/>
         </p:nvSpPr>
         <p:spPr>
           <a:xfrm>
-            <a:off x="432457" y="961858"/>
-            <a:ext cx="9482952" cy="621448"/>
-          </a:xfrm>
-          <a:prstGeom prst="rect">
-            <a:avLst/>
-          </a:prstGeom>
-          <a:noFill/>
-          <a:ln w="0">
-            <a:noFill/>
-          </a:ln>
-        </p:spPr>
+            <a:off x="9157917" y="3511573"/>
+            <a:ext cx="632865" cy="414104"/>
+          </a:xfrm>
+          <a:prstGeom prst="roundRect">
+            <a:avLst>
+              <a:gd name="adj" fmla="val 16667"/>
+            </a:avLst>
+          </a:prstGeom>
+          <a:solidFill>
+            <a:schemeClr val="accent4">
+              <a:lumMod val="60000"/>
+              <a:lumOff val="40000"/>
+            </a:schemeClr>
+          </a:solidFill>
+          <a:ln/>
+        </p:spPr>
+        <p:style>
+          <a:lnRef idx="3">
+            <a:schemeClr val="lt1"/>
+          </a:lnRef>
+          <a:fillRef idx="1">
+            <a:schemeClr val="accent1"/>
+          </a:fillRef>
+          <a:effectRef idx="1">
+            <a:schemeClr val="accent1"/>
+          </a:effectRef>
+          <a:fontRef idx="minor">
+            <a:schemeClr val="lt1"/>
+          </a:fontRef>
+        </p:style>
         <p:txBody>
-          <a:bodyPr lIns="100800" tIns="100800" rIns="100800" bIns="100800" anchor="ctr">
+          <a:bodyPr lIns="90000" tIns="45000" rIns="90000" bIns="45000" anchor="ctr">
             <a:noAutofit/>
           </a:bodyPr>
-          <a:lstStyle>
-            <a:lvl1pPr algn="l" defTabSz="914400" rtl="0" eaLnBrk="1" latinLnBrk="0" hangingPunct="1">
-              <a:lnSpc>
-                <a:spcPct val="90000"/>
-              </a:lnSpc>
-              <a:spcBef>
-                <a:spcPct val="0"/>
-              </a:spcBef>
-              <a:buNone/>
-              <a:defRPr sz="4400" kern="1200">
-                <a:solidFill>
-                  <a:schemeClr val="tx1"/>
-                </a:solidFill>
-                <a:latin typeface="+mj-lt"/>
-                <a:ea typeface="+mj-ea"/>
-                <a:cs typeface="+mj-cs"/>
-              </a:defRPr>
-            </a:lvl1pPr>
-          </a:lstStyle>
-          <a:p>
-            <a:pPr>
+          <a:lstStyle/>
+          <a:p>
+            <a:pPr algn="ctr" defTabSz="914400">
               <a:lnSpc>
                 <a:spcPct val="100000"/>
               </a:lnSpc>
-              <a:tabLst>
-                <a:tab pos="0" algn="l"/>
-              </a:tabLst>
             </a:pPr>
             <a:r>
-              <a:rPr lang="zh-TW" altLang="en-US" sz="2400" spc="-1" dirty="0" smtClean="0">
-                <a:solidFill>
-                  <a:srgbClr val="002060"/>
-                </a:solidFill>
-                <a:latin typeface="標楷體" panose="03000509000000000000" pitchFamily="65" charset="-120"/>
-                <a:ea typeface="標楷體" panose="03000509000000000000" pitchFamily="65" charset="-120"/>
-              </a:rPr>
-              <a:t>情境</a:t>
-            </a:r>
-            <a:r>
-              <a:rPr lang="zh-TW" altLang="en-US" sz="2400" spc="-1" dirty="0">
-                <a:solidFill>
-                  <a:srgbClr val="002060"/>
-                </a:solidFill>
-                <a:latin typeface="標楷體" panose="03000509000000000000" pitchFamily="65" charset="-120"/>
-                <a:ea typeface="標楷體" panose="03000509000000000000" pitchFamily="65" charset="-120"/>
-              </a:rPr>
-              <a:t>四</a:t>
-            </a:r>
-            <a:r>
-              <a:rPr lang="zh-TW" altLang="en-US" sz="2400" spc="-1" dirty="0" smtClean="0">
-                <a:solidFill>
-                  <a:srgbClr val="002060"/>
-                </a:solidFill>
-                <a:latin typeface="標楷體" panose="03000509000000000000" pitchFamily="65" charset="-120"/>
-                <a:ea typeface="標楷體" panose="03000509000000000000" pitchFamily="65" charset="-120"/>
-              </a:rPr>
-              <a:t>、</a:t>
-            </a:r>
-            <a:r>
-              <a:rPr lang="en-US" altLang="zh-TW" sz="2400" spc="-1" dirty="0" smtClean="0">
-                <a:solidFill>
-                  <a:srgbClr val="002060"/>
-                </a:solidFill>
-                <a:latin typeface="標楷體" panose="03000509000000000000" pitchFamily="65" charset="-120"/>
-                <a:ea typeface="標楷體" panose="03000509000000000000" pitchFamily="65" charset="-120"/>
+              <a:rPr lang="en-US" altLang="zh-TW" sz="1400" b="0" strike="noStrike" spc="-1" dirty="0" smtClean="0">
+                <a:solidFill>
+                  <a:schemeClr val="dk1"/>
+                </a:solidFill>
+                <a:latin typeface="Arial"/>
               </a:rPr>
               <a:t>UAT</a:t>
             </a:r>
-            <a:r>
-              <a:rPr lang="zh-TW" altLang="en-US" sz="2400" spc="-1" dirty="0" smtClean="0">
-                <a:solidFill>
-                  <a:srgbClr val="002060"/>
-                </a:solidFill>
-                <a:latin typeface="標楷體" panose="03000509000000000000" pitchFamily="65" charset="-120"/>
-                <a:ea typeface="標楷體" panose="03000509000000000000" pitchFamily="65" charset="-120"/>
-              </a:rPr>
-              <a:t> 測試的 </a:t>
-            </a:r>
-            <a:r>
-              <a:rPr lang="en-US" altLang="zh-TW" sz="2400" spc="-1" dirty="0" smtClean="0">
-                <a:solidFill>
-                  <a:srgbClr val="002060"/>
-                </a:solidFill>
-                <a:latin typeface="標楷體" panose="03000509000000000000" pitchFamily="65" charset="-120"/>
-                <a:ea typeface="標楷體" panose="03000509000000000000" pitchFamily="65" charset="-120"/>
-              </a:rPr>
-              <a:t>A</a:t>
-            </a:r>
-            <a:r>
-              <a:rPr lang="zh-TW" altLang="en-US" sz="2400" spc="-1" dirty="0" smtClean="0">
-                <a:solidFill>
-                  <a:srgbClr val="002060"/>
-                </a:solidFill>
-                <a:latin typeface="標楷體" panose="03000509000000000000" pitchFamily="65" charset="-120"/>
-                <a:ea typeface="標楷體" panose="03000509000000000000" pitchFamily="65" charset="-120"/>
-              </a:rPr>
-              <a:t> 版本測試不通過</a:t>
-            </a:r>
-            <a:r>
-              <a:rPr lang="en-US" altLang="zh-TW" sz="2400" spc="-1" dirty="0" smtClean="0">
-                <a:solidFill>
-                  <a:srgbClr val="002060"/>
-                </a:solidFill>
-                <a:latin typeface="標楷體" panose="03000509000000000000" pitchFamily="65" charset="-120"/>
-                <a:ea typeface="標楷體" panose="03000509000000000000" pitchFamily="65" charset="-120"/>
-              </a:rPr>
-              <a:t>,</a:t>
-            </a:r>
-            <a:r>
-              <a:rPr lang="zh-TW" altLang="en-US" sz="2400" spc="-1" dirty="0" smtClean="0">
-                <a:solidFill>
-                  <a:srgbClr val="002060"/>
-                </a:solidFill>
-                <a:latin typeface="標楷體" panose="03000509000000000000" pitchFamily="65" charset="-120"/>
-                <a:ea typeface="標楷體" panose="03000509000000000000" pitchFamily="65" charset="-120"/>
-              </a:rPr>
-              <a:t>退回 </a:t>
-            </a:r>
-            <a:r>
-              <a:rPr lang="en-US" altLang="zh-TW" sz="2400" spc="-1" dirty="0" smtClean="0">
-                <a:solidFill>
-                  <a:srgbClr val="002060"/>
-                </a:solidFill>
-                <a:latin typeface="標楷體" panose="03000509000000000000" pitchFamily="65" charset="-120"/>
-                <a:ea typeface="標楷體" panose="03000509000000000000" pitchFamily="65" charset="-120"/>
-              </a:rPr>
-              <a:t>A</a:t>
-            </a:r>
-            <a:r>
-              <a:rPr lang="zh-TW" altLang="en-US" sz="2400" spc="-1" dirty="0" smtClean="0">
-                <a:solidFill>
-                  <a:srgbClr val="002060"/>
-                </a:solidFill>
-                <a:latin typeface="標楷體" panose="03000509000000000000" pitchFamily="65" charset="-120"/>
-                <a:ea typeface="標楷體" panose="03000509000000000000" pitchFamily="65" charset="-120"/>
-              </a:rPr>
-              <a:t> 版本讓 </a:t>
-            </a:r>
-            <a:r>
-              <a:rPr lang="en-US" altLang="zh-TW" sz="2400" spc="-1" dirty="0" smtClean="0">
-                <a:solidFill>
-                  <a:srgbClr val="002060"/>
-                </a:solidFill>
-                <a:latin typeface="標楷體" panose="03000509000000000000" pitchFamily="65" charset="-120"/>
-                <a:ea typeface="標楷體" panose="03000509000000000000" pitchFamily="65" charset="-120"/>
-              </a:rPr>
-              <a:t>B</a:t>
-            </a:r>
-            <a:r>
-              <a:rPr lang="zh-TW" altLang="en-US" sz="2400" spc="-1" dirty="0" smtClean="0">
-                <a:solidFill>
-                  <a:srgbClr val="002060"/>
-                </a:solidFill>
-                <a:latin typeface="標楷體" panose="03000509000000000000" pitchFamily="65" charset="-120"/>
-                <a:ea typeface="標楷體" panose="03000509000000000000" pitchFamily="65" charset="-120"/>
-              </a:rPr>
-              <a:t> 版本先上</a:t>
-            </a:r>
-            <a:endParaRPr lang="zh-TW" altLang="en-US" sz="2400" spc="-1" dirty="0">
+            <a:endParaRPr lang="en-US" sz="1400" b="0" strike="noStrike" spc="-1" dirty="0">
               <a:solidFill>
                 <a:srgbClr val="000000"/>
               </a:solidFill>
-              <a:latin typeface="標楷體" panose="03000509000000000000" pitchFamily="65" charset="-120"/>
-              <a:ea typeface="標楷體" panose="03000509000000000000" pitchFamily="65" charset="-120"/>
+              <a:latin typeface="Arial"/>
             </a:endParaRPr>
           </a:p>
         </p:txBody>
       </p:sp>
       <p:sp>
         <p:nvSpPr>
-          <p:cNvPr id="24" name="圓角矩形 10"/>
+          <p:cNvPr id="78" name="圓角矩形 1"/>
           <p:cNvSpPr/>
           <p:nvPr/>
         </p:nvSpPr>
         <p:spPr>
           <a:xfrm>
-            <a:off x="219784" y="3291718"/>
+            <a:off x="9157917" y="3139485"/>
+            <a:ext cx="632865" cy="383559"/>
+          </a:xfrm>
+          <a:prstGeom prst="roundRect">
+            <a:avLst>
+              <a:gd name="adj" fmla="val 16667"/>
+            </a:avLst>
+          </a:prstGeom>
+          <a:ln/>
+        </p:spPr>
+        <p:style>
+          <a:lnRef idx="3">
+            <a:schemeClr val="lt1"/>
+          </a:lnRef>
+          <a:fillRef idx="1">
+            <a:schemeClr val="accent5"/>
+          </a:fillRef>
+          <a:effectRef idx="1">
+            <a:schemeClr val="accent5"/>
+          </a:effectRef>
+          <a:fontRef idx="minor">
+            <a:schemeClr val="lt1"/>
+          </a:fontRef>
+        </p:style>
+        <p:txBody>
+          <a:bodyPr lIns="90000" tIns="45000" rIns="90000" bIns="45000" anchor="ctr">
+            <a:noAutofit/>
+          </a:bodyPr>
+          <a:lstStyle/>
+          <a:p>
+            <a:pPr algn="ctr" defTabSz="914400">
+              <a:lnSpc>
+                <a:spcPct val="100000"/>
+              </a:lnSpc>
+            </a:pPr>
+            <a:r>
+              <a:rPr lang="en-US" altLang="zh-TW" sz="1400" b="0" strike="noStrike" spc="-1" dirty="0" smtClean="0">
+                <a:solidFill>
+                  <a:schemeClr val="dk1"/>
+                </a:solidFill>
+                <a:latin typeface="Arial"/>
+              </a:rPr>
+              <a:t>B</a:t>
+            </a:r>
+            <a:endParaRPr lang="en-US" sz="1400" b="0" strike="noStrike" spc="-1" dirty="0">
+              <a:solidFill>
+                <a:srgbClr val="000000"/>
+              </a:solidFill>
+              <a:latin typeface="Arial"/>
+            </a:endParaRPr>
+          </a:p>
+        </p:txBody>
+      </p:sp>
+      <p:sp>
+        <p:nvSpPr>
+          <p:cNvPr id="79" name="向右箭號 3"/>
+          <p:cNvSpPr/>
+          <p:nvPr/>
+        </p:nvSpPr>
+        <p:spPr>
+          <a:xfrm>
+            <a:off x="8475262" y="2185521"/>
+            <a:ext cx="591123" cy="284400"/>
+          </a:xfrm>
+          <a:prstGeom prst="rightArrow">
+            <a:avLst>
+              <a:gd name="adj1" fmla="val 50000"/>
+              <a:gd name="adj2" fmla="val 50000"/>
+            </a:avLst>
+          </a:prstGeom>
+          <a:solidFill>
+            <a:srgbClr val="FF0000"/>
+          </a:solidFill>
+          <a:ln>
+            <a:noFill/>
+          </a:ln>
+        </p:spPr>
+        <p:style>
+          <a:lnRef idx="2">
+            <a:schemeClr val="accent1">
+              <a:shade val="50000"/>
+            </a:schemeClr>
+          </a:lnRef>
+          <a:fillRef idx="1">
+            <a:schemeClr val="accent1"/>
+          </a:fillRef>
+          <a:effectRef idx="0">
+            <a:schemeClr val="accent1"/>
+          </a:effectRef>
+          <a:fontRef idx="minor"/>
+        </p:style>
+        <p:txBody>
+          <a:bodyPr lIns="90000" tIns="45000" rIns="90000" bIns="45000" anchor="ctr">
+            <a:noAutofit/>
+          </a:bodyPr>
+          <a:lstStyle/>
+          <a:p>
+            <a:endParaRPr lang="en-US" sz="1200" b="0" strike="noStrike" spc="-1">
+              <a:solidFill>
+                <a:schemeClr val="lt1"/>
+              </a:solidFill>
+              <a:latin typeface="Arial"/>
+            </a:endParaRPr>
+          </a:p>
+        </p:txBody>
+      </p:sp>
+      <p:sp>
+        <p:nvSpPr>
+          <p:cNvPr id="80" name="向右箭號 3"/>
+          <p:cNvSpPr/>
+          <p:nvPr/>
+        </p:nvSpPr>
+        <p:spPr>
+          <a:xfrm>
+            <a:off x="8502271" y="3621680"/>
+            <a:ext cx="564114" cy="282213"/>
+          </a:xfrm>
+          <a:prstGeom prst="rightArrow">
+            <a:avLst>
+              <a:gd name="adj1" fmla="val 50000"/>
+              <a:gd name="adj2" fmla="val 50000"/>
+            </a:avLst>
+          </a:prstGeom>
+          <a:solidFill>
+            <a:srgbClr val="FF0000"/>
+          </a:solidFill>
+          <a:ln>
+            <a:noFill/>
+          </a:ln>
+        </p:spPr>
+        <p:style>
+          <a:lnRef idx="2">
+            <a:schemeClr val="accent1">
+              <a:shade val="50000"/>
+            </a:schemeClr>
+          </a:lnRef>
+          <a:fillRef idx="1">
+            <a:schemeClr val="accent1"/>
+          </a:fillRef>
+          <a:effectRef idx="0">
+            <a:schemeClr val="accent1"/>
+          </a:effectRef>
+          <a:fontRef idx="minor"/>
+        </p:style>
+        <p:txBody>
+          <a:bodyPr lIns="90000" tIns="45000" rIns="90000" bIns="45000" anchor="ctr">
+            <a:noAutofit/>
+          </a:bodyPr>
+          <a:lstStyle/>
+          <a:p>
+            <a:endParaRPr lang="en-US" sz="1200" b="0" strike="noStrike" spc="-1">
+              <a:solidFill>
+                <a:schemeClr val="lt1"/>
+              </a:solidFill>
+              <a:latin typeface="Arial"/>
+            </a:endParaRPr>
+          </a:p>
+        </p:txBody>
+      </p:sp>
+      <p:sp>
+        <p:nvSpPr>
+          <p:cNvPr id="81" name="圓角矩形 1"/>
+          <p:cNvSpPr/>
+          <p:nvPr/>
+        </p:nvSpPr>
+        <p:spPr>
+          <a:xfrm>
+            <a:off x="9157917" y="2037245"/>
+            <a:ext cx="632865" cy="414104"/>
+          </a:xfrm>
+          <a:prstGeom prst="roundRect">
+            <a:avLst>
+              <a:gd name="adj" fmla="val 16667"/>
+            </a:avLst>
+          </a:prstGeom>
+          <a:solidFill>
+            <a:srgbClr val="FFFF00"/>
+          </a:solidFill>
+          <a:ln/>
+        </p:spPr>
+        <p:style>
+          <a:lnRef idx="3">
+            <a:schemeClr val="lt1"/>
+          </a:lnRef>
+          <a:fillRef idx="1">
+            <a:schemeClr val="accent1"/>
+          </a:fillRef>
+          <a:effectRef idx="1">
+            <a:schemeClr val="accent1"/>
+          </a:effectRef>
+          <a:fontRef idx="minor">
+            <a:schemeClr val="lt1"/>
+          </a:fontRef>
+        </p:style>
+        <p:txBody>
+          <a:bodyPr lIns="90000" tIns="45000" rIns="90000" bIns="45000" anchor="ctr">
+            <a:noAutofit/>
+          </a:bodyPr>
+          <a:lstStyle/>
+          <a:p>
+            <a:pPr algn="ctr" defTabSz="914400">
+              <a:lnSpc>
+                <a:spcPct val="100000"/>
+              </a:lnSpc>
+            </a:pPr>
+            <a:r>
+              <a:rPr lang="en-US" altLang="zh-TW" sz="1400" b="0" strike="noStrike" spc="-1" dirty="0" smtClean="0">
+                <a:solidFill>
+                  <a:schemeClr val="dk1"/>
+                </a:solidFill>
+                <a:latin typeface="Arial"/>
+              </a:rPr>
+              <a:t>SIT</a:t>
+            </a:r>
+            <a:endParaRPr lang="en-US" sz="1400" b="0" strike="noStrike" spc="-1" dirty="0">
+              <a:solidFill>
+                <a:srgbClr val="000000"/>
+              </a:solidFill>
+              <a:latin typeface="Arial"/>
+            </a:endParaRPr>
+          </a:p>
+        </p:txBody>
+      </p:sp>
+      <p:sp>
+        <p:nvSpPr>
+          <p:cNvPr id="82" name="圓角矩形 1"/>
+          <p:cNvSpPr/>
+          <p:nvPr/>
+        </p:nvSpPr>
+        <p:spPr>
+          <a:xfrm>
+            <a:off x="9157917" y="1665157"/>
+            <a:ext cx="632865" cy="383559"/>
+          </a:xfrm>
+          <a:prstGeom prst="roundRect">
+            <a:avLst>
+              <a:gd name="adj" fmla="val 16667"/>
+            </a:avLst>
+          </a:prstGeom>
+          <a:ln/>
+        </p:spPr>
+        <p:style>
+          <a:lnRef idx="3">
+            <a:schemeClr val="lt1"/>
+          </a:lnRef>
+          <a:fillRef idx="1">
+            <a:schemeClr val="accent5"/>
+          </a:fillRef>
+          <a:effectRef idx="1">
+            <a:schemeClr val="accent5"/>
+          </a:effectRef>
+          <a:fontRef idx="minor">
+            <a:schemeClr val="lt1"/>
+          </a:fontRef>
+        </p:style>
+        <p:txBody>
+          <a:bodyPr lIns="90000" tIns="45000" rIns="90000" bIns="45000" anchor="ctr">
+            <a:noAutofit/>
+          </a:bodyPr>
+          <a:lstStyle/>
+          <a:p>
+            <a:pPr algn="ctr" defTabSz="914400">
+              <a:lnSpc>
+                <a:spcPct val="100000"/>
+              </a:lnSpc>
+            </a:pPr>
+            <a:r>
+              <a:rPr lang="en-US" altLang="zh-TW" sz="1400" b="0" strike="noStrike" spc="-1" dirty="0" smtClean="0">
+                <a:solidFill>
+                  <a:schemeClr val="dk1"/>
+                </a:solidFill>
+                <a:latin typeface="Arial"/>
+              </a:rPr>
+              <a:t>A+B</a:t>
+            </a:r>
+            <a:endParaRPr lang="en-US" sz="1400" b="0" strike="noStrike" spc="-1" dirty="0">
+              <a:solidFill>
+                <a:srgbClr val="000000"/>
+              </a:solidFill>
+              <a:latin typeface="Arial"/>
+            </a:endParaRPr>
+          </a:p>
+        </p:txBody>
+      </p:sp>
+      <p:sp>
+        <p:nvSpPr>
+          <p:cNvPr id="83" name="圓角矩形 10"/>
+          <p:cNvSpPr/>
+          <p:nvPr/>
+        </p:nvSpPr>
+        <p:spPr>
+          <a:xfrm>
+            <a:off x="5459514" y="3117701"/>
             <a:ext cx="987709" cy="593280"/>
           </a:xfrm>
           <a:prstGeom prst="roundRect">
@@ -30739,7 +31934,7 @@
                 </a:solidFill>
                 <a:latin typeface="Arial"/>
               </a:rPr>
-              <a:t>Tag</a:t>
+              <a:t>Issue B</a:t>
             </a:r>
             <a:r>
               <a:rPr lang="en-US" altLang="zh-TW" sz="1600" b="0" strike="noStrike" spc="-1" dirty="0" smtClean="0">
@@ -30755,13 +31950,13 @@
       </p:sp>
       <p:sp>
         <p:nvSpPr>
-          <p:cNvPr id="25" name="圓角矩形 11"/>
+          <p:cNvPr id="84" name="圓角矩形 11"/>
           <p:cNvSpPr/>
           <p:nvPr/>
         </p:nvSpPr>
         <p:spPr>
           <a:xfrm>
-            <a:off x="210784" y="3883558"/>
+            <a:off x="5450514" y="3709541"/>
             <a:ext cx="996709" cy="196920"/>
           </a:xfrm>
           <a:prstGeom prst="roundRect">
@@ -30803,7 +31998,7 @@
                   <a:schemeClr val="dk1"/>
                 </a:solidFill>
               </a:rPr>
-              <a:t>Prod Ver.</a:t>
+              <a:t>remote</a:t>
             </a:r>
             <a:endParaRPr lang="en-US" altLang="zh-TW" sz="1200" spc="-1" dirty="0">
               <a:solidFill>
@@ -30813,22 +32008,142 @@
           </a:p>
         </p:txBody>
       </p:sp>
-      <p:sp>
-        <p:nvSpPr>
-          <p:cNvPr id="26" name="圓角矩形 1"/>
+      <p:cxnSp>
+        <p:nvCxnSpPr>
+          <p:cNvPr id="85" name="肘形接點 84"/>
+          <p:cNvCxnSpPr>
+            <a:stCxn id="81" idx="2"/>
+            <a:endCxn id="83" idx="0"/>
+          </p:cNvCxnSpPr>
+          <p:nvPr/>
+        </p:nvCxnSpPr>
+        <p:spPr>
+          <a:xfrm rot="5400000">
+            <a:off x="7380684" y="1024035"/>
+            <a:ext cx="666352" cy="3520981"/>
+          </a:xfrm>
+          <a:prstGeom prst="bentConnector3">
+            <a:avLst/>
+          </a:prstGeom>
+          <a:ln>
+            <a:solidFill>
+              <a:schemeClr val="tx1"/>
+            </a:solidFill>
+            <a:tailEnd type="triangle"/>
+          </a:ln>
+        </p:spPr>
+        <p:style>
+          <a:lnRef idx="1">
+            <a:schemeClr val="accent1"/>
+          </a:lnRef>
+          <a:fillRef idx="0">
+            <a:schemeClr val="accent1"/>
+          </a:fillRef>
+          <a:effectRef idx="0">
+            <a:schemeClr val="accent1"/>
+          </a:effectRef>
+          <a:fontRef idx="minor">
+            <a:schemeClr val="tx1"/>
+          </a:fontRef>
+        </p:style>
+      </p:cxnSp>
+      <p:sp>
+        <p:nvSpPr>
+          <p:cNvPr id="86" name="圓角矩形 1"/>
           <p:cNvSpPr/>
           <p:nvPr/>
         </p:nvSpPr>
         <p:spPr>
           <a:xfrm>
-            <a:off x="1332401" y="3491868"/>
-            <a:ext cx="632865" cy="345520"/>
+            <a:off x="7356706" y="2606929"/>
+            <a:ext cx="1127096" cy="410377"/>
           </a:xfrm>
           <a:prstGeom prst="roundRect">
             <a:avLst>
               <a:gd name="adj" fmla="val 16667"/>
             </a:avLst>
           </a:prstGeom>
+          <a:solidFill>
+            <a:srgbClr val="FFFF00"/>
+          </a:solidFill>
+          <a:ln/>
+        </p:spPr>
+        <p:style>
+          <a:lnRef idx="2">
+            <a:schemeClr val="accent4">
+              <a:shade val="50000"/>
+            </a:schemeClr>
+          </a:lnRef>
+          <a:fillRef idx="1">
+            <a:schemeClr val="accent4"/>
+          </a:fillRef>
+          <a:effectRef idx="0">
+            <a:schemeClr val="accent4"/>
+          </a:effectRef>
+          <a:fontRef idx="minor">
+            <a:schemeClr val="lt1"/>
+          </a:fontRef>
+        </p:style>
+        <p:txBody>
+          <a:bodyPr lIns="90000" tIns="45000" rIns="90000" bIns="45000" anchor="ctr">
+            <a:noAutofit/>
+          </a:bodyPr>
+          <a:lstStyle/>
+          <a:p>
+            <a:pPr algn="ctr" defTabSz="914400">
+              <a:lnSpc>
+                <a:spcPct val="100000"/>
+              </a:lnSpc>
+            </a:pPr>
+            <a:r>
+              <a:rPr lang="zh-TW" altLang="en-US" sz="1400" b="1" spc="-1" dirty="0" smtClean="0">
+                <a:solidFill>
+                  <a:schemeClr val="dk1"/>
+                </a:solidFill>
+                <a:latin typeface="Arial"/>
+              </a:rPr>
+              <a:t>測試通</a:t>
+            </a:r>
+            <a:r>
+              <a:rPr lang="zh-TW" altLang="en-US" sz="1400" b="1" spc="-1" dirty="0">
+                <a:solidFill>
+                  <a:schemeClr val="dk1"/>
+                </a:solidFill>
+                <a:latin typeface="Arial"/>
+              </a:rPr>
+              <a:t>過</a:t>
+            </a:r>
+            <a:endParaRPr lang="en-US" sz="1400" b="1" strike="noStrike" spc="-1" dirty="0">
+              <a:solidFill>
+                <a:srgbClr val="000000"/>
+              </a:solidFill>
+              <a:latin typeface="Arial"/>
+            </a:endParaRPr>
+          </a:p>
+        </p:txBody>
+      </p:sp>
+      <p:sp>
+        <p:nvSpPr>
+          <p:cNvPr id="87" name="圓角矩形 1"/>
+          <p:cNvSpPr/>
+          <p:nvPr/>
+        </p:nvSpPr>
+        <p:spPr>
+          <a:xfrm>
+            <a:off x="913777" y="1865307"/>
+            <a:ext cx="632865" cy="345520"/>
+          </a:xfrm>
+          <a:prstGeom prst="roundRect">
+            <a:avLst>
+              <a:gd name="adj" fmla="val 16667"/>
+            </a:avLst>
+          </a:prstGeom>
+          <a:solidFill>
+            <a:schemeClr val="accent2">
+              <a:lumMod val="60000"/>
+              <a:lumOff val="40000"/>
+            </a:schemeClr>
+          </a:solidFill>
           <a:ln/>
         </p:spPr>
         <p:style>
@@ -30859,15 +32174,15 @@
               </a:lnSpc>
             </a:pPr>
             <a:r>
-              <a:rPr lang="en-US" altLang="zh-TW" sz="1400" spc="-1" dirty="0" smtClean="0">
+              <a:rPr lang="zh-TW" altLang="en-US" sz="1400" b="1" strike="noStrike" spc="-1" dirty="0" smtClean="0">
                 <a:solidFill>
                   <a:schemeClr val="dk1"/>
                 </a:solidFill>
                 <a:latin typeface="Arial"/>
               </a:rPr>
-              <a:t>Pull</a:t>
-            </a:r>
-            <a:endParaRPr lang="en-US" sz="1400" strike="noStrike" spc="-1" dirty="0">
+              <a:t>退回</a:t>
+            </a:r>
+            <a:endParaRPr lang="en-US" sz="1400" b="1" strike="noStrike" spc="-1" dirty="0">
               <a:solidFill>
                 <a:srgbClr val="000000"/>
               </a:solidFill>
@@ -30878,341 +32193,14 @@
       </p:sp>
       <p:sp>
         <p:nvSpPr>
-          <p:cNvPr id="27" name="圓角矩形 10"/>
+          <p:cNvPr id="88" name="向右箭號 3"/>
           <p:cNvSpPr/>
           <p:nvPr/>
         </p:nvSpPr>
         <p:spPr>
           <a:xfrm>
-            <a:off x="2099334" y="3291718"/>
-            <a:ext cx="987709" cy="593280"/>
-          </a:xfrm>
-          <a:prstGeom prst="roundRect">
-            <a:avLst>
-              <a:gd name="adj" fmla="val 16667"/>
-            </a:avLst>
-          </a:prstGeom>
-          <a:solidFill>
-            <a:srgbClr val="4BACC6"/>
-          </a:solidFill>
-          <a:ln>
-            <a:noFill/>
-          </a:ln>
-        </p:spPr>
-        <p:style>
-          <a:lnRef idx="2">
-            <a:schemeClr val="accent5">
-              <a:shade val="50000"/>
-            </a:schemeClr>
-          </a:lnRef>
-          <a:fillRef idx="1">
-            <a:schemeClr val="accent5"/>
-          </a:fillRef>
-          <a:effectRef idx="0">
-            <a:schemeClr val="accent5"/>
-          </a:effectRef>
-          <a:fontRef idx="minor"/>
-        </p:style>
-        <p:txBody>
-          <a:bodyPr lIns="90000" tIns="45000" rIns="90000" bIns="45000" anchor="ctr">
-            <a:noAutofit/>
-          </a:bodyPr>
-          <a:lstStyle/>
-          <a:p>
-            <a:pPr algn="ctr" defTabSz="914400">
-              <a:lnSpc>
-                <a:spcPct val="100000"/>
-              </a:lnSpc>
-            </a:pPr>
-            <a:r>
-              <a:rPr lang="en-US" altLang="zh-TW" sz="1600" spc="-1" dirty="0" smtClean="0">
-                <a:solidFill>
-                  <a:schemeClr val="accent2">
-                    <a:lumMod val="75000"/>
-                  </a:schemeClr>
-                </a:solidFill>
-                <a:latin typeface="Arial"/>
-              </a:rPr>
-              <a:t>Issue B</a:t>
-            </a:r>
-            <a:r>
-              <a:rPr lang="en-US" altLang="zh-TW" sz="1600" b="0" strike="noStrike" spc="-1" dirty="0" smtClean="0">
-                <a:solidFill>
-                  <a:schemeClr val="accent2">
-                    <a:lumMod val="75000"/>
-                  </a:schemeClr>
-                </a:solidFill>
-                <a:latin typeface="Arial"/>
-              </a:rPr>
-              <a:t> </a:t>
-            </a:r>
-          </a:p>
-        </p:txBody>
-      </p:sp>
-      <p:sp>
-        <p:nvSpPr>
-          <p:cNvPr id="28" name="圓角矩形 11"/>
-          <p:cNvSpPr/>
-          <p:nvPr/>
-        </p:nvSpPr>
-        <p:spPr>
-          <a:xfrm>
-            <a:off x="2090334" y="3883558"/>
-            <a:ext cx="996709" cy="196920"/>
-          </a:xfrm>
-          <a:prstGeom prst="roundRect">
-            <a:avLst>
-              <a:gd name="adj" fmla="val 16667"/>
-            </a:avLst>
-          </a:prstGeom>
-          <a:solidFill>
-            <a:srgbClr val="FFC000"/>
-          </a:solidFill>
-          <a:ln/>
-        </p:spPr>
-        <p:style>
-          <a:lnRef idx="2">
-            <a:schemeClr val="accent1">
-              <a:shade val="50000"/>
-            </a:schemeClr>
-          </a:lnRef>
-          <a:fillRef idx="1">
-            <a:schemeClr val="accent1"/>
-          </a:fillRef>
-          <a:effectRef idx="0">
-            <a:schemeClr val="accent1"/>
-          </a:effectRef>
-          <a:fontRef idx="minor">
-            <a:schemeClr val="lt1"/>
-          </a:fontRef>
-        </p:style>
-        <p:txBody>
-          <a:bodyPr lIns="90000" tIns="45000" rIns="90000" bIns="45000" anchor="ctr">
-            <a:noAutofit/>
-          </a:bodyPr>
-          <a:lstStyle/>
-          <a:p>
-            <a:pPr algn="ctr"/>
-            <a:r>
-              <a:rPr lang="en-US" altLang="zh-TW" sz="1200" spc="-1" dirty="0" smtClean="0">
-                <a:solidFill>
-                  <a:schemeClr val="dk1"/>
-                </a:solidFill>
-              </a:rPr>
-              <a:t>local</a:t>
-            </a:r>
-            <a:endParaRPr lang="en-US" altLang="zh-TW" sz="1200" spc="-1" dirty="0">
-              <a:solidFill>
-                <a:srgbClr val="000000"/>
-              </a:solidFill>
-            </a:endParaRPr>
-          </a:p>
-        </p:txBody>
-      </p:sp>
-      <p:sp>
-        <p:nvSpPr>
-          <p:cNvPr id="29" name="圓角矩形 1"/>
-          <p:cNvSpPr/>
-          <p:nvPr/>
-        </p:nvSpPr>
-        <p:spPr>
-          <a:xfrm>
-            <a:off x="3221111" y="3491868"/>
-            <a:ext cx="632865" cy="345520"/>
-          </a:xfrm>
-          <a:prstGeom prst="roundRect">
-            <a:avLst>
-              <a:gd name="adj" fmla="val 16667"/>
-            </a:avLst>
-          </a:prstGeom>
-          <a:ln/>
-        </p:spPr>
-        <p:style>
-          <a:lnRef idx="3">
-            <a:schemeClr val="lt1"/>
-          </a:lnRef>
-          <a:fillRef idx="1">
-            <a:schemeClr val="accent3"/>
-          </a:fillRef>
-          <a:effectRef idx="1">
-            <a:schemeClr val="accent3"/>
-          </a:effectRef>
-          <a:fontRef idx="minor">
-            <a:schemeClr val="lt1"/>
-          </a:fontRef>
-        </p:style>
-        <p:txBody>
-          <a:bodyPr lIns="90000" tIns="45000" rIns="90000" bIns="45000" anchor="ctr">
-            <a:noAutofit/>
-          </a:bodyPr>
-          <a:lstStyle/>
-          <a:p>
-            <a:pPr algn="ctr" defTabSz="914400">
-              <a:lnSpc>
-                <a:spcPct val="100000"/>
-              </a:lnSpc>
-            </a:pPr>
-            <a:r>
-              <a:rPr lang="en-US" altLang="zh-TW" sz="1400" b="0" strike="noStrike" spc="-1" dirty="0" smtClean="0">
-                <a:solidFill>
-                  <a:schemeClr val="dk1"/>
-                </a:solidFill>
-                <a:latin typeface="Arial"/>
-              </a:rPr>
-              <a:t>Push</a:t>
-            </a:r>
-            <a:endParaRPr lang="en-US" sz="1400" b="0" strike="noStrike" spc="-1" dirty="0">
-              <a:solidFill>
-                <a:srgbClr val="000000"/>
-              </a:solidFill>
-              <a:latin typeface="Arial"/>
-            </a:endParaRPr>
-          </a:p>
-        </p:txBody>
-      </p:sp>
-      <p:sp>
-        <p:nvSpPr>
-          <p:cNvPr id="30" name="圓角矩形 29"/>
-          <p:cNvSpPr/>
-          <p:nvPr/>
-        </p:nvSpPr>
-        <p:spPr>
-          <a:xfrm>
-            <a:off x="4022365" y="3291718"/>
-            <a:ext cx="987709" cy="593280"/>
-          </a:xfrm>
-          <a:prstGeom prst="roundRect">
-            <a:avLst>
-              <a:gd name="adj" fmla="val 16667"/>
-            </a:avLst>
-          </a:prstGeom>
-          <a:solidFill>
-            <a:srgbClr val="4BACC6"/>
-          </a:solidFill>
-          <a:ln>
-            <a:noFill/>
-          </a:ln>
-        </p:spPr>
-        <p:style>
-          <a:lnRef idx="2">
-            <a:schemeClr val="accent5">
-              <a:shade val="50000"/>
-            </a:schemeClr>
-          </a:lnRef>
-          <a:fillRef idx="1">
-            <a:schemeClr val="accent5"/>
-          </a:fillRef>
-          <a:effectRef idx="0">
-            <a:schemeClr val="accent5"/>
-          </a:effectRef>
-          <a:fontRef idx="minor"/>
-        </p:style>
-        <p:txBody>
-          <a:bodyPr lIns="90000" tIns="45000" rIns="90000" bIns="45000" anchor="ctr">
-            <a:noAutofit/>
-          </a:bodyPr>
-          <a:lstStyle/>
-          <a:p>
-            <a:pPr algn="ctr" defTabSz="914400">
-              <a:lnSpc>
-                <a:spcPct val="100000"/>
-              </a:lnSpc>
-            </a:pPr>
-            <a:r>
-              <a:rPr lang="en-US" altLang="zh-TW" sz="1600" spc="-1" dirty="0" smtClean="0">
-                <a:solidFill>
-                  <a:schemeClr val="accent2">
-                    <a:lumMod val="75000"/>
-                  </a:schemeClr>
-                </a:solidFill>
-                <a:latin typeface="Arial"/>
-              </a:rPr>
-              <a:t>Issue B</a:t>
-            </a:r>
-            <a:r>
-              <a:rPr lang="en-US" altLang="zh-TW" sz="1600" b="0" strike="noStrike" spc="-1" dirty="0" smtClean="0">
-                <a:solidFill>
-                  <a:schemeClr val="accent2">
-                    <a:lumMod val="75000"/>
-                  </a:schemeClr>
-                </a:solidFill>
-                <a:latin typeface="Arial"/>
-              </a:rPr>
-              <a:t> </a:t>
-            </a:r>
-          </a:p>
-        </p:txBody>
-      </p:sp>
-      <p:sp>
-        <p:nvSpPr>
-          <p:cNvPr id="31" name="圓角矩形 30"/>
-          <p:cNvSpPr/>
-          <p:nvPr/>
-        </p:nvSpPr>
-        <p:spPr>
-          <a:xfrm>
-            <a:off x="4013365" y="3883558"/>
-            <a:ext cx="996709" cy="196920"/>
-          </a:xfrm>
-          <a:prstGeom prst="roundRect">
-            <a:avLst>
-              <a:gd name="adj" fmla="val 16667"/>
-            </a:avLst>
-          </a:prstGeom>
-          <a:solidFill>
-            <a:srgbClr val="F79646"/>
-          </a:solidFill>
-          <a:ln>
-            <a:noFill/>
-          </a:ln>
-        </p:spPr>
-        <p:style>
-          <a:lnRef idx="2">
-            <a:schemeClr val="accent6">
-              <a:shade val="50000"/>
-            </a:schemeClr>
-          </a:lnRef>
-          <a:fillRef idx="1">
-            <a:schemeClr val="accent6"/>
-          </a:fillRef>
-          <a:effectRef idx="0">
-            <a:schemeClr val="accent6"/>
-          </a:effectRef>
-          <a:fontRef idx="minor"/>
-        </p:style>
-        <p:txBody>
-          <a:bodyPr lIns="90000" tIns="45000" rIns="90000" bIns="45000" anchor="ctr">
-            <a:noAutofit/>
-          </a:bodyPr>
-          <a:lstStyle/>
-          <a:p>
-            <a:pPr algn="ctr"/>
-            <a:r>
-              <a:rPr lang="en-US" altLang="zh-TW" sz="1200" spc="-1" dirty="0" smtClean="0">
-                <a:solidFill>
-                  <a:schemeClr val="dk1"/>
-                </a:solidFill>
-              </a:rPr>
-              <a:t>remote</a:t>
-            </a:r>
-            <a:endParaRPr lang="en-US" altLang="zh-TW" sz="1200" spc="-1" dirty="0">
-              <a:solidFill>
-                <a:srgbClr val="000000"/>
-              </a:solidFill>
-            </a:endParaRPr>
-          </a:p>
-        </p:txBody>
-      </p:sp>
-      <p:sp>
-        <p:nvSpPr>
-          <p:cNvPr id="32" name="向右箭號 3"/>
-          <p:cNvSpPr/>
-          <p:nvPr/>
-        </p:nvSpPr>
-        <p:spPr>
-          <a:xfrm>
-            <a:off x="1226762" y="3838201"/>
-            <a:ext cx="844141" cy="287634"/>
+            <a:off x="944405" y="2214874"/>
+            <a:ext cx="591123" cy="284400"/>
           </a:xfrm>
           <a:prstGeom prst="rightArrow">
             <a:avLst>
@@ -31247,1024 +32235,9 @@
           </a:bodyPr>
           <a:lstStyle/>
           <a:p>
-            <a:endParaRPr lang="en-US" sz="1200" b="0" strike="noStrike" spc="-1" dirty="0">
-              <a:solidFill>
-                <a:schemeClr val="lt1"/>
-              </a:solidFill>
-              <a:latin typeface="Arial"/>
-            </a:endParaRPr>
-          </a:p>
-        </p:txBody>
-      </p:sp>
-      <p:sp>
-        <p:nvSpPr>
-          <p:cNvPr id="33" name="圓角矩形 1"/>
-          <p:cNvSpPr/>
-          <p:nvPr/>
-        </p:nvSpPr>
-        <p:spPr>
-          <a:xfrm>
-            <a:off x="5162237" y="3463328"/>
-            <a:ext cx="632865" cy="345520"/>
-          </a:xfrm>
-          <a:prstGeom prst="roundRect">
-            <a:avLst>
-              <a:gd name="adj" fmla="val 16667"/>
-            </a:avLst>
-          </a:prstGeom>
-          <a:ln/>
-        </p:spPr>
-        <p:style>
-          <a:lnRef idx="3">
-            <a:schemeClr val="lt1"/>
-          </a:lnRef>
-          <a:fillRef idx="1">
-            <a:schemeClr val="accent3"/>
-          </a:fillRef>
-          <a:effectRef idx="1">
-            <a:schemeClr val="accent3"/>
-          </a:effectRef>
-          <a:fontRef idx="minor">
-            <a:schemeClr val="lt1"/>
-          </a:fontRef>
-        </p:style>
-        <p:txBody>
-          <a:bodyPr lIns="90000" tIns="45000" rIns="90000" bIns="45000" anchor="ctr">
-            <a:noAutofit/>
-          </a:bodyPr>
-          <a:lstStyle/>
-          <a:p>
-            <a:pPr algn="ctr" defTabSz="914400">
-              <a:lnSpc>
-                <a:spcPct val="100000"/>
-              </a:lnSpc>
-            </a:pPr>
-            <a:r>
-              <a:rPr lang="en-US" altLang="zh-TW" sz="1400" b="0" strike="noStrike" spc="-1" dirty="0" smtClean="0">
-                <a:solidFill>
-                  <a:schemeClr val="dk1"/>
-                </a:solidFill>
-                <a:latin typeface="Arial"/>
-              </a:rPr>
-              <a:t>MR</a:t>
-            </a:r>
-            <a:endParaRPr lang="en-US" sz="1400" b="0" strike="noStrike" spc="-1" dirty="0">
-              <a:solidFill>
-                <a:srgbClr val="000000"/>
-              </a:solidFill>
-              <a:latin typeface="Arial"/>
-            </a:endParaRPr>
-          </a:p>
-        </p:txBody>
-      </p:sp>
-      <p:sp>
-        <p:nvSpPr>
-          <p:cNvPr id="34" name="圓角矩形 10"/>
-          <p:cNvSpPr/>
-          <p:nvPr/>
-        </p:nvSpPr>
-        <p:spPr>
-          <a:xfrm>
-            <a:off x="5958872" y="3307722"/>
-            <a:ext cx="987709" cy="593280"/>
-          </a:xfrm>
-          <a:prstGeom prst="roundRect">
-            <a:avLst>
-              <a:gd name="adj" fmla="val 16667"/>
-            </a:avLst>
-          </a:prstGeom>
-          <a:solidFill>
-            <a:srgbClr val="4BACC6"/>
-          </a:solidFill>
-          <a:ln>
-            <a:noFill/>
-          </a:ln>
-        </p:spPr>
-        <p:style>
-          <a:lnRef idx="2">
-            <a:schemeClr val="accent5">
-              <a:shade val="50000"/>
-            </a:schemeClr>
-          </a:lnRef>
-          <a:fillRef idx="1">
-            <a:schemeClr val="accent5"/>
-          </a:fillRef>
-          <a:effectRef idx="0">
-            <a:schemeClr val="accent5"/>
-          </a:effectRef>
-          <a:fontRef idx="minor"/>
-        </p:style>
-        <p:txBody>
-          <a:bodyPr lIns="90000" tIns="45000" rIns="90000" bIns="45000" anchor="ctr">
-            <a:noAutofit/>
-          </a:bodyPr>
-          <a:lstStyle/>
-          <a:p>
-            <a:pPr algn="ctr" defTabSz="914400">
-              <a:lnSpc>
-                <a:spcPct val="100000"/>
-              </a:lnSpc>
-            </a:pPr>
-            <a:r>
-              <a:rPr lang="en-US" altLang="zh-TW" sz="1600" spc="-1" dirty="0" smtClean="0">
-                <a:solidFill>
-                  <a:schemeClr val="dk1"/>
-                </a:solidFill>
-                <a:latin typeface="Arial"/>
-              </a:rPr>
-              <a:t>dev</a:t>
-            </a:r>
-            <a:r>
-              <a:rPr lang="en-US" altLang="zh-TW" sz="1600" b="0" strike="noStrike" spc="-1" dirty="0" smtClean="0">
-                <a:solidFill>
-                  <a:schemeClr val="dk1"/>
-                </a:solidFill>
-                <a:latin typeface="Arial"/>
-              </a:rPr>
-              <a:t> </a:t>
-            </a:r>
-          </a:p>
-        </p:txBody>
-      </p:sp>
-      <p:sp>
-        <p:nvSpPr>
-          <p:cNvPr id="35" name="圓角矩形 11"/>
-          <p:cNvSpPr/>
-          <p:nvPr/>
-        </p:nvSpPr>
-        <p:spPr>
-          <a:xfrm>
-            <a:off x="5949872" y="3899562"/>
-            <a:ext cx="996709" cy="196920"/>
-          </a:xfrm>
-          <a:prstGeom prst="roundRect">
-            <a:avLst>
-              <a:gd name="adj" fmla="val 16667"/>
-            </a:avLst>
-          </a:prstGeom>
-          <a:solidFill>
-            <a:srgbClr val="F79646"/>
-          </a:solidFill>
-          <a:ln>
-            <a:noFill/>
-          </a:ln>
-        </p:spPr>
-        <p:style>
-          <a:lnRef idx="2">
-            <a:schemeClr val="accent6">
-              <a:shade val="50000"/>
-            </a:schemeClr>
-          </a:lnRef>
-          <a:fillRef idx="1">
-            <a:schemeClr val="accent6"/>
-          </a:fillRef>
-          <a:effectRef idx="0">
-            <a:schemeClr val="accent6"/>
-          </a:effectRef>
-          <a:fontRef idx="minor"/>
-        </p:style>
-        <p:txBody>
-          <a:bodyPr lIns="90000" tIns="45000" rIns="90000" bIns="45000" anchor="ctr">
-            <a:noAutofit/>
-          </a:bodyPr>
-          <a:lstStyle/>
-          <a:p>
-            <a:pPr algn="ctr"/>
-            <a:r>
-              <a:rPr lang="en-US" altLang="zh-TW" sz="1200" spc="-1" dirty="0" smtClean="0">
-                <a:solidFill>
-                  <a:schemeClr val="dk1"/>
-                </a:solidFill>
-              </a:rPr>
-              <a:t>remote</a:t>
-            </a:r>
-            <a:endParaRPr lang="en-US" altLang="zh-TW" sz="1200" spc="-1" dirty="0">
-              <a:solidFill>
-                <a:srgbClr val="000000"/>
-              </a:solidFill>
-            </a:endParaRPr>
-          </a:p>
-        </p:txBody>
-      </p:sp>
-      <p:sp>
-        <p:nvSpPr>
-          <p:cNvPr id="36" name="向右箭號 3"/>
-          <p:cNvSpPr/>
-          <p:nvPr/>
-        </p:nvSpPr>
-        <p:spPr>
-          <a:xfrm>
-            <a:off x="3134743" y="3837388"/>
-            <a:ext cx="844141" cy="287634"/>
-          </a:xfrm>
-          <a:prstGeom prst="rightArrow">
-            <a:avLst>
-              <a:gd name="adj1" fmla="val 50000"/>
-              <a:gd name="adj2" fmla="val 50000"/>
-            </a:avLst>
-          </a:prstGeom>
-          <a:solidFill>
-            <a:srgbClr val="FF0000"/>
-          </a:solidFill>
-          <a:ln>
-            <a:noFill/>
-          </a:ln>
-        </p:spPr>
-        <p:style>
-          <a:lnRef idx="2">
-            <a:schemeClr val="accent1">
-              <a:shade val="50000"/>
-            </a:schemeClr>
-          </a:lnRef>
-          <a:fillRef idx="1">
-            <a:schemeClr val="accent1"/>
-          </a:fillRef>
-          <a:effectRef idx="0">
-            <a:schemeClr val="accent1"/>
-          </a:effectRef>
-          <a:fontRef idx="minor"/>
-        </p:style>
-        <p:txBody>
-          <a:bodyPr lIns="90000" tIns="45000" rIns="90000" bIns="45000" anchor="ctr">
-            <a:noAutofit/>
-          </a:bodyPr>
-          <a:lstStyle/>
-          <a:p>
             <a:endParaRPr lang="en-US" sz="1200" b="0" strike="noStrike" spc="-1">
               <a:solidFill>
                 <a:schemeClr val="lt1"/>
-              </a:solidFill>
-              <a:latin typeface="Arial"/>
-            </a:endParaRPr>
-          </a:p>
-        </p:txBody>
-      </p:sp>
-      <p:sp>
-        <p:nvSpPr>
-          <p:cNvPr id="37" name="向右箭號 3"/>
-          <p:cNvSpPr/>
-          <p:nvPr/>
-        </p:nvSpPr>
-        <p:spPr>
-          <a:xfrm>
-            <a:off x="5056600" y="3808848"/>
-            <a:ext cx="844141" cy="287634"/>
-          </a:xfrm>
-          <a:prstGeom prst="rightArrow">
-            <a:avLst>
-              <a:gd name="adj1" fmla="val 50000"/>
-              <a:gd name="adj2" fmla="val 50000"/>
-            </a:avLst>
-          </a:prstGeom>
-          <a:solidFill>
-            <a:srgbClr val="FF0000"/>
-          </a:solidFill>
-          <a:ln>
-            <a:noFill/>
-          </a:ln>
-        </p:spPr>
-        <p:style>
-          <a:lnRef idx="2">
-            <a:schemeClr val="accent1">
-              <a:shade val="50000"/>
-            </a:schemeClr>
-          </a:lnRef>
-          <a:fillRef idx="1">
-            <a:schemeClr val="accent1"/>
-          </a:fillRef>
-          <a:effectRef idx="0">
-            <a:schemeClr val="accent1"/>
-          </a:effectRef>
-          <a:fontRef idx="minor"/>
-        </p:style>
-        <p:txBody>
-          <a:bodyPr lIns="90000" tIns="45000" rIns="90000" bIns="45000" anchor="ctr">
-            <a:noAutofit/>
-          </a:bodyPr>
-          <a:lstStyle/>
-          <a:p>
-            <a:endParaRPr lang="en-US" sz="1200" b="0" strike="noStrike" spc="-1">
-              <a:solidFill>
-                <a:schemeClr val="lt1"/>
-              </a:solidFill>
-              <a:latin typeface="Arial"/>
-            </a:endParaRPr>
-          </a:p>
-        </p:txBody>
-      </p:sp>
-      <p:sp>
-        <p:nvSpPr>
-          <p:cNvPr id="38" name="圓角矩形 1"/>
-          <p:cNvSpPr/>
-          <p:nvPr/>
-        </p:nvSpPr>
-        <p:spPr>
-          <a:xfrm>
-            <a:off x="7110349" y="3440237"/>
-            <a:ext cx="632865" cy="345520"/>
-          </a:xfrm>
-          <a:prstGeom prst="roundRect">
-            <a:avLst>
-              <a:gd name="adj" fmla="val 16667"/>
-            </a:avLst>
-          </a:prstGeom>
-          <a:ln/>
-        </p:spPr>
-        <p:style>
-          <a:lnRef idx="3">
-            <a:schemeClr val="lt1"/>
-          </a:lnRef>
-          <a:fillRef idx="1">
-            <a:schemeClr val="accent3"/>
-          </a:fillRef>
-          <a:effectRef idx="1">
-            <a:schemeClr val="accent3"/>
-          </a:effectRef>
-          <a:fontRef idx="minor">
-            <a:schemeClr val="lt1"/>
-          </a:fontRef>
-        </p:style>
-        <p:txBody>
-          <a:bodyPr lIns="90000" tIns="45000" rIns="90000" bIns="45000" anchor="ctr">
-            <a:noAutofit/>
-          </a:bodyPr>
-          <a:lstStyle/>
-          <a:p>
-            <a:pPr algn="ctr" defTabSz="914400">
-              <a:lnSpc>
-                <a:spcPct val="100000"/>
-              </a:lnSpc>
-            </a:pPr>
-            <a:r>
-              <a:rPr lang="en-US" altLang="zh-TW" sz="1400" b="0" strike="noStrike" spc="-1" dirty="0" smtClean="0">
-                <a:solidFill>
-                  <a:schemeClr val="dk1"/>
-                </a:solidFill>
-                <a:latin typeface="Arial"/>
-              </a:rPr>
-              <a:t>MR</a:t>
-            </a:r>
-            <a:endParaRPr lang="en-US" sz="1400" b="0" strike="noStrike" spc="-1" dirty="0">
-              <a:solidFill>
-                <a:srgbClr val="000000"/>
-              </a:solidFill>
-              <a:latin typeface="Arial"/>
-            </a:endParaRPr>
-          </a:p>
-        </p:txBody>
-      </p:sp>
-      <p:sp>
-        <p:nvSpPr>
-          <p:cNvPr id="39" name="圓角矩形 10"/>
-          <p:cNvSpPr/>
-          <p:nvPr/>
-        </p:nvSpPr>
-        <p:spPr>
-          <a:xfrm>
-            <a:off x="7906984" y="3284631"/>
-            <a:ext cx="987709" cy="593280"/>
-          </a:xfrm>
-          <a:prstGeom prst="roundRect">
-            <a:avLst>
-              <a:gd name="adj" fmla="val 16667"/>
-            </a:avLst>
-          </a:prstGeom>
-          <a:solidFill>
-            <a:srgbClr val="4BACC6"/>
-          </a:solidFill>
-          <a:ln>
-            <a:noFill/>
-          </a:ln>
-        </p:spPr>
-        <p:style>
-          <a:lnRef idx="2">
-            <a:schemeClr val="accent5">
-              <a:shade val="50000"/>
-            </a:schemeClr>
-          </a:lnRef>
-          <a:fillRef idx="1">
-            <a:schemeClr val="accent5"/>
-          </a:fillRef>
-          <a:effectRef idx="0">
-            <a:schemeClr val="accent5"/>
-          </a:effectRef>
-          <a:fontRef idx="minor"/>
-        </p:style>
-        <p:txBody>
-          <a:bodyPr lIns="90000" tIns="45000" rIns="90000" bIns="45000" anchor="ctr">
-            <a:noAutofit/>
-          </a:bodyPr>
-          <a:lstStyle/>
-          <a:p>
-            <a:pPr algn="ctr" defTabSz="914400">
-              <a:lnSpc>
-                <a:spcPct val="100000"/>
-              </a:lnSpc>
-            </a:pPr>
-            <a:r>
-              <a:rPr lang="en-US" altLang="zh-TW" sz="1600" spc="-1" dirty="0" smtClean="0">
-                <a:solidFill>
-                  <a:schemeClr val="dk1"/>
-                </a:solidFill>
-                <a:latin typeface="Arial"/>
-              </a:rPr>
-              <a:t>main</a:t>
-            </a:r>
-            <a:r>
-              <a:rPr lang="en-US" altLang="zh-TW" sz="1600" b="0" strike="noStrike" spc="-1" dirty="0" smtClean="0">
-                <a:solidFill>
-                  <a:schemeClr val="dk1"/>
-                </a:solidFill>
-                <a:latin typeface="Arial"/>
-              </a:rPr>
-              <a:t> </a:t>
-            </a:r>
-          </a:p>
-        </p:txBody>
-      </p:sp>
-      <p:sp>
-        <p:nvSpPr>
-          <p:cNvPr id="40" name="圓角矩形 11"/>
-          <p:cNvSpPr/>
-          <p:nvPr/>
-        </p:nvSpPr>
-        <p:spPr>
-          <a:xfrm>
-            <a:off x="7897984" y="3876471"/>
-            <a:ext cx="996709" cy="196920"/>
-          </a:xfrm>
-          <a:prstGeom prst="roundRect">
-            <a:avLst>
-              <a:gd name="adj" fmla="val 16667"/>
-            </a:avLst>
-          </a:prstGeom>
-          <a:solidFill>
-            <a:srgbClr val="F79646"/>
-          </a:solidFill>
-          <a:ln>
-            <a:noFill/>
-          </a:ln>
-        </p:spPr>
-        <p:style>
-          <a:lnRef idx="2">
-            <a:schemeClr val="accent6">
-              <a:shade val="50000"/>
-            </a:schemeClr>
-          </a:lnRef>
-          <a:fillRef idx="1">
-            <a:schemeClr val="accent6"/>
-          </a:fillRef>
-          <a:effectRef idx="0">
-            <a:schemeClr val="accent6"/>
-          </a:effectRef>
-          <a:fontRef idx="minor"/>
-        </p:style>
-        <p:txBody>
-          <a:bodyPr lIns="90000" tIns="45000" rIns="90000" bIns="45000" anchor="ctr">
-            <a:noAutofit/>
-          </a:bodyPr>
-          <a:lstStyle/>
-          <a:p>
-            <a:pPr algn="ctr"/>
-            <a:r>
-              <a:rPr lang="en-US" altLang="zh-TW" sz="1200" spc="-1" dirty="0" smtClean="0">
-                <a:solidFill>
-                  <a:schemeClr val="dk1"/>
-                </a:solidFill>
-              </a:rPr>
-              <a:t>remote</a:t>
-            </a:r>
-            <a:endParaRPr lang="en-US" altLang="zh-TW" sz="1200" spc="-1" dirty="0">
-              <a:solidFill>
-                <a:srgbClr val="000000"/>
-              </a:solidFill>
-            </a:endParaRPr>
-          </a:p>
-        </p:txBody>
-      </p:sp>
-      <p:sp>
-        <p:nvSpPr>
-          <p:cNvPr id="41" name="向右箭號 3"/>
-          <p:cNvSpPr/>
-          <p:nvPr/>
-        </p:nvSpPr>
-        <p:spPr>
-          <a:xfrm>
-            <a:off x="7004712" y="3785757"/>
-            <a:ext cx="844141" cy="287634"/>
-          </a:xfrm>
-          <a:prstGeom prst="rightArrow">
-            <a:avLst>
-              <a:gd name="adj1" fmla="val 50000"/>
-              <a:gd name="adj2" fmla="val 50000"/>
-            </a:avLst>
-          </a:prstGeom>
-          <a:solidFill>
-            <a:srgbClr val="FF0000"/>
-          </a:solidFill>
-          <a:ln>
-            <a:noFill/>
-          </a:ln>
-        </p:spPr>
-        <p:style>
-          <a:lnRef idx="2">
-            <a:schemeClr val="accent1">
-              <a:shade val="50000"/>
-            </a:schemeClr>
-          </a:lnRef>
-          <a:fillRef idx="1">
-            <a:schemeClr val="accent1"/>
-          </a:fillRef>
-          <a:effectRef idx="0">
-            <a:schemeClr val="accent1"/>
-          </a:effectRef>
-          <a:fontRef idx="minor"/>
-        </p:style>
-        <p:txBody>
-          <a:bodyPr lIns="90000" tIns="45000" rIns="90000" bIns="45000" anchor="ctr">
-            <a:noAutofit/>
-          </a:bodyPr>
-          <a:lstStyle/>
-          <a:p>
-            <a:endParaRPr lang="en-US" sz="1200" b="0" strike="noStrike" spc="-1">
-              <a:solidFill>
-                <a:schemeClr val="lt1"/>
-              </a:solidFill>
-              <a:latin typeface="Arial"/>
-            </a:endParaRPr>
-          </a:p>
-        </p:txBody>
-      </p:sp>
-      <p:cxnSp>
-        <p:nvCxnSpPr>
-          <p:cNvPr id="52" name="肘形接點 51"/>
-          <p:cNvCxnSpPr>
-            <a:stCxn id="53" idx="2"/>
-            <a:endCxn id="24" idx="0"/>
-          </p:cNvCxnSpPr>
-          <p:nvPr/>
-        </p:nvCxnSpPr>
-        <p:spPr>
-          <a:xfrm rot="5400000">
-            <a:off x="4736543" y="-1567913"/>
-            <a:ext cx="836728" cy="8882535"/>
-          </a:xfrm>
-          <a:prstGeom prst="bentConnector3">
-            <a:avLst>
-              <a:gd name="adj1" fmla="val 50000"/>
-            </a:avLst>
-          </a:prstGeom>
-          <a:ln>
-            <a:solidFill>
-              <a:schemeClr val="tx1"/>
-            </a:solidFill>
-            <a:tailEnd type="triangle"/>
-          </a:ln>
-        </p:spPr>
-        <p:style>
-          <a:lnRef idx="1">
-            <a:schemeClr val="accent1"/>
-          </a:lnRef>
-          <a:fillRef idx="0">
-            <a:schemeClr val="accent1"/>
-          </a:fillRef>
-          <a:effectRef idx="0">
-            <a:schemeClr val="accent1"/>
-          </a:effectRef>
-          <a:fontRef idx="minor">
-            <a:schemeClr val="tx1"/>
-          </a:fontRef>
-        </p:style>
-      </p:cxnSp>
-      <p:sp>
-        <p:nvSpPr>
-          <p:cNvPr id="65" name="向右箭號 3"/>
-          <p:cNvSpPr/>
-          <p:nvPr/>
-        </p:nvSpPr>
-        <p:spPr>
-          <a:xfrm>
-            <a:off x="8943824" y="2198865"/>
-            <a:ext cx="256301" cy="257670"/>
-          </a:xfrm>
-          <a:prstGeom prst="rightArrow">
-            <a:avLst>
-              <a:gd name="adj1" fmla="val 50000"/>
-              <a:gd name="adj2" fmla="val 50000"/>
-            </a:avLst>
-          </a:prstGeom>
-          <a:solidFill>
-            <a:srgbClr val="FF0000"/>
-          </a:solidFill>
-          <a:ln>
-            <a:noFill/>
-          </a:ln>
-        </p:spPr>
-        <p:style>
-          <a:lnRef idx="2">
-            <a:schemeClr val="accent1">
-              <a:shade val="50000"/>
-            </a:schemeClr>
-          </a:lnRef>
-          <a:fillRef idx="1">
-            <a:schemeClr val="accent1"/>
-          </a:fillRef>
-          <a:effectRef idx="0">
-            <a:schemeClr val="accent1"/>
-          </a:effectRef>
-          <a:fontRef idx="minor"/>
-        </p:style>
-        <p:txBody>
-          <a:bodyPr lIns="90000" tIns="45000" rIns="90000" bIns="45000" anchor="ctr">
-            <a:noAutofit/>
-          </a:bodyPr>
-          <a:lstStyle/>
-          <a:p>
-            <a:endParaRPr lang="en-US" sz="1200" b="0" strike="noStrike" spc="-1">
-              <a:solidFill>
-                <a:schemeClr val="lt1"/>
-              </a:solidFill>
-              <a:latin typeface="Arial"/>
-            </a:endParaRPr>
-          </a:p>
-        </p:txBody>
-      </p:sp>
-      <p:sp>
-        <p:nvSpPr>
-          <p:cNvPr id="47" name="向右箭號 3"/>
-          <p:cNvSpPr/>
-          <p:nvPr/>
-        </p:nvSpPr>
-        <p:spPr>
-          <a:xfrm>
-            <a:off x="8952825" y="3820252"/>
-            <a:ext cx="256301" cy="257670"/>
-          </a:xfrm>
-          <a:prstGeom prst="rightArrow">
-            <a:avLst>
-              <a:gd name="adj1" fmla="val 50000"/>
-              <a:gd name="adj2" fmla="val 50000"/>
-            </a:avLst>
-          </a:prstGeom>
-          <a:solidFill>
-            <a:srgbClr val="FF0000"/>
-          </a:solidFill>
-          <a:ln>
-            <a:noFill/>
-          </a:ln>
-        </p:spPr>
-        <p:style>
-          <a:lnRef idx="2">
-            <a:schemeClr val="accent1">
-              <a:shade val="50000"/>
-            </a:schemeClr>
-          </a:lnRef>
-          <a:fillRef idx="1">
-            <a:schemeClr val="accent1"/>
-          </a:fillRef>
-          <a:effectRef idx="0">
-            <a:schemeClr val="accent1"/>
-          </a:effectRef>
-          <a:fontRef idx="minor"/>
-        </p:style>
-        <p:txBody>
-          <a:bodyPr lIns="90000" tIns="45000" rIns="90000" bIns="45000" anchor="ctr">
-            <a:noAutofit/>
-          </a:bodyPr>
-          <a:lstStyle/>
-          <a:p>
-            <a:endParaRPr lang="en-US" sz="1200" b="0" strike="noStrike" spc="-1">
-              <a:solidFill>
-                <a:schemeClr val="lt1"/>
-              </a:solidFill>
-              <a:latin typeface="Arial"/>
-            </a:endParaRPr>
-          </a:p>
-        </p:txBody>
-      </p:sp>
-      <p:sp>
-        <p:nvSpPr>
-          <p:cNvPr id="49" name="圓角矩形 1"/>
-          <p:cNvSpPr/>
-          <p:nvPr/>
-        </p:nvSpPr>
-        <p:spPr>
-          <a:xfrm>
-            <a:off x="4496499" y="2686379"/>
-            <a:ext cx="869828" cy="410377"/>
-          </a:xfrm>
-          <a:prstGeom prst="roundRect">
-            <a:avLst>
-              <a:gd name="adj" fmla="val 16667"/>
-            </a:avLst>
-          </a:prstGeom>
-          <a:solidFill>
-            <a:schemeClr val="accent2">
-              <a:lumMod val="60000"/>
-              <a:lumOff val="40000"/>
-            </a:schemeClr>
-          </a:solidFill>
-          <a:ln/>
-        </p:spPr>
-        <p:style>
-          <a:lnRef idx="2">
-            <a:schemeClr val="accent4">
-              <a:shade val="50000"/>
-            </a:schemeClr>
-          </a:lnRef>
-          <a:fillRef idx="1">
-            <a:schemeClr val="accent4"/>
-          </a:fillRef>
-          <a:effectRef idx="0">
-            <a:schemeClr val="accent4"/>
-          </a:effectRef>
-          <a:fontRef idx="minor">
-            <a:schemeClr val="lt1"/>
-          </a:fontRef>
-        </p:style>
-        <p:txBody>
-          <a:bodyPr lIns="90000" tIns="45000" rIns="90000" bIns="45000" anchor="ctr">
-            <a:noAutofit/>
-          </a:bodyPr>
-          <a:lstStyle/>
-          <a:p>
-            <a:pPr algn="ctr" defTabSz="914400">
-              <a:lnSpc>
-                <a:spcPct val="100000"/>
-              </a:lnSpc>
-            </a:pPr>
-            <a:r>
-              <a:rPr lang="zh-TW" altLang="en-US" sz="1400" b="1" strike="noStrike" spc="-1" dirty="0" smtClean="0">
-                <a:solidFill>
-                  <a:schemeClr val="dk1"/>
-                </a:solidFill>
-                <a:latin typeface="Arial"/>
-              </a:rPr>
-              <a:t>退回</a:t>
-            </a:r>
-            <a:endParaRPr lang="en-US" sz="1400" b="1" strike="noStrike" spc="-1" dirty="0">
-              <a:solidFill>
-                <a:srgbClr val="000000"/>
-              </a:solidFill>
-              <a:latin typeface="Arial"/>
-            </a:endParaRPr>
-          </a:p>
-        </p:txBody>
-      </p:sp>
-      <p:sp>
-        <p:nvSpPr>
-          <p:cNvPr id="50" name="圓角矩形 1"/>
-          <p:cNvSpPr/>
-          <p:nvPr/>
-        </p:nvSpPr>
-        <p:spPr>
-          <a:xfrm>
-            <a:off x="9301253" y="3666374"/>
-            <a:ext cx="632865" cy="414104"/>
-          </a:xfrm>
-          <a:prstGeom prst="roundRect">
-            <a:avLst>
-              <a:gd name="adj" fmla="val 16667"/>
-            </a:avLst>
-          </a:prstGeom>
-          <a:solidFill>
-            <a:schemeClr val="accent4">
-              <a:lumMod val="60000"/>
-              <a:lumOff val="40000"/>
-            </a:schemeClr>
-          </a:solidFill>
-          <a:ln/>
-        </p:spPr>
-        <p:style>
-          <a:lnRef idx="3">
-            <a:schemeClr val="lt1"/>
-          </a:lnRef>
-          <a:fillRef idx="1">
-            <a:schemeClr val="accent1"/>
-          </a:fillRef>
-          <a:effectRef idx="1">
-            <a:schemeClr val="accent1"/>
-          </a:effectRef>
-          <a:fontRef idx="minor">
-            <a:schemeClr val="lt1"/>
-          </a:fontRef>
-        </p:style>
-        <p:txBody>
-          <a:bodyPr lIns="90000" tIns="45000" rIns="90000" bIns="45000" anchor="ctr">
-            <a:noAutofit/>
-          </a:bodyPr>
-          <a:lstStyle/>
-          <a:p>
-            <a:pPr algn="ctr" defTabSz="914400">
-              <a:lnSpc>
-                <a:spcPct val="100000"/>
-              </a:lnSpc>
-            </a:pPr>
-            <a:r>
-              <a:rPr lang="en-US" altLang="zh-TW" sz="1400" b="0" strike="noStrike" spc="-1" dirty="0" smtClean="0">
-                <a:solidFill>
-                  <a:schemeClr val="dk1"/>
-                </a:solidFill>
-                <a:latin typeface="Arial"/>
-              </a:rPr>
-              <a:t>UAT</a:t>
-            </a:r>
-            <a:endParaRPr lang="en-US" sz="1400" b="0" strike="noStrike" spc="-1" dirty="0">
-              <a:solidFill>
-                <a:srgbClr val="000000"/>
-              </a:solidFill>
-              <a:latin typeface="Arial"/>
-            </a:endParaRPr>
-          </a:p>
-        </p:txBody>
-      </p:sp>
-      <p:sp>
-        <p:nvSpPr>
-          <p:cNvPr id="51" name="圓角矩形 1"/>
-          <p:cNvSpPr/>
-          <p:nvPr/>
-        </p:nvSpPr>
-        <p:spPr>
-          <a:xfrm>
-            <a:off x="9301253" y="3294286"/>
-            <a:ext cx="632865" cy="383559"/>
-          </a:xfrm>
-          <a:prstGeom prst="roundRect">
-            <a:avLst>
-              <a:gd name="adj" fmla="val 16667"/>
-            </a:avLst>
-          </a:prstGeom>
-          <a:ln/>
-        </p:spPr>
-        <p:style>
-          <a:lnRef idx="3">
-            <a:schemeClr val="lt1"/>
-          </a:lnRef>
-          <a:fillRef idx="1">
-            <a:schemeClr val="accent5"/>
-          </a:fillRef>
-          <a:effectRef idx="1">
-            <a:schemeClr val="accent5"/>
-          </a:effectRef>
-          <a:fontRef idx="minor">
-            <a:schemeClr val="lt1"/>
-          </a:fontRef>
-        </p:style>
-        <p:txBody>
-          <a:bodyPr lIns="90000" tIns="45000" rIns="90000" bIns="45000" anchor="ctr">
-            <a:noAutofit/>
-          </a:bodyPr>
-          <a:lstStyle/>
-          <a:p>
-            <a:pPr algn="ctr" defTabSz="914400">
-              <a:lnSpc>
-                <a:spcPct val="100000"/>
-              </a:lnSpc>
-            </a:pPr>
-            <a:r>
-              <a:rPr lang="en-US" altLang="zh-TW" sz="1400" spc="-1" dirty="0">
-                <a:solidFill>
-                  <a:schemeClr val="accent2">
-                    <a:lumMod val="75000"/>
-                  </a:schemeClr>
-                </a:solidFill>
-                <a:latin typeface="Arial"/>
-              </a:rPr>
-              <a:t>B</a:t>
-            </a:r>
-            <a:endParaRPr lang="en-US" sz="1400" b="0" strike="noStrike" spc="-1" dirty="0">
-              <a:solidFill>
-                <a:schemeClr val="accent2">
-                  <a:lumMod val="75000"/>
-                </a:schemeClr>
-              </a:solidFill>
-              <a:latin typeface="Arial"/>
-            </a:endParaRPr>
-          </a:p>
-        </p:txBody>
-      </p:sp>
-      <p:sp>
-        <p:nvSpPr>
-          <p:cNvPr id="53" name="圓角矩形 1"/>
-          <p:cNvSpPr/>
-          <p:nvPr/>
-        </p:nvSpPr>
-        <p:spPr>
-          <a:xfrm>
-            <a:off x="9279741" y="2040886"/>
-            <a:ext cx="632865" cy="414104"/>
-          </a:xfrm>
-          <a:prstGeom prst="roundRect">
-            <a:avLst>
-              <a:gd name="adj" fmla="val 16667"/>
-            </a:avLst>
-          </a:prstGeom>
-          <a:solidFill>
-            <a:schemeClr val="accent4">
-              <a:lumMod val="60000"/>
-              <a:lumOff val="40000"/>
-            </a:schemeClr>
-          </a:solidFill>
-          <a:ln/>
-        </p:spPr>
-        <p:style>
-          <a:lnRef idx="3">
-            <a:schemeClr val="lt1"/>
-          </a:lnRef>
-          <a:fillRef idx="1">
-            <a:schemeClr val="accent1"/>
-          </a:fillRef>
-          <a:effectRef idx="1">
-            <a:schemeClr val="accent1"/>
-          </a:effectRef>
-          <a:fontRef idx="minor">
-            <a:schemeClr val="lt1"/>
-          </a:fontRef>
-        </p:style>
-        <p:txBody>
-          <a:bodyPr lIns="90000" tIns="45000" rIns="90000" bIns="45000" anchor="ctr">
-            <a:noAutofit/>
-          </a:bodyPr>
-          <a:lstStyle/>
-          <a:p>
-            <a:pPr algn="ctr" defTabSz="914400">
-              <a:lnSpc>
-                <a:spcPct val="100000"/>
-              </a:lnSpc>
-            </a:pPr>
-            <a:r>
-              <a:rPr lang="en-US" altLang="zh-TW" sz="1400" b="0" strike="noStrike" spc="-1" dirty="0" smtClean="0">
-                <a:solidFill>
-                  <a:schemeClr val="dk1"/>
-                </a:solidFill>
-                <a:latin typeface="Arial"/>
-              </a:rPr>
-              <a:t>UAT</a:t>
-            </a:r>
-            <a:endParaRPr lang="en-US" sz="1400" b="0" strike="noStrike" spc="-1" dirty="0">
-              <a:solidFill>
-                <a:srgbClr val="000000"/>
-              </a:solidFill>
-              <a:latin typeface="Arial"/>
-            </a:endParaRPr>
-          </a:p>
-        </p:txBody>
-      </p:sp>
-      <p:sp>
-        <p:nvSpPr>
-          <p:cNvPr id="54" name="圓角矩形 1"/>
-          <p:cNvSpPr/>
-          <p:nvPr/>
-        </p:nvSpPr>
-        <p:spPr>
-          <a:xfrm>
-            <a:off x="9279741" y="1668798"/>
-            <a:ext cx="632865" cy="383559"/>
-          </a:xfrm>
-          <a:prstGeom prst="roundRect">
-            <a:avLst>
-              <a:gd name="adj" fmla="val 16667"/>
-            </a:avLst>
-          </a:prstGeom>
-          <a:ln/>
-        </p:spPr>
-        <p:style>
-          <a:lnRef idx="3">
-            <a:schemeClr val="lt1"/>
-          </a:lnRef>
-          <a:fillRef idx="1">
-            <a:schemeClr val="accent5"/>
-          </a:fillRef>
-          <a:effectRef idx="1">
-            <a:schemeClr val="accent5"/>
-          </a:effectRef>
-          <a:fontRef idx="minor">
-            <a:schemeClr val="lt1"/>
-          </a:fontRef>
-        </p:style>
-        <p:txBody>
-          <a:bodyPr lIns="90000" tIns="45000" rIns="90000" bIns="45000" anchor="ctr">
-            <a:noAutofit/>
-          </a:bodyPr>
-          <a:lstStyle/>
-          <a:p>
-            <a:pPr algn="ctr" defTabSz="914400">
-              <a:lnSpc>
-                <a:spcPct val="100000"/>
-              </a:lnSpc>
-            </a:pPr>
-            <a:r>
-              <a:rPr lang="en-US" altLang="zh-TW" sz="1400" b="0" strike="noStrike" spc="-1" dirty="0" smtClean="0">
-                <a:solidFill>
-                  <a:schemeClr val="dk1"/>
-                </a:solidFill>
-                <a:latin typeface="Arial"/>
-              </a:rPr>
-              <a:t>A</a:t>
-            </a:r>
-            <a:endParaRPr lang="en-US" sz="1400" b="0" strike="noStrike" spc="-1" dirty="0">
-              <a:solidFill>
-                <a:srgbClr val="000000"/>
               </a:solidFill>
               <a:latin typeface="Arial"/>
             </a:endParaRPr>
@@ -32285,7 +32258,7 @@
     <mc:Choice Requires="p14">
       <p:transition spd="slow" p14:dur="2000"/>
     </mc:Choice>
-    <mc:Fallback xmlns="" xmlns:p15="http://schemas.microsoft.com/office/powerpoint/2012/main">
+    <mc:Fallback xmlns:p15="http://schemas.microsoft.com/office/powerpoint/2012/main" xmlns="">
       <p:transition spd="slow"/>
     </mc:Fallback>
   </mc:AlternateContent>
@@ -32413,7 +32386,7 @@
         </p:nvSpPr>
         <p:spPr>
           <a:xfrm>
-            <a:off x="432457" y="4377575"/>
+            <a:off x="432457" y="4285215"/>
             <a:ext cx="9358325" cy="2041698"/>
           </a:xfrm>
           <a:prstGeom prst="rect">
@@ -32456,7 +32429,37 @@
                 <a:tab pos="0" algn="l"/>
               </a:tabLst>
             </a:pPr>
-            <a:endParaRPr lang="en-US" altLang="zh-TW" sz="2400" spc="-1" dirty="0">
+            <a:r>
+              <a:rPr lang="zh-TW" altLang="en-US" sz="2400" b="1" spc="-1" dirty="0" smtClean="0">
+                <a:solidFill>
+                  <a:srgbClr val="002060"/>
+                </a:solidFill>
+                <a:latin typeface="標楷體" panose="03000509000000000000" pitchFamily="65" charset="-120"/>
+                <a:ea typeface="標楷體" panose="03000509000000000000" pitchFamily="65" charset="-120"/>
+              </a:rPr>
+              <a:t>情境</a:t>
+            </a:r>
+            <a:r>
+              <a:rPr lang="zh-TW" altLang="en-US" sz="2400" b="1" spc="-1" dirty="0">
+                <a:solidFill>
+                  <a:srgbClr val="002060"/>
+                </a:solidFill>
+                <a:latin typeface="標楷體" panose="03000509000000000000" pitchFamily="65" charset="-120"/>
+                <a:ea typeface="標楷體" panose="03000509000000000000" pitchFamily="65" charset="-120"/>
+              </a:rPr>
+              <a:t>細節</a:t>
+            </a:r>
+            <a:r>
+              <a:rPr lang="en-US" altLang="zh-TW" sz="2400" b="1" spc="-1" dirty="0" smtClean="0">
+                <a:solidFill>
+                  <a:srgbClr val="002060"/>
+                </a:solidFill>
+                <a:latin typeface="標楷體" panose="03000509000000000000" pitchFamily="65" charset="-120"/>
+                <a:ea typeface="標楷體" panose="03000509000000000000" pitchFamily="65" charset="-120"/>
+              </a:rPr>
+              <a:t>:</a:t>
+            </a:r>
+            <a:endParaRPr lang="en-US" altLang="zh-TW" sz="2400" b="1" spc="-1" dirty="0">
               <a:solidFill>
                 <a:srgbClr val="002060"/>
               </a:solidFill>
@@ -32474,32 +32477,155 @@
               </a:tabLst>
             </a:pPr>
             <a:r>
-              <a:rPr lang="zh-TW" altLang="en-US" sz="2400" b="1" spc="-1" dirty="0">
-                <a:solidFill>
-                  <a:srgbClr val="002060"/>
-                </a:solidFill>
-                <a:latin typeface="標楷體" panose="03000509000000000000" pitchFamily="65" charset="-120"/>
-                <a:ea typeface="標楷體" panose="03000509000000000000" pitchFamily="65" charset="-120"/>
-              </a:rPr>
-              <a:t>情境細節</a:t>
-            </a:r>
-            <a:r>
-              <a:rPr lang="en-US" altLang="zh-TW" sz="2400" b="1" spc="-1" dirty="0" smtClean="0">
-                <a:solidFill>
-                  <a:srgbClr val="002060"/>
-                </a:solidFill>
-                <a:latin typeface="標楷體" panose="03000509000000000000" pitchFamily="65" charset="-120"/>
-                <a:ea typeface="標楷體" panose="03000509000000000000" pitchFamily="65" charset="-120"/>
-              </a:rPr>
-              <a:t>:</a:t>
-            </a:r>
-            <a:endParaRPr lang="en-US" altLang="zh-TW" sz="2400" b="1" spc="-1" dirty="0">
-              <a:solidFill>
-                <a:srgbClr val="002060"/>
-              </a:solidFill>
-              <a:latin typeface="標楷體" panose="03000509000000000000" pitchFamily="65" charset="-120"/>
-              <a:ea typeface="標楷體" panose="03000509000000000000" pitchFamily="65" charset="-120"/>
-            </a:endParaRPr>
+              <a:rPr lang="zh-TW" altLang="en-US" sz="2400" spc="-1" dirty="0">
+                <a:solidFill>
+                  <a:srgbClr val="FF0000"/>
+                </a:solidFill>
+                <a:latin typeface="標楷體" panose="03000509000000000000" pitchFamily="65" charset="-120"/>
+                <a:ea typeface="標楷體" panose="03000509000000000000" pitchFamily="65" charset="-120"/>
+              </a:rPr>
+              <a:t>＊</a:t>
+            </a:r>
+            <a:r>
+              <a:rPr lang="zh-TW" altLang="en-US" sz="2400" spc="-1" dirty="0" smtClean="0">
+                <a:solidFill>
+                  <a:srgbClr val="002060"/>
+                </a:solidFill>
+                <a:latin typeface="標楷體" panose="03000509000000000000" pitchFamily="65" charset="-120"/>
+                <a:ea typeface="標楷體" panose="03000509000000000000" pitchFamily="65" charset="-120"/>
+              </a:rPr>
+              <a:t>若 </a:t>
+            </a:r>
+            <a:r>
+              <a:rPr lang="en-US" altLang="zh-TW" sz="2400" spc="-1" dirty="0" smtClean="0">
+                <a:solidFill>
+                  <a:srgbClr val="002060"/>
+                </a:solidFill>
+                <a:latin typeface="標楷體" panose="03000509000000000000" pitchFamily="65" charset="-120"/>
+                <a:ea typeface="標楷體" panose="03000509000000000000" pitchFamily="65" charset="-120"/>
+              </a:rPr>
+              <a:t>UAT </a:t>
+            </a:r>
+            <a:r>
+              <a:rPr lang="zh-TW" altLang="en-US" sz="2400" spc="-1" dirty="0" smtClean="0">
+                <a:solidFill>
+                  <a:srgbClr val="002060"/>
+                </a:solidFill>
+                <a:latin typeface="標楷體" panose="03000509000000000000" pitchFamily="65" charset="-120"/>
+                <a:ea typeface="標楷體" panose="03000509000000000000" pitchFamily="65" charset="-120"/>
+              </a:rPr>
+              <a:t>有其他測試則 </a:t>
+            </a:r>
+            <a:r>
+              <a:rPr lang="en-US" altLang="zh-TW" sz="2400" spc="-1" dirty="0" smtClean="0">
+                <a:solidFill>
+                  <a:srgbClr val="002060"/>
+                </a:solidFill>
+                <a:latin typeface="標楷體" panose="03000509000000000000" pitchFamily="65" charset="-120"/>
+                <a:ea typeface="標楷體" panose="03000509000000000000" pitchFamily="65" charset="-120"/>
+              </a:rPr>
+              <a:t>Pull</a:t>
+            </a:r>
+            <a:r>
+              <a:rPr lang="zh-TW" altLang="en-US" sz="2400" spc="-1" dirty="0" smtClean="0">
+                <a:solidFill>
+                  <a:srgbClr val="002060"/>
+                </a:solidFill>
+                <a:latin typeface="標楷體" panose="03000509000000000000" pitchFamily="65" charset="-120"/>
+                <a:ea typeface="標楷體" panose="03000509000000000000" pitchFamily="65" charset="-120"/>
+              </a:rPr>
+              <a:t> </a:t>
+            </a:r>
+            <a:r>
+              <a:rPr lang="en-US" altLang="zh-TW" sz="2400" spc="-1" dirty="0" smtClean="0">
+                <a:solidFill>
+                  <a:srgbClr val="002060"/>
+                </a:solidFill>
+                <a:latin typeface="標楷體" panose="03000509000000000000" pitchFamily="65" charset="-120"/>
+                <a:ea typeface="標楷體" panose="03000509000000000000" pitchFamily="65" charset="-120"/>
+              </a:rPr>
+              <a:t>Prod</a:t>
+            </a:r>
+            <a:r>
+              <a:rPr lang="zh-TW" altLang="en-US" sz="2400" spc="-1" dirty="0" smtClean="0">
+                <a:solidFill>
+                  <a:srgbClr val="002060"/>
+                </a:solidFill>
+                <a:latin typeface="標楷體" panose="03000509000000000000" pitchFamily="65" charset="-120"/>
+                <a:ea typeface="標楷體" panose="03000509000000000000" pitchFamily="65" charset="-120"/>
+              </a:rPr>
+              <a:t> </a:t>
+            </a:r>
+            <a:r>
+              <a:rPr lang="en-US" altLang="zh-TW" sz="2400" spc="-1" dirty="0" smtClean="0">
+                <a:solidFill>
+                  <a:srgbClr val="002060"/>
+                </a:solidFill>
+                <a:latin typeface="標楷體" panose="03000509000000000000" pitchFamily="65" charset="-120"/>
+                <a:ea typeface="標楷體" panose="03000509000000000000" pitchFamily="65" charset="-120"/>
+              </a:rPr>
+              <a:t>Tag</a:t>
+            </a:r>
+            <a:r>
+              <a:rPr lang="zh-TW" altLang="en-US" sz="2400" spc="-1" dirty="0" smtClean="0">
+                <a:solidFill>
+                  <a:srgbClr val="002060"/>
+                </a:solidFill>
+                <a:latin typeface="標楷體" panose="03000509000000000000" pitchFamily="65" charset="-120"/>
+                <a:ea typeface="標楷體" panose="03000509000000000000" pitchFamily="65" charset="-120"/>
+              </a:rPr>
+              <a:t> 若無則 </a:t>
+            </a:r>
+            <a:r>
+              <a:rPr lang="en-US" altLang="zh-TW" sz="2400" spc="-1" dirty="0" smtClean="0">
+                <a:solidFill>
+                  <a:srgbClr val="002060"/>
+                </a:solidFill>
+                <a:latin typeface="標楷體" panose="03000509000000000000" pitchFamily="65" charset="-120"/>
+                <a:ea typeface="標楷體" panose="03000509000000000000" pitchFamily="65" charset="-120"/>
+              </a:rPr>
+              <a:t>Pull</a:t>
+            </a:r>
+            <a:r>
+              <a:rPr lang="zh-TW" altLang="en-US" sz="2400" spc="-1" dirty="0" smtClean="0">
+                <a:solidFill>
+                  <a:srgbClr val="002060"/>
+                </a:solidFill>
+                <a:latin typeface="標楷體" panose="03000509000000000000" pitchFamily="65" charset="-120"/>
+                <a:ea typeface="標楷體" panose="03000509000000000000" pitchFamily="65" charset="-120"/>
+              </a:rPr>
+              <a:t> </a:t>
+            </a:r>
+            <a:r>
+              <a:rPr lang="en-US" altLang="zh-TW" sz="2400" spc="-1" dirty="0" smtClean="0">
+                <a:solidFill>
+                  <a:srgbClr val="002060"/>
+                </a:solidFill>
+                <a:latin typeface="標楷體" panose="03000509000000000000" pitchFamily="65" charset="-120"/>
+                <a:ea typeface="標楷體" panose="03000509000000000000" pitchFamily="65" charset="-120"/>
+              </a:rPr>
+              <a:t>main</a:t>
+            </a:r>
+            <a:r>
+              <a:rPr lang="zh-TW" altLang="en-US" sz="2400" spc="-1" dirty="0" smtClean="0">
+                <a:solidFill>
+                  <a:srgbClr val="002060"/>
+                </a:solidFill>
+                <a:latin typeface="標楷體" panose="03000509000000000000" pitchFamily="65" charset="-120"/>
+                <a:ea typeface="標楷體" panose="03000509000000000000" pitchFamily="65" charset="-120"/>
+              </a:rPr>
+              <a:t> </a:t>
+            </a:r>
+            <a:r>
+              <a:rPr lang="en-US" altLang="zh-TW" sz="2400" spc="-1" dirty="0" smtClean="0">
+                <a:solidFill>
+                  <a:srgbClr val="002060"/>
+                </a:solidFill>
+                <a:latin typeface="標楷體" panose="03000509000000000000" pitchFamily="65" charset="-120"/>
+                <a:ea typeface="標楷體" panose="03000509000000000000" pitchFamily="65" charset="-120"/>
+              </a:rPr>
+              <a:t>branch</a:t>
+            </a:r>
           </a:p>
           <a:p>
             <a:pPr>
@@ -32511,6 +32637,16 @@
               </a:tabLst>
             </a:pPr>
             <a:r>
+              <a:rPr lang="en-US" altLang="zh-TW" sz="2400" spc="-1" dirty="0" smtClean="0">
+                <a:solidFill>
+                  <a:srgbClr val="002060"/>
+                </a:solidFill>
+                <a:latin typeface="標楷體" panose="03000509000000000000" pitchFamily="65" charset="-120"/>
+                <a:ea typeface="標楷體" panose="03000509000000000000" pitchFamily="65" charset="-120"/>
+              </a:rPr>
+              <a:t>&gt; </a:t>
+            </a:r>
+            <a:r>
               <a:rPr lang="zh-TW" altLang="en-US" sz="2400" spc="-1" dirty="0" smtClean="0">
                 <a:solidFill>
                   <a:srgbClr val="002060"/>
@@ -32518,7 +32654,27 @@
                 <a:latin typeface="標楷體" panose="03000509000000000000" pitchFamily="65" charset="-120"/>
                 <a:ea typeface="標楷體" panose="03000509000000000000" pitchFamily="65" charset="-120"/>
               </a:rPr>
-              <a:t>若 </a:t>
+              <a:t>補</a:t>
+            </a:r>
+            <a:r>
+              <a:rPr lang="zh-TW" altLang="en-US" sz="2400" spc="-1" dirty="0">
+                <a:solidFill>
+                  <a:srgbClr val="002060"/>
+                </a:solidFill>
+                <a:latin typeface="標楷體" panose="03000509000000000000" pitchFamily="65" charset="-120"/>
+                <a:ea typeface="標楷體" panose="03000509000000000000" pitchFamily="65" charset="-120"/>
+              </a:rPr>
+              <a:t>上</a:t>
+            </a:r>
+            <a:r>
+              <a:rPr lang="zh-TW" altLang="en-US" sz="2400" spc="-1" dirty="0" smtClean="0">
+                <a:solidFill>
+                  <a:srgbClr val="002060"/>
+                </a:solidFill>
+                <a:latin typeface="標楷體" panose="03000509000000000000" pitchFamily="65" charset="-120"/>
+                <a:ea typeface="標楷體" panose="03000509000000000000" pitchFamily="65" charset="-120"/>
+              </a:rPr>
+              <a:t> </a:t>
             </a:r>
             <a:r>
               <a:rPr lang="en-US" altLang="zh-TW" sz="2400" spc="-1" dirty="0" smtClean="0">
@@ -32528,30 +32684,70 @@
                 <a:latin typeface="標楷體" panose="03000509000000000000" pitchFamily="65" charset="-120"/>
                 <a:ea typeface="標楷體" panose="03000509000000000000" pitchFamily="65" charset="-120"/>
               </a:rPr>
-              <a:t>UAT </a:t>
-            </a:r>
-            <a:r>
-              <a:rPr lang="zh-TW" altLang="en-US" sz="2400" spc="-1" dirty="0" smtClean="0">
-                <a:solidFill>
-                  <a:srgbClr val="002060"/>
-                </a:solidFill>
-                <a:latin typeface="標楷體" panose="03000509000000000000" pitchFamily="65" charset="-120"/>
-                <a:ea typeface="標楷體" panose="03000509000000000000" pitchFamily="65" charset="-120"/>
-              </a:rPr>
-              <a:t>有其他測試則 </a:t>
+              <a:t>C </a:t>
+            </a:r>
+            <a:r>
+              <a:rPr lang="zh-TW" altLang="en-US" sz="2400" spc="-1" dirty="0">
+                <a:solidFill>
+                  <a:srgbClr val="002060"/>
+                </a:solidFill>
+                <a:latin typeface="標楷體" panose="03000509000000000000" pitchFamily="65" charset="-120"/>
+                <a:ea typeface="標楷體" panose="03000509000000000000" pitchFamily="65" charset="-120"/>
+              </a:rPr>
+              <a:t>版本 </a:t>
+            </a:r>
+            <a:r>
+              <a:rPr lang="en-US" altLang="zh-TW" sz="2400" spc="-1" dirty="0">
+                <a:solidFill>
+                  <a:srgbClr val="002060"/>
+                </a:solidFill>
+                <a:latin typeface="標楷體" panose="03000509000000000000" pitchFamily="65" charset="-120"/>
+                <a:ea typeface="標楷體" panose="03000509000000000000" pitchFamily="65" charset="-120"/>
+              </a:rPr>
+              <a:t>&gt;</a:t>
+            </a:r>
+            <a:r>
+              <a:rPr lang="zh-TW" altLang="en-US" sz="2400" spc="-1" dirty="0">
+                <a:solidFill>
+                  <a:srgbClr val="002060"/>
+                </a:solidFill>
+                <a:latin typeface="標楷體" panose="03000509000000000000" pitchFamily="65" charset="-120"/>
+                <a:ea typeface="標楷體" panose="03000509000000000000" pitchFamily="65" charset="-120"/>
+              </a:rPr>
+              <a:t> </a:t>
+            </a:r>
+            <a:r>
+              <a:rPr lang="en-US" altLang="zh-TW" sz="2400" spc="-1" dirty="0">
+                <a:solidFill>
+                  <a:srgbClr val="002060"/>
+                </a:solidFill>
+                <a:latin typeface="標楷體" panose="03000509000000000000" pitchFamily="65" charset="-120"/>
+                <a:ea typeface="標楷體" panose="03000509000000000000" pitchFamily="65" charset="-120"/>
+              </a:rPr>
+              <a:t>Push </a:t>
+            </a:r>
+            <a:r>
+              <a:rPr lang="en-US" altLang="zh-TW" sz="2400" spc="-1" dirty="0">
+                <a:solidFill>
+                  <a:srgbClr val="FF0000"/>
+                </a:solidFill>
+                <a:latin typeface="標楷體" panose="03000509000000000000" pitchFamily="65" charset="-120"/>
+                <a:ea typeface="標楷體" panose="03000509000000000000" pitchFamily="65" charset="-120"/>
+              </a:rPr>
+              <a:t>Issue </a:t>
             </a:r>
             <a:r>
               <a:rPr lang="en-US" altLang="zh-TW" sz="2400" spc="-1" dirty="0" smtClean="0">
                 <a:solidFill>
-                  <a:srgbClr val="002060"/>
-                </a:solidFill>
-                <a:latin typeface="標楷體" panose="03000509000000000000" pitchFamily="65" charset="-120"/>
-                <a:ea typeface="標楷體" panose="03000509000000000000" pitchFamily="65" charset="-120"/>
-              </a:rPr>
-              <a:t>Pull</a:t>
-            </a:r>
-            <a:r>
-              <a:rPr lang="zh-TW" altLang="en-US" sz="2400" spc="-1" dirty="0" smtClean="0">
+                  <a:srgbClr val="FF0000"/>
+                </a:solidFill>
+                <a:latin typeface="標楷體" panose="03000509000000000000" pitchFamily="65" charset="-120"/>
+                <a:ea typeface="標楷體" panose="03000509000000000000" pitchFamily="65" charset="-120"/>
+              </a:rPr>
+              <a:t>C</a:t>
+            </a:r>
+            <a:r>
+              <a:rPr lang="en-US" altLang="zh-TW" sz="2400" spc="-1" dirty="0" smtClean="0">
                 <a:solidFill>
                   <a:srgbClr val="002060"/>
                 </a:solidFill>
@@ -32561,94 +32757,14 @@
               <a:t> </a:t>
             </a:r>
             <a:r>
-              <a:rPr lang="en-US" altLang="zh-TW" sz="2400" spc="-1" dirty="0" smtClean="0">
-                <a:solidFill>
-                  <a:srgbClr val="002060"/>
-                </a:solidFill>
-                <a:latin typeface="標楷體" panose="03000509000000000000" pitchFamily="65" charset="-120"/>
-                <a:ea typeface="標楷體" panose="03000509000000000000" pitchFamily="65" charset="-120"/>
-              </a:rPr>
-              <a:t>Prod</a:t>
-            </a:r>
-            <a:r>
-              <a:rPr lang="zh-TW" altLang="en-US" sz="2400" spc="-1" dirty="0" smtClean="0">
-                <a:solidFill>
-                  <a:srgbClr val="002060"/>
-                </a:solidFill>
-                <a:latin typeface="標楷體" panose="03000509000000000000" pitchFamily="65" charset="-120"/>
-                <a:ea typeface="標楷體" panose="03000509000000000000" pitchFamily="65" charset="-120"/>
-              </a:rPr>
-              <a:t> </a:t>
-            </a:r>
-            <a:r>
-              <a:rPr lang="en-US" altLang="zh-TW" sz="2400" spc="-1" dirty="0" smtClean="0">
-                <a:solidFill>
-                  <a:srgbClr val="002060"/>
-                </a:solidFill>
-                <a:latin typeface="標楷體" panose="03000509000000000000" pitchFamily="65" charset="-120"/>
-                <a:ea typeface="標楷體" panose="03000509000000000000" pitchFamily="65" charset="-120"/>
-              </a:rPr>
-              <a:t>Tag</a:t>
-            </a:r>
-            <a:r>
-              <a:rPr lang="zh-TW" altLang="en-US" sz="2400" spc="-1" dirty="0" smtClean="0">
-                <a:solidFill>
-                  <a:srgbClr val="002060"/>
-                </a:solidFill>
-                <a:latin typeface="標楷體" panose="03000509000000000000" pitchFamily="65" charset="-120"/>
-                <a:ea typeface="標楷體" panose="03000509000000000000" pitchFamily="65" charset="-120"/>
-              </a:rPr>
-              <a:t> 若無則 </a:t>
-            </a:r>
-            <a:r>
-              <a:rPr lang="en-US" altLang="zh-TW" sz="2400" spc="-1" dirty="0" smtClean="0">
-                <a:solidFill>
-                  <a:srgbClr val="002060"/>
-                </a:solidFill>
-                <a:latin typeface="標楷體" panose="03000509000000000000" pitchFamily="65" charset="-120"/>
-                <a:ea typeface="標楷體" panose="03000509000000000000" pitchFamily="65" charset="-120"/>
-              </a:rPr>
-              <a:t>Pull</a:t>
-            </a:r>
-            <a:r>
-              <a:rPr lang="zh-TW" altLang="en-US" sz="2400" spc="-1" dirty="0" smtClean="0">
-                <a:solidFill>
-                  <a:srgbClr val="002060"/>
-                </a:solidFill>
-                <a:latin typeface="標楷體" panose="03000509000000000000" pitchFamily="65" charset="-120"/>
-                <a:ea typeface="標楷體" panose="03000509000000000000" pitchFamily="65" charset="-120"/>
-              </a:rPr>
-              <a:t> </a:t>
-            </a:r>
-            <a:r>
-              <a:rPr lang="en-US" altLang="zh-TW" sz="2400" spc="-1" dirty="0" smtClean="0">
-                <a:solidFill>
-                  <a:srgbClr val="002060"/>
-                </a:solidFill>
-                <a:latin typeface="標楷體" panose="03000509000000000000" pitchFamily="65" charset="-120"/>
-                <a:ea typeface="標楷體" panose="03000509000000000000" pitchFamily="65" charset="-120"/>
-              </a:rPr>
-              <a:t>main</a:t>
-            </a:r>
-            <a:r>
-              <a:rPr lang="zh-TW" altLang="en-US" sz="2400" spc="-1" dirty="0" smtClean="0">
-                <a:solidFill>
-                  <a:srgbClr val="002060"/>
-                </a:solidFill>
-                <a:latin typeface="標楷體" panose="03000509000000000000" pitchFamily="65" charset="-120"/>
-                <a:ea typeface="標楷體" panose="03000509000000000000" pitchFamily="65" charset="-120"/>
-              </a:rPr>
-              <a:t> </a:t>
-            </a:r>
-            <a:r>
-              <a:rPr lang="en-US" altLang="zh-TW" sz="2400" spc="-1" dirty="0" smtClean="0">
-                <a:solidFill>
-                  <a:srgbClr val="002060"/>
-                </a:solidFill>
-                <a:latin typeface="標楷體" panose="03000509000000000000" pitchFamily="65" charset="-120"/>
-                <a:ea typeface="標楷體" panose="03000509000000000000" pitchFamily="65" charset="-120"/>
-              </a:rPr>
-              <a:t>branch</a:t>
+              <a:rPr lang="en-US" altLang="zh-TW" sz="2400" spc="-1" dirty="0">
+                <a:solidFill>
+                  <a:srgbClr val="002060"/>
+                </a:solidFill>
+                <a:latin typeface="標楷體" panose="03000509000000000000" pitchFamily="65" charset="-120"/>
+                <a:ea typeface="標楷體" panose="03000509000000000000" pitchFamily="65" charset="-120"/>
+              </a:rPr>
+              <a:t>branch </a:t>
             </a:r>
           </a:p>
           <a:p>
@@ -32661,24 +32777,54 @@
               </a:tabLst>
             </a:pPr>
             <a:r>
+              <a:rPr lang="en-US" altLang="zh-TW" sz="2400" spc="-1" dirty="0">
+                <a:solidFill>
+                  <a:srgbClr val="002060"/>
+                </a:solidFill>
+                <a:latin typeface="標楷體" panose="03000509000000000000" pitchFamily="65" charset="-120"/>
+                <a:ea typeface="標楷體" panose="03000509000000000000" pitchFamily="65" charset="-120"/>
+              </a:rPr>
+              <a:t>&gt; Merge </a:t>
+            </a:r>
+            <a:r>
+              <a:rPr lang="en-US" altLang="zh-TW" sz="2400" spc="-1" dirty="0">
+                <a:solidFill>
+                  <a:srgbClr val="FF0000"/>
+                </a:solidFill>
+                <a:latin typeface="標楷體" panose="03000509000000000000" pitchFamily="65" charset="-120"/>
+                <a:ea typeface="標楷體" panose="03000509000000000000" pitchFamily="65" charset="-120"/>
+              </a:rPr>
+              <a:t>Issue </a:t>
+            </a:r>
+            <a:r>
               <a:rPr lang="en-US" altLang="zh-TW" sz="2400" spc="-1" dirty="0" smtClean="0">
                 <a:solidFill>
-                  <a:srgbClr val="002060"/>
-                </a:solidFill>
-                <a:latin typeface="標楷體" panose="03000509000000000000" pitchFamily="65" charset="-120"/>
-                <a:ea typeface="標楷體" panose="03000509000000000000" pitchFamily="65" charset="-120"/>
-              </a:rPr>
-              <a:t>&gt; </a:t>
-            </a:r>
-            <a:r>
-              <a:rPr lang="zh-TW" altLang="en-US" sz="2400" spc="-1" dirty="0" smtClean="0">
-                <a:solidFill>
-                  <a:srgbClr val="002060"/>
-                </a:solidFill>
-                <a:latin typeface="標楷體" panose="03000509000000000000" pitchFamily="65" charset="-120"/>
-                <a:ea typeface="標楷體" panose="03000509000000000000" pitchFamily="65" charset="-120"/>
-              </a:rPr>
-              <a:t>補</a:t>
+                  <a:srgbClr val="FF0000"/>
+                </a:solidFill>
+                <a:latin typeface="標楷體" panose="03000509000000000000" pitchFamily="65" charset="-120"/>
+                <a:ea typeface="標楷體" panose="03000509000000000000" pitchFamily="65" charset="-120"/>
+              </a:rPr>
+              <a:t>C</a:t>
+            </a:r>
+            <a:r>
+              <a:rPr lang="en-US" altLang="zh-TW" sz="2400" spc="-1" dirty="0" smtClean="0">
+                <a:solidFill>
+                  <a:srgbClr val="002060"/>
+                </a:solidFill>
+                <a:latin typeface="標楷體" panose="03000509000000000000" pitchFamily="65" charset="-120"/>
+                <a:ea typeface="標楷體" panose="03000509000000000000" pitchFamily="65" charset="-120"/>
+              </a:rPr>
+              <a:t> </a:t>
+            </a:r>
+            <a:r>
+              <a:rPr lang="en-US" altLang="zh-TW" sz="2400" spc="-1" dirty="0">
+                <a:solidFill>
+                  <a:srgbClr val="002060"/>
+                </a:solidFill>
+                <a:latin typeface="標楷體" panose="03000509000000000000" pitchFamily="65" charset="-120"/>
+                <a:ea typeface="標楷體" panose="03000509000000000000" pitchFamily="65" charset="-120"/>
+              </a:rPr>
+              <a:t>branch</a:t>
             </a:r>
             <a:r>
               <a:rPr lang="zh-TW" altLang="en-US" sz="2400" spc="-1" dirty="0">
@@ -32688,27 +32834,27 @@
                 <a:latin typeface="標楷體" panose="03000509000000000000" pitchFamily="65" charset="-120"/>
                 <a:ea typeface="標楷體" panose="03000509000000000000" pitchFamily="65" charset="-120"/>
               </a:rPr>
-              <a:t>上</a:t>
-            </a:r>
-            <a:r>
-              <a:rPr lang="zh-TW" altLang="en-US" sz="2400" spc="-1" dirty="0" smtClean="0">
-                <a:solidFill>
-                  <a:srgbClr val="002060"/>
-                </a:solidFill>
-                <a:latin typeface="標楷體" panose="03000509000000000000" pitchFamily="65" charset="-120"/>
-                <a:ea typeface="標楷體" panose="03000509000000000000" pitchFamily="65" charset="-120"/>
-              </a:rPr>
-              <a:t> </a:t>
-            </a:r>
-            <a:r>
-              <a:rPr lang="en-US" altLang="zh-TW" sz="2400" spc="-1" dirty="0" smtClean="0">
-                <a:solidFill>
-                  <a:srgbClr val="002060"/>
-                </a:solidFill>
-                <a:latin typeface="標楷體" panose="03000509000000000000" pitchFamily="65" charset="-120"/>
-                <a:ea typeface="標楷體" panose="03000509000000000000" pitchFamily="65" charset="-120"/>
-              </a:rPr>
-              <a:t>B </a:t>
+              <a:t> 至 </a:t>
+            </a:r>
+            <a:r>
+              <a:rPr lang="en-US" altLang="zh-TW" sz="2400" spc="-1" dirty="0">
+                <a:solidFill>
+                  <a:srgbClr val="FF0000"/>
+                </a:solidFill>
+                <a:latin typeface="標楷體" panose="03000509000000000000" pitchFamily="65" charset="-120"/>
+                <a:ea typeface="標楷體" panose="03000509000000000000" pitchFamily="65" charset="-120"/>
+              </a:rPr>
+              <a:t>dev</a:t>
+            </a:r>
+            <a:r>
+              <a:rPr lang="en-US" altLang="zh-TW" sz="2400" spc="-1" dirty="0">
+                <a:solidFill>
+                  <a:srgbClr val="002060"/>
+                </a:solidFill>
+                <a:latin typeface="標楷體" panose="03000509000000000000" pitchFamily="65" charset="-120"/>
+                <a:ea typeface="標楷體" panose="03000509000000000000" pitchFamily="65" charset="-120"/>
+              </a:rPr>
+              <a:t> branch </a:t>
             </a:r>
             <a:r>
               <a:rPr lang="zh-TW" altLang="en-US" sz="2400" spc="-1" dirty="0">
@@ -32718,7 +32864,7 @@
                 <a:latin typeface="標楷體" panose="03000509000000000000" pitchFamily="65" charset="-120"/>
                 <a:ea typeface="標楷體" panose="03000509000000000000" pitchFamily="65" charset="-120"/>
               </a:rPr>
-              <a:t>版本 </a:t>
+              <a:t>進行 </a:t>
             </a:r>
             <a:r>
               <a:rPr lang="en-US" altLang="zh-TW" sz="2400" spc="-1" dirty="0">
@@ -32728,7 +32874,7 @@
                 <a:latin typeface="標楷體" panose="03000509000000000000" pitchFamily="65" charset="-120"/>
                 <a:ea typeface="標楷體" panose="03000509000000000000" pitchFamily="65" charset="-120"/>
               </a:rPr>
-              <a:t>&gt;</a:t>
+              <a:t>SIT</a:t>
             </a:r>
             <a:r>
               <a:rPr lang="zh-TW" altLang="en-US" sz="2400" spc="-1" dirty="0">
@@ -32738,58 +32884,15 @@
                 <a:latin typeface="標楷體" panose="03000509000000000000" pitchFamily="65" charset="-120"/>
                 <a:ea typeface="標楷體" panose="03000509000000000000" pitchFamily="65" charset="-120"/>
               </a:rPr>
-              <a:t> </a:t>
-            </a:r>
-            <a:r>
-              <a:rPr lang="en-US" altLang="zh-TW" sz="2400" spc="-1" dirty="0">
-                <a:solidFill>
-                  <a:srgbClr val="002060"/>
-                </a:solidFill>
-                <a:latin typeface="標楷體" panose="03000509000000000000" pitchFamily="65" charset="-120"/>
-                <a:ea typeface="標楷體" panose="03000509000000000000" pitchFamily="65" charset="-120"/>
-              </a:rPr>
-              <a:t>Push </a:t>
-            </a:r>
-            <a:r>
-              <a:rPr lang="en-US" altLang="zh-TW" sz="2400" spc="-1" dirty="0">
-                <a:solidFill>
-                  <a:srgbClr val="FF0000"/>
-                </a:solidFill>
-                <a:latin typeface="標楷體" panose="03000509000000000000" pitchFamily="65" charset="-120"/>
-                <a:ea typeface="標楷體" panose="03000509000000000000" pitchFamily="65" charset="-120"/>
-              </a:rPr>
-              <a:t>Issue </a:t>
-            </a:r>
-            <a:r>
-              <a:rPr lang="en-US" altLang="zh-TW" sz="2400" spc="-1" dirty="0" smtClean="0">
-                <a:solidFill>
-                  <a:srgbClr val="FF0000"/>
-                </a:solidFill>
-                <a:latin typeface="標楷體" panose="03000509000000000000" pitchFamily="65" charset="-120"/>
-                <a:ea typeface="標楷體" panose="03000509000000000000" pitchFamily="65" charset="-120"/>
-              </a:rPr>
-              <a:t>B</a:t>
-            </a:r>
-            <a:r>
-              <a:rPr lang="en-US" altLang="zh-TW" sz="2400" spc="-1" dirty="0" smtClean="0">
-                <a:solidFill>
-                  <a:srgbClr val="002060"/>
-                </a:solidFill>
-                <a:latin typeface="標楷體" panose="03000509000000000000" pitchFamily="65" charset="-120"/>
-                <a:ea typeface="標楷體" panose="03000509000000000000" pitchFamily="65" charset="-120"/>
-              </a:rPr>
-              <a:t> </a:t>
-            </a:r>
-            <a:r>
-              <a:rPr lang="en-US" altLang="zh-TW" sz="2400" spc="-1" dirty="0">
-                <a:solidFill>
-                  <a:srgbClr val="002060"/>
-                </a:solidFill>
-                <a:latin typeface="標楷體" panose="03000509000000000000" pitchFamily="65" charset="-120"/>
-                <a:ea typeface="標楷體" panose="03000509000000000000" pitchFamily="65" charset="-120"/>
-              </a:rPr>
-              <a:t>branch </a:t>
-            </a:r>
+              <a:t> 測試</a:t>
+            </a:r>
+            <a:endParaRPr lang="en-US" altLang="zh-TW" sz="2400" spc="-1" dirty="0">
+              <a:solidFill>
+                <a:srgbClr val="002060"/>
+              </a:solidFill>
+              <a:latin typeface="標楷體" panose="03000509000000000000" pitchFamily="65" charset="-120"/>
+              <a:ea typeface="標楷體" panose="03000509000000000000" pitchFamily="65" charset="-120"/>
+            </a:endParaRPr>
           </a:p>
           <a:p>
             <a:pPr>
@@ -32801,44 +32904,74 @@
               </a:tabLst>
             </a:pPr>
             <a:r>
+              <a:rPr lang="en-US" altLang="zh-TW" sz="2400" spc="-1" dirty="0" smtClean="0">
+                <a:solidFill>
+                  <a:srgbClr val="002060"/>
+                </a:solidFill>
+                <a:latin typeface="標楷體" panose="03000509000000000000" pitchFamily="65" charset="-120"/>
+                <a:ea typeface="標楷體" panose="03000509000000000000" pitchFamily="65" charset="-120"/>
+              </a:rPr>
+              <a:t>&gt;</a:t>
+            </a:r>
+            <a:r>
+              <a:rPr lang="zh-TW" altLang="en-US" sz="2400" spc="-1" dirty="0" smtClean="0">
+                <a:solidFill>
+                  <a:srgbClr val="002060"/>
+                </a:solidFill>
+                <a:latin typeface="標楷體" panose="03000509000000000000" pitchFamily="65" charset="-120"/>
+                <a:ea typeface="標楷體" panose="03000509000000000000" pitchFamily="65" charset="-120"/>
+              </a:rPr>
+              <a:t> </a:t>
+            </a:r>
+            <a:r>
+              <a:rPr lang="en-US" altLang="zh-TW" sz="2400" spc="-1" dirty="0" smtClean="0">
+                <a:solidFill>
+                  <a:srgbClr val="002060"/>
+                </a:solidFill>
+                <a:latin typeface="標楷體" panose="03000509000000000000" pitchFamily="65" charset="-120"/>
+                <a:ea typeface="標楷體" panose="03000509000000000000" pitchFamily="65" charset="-120"/>
+              </a:rPr>
+              <a:t>Merge </a:t>
+            </a:r>
+            <a:r>
               <a:rPr lang="en-US" altLang="zh-TW" sz="2400" spc="-1" dirty="0">
                 <a:solidFill>
-                  <a:srgbClr val="002060"/>
-                </a:solidFill>
-                <a:latin typeface="標楷體" panose="03000509000000000000" pitchFamily="65" charset="-120"/>
-                <a:ea typeface="標楷體" panose="03000509000000000000" pitchFamily="65" charset="-120"/>
-              </a:rPr>
-              <a:t>&gt; Merge </a:t>
+                  <a:srgbClr val="FF0000"/>
+                </a:solidFill>
+                <a:latin typeface="標楷體" panose="03000509000000000000" pitchFamily="65" charset="-120"/>
+                <a:ea typeface="標楷體" panose="03000509000000000000" pitchFamily="65" charset="-120"/>
+              </a:rPr>
+              <a:t>dev</a:t>
             </a:r>
             <a:r>
               <a:rPr lang="en-US" altLang="zh-TW" sz="2400" spc="-1" dirty="0">
                 <a:solidFill>
+                  <a:srgbClr val="002060"/>
+                </a:solidFill>
+                <a:latin typeface="標楷體" panose="03000509000000000000" pitchFamily="65" charset="-120"/>
+                <a:ea typeface="標楷體" panose="03000509000000000000" pitchFamily="65" charset="-120"/>
+              </a:rPr>
+              <a:t> branch </a:t>
+            </a:r>
+            <a:r>
+              <a:rPr lang="zh-TW" altLang="en-US" sz="2400" spc="-1" dirty="0">
+                <a:solidFill>
+                  <a:srgbClr val="002060"/>
+                </a:solidFill>
+                <a:latin typeface="標楷體" panose="03000509000000000000" pitchFamily="65" charset="-120"/>
+                <a:ea typeface="標楷體" panose="03000509000000000000" pitchFamily="65" charset="-120"/>
+              </a:rPr>
+              <a:t>至 </a:t>
+            </a:r>
+            <a:r>
+              <a:rPr lang="en-US" altLang="zh-TW" sz="2400" spc="-1" dirty="0">
+                <a:solidFill>
                   <a:srgbClr val="FF0000"/>
                 </a:solidFill>
                 <a:latin typeface="標楷體" panose="03000509000000000000" pitchFamily="65" charset="-120"/>
                 <a:ea typeface="標楷體" panose="03000509000000000000" pitchFamily="65" charset="-120"/>
               </a:rPr>
-              <a:t>Issue </a:t>
-            </a:r>
-            <a:r>
-              <a:rPr lang="en-US" altLang="zh-TW" sz="2400" spc="-1" dirty="0" smtClean="0">
-                <a:solidFill>
-                  <a:srgbClr val="FF0000"/>
-                </a:solidFill>
-                <a:latin typeface="標楷體" panose="03000509000000000000" pitchFamily="65" charset="-120"/>
-                <a:ea typeface="標楷體" panose="03000509000000000000" pitchFamily="65" charset="-120"/>
-              </a:rPr>
-              <a:t>B</a:t>
-            </a:r>
-            <a:r>
-              <a:rPr lang="en-US" altLang="zh-TW" sz="2400" spc="-1" dirty="0" smtClean="0">
-                <a:solidFill>
-                  <a:srgbClr val="002060"/>
-                </a:solidFill>
-                <a:latin typeface="標楷體" panose="03000509000000000000" pitchFamily="65" charset="-120"/>
-                <a:ea typeface="標楷體" panose="03000509000000000000" pitchFamily="65" charset="-120"/>
-              </a:rPr>
-              <a:t> </a:t>
+              <a:t>main</a:t>
             </a:r>
             <a:r>
               <a:rPr lang="en-US" altLang="zh-TW" sz="2400" spc="-1" dirty="0">
@@ -32848,7 +32981,7 @@
                 <a:latin typeface="標楷體" panose="03000509000000000000" pitchFamily="65" charset="-120"/>
                 <a:ea typeface="標楷體" panose="03000509000000000000" pitchFamily="65" charset="-120"/>
               </a:rPr>
-              <a:t>branch</a:t>
+              <a:t> branch </a:t>
             </a:r>
             <a:r>
               <a:rPr lang="zh-TW" altLang="en-US" sz="2400" spc="-1" dirty="0">
@@ -32858,84 +32991,17 @@
                 <a:latin typeface="標楷體" panose="03000509000000000000" pitchFamily="65" charset="-120"/>
                 <a:ea typeface="標楷體" panose="03000509000000000000" pitchFamily="65" charset="-120"/>
               </a:rPr>
-              <a:t> 至 </a:t>
+              <a:t>進行 </a:t>
             </a:r>
             <a:r>
               <a:rPr lang="en-US" altLang="zh-TW" sz="2400" spc="-1" dirty="0">
                 <a:solidFill>
-                  <a:srgbClr val="FF0000"/>
-                </a:solidFill>
-                <a:latin typeface="標楷體" panose="03000509000000000000" pitchFamily="65" charset="-120"/>
-                <a:ea typeface="標楷體" panose="03000509000000000000" pitchFamily="65" charset="-120"/>
-              </a:rPr>
-              <a:t>dev</a:t>
-            </a:r>
-            <a:r>
-              <a:rPr lang="en-US" altLang="zh-TW" sz="2400" spc="-1" dirty="0">
-                <a:solidFill>
-                  <a:srgbClr val="002060"/>
-                </a:solidFill>
-                <a:latin typeface="標楷體" panose="03000509000000000000" pitchFamily="65" charset="-120"/>
-                <a:ea typeface="標楷體" panose="03000509000000000000" pitchFamily="65" charset="-120"/>
-              </a:rPr>
-              <a:t> branch </a:t>
-            </a:r>
-            <a:r>
-              <a:rPr lang="zh-TW" altLang="en-US" sz="2400" spc="-1" dirty="0">
-                <a:solidFill>
-                  <a:srgbClr val="002060"/>
-                </a:solidFill>
-                <a:latin typeface="標楷體" panose="03000509000000000000" pitchFamily="65" charset="-120"/>
-                <a:ea typeface="標楷體" panose="03000509000000000000" pitchFamily="65" charset="-120"/>
-              </a:rPr>
-              <a:t>進行 </a:t>
-            </a:r>
-            <a:r>
-              <a:rPr lang="en-US" altLang="zh-TW" sz="2400" spc="-1" dirty="0">
-                <a:solidFill>
-                  <a:srgbClr val="002060"/>
-                </a:solidFill>
-                <a:latin typeface="標楷體" panose="03000509000000000000" pitchFamily="65" charset="-120"/>
-                <a:ea typeface="標楷體" panose="03000509000000000000" pitchFamily="65" charset="-120"/>
-              </a:rPr>
-              <a:t>SIT</a:t>
-            </a:r>
-            <a:r>
-              <a:rPr lang="zh-TW" altLang="en-US" sz="2400" spc="-1" dirty="0">
-                <a:solidFill>
-                  <a:srgbClr val="002060"/>
-                </a:solidFill>
-                <a:latin typeface="標楷體" panose="03000509000000000000" pitchFamily="65" charset="-120"/>
-                <a:ea typeface="標楷體" panose="03000509000000000000" pitchFamily="65" charset="-120"/>
-              </a:rPr>
-              <a:t> 測試</a:t>
-            </a:r>
-            <a:endParaRPr lang="en-US" altLang="zh-TW" sz="2400" spc="-1" dirty="0">
-              <a:solidFill>
-                <a:srgbClr val="002060"/>
-              </a:solidFill>
-              <a:latin typeface="標楷體" panose="03000509000000000000" pitchFamily="65" charset="-120"/>
-              <a:ea typeface="標楷體" panose="03000509000000000000" pitchFamily="65" charset="-120"/>
-            </a:endParaRPr>
-          </a:p>
-          <a:p>
-            <a:pPr>
-              <a:lnSpc>
-                <a:spcPct val="100000"/>
-              </a:lnSpc>
-              <a:tabLst>
-                <a:tab pos="0" algn="l"/>
-              </a:tabLst>
-            </a:pPr>
-            <a:r>
-              <a:rPr lang="en-US" altLang="zh-TW" sz="2400" spc="-1" dirty="0" smtClean="0">
-                <a:solidFill>
-                  <a:srgbClr val="002060"/>
-                </a:solidFill>
-                <a:latin typeface="標楷體" panose="03000509000000000000" pitchFamily="65" charset="-120"/>
-                <a:ea typeface="標楷體" panose="03000509000000000000" pitchFamily="65" charset="-120"/>
-              </a:rPr>
-              <a:t>&gt;</a:t>
+                  <a:srgbClr val="002060"/>
+                </a:solidFill>
+                <a:latin typeface="標楷體" panose="03000509000000000000" pitchFamily="65" charset="-120"/>
+                <a:ea typeface="標楷體" panose="03000509000000000000" pitchFamily="65" charset="-120"/>
+              </a:rPr>
+              <a:t>UAT</a:t>
             </a:r>
             <a:r>
               <a:rPr lang="zh-TW" altLang="en-US" sz="2400" spc="-1" dirty="0" smtClean="0">
@@ -32945,115 +33011,8 @@
                 <a:latin typeface="標楷體" panose="03000509000000000000" pitchFamily="65" charset="-120"/>
                 <a:ea typeface="標楷體" panose="03000509000000000000" pitchFamily="65" charset="-120"/>
               </a:rPr>
-              <a:t> </a:t>
-            </a:r>
-            <a:r>
-              <a:rPr lang="en-US" altLang="zh-TW" sz="2400" spc="-1" dirty="0" smtClean="0">
-                <a:solidFill>
-                  <a:srgbClr val="002060"/>
-                </a:solidFill>
-                <a:latin typeface="標楷體" panose="03000509000000000000" pitchFamily="65" charset="-120"/>
-                <a:ea typeface="標楷體" panose="03000509000000000000" pitchFamily="65" charset="-120"/>
-              </a:rPr>
-              <a:t>Merge </a:t>
-            </a:r>
-            <a:r>
-              <a:rPr lang="en-US" altLang="zh-TW" sz="2400" spc="-1" dirty="0">
-                <a:solidFill>
-                  <a:srgbClr val="FF0000"/>
-                </a:solidFill>
-                <a:latin typeface="標楷體" panose="03000509000000000000" pitchFamily="65" charset="-120"/>
-                <a:ea typeface="標楷體" panose="03000509000000000000" pitchFamily="65" charset="-120"/>
-              </a:rPr>
-              <a:t>dev</a:t>
-            </a:r>
-            <a:r>
-              <a:rPr lang="en-US" altLang="zh-TW" sz="2400" spc="-1" dirty="0">
-                <a:solidFill>
-                  <a:srgbClr val="002060"/>
-                </a:solidFill>
-                <a:latin typeface="標楷體" panose="03000509000000000000" pitchFamily="65" charset="-120"/>
-                <a:ea typeface="標楷體" panose="03000509000000000000" pitchFamily="65" charset="-120"/>
-              </a:rPr>
-              <a:t> branch </a:t>
-            </a:r>
-            <a:r>
-              <a:rPr lang="zh-TW" altLang="en-US" sz="2400" spc="-1" dirty="0">
-                <a:solidFill>
-                  <a:srgbClr val="002060"/>
-                </a:solidFill>
-                <a:latin typeface="標楷體" panose="03000509000000000000" pitchFamily="65" charset="-120"/>
-                <a:ea typeface="標楷體" panose="03000509000000000000" pitchFamily="65" charset="-120"/>
-              </a:rPr>
-              <a:t>至 </a:t>
-            </a:r>
-            <a:r>
-              <a:rPr lang="en-US" altLang="zh-TW" sz="2400" spc="-1" dirty="0">
-                <a:solidFill>
-                  <a:srgbClr val="FF0000"/>
-                </a:solidFill>
-                <a:latin typeface="標楷體" panose="03000509000000000000" pitchFamily="65" charset="-120"/>
-                <a:ea typeface="標楷體" panose="03000509000000000000" pitchFamily="65" charset="-120"/>
-              </a:rPr>
-              <a:t>main</a:t>
-            </a:r>
-            <a:r>
-              <a:rPr lang="en-US" altLang="zh-TW" sz="2400" spc="-1" dirty="0">
-                <a:solidFill>
-                  <a:srgbClr val="002060"/>
-                </a:solidFill>
-                <a:latin typeface="標楷體" panose="03000509000000000000" pitchFamily="65" charset="-120"/>
-                <a:ea typeface="標楷體" panose="03000509000000000000" pitchFamily="65" charset="-120"/>
-              </a:rPr>
-              <a:t> branch </a:t>
-            </a:r>
-            <a:r>
-              <a:rPr lang="zh-TW" altLang="en-US" sz="2400" spc="-1" dirty="0">
-                <a:solidFill>
-                  <a:srgbClr val="002060"/>
-                </a:solidFill>
-                <a:latin typeface="標楷體" panose="03000509000000000000" pitchFamily="65" charset="-120"/>
-                <a:ea typeface="標楷體" panose="03000509000000000000" pitchFamily="65" charset="-120"/>
-              </a:rPr>
-              <a:t>進行 </a:t>
-            </a:r>
-            <a:r>
-              <a:rPr lang="en-US" altLang="zh-TW" sz="2400" spc="-1" dirty="0">
-                <a:solidFill>
-                  <a:srgbClr val="002060"/>
-                </a:solidFill>
-                <a:latin typeface="標楷體" panose="03000509000000000000" pitchFamily="65" charset="-120"/>
-                <a:ea typeface="標楷體" panose="03000509000000000000" pitchFamily="65" charset="-120"/>
-              </a:rPr>
-              <a:t>UAT</a:t>
-            </a:r>
-            <a:r>
-              <a:rPr lang="zh-TW" altLang="en-US" sz="2400" spc="-1" dirty="0" smtClean="0">
-                <a:solidFill>
-                  <a:srgbClr val="002060"/>
-                </a:solidFill>
-                <a:latin typeface="標楷體" panose="03000509000000000000" pitchFamily="65" charset="-120"/>
-                <a:ea typeface="標楷體" panose="03000509000000000000" pitchFamily="65" charset="-120"/>
-              </a:rPr>
               <a:t> 再次測試</a:t>
             </a:r>
-            <a:endParaRPr lang="en-US" altLang="zh-TW" sz="2400" spc="-1" dirty="0">
-              <a:solidFill>
-                <a:srgbClr val="002060"/>
-              </a:solidFill>
-              <a:latin typeface="標楷體" panose="03000509000000000000" pitchFamily="65" charset="-120"/>
-              <a:ea typeface="標楷體" panose="03000509000000000000" pitchFamily="65" charset="-120"/>
-            </a:endParaRPr>
-          </a:p>
-          <a:p>
-            <a:pPr>
-              <a:lnSpc>
-                <a:spcPct val="100000"/>
-              </a:lnSpc>
-              <a:tabLst>
-                <a:tab pos="0" algn="l"/>
-              </a:tabLst>
-            </a:pPr>
             <a:endParaRPr lang="en-US" altLang="zh-TW" sz="2400" spc="-1" dirty="0" smtClean="0">
               <a:solidFill>
                 <a:srgbClr val="002060"/>
@@ -33089,7 +33048,7 @@
         </p:nvSpPr>
         <p:spPr>
           <a:xfrm>
-            <a:off x="219784" y="1679084"/>
+            <a:off x="698790" y="1480087"/>
             <a:ext cx="987709" cy="593280"/>
           </a:xfrm>
           <a:prstGeom prst="roundRect">
@@ -33158,7 +33117,7 @@
         </p:nvSpPr>
         <p:spPr>
           <a:xfrm>
-            <a:off x="210784" y="2270924"/>
+            <a:off x="689790" y="2071927"/>
             <a:ext cx="996709" cy="196920"/>
           </a:xfrm>
           <a:prstGeom prst="roundRect">
@@ -33218,7 +33177,7 @@
         </p:nvSpPr>
         <p:spPr>
           <a:xfrm>
-            <a:off x="1332401" y="1879234"/>
+            <a:off x="1837014" y="2217510"/>
             <a:ext cx="632865" cy="345520"/>
           </a:xfrm>
           <a:prstGeom prst="roundRect">
@@ -33281,8 +33240,8 @@
         </p:nvSpPr>
         <p:spPr>
           <a:xfrm>
-            <a:off x="1974707" y="2587180"/>
-            <a:ext cx="987709" cy="593280"/>
+            <a:off x="2690566" y="1923021"/>
+            <a:ext cx="987709" cy="678111"/>
           </a:xfrm>
           <a:prstGeom prst="roundRect">
             <a:avLst>
@@ -33350,7 +33309,7 @@
         </p:nvSpPr>
         <p:spPr>
           <a:xfrm>
-            <a:off x="1965707" y="3179020"/>
+            <a:off x="2681566" y="2601133"/>
             <a:ext cx="996709" cy="196920"/>
           </a:xfrm>
           <a:prstGeom prst="roundRect">
@@ -33410,7 +33369,7 @@
         </p:nvSpPr>
         <p:spPr>
           <a:xfrm>
-            <a:off x="3096484" y="2787330"/>
+            <a:off x="3908088" y="1809816"/>
             <a:ext cx="632865" cy="345520"/>
           </a:xfrm>
           <a:prstGeom prst="roundRect">
@@ -33471,7 +33430,7 @@
         </p:nvSpPr>
         <p:spPr>
           <a:xfrm>
-            <a:off x="3897738" y="2587180"/>
+            <a:off x="4709342" y="1609666"/>
             <a:ext cx="987709" cy="593280"/>
           </a:xfrm>
           <a:prstGeom prst="roundRect">
@@ -33540,7 +33499,7 @@
         </p:nvSpPr>
         <p:spPr>
           <a:xfrm>
-            <a:off x="3888738" y="3179020"/>
+            <a:off x="4700342" y="2201506"/>
             <a:ext cx="996709" cy="196920"/>
           </a:xfrm>
           <a:prstGeom prst="roundRect">
@@ -33600,7 +33559,7 @@
         </p:nvSpPr>
         <p:spPr>
           <a:xfrm>
-            <a:off x="1226762" y="2225567"/>
+            <a:off x="1731375" y="2563843"/>
             <a:ext cx="844141" cy="287634"/>
           </a:xfrm>
           <a:prstGeom prst="rightArrow">
@@ -33653,7 +33612,7 @@
         </p:nvSpPr>
         <p:spPr>
           <a:xfrm>
-            <a:off x="5037610" y="2758790"/>
+            <a:off x="5849214" y="1781276"/>
             <a:ext cx="632865" cy="345520"/>
           </a:xfrm>
           <a:prstGeom prst="roundRect">
@@ -33714,7 +33673,7 @@
         </p:nvSpPr>
         <p:spPr>
           <a:xfrm>
-            <a:off x="5834245" y="2603184"/>
+            <a:off x="6645849" y="1625670"/>
             <a:ext cx="987709" cy="593280"/>
           </a:xfrm>
           <a:prstGeom prst="roundRect">
@@ -33783,7 +33742,7 @@
         </p:nvSpPr>
         <p:spPr>
           <a:xfrm>
-            <a:off x="5825245" y="3195024"/>
+            <a:off x="6636849" y="2217510"/>
             <a:ext cx="996709" cy="196920"/>
           </a:xfrm>
           <a:prstGeom prst="roundRect">
@@ -33843,7 +33802,7 @@
         </p:nvSpPr>
         <p:spPr>
           <a:xfrm>
-            <a:off x="3010116" y="3132850"/>
+            <a:off x="3821720" y="2155336"/>
             <a:ext cx="844141" cy="287634"/>
           </a:xfrm>
           <a:prstGeom prst="rightArrow">
@@ -33896,7 +33855,7 @@
         </p:nvSpPr>
         <p:spPr>
           <a:xfrm>
-            <a:off x="4931973" y="3104310"/>
+            <a:off x="5743577" y="2126796"/>
             <a:ext cx="844141" cy="287634"/>
           </a:xfrm>
           <a:prstGeom prst="rightArrow">
@@ -33949,7 +33908,7 @@
         </p:nvSpPr>
         <p:spPr>
           <a:xfrm>
-            <a:off x="6985722" y="2735699"/>
+            <a:off x="5849214" y="3493263"/>
             <a:ext cx="632865" cy="345520"/>
           </a:xfrm>
           <a:prstGeom prst="roundRect">
@@ -34010,7 +33969,7 @@
         </p:nvSpPr>
         <p:spPr>
           <a:xfrm>
-            <a:off x="7782357" y="2580093"/>
+            <a:off x="6645849" y="3337657"/>
             <a:ext cx="987709" cy="593280"/>
           </a:xfrm>
           <a:prstGeom prst="roundRect">
@@ -34079,7 +34038,7 @@
         </p:nvSpPr>
         <p:spPr>
           <a:xfrm>
-            <a:off x="7773357" y="3171933"/>
+            <a:off x="6636849" y="3929497"/>
             <a:ext cx="996709" cy="196920"/>
           </a:xfrm>
           <a:prstGeom prst="roundRect">
@@ -34139,7 +34098,7 @@
         </p:nvSpPr>
         <p:spPr>
           <a:xfrm>
-            <a:off x="6880085" y="3081219"/>
+            <a:off x="5743577" y="3838783"/>
             <a:ext cx="844141" cy="287634"/>
           </a:xfrm>
           <a:prstGeom prst="rightArrow">
@@ -34194,7 +34153,7 @@
         </p:nvSpPr>
         <p:spPr>
           <a:xfrm>
-            <a:off x="432457" y="961858"/>
+            <a:off x="432457" y="767902"/>
             <a:ext cx="9482952" cy="621448"/>
           </a:xfrm>
           <a:prstGeom prst="rect">
@@ -34285,7 +34244,7 @@
         </p:nvSpPr>
         <p:spPr>
           <a:xfrm>
-            <a:off x="219784" y="3291718"/>
+            <a:off x="698790" y="3018182"/>
             <a:ext cx="987709" cy="593280"/>
           </a:xfrm>
           <a:prstGeom prst="roundRect">
@@ -34354,7 +34313,7 @@
         </p:nvSpPr>
         <p:spPr>
           <a:xfrm>
-            <a:off x="210784" y="3883558"/>
+            <a:off x="689790" y="3610022"/>
             <a:ext cx="996709" cy="196920"/>
           </a:xfrm>
           <a:prstGeom prst="roundRect">
@@ -34408,33 +34367,37 @@
       </p:sp>
       <p:sp>
         <p:nvSpPr>
-          <p:cNvPr id="26" name="圓角矩形 1"/>
+          <p:cNvPr id="29" name="圓角矩形 1"/>
           <p:cNvSpPr/>
           <p:nvPr/>
         </p:nvSpPr>
         <p:spPr>
           <a:xfrm>
-            <a:off x="1332401" y="3491868"/>
-            <a:ext cx="632865" cy="345520"/>
+            <a:off x="8613360" y="3717602"/>
+            <a:ext cx="632865" cy="414104"/>
           </a:xfrm>
           <a:prstGeom prst="roundRect">
             <a:avLst>
               <a:gd name="adj" fmla="val 16667"/>
             </a:avLst>
           </a:prstGeom>
+          <a:solidFill>
+            <a:schemeClr val="accent4">
+              <a:lumMod val="60000"/>
+              <a:lumOff val="40000"/>
+            </a:schemeClr>
+          </a:solidFill>
           <a:ln/>
         </p:spPr>
         <p:style>
-          <a:lnRef idx="2">
-            <a:schemeClr val="accent3">
-              <a:shade val="50000"/>
-            </a:schemeClr>
+          <a:lnRef idx="3">
+            <a:schemeClr val="lt1"/>
           </a:lnRef>
           <a:fillRef idx="1">
-            <a:schemeClr val="accent3"/>
+            <a:schemeClr val="accent1"/>
           </a:fillRef>
-          <a:effectRef idx="0">
-            <a:schemeClr val="accent3"/>
+          <a:effectRef idx="1">
+            <a:schemeClr val="accent1"/>
           </a:effectRef>
           <a:fontRef idx="minor">
             <a:schemeClr val="lt1"/>
@@ -34452,15 +34415,15 @@
               </a:lnSpc>
             </a:pPr>
             <a:r>
-              <a:rPr lang="en-US" altLang="zh-TW" sz="1400" spc="-1" dirty="0" smtClean="0">
+              <a:rPr lang="en-US" altLang="zh-TW" sz="1400" b="0" strike="noStrike" spc="-1" dirty="0" smtClean="0">
                 <a:solidFill>
                   <a:schemeClr val="dk1"/>
                 </a:solidFill>
                 <a:latin typeface="Arial"/>
               </a:rPr>
-              <a:t>Pull</a:t>
-            </a:r>
-            <a:endParaRPr lang="en-US" sz="1400" strike="noStrike" spc="-1" dirty="0">
+              <a:t>UAT</a:t>
+            </a:r>
+            <a:endParaRPr lang="en-US" sz="1400" b="0" strike="noStrike" spc="-1" dirty="0">
               <a:solidFill>
                 <a:srgbClr val="000000"/>
               </a:solidFill>
@@ -34471,13 +34434,74 @@
       </p:sp>
       <p:sp>
         <p:nvSpPr>
-          <p:cNvPr id="32" name="向右箭號 3"/>
+          <p:cNvPr id="30" name="圓角矩形 1"/>
           <p:cNvSpPr/>
           <p:nvPr/>
         </p:nvSpPr>
         <p:spPr>
           <a:xfrm>
-            <a:off x="1226762" y="3838201"/>
+            <a:off x="8613360" y="3345514"/>
+            <a:ext cx="632865" cy="383559"/>
+          </a:xfrm>
+          <a:prstGeom prst="roundRect">
+            <a:avLst>
+              <a:gd name="adj" fmla="val 16667"/>
+            </a:avLst>
+          </a:prstGeom>
+          <a:ln/>
+        </p:spPr>
+        <p:style>
+          <a:lnRef idx="3">
+            <a:schemeClr val="lt1"/>
+          </a:lnRef>
+          <a:fillRef idx="1">
+            <a:schemeClr val="accent5"/>
+          </a:fillRef>
+          <a:effectRef idx="1">
+            <a:schemeClr val="accent5"/>
+          </a:effectRef>
+          <a:fontRef idx="minor">
+            <a:schemeClr val="lt1"/>
+          </a:fontRef>
+        </p:style>
+        <p:txBody>
+          <a:bodyPr lIns="90000" tIns="45000" rIns="90000" bIns="45000" anchor="ctr">
+            <a:noAutofit/>
+          </a:bodyPr>
+          <a:lstStyle/>
+          <a:p>
+            <a:pPr algn="ctr" defTabSz="914400">
+              <a:lnSpc>
+                <a:spcPct val="100000"/>
+              </a:lnSpc>
+            </a:pPr>
+            <a:r>
+              <a:rPr lang="en-US" altLang="zh-TW" sz="1400" spc="-1" dirty="0">
+                <a:solidFill>
+                  <a:schemeClr val="dk1"/>
+                </a:solidFill>
+                <a:latin typeface="Arial"/>
+              </a:rPr>
+              <a:t>C</a:t>
+            </a:r>
+            <a:endParaRPr lang="en-US" sz="1400" b="0" strike="noStrike" spc="-1" dirty="0">
+              <a:solidFill>
+                <a:srgbClr val="000000"/>
+              </a:solidFill>
+              <a:latin typeface="Arial"/>
+            </a:endParaRPr>
+          </a:p>
+        </p:txBody>
+      </p:sp>
+      <p:sp>
+        <p:nvSpPr>
+          <p:cNvPr id="31" name="向右箭號 3"/>
+          <p:cNvSpPr/>
+          <p:nvPr/>
+        </p:nvSpPr>
+        <p:spPr>
+          <a:xfrm>
+            <a:off x="7682689" y="2146034"/>
             <a:ext cx="844141" cy="287634"/>
           </a:xfrm>
           <a:prstGeom prst="rightArrow">
@@ -34513,7 +34537,7 @@
           </a:bodyPr>
           <a:lstStyle/>
           <a:p>
-            <a:endParaRPr lang="en-US" sz="1200" b="0" strike="noStrike" spc="-1" dirty="0">
+            <a:endParaRPr lang="en-US" sz="1200" b="0" strike="noStrike" spc="-1">
               <a:solidFill>
                 <a:schemeClr val="lt1"/>
               </a:solidFill>
@@ -34524,14 +34548,268 @@
       </p:sp>
       <p:sp>
         <p:nvSpPr>
-          <p:cNvPr id="65" name="向右箭號 3"/>
+          <p:cNvPr id="33" name="圓角矩形 1"/>
           <p:cNvSpPr/>
           <p:nvPr/>
         </p:nvSpPr>
         <p:spPr>
           <a:xfrm>
-            <a:off x="8819197" y="3106961"/>
-            <a:ext cx="256301" cy="257670"/>
+            <a:off x="8613360" y="1997758"/>
+            <a:ext cx="632865" cy="414104"/>
+          </a:xfrm>
+          <a:prstGeom prst="roundRect">
+            <a:avLst>
+              <a:gd name="adj" fmla="val 16667"/>
+            </a:avLst>
+          </a:prstGeom>
+          <a:solidFill>
+            <a:srgbClr val="FFFF00"/>
+          </a:solidFill>
+          <a:ln/>
+        </p:spPr>
+        <p:style>
+          <a:lnRef idx="3">
+            <a:schemeClr val="lt1"/>
+          </a:lnRef>
+          <a:fillRef idx="1">
+            <a:schemeClr val="accent1"/>
+          </a:fillRef>
+          <a:effectRef idx="1">
+            <a:schemeClr val="accent1"/>
+          </a:effectRef>
+          <a:fontRef idx="minor">
+            <a:schemeClr val="lt1"/>
+          </a:fontRef>
+        </p:style>
+        <p:txBody>
+          <a:bodyPr lIns="90000" tIns="45000" rIns="90000" bIns="45000" anchor="ctr">
+            <a:noAutofit/>
+          </a:bodyPr>
+          <a:lstStyle/>
+          <a:p>
+            <a:pPr algn="ctr" defTabSz="914400">
+              <a:lnSpc>
+                <a:spcPct val="100000"/>
+              </a:lnSpc>
+            </a:pPr>
+            <a:r>
+              <a:rPr lang="en-US" altLang="zh-TW" sz="1400" b="0" strike="noStrike" spc="-1" dirty="0" smtClean="0">
+                <a:solidFill>
+                  <a:schemeClr val="dk1"/>
+                </a:solidFill>
+                <a:latin typeface="Arial"/>
+              </a:rPr>
+              <a:t>SIT</a:t>
+            </a:r>
+            <a:endParaRPr lang="en-US" sz="1400" b="0" strike="noStrike" spc="-1" dirty="0">
+              <a:solidFill>
+                <a:srgbClr val="000000"/>
+              </a:solidFill>
+              <a:latin typeface="Arial"/>
+            </a:endParaRPr>
+          </a:p>
+        </p:txBody>
+      </p:sp>
+      <p:sp>
+        <p:nvSpPr>
+          <p:cNvPr id="34" name="圓角矩形 1"/>
+          <p:cNvSpPr/>
+          <p:nvPr/>
+        </p:nvSpPr>
+        <p:spPr>
+          <a:xfrm>
+            <a:off x="8613360" y="1625670"/>
+            <a:ext cx="632865" cy="383559"/>
+          </a:xfrm>
+          <a:prstGeom prst="roundRect">
+            <a:avLst>
+              <a:gd name="adj" fmla="val 16667"/>
+            </a:avLst>
+          </a:prstGeom>
+          <a:ln/>
+        </p:spPr>
+        <p:style>
+          <a:lnRef idx="3">
+            <a:schemeClr val="lt1"/>
+          </a:lnRef>
+          <a:fillRef idx="1">
+            <a:schemeClr val="accent5"/>
+          </a:fillRef>
+          <a:effectRef idx="1">
+            <a:schemeClr val="accent5"/>
+          </a:effectRef>
+          <a:fontRef idx="minor">
+            <a:schemeClr val="lt1"/>
+          </a:fontRef>
+        </p:style>
+        <p:txBody>
+          <a:bodyPr lIns="90000" tIns="45000" rIns="90000" bIns="45000" anchor="ctr">
+            <a:noAutofit/>
+          </a:bodyPr>
+          <a:lstStyle/>
+          <a:p>
+            <a:pPr algn="ctr" defTabSz="914400">
+              <a:lnSpc>
+                <a:spcPct val="100000"/>
+              </a:lnSpc>
+            </a:pPr>
+            <a:r>
+              <a:rPr lang="en-US" altLang="zh-TW" sz="1400" spc="-1" dirty="0">
+                <a:solidFill>
+                  <a:schemeClr val="dk1"/>
+                </a:solidFill>
+                <a:latin typeface="Arial"/>
+              </a:rPr>
+              <a:t>C</a:t>
+            </a:r>
+            <a:endParaRPr lang="en-US" sz="1400" b="0" strike="noStrike" spc="-1" dirty="0">
+              <a:solidFill>
+                <a:srgbClr val="000000"/>
+              </a:solidFill>
+              <a:latin typeface="Arial"/>
+            </a:endParaRPr>
+          </a:p>
+        </p:txBody>
+      </p:sp>
+      <p:sp>
+        <p:nvSpPr>
+          <p:cNvPr id="35" name="圓角矩形 34"/>
+          <p:cNvSpPr/>
+          <p:nvPr/>
+        </p:nvSpPr>
+        <p:spPr>
+          <a:xfrm>
+            <a:off x="4709342" y="3340400"/>
+            <a:ext cx="987709" cy="593280"/>
+          </a:xfrm>
+          <a:prstGeom prst="roundRect">
+            <a:avLst>
+              <a:gd name="adj" fmla="val 16667"/>
+            </a:avLst>
+          </a:prstGeom>
+          <a:solidFill>
+            <a:srgbClr val="4BACC6"/>
+          </a:solidFill>
+          <a:ln>
+            <a:noFill/>
+          </a:ln>
+        </p:spPr>
+        <p:style>
+          <a:lnRef idx="2">
+            <a:schemeClr val="accent5">
+              <a:shade val="50000"/>
+            </a:schemeClr>
+          </a:lnRef>
+          <a:fillRef idx="1">
+            <a:schemeClr val="accent5"/>
+          </a:fillRef>
+          <a:effectRef idx="0">
+            <a:schemeClr val="accent5"/>
+          </a:effectRef>
+          <a:fontRef idx="minor"/>
+        </p:style>
+        <p:txBody>
+          <a:bodyPr lIns="90000" tIns="45000" rIns="90000" bIns="45000" anchor="ctr">
+            <a:noAutofit/>
+          </a:bodyPr>
+          <a:lstStyle/>
+          <a:p>
+            <a:pPr algn="ctr" defTabSz="914400">
+              <a:lnSpc>
+                <a:spcPct val="100000"/>
+              </a:lnSpc>
+            </a:pPr>
+            <a:r>
+              <a:rPr lang="en-US" altLang="zh-TW" sz="1600" spc="-1" dirty="0" smtClean="0">
+                <a:solidFill>
+                  <a:schemeClr val="dk1"/>
+                </a:solidFill>
+                <a:latin typeface="Arial"/>
+              </a:rPr>
+              <a:t>Issue C</a:t>
+            </a:r>
+            <a:r>
+              <a:rPr lang="en-US" altLang="zh-TW" sz="1600" b="0" strike="noStrike" spc="-1" dirty="0" smtClean="0">
+                <a:solidFill>
+                  <a:schemeClr val="dk1"/>
+                </a:solidFill>
+                <a:latin typeface="Arial"/>
+              </a:rPr>
+              <a:t> </a:t>
+            </a:r>
+          </a:p>
+        </p:txBody>
+      </p:sp>
+      <p:sp>
+        <p:nvSpPr>
+          <p:cNvPr id="36" name="圓角矩形 35"/>
+          <p:cNvSpPr/>
+          <p:nvPr/>
+        </p:nvSpPr>
+        <p:spPr>
+          <a:xfrm>
+            <a:off x="4700342" y="3932240"/>
+            <a:ext cx="996709" cy="196920"/>
+          </a:xfrm>
+          <a:prstGeom prst="roundRect">
+            <a:avLst>
+              <a:gd name="adj" fmla="val 16667"/>
+            </a:avLst>
+          </a:prstGeom>
+          <a:solidFill>
+            <a:srgbClr val="F79646"/>
+          </a:solidFill>
+          <a:ln>
+            <a:noFill/>
+          </a:ln>
+        </p:spPr>
+        <p:style>
+          <a:lnRef idx="2">
+            <a:schemeClr val="accent6">
+              <a:shade val="50000"/>
+            </a:schemeClr>
+          </a:lnRef>
+          <a:fillRef idx="1">
+            <a:schemeClr val="accent6"/>
+          </a:fillRef>
+          <a:effectRef idx="0">
+            <a:schemeClr val="accent6"/>
+          </a:effectRef>
+          <a:fontRef idx="minor"/>
+        </p:style>
+        <p:txBody>
+          <a:bodyPr lIns="90000" tIns="45000" rIns="90000" bIns="45000" anchor="ctr">
+            <a:noAutofit/>
+          </a:bodyPr>
+          <a:lstStyle/>
+          <a:p>
+            <a:pPr algn="ctr"/>
+            <a:r>
+              <a:rPr lang="en-US" altLang="zh-TW" sz="1200" spc="-1" dirty="0" smtClean="0">
+                <a:solidFill>
+                  <a:schemeClr val="dk1"/>
+                </a:solidFill>
+              </a:rPr>
+              <a:t>remote</a:t>
+            </a:r>
+            <a:endParaRPr lang="en-US" altLang="zh-TW" sz="1200" spc="-1" dirty="0">
+              <a:solidFill>
+                <a:srgbClr val="000000"/>
+              </a:solidFill>
+            </a:endParaRPr>
+          </a:p>
+        </p:txBody>
+      </p:sp>
+      <p:sp>
+        <p:nvSpPr>
+          <p:cNvPr id="37" name="向右箭號 3"/>
+          <p:cNvSpPr/>
+          <p:nvPr/>
+        </p:nvSpPr>
+        <p:spPr>
+          <a:xfrm>
+            <a:off x="7682688" y="3871064"/>
+            <a:ext cx="844141" cy="287634"/>
           </a:xfrm>
           <a:prstGeom prst="rightArrow">
             <a:avLst>
@@ -34575,16 +34853,55 @@
           </a:p>
         </p:txBody>
       </p:sp>
-      <p:sp>
-        <p:nvSpPr>
-          <p:cNvPr id="29" name="圓角矩形 1"/>
+      <p:cxnSp>
+        <p:nvCxnSpPr>
+          <p:cNvPr id="3" name="肘形接點 2"/>
+          <p:cNvCxnSpPr>
+            <a:stCxn id="33" idx="2"/>
+            <a:endCxn id="35" idx="0"/>
+          </p:cNvCxnSpPr>
+          <p:nvPr/>
+        </p:nvCxnSpPr>
+        <p:spPr>
+          <a:xfrm rot="5400000">
+            <a:off x="6602226" y="1012833"/>
+            <a:ext cx="928538" cy="3726596"/>
+          </a:xfrm>
+          <a:prstGeom prst="bentConnector3">
+            <a:avLst/>
+          </a:prstGeom>
+          <a:ln>
+            <a:solidFill>
+              <a:schemeClr val="tx1"/>
+            </a:solidFill>
+            <a:tailEnd type="triangle"/>
+          </a:ln>
+        </p:spPr>
+        <p:style>
+          <a:lnRef idx="1">
+            <a:schemeClr val="accent1"/>
+          </a:lnRef>
+          <a:fillRef idx="0">
+            <a:schemeClr val="accent1"/>
+          </a:fillRef>
+          <a:effectRef idx="0">
+            <a:schemeClr val="accent1"/>
+          </a:effectRef>
+          <a:fontRef idx="minor">
+            <a:schemeClr val="tx1"/>
+          </a:fontRef>
+        </p:style>
+      </p:cxnSp>
+      <p:sp>
+        <p:nvSpPr>
+          <p:cNvPr id="38" name="圓角矩形 1"/>
           <p:cNvSpPr/>
           <p:nvPr/>
         </p:nvSpPr>
         <p:spPr>
           <a:xfrm>
-            <a:off x="9195099" y="2952181"/>
-            <a:ext cx="632865" cy="414104"/>
+            <a:off x="6587718" y="2670855"/>
+            <a:ext cx="1127096" cy="410377"/>
           </a:xfrm>
           <a:prstGeom prst="roundRect">
             <a:avLst>
@@ -34592,21 +34909,97 @@
             </a:avLst>
           </a:prstGeom>
           <a:solidFill>
+            <a:srgbClr val="FFFF00"/>
+          </a:solidFill>
+          <a:ln/>
+        </p:spPr>
+        <p:style>
+          <a:lnRef idx="2">
             <a:schemeClr val="accent4">
-              <a:lumMod val="60000"/>
-              <a:lumOff val="40000"/>
+              <a:shade val="50000"/>
+            </a:schemeClr>
+          </a:lnRef>
+          <a:fillRef idx="1">
+            <a:schemeClr val="accent4"/>
+          </a:fillRef>
+          <a:effectRef idx="0">
+            <a:schemeClr val="accent4"/>
+          </a:effectRef>
+          <a:fontRef idx="minor">
+            <a:schemeClr val="lt1"/>
+          </a:fontRef>
+        </p:style>
+        <p:txBody>
+          <a:bodyPr lIns="90000" tIns="45000" rIns="90000" bIns="45000" anchor="ctr">
+            <a:noAutofit/>
+          </a:bodyPr>
+          <a:lstStyle/>
+          <a:p>
+            <a:pPr algn="ctr" defTabSz="914400">
+              <a:lnSpc>
+                <a:spcPct val="100000"/>
+              </a:lnSpc>
+            </a:pPr>
+            <a:r>
+              <a:rPr lang="zh-TW" altLang="en-US" sz="1400" b="1" spc="-1" dirty="0" smtClean="0">
+                <a:solidFill>
+                  <a:schemeClr val="dk1"/>
+                </a:solidFill>
+                <a:latin typeface="Arial"/>
+              </a:rPr>
+              <a:t>測試通</a:t>
+            </a:r>
+            <a:r>
+              <a:rPr lang="zh-TW" altLang="en-US" sz="1400" b="1" spc="-1" dirty="0">
+                <a:solidFill>
+                  <a:schemeClr val="dk1"/>
+                </a:solidFill>
+                <a:latin typeface="Arial"/>
+              </a:rPr>
+              <a:t>過</a:t>
+            </a:r>
+            <a:endParaRPr lang="en-US" sz="1400" b="1" strike="noStrike" spc="-1" dirty="0">
+              <a:solidFill>
+                <a:srgbClr val="000000"/>
+              </a:solidFill>
+              <a:latin typeface="Arial"/>
+            </a:endParaRPr>
+          </a:p>
+        </p:txBody>
+      </p:sp>
+      <p:sp>
+        <p:nvSpPr>
+          <p:cNvPr id="39" name="圓角矩形 1"/>
+          <p:cNvSpPr/>
+          <p:nvPr/>
+        </p:nvSpPr>
+        <p:spPr>
+          <a:xfrm>
+            <a:off x="871711" y="2489529"/>
+            <a:ext cx="632865" cy="345520"/>
+          </a:xfrm>
+          <a:prstGeom prst="roundRect">
+            <a:avLst>
+              <a:gd name="adj" fmla="val 16667"/>
+            </a:avLst>
+          </a:prstGeom>
+          <a:solidFill>
+            <a:schemeClr val="bg2">
+              <a:lumMod val="75000"/>
             </a:schemeClr>
           </a:solidFill>
           <a:ln/>
         </p:spPr>
         <p:style>
-          <a:lnRef idx="3">
-            <a:schemeClr val="lt1"/>
+          <a:lnRef idx="2">
+            <a:schemeClr val="accent1">
+              <a:shade val="50000"/>
+            </a:schemeClr>
           </a:lnRef>
           <a:fillRef idx="1">
             <a:schemeClr val="accent1"/>
           </a:fillRef>
-          <a:effectRef idx="1">
+          <a:effectRef idx="0">
             <a:schemeClr val="accent1"/>
           </a:effectRef>
           <a:fontRef idx="minor">
@@ -34625,74 +35018,13 @@
               </a:lnSpc>
             </a:pPr>
             <a:r>
-              <a:rPr lang="en-US" altLang="zh-TW" sz="1400" b="0" strike="noStrike" spc="-1" dirty="0" smtClean="0">
+              <a:rPr lang="en-US" sz="1400" spc="-1" dirty="0" smtClean="0">
                 <a:solidFill>
                   <a:schemeClr val="dk1"/>
                 </a:solidFill>
                 <a:latin typeface="Arial"/>
               </a:rPr>
-              <a:t>UAT</a:t>
-            </a:r>
-            <a:endParaRPr lang="en-US" sz="1400" b="0" strike="noStrike" spc="-1" dirty="0">
-              <a:solidFill>
-                <a:srgbClr val="000000"/>
-              </a:solidFill>
-              <a:latin typeface="Arial"/>
-            </a:endParaRPr>
-          </a:p>
-        </p:txBody>
-      </p:sp>
-      <p:sp>
-        <p:nvSpPr>
-          <p:cNvPr id="30" name="圓角矩形 1"/>
-          <p:cNvSpPr/>
-          <p:nvPr/>
-        </p:nvSpPr>
-        <p:spPr>
-          <a:xfrm>
-            <a:off x="9195099" y="2580093"/>
-            <a:ext cx="632865" cy="383559"/>
-          </a:xfrm>
-          <a:prstGeom prst="roundRect">
-            <a:avLst>
-              <a:gd name="adj" fmla="val 16667"/>
-            </a:avLst>
-          </a:prstGeom>
-          <a:ln/>
-        </p:spPr>
-        <p:style>
-          <a:lnRef idx="3">
-            <a:schemeClr val="lt1"/>
-          </a:lnRef>
-          <a:fillRef idx="1">
-            <a:schemeClr val="accent5"/>
-          </a:fillRef>
-          <a:effectRef idx="1">
-            <a:schemeClr val="accent5"/>
-          </a:effectRef>
-          <a:fontRef idx="minor">
-            <a:schemeClr val="lt1"/>
-          </a:fontRef>
-        </p:style>
-        <p:txBody>
-          <a:bodyPr lIns="90000" tIns="45000" rIns="90000" bIns="45000" anchor="ctr">
-            <a:noAutofit/>
-          </a:bodyPr>
-          <a:lstStyle/>
-          <a:p>
-            <a:pPr algn="ctr" defTabSz="914400">
-              <a:lnSpc>
-                <a:spcPct val="100000"/>
-              </a:lnSpc>
-            </a:pPr>
-            <a:r>
-              <a:rPr lang="en-US" altLang="zh-TW" sz="1400" spc="-1" dirty="0">
-                <a:solidFill>
-                  <a:schemeClr val="dk1"/>
-                </a:solidFill>
-                <a:latin typeface="Arial"/>
-              </a:rPr>
-              <a:t>C</a:t>
+              <a:t>OR</a:t>
             </a:r>
             <a:endParaRPr lang="en-US" sz="1400" b="0" strike="noStrike" spc="-1" dirty="0">
               <a:solidFill>
@@ -34717,7 +35049,7 @@
     <mc:Choice Requires="p14">
       <p:transition spd="slow" p14:dur="2000"/>
     </mc:Choice>
-    <mc:Fallback xmlns="" xmlns:p15="http://schemas.microsoft.com/office/powerpoint/2012/main">
+    <mc:Fallback xmlns:p15="http://schemas.microsoft.com/office/powerpoint/2012/main" xmlns="">
       <p:transition spd="slow"/>
     </mc:Fallback>
   </mc:AlternateContent>
@@ -35081,7 +35413,7 @@
     <mc:Choice Requires="p14">
       <p:transition spd="slow" p14:dur="2000"/>
     </mc:Choice>
-    <mc:Fallback xmlns="" xmlns:p15="http://schemas.microsoft.com/office/powerpoint/2012/main">
+    <mc:Fallback xmlns:p15="http://schemas.microsoft.com/office/powerpoint/2012/main" xmlns="">
       <p:transition spd="slow"/>
     </mc:Fallback>
   </mc:AlternateContent>
@@ -35395,7 +35727,7 @@
     <mc:Choice Requires="p14">
       <p:transition spd="slow" p14:dur="2000"/>
     </mc:Choice>
-    <mc:Fallback xmlns="" xmlns:p15="http://schemas.microsoft.com/office/powerpoint/2012/main">
+    <mc:Fallback xmlns:p15="http://schemas.microsoft.com/office/powerpoint/2012/main" xmlns="">
       <p:transition spd="slow"/>
     </mc:Fallback>
   </mc:AlternateContent>
@@ -35742,7 +36074,7 @@
     <mc:Choice Requires="p14">
       <p:transition spd="slow" p14:dur="2000"/>
     </mc:Choice>
-    <mc:Fallback xmlns="" xmlns:p15="http://schemas.microsoft.com/office/powerpoint/2012/main">
+    <mc:Fallback xmlns:p15="http://schemas.microsoft.com/office/powerpoint/2012/main" xmlns="">
       <p:transition spd="slow"/>
     </mc:Fallback>
   </mc:AlternateContent>

--- a/CICD Process.pptx
+++ b/CICD Process.pptx
@@ -14202,8 +14202,8 @@
         </p:nvSpPr>
         <p:spPr>
           <a:xfrm>
-            <a:off x="507360" y="4348871"/>
-            <a:ext cx="10176574" cy="1553676"/>
+            <a:off x="894955" y="4348871"/>
+            <a:ext cx="9043040" cy="1553676"/>
           </a:xfrm>
           <a:prstGeom prst="rect">
             <a:avLst/>
@@ -14296,24 +14296,24 @@
               <a:t>Pull </a:t>
             </a:r>
             <a:r>
+              <a:rPr lang="en-US" altLang="zh-TW" sz="2400" spc="-1" dirty="0" smtClean="0">
+                <a:solidFill>
+                  <a:srgbClr val="FF0000"/>
+                </a:solidFill>
+                <a:latin typeface="標楷體" panose="03000509000000000000" pitchFamily="65" charset="-120"/>
+                <a:ea typeface="標楷體" panose="03000509000000000000" pitchFamily="65" charset="-120"/>
+              </a:rPr>
+              <a:t>Prod Tag </a:t>
+            </a:r>
+            <a:r>
               <a:rPr lang="en-US" altLang="zh-TW" sz="2400" spc="-1" dirty="0">
                 <a:solidFill>
-                  <a:srgbClr val="FF0000"/>
-                </a:solidFill>
-                <a:latin typeface="標楷體" panose="03000509000000000000" pitchFamily="65" charset="-120"/>
-                <a:ea typeface="標楷體" panose="03000509000000000000" pitchFamily="65" charset="-120"/>
-              </a:rPr>
-              <a:t>main</a:t>
-            </a:r>
-            <a:r>
-              <a:rPr lang="en-US" altLang="zh-TW" sz="2400" spc="-1" dirty="0">
-                <a:solidFill>
-                  <a:srgbClr val="002060"/>
-                </a:solidFill>
-                <a:latin typeface="標楷體" panose="03000509000000000000" pitchFamily="65" charset="-120"/>
-                <a:ea typeface="標楷體" panose="03000509000000000000" pitchFamily="65" charset="-120"/>
-              </a:rPr>
-              <a:t> branch &gt; </a:t>
+                  <a:srgbClr val="002060"/>
+                </a:solidFill>
+                <a:latin typeface="標楷體" panose="03000509000000000000" pitchFamily="65" charset="-120"/>
+                <a:ea typeface="標楷體" panose="03000509000000000000" pitchFamily="65" charset="-120"/>
+              </a:rPr>
+              <a:t>&gt; </a:t>
             </a:r>
             <a:r>
               <a:rPr lang="zh-TW" altLang="en-US" sz="2400" spc="-1" dirty="0">
@@ -18905,8 +18905,8 @@
         </p:nvSpPr>
         <p:spPr>
           <a:xfrm>
-            <a:off x="233010" y="4456336"/>
-            <a:ext cx="9746015" cy="1435993"/>
+            <a:off x="739121" y="4419742"/>
+            <a:ext cx="8846335" cy="1435993"/>
           </a:xfrm>
           <a:prstGeom prst="rect">
             <a:avLst/>
@@ -19013,17 +19013,7 @@
                 <a:latin typeface="標楷體" panose="03000509000000000000" pitchFamily="65" charset="-120"/>
                 <a:ea typeface="標楷體" panose="03000509000000000000" pitchFamily="65" charset="-120"/>
               </a:rPr>
-              <a:t>main</a:t>
-            </a:r>
-            <a:r>
-              <a:rPr lang="en-US" altLang="zh-TW" sz="2400" spc="-1" dirty="0">
-                <a:solidFill>
-                  <a:srgbClr val="002060"/>
-                </a:solidFill>
-                <a:latin typeface="標楷體" panose="03000509000000000000" pitchFamily="65" charset="-120"/>
-                <a:ea typeface="標楷體" panose="03000509000000000000" pitchFamily="65" charset="-120"/>
-              </a:rPr>
-              <a:t> </a:t>
+              <a:t>Prod Tag </a:t>
             </a:r>
             <a:r>
               <a:rPr lang="en-US" altLang="zh-TW" sz="2400" spc="-1" dirty="0" smtClean="0">
@@ -19033,67 +19023,7 @@
                 <a:latin typeface="標楷體" panose="03000509000000000000" pitchFamily="65" charset="-120"/>
                 <a:ea typeface="標楷體" panose="03000509000000000000" pitchFamily="65" charset="-120"/>
               </a:rPr>
-              <a:t>branch</a:t>
-            </a:r>
-            <a:r>
-              <a:rPr lang="zh-TW" altLang="en-US" sz="2400" spc="-1" dirty="0" smtClean="0">
-                <a:solidFill>
-                  <a:srgbClr val="002060"/>
-                </a:solidFill>
-                <a:latin typeface="標楷體" panose="03000509000000000000" pitchFamily="65" charset="-120"/>
-                <a:ea typeface="標楷體" panose="03000509000000000000" pitchFamily="65" charset="-120"/>
-              </a:rPr>
-              <a:t> </a:t>
-            </a:r>
-            <a:r>
-              <a:rPr lang="en-US" altLang="zh-TW" sz="2400" spc="-1" dirty="0" smtClean="0">
-                <a:solidFill>
-                  <a:srgbClr val="002060"/>
-                </a:solidFill>
-                <a:latin typeface="標楷體" panose="03000509000000000000" pitchFamily="65" charset="-120"/>
-                <a:ea typeface="標楷體" panose="03000509000000000000" pitchFamily="65" charset="-120"/>
-              </a:rPr>
-              <a:t>(</a:t>
-            </a:r>
-            <a:r>
-              <a:rPr lang="zh-TW" altLang="en-US" sz="2400" spc="-1" dirty="0" smtClean="0">
-                <a:solidFill>
-                  <a:srgbClr val="002060"/>
-                </a:solidFill>
-                <a:latin typeface="標楷體" panose="03000509000000000000" pitchFamily="65" charset="-120"/>
-                <a:ea typeface="標楷體" panose="03000509000000000000" pitchFamily="65" charset="-120"/>
-              </a:rPr>
-              <a:t>有</a:t>
-            </a:r>
-            <a:r>
-              <a:rPr lang="en-US" altLang="zh-TW" sz="2400" spc="-1" dirty="0" smtClean="0">
-                <a:solidFill>
-                  <a:srgbClr val="002060"/>
-                </a:solidFill>
-                <a:latin typeface="標楷體" panose="03000509000000000000" pitchFamily="65" charset="-120"/>
-                <a:ea typeface="標楷體" panose="03000509000000000000" pitchFamily="65" charset="-120"/>
-              </a:rPr>
-              <a:t>A</a:t>
-            </a:r>
-            <a:r>
-              <a:rPr lang="zh-TW" altLang="en-US" sz="2400" spc="-1" dirty="0" smtClean="0">
-                <a:solidFill>
-                  <a:srgbClr val="002060"/>
-                </a:solidFill>
-                <a:latin typeface="標楷體" panose="03000509000000000000" pitchFamily="65" charset="-120"/>
-                <a:ea typeface="標楷體" panose="03000509000000000000" pitchFamily="65" charset="-120"/>
-              </a:rPr>
-              <a:t>版本</a:t>
-            </a:r>
-            <a:r>
-              <a:rPr lang="en-US" altLang="zh-TW" sz="2400" spc="-1" dirty="0" smtClean="0">
-                <a:solidFill>
-                  <a:srgbClr val="002060"/>
-                </a:solidFill>
-                <a:latin typeface="標楷體" panose="03000509000000000000" pitchFamily="65" charset="-120"/>
-                <a:ea typeface="標楷體" panose="03000509000000000000" pitchFamily="65" charset="-120"/>
-              </a:rPr>
-              <a:t>) &gt; </a:t>
+              <a:t>&gt; </a:t>
             </a:r>
             <a:r>
               <a:rPr lang="zh-TW" altLang="en-US" sz="2400" spc="-1" dirty="0">
@@ -21121,7 +21051,7 @@
             <a:r>
               <a:rPr lang="en-US" altLang="zh-TW" sz="1400" b="0" strike="noStrike" spc="-1" dirty="0" smtClean="0">
                 <a:solidFill>
-                  <a:srgbClr val="FF0000"/>
+                  <a:schemeClr val="tx1"/>
                 </a:solidFill>
                 <a:latin typeface="Arial"/>
               </a:rPr>
@@ -21129,7 +21059,7 @@
             </a:r>
             <a:endParaRPr lang="en-US" sz="1400" b="0" strike="noStrike" spc="-1" dirty="0">
               <a:solidFill>
-                <a:srgbClr val="FF0000"/>
+                <a:schemeClr val="tx1"/>
               </a:solidFill>
               <a:latin typeface="Arial"/>
             </a:endParaRPr>
@@ -24810,7 +24740,27 @@
                 <a:latin typeface="標楷體" panose="03000509000000000000" pitchFamily="65" charset="-120"/>
                 <a:ea typeface="標楷體" panose="03000509000000000000" pitchFamily="65" charset="-120"/>
               </a:rPr>
-              <a:t>、只有 </a:t>
+              <a:t>、</a:t>
+            </a:r>
+            <a:r>
+              <a:rPr lang="zh-TW" altLang="en-US" sz="2400" b="1" spc="-1" dirty="0" smtClean="0">
+                <a:solidFill>
+                  <a:srgbClr val="FF0000"/>
+                </a:solidFill>
+                <a:latin typeface="標楷體" panose="03000509000000000000" pitchFamily="65" charset="-120"/>
+                <a:ea typeface="標楷體" panose="03000509000000000000" pitchFamily="65" charset="-120"/>
+              </a:rPr>
+              <a:t>只有</a:t>
+            </a:r>
+            <a:r>
+              <a:rPr lang="zh-TW" altLang="en-US" sz="2400" spc="-1" dirty="0" smtClean="0">
+                <a:solidFill>
+                  <a:srgbClr val="002060"/>
+                </a:solidFill>
+                <a:latin typeface="標楷體" panose="03000509000000000000" pitchFamily="65" charset="-120"/>
+                <a:ea typeface="標楷體" panose="03000509000000000000" pitchFamily="65" charset="-120"/>
+              </a:rPr>
+              <a:t> </a:t>
             </a:r>
             <a:r>
               <a:rPr lang="en-US" altLang="zh-TW" sz="2400" spc="-1" dirty="0">
@@ -26248,7 +26198,7 @@
         </p:nvSpPr>
         <p:spPr>
           <a:xfrm>
-            <a:off x="9157917" y="3779418"/>
+            <a:off x="8982428" y="3760202"/>
             <a:ext cx="632865" cy="414104"/>
           </a:xfrm>
           <a:prstGeom prst="roundRect">
@@ -26315,7 +26265,7 @@
         </p:nvSpPr>
         <p:spPr>
           <a:xfrm>
-            <a:off x="9157917" y="3407330"/>
+            <a:off x="8982428" y="3388114"/>
             <a:ext cx="632865" cy="383559"/>
           </a:xfrm>
           <a:prstGeom prst="roundRect">
@@ -26377,7 +26327,7 @@
         <p:spPr>
           <a:xfrm>
             <a:off x="8475262" y="2453366"/>
-            <a:ext cx="591123" cy="284400"/>
+            <a:ext cx="402323" cy="284400"/>
           </a:xfrm>
           <a:prstGeom prst="rightArrow">
             <a:avLst>
@@ -26430,7 +26380,7 @@
         <p:spPr>
           <a:xfrm>
             <a:off x="8502271" y="3889525"/>
-            <a:ext cx="564114" cy="282213"/>
+            <a:ext cx="375314" cy="284781"/>
           </a:xfrm>
           <a:prstGeom prst="rightArrow">
             <a:avLst>
@@ -26482,7 +26432,7 @@
         </p:nvSpPr>
         <p:spPr>
           <a:xfrm>
-            <a:off x="9157917" y="2305090"/>
+            <a:off x="8982427" y="2305090"/>
             <a:ext cx="632865" cy="414104"/>
           </a:xfrm>
           <a:prstGeom prst="roundRect">
@@ -26546,7 +26496,7 @@
         </p:nvSpPr>
         <p:spPr>
           <a:xfrm>
-            <a:off x="9157917" y="1933002"/>
+            <a:off x="8982427" y="1933002"/>
             <a:ext cx="632865" cy="383559"/>
           </a:xfrm>
           <a:prstGeom prst="roundRect">
@@ -26739,8 +26689,8 @@
         </p:nvCxnSpPr>
         <p:spPr>
           <a:xfrm rot="5400000">
-            <a:off x="7380684" y="1291880"/>
-            <a:ext cx="666352" cy="3520981"/>
+            <a:off x="7292939" y="1379625"/>
+            <a:ext cx="666352" cy="3345491"/>
           </a:xfrm>
           <a:prstGeom prst="bentConnector3">
             <a:avLst/>
@@ -35100,12 +35050,22 @@
                 <a:latin typeface="標楷體" panose="03000509000000000000" pitchFamily="65" charset="-120"/>
                 <a:ea typeface="標楷體" panose="03000509000000000000" pitchFamily="65" charset="-120"/>
               </a:rPr>
-              <a:t>         重新將 </a:t>
+              <a:t>         </a:t>
+            </a:r>
+            <a:r>
+              <a:rPr lang="zh-TW" altLang="en-US" sz="2000" spc="-1" dirty="0" smtClean="0">
+                <a:solidFill>
+                  <a:srgbClr val="FF0000"/>
+                </a:solidFill>
+                <a:latin typeface="標楷體" panose="03000509000000000000" pitchFamily="65" charset="-120"/>
+                <a:ea typeface="標楷體" panose="03000509000000000000" pitchFamily="65" charset="-120"/>
+              </a:rPr>
+              <a:t>重新將 </a:t>
             </a:r>
             <a:r>
               <a:rPr lang="en-US" altLang="zh-TW" sz="2000" spc="-1" dirty="0" smtClean="0">
                 <a:solidFill>
-                  <a:srgbClr val="002060"/>
+                  <a:srgbClr val="FF0000"/>
                 </a:solidFill>
                 <a:latin typeface="標楷體" panose="03000509000000000000" pitchFamily="65" charset="-120"/>
                 <a:ea typeface="標楷體" panose="03000509000000000000" pitchFamily="65" charset="-120"/>
@@ -35115,7 +35075,7 @@
             <a:r>
               <a:rPr lang="zh-TW" altLang="en-US" sz="2000" spc="-1" dirty="0" smtClean="0">
                 <a:solidFill>
-                  <a:srgbClr val="002060"/>
+                  <a:srgbClr val="FF0000"/>
                 </a:solidFill>
                 <a:latin typeface="標楷體" panose="03000509000000000000" pitchFamily="65" charset="-120"/>
                 <a:ea typeface="標楷體" panose="03000509000000000000" pitchFamily="65" charset="-120"/>
@@ -35125,7 +35085,7 @@
             <a:r>
               <a:rPr lang="zh-TW" altLang="en-US" sz="2000" spc="-1" dirty="0" smtClean="0">
                 <a:solidFill>
-                  <a:srgbClr val="002060"/>
+                  <a:srgbClr val="FF0000"/>
                 </a:solidFill>
                 <a:latin typeface="標楷體" panose="03000509000000000000" pitchFamily="65" charset="-120"/>
                 <a:ea typeface="標楷體" panose="03000509000000000000" pitchFamily="65" charset="-120"/>
@@ -35135,7 +35095,7 @@
             <a:r>
               <a:rPr lang="en-US" altLang="zh-TW" sz="2000" spc="-1" dirty="0" smtClean="0">
                 <a:solidFill>
-                  <a:srgbClr val="002060"/>
+                  <a:srgbClr val="FF0000"/>
                 </a:solidFill>
                 <a:latin typeface="標楷體" panose="03000509000000000000" pitchFamily="65" charset="-120"/>
                 <a:ea typeface="標楷體" panose="03000509000000000000" pitchFamily="65" charset="-120"/>
@@ -35145,7 +35105,7 @@
             <a:r>
               <a:rPr lang="zh-TW" altLang="en-US" sz="2000" spc="-1" dirty="0" smtClean="0">
                 <a:solidFill>
-                  <a:srgbClr val="002060"/>
+                  <a:srgbClr val="FF0000"/>
                 </a:solidFill>
                 <a:latin typeface="標楷體" panose="03000509000000000000" pitchFamily="65" charset="-120"/>
                 <a:ea typeface="標楷體" panose="03000509000000000000" pitchFamily="65" charset="-120"/>
@@ -35280,7 +35240,7 @@
         </p:nvSpPr>
         <p:spPr>
           <a:xfrm>
-            <a:off x="183064" y="1987432"/>
+            <a:off x="183064" y="2052084"/>
             <a:ext cx="632865" cy="414104"/>
           </a:xfrm>
           <a:prstGeom prst="roundRect">
@@ -35347,7 +35307,7 @@
         </p:nvSpPr>
         <p:spPr>
           <a:xfrm>
-            <a:off x="183064" y="1615344"/>
+            <a:off x="183064" y="1679996"/>
             <a:ext cx="632865" cy="383559"/>
           </a:xfrm>
           <a:prstGeom prst="roundRect">
@@ -35408,7 +35368,7 @@
         </p:nvSpPr>
         <p:spPr>
           <a:xfrm>
-            <a:off x="1656933" y="1609741"/>
+            <a:off x="1656933" y="1674393"/>
             <a:ext cx="987709" cy="593280"/>
           </a:xfrm>
           <a:prstGeom prst="roundRect">
@@ -35477,7 +35437,7 @@
         </p:nvSpPr>
         <p:spPr>
           <a:xfrm>
-            <a:off x="1647933" y="2201581"/>
+            <a:off x="1647933" y="2266233"/>
             <a:ext cx="996709" cy="196920"/>
           </a:xfrm>
           <a:prstGeom prst="roundRect">
@@ -35537,7 +35497,7 @@
         </p:nvSpPr>
         <p:spPr>
           <a:xfrm>
-            <a:off x="2769550" y="1809891"/>
+            <a:off x="2769550" y="1874543"/>
             <a:ext cx="632865" cy="345520"/>
           </a:xfrm>
           <a:prstGeom prst="roundRect">
@@ -35600,7 +35560,7 @@
         </p:nvSpPr>
         <p:spPr>
           <a:xfrm>
-            <a:off x="3536483" y="1609741"/>
+            <a:off x="3536483" y="1674393"/>
             <a:ext cx="987709" cy="593280"/>
           </a:xfrm>
           <a:prstGeom prst="roundRect">
@@ -35692,7 +35652,7 @@
         </p:nvSpPr>
         <p:spPr>
           <a:xfrm>
-            <a:off x="3527483" y="2201581"/>
+            <a:off x="3527483" y="2266233"/>
             <a:ext cx="996709" cy="196920"/>
           </a:xfrm>
           <a:prstGeom prst="roundRect">
@@ -35752,7 +35712,7 @@
         </p:nvSpPr>
         <p:spPr>
           <a:xfrm>
-            <a:off x="4658260" y="1809891"/>
+            <a:off x="4658260" y="1874543"/>
             <a:ext cx="632865" cy="345520"/>
           </a:xfrm>
           <a:prstGeom prst="roundRect">
@@ -35813,7 +35773,7 @@
         </p:nvSpPr>
         <p:spPr>
           <a:xfrm>
-            <a:off x="5459514" y="1609741"/>
+            <a:off x="5459514" y="1674393"/>
             <a:ext cx="987709" cy="593280"/>
           </a:xfrm>
           <a:prstGeom prst="roundRect">
@@ -35882,7 +35842,7 @@
         </p:nvSpPr>
         <p:spPr>
           <a:xfrm>
-            <a:off x="5450514" y="2201581"/>
+            <a:off x="5450514" y="2266233"/>
             <a:ext cx="996709" cy="196920"/>
           </a:xfrm>
           <a:prstGeom prst="roundRect">
@@ -35942,7 +35902,7 @@
         </p:nvSpPr>
         <p:spPr>
           <a:xfrm>
-            <a:off x="2663911" y="2156224"/>
+            <a:off x="2663911" y="2220876"/>
             <a:ext cx="844141" cy="287634"/>
           </a:xfrm>
           <a:prstGeom prst="rightArrow">
@@ -35995,7 +35955,7 @@
         </p:nvSpPr>
         <p:spPr>
           <a:xfrm>
-            <a:off x="6599386" y="1781351"/>
+            <a:off x="6599386" y="1846003"/>
             <a:ext cx="632865" cy="345520"/>
           </a:xfrm>
           <a:prstGeom prst="roundRect">
@@ -36056,7 +36016,7 @@
         </p:nvSpPr>
         <p:spPr>
           <a:xfrm>
-            <a:off x="7396021" y="1625745"/>
+            <a:off x="7396021" y="1690397"/>
             <a:ext cx="987709" cy="593280"/>
           </a:xfrm>
           <a:prstGeom prst="roundRect">
@@ -36125,7 +36085,7 @@
         </p:nvSpPr>
         <p:spPr>
           <a:xfrm>
-            <a:off x="7387021" y="2217585"/>
+            <a:off x="7387021" y="2282237"/>
             <a:ext cx="996709" cy="196920"/>
           </a:xfrm>
           <a:prstGeom prst="roundRect">
@@ -36185,7 +36145,7 @@
         </p:nvSpPr>
         <p:spPr>
           <a:xfrm>
-            <a:off x="4571892" y="2155411"/>
+            <a:off x="4571892" y="2220063"/>
             <a:ext cx="844141" cy="287634"/>
           </a:xfrm>
           <a:prstGeom prst="rightArrow">
@@ -36238,7 +36198,7 @@
         </p:nvSpPr>
         <p:spPr>
           <a:xfrm>
-            <a:off x="6493749" y="2126871"/>
+            <a:off x="6493749" y="2191523"/>
             <a:ext cx="844141" cy="287634"/>
           </a:xfrm>
           <a:prstGeom prst="rightArrow">
@@ -36291,7 +36251,7 @@
         </p:nvSpPr>
         <p:spPr>
           <a:xfrm>
-            <a:off x="1252774" y="3026731"/>
+            <a:off x="1252774" y="3091383"/>
             <a:ext cx="632865" cy="345520"/>
           </a:xfrm>
           <a:prstGeom prst="roundRect">
@@ -36352,7 +36312,7 @@
         </p:nvSpPr>
         <p:spPr>
           <a:xfrm>
-            <a:off x="2146585" y="2878686"/>
+            <a:off x="2146585" y="2943338"/>
             <a:ext cx="987709" cy="593280"/>
           </a:xfrm>
           <a:prstGeom prst="roundRect">
@@ -36421,7 +36381,7 @@
         </p:nvSpPr>
         <p:spPr>
           <a:xfrm>
-            <a:off x="2137585" y="3470526"/>
+            <a:off x="2137585" y="3535178"/>
             <a:ext cx="996709" cy="196920"/>
           </a:xfrm>
           <a:prstGeom prst="roundRect">
@@ -36481,7 +36441,7 @@
         </p:nvSpPr>
         <p:spPr>
           <a:xfrm>
-            <a:off x="1204518" y="3379812"/>
+            <a:off x="1204518" y="3444464"/>
             <a:ext cx="844141" cy="287634"/>
           </a:xfrm>
           <a:prstGeom prst="rightArrow">
@@ -36534,7 +36494,7 @@
         </p:nvSpPr>
         <p:spPr>
           <a:xfrm>
-            <a:off x="3604385" y="3272558"/>
+            <a:off x="3604385" y="3337210"/>
             <a:ext cx="632865" cy="414104"/>
           </a:xfrm>
           <a:prstGeom prst="roundRect">
@@ -36601,7 +36561,7 @@
         </p:nvSpPr>
         <p:spPr>
           <a:xfrm>
-            <a:off x="3604385" y="2900470"/>
+            <a:off x="3604385" y="2965122"/>
             <a:ext cx="632865" cy="383559"/>
           </a:xfrm>
           <a:prstGeom prst="roundRect">
@@ -36662,7 +36622,7 @@
         </p:nvSpPr>
         <p:spPr>
           <a:xfrm>
-            <a:off x="8475263" y="2130105"/>
+            <a:off x="8475263" y="2194757"/>
             <a:ext cx="366224" cy="265826"/>
           </a:xfrm>
           <a:prstGeom prst="rightArrow">
@@ -36715,7 +36675,7 @@
         </p:nvSpPr>
         <p:spPr>
           <a:xfrm>
-            <a:off x="8880829" y="1981829"/>
+            <a:off x="8880829" y="2046481"/>
             <a:ext cx="632865" cy="414104"/>
           </a:xfrm>
           <a:prstGeom prst="roundRect">
@@ -36779,7 +36739,7 @@
         </p:nvSpPr>
         <p:spPr>
           <a:xfrm>
-            <a:off x="8880829" y="1609741"/>
+            <a:off x="8880829" y="1674393"/>
             <a:ext cx="632865" cy="383559"/>
           </a:xfrm>
           <a:prstGeom prst="roundRect">
@@ -36840,7 +36800,7 @@
         </p:nvSpPr>
         <p:spPr>
           <a:xfrm>
-            <a:off x="136883" y="2878686"/>
+            <a:off x="136883" y="2943338"/>
             <a:ext cx="987709" cy="593280"/>
           </a:xfrm>
           <a:prstGeom prst="roundRect">
@@ -36909,7 +36869,7 @@
         </p:nvSpPr>
         <p:spPr>
           <a:xfrm>
-            <a:off x="127883" y="3470526"/>
+            <a:off x="127883" y="3535178"/>
             <a:ext cx="996709" cy="196920"/>
           </a:xfrm>
           <a:prstGeom prst="roundRect">
@@ -36972,7 +36932,7 @@
         </p:nvCxnSpPr>
         <p:spPr>
           <a:xfrm rot="5400000">
-            <a:off x="4672624" y="-1645953"/>
+            <a:off x="4672624" y="-1581301"/>
             <a:ext cx="482753" cy="8566524"/>
           </a:xfrm>
           <a:prstGeom prst="bentConnector3">
@@ -37010,7 +36970,7 @@
         </p:nvSpPr>
         <p:spPr>
           <a:xfrm>
-            <a:off x="8695482" y="2523755"/>
+            <a:off x="8695482" y="2588407"/>
             <a:ext cx="1003562" cy="414147"/>
           </a:xfrm>
           <a:prstGeom prst="roundRect">
@@ -37085,7 +37045,7 @@
         </p:nvSpPr>
         <p:spPr>
           <a:xfrm>
-            <a:off x="913777" y="1809891"/>
+            <a:off x="913777" y="1874543"/>
             <a:ext cx="632865" cy="345520"/>
           </a:xfrm>
           <a:prstGeom prst="roundRect">
@@ -37154,7 +37114,7 @@
         </p:nvSpPr>
         <p:spPr>
           <a:xfrm>
-            <a:off x="944405" y="2159458"/>
+            <a:off x="944405" y="2224110"/>
             <a:ext cx="591123" cy="284400"/>
           </a:xfrm>
           <a:prstGeom prst="rightArrow">
@@ -37207,7 +37167,7 @@
         </p:nvSpPr>
         <p:spPr>
           <a:xfrm>
-            <a:off x="4714947" y="3273902"/>
+            <a:off x="4714947" y="3338554"/>
             <a:ext cx="632865" cy="414104"/>
           </a:xfrm>
           <a:prstGeom prst="roundRect">
@@ -37271,7 +37231,7 @@
         </p:nvSpPr>
         <p:spPr>
           <a:xfrm>
-            <a:off x="4714947" y="2901814"/>
+            <a:off x="4714947" y="2966466"/>
             <a:ext cx="632865" cy="383559"/>
           </a:xfrm>
           <a:prstGeom prst="roundRect">
@@ -37332,7 +37292,7 @@
         </p:nvSpPr>
         <p:spPr>
           <a:xfrm>
-            <a:off x="5512450" y="3624176"/>
+            <a:off x="5512450" y="3688828"/>
             <a:ext cx="987709" cy="593280"/>
           </a:xfrm>
           <a:prstGeom prst="roundRect">
@@ -37416,7 +37376,7 @@
         </p:nvSpPr>
         <p:spPr>
           <a:xfrm>
-            <a:off x="5503450" y="4216016"/>
+            <a:off x="5503450" y="4280668"/>
             <a:ext cx="996709" cy="196920"/>
           </a:xfrm>
           <a:prstGeom prst="roundRect">
@@ -37476,7 +37436,7 @@
         </p:nvSpPr>
         <p:spPr>
           <a:xfrm>
-            <a:off x="6652322" y="3795786"/>
+            <a:off x="6652322" y="3860438"/>
             <a:ext cx="632865" cy="345520"/>
           </a:xfrm>
           <a:prstGeom prst="roundRect">
@@ -37537,7 +37497,7 @@
         </p:nvSpPr>
         <p:spPr>
           <a:xfrm>
-            <a:off x="7448957" y="3640180"/>
+            <a:off x="7448957" y="3704832"/>
             <a:ext cx="987709" cy="593280"/>
           </a:xfrm>
           <a:prstGeom prst="roundRect">
@@ -37612,7 +37572,7 @@
         </p:nvSpPr>
         <p:spPr>
           <a:xfrm>
-            <a:off x="7439957" y="4232020"/>
+            <a:off x="7439957" y="4296672"/>
             <a:ext cx="996709" cy="196920"/>
           </a:xfrm>
           <a:prstGeom prst="roundRect">
@@ -37672,7 +37632,7 @@
         </p:nvSpPr>
         <p:spPr>
           <a:xfrm>
-            <a:off x="6546685" y="4141306"/>
+            <a:off x="6546685" y="4205958"/>
             <a:ext cx="844141" cy="287634"/>
           </a:xfrm>
           <a:prstGeom prst="rightArrow">
@@ -37725,7 +37685,7 @@
         </p:nvSpPr>
         <p:spPr>
           <a:xfrm>
-            <a:off x="8934705" y="4010156"/>
+            <a:off x="8934705" y="4074808"/>
             <a:ext cx="632865" cy="414104"/>
           </a:xfrm>
           <a:prstGeom prst="roundRect">
@@ -37792,7 +37752,7 @@
         </p:nvSpPr>
         <p:spPr>
           <a:xfrm>
-            <a:off x="8934705" y="3638068"/>
+            <a:off x="8934705" y="3702720"/>
             <a:ext cx="632865" cy="383559"/>
           </a:xfrm>
           <a:prstGeom prst="roundRect">
@@ -37853,7 +37813,7 @@
         </p:nvSpPr>
         <p:spPr>
           <a:xfrm>
-            <a:off x="3185566" y="3382966"/>
+            <a:off x="3185566" y="3447618"/>
             <a:ext cx="366224" cy="265826"/>
           </a:xfrm>
           <a:prstGeom prst="rightArrow">
@@ -37906,7 +37866,7 @@
         </p:nvSpPr>
         <p:spPr>
           <a:xfrm>
-            <a:off x="4289845" y="3377869"/>
+            <a:off x="4289845" y="3442521"/>
             <a:ext cx="366224" cy="265826"/>
           </a:xfrm>
           <a:prstGeom prst="rightArrow">
@@ -37959,7 +37919,7 @@
         </p:nvSpPr>
         <p:spPr>
           <a:xfrm>
-            <a:off x="8494901" y="4140378"/>
+            <a:off x="8494901" y="4205030"/>
             <a:ext cx="366224" cy="265826"/>
           </a:xfrm>
           <a:prstGeom prst="rightArrow">
@@ -38015,7 +37975,7 @@
         </p:nvCxnSpPr>
         <p:spPr>
           <a:xfrm rot="16200000" flipH="1">
-            <a:off x="5155510" y="3563876"/>
+            <a:off x="5155510" y="3628528"/>
             <a:ext cx="232810" cy="481070"/>
           </a:xfrm>
           <a:prstGeom prst="bentConnector2">
@@ -38185,8 +38145,8 @@
         </p:nvSpPr>
         <p:spPr>
           <a:xfrm>
-            <a:off x="24232" y="4458385"/>
-            <a:ext cx="9906819" cy="1729884"/>
+            <a:off x="245902" y="3960817"/>
+            <a:ext cx="9522931" cy="2449121"/>
           </a:xfrm>
           <a:prstGeom prst="rect">
             <a:avLst/>
@@ -38249,7 +38209,7 @@
               <a:t>細節</a:t>
             </a:r>
             <a:r>
-              <a:rPr lang="en-US" altLang="zh-TW" sz="1800" b="1" spc="-1" dirty="0">
+              <a:rPr lang="en-US" altLang="zh-TW" sz="1800" b="1" spc="-1" dirty="0" smtClean="0">
                 <a:solidFill>
                   <a:srgbClr val="002060"/>
                 </a:solidFill>
@@ -38258,6 +38218,13 @@
               </a:rPr>
               <a:t>:</a:t>
             </a:r>
+            <a:endParaRPr lang="en-US" altLang="zh-TW" sz="1800" b="1" spc="-1" dirty="0">
+              <a:solidFill>
+                <a:srgbClr val="002060"/>
+              </a:solidFill>
+              <a:latin typeface="標楷體" panose="03000509000000000000" pitchFamily="65" charset="-120"/>
+              <a:ea typeface="標楷體" panose="03000509000000000000" pitchFamily="65" charset="-120"/>
+            </a:endParaRPr>
           </a:p>
           <a:p>
             <a:pPr>
@@ -38388,76 +38355,13 @@
               </a:rPr>
               <a:t>版本 </a:t>
             </a:r>
-            <a:r>
-              <a:rPr lang="en-US" altLang="zh-TW" sz="1800" spc="-1" dirty="0">
-                <a:solidFill>
-                  <a:srgbClr val="002060"/>
-                </a:solidFill>
-                <a:latin typeface="標楷體" panose="03000509000000000000" pitchFamily="65" charset="-120"/>
-                <a:ea typeface="標楷體" panose="03000509000000000000" pitchFamily="65" charset="-120"/>
-              </a:rPr>
-              <a:t>&gt;</a:t>
-            </a:r>
-            <a:r>
-              <a:rPr lang="zh-TW" altLang="en-US" sz="1800" spc="-1" dirty="0">
-                <a:solidFill>
-                  <a:srgbClr val="002060"/>
-                </a:solidFill>
-                <a:latin typeface="標楷體" panose="03000509000000000000" pitchFamily="65" charset="-120"/>
-                <a:ea typeface="標楷體" panose="03000509000000000000" pitchFamily="65" charset="-120"/>
-              </a:rPr>
-              <a:t> </a:t>
-            </a:r>
-            <a:r>
-              <a:rPr lang="en-US" altLang="zh-TW" sz="1800" spc="-1" dirty="0">
-                <a:solidFill>
-                  <a:srgbClr val="002060"/>
-                </a:solidFill>
-                <a:latin typeface="標楷體" panose="03000509000000000000" pitchFamily="65" charset="-120"/>
-                <a:ea typeface="標楷體" panose="03000509000000000000" pitchFamily="65" charset="-120"/>
-              </a:rPr>
-              <a:t>Push </a:t>
-            </a:r>
-            <a:r>
-              <a:rPr lang="en-US" altLang="zh-TW" sz="1800" spc="-1" dirty="0">
-                <a:solidFill>
-                  <a:srgbClr val="FF0000"/>
-                </a:solidFill>
-                <a:latin typeface="標楷體" panose="03000509000000000000" pitchFamily="65" charset="-120"/>
-                <a:ea typeface="標楷體" panose="03000509000000000000" pitchFamily="65" charset="-120"/>
-              </a:rPr>
-              <a:t>Issue </a:t>
-            </a:r>
-            <a:r>
-              <a:rPr lang="en-US" altLang="zh-TW" sz="1800" spc="-1" dirty="0" smtClean="0">
-                <a:solidFill>
-                  <a:srgbClr val="FF0000"/>
-                </a:solidFill>
-                <a:latin typeface="標楷體" panose="03000509000000000000" pitchFamily="65" charset="-120"/>
-                <a:ea typeface="標楷體" panose="03000509000000000000" pitchFamily="65" charset="-120"/>
-              </a:rPr>
-              <a:t>B</a:t>
-            </a:r>
-            <a:r>
-              <a:rPr lang="en-US" altLang="zh-TW" sz="1800" spc="-1" dirty="0" smtClean="0">
-                <a:solidFill>
-                  <a:srgbClr val="002060"/>
-                </a:solidFill>
-                <a:latin typeface="標楷體" panose="03000509000000000000" pitchFamily="65" charset="-120"/>
-                <a:ea typeface="標楷體" panose="03000509000000000000" pitchFamily="65" charset="-120"/>
-              </a:rPr>
-              <a:t> </a:t>
-            </a:r>
-            <a:r>
-              <a:rPr lang="en-US" altLang="zh-TW" sz="1800" spc="-1" dirty="0">
-                <a:solidFill>
-                  <a:srgbClr val="002060"/>
-                </a:solidFill>
-                <a:latin typeface="標楷體" panose="03000509000000000000" pitchFamily="65" charset="-120"/>
-                <a:ea typeface="標楷體" panose="03000509000000000000" pitchFamily="65" charset="-120"/>
-              </a:rPr>
-              <a:t>branch </a:t>
-            </a:r>
+            <a:endParaRPr lang="en-US" altLang="zh-TW" sz="1800" spc="-1" dirty="0" smtClean="0">
+              <a:solidFill>
+                <a:srgbClr val="002060"/>
+              </a:solidFill>
+              <a:latin typeface="標楷體" panose="03000509000000000000" pitchFamily="65" charset="-120"/>
+              <a:ea typeface="標楷體" panose="03000509000000000000" pitchFamily="65" charset="-120"/>
+            </a:endParaRPr>
           </a:p>
           <a:p>
             <a:pPr>
@@ -38476,11 +38380,31 @@
                 <a:latin typeface="標楷體" panose="03000509000000000000" pitchFamily="65" charset="-120"/>
                 <a:ea typeface="標楷體" panose="03000509000000000000" pitchFamily="65" charset="-120"/>
               </a:rPr>
-              <a:t>&gt; Merge </a:t>
+              <a:t>&gt;</a:t>
+            </a:r>
+            <a:r>
+              <a:rPr lang="zh-TW" altLang="en-US" sz="1800" spc="-1" dirty="0" smtClean="0">
+                <a:solidFill>
+                  <a:srgbClr val="002060"/>
+                </a:solidFill>
+                <a:latin typeface="標楷體" panose="03000509000000000000" pitchFamily="65" charset="-120"/>
+                <a:ea typeface="標楷體" panose="03000509000000000000" pitchFamily="65" charset="-120"/>
+              </a:rPr>
+              <a:t> </a:t>
             </a:r>
             <a:r>
               <a:rPr lang="en-US" altLang="zh-TW" sz="1800" spc="-1" dirty="0">
                 <a:solidFill>
+                  <a:srgbClr val="002060"/>
+                </a:solidFill>
+                <a:latin typeface="標楷體" panose="03000509000000000000" pitchFamily="65" charset="-120"/>
+                <a:ea typeface="標楷體" panose="03000509000000000000" pitchFamily="65" charset="-120"/>
+              </a:rPr>
+              <a:t>Push </a:t>
+            </a:r>
+            <a:r>
+              <a:rPr lang="en-US" altLang="zh-TW" sz="1800" spc="-1" dirty="0">
+                <a:solidFill>
                   <a:srgbClr val="FF0000"/>
                 </a:solidFill>
                 <a:latin typeface="標楷體" panose="03000509000000000000" pitchFamily="65" charset="-120"/>
@@ -38516,95 +38440,8 @@
                 <a:latin typeface="標楷體" panose="03000509000000000000" pitchFamily="65" charset="-120"/>
                 <a:ea typeface="標楷體" panose="03000509000000000000" pitchFamily="65" charset="-120"/>
               </a:rPr>
-              <a:t>branch</a:t>
-            </a:r>
-            <a:r>
-              <a:rPr lang="zh-TW" altLang="en-US" sz="1800" spc="-1" dirty="0">
-                <a:solidFill>
-                  <a:srgbClr val="002060"/>
-                </a:solidFill>
-                <a:latin typeface="標楷體" panose="03000509000000000000" pitchFamily="65" charset="-120"/>
-                <a:ea typeface="標楷體" panose="03000509000000000000" pitchFamily="65" charset="-120"/>
-              </a:rPr>
-              <a:t> 至 </a:t>
-            </a:r>
-            <a:r>
-              <a:rPr lang="en-US" altLang="zh-TW" sz="1800" spc="-1" dirty="0">
-                <a:solidFill>
-                  <a:srgbClr val="FF0000"/>
-                </a:solidFill>
-                <a:latin typeface="標楷體" panose="03000509000000000000" pitchFamily="65" charset="-120"/>
-                <a:ea typeface="標楷體" panose="03000509000000000000" pitchFamily="65" charset="-120"/>
-              </a:rPr>
-              <a:t>dev</a:t>
-            </a:r>
-            <a:r>
-              <a:rPr lang="en-US" altLang="zh-TW" sz="1800" spc="-1" dirty="0">
-                <a:solidFill>
-                  <a:srgbClr val="002060"/>
-                </a:solidFill>
-                <a:latin typeface="標楷體" panose="03000509000000000000" pitchFamily="65" charset="-120"/>
-                <a:ea typeface="標楷體" panose="03000509000000000000" pitchFamily="65" charset="-120"/>
-              </a:rPr>
-              <a:t> branch </a:t>
-            </a:r>
-            <a:r>
-              <a:rPr lang="zh-TW" altLang="en-US" sz="1800" spc="-1" dirty="0">
-                <a:solidFill>
-                  <a:srgbClr val="002060"/>
-                </a:solidFill>
-                <a:latin typeface="標楷體" panose="03000509000000000000" pitchFamily="65" charset="-120"/>
-                <a:ea typeface="標楷體" panose="03000509000000000000" pitchFamily="65" charset="-120"/>
-              </a:rPr>
-              <a:t>進行 </a:t>
-            </a:r>
-            <a:r>
-              <a:rPr lang="en-US" altLang="zh-TW" sz="1800" spc="-1" dirty="0">
-                <a:solidFill>
-                  <a:srgbClr val="002060"/>
-                </a:solidFill>
-                <a:latin typeface="標楷體" panose="03000509000000000000" pitchFamily="65" charset="-120"/>
-                <a:ea typeface="標楷體" panose="03000509000000000000" pitchFamily="65" charset="-120"/>
-              </a:rPr>
-              <a:t>SIT</a:t>
-            </a:r>
-            <a:r>
-              <a:rPr lang="zh-TW" altLang="en-US" sz="1800" spc="-1" dirty="0">
-                <a:solidFill>
-                  <a:srgbClr val="002060"/>
-                </a:solidFill>
-                <a:latin typeface="標楷體" panose="03000509000000000000" pitchFamily="65" charset="-120"/>
-                <a:ea typeface="標楷體" panose="03000509000000000000" pitchFamily="65" charset="-120"/>
-              </a:rPr>
-              <a:t> </a:t>
-            </a:r>
-            <a:r>
-              <a:rPr lang="zh-TW" altLang="en-US" sz="1800" spc="-1" dirty="0" smtClean="0">
-                <a:solidFill>
-                  <a:srgbClr val="002060"/>
-                </a:solidFill>
-                <a:latin typeface="標楷體" panose="03000509000000000000" pitchFamily="65" charset="-120"/>
-                <a:ea typeface="標楷體" panose="03000509000000000000" pitchFamily="65" charset="-120"/>
-              </a:rPr>
-              <a:t>測試 </a:t>
-            </a:r>
-            <a:r>
-              <a:rPr lang="en-US" altLang="zh-TW" sz="1800" spc="-1" dirty="0">
-                <a:solidFill>
-                  <a:srgbClr val="002060"/>
-                </a:solidFill>
-                <a:latin typeface="標楷體" panose="03000509000000000000" pitchFamily="65" charset="-120"/>
-                <a:ea typeface="標楷體" panose="03000509000000000000" pitchFamily="65" charset="-120"/>
-              </a:rPr>
-              <a:t>(A+B)</a:t>
-            </a:r>
-            <a:endParaRPr lang="en-US" altLang="zh-TW" sz="1800" spc="-1" dirty="0" smtClean="0">
-              <a:solidFill>
-                <a:srgbClr val="002060"/>
-              </a:solidFill>
-              <a:latin typeface="標楷體" panose="03000509000000000000" pitchFamily="65" charset="-120"/>
-              <a:ea typeface="標楷體" panose="03000509000000000000" pitchFamily="65" charset="-120"/>
-            </a:endParaRPr>
+              <a:t>branch </a:t>
+            </a:r>
           </a:p>
           <a:p>
             <a:pPr>
@@ -38616,14 +38453,24 @@
               </a:tabLst>
             </a:pPr>
             <a:r>
+              <a:rPr lang="en-US" altLang="zh-TW" sz="1800" spc="-1" dirty="0" smtClean="0">
+                <a:solidFill>
+                  <a:srgbClr val="002060"/>
+                </a:solidFill>
+                <a:latin typeface="標楷體" panose="03000509000000000000" pitchFamily="65" charset="-120"/>
+                <a:ea typeface="標楷體" panose="03000509000000000000" pitchFamily="65" charset="-120"/>
+              </a:rPr>
+              <a:t>&gt; Merge </a:t>
+            </a:r>
+            <a:r>
               <a:rPr lang="en-US" altLang="zh-TW" sz="1800" spc="-1" dirty="0">
                 <a:solidFill>
-                  <a:srgbClr val="002060"/>
-                </a:solidFill>
-                <a:latin typeface="標楷體" panose="03000509000000000000" pitchFamily="65" charset="-120"/>
-                <a:ea typeface="標楷體" panose="03000509000000000000" pitchFamily="65" charset="-120"/>
-              </a:rPr>
-              <a:t>&gt; </a:t>
+                  <a:srgbClr val="FF0000"/>
+                </a:solidFill>
+                <a:latin typeface="標楷體" panose="03000509000000000000" pitchFamily="65" charset="-120"/>
+                <a:ea typeface="標楷體" panose="03000509000000000000" pitchFamily="65" charset="-120"/>
+              </a:rPr>
+              <a:t>Issue </a:t>
             </a:r>
             <a:r>
               <a:rPr lang="en-US" altLang="zh-TW" sz="1800" spc="-1" dirty="0" smtClean="0">
@@ -38633,7 +38480,7 @@
                 <a:latin typeface="標楷體" panose="03000509000000000000" pitchFamily="65" charset="-120"/>
                 <a:ea typeface="標楷體" panose="03000509000000000000" pitchFamily="65" charset="-120"/>
               </a:rPr>
-              <a:t>main</a:t>
+              <a:t>B</a:t>
             </a:r>
             <a:r>
               <a:rPr lang="en-US" altLang="zh-TW" sz="1800" spc="-1" dirty="0" smtClean="0">
@@ -38653,7 +38500,67 @@
                 <a:latin typeface="標楷體" panose="03000509000000000000" pitchFamily="65" charset="-120"/>
                 <a:ea typeface="標楷體" panose="03000509000000000000" pitchFamily="65" charset="-120"/>
               </a:rPr>
-              <a:t>branch </a:t>
+              <a:t>branch</a:t>
+            </a:r>
+            <a:r>
+              <a:rPr lang="zh-TW" altLang="en-US" sz="1800" spc="-1" dirty="0">
+                <a:solidFill>
+                  <a:srgbClr val="002060"/>
+                </a:solidFill>
+                <a:latin typeface="標楷體" panose="03000509000000000000" pitchFamily="65" charset="-120"/>
+                <a:ea typeface="標楷體" panose="03000509000000000000" pitchFamily="65" charset="-120"/>
+              </a:rPr>
+              <a:t> 至 </a:t>
+            </a:r>
+            <a:r>
+              <a:rPr lang="en-US" altLang="zh-TW" sz="1800" spc="-1" dirty="0">
+                <a:solidFill>
+                  <a:srgbClr val="FF0000"/>
+                </a:solidFill>
+                <a:latin typeface="標楷體" panose="03000509000000000000" pitchFamily="65" charset="-120"/>
+                <a:ea typeface="標楷體" panose="03000509000000000000" pitchFamily="65" charset="-120"/>
+              </a:rPr>
+              <a:t>dev</a:t>
+            </a:r>
+            <a:r>
+              <a:rPr lang="en-US" altLang="zh-TW" sz="1800" spc="-1" dirty="0">
+                <a:solidFill>
+                  <a:srgbClr val="002060"/>
+                </a:solidFill>
+                <a:latin typeface="標楷體" panose="03000509000000000000" pitchFamily="65" charset="-120"/>
+                <a:ea typeface="標楷體" panose="03000509000000000000" pitchFamily="65" charset="-120"/>
+              </a:rPr>
+              <a:t> branch </a:t>
+            </a:r>
+            <a:r>
+              <a:rPr lang="zh-TW" altLang="en-US" sz="1800" spc="-1" dirty="0">
+                <a:solidFill>
+                  <a:srgbClr val="002060"/>
+                </a:solidFill>
+                <a:latin typeface="標楷體" panose="03000509000000000000" pitchFamily="65" charset="-120"/>
+                <a:ea typeface="標楷體" panose="03000509000000000000" pitchFamily="65" charset="-120"/>
+              </a:rPr>
+              <a:t>進行 </a:t>
+            </a:r>
+            <a:r>
+              <a:rPr lang="en-US" altLang="zh-TW" sz="1800" spc="-1" dirty="0">
+                <a:solidFill>
+                  <a:srgbClr val="002060"/>
+                </a:solidFill>
+                <a:latin typeface="標楷體" panose="03000509000000000000" pitchFamily="65" charset="-120"/>
+                <a:ea typeface="標楷體" panose="03000509000000000000" pitchFamily="65" charset="-120"/>
+              </a:rPr>
+              <a:t>SIT</a:t>
+            </a:r>
+            <a:r>
+              <a:rPr lang="zh-TW" altLang="en-US" sz="1800" spc="-1" dirty="0">
+                <a:solidFill>
+                  <a:srgbClr val="002060"/>
+                </a:solidFill>
+                <a:latin typeface="標楷體" panose="03000509000000000000" pitchFamily="65" charset="-120"/>
+                <a:ea typeface="標楷體" panose="03000509000000000000" pitchFamily="65" charset="-120"/>
+              </a:rPr>
+              <a:t> </a:t>
             </a:r>
             <a:r>
               <a:rPr lang="zh-TW" altLang="en-US" sz="1800" spc="-1" dirty="0" smtClean="0">
@@ -38663,17 +38570,7 @@
                 <a:latin typeface="標楷體" panose="03000509000000000000" pitchFamily="65" charset="-120"/>
                 <a:ea typeface="標楷體" panose="03000509000000000000" pitchFamily="65" charset="-120"/>
               </a:rPr>
-              <a:t>先 </a:t>
-            </a:r>
-            <a:r>
-              <a:rPr lang="en-US" altLang="zh-TW" sz="1800" b="1" spc="-1" dirty="0">
-                <a:solidFill>
-                  <a:srgbClr val="FF0000"/>
-                </a:solidFill>
-                <a:latin typeface="標楷體" panose="03000509000000000000" pitchFamily="65" charset="-120"/>
-                <a:ea typeface="標楷體" panose="03000509000000000000" pitchFamily="65" charset="-120"/>
-              </a:rPr>
-              <a:t>Revert</a:t>
+              <a:t>測試 </a:t>
             </a:r>
             <a:r>
               <a:rPr lang="en-US" altLang="zh-TW" sz="1800" spc="-1" dirty="0">
@@ -38683,29 +38580,9 @@
                 <a:latin typeface="標楷體" panose="03000509000000000000" pitchFamily="65" charset="-120"/>
                 <a:ea typeface="標楷體" panose="03000509000000000000" pitchFamily="65" charset="-120"/>
               </a:rPr>
-              <a:t> </a:t>
-            </a:r>
-            <a:r>
-              <a:rPr lang="zh-TW" altLang="en-US" sz="1800" spc="-1" dirty="0">
-                <a:solidFill>
-                  <a:srgbClr val="002060"/>
-                </a:solidFill>
-                <a:latin typeface="標楷體" panose="03000509000000000000" pitchFamily="65" charset="-120"/>
-                <a:ea typeface="標楷體" panose="03000509000000000000" pitchFamily="65" charset="-120"/>
-              </a:rPr>
-              <a:t>至 </a:t>
-            </a:r>
-            <a:r>
-              <a:rPr lang="en-US" altLang="zh-TW" sz="1800" spc="-1" dirty="0" smtClean="0">
-                <a:solidFill>
-                  <a:srgbClr val="002060"/>
-                </a:solidFill>
-                <a:latin typeface="標楷體" panose="03000509000000000000" pitchFamily="65" charset="-120"/>
-                <a:ea typeface="標楷體" panose="03000509000000000000" pitchFamily="65" charset="-120"/>
-              </a:rPr>
-              <a:t>Prod</a:t>
-            </a:r>
-            <a:endParaRPr lang="en-US" altLang="zh-TW" sz="1800" spc="-1" dirty="0">
+              <a:t>(A+B)</a:t>
+            </a:r>
+            <a:endParaRPr lang="en-US" altLang="zh-TW" sz="1800" spc="-1" dirty="0" smtClean="0">
               <a:solidFill>
                 <a:srgbClr val="002060"/>
               </a:solidFill>
@@ -38723,14 +38600,44 @@
               </a:tabLst>
             </a:pPr>
             <a:r>
+              <a:rPr lang="en-US" altLang="zh-TW" sz="1800" spc="-1" dirty="0">
+                <a:solidFill>
+                  <a:srgbClr val="002060"/>
+                </a:solidFill>
+                <a:latin typeface="標楷體" panose="03000509000000000000" pitchFamily="65" charset="-120"/>
+                <a:ea typeface="標楷體" panose="03000509000000000000" pitchFamily="65" charset="-120"/>
+              </a:rPr>
+              <a:t>&gt; </a:t>
+            </a:r>
+            <a:r>
               <a:rPr lang="en-US" altLang="zh-TW" sz="1800" spc="-1" dirty="0" smtClean="0">
                 <a:solidFill>
-                  <a:srgbClr val="002060"/>
-                </a:solidFill>
-                <a:latin typeface="標楷體" panose="03000509000000000000" pitchFamily="65" charset="-120"/>
-                <a:ea typeface="標楷體" panose="03000509000000000000" pitchFamily="65" charset="-120"/>
-              </a:rPr>
-              <a:t>&gt;</a:t>
+                  <a:srgbClr val="FF0000"/>
+                </a:solidFill>
+                <a:latin typeface="標楷體" panose="03000509000000000000" pitchFamily="65" charset="-120"/>
+                <a:ea typeface="標楷體" panose="03000509000000000000" pitchFamily="65" charset="-120"/>
+              </a:rPr>
+              <a:t>main</a:t>
+            </a:r>
+            <a:r>
+              <a:rPr lang="en-US" altLang="zh-TW" sz="1800" spc="-1" dirty="0" smtClean="0">
+                <a:solidFill>
+                  <a:srgbClr val="002060"/>
+                </a:solidFill>
+                <a:latin typeface="標楷體" panose="03000509000000000000" pitchFamily="65" charset="-120"/>
+                <a:ea typeface="標楷體" panose="03000509000000000000" pitchFamily="65" charset="-120"/>
+              </a:rPr>
+              <a:t> </a:t>
+            </a:r>
+            <a:r>
+              <a:rPr lang="en-US" altLang="zh-TW" sz="1800" spc="-1" dirty="0">
+                <a:solidFill>
+                  <a:srgbClr val="002060"/>
+                </a:solidFill>
+                <a:latin typeface="標楷體" panose="03000509000000000000" pitchFamily="65" charset="-120"/>
+                <a:ea typeface="標楷體" panose="03000509000000000000" pitchFamily="65" charset="-120"/>
+              </a:rPr>
+              <a:t>branch </a:t>
             </a:r>
             <a:r>
               <a:rPr lang="zh-TW" altLang="en-US" sz="1800" spc="-1" dirty="0" smtClean="0">
@@ -38740,9 +38647,39 @@
                 <a:latin typeface="標楷體" panose="03000509000000000000" pitchFamily="65" charset="-120"/>
                 <a:ea typeface="標楷體" panose="03000509000000000000" pitchFamily="65" charset="-120"/>
               </a:rPr>
+              <a:t>先 </a:t>
+            </a:r>
+            <a:r>
+              <a:rPr lang="en-US" altLang="zh-TW" sz="1800" b="1" spc="-1" dirty="0">
+                <a:solidFill>
+                  <a:srgbClr val="FF0000"/>
+                </a:solidFill>
+                <a:latin typeface="標楷體" panose="03000509000000000000" pitchFamily="65" charset="-120"/>
+                <a:ea typeface="標楷體" panose="03000509000000000000" pitchFamily="65" charset="-120"/>
+              </a:rPr>
+              <a:t>Revert</a:t>
+            </a:r>
+            <a:r>
+              <a:rPr lang="en-US" altLang="zh-TW" sz="1800" spc="-1" dirty="0">
+                <a:solidFill>
+                  <a:srgbClr val="002060"/>
+                </a:solidFill>
+                <a:latin typeface="標楷體" panose="03000509000000000000" pitchFamily="65" charset="-120"/>
+                <a:ea typeface="標楷體" panose="03000509000000000000" pitchFamily="65" charset="-120"/>
+              </a:rPr>
               <a:t> </a:t>
             </a:r>
             <a:r>
+              <a:rPr lang="zh-TW" altLang="en-US" sz="1800" spc="-1" dirty="0">
+                <a:solidFill>
+                  <a:srgbClr val="002060"/>
+                </a:solidFill>
+                <a:latin typeface="標楷體" panose="03000509000000000000" pitchFamily="65" charset="-120"/>
+                <a:ea typeface="標楷體" panose="03000509000000000000" pitchFamily="65" charset="-120"/>
+              </a:rPr>
+              <a:t>至 </a:t>
+            </a:r>
+            <a:r>
               <a:rPr lang="en-US" altLang="zh-TW" sz="1800" spc="-1" dirty="0" smtClean="0">
                 <a:solidFill>
                   <a:srgbClr val="002060"/>
@@ -38750,198 +38687,15 @@
                 <a:latin typeface="標楷體" panose="03000509000000000000" pitchFamily="65" charset="-120"/>
                 <a:ea typeface="標楷體" panose="03000509000000000000" pitchFamily="65" charset="-120"/>
               </a:rPr>
-              <a:t>Merge </a:t>
-            </a:r>
-            <a:r>
-              <a:rPr lang="en-US" altLang="zh-TW" sz="1800" spc="-1" dirty="0" smtClean="0">
-                <a:solidFill>
-                  <a:srgbClr val="FF0000"/>
-                </a:solidFill>
-                <a:latin typeface="標楷體" panose="03000509000000000000" pitchFamily="65" charset="-120"/>
-                <a:ea typeface="標楷體" panose="03000509000000000000" pitchFamily="65" charset="-120"/>
-              </a:rPr>
-              <a:t>Issue B</a:t>
-            </a:r>
-            <a:r>
-              <a:rPr lang="en-US" altLang="zh-TW" sz="1800" spc="-1" dirty="0">
-                <a:solidFill>
-                  <a:srgbClr val="002060"/>
-                </a:solidFill>
-                <a:latin typeface="標楷體" panose="03000509000000000000" pitchFamily="65" charset="-120"/>
-                <a:ea typeface="標楷體" panose="03000509000000000000" pitchFamily="65" charset="-120"/>
-              </a:rPr>
-              <a:t> </a:t>
-            </a:r>
-            <a:r>
-              <a:rPr lang="en-US" altLang="zh-TW" sz="1800" spc="-1" dirty="0" smtClean="0">
-                <a:solidFill>
-                  <a:srgbClr val="002060"/>
-                </a:solidFill>
-                <a:latin typeface="標楷體" panose="03000509000000000000" pitchFamily="65" charset="-120"/>
-                <a:ea typeface="標楷體" panose="03000509000000000000" pitchFamily="65" charset="-120"/>
-              </a:rPr>
-              <a:t>branch</a:t>
-            </a:r>
-            <a:r>
-              <a:rPr lang="zh-TW" altLang="en-US" sz="1800" spc="-1" dirty="0" smtClean="0">
-                <a:solidFill>
-                  <a:srgbClr val="002060"/>
-                </a:solidFill>
-                <a:latin typeface="標楷體" panose="03000509000000000000" pitchFamily="65" charset="-120"/>
-                <a:ea typeface="標楷體" panose="03000509000000000000" pitchFamily="65" charset="-120"/>
-              </a:rPr>
-              <a:t> </a:t>
-            </a:r>
-            <a:r>
-              <a:rPr lang="zh-TW" altLang="en-US" sz="1800" spc="-1" dirty="0" smtClean="0">
-                <a:solidFill>
-                  <a:srgbClr val="002060"/>
-                </a:solidFill>
-                <a:latin typeface="標楷體" panose="03000509000000000000" pitchFamily="65" charset="-120"/>
-                <a:ea typeface="標楷體" panose="03000509000000000000" pitchFamily="65" charset="-120"/>
-              </a:rPr>
-              <a:t>至 </a:t>
-            </a:r>
-            <a:r>
-              <a:rPr lang="en-US" altLang="zh-TW" sz="1800" spc="-1" dirty="0" smtClean="0">
-                <a:solidFill>
-                  <a:srgbClr val="FF0000"/>
-                </a:solidFill>
-                <a:latin typeface="標楷體" panose="03000509000000000000" pitchFamily="65" charset="-120"/>
-                <a:ea typeface="標楷體" panose="03000509000000000000" pitchFamily="65" charset="-120"/>
-              </a:rPr>
-              <a:t>main</a:t>
-            </a:r>
-            <a:r>
-              <a:rPr lang="en-US" altLang="zh-TW" sz="1800" spc="-1" dirty="0" smtClean="0">
-                <a:solidFill>
-                  <a:srgbClr val="002060"/>
-                </a:solidFill>
-                <a:latin typeface="標楷體" panose="03000509000000000000" pitchFamily="65" charset="-120"/>
-                <a:ea typeface="標楷體" panose="03000509000000000000" pitchFamily="65" charset="-120"/>
-              </a:rPr>
-              <a:t> </a:t>
-            </a:r>
-            <a:r>
-              <a:rPr lang="en-US" altLang="zh-TW" sz="1800" spc="-1" dirty="0">
-                <a:solidFill>
-                  <a:srgbClr val="002060"/>
-                </a:solidFill>
-                <a:latin typeface="標楷體" panose="03000509000000000000" pitchFamily="65" charset="-120"/>
-                <a:ea typeface="標楷體" panose="03000509000000000000" pitchFamily="65" charset="-120"/>
-              </a:rPr>
-              <a:t>branch </a:t>
-            </a:r>
-            <a:r>
-              <a:rPr lang="zh-TW" altLang="en-US" sz="1800" spc="-1" dirty="0">
-                <a:solidFill>
-                  <a:srgbClr val="002060"/>
-                </a:solidFill>
-                <a:latin typeface="標楷體" panose="03000509000000000000" pitchFamily="65" charset="-120"/>
-                <a:ea typeface="標楷體" panose="03000509000000000000" pitchFamily="65" charset="-120"/>
-              </a:rPr>
-              <a:t>進行 </a:t>
-            </a:r>
-            <a:r>
-              <a:rPr lang="en-US" altLang="zh-TW" sz="1800" spc="-1" dirty="0">
-                <a:solidFill>
-                  <a:srgbClr val="002060"/>
-                </a:solidFill>
-                <a:latin typeface="標楷體" panose="03000509000000000000" pitchFamily="65" charset="-120"/>
-                <a:ea typeface="標楷體" panose="03000509000000000000" pitchFamily="65" charset="-120"/>
-              </a:rPr>
-              <a:t>UAT</a:t>
-            </a:r>
-            <a:r>
-              <a:rPr lang="zh-TW" altLang="en-US" sz="1800" spc="-1" dirty="0" smtClean="0">
-                <a:solidFill>
-                  <a:srgbClr val="002060"/>
-                </a:solidFill>
-                <a:latin typeface="標楷體" panose="03000509000000000000" pitchFamily="65" charset="-120"/>
-                <a:ea typeface="標楷體" panose="03000509000000000000" pitchFamily="65" charset="-120"/>
-              </a:rPr>
-              <a:t> 再次</a:t>
-            </a:r>
-            <a:r>
-              <a:rPr lang="zh-TW" altLang="en-US" sz="1800" spc="-1" dirty="0" smtClean="0">
-                <a:solidFill>
-                  <a:srgbClr val="002060"/>
-                </a:solidFill>
-                <a:latin typeface="標楷體" panose="03000509000000000000" pitchFamily="65" charset="-120"/>
-                <a:ea typeface="標楷體" panose="03000509000000000000" pitchFamily="65" charset="-120"/>
-              </a:rPr>
-              <a:t>測試 </a:t>
-            </a:r>
-            <a:r>
-              <a:rPr lang="en-US" altLang="zh-TW" sz="1800" spc="-1" dirty="0" smtClean="0">
-                <a:solidFill>
-                  <a:srgbClr val="002060"/>
-                </a:solidFill>
-                <a:latin typeface="標楷體" panose="03000509000000000000" pitchFamily="65" charset="-120"/>
-                <a:ea typeface="標楷體" panose="03000509000000000000" pitchFamily="65" charset="-120"/>
-              </a:rPr>
-              <a:t>(B)</a:t>
-            </a:r>
-            <a:r>
-              <a:rPr lang="zh-TW" altLang="en-US" sz="1800" spc="-1" dirty="0" smtClean="0">
-                <a:solidFill>
-                  <a:srgbClr val="002060"/>
-                </a:solidFill>
-                <a:latin typeface="標楷體" panose="03000509000000000000" pitchFamily="65" charset="-120"/>
-                <a:ea typeface="標楷體" panose="03000509000000000000" pitchFamily="65" charset="-120"/>
-              </a:rPr>
-              <a:t> </a:t>
-            </a:r>
-            <a:r>
-              <a:rPr lang="en-US" altLang="zh-TW" sz="1800" spc="-1" dirty="0" smtClean="0">
-                <a:solidFill>
-                  <a:srgbClr val="002060"/>
-                </a:solidFill>
-                <a:latin typeface="標楷體" panose="03000509000000000000" pitchFamily="65" charset="-120"/>
-                <a:ea typeface="標楷體" panose="03000509000000000000" pitchFamily="65" charset="-120"/>
-              </a:rPr>
-              <a:t>&gt; </a:t>
-            </a:r>
-            <a:r>
-              <a:rPr lang="zh-TW" altLang="en-US" sz="1800" spc="-1" dirty="0">
-                <a:solidFill>
-                  <a:srgbClr val="002060"/>
-                </a:solidFill>
-                <a:latin typeface="標楷體" panose="03000509000000000000" pitchFamily="65" charset="-120"/>
-                <a:ea typeface="標楷體" panose="03000509000000000000" pitchFamily="65" charset="-120"/>
-              </a:rPr>
-              <a:t>測試 </a:t>
-            </a:r>
-            <a:r>
-              <a:rPr lang="en-US" altLang="zh-TW" sz="1800" spc="-1" dirty="0">
-                <a:solidFill>
-                  <a:srgbClr val="002060"/>
-                </a:solidFill>
-                <a:latin typeface="標楷體" panose="03000509000000000000" pitchFamily="65" charset="-120"/>
-                <a:ea typeface="標楷體" panose="03000509000000000000" pitchFamily="65" charset="-120"/>
-              </a:rPr>
-              <a:t>&gt;</a:t>
-            </a:r>
-            <a:r>
-              <a:rPr lang="zh-TW" altLang="en-US" sz="1800" spc="-1" dirty="0">
-                <a:solidFill>
-                  <a:srgbClr val="002060"/>
-                </a:solidFill>
-                <a:latin typeface="標楷體" panose="03000509000000000000" pitchFamily="65" charset="-120"/>
-                <a:ea typeface="標楷體" panose="03000509000000000000" pitchFamily="65" charset="-120"/>
-              </a:rPr>
-              <a:t> 上版至 </a:t>
-            </a:r>
-            <a:r>
-              <a:rPr lang="en-US" altLang="zh-TW" sz="1800" spc="-1" dirty="0" smtClean="0">
-                <a:solidFill>
-                  <a:srgbClr val="002060"/>
-                </a:solidFill>
-                <a:latin typeface="標楷體" panose="03000509000000000000" pitchFamily="65" charset="-120"/>
-                <a:ea typeface="標楷體" panose="03000509000000000000" pitchFamily="65" charset="-120"/>
-              </a:rPr>
               <a:t>Prod</a:t>
             </a:r>
+            <a:endParaRPr lang="en-US" altLang="zh-TW" sz="1800" spc="-1" dirty="0">
+              <a:solidFill>
+                <a:srgbClr val="002060"/>
+              </a:solidFill>
+              <a:latin typeface="標楷體" panose="03000509000000000000" pitchFamily="65" charset="-120"/>
+              <a:ea typeface="標楷體" panose="03000509000000000000" pitchFamily="65" charset="-120"/>
+            </a:endParaRPr>
           </a:p>
           <a:p>
             <a:pPr>
@@ -38953,6 +38707,46 @@
               </a:tabLst>
             </a:pPr>
             <a:r>
+              <a:rPr lang="en-US" altLang="zh-TW" sz="1800" spc="-1" dirty="0" smtClean="0">
+                <a:solidFill>
+                  <a:srgbClr val="002060"/>
+                </a:solidFill>
+                <a:latin typeface="標楷體" panose="03000509000000000000" pitchFamily="65" charset="-120"/>
+                <a:ea typeface="標楷體" panose="03000509000000000000" pitchFamily="65" charset="-120"/>
+              </a:rPr>
+              <a:t>&gt;</a:t>
+            </a:r>
+            <a:r>
+              <a:rPr lang="zh-TW" altLang="en-US" sz="1800" spc="-1" dirty="0" smtClean="0">
+                <a:solidFill>
+                  <a:srgbClr val="002060"/>
+                </a:solidFill>
+                <a:latin typeface="標楷體" panose="03000509000000000000" pitchFamily="65" charset="-120"/>
+                <a:ea typeface="標楷體" panose="03000509000000000000" pitchFamily="65" charset="-120"/>
+              </a:rPr>
+              <a:t> </a:t>
+            </a:r>
+            <a:r>
+              <a:rPr lang="en-US" altLang="zh-TW" sz="1800" spc="-1" dirty="0" smtClean="0">
+                <a:solidFill>
+                  <a:srgbClr val="002060"/>
+                </a:solidFill>
+                <a:latin typeface="標楷體" panose="03000509000000000000" pitchFamily="65" charset="-120"/>
+                <a:ea typeface="標楷體" panose="03000509000000000000" pitchFamily="65" charset="-120"/>
+              </a:rPr>
+              <a:t>Merge </a:t>
+            </a:r>
+            <a:r>
+              <a:rPr lang="en-US" altLang="zh-TW" sz="1800" spc="-1" dirty="0" smtClean="0">
+                <a:solidFill>
+                  <a:srgbClr val="FF0000"/>
+                </a:solidFill>
+                <a:latin typeface="標楷體" panose="03000509000000000000" pitchFamily="65" charset="-120"/>
+                <a:ea typeface="標楷體" panose="03000509000000000000" pitchFamily="65" charset="-120"/>
+              </a:rPr>
+              <a:t>Issue B</a:t>
+            </a:r>
+            <a:r>
               <a:rPr lang="en-US" altLang="zh-TW" sz="1800" spc="-1" dirty="0">
                 <a:solidFill>
                   <a:srgbClr val="002060"/>
@@ -38960,6 +38754,156 @@
                 <a:latin typeface="標楷體" panose="03000509000000000000" pitchFamily="65" charset="-120"/>
                 <a:ea typeface="標楷體" panose="03000509000000000000" pitchFamily="65" charset="-120"/>
               </a:rPr>
+              <a:t> </a:t>
+            </a:r>
+            <a:r>
+              <a:rPr lang="en-US" altLang="zh-TW" sz="1800" spc="-1" dirty="0" smtClean="0">
+                <a:solidFill>
+                  <a:srgbClr val="002060"/>
+                </a:solidFill>
+                <a:latin typeface="標楷體" panose="03000509000000000000" pitchFamily="65" charset="-120"/>
+                <a:ea typeface="標楷體" panose="03000509000000000000" pitchFamily="65" charset="-120"/>
+              </a:rPr>
+              <a:t>branch</a:t>
+            </a:r>
+            <a:r>
+              <a:rPr lang="zh-TW" altLang="en-US" sz="1800" spc="-1" dirty="0" smtClean="0">
+                <a:solidFill>
+                  <a:srgbClr val="002060"/>
+                </a:solidFill>
+                <a:latin typeface="標楷體" panose="03000509000000000000" pitchFamily="65" charset="-120"/>
+                <a:ea typeface="標楷體" panose="03000509000000000000" pitchFamily="65" charset="-120"/>
+              </a:rPr>
+              <a:t> </a:t>
+            </a:r>
+            <a:r>
+              <a:rPr lang="zh-TW" altLang="en-US" sz="1800" spc="-1" dirty="0" smtClean="0">
+                <a:solidFill>
+                  <a:srgbClr val="002060"/>
+                </a:solidFill>
+                <a:latin typeface="標楷體" panose="03000509000000000000" pitchFamily="65" charset="-120"/>
+                <a:ea typeface="標楷體" panose="03000509000000000000" pitchFamily="65" charset="-120"/>
+              </a:rPr>
+              <a:t>至 </a:t>
+            </a:r>
+            <a:r>
+              <a:rPr lang="en-US" altLang="zh-TW" sz="1800" spc="-1" dirty="0" smtClean="0">
+                <a:solidFill>
+                  <a:srgbClr val="FF0000"/>
+                </a:solidFill>
+                <a:latin typeface="標楷體" panose="03000509000000000000" pitchFamily="65" charset="-120"/>
+                <a:ea typeface="標楷體" panose="03000509000000000000" pitchFamily="65" charset="-120"/>
+              </a:rPr>
+              <a:t>main</a:t>
+            </a:r>
+            <a:r>
+              <a:rPr lang="en-US" altLang="zh-TW" sz="1800" spc="-1" dirty="0" smtClean="0">
+                <a:solidFill>
+                  <a:srgbClr val="002060"/>
+                </a:solidFill>
+                <a:latin typeface="標楷體" panose="03000509000000000000" pitchFamily="65" charset="-120"/>
+                <a:ea typeface="標楷體" panose="03000509000000000000" pitchFamily="65" charset="-120"/>
+              </a:rPr>
+              <a:t> </a:t>
+            </a:r>
+            <a:r>
+              <a:rPr lang="en-US" altLang="zh-TW" sz="1800" spc="-1" dirty="0">
+                <a:solidFill>
+                  <a:srgbClr val="002060"/>
+                </a:solidFill>
+                <a:latin typeface="標楷體" panose="03000509000000000000" pitchFamily="65" charset="-120"/>
+                <a:ea typeface="標楷體" panose="03000509000000000000" pitchFamily="65" charset="-120"/>
+              </a:rPr>
+              <a:t>branch </a:t>
+            </a:r>
+            <a:r>
+              <a:rPr lang="zh-TW" altLang="en-US" sz="1800" spc="-1" dirty="0">
+                <a:solidFill>
+                  <a:srgbClr val="002060"/>
+                </a:solidFill>
+                <a:latin typeface="標楷體" panose="03000509000000000000" pitchFamily="65" charset="-120"/>
+                <a:ea typeface="標楷體" panose="03000509000000000000" pitchFamily="65" charset="-120"/>
+              </a:rPr>
+              <a:t>進行 </a:t>
+            </a:r>
+            <a:r>
+              <a:rPr lang="en-US" altLang="zh-TW" sz="1800" spc="-1" dirty="0">
+                <a:solidFill>
+                  <a:srgbClr val="002060"/>
+                </a:solidFill>
+                <a:latin typeface="標楷體" panose="03000509000000000000" pitchFamily="65" charset="-120"/>
+                <a:ea typeface="標楷體" panose="03000509000000000000" pitchFamily="65" charset="-120"/>
+              </a:rPr>
+              <a:t>UAT</a:t>
+            </a:r>
+            <a:r>
+              <a:rPr lang="zh-TW" altLang="en-US" sz="1800" spc="-1" dirty="0" smtClean="0">
+                <a:solidFill>
+                  <a:srgbClr val="002060"/>
+                </a:solidFill>
+                <a:latin typeface="標楷體" panose="03000509000000000000" pitchFamily="65" charset="-120"/>
+                <a:ea typeface="標楷體" panose="03000509000000000000" pitchFamily="65" charset="-120"/>
+              </a:rPr>
+              <a:t> 再次</a:t>
+            </a:r>
+            <a:r>
+              <a:rPr lang="zh-TW" altLang="en-US" sz="1800" spc="-1" dirty="0" smtClean="0">
+                <a:solidFill>
+                  <a:srgbClr val="002060"/>
+                </a:solidFill>
+                <a:latin typeface="標楷體" panose="03000509000000000000" pitchFamily="65" charset="-120"/>
+                <a:ea typeface="標楷體" panose="03000509000000000000" pitchFamily="65" charset="-120"/>
+              </a:rPr>
+              <a:t>測試 </a:t>
+            </a:r>
+            <a:r>
+              <a:rPr lang="en-US" altLang="zh-TW" sz="1800" spc="-1" dirty="0" smtClean="0">
+                <a:solidFill>
+                  <a:srgbClr val="002060"/>
+                </a:solidFill>
+                <a:latin typeface="標楷體" panose="03000509000000000000" pitchFamily="65" charset="-120"/>
+                <a:ea typeface="標楷體" panose="03000509000000000000" pitchFamily="65" charset="-120"/>
+              </a:rPr>
+              <a:t>(B)</a:t>
+            </a:r>
+            <a:r>
+              <a:rPr lang="zh-TW" altLang="en-US" sz="1800" spc="-1" dirty="0" smtClean="0">
+                <a:solidFill>
+                  <a:srgbClr val="002060"/>
+                </a:solidFill>
+                <a:latin typeface="標楷體" panose="03000509000000000000" pitchFamily="65" charset="-120"/>
+                <a:ea typeface="標楷體" panose="03000509000000000000" pitchFamily="65" charset="-120"/>
+              </a:rPr>
+              <a:t> </a:t>
+            </a:r>
+            <a:r>
+              <a:rPr lang="en-US" altLang="zh-TW" sz="1800" spc="-1" dirty="0" smtClean="0">
+                <a:solidFill>
+                  <a:srgbClr val="002060"/>
+                </a:solidFill>
+                <a:latin typeface="標楷體" panose="03000509000000000000" pitchFamily="65" charset="-120"/>
+                <a:ea typeface="標楷體" panose="03000509000000000000" pitchFamily="65" charset="-120"/>
+              </a:rPr>
+              <a:t>&gt; </a:t>
+            </a:r>
+            <a:r>
+              <a:rPr lang="zh-TW" altLang="en-US" sz="1800" spc="-1" dirty="0">
+                <a:solidFill>
+                  <a:srgbClr val="002060"/>
+                </a:solidFill>
+                <a:latin typeface="標楷體" panose="03000509000000000000" pitchFamily="65" charset="-120"/>
+                <a:ea typeface="標楷體" panose="03000509000000000000" pitchFamily="65" charset="-120"/>
+              </a:rPr>
+              <a:t>測試 </a:t>
+            </a:r>
+            <a:r>
+              <a:rPr lang="en-US" altLang="zh-TW" sz="1800" spc="-1" dirty="0">
+                <a:solidFill>
+                  <a:srgbClr val="002060"/>
+                </a:solidFill>
+                <a:latin typeface="標楷體" panose="03000509000000000000" pitchFamily="65" charset="-120"/>
+                <a:ea typeface="標楷體" panose="03000509000000000000" pitchFamily="65" charset="-120"/>
+              </a:rPr>
               <a:t>&gt;</a:t>
             </a:r>
             <a:r>
@@ -38970,6 +38914,46 @@
                 <a:latin typeface="標楷體" panose="03000509000000000000" pitchFamily="65" charset="-120"/>
                 <a:ea typeface="標楷體" panose="03000509000000000000" pitchFamily="65" charset="-120"/>
               </a:rPr>
+              <a:t> 上版至 </a:t>
+            </a:r>
+            <a:r>
+              <a:rPr lang="en-US" altLang="zh-TW" sz="1800" spc="-1" dirty="0" smtClean="0">
+                <a:solidFill>
+                  <a:srgbClr val="002060"/>
+                </a:solidFill>
+                <a:latin typeface="標楷體" panose="03000509000000000000" pitchFamily="65" charset="-120"/>
+                <a:ea typeface="標楷體" panose="03000509000000000000" pitchFamily="65" charset="-120"/>
+              </a:rPr>
+              <a:t>Prod</a:t>
+            </a:r>
+          </a:p>
+          <a:p>
+            <a:pPr>
+              <a:lnSpc>
+                <a:spcPct val="100000"/>
+              </a:lnSpc>
+              <a:tabLst>
+                <a:tab pos="0" algn="l"/>
+              </a:tabLst>
+            </a:pPr>
+            <a:r>
+              <a:rPr lang="en-US" altLang="zh-TW" sz="1800" spc="-1" dirty="0">
+                <a:solidFill>
+                  <a:srgbClr val="002060"/>
+                </a:solidFill>
+                <a:latin typeface="標楷體" panose="03000509000000000000" pitchFamily="65" charset="-120"/>
+                <a:ea typeface="標楷體" panose="03000509000000000000" pitchFamily="65" charset="-120"/>
+              </a:rPr>
+              <a:t>&gt;</a:t>
+            </a:r>
+            <a:r>
+              <a:rPr lang="zh-TW" altLang="en-US" sz="1800" spc="-1" dirty="0">
+                <a:solidFill>
+                  <a:srgbClr val="002060"/>
+                </a:solidFill>
+                <a:latin typeface="標楷體" panose="03000509000000000000" pitchFamily="65" charset="-120"/>
+                <a:ea typeface="標楷體" panose="03000509000000000000" pitchFamily="65" charset="-120"/>
+              </a:rPr>
               <a:t> </a:t>
             </a:r>
             <a:r>
@@ -39083,16 +39067,6 @@
               <a:t> 再次測試 </a:t>
             </a:r>
             <a:r>
-              <a:rPr lang="en-US" altLang="zh-TW" sz="1800" spc="-1" dirty="0">
-                <a:solidFill>
-                  <a:srgbClr val="002060"/>
-                </a:solidFill>
-                <a:latin typeface="標楷體" panose="03000509000000000000" pitchFamily="65" charset="-120"/>
-                <a:ea typeface="標楷體" panose="03000509000000000000" pitchFamily="65" charset="-120"/>
-              </a:rPr>
-              <a:t>(A+B</a:t>
-            </a:r>
-            <a:r>
               <a:rPr lang="en-US" altLang="zh-TW" sz="1800" spc="-1" dirty="0" smtClean="0">
                 <a:solidFill>
                   <a:srgbClr val="002060"/>
@@ -39100,7 +39074,7 @@
                 <a:latin typeface="標楷體" panose="03000509000000000000" pitchFamily="65" charset="-120"/>
                 <a:ea typeface="標楷體" panose="03000509000000000000" pitchFamily="65" charset="-120"/>
               </a:rPr>
-              <a:t>)</a:t>
+              <a:t>(B+A)</a:t>
             </a:r>
             <a:endParaRPr lang="en-US" altLang="zh-TW" sz="1800" spc="-1" dirty="0">
               <a:solidFill>
@@ -42157,7 +42131,7 @@
         </p:nvSpPr>
         <p:spPr>
           <a:xfrm>
-            <a:off x="5875931" y="3827860"/>
+            <a:off x="5468514" y="4032135"/>
             <a:ext cx="987709" cy="593280"/>
           </a:xfrm>
           <a:prstGeom prst="roundRect">
@@ -42241,7 +42215,7 @@
         </p:nvSpPr>
         <p:spPr>
           <a:xfrm>
-            <a:off x="5866931" y="4419700"/>
+            <a:off x="5459514" y="4623975"/>
             <a:ext cx="996709" cy="196920"/>
           </a:xfrm>
           <a:prstGeom prst="roundRect">
@@ -42301,7 +42275,7 @@
         </p:nvSpPr>
         <p:spPr>
           <a:xfrm>
-            <a:off x="7015803" y="3999470"/>
+            <a:off x="6608386" y="4203745"/>
             <a:ext cx="632865" cy="345520"/>
           </a:xfrm>
           <a:prstGeom prst="roundRect">
@@ -42362,7 +42336,7 @@
         </p:nvSpPr>
         <p:spPr>
           <a:xfrm>
-            <a:off x="7812438" y="3843864"/>
+            <a:off x="7405021" y="4048139"/>
             <a:ext cx="987709" cy="593280"/>
           </a:xfrm>
           <a:prstGeom prst="roundRect">
@@ -42437,7 +42411,7 @@
         </p:nvSpPr>
         <p:spPr>
           <a:xfrm>
-            <a:off x="7803438" y="4435704"/>
+            <a:off x="7396021" y="4639979"/>
             <a:ext cx="996709" cy="196920"/>
           </a:xfrm>
           <a:prstGeom prst="roundRect">
@@ -42497,7 +42471,7 @@
         </p:nvSpPr>
         <p:spPr>
           <a:xfrm>
-            <a:off x="6910166" y="4344990"/>
+            <a:off x="6502749" y="4549265"/>
             <a:ext cx="844141" cy="287634"/>
           </a:xfrm>
           <a:prstGeom prst="rightArrow">
@@ -42550,7 +42524,7 @@
         </p:nvSpPr>
         <p:spPr>
           <a:xfrm>
-            <a:off x="9298186" y="4213840"/>
+            <a:off x="8890769" y="4418115"/>
             <a:ext cx="632865" cy="414104"/>
           </a:xfrm>
           <a:prstGeom prst="roundRect">
@@ -42617,7 +42591,7 @@
         </p:nvSpPr>
         <p:spPr>
           <a:xfrm>
-            <a:off x="9298186" y="3841752"/>
+            <a:off x="8890769" y="4046027"/>
             <a:ext cx="632865" cy="383559"/>
           </a:xfrm>
           <a:prstGeom prst="roundRect">
@@ -42659,7 +42633,7 @@
                 </a:solidFill>
                 <a:latin typeface="Arial"/>
               </a:rPr>
-              <a:t>A+B</a:t>
+              <a:t>B+A</a:t>
             </a:r>
             <a:endParaRPr lang="en-US" sz="1400" b="0" strike="noStrike" spc="-1" dirty="0">
               <a:solidFill>
@@ -42678,7 +42652,7 @@
         </p:nvSpPr>
         <p:spPr>
           <a:xfrm>
-            <a:off x="8858382" y="4344062"/>
+            <a:off x="8450965" y="4548337"/>
             <a:ext cx="366224" cy="265826"/>
           </a:xfrm>
           <a:prstGeom prst="rightArrow">
@@ -42734,13 +42708,13 @@
         </p:nvCxnSpPr>
         <p:spPr>
           <a:xfrm rot="5400000">
-            <a:off x="7268930" y="2230928"/>
-            <a:ext cx="500573" cy="3286570"/>
+            <a:off x="6963084" y="2129358"/>
+            <a:ext cx="704848" cy="3693987"/>
           </a:xfrm>
           <a:prstGeom prst="bentConnector4">
             <a:avLst>
-              <a:gd name="adj1" fmla="val 20370"/>
-              <a:gd name="adj2" fmla="val 106956"/>
+              <a:gd name="adj1" fmla="val 28957"/>
+              <a:gd name="adj2" fmla="val 106188"/>
             </a:avLst>
           </a:prstGeom>
           <a:ln>
@@ -42907,7 +42881,7 @@
         </p:nvSpPr>
         <p:spPr>
           <a:xfrm>
-            <a:off x="432457" y="730948"/>
+            <a:off x="284676" y="730948"/>
             <a:ext cx="9482952" cy="577118"/>
           </a:xfrm>
           <a:prstGeom prst="rect">
@@ -43021,6 +42995,26 @@
               <a:t>UAT</a:t>
             </a:r>
             <a:r>
+              <a:rPr lang="zh-TW" altLang="en-US" sz="2000" spc="-1" dirty="0" smtClean="0">
+                <a:solidFill>
+                  <a:srgbClr val="002060"/>
+                </a:solidFill>
+                <a:latin typeface="標楷體" panose="03000509000000000000" pitchFamily="65" charset="-120"/>
+                <a:ea typeface="標楷體" panose="03000509000000000000" pitchFamily="65" charset="-120"/>
+              </a:rPr>
+              <a:t> 正在測試 </a:t>
+            </a:r>
+            <a:r>
+              <a:rPr lang="en-US" altLang="zh-TW" sz="2000" spc="-1" dirty="0">
+                <a:solidFill>
+                  <a:srgbClr val="002060"/>
+                </a:solidFill>
+                <a:latin typeface="標楷體" panose="03000509000000000000" pitchFamily="65" charset="-120"/>
+                <a:ea typeface="標楷體" panose="03000509000000000000" pitchFamily="65" charset="-120"/>
+              </a:rPr>
+              <a:t>Issue</a:t>
+            </a:r>
+            <a:r>
               <a:rPr lang="zh-TW" altLang="en-US" sz="2000" spc="-1" dirty="0">
                 <a:solidFill>
                   <a:srgbClr val="002060"/>
@@ -43028,7 +43022,7 @@
                 <a:latin typeface="標楷體" panose="03000509000000000000" pitchFamily="65" charset="-120"/>
                 <a:ea typeface="標楷體" panose="03000509000000000000" pitchFamily="65" charset="-120"/>
               </a:rPr>
-              <a:t> 測試 </a:t>
+              <a:t> </a:t>
             </a:r>
             <a:r>
               <a:rPr lang="en-US" altLang="zh-TW" sz="2000" spc="-1" dirty="0">
@@ -43038,100 +43032,107 @@
                 <a:latin typeface="標楷體" panose="03000509000000000000" pitchFamily="65" charset="-120"/>
                 <a:ea typeface="標楷體" panose="03000509000000000000" pitchFamily="65" charset="-120"/>
               </a:rPr>
+              <a:t>A</a:t>
+            </a:r>
+            <a:r>
+              <a:rPr lang="zh-TW" altLang="en-US" sz="2000" spc="-1" dirty="0">
+                <a:solidFill>
+                  <a:srgbClr val="002060"/>
+                </a:solidFill>
+                <a:latin typeface="標楷體" panose="03000509000000000000" pitchFamily="65" charset="-120"/>
+                <a:ea typeface="標楷體" panose="03000509000000000000" pitchFamily="65" charset="-120"/>
+              </a:rPr>
+              <a:t> </a:t>
+            </a:r>
+            <a:r>
+              <a:rPr lang="zh-TW" altLang="en-US" sz="2000" spc="-1" dirty="0" smtClean="0">
+                <a:solidFill>
+                  <a:srgbClr val="002060"/>
+                </a:solidFill>
+                <a:latin typeface="標楷體" panose="03000509000000000000" pitchFamily="65" charset="-120"/>
+                <a:ea typeface="標楷體" panose="03000509000000000000" pitchFamily="65" charset="-120"/>
+              </a:rPr>
+              <a:t>，</a:t>
+            </a:r>
+            <a:r>
+              <a:rPr lang="zh-TW" altLang="en-US" sz="2000" b="1" spc="-1" dirty="0" smtClean="0">
+                <a:solidFill>
+                  <a:srgbClr val="FF0000"/>
+                </a:solidFill>
+                <a:latin typeface="標楷體" panose="03000509000000000000" pitchFamily="65" charset="-120"/>
+                <a:ea typeface="標楷體" panose="03000509000000000000" pitchFamily="65" charset="-120"/>
+              </a:rPr>
+              <a:t>插隊 </a:t>
+            </a:r>
+            <a:r>
+              <a:rPr lang="en-US" altLang="zh-TW" sz="2000" b="1" spc="-1" dirty="0" smtClean="0">
+                <a:solidFill>
+                  <a:srgbClr val="FF0000"/>
+                </a:solidFill>
+                <a:latin typeface="標楷體" panose="03000509000000000000" pitchFamily="65" charset="-120"/>
+                <a:ea typeface="標楷體" panose="03000509000000000000" pitchFamily="65" charset="-120"/>
+              </a:rPr>
+              <a:t>C</a:t>
+            </a:r>
+            <a:r>
+              <a:rPr lang="zh-TW" altLang="en-US" sz="2000" b="1" spc="-1" dirty="0" smtClean="0">
+                <a:solidFill>
+                  <a:srgbClr val="FF0000"/>
+                </a:solidFill>
+                <a:latin typeface="標楷體" panose="03000509000000000000" pitchFamily="65" charset="-120"/>
+                <a:ea typeface="標楷體" panose="03000509000000000000" pitchFamily="65" charset="-120"/>
+              </a:rPr>
+              <a:t> 版本</a:t>
+            </a:r>
+            <a:r>
+              <a:rPr lang="zh-TW" altLang="en-US" sz="2000" spc="-1" dirty="0" smtClean="0">
+                <a:solidFill>
+                  <a:srgbClr val="002060"/>
+                </a:solidFill>
+                <a:latin typeface="標楷體" panose="03000509000000000000" pitchFamily="65" charset="-120"/>
+                <a:ea typeface="標楷體" panose="03000509000000000000" pitchFamily="65" charset="-120"/>
+              </a:rPr>
+              <a:t>，</a:t>
+            </a:r>
+            <a:endParaRPr lang="en-US" altLang="zh-TW" sz="2000" spc="-1" dirty="0" smtClean="0">
+              <a:solidFill>
+                <a:srgbClr val="002060"/>
+              </a:solidFill>
+              <a:latin typeface="標楷體" panose="03000509000000000000" pitchFamily="65" charset="-120"/>
+              <a:ea typeface="標楷體" panose="03000509000000000000" pitchFamily="65" charset="-120"/>
+            </a:endParaRPr>
+          </a:p>
+          <a:p>
+            <a:pPr>
+              <a:lnSpc>
+                <a:spcPct val="100000"/>
+              </a:lnSpc>
+              <a:tabLst>
+                <a:tab pos="0" algn="l"/>
+              </a:tabLst>
+            </a:pPr>
+            <a:r>
+              <a:rPr lang="zh-TW" altLang="en-US" sz="2000" spc="-1" dirty="0" smtClean="0">
+                <a:solidFill>
+                  <a:srgbClr val="002060"/>
+                </a:solidFill>
+                <a:latin typeface="標楷體" panose="03000509000000000000" pitchFamily="65" charset="-120"/>
+                <a:ea typeface="標楷體" panose="03000509000000000000" pitchFamily="65" charset="-120"/>
+              </a:rPr>
+              <a:t>        </a:t>
+            </a:r>
+            <a:r>
+              <a:rPr lang="en-US" altLang="zh-TW" sz="2000" spc="-1" dirty="0" smtClean="0">
+                <a:solidFill>
+                  <a:srgbClr val="002060"/>
+                </a:solidFill>
+                <a:latin typeface="標楷體" panose="03000509000000000000" pitchFamily="65" charset="-120"/>
+                <a:ea typeface="標楷體" panose="03000509000000000000" pitchFamily="65" charset="-120"/>
+              </a:rPr>
               <a:t>Issue</a:t>
             </a:r>
             <a:r>
-              <a:rPr lang="zh-TW" altLang="en-US" sz="2000" spc="-1" dirty="0">
-                <a:solidFill>
-                  <a:srgbClr val="002060"/>
-                </a:solidFill>
-                <a:latin typeface="標楷體" panose="03000509000000000000" pitchFamily="65" charset="-120"/>
-                <a:ea typeface="標楷體" panose="03000509000000000000" pitchFamily="65" charset="-120"/>
-              </a:rPr>
-              <a:t> </a:t>
-            </a:r>
-            <a:r>
-              <a:rPr lang="en-US" altLang="zh-TW" sz="2000" spc="-1" dirty="0">
-                <a:solidFill>
-                  <a:srgbClr val="002060"/>
-                </a:solidFill>
-                <a:latin typeface="標楷體" panose="03000509000000000000" pitchFamily="65" charset="-120"/>
-                <a:ea typeface="標楷體" panose="03000509000000000000" pitchFamily="65" charset="-120"/>
-              </a:rPr>
-              <a:t>A</a:t>
-            </a:r>
-            <a:r>
-              <a:rPr lang="zh-TW" altLang="en-US" sz="2000" spc="-1" dirty="0">
-                <a:solidFill>
-                  <a:srgbClr val="002060"/>
-                </a:solidFill>
-                <a:latin typeface="標楷體" panose="03000509000000000000" pitchFamily="65" charset="-120"/>
-                <a:ea typeface="標楷體" panose="03000509000000000000" pitchFamily="65" charset="-120"/>
-              </a:rPr>
-              <a:t> 不</a:t>
-            </a:r>
-            <a:r>
               <a:rPr lang="zh-TW" altLang="en-US" sz="2000" spc="-1" dirty="0" smtClean="0">
-                <a:solidFill>
-                  <a:srgbClr val="002060"/>
-                </a:solidFill>
-                <a:latin typeface="標楷體" panose="03000509000000000000" pitchFamily="65" charset="-120"/>
-                <a:ea typeface="標楷體" panose="03000509000000000000" pitchFamily="65" charset="-120"/>
-              </a:rPr>
-              <a:t>通過，</a:t>
-            </a:r>
-            <a:r>
-              <a:rPr lang="zh-TW" altLang="en-US" sz="2000" b="1" spc="-1" dirty="0" smtClean="0">
-                <a:solidFill>
-                  <a:srgbClr val="FF0000"/>
-                </a:solidFill>
-                <a:latin typeface="標楷體" panose="03000509000000000000" pitchFamily="65" charset="-120"/>
-                <a:ea typeface="標楷體" panose="03000509000000000000" pitchFamily="65" charset="-120"/>
-              </a:rPr>
-              <a:t>插隊 </a:t>
-            </a:r>
-            <a:r>
-              <a:rPr lang="en-US" altLang="zh-TW" sz="2000" b="1" spc="-1" dirty="0" smtClean="0">
-                <a:solidFill>
-                  <a:srgbClr val="FF0000"/>
-                </a:solidFill>
-                <a:latin typeface="標楷體" panose="03000509000000000000" pitchFamily="65" charset="-120"/>
-                <a:ea typeface="標楷體" panose="03000509000000000000" pitchFamily="65" charset="-120"/>
-              </a:rPr>
-              <a:t>C</a:t>
-            </a:r>
-            <a:r>
-              <a:rPr lang="zh-TW" altLang="en-US" sz="2000" b="1" spc="-1" dirty="0" smtClean="0">
-                <a:solidFill>
-                  <a:srgbClr val="FF0000"/>
-                </a:solidFill>
-                <a:latin typeface="標楷體" panose="03000509000000000000" pitchFamily="65" charset="-120"/>
-                <a:ea typeface="標楷體" panose="03000509000000000000" pitchFamily="65" charset="-120"/>
-              </a:rPr>
-              <a:t> 版本</a:t>
-            </a:r>
-            <a:r>
-              <a:rPr lang="zh-TW" altLang="en-US" sz="2000" spc="-1" dirty="0">
-                <a:solidFill>
-                  <a:srgbClr val="002060"/>
-                </a:solidFill>
-                <a:latin typeface="標楷體" panose="03000509000000000000" pitchFamily="65" charset="-120"/>
-                <a:ea typeface="標楷體" panose="03000509000000000000" pitchFamily="65" charset="-120"/>
-              </a:rPr>
-              <a:t>，</a:t>
-            </a:r>
-            <a:r>
-              <a:rPr lang="en-US" altLang="zh-TW" sz="2000" spc="-1" dirty="0">
-                <a:solidFill>
-                  <a:srgbClr val="002060"/>
-                </a:solidFill>
-                <a:latin typeface="標楷體" panose="03000509000000000000" pitchFamily="65" charset="-120"/>
-                <a:ea typeface="標楷體" panose="03000509000000000000" pitchFamily="65" charset="-120"/>
-              </a:rPr>
-              <a:t> Issue</a:t>
-            </a:r>
-            <a:r>
-              <a:rPr lang="zh-TW" altLang="en-US" sz="2000" spc="-1" dirty="0">
                 <a:solidFill>
                   <a:srgbClr val="002060"/>
                 </a:solidFill>
@@ -44518,8 +44519,8 @@
         </p:nvSpPr>
         <p:spPr>
           <a:xfrm>
-            <a:off x="24232" y="4458385"/>
-            <a:ext cx="9906819" cy="1729884"/>
+            <a:off x="208957" y="3977151"/>
+            <a:ext cx="9454701" cy="2405074"/>
           </a:xfrm>
           <a:prstGeom prst="rect">
             <a:avLst/>
@@ -44721,8 +44722,25 @@
               </a:rPr>
               <a:t>版本 </a:t>
             </a:r>
-            <a:r>
-              <a:rPr lang="en-US" altLang="zh-TW" sz="1800" spc="-1" dirty="0">
+            <a:endParaRPr lang="en-US" altLang="zh-TW" sz="1800" spc="-1" dirty="0" smtClean="0">
+              <a:solidFill>
+                <a:srgbClr val="002060"/>
+              </a:solidFill>
+              <a:latin typeface="標楷體" panose="03000509000000000000" pitchFamily="65" charset="-120"/>
+              <a:ea typeface="標楷體" panose="03000509000000000000" pitchFamily="65" charset="-120"/>
+            </a:endParaRPr>
+          </a:p>
+          <a:p>
+            <a:pPr>
+              <a:lnSpc>
+                <a:spcPct val="100000"/>
+              </a:lnSpc>
+              <a:tabLst>
+                <a:tab pos="0" algn="l"/>
+              </a:tabLst>
+            </a:pPr>
+            <a:r>
+              <a:rPr lang="en-US" altLang="zh-TW" sz="1800" spc="-1" dirty="0" smtClean="0">
                 <a:solidFill>
                   <a:srgbClr val="002060"/>
                 </a:solidFill>
@@ -44732,7 +44750,7 @@
               <a:t>&gt;</a:t>
             </a:r>
             <a:r>
-              <a:rPr lang="zh-TW" altLang="en-US" sz="1800" spc="-1" dirty="0">
+              <a:rPr lang="zh-TW" altLang="en-US" sz="1800" spc="-1" dirty="0" smtClean="0">
                 <a:solidFill>
                   <a:srgbClr val="002060"/>
                 </a:solidFill>
@@ -46688,7 +46706,7 @@
         </p:nvSpPr>
         <p:spPr>
           <a:xfrm>
-            <a:off x="5875931" y="3892512"/>
+            <a:off x="5441042" y="4074130"/>
             <a:ext cx="987709" cy="593280"/>
           </a:xfrm>
           <a:prstGeom prst="roundRect">
@@ -46772,7 +46790,7 @@
         </p:nvSpPr>
         <p:spPr>
           <a:xfrm>
-            <a:off x="5866931" y="4484352"/>
+            <a:off x="5432042" y="4665970"/>
             <a:ext cx="996709" cy="196920"/>
           </a:xfrm>
           <a:prstGeom prst="roundRect">
@@ -46832,7 +46850,7 @@
         </p:nvSpPr>
         <p:spPr>
           <a:xfrm>
-            <a:off x="7015803" y="4064122"/>
+            <a:off x="6580914" y="4245740"/>
             <a:ext cx="632865" cy="345520"/>
           </a:xfrm>
           <a:prstGeom prst="roundRect">
@@ -46893,7 +46911,7 @@
         </p:nvSpPr>
         <p:spPr>
           <a:xfrm>
-            <a:off x="7812438" y="3908516"/>
+            <a:off x="7377549" y="4090134"/>
             <a:ext cx="987709" cy="593280"/>
           </a:xfrm>
           <a:prstGeom prst="roundRect">
@@ -46968,7 +46986,7 @@
         </p:nvSpPr>
         <p:spPr>
           <a:xfrm>
-            <a:off x="7803438" y="4500356"/>
+            <a:off x="7368549" y="4681974"/>
             <a:ext cx="996709" cy="196920"/>
           </a:xfrm>
           <a:prstGeom prst="roundRect">
@@ -47028,7 +47046,7 @@
         </p:nvSpPr>
         <p:spPr>
           <a:xfrm>
-            <a:off x="6910166" y="4409642"/>
+            <a:off x="6475277" y="4591260"/>
             <a:ext cx="844141" cy="287634"/>
           </a:xfrm>
           <a:prstGeom prst="rightArrow">
@@ -47081,7 +47099,7 @@
         </p:nvSpPr>
         <p:spPr>
           <a:xfrm>
-            <a:off x="9298186" y="4278492"/>
+            <a:off x="8863297" y="4460110"/>
             <a:ext cx="632865" cy="414104"/>
           </a:xfrm>
           <a:prstGeom prst="roundRect">
@@ -47148,7 +47166,7 @@
         </p:nvSpPr>
         <p:spPr>
           <a:xfrm>
-            <a:off x="9298186" y="3906404"/>
+            <a:off x="8863297" y="4088022"/>
             <a:ext cx="632865" cy="383559"/>
           </a:xfrm>
           <a:prstGeom prst="roundRect">
@@ -47209,7 +47227,7 @@
         </p:nvSpPr>
         <p:spPr>
           <a:xfrm>
-            <a:off x="8858382" y="4408714"/>
+            <a:off x="8423493" y="4590332"/>
             <a:ext cx="366224" cy="265826"/>
           </a:xfrm>
           <a:prstGeom prst="rightArrow">
@@ -47265,13 +47283,13 @@
         </p:nvCxnSpPr>
         <p:spPr>
           <a:xfrm rot="5400000">
-            <a:off x="7245840" y="2272490"/>
-            <a:ext cx="546753" cy="3286570"/>
+            <a:off x="6937587" y="2145855"/>
+            <a:ext cx="728371" cy="3721459"/>
           </a:xfrm>
           <a:prstGeom prst="bentConnector4">
             <a:avLst>
-              <a:gd name="adj1" fmla="val 22872"/>
-              <a:gd name="adj2" fmla="val 106956"/>
+              <a:gd name="adj1" fmla="val 29637"/>
+              <a:gd name="adj2" fmla="val 106143"/>
             </a:avLst>
           </a:prstGeom>
           <a:ln>

--- a/CICD Process.pptx
+++ b/CICD Process.pptx
@@ -9579,7 +9579,7 @@
     <mc:Choice Requires="p14">
       <p:transition spd="slow" p14:dur="2000"/>
     </mc:Choice>
-    <mc:Fallback xmlns:p15="http://schemas.microsoft.com/office/powerpoint/2012/main" xmlns="">
+    <mc:Fallback xmlns="" xmlns:p15="http://schemas.microsoft.com/office/powerpoint/2012/main">
       <p:transition spd="slow"/>
     </mc:Fallback>
   </mc:AlternateContent>
@@ -9863,7 +9863,7 @@
     <mc:Choice Requires="p14">
       <p:transition spd="slow" p14:dur="2000"/>
     </mc:Choice>
-    <mc:Fallback xmlns:p15="http://schemas.microsoft.com/office/powerpoint/2012/main" xmlns="">
+    <mc:Fallback xmlns="" xmlns:p15="http://schemas.microsoft.com/office/powerpoint/2012/main">
       <p:transition spd="slow"/>
     </mc:Fallback>
   </mc:AlternateContent>
@@ -10254,7 +10254,7 @@
     <mc:Choice Requires="p14">
       <p:transition spd="slow" p14:dur="2000"/>
     </mc:Choice>
-    <mc:Fallback xmlns:p15="http://schemas.microsoft.com/office/powerpoint/2012/main" xmlns="">
+    <mc:Fallback xmlns="" xmlns:p15="http://schemas.microsoft.com/office/powerpoint/2012/main">
       <p:transition spd="slow"/>
     </mc:Fallback>
   </mc:AlternateContent>
@@ -10588,7 +10588,7 @@
     <mc:Choice Requires="p14">
       <p:transition spd="slow" p14:dur="2000"/>
     </mc:Choice>
-    <mc:Fallback xmlns:p15="http://schemas.microsoft.com/office/powerpoint/2012/main" xmlns="">
+    <mc:Fallback xmlns="" xmlns:p15="http://schemas.microsoft.com/office/powerpoint/2012/main">
       <p:transition spd="slow"/>
     </mc:Fallback>
   </mc:AlternateContent>
@@ -10862,7 +10862,7 @@
     <mc:Choice Requires="p14">
       <p:transition spd="slow" p14:dur="2000"/>
     </mc:Choice>
-    <mc:Fallback xmlns:p15="http://schemas.microsoft.com/office/powerpoint/2012/main" xmlns="">
+    <mc:Fallback xmlns="" xmlns:p15="http://schemas.microsoft.com/office/powerpoint/2012/main">
       <p:transition spd="slow"/>
     </mc:Fallback>
   </mc:AlternateContent>
@@ -11196,7 +11196,7 @@
     <mc:Choice Requires="p14">
       <p:transition spd="slow" p14:dur="2000"/>
     </mc:Choice>
-    <mc:Fallback xmlns:p15="http://schemas.microsoft.com/office/powerpoint/2012/main" xmlns="">
+    <mc:Fallback xmlns="" xmlns:p15="http://schemas.microsoft.com/office/powerpoint/2012/main">
       <p:transition spd="slow"/>
     </mc:Fallback>
   </mc:AlternateContent>
@@ -11499,7 +11499,7 @@
     <mc:Choice Requires="p14">
       <p:transition spd="slow" p14:dur="2000"/>
     </mc:Choice>
-    <mc:Fallback xmlns:p15="http://schemas.microsoft.com/office/powerpoint/2012/main" xmlns="">
+    <mc:Fallback xmlns="" xmlns:p15="http://schemas.microsoft.com/office/powerpoint/2012/main">
       <p:transition spd="slow"/>
     </mc:Fallback>
   </mc:AlternateContent>
@@ -11793,7 +11793,7 @@
     <mc:Choice Requires="p14">
       <p:transition spd="slow" p14:dur="2000"/>
     </mc:Choice>
-    <mc:Fallback xmlns:p15="http://schemas.microsoft.com/office/powerpoint/2012/main" xmlns="">
+    <mc:Fallback xmlns="" xmlns:p15="http://schemas.microsoft.com/office/powerpoint/2012/main">
       <p:transition spd="slow"/>
     </mc:Fallback>
   </mc:AlternateContent>
@@ -12157,7 +12157,7 @@
     <mc:Choice Requires="p14">
       <p:transition spd="slow" p14:dur="2000"/>
     </mc:Choice>
-    <mc:Fallback xmlns:p15="http://schemas.microsoft.com/office/powerpoint/2012/main" xmlns="">
+    <mc:Fallback xmlns="" xmlns:p15="http://schemas.microsoft.com/office/powerpoint/2012/main">
       <p:transition spd="slow"/>
     </mc:Fallback>
   </mc:AlternateContent>
@@ -12471,7 +12471,7 @@
     <mc:Choice Requires="p14">
       <p:transition spd="slow" p14:dur="2000"/>
     </mc:Choice>
-    <mc:Fallback xmlns:p15="http://schemas.microsoft.com/office/powerpoint/2012/main" xmlns="">
+    <mc:Fallback xmlns="" xmlns:p15="http://schemas.microsoft.com/office/powerpoint/2012/main">
       <p:transition spd="slow"/>
     </mc:Fallback>
   </mc:AlternateContent>
@@ -12818,7 +12818,7 @@
     <mc:Choice Requires="p14">
       <p:transition spd="slow" p14:dur="2000"/>
     </mc:Choice>
-    <mc:Fallback xmlns:p15="http://schemas.microsoft.com/office/powerpoint/2012/main" xmlns="">
+    <mc:Fallback xmlns="" xmlns:p15="http://schemas.microsoft.com/office/powerpoint/2012/main">
       <p:transition spd="slow"/>
     </mc:Fallback>
   </mc:AlternateContent>
@@ -14170,17 +14170,7 @@
                 <a:latin typeface="標楷體" panose="03000509000000000000" pitchFamily="65" charset="-120"/>
                 <a:ea typeface="標楷體" panose="03000509000000000000" pitchFamily="65" charset="-120"/>
               </a:rPr>
-              <a:t>版本進行</a:t>
-            </a:r>
-            <a:r>
-              <a:rPr lang="zh-TW" altLang="en-US" sz="2400" spc="-1" dirty="0" smtClean="0">
-                <a:solidFill>
-                  <a:srgbClr val="002060"/>
-                </a:solidFill>
-                <a:latin typeface="標楷體" panose="03000509000000000000" pitchFamily="65" charset="-120"/>
-                <a:ea typeface="標楷體" panose="03000509000000000000" pitchFamily="65" charset="-120"/>
-              </a:rPr>
-              <a:t>開發</a:t>
+              <a:t>版本進行開發</a:t>
             </a:r>
             <a:endParaRPr lang="zh-TW" altLang="en-US" sz="2400" spc="-1" dirty="0">
               <a:solidFill>
@@ -14328,25 +14318,15 @@
             <a:r>
               <a:rPr lang="en-US" altLang="zh-TW" sz="2400" spc="-1" dirty="0">
                 <a:solidFill>
-                  <a:srgbClr val="002060"/>
-                </a:solidFill>
-                <a:latin typeface="標楷體" panose="03000509000000000000" pitchFamily="65" charset="-120"/>
-                <a:ea typeface="標楷體" panose="03000509000000000000" pitchFamily="65" charset="-120"/>
-              </a:rPr>
-              <a:t>A </a:t>
-            </a:r>
-            <a:r>
-              <a:rPr lang="zh-TW" altLang="en-US" sz="2400" spc="-1" dirty="0">
-                <a:solidFill>
-                  <a:srgbClr val="002060"/>
-                </a:solidFill>
-                <a:latin typeface="標楷體" panose="03000509000000000000" pitchFamily="65" charset="-120"/>
-                <a:ea typeface="標楷體" panose="03000509000000000000" pitchFamily="65" charset="-120"/>
-              </a:rPr>
-              <a:t>版本 </a:t>
-            </a:r>
-            <a:r>
-              <a:rPr lang="en-US" altLang="zh-TW" sz="2400" spc="-1" dirty="0">
+                  <a:srgbClr val="FF0000"/>
+                </a:solidFill>
+                <a:latin typeface="標楷體" panose="03000509000000000000" pitchFamily="65" charset="-120"/>
+                <a:ea typeface="標楷體" panose="03000509000000000000" pitchFamily="65" charset="-120"/>
+              </a:rPr>
+              <a:t>Issue A </a:t>
+            </a:r>
+            <a:r>
+              <a:rPr lang="en-US" altLang="zh-TW" sz="2400" spc="-1" dirty="0" smtClean="0">
                 <a:solidFill>
                   <a:srgbClr val="002060"/>
                 </a:solidFill>
@@ -14356,7 +14336,7 @@
               <a:t>&gt;</a:t>
             </a:r>
             <a:r>
-              <a:rPr lang="zh-TW" altLang="en-US" sz="2400" spc="-1" dirty="0">
+              <a:rPr lang="zh-TW" altLang="en-US" sz="2400" spc="-1" dirty="0" smtClean="0">
                 <a:solidFill>
                   <a:srgbClr val="002060"/>
                 </a:solidFill>
@@ -15248,7 +15228,7 @@
     <mc:Choice Requires="p14">
       <p:transition spd="slow" p14:dur="2000"/>
     </mc:Choice>
-    <mc:Fallback xmlns:p15="http://schemas.microsoft.com/office/powerpoint/2012/main" xmlns="">
+    <mc:Fallback xmlns="" xmlns:p15="http://schemas.microsoft.com/office/powerpoint/2012/main">
       <p:transition spd="slow"/>
     </mc:Fallback>
   </mc:AlternateContent>
@@ -15399,7 +15379,7 @@
     <mc:Choice Requires="p14">
       <p:transition spd="slow" p14:dur="2000"/>
     </mc:Choice>
-    <mc:Fallback xmlns:p15="http://schemas.microsoft.com/office/powerpoint/2012/main" xmlns="">
+    <mc:Fallback xmlns="" xmlns:p15="http://schemas.microsoft.com/office/powerpoint/2012/main">
       <p:transition spd="slow"/>
     </mc:Fallback>
   </mc:AlternateContent>
@@ -15580,7 +15560,7 @@
     <mc:Choice Requires="p14">
       <p:transition spd="slow" p14:dur="2000"/>
     </mc:Choice>
-    <mc:Fallback xmlns:p15="http://schemas.microsoft.com/office/powerpoint/2012/main" xmlns="">
+    <mc:Fallback xmlns="" xmlns:p15="http://schemas.microsoft.com/office/powerpoint/2012/main">
       <p:transition spd="slow"/>
     </mc:Fallback>
   </mc:AlternateContent>
@@ -15991,7 +15971,7 @@
     <mc:Choice Requires="p14">
       <p:transition spd="slow" p14:dur="2000"/>
     </mc:Choice>
-    <mc:Fallback xmlns:p15="http://schemas.microsoft.com/office/powerpoint/2012/main" xmlns="">
+    <mc:Fallback xmlns="" xmlns:p15="http://schemas.microsoft.com/office/powerpoint/2012/main">
       <p:transition spd="slow"/>
     </mc:Fallback>
   </mc:AlternateContent>
@@ -16151,7 +16131,7 @@
     <mc:Choice Requires="p14">
       <p:transition spd="slow" p14:dur="2000"/>
     </mc:Choice>
-    <mc:Fallback xmlns:p15="http://schemas.microsoft.com/office/powerpoint/2012/main" xmlns="">
+    <mc:Fallback xmlns="" xmlns:p15="http://schemas.microsoft.com/office/powerpoint/2012/main">
       <p:transition spd="slow"/>
     </mc:Fallback>
   </mc:AlternateContent>
@@ -16728,7 +16708,7 @@
     <mc:Choice Requires="p14">
       <p:transition spd="slow" p14:dur="2000"/>
     </mc:Choice>
-    <mc:Fallback xmlns:p15="http://schemas.microsoft.com/office/powerpoint/2012/main" xmlns="">
+    <mc:Fallback xmlns="" xmlns:p15="http://schemas.microsoft.com/office/powerpoint/2012/main">
       <p:transition spd="slow"/>
     </mc:Fallback>
   </mc:AlternateContent>
@@ -16909,7 +16889,7 @@
     <mc:Choice Requires="p14">
       <p:transition spd="slow" p14:dur="2000"/>
     </mc:Choice>
-    <mc:Fallback xmlns:p15="http://schemas.microsoft.com/office/powerpoint/2012/main" xmlns="">
+    <mc:Fallback xmlns="" xmlns:p15="http://schemas.microsoft.com/office/powerpoint/2012/main">
       <p:transition spd="slow"/>
     </mc:Fallback>
   </mc:AlternateContent>
@@ -17090,7 +17070,7 @@
     <mc:Choice Requires="p14">
       <p:transition spd="slow" p14:dur="2000"/>
     </mc:Choice>
-    <mc:Fallback xmlns:p15="http://schemas.microsoft.com/office/powerpoint/2012/main" xmlns="">
+    <mc:Fallback xmlns="" xmlns:p15="http://schemas.microsoft.com/office/powerpoint/2012/main">
       <p:transition spd="slow"/>
     </mc:Fallback>
   </mc:AlternateContent>
@@ -17663,7 +17643,7 @@
     <mc:Choice Requires="p14">
       <p:transition spd="slow" p14:dur="2000"/>
     </mc:Choice>
-    <mc:Fallback xmlns:p15="http://schemas.microsoft.com/office/powerpoint/2012/main" xmlns="">
+    <mc:Fallback xmlns="" xmlns:p15="http://schemas.microsoft.com/office/powerpoint/2012/main">
       <p:transition spd="slow"/>
     </mc:Fallback>
   </mc:AlternateContent>
@@ -17814,7 +17794,7 @@
     <mc:Choice Requires="p14">
       <p:transition spd="slow" p14:dur="2000"/>
     </mc:Choice>
-    <mc:Fallback xmlns:p15="http://schemas.microsoft.com/office/powerpoint/2012/main" xmlns="">
+    <mc:Fallback xmlns="" xmlns:p15="http://schemas.microsoft.com/office/powerpoint/2012/main">
       <p:transition spd="slow"/>
     </mc:Fallback>
   </mc:AlternateContent>
@@ -18787,7 +18767,7 @@
     <mc:Choice Requires="p14">
       <p:transition spd="slow" p14:dur="2000"/>
     </mc:Choice>
-    <mc:Fallback xmlns:p15="http://schemas.microsoft.com/office/powerpoint/2012/main" xmlns="">
+    <mc:Fallback xmlns="" xmlns:p15="http://schemas.microsoft.com/office/powerpoint/2012/main">
       <p:transition spd="slow"/>
     </mc:Fallback>
   </mc:AlternateContent>
@@ -19036,37 +19016,27 @@
               <a:t>開發 </a:t>
             </a:r>
             <a:r>
-              <a:rPr lang="en-US" altLang="zh-TW" sz="2400" spc="-1" dirty="0" smtClean="0">
-                <a:solidFill>
-                  <a:srgbClr val="002060"/>
-                </a:solidFill>
-                <a:latin typeface="標楷體" panose="03000509000000000000" pitchFamily="65" charset="-120"/>
-                <a:ea typeface="標楷體" panose="03000509000000000000" pitchFamily="65" charset="-120"/>
-              </a:rPr>
-              <a:t>B </a:t>
-            </a:r>
-            <a:r>
-              <a:rPr lang="zh-TW" altLang="en-US" sz="2400" spc="-1" dirty="0">
-                <a:solidFill>
-                  <a:srgbClr val="002060"/>
-                </a:solidFill>
-                <a:latin typeface="標楷體" panose="03000509000000000000" pitchFamily="65" charset="-120"/>
-                <a:ea typeface="標楷體" panose="03000509000000000000" pitchFamily="65" charset="-120"/>
-              </a:rPr>
-              <a:t>版本 </a:t>
-            </a:r>
-            <a:r>
               <a:rPr lang="en-US" altLang="zh-TW" sz="2400" spc="-1" dirty="0">
                 <a:solidFill>
-                  <a:srgbClr val="002060"/>
-                </a:solidFill>
-                <a:latin typeface="標楷體" panose="03000509000000000000" pitchFamily="65" charset="-120"/>
-                <a:ea typeface="標楷體" panose="03000509000000000000" pitchFamily="65" charset="-120"/>
-              </a:rPr>
-              <a:t>&gt;</a:t>
-            </a:r>
-            <a:r>
-              <a:rPr lang="zh-TW" altLang="en-US" sz="2400" spc="-1" dirty="0">
+                  <a:srgbClr val="FF0000"/>
+                </a:solidFill>
+                <a:latin typeface="標楷體" panose="03000509000000000000" pitchFamily="65" charset="-120"/>
+                <a:ea typeface="標楷體" panose="03000509000000000000" pitchFamily="65" charset="-120"/>
+              </a:rPr>
+              <a:t>Issue B</a:t>
+            </a:r>
+            <a:r>
+              <a:rPr lang="en-US" altLang="zh-TW" sz="2400" spc="-1" dirty="0">
+                <a:solidFill>
+                  <a:srgbClr val="002060"/>
+                </a:solidFill>
+                <a:latin typeface="標楷體" panose="03000509000000000000" pitchFamily="65" charset="-120"/>
+                <a:ea typeface="標楷體" panose="03000509000000000000" pitchFamily="65" charset="-120"/>
+              </a:rPr>
+              <a:t> &gt;</a:t>
+            </a:r>
+            <a:r>
+              <a:rPr lang="zh-TW" altLang="en-US" sz="2400" spc="-1" dirty="0" smtClean="0">
                 <a:solidFill>
                   <a:srgbClr val="002060"/>
                 </a:solidFill>
@@ -19303,9 +19273,19 @@
               <a:t> 正在測試 </a:t>
             </a:r>
             <a:r>
-              <a:rPr lang="en-US" altLang="zh-TW" sz="2400" b="1" spc="-1" dirty="0" smtClean="0">
-                <a:solidFill>
-                  <a:srgbClr val="002060"/>
+              <a:rPr lang="en-US" altLang="zh-TW" sz="2400" spc="-1" dirty="0">
+                <a:solidFill>
+                  <a:srgbClr val="FF0000"/>
+                </a:solidFill>
+                <a:latin typeface="標楷體" panose="03000509000000000000" pitchFamily="65" charset="-120"/>
+                <a:ea typeface="標楷體" panose="03000509000000000000" pitchFamily="65" charset="-120"/>
+              </a:rPr>
+              <a:t>Issue </a:t>
+            </a:r>
+            <a:r>
+              <a:rPr lang="en-US" altLang="zh-TW" sz="2400" spc="-1" dirty="0" smtClean="0">
+                <a:solidFill>
+                  <a:srgbClr val="FF0000"/>
                 </a:solidFill>
                 <a:latin typeface="標楷體" panose="03000509000000000000" pitchFamily="65" charset="-120"/>
                 <a:ea typeface="標楷體" panose="03000509000000000000" pitchFamily="65" charset="-120"/>
@@ -19313,14 +19293,14 @@
               <a:t>A</a:t>
             </a:r>
             <a:r>
-              <a:rPr lang="zh-TW" altLang="en-US" sz="2400" b="1" spc="-1" dirty="0" smtClean="0">
-                <a:solidFill>
-                  <a:srgbClr val="002060"/>
-                </a:solidFill>
-                <a:latin typeface="標楷體" panose="03000509000000000000" pitchFamily="65" charset="-120"/>
-                <a:ea typeface="標楷體" panose="03000509000000000000" pitchFamily="65" charset="-120"/>
-              </a:rPr>
-              <a:t> 版本</a:t>
+              <a:rPr lang="en-US" altLang="zh-TW" sz="2400" spc="-1" dirty="0" smtClean="0">
+                <a:solidFill>
+                  <a:srgbClr val="002060"/>
+                </a:solidFill>
+                <a:latin typeface="標楷體" panose="03000509000000000000" pitchFamily="65" charset="-120"/>
+                <a:ea typeface="標楷體" panose="03000509000000000000" pitchFamily="65" charset="-120"/>
+              </a:rPr>
+              <a:t> </a:t>
             </a:r>
             <a:r>
               <a:rPr lang="en-US" altLang="zh-TW" sz="2400" b="1" spc="-1" dirty="0" smtClean="0">
@@ -21429,7 +21409,7 @@
     <mc:Choice Requires="p14">
       <p:transition spd="slow" p14:dur="2000"/>
     </mc:Choice>
-    <mc:Fallback xmlns:p15="http://schemas.microsoft.com/office/powerpoint/2012/main" xmlns="">
+    <mc:Fallback xmlns="" xmlns:p15="http://schemas.microsoft.com/office/powerpoint/2012/main">
       <p:transition spd="slow"/>
     </mc:Fallback>
   </mc:AlternateContent>
@@ -21702,7 +21682,7 @@
     <mc:Choice Requires="p14">
       <p:transition spd="slow" p14:dur="2000"/>
     </mc:Choice>
-    <mc:Fallback xmlns:p15="http://schemas.microsoft.com/office/powerpoint/2012/main" xmlns="">
+    <mc:Fallback xmlns="" xmlns:p15="http://schemas.microsoft.com/office/powerpoint/2012/main">
       <p:transition spd="slow"/>
     </mc:Fallback>
   </mc:AlternateContent>
@@ -21966,7 +21946,7 @@
     <mc:Choice Requires="p14">
       <p:transition spd="slow" p14:dur="2000"/>
     </mc:Choice>
-    <mc:Fallback xmlns:p15="http://schemas.microsoft.com/office/powerpoint/2012/main" xmlns="">
+    <mc:Fallback xmlns="" xmlns:p15="http://schemas.microsoft.com/office/powerpoint/2012/main">
       <p:transition spd="slow"/>
     </mc:Fallback>
   </mc:AlternateContent>
@@ -22220,7 +22200,7 @@
     <mc:Choice Requires="p14">
       <p:transition spd="slow" p14:dur="2000"/>
     </mc:Choice>
-    <mc:Fallback xmlns:p15="http://schemas.microsoft.com/office/powerpoint/2012/main" xmlns="">
+    <mc:Fallback xmlns="" xmlns:p15="http://schemas.microsoft.com/office/powerpoint/2012/main">
       <p:transition spd="slow"/>
     </mc:Fallback>
   </mc:AlternateContent>
@@ -22454,7 +22434,7 @@
     <mc:Choice Requires="p14">
       <p:transition spd="slow" p14:dur="2000"/>
     </mc:Choice>
-    <mc:Fallback xmlns:p15="http://schemas.microsoft.com/office/powerpoint/2012/main" xmlns="">
+    <mc:Fallback xmlns="" xmlns:p15="http://schemas.microsoft.com/office/powerpoint/2012/main">
       <p:transition spd="slow"/>
     </mc:Fallback>
   </mc:AlternateContent>
@@ -22688,7 +22668,7 @@
     <mc:Choice Requires="p14">
       <p:transition spd="slow" p14:dur="2000"/>
     </mc:Choice>
-    <mc:Fallback xmlns:p15="http://schemas.microsoft.com/office/powerpoint/2012/main" xmlns="">
+    <mc:Fallback xmlns="" xmlns:p15="http://schemas.microsoft.com/office/powerpoint/2012/main">
       <p:transition spd="slow"/>
     </mc:Fallback>
   </mc:AlternateContent>
@@ -22907,7 +22887,7 @@
     <mc:Choice Requires="p14">
       <p:transition spd="slow" p14:dur="2000"/>
     </mc:Choice>
-    <mc:Fallback xmlns:p15="http://schemas.microsoft.com/office/powerpoint/2012/main" xmlns="">
+    <mc:Fallback xmlns="" xmlns:p15="http://schemas.microsoft.com/office/powerpoint/2012/main">
       <p:transition spd="slow"/>
     </mc:Fallback>
   </mc:AlternateContent>
@@ -23170,7 +23150,7 @@
     <mc:Choice Requires="p14">
       <p:transition spd="slow" p14:dur="2000"/>
     </mc:Choice>
-    <mc:Fallback xmlns:p15="http://schemas.microsoft.com/office/powerpoint/2012/main" xmlns="">
+    <mc:Fallback xmlns="" xmlns:p15="http://schemas.microsoft.com/office/powerpoint/2012/main">
       <p:transition spd="slow"/>
     </mc:Fallback>
   </mc:AlternateContent>
@@ -23483,7 +23463,7 @@
     <mc:Choice Requires="p14">
       <p:transition spd="slow" p14:dur="2000"/>
     </mc:Choice>
-    <mc:Fallback xmlns:p15="http://schemas.microsoft.com/office/powerpoint/2012/main" xmlns="">
+    <mc:Fallback xmlns="" xmlns:p15="http://schemas.microsoft.com/office/powerpoint/2012/main">
       <p:transition spd="slow"/>
     </mc:Fallback>
   </mc:AlternateContent>
@@ -23776,7 +23756,7 @@
     <mc:Choice Requires="p14">
       <p:transition spd="slow" p14:dur="2000"/>
     </mc:Choice>
-    <mc:Fallback xmlns:p15="http://schemas.microsoft.com/office/powerpoint/2012/main" xmlns="">
+    <mc:Fallback xmlns="" xmlns:p15="http://schemas.microsoft.com/office/powerpoint/2012/main">
       <p:transition spd="slow"/>
     </mc:Fallback>
   </mc:AlternateContent>
@@ -24000,7 +23980,7 @@
     <mc:Choice Requires="p14">
       <p:transition spd="slow" p14:dur="2000"/>
     </mc:Choice>
-    <mc:Fallback xmlns:p15="http://schemas.microsoft.com/office/powerpoint/2012/main" xmlns="">
+    <mc:Fallback xmlns="" xmlns:p15="http://schemas.microsoft.com/office/powerpoint/2012/main">
       <p:transition spd="slow"/>
     </mc:Fallback>
   </mc:AlternateContent>
@@ -24281,25 +24261,15 @@
             <a:r>
               <a:rPr lang="en-US" altLang="zh-TW" sz="2400" spc="-1" dirty="0">
                 <a:solidFill>
-                  <a:srgbClr val="002060"/>
-                </a:solidFill>
-                <a:latin typeface="標楷體" panose="03000509000000000000" pitchFamily="65" charset="-120"/>
-                <a:ea typeface="標楷體" panose="03000509000000000000" pitchFamily="65" charset="-120"/>
-              </a:rPr>
-              <a:t>A </a:t>
-            </a:r>
-            <a:r>
-              <a:rPr lang="zh-TW" altLang="en-US" sz="2400" spc="-1" dirty="0">
-                <a:solidFill>
-                  <a:srgbClr val="002060"/>
-                </a:solidFill>
-                <a:latin typeface="標楷體" panose="03000509000000000000" pitchFamily="65" charset="-120"/>
-                <a:ea typeface="標楷體" panose="03000509000000000000" pitchFamily="65" charset="-120"/>
-              </a:rPr>
-              <a:t>版本 </a:t>
-            </a:r>
-            <a:r>
-              <a:rPr lang="en-US" altLang="zh-TW" sz="2400" spc="-1" dirty="0">
+                  <a:srgbClr val="FF0000"/>
+                </a:solidFill>
+                <a:latin typeface="標楷體" panose="03000509000000000000" pitchFamily="65" charset="-120"/>
+                <a:ea typeface="標楷體" panose="03000509000000000000" pitchFamily="65" charset="-120"/>
+              </a:rPr>
+              <a:t>Issue A </a:t>
+            </a:r>
+            <a:r>
+              <a:rPr lang="en-US" altLang="zh-TW" sz="2400" spc="-1" dirty="0" smtClean="0">
                 <a:solidFill>
                   <a:srgbClr val="002060"/>
                 </a:solidFill>
@@ -24309,7 +24279,7 @@
               <a:t>&gt;</a:t>
             </a:r>
             <a:r>
-              <a:rPr lang="zh-TW" altLang="en-US" sz="2400" spc="-1" dirty="0">
+              <a:rPr lang="zh-TW" altLang="en-US" sz="2400" spc="-1" dirty="0" smtClean="0">
                 <a:solidFill>
                   <a:srgbClr val="002060"/>
                 </a:solidFill>
@@ -24730,17 +24700,7 @@
                 <a:latin typeface="標楷體" panose="03000509000000000000" pitchFamily="65" charset="-120"/>
                 <a:ea typeface="標楷體" panose="03000509000000000000" pitchFamily="65" charset="-120"/>
               </a:rPr>
-              <a:t>情境三</a:t>
-            </a:r>
-            <a:r>
-              <a:rPr lang="zh-TW" altLang="en-US" sz="2400" spc="-1" dirty="0" smtClean="0">
-                <a:solidFill>
-                  <a:srgbClr val="002060"/>
-                </a:solidFill>
-                <a:latin typeface="標楷體" panose="03000509000000000000" pitchFamily="65" charset="-120"/>
-                <a:ea typeface="標楷體" panose="03000509000000000000" pitchFamily="65" charset="-120"/>
-              </a:rPr>
-              <a:t>、</a:t>
+              <a:t>情境三、</a:t>
             </a:r>
             <a:r>
               <a:rPr lang="zh-TW" altLang="en-US" sz="2400" b="1" spc="-1" dirty="0" smtClean="0">
@@ -24847,9 +24807,39 @@
                 <a:latin typeface="標楷體" panose="03000509000000000000" pitchFamily="65" charset="-120"/>
                 <a:ea typeface="標楷體" panose="03000509000000000000" pitchFamily="65" charset="-120"/>
               </a:rPr>
+              <a:t> 測試的 </a:t>
+            </a:r>
+            <a:r>
+              <a:rPr lang="en-US" altLang="zh-TW" sz="2400" spc="-1" dirty="0">
+                <a:solidFill>
+                  <a:srgbClr val="002060"/>
+                </a:solidFill>
+                <a:latin typeface="標楷體" panose="03000509000000000000" pitchFamily="65" charset="-120"/>
+                <a:ea typeface="標楷體" panose="03000509000000000000" pitchFamily="65" charset="-120"/>
+              </a:rPr>
+              <a:t>Issue</a:t>
+            </a:r>
+            <a:r>
+              <a:rPr lang="zh-TW" altLang="en-US" sz="2400" spc="-1" dirty="0">
+                <a:solidFill>
+                  <a:srgbClr val="002060"/>
+                </a:solidFill>
+                <a:latin typeface="標楷體" panose="03000509000000000000" pitchFamily="65" charset="-120"/>
+                <a:ea typeface="標楷體" panose="03000509000000000000" pitchFamily="65" charset="-120"/>
+              </a:rPr>
               <a:t> </a:t>
             </a:r>
             <a:r>
+              <a:rPr lang="en-US" altLang="zh-TW" sz="2400" spc="-1" dirty="0" smtClean="0">
+                <a:solidFill>
+                  <a:srgbClr val="002060"/>
+                </a:solidFill>
+                <a:latin typeface="標楷體" panose="03000509000000000000" pitchFamily="65" charset="-120"/>
+                <a:ea typeface="標楷體" panose="03000509000000000000" pitchFamily="65" charset="-120"/>
+              </a:rPr>
+              <a:t>A</a:t>
+            </a:r>
+            <a:r>
               <a:rPr lang="zh-TW" altLang="en-US" sz="2400" spc="-1" dirty="0" smtClean="0">
                 <a:solidFill>
                   <a:srgbClr val="002060"/>
@@ -24857,17 +24847,7 @@
                 <a:latin typeface="標楷體" panose="03000509000000000000" pitchFamily="65" charset="-120"/>
                 <a:ea typeface="標楷體" panose="03000509000000000000" pitchFamily="65" charset="-120"/>
               </a:rPr>
-              <a:t>測試的 </a:t>
-            </a:r>
-            <a:r>
-              <a:rPr lang="en-US" altLang="zh-TW" sz="2400" spc="-1" dirty="0">
-                <a:solidFill>
-                  <a:srgbClr val="002060"/>
-                </a:solidFill>
-                <a:latin typeface="標楷體" panose="03000509000000000000" pitchFamily="65" charset="-120"/>
-                <a:ea typeface="標楷體" panose="03000509000000000000" pitchFamily="65" charset="-120"/>
-              </a:rPr>
-              <a:t>Issue</a:t>
+              <a:t> 測試不</a:t>
             </a:r>
             <a:r>
               <a:rPr lang="zh-TW" altLang="en-US" sz="2400" spc="-1" dirty="0">
@@ -24877,17 +24857,7 @@
                 <a:latin typeface="標楷體" panose="03000509000000000000" pitchFamily="65" charset="-120"/>
                 <a:ea typeface="標楷體" panose="03000509000000000000" pitchFamily="65" charset="-120"/>
               </a:rPr>
-              <a:t> </a:t>
-            </a:r>
-            <a:r>
-              <a:rPr lang="en-US" altLang="zh-TW" sz="2400" spc="-1" dirty="0" smtClean="0">
-                <a:solidFill>
-                  <a:srgbClr val="002060"/>
-                </a:solidFill>
-                <a:latin typeface="標楷體" panose="03000509000000000000" pitchFamily="65" charset="-120"/>
-                <a:ea typeface="標楷體" panose="03000509000000000000" pitchFamily="65" charset="-120"/>
-              </a:rPr>
-              <a:t>A</a:t>
+              <a:t>通過，退回</a:t>
             </a:r>
             <a:r>
               <a:rPr lang="zh-TW" altLang="en-US" sz="2400" spc="-1" dirty="0" smtClean="0">
@@ -24897,57 +24867,7 @@
                 <a:latin typeface="標楷體" panose="03000509000000000000" pitchFamily="65" charset="-120"/>
                 <a:ea typeface="標楷體" panose="03000509000000000000" pitchFamily="65" charset="-120"/>
               </a:rPr>
-              <a:t> </a:t>
-            </a:r>
-            <a:r>
-              <a:rPr lang="zh-TW" altLang="en-US" sz="2400" spc="-1" dirty="0" smtClean="0">
-                <a:solidFill>
-                  <a:srgbClr val="002060"/>
-                </a:solidFill>
-                <a:latin typeface="標楷體" panose="03000509000000000000" pitchFamily="65" charset="-120"/>
-                <a:ea typeface="標楷體" panose="03000509000000000000" pitchFamily="65" charset="-120"/>
-              </a:rPr>
-              <a:t>測試</a:t>
-            </a:r>
-            <a:r>
-              <a:rPr lang="zh-TW" altLang="en-US" sz="2400" spc="-1" dirty="0" smtClean="0">
-                <a:solidFill>
-                  <a:srgbClr val="002060"/>
-                </a:solidFill>
-                <a:latin typeface="標楷體" panose="03000509000000000000" pitchFamily="65" charset="-120"/>
-                <a:ea typeface="標楷體" panose="03000509000000000000" pitchFamily="65" charset="-120"/>
-              </a:rPr>
-              <a:t>不</a:t>
-            </a:r>
-            <a:r>
-              <a:rPr lang="zh-TW" altLang="en-US" sz="2400" spc="-1" dirty="0">
-                <a:solidFill>
-                  <a:srgbClr val="002060"/>
-                </a:solidFill>
-                <a:latin typeface="標楷體" panose="03000509000000000000" pitchFamily="65" charset="-120"/>
-                <a:ea typeface="標楷體" panose="03000509000000000000" pitchFamily="65" charset="-120"/>
-              </a:rPr>
-              <a:t>通過，退回</a:t>
-            </a:r>
-            <a:r>
-              <a:rPr lang="zh-TW" altLang="en-US" sz="2400" spc="-1" dirty="0" smtClean="0">
-                <a:solidFill>
-                  <a:srgbClr val="002060"/>
-                </a:solidFill>
-                <a:latin typeface="標楷體" panose="03000509000000000000" pitchFamily="65" charset="-120"/>
-                <a:ea typeface="標楷體" panose="03000509000000000000" pitchFamily="65" charset="-120"/>
-              </a:rPr>
-              <a:t>後重新修改送</a:t>
-            </a:r>
-            <a:r>
-              <a:rPr lang="zh-TW" altLang="en-US" sz="2400" spc="-1" dirty="0" smtClean="0">
-                <a:solidFill>
-                  <a:srgbClr val="002060"/>
-                </a:solidFill>
-                <a:latin typeface="標楷體" panose="03000509000000000000" pitchFamily="65" charset="-120"/>
-                <a:ea typeface="標楷體" panose="03000509000000000000" pitchFamily="65" charset="-120"/>
-              </a:rPr>
-              <a:t>測</a:t>
+              <a:t>後重新修改送測</a:t>
             </a:r>
             <a:endParaRPr lang="en-US" altLang="zh-TW" sz="2400" spc="-1" dirty="0" smtClean="0">
               <a:solidFill>
@@ -26928,7 +26848,7 @@
     <mc:Choice Requires="p14">
       <p:transition spd="slow" p14:dur="2000"/>
     </mc:Choice>
-    <mc:Fallback xmlns:p15="http://schemas.microsoft.com/office/powerpoint/2012/main" xmlns="">
+    <mc:Fallback xmlns="" xmlns:p15="http://schemas.microsoft.com/office/powerpoint/2012/main">
       <p:transition spd="slow"/>
     </mc:Fallback>
   </mc:AlternateContent>
@@ -27152,7 +27072,7 @@
     <mc:Choice Requires="p14">
       <p:transition spd="slow" p14:dur="2000"/>
     </mc:Choice>
-    <mc:Fallback xmlns:p15="http://schemas.microsoft.com/office/powerpoint/2012/main" xmlns="">
+    <mc:Fallback xmlns="" xmlns:p15="http://schemas.microsoft.com/office/powerpoint/2012/main">
       <p:transition spd="slow"/>
     </mc:Fallback>
   </mc:AlternateContent>
@@ -27376,7 +27296,7 @@
     <mc:Choice Requires="p14">
       <p:transition spd="slow" p14:dur="2000"/>
     </mc:Choice>
-    <mc:Fallback xmlns:p15="http://schemas.microsoft.com/office/powerpoint/2012/main" xmlns="">
+    <mc:Fallback xmlns="" xmlns:p15="http://schemas.microsoft.com/office/powerpoint/2012/main">
       <p:transition spd="slow"/>
     </mc:Fallback>
   </mc:AlternateContent>
@@ -27520,7 +27440,7 @@
     <mc:Choice Requires="p14">
       <p:transition spd="slow" p14:dur="2000"/>
     </mc:Choice>
-    <mc:Fallback xmlns:p15="http://schemas.microsoft.com/office/powerpoint/2012/main" xmlns="">
+    <mc:Fallback xmlns="" xmlns:p15="http://schemas.microsoft.com/office/powerpoint/2012/main">
       <p:transition spd="slow"/>
     </mc:Fallback>
   </mc:AlternateContent>
@@ -27831,7 +27751,7 @@
     <mc:Choice Requires="p14">
       <p:transition spd="slow" p14:dur="2000"/>
     </mc:Choice>
-    <mc:Fallback xmlns:p15="http://schemas.microsoft.com/office/powerpoint/2012/main" xmlns="">
+    <mc:Fallback xmlns="" xmlns:p15="http://schemas.microsoft.com/office/powerpoint/2012/main">
       <p:transition spd="slow"/>
     </mc:Fallback>
   </mc:AlternateContent>
@@ -27998,7 +27918,7 @@
     <mc:Choice Requires="p14">
       <p:transition spd="slow" p14:dur="2000"/>
     </mc:Choice>
-    <mc:Fallback xmlns:p15="http://schemas.microsoft.com/office/powerpoint/2012/main" xmlns="">
+    <mc:Fallback xmlns="" xmlns:p15="http://schemas.microsoft.com/office/powerpoint/2012/main">
       <p:transition spd="slow"/>
     </mc:Fallback>
   </mc:AlternateContent>
@@ -28180,7 +28100,7 @@
     <mc:Choice Requires="p14">
       <p:transition spd="slow" p14:dur="2000"/>
     </mc:Choice>
-    <mc:Fallback xmlns:p15="http://schemas.microsoft.com/office/powerpoint/2012/main" xmlns="">
+    <mc:Fallback xmlns="" xmlns:p15="http://schemas.microsoft.com/office/powerpoint/2012/main">
       <p:transition spd="slow"/>
     </mc:Fallback>
   </mc:AlternateContent>
@@ -28457,7 +28377,7 @@
     <mc:Choice Requires="p14">
       <p:transition spd="slow" p14:dur="2000"/>
     </mc:Choice>
-    <mc:Fallback xmlns:p15="http://schemas.microsoft.com/office/powerpoint/2012/main" xmlns="">
+    <mc:Fallback xmlns="" xmlns:p15="http://schemas.microsoft.com/office/powerpoint/2012/main">
       <p:transition spd="slow"/>
     </mc:Fallback>
   </mc:AlternateContent>
@@ -28904,7 +28824,7 @@
     <mc:Choice Requires="p14">
       <p:transition spd="slow" p14:dur="2000"/>
     </mc:Choice>
-    <mc:Fallback xmlns:p15="http://schemas.microsoft.com/office/powerpoint/2012/main" xmlns="">
+    <mc:Fallback xmlns="" xmlns:p15="http://schemas.microsoft.com/office/powerpoint/2012/main">
       <p:transition spd="slow"/>
     </mc:Fallback>
   </mc:AlternateContent>
@@ -33914,7 +33834,7 @@
     <mc:Choice Requires="p14">
       <p:transition spd="slow" p14:dur="2000"/>
     </mc:Choice>
-    <mc:Fallback xmlns:p15="http://schemas.microsoft.com/office/powerpoint/2012/main" xmlns="">
+    <mc:Fallback xmlns="" xmlns:p15="http://schemas.microsoft.com/office/powerpoint/2012/main">
       <p:transition spd="slow"/>
     </mc:Fallback>
   </mc:AlternateContent>
@@ -34191,25 +34111,15 @@
             <a:r>
               <a:rPr lang="en-US" altLang="zh-TW" sz="1800" spc="-1" dirty="0">
                 <a:solidFill>
-                  <a:srgbClr val="002060"/>
-                </a:solidFill>
-                <a:latin typeface="標楷體" panose="03000509000000000000" pitchFamily="65" charset="-120"/>
-                <a:ea typeface="標楷體" panose="03000509000000000000" pitchFamily="65" charset="-120"/>
-              </a:rPr>
-              <a:t>A </a:t>
-            </a:r>
-            <a:r>
-              <a:rPr lang="zh-TW" altLang="en-US" sz="1800" spc="-1" dirty="0">
-                <a:solidFill>
-                  <a:srgbClr val="002060"/>
-                </a:solidFill>
-                <a:latin typeface="標楷體" panose="03000509000000000000" pitchFamily="65" charset="-120"/>
-                <a:ea typeface="標楷體" panose="03000509000000000000" pitchFamily="65" charset="-120"/>
-              </a:rPr>
-              <a:t>版本 </a:t>
-            </a:r>
-            <a:r>
-              <a:rPr lang="en-US" altLang="zh-TW" sz="1800" spc="-1" dirty="0">
+                  <a:srgbClr val="FF0000"/>
+                </a:solidFill>
+                <a:latin typeface="標楷體" panose="03000509000000000000" pitchFamily="65" charset="-120"/>
+                <a:ea typeface="標楷體" panose="03000509000000000000" pitchFamily="65" charset="-120"/>
+              </a:rPr>
+              <a:t>Issue A </a:t>
+            </a:r>
+            <a:r>
+              <a:rPr lang="en-US" altLang="zh-TW" sz="1800" spc="-1" dirty="0" smtClean="0">
                 <a:solidFill>
                   <a:srgbClr val="002060"/>
                 </a:solidFill>
@@ -34219,7 +34129,7 @@
               <a:t>&gt;</a:t>
             </a:r>
             <a:r>
-              <a:rPr lang="zh-TW" altLang="en-US" sz="1800" spc="-1" dirty="0">
+              <a:rPr lang="zh-TW" altLang="en-US" sz="1800" spc="-1" dirty="0" smtClean="0">
                 <a:solidFill>
                   <a:srgbClr val="002060"/>
                 </a:solidFill>
@@ -34428,13 +34338,6 @@
               </a:rPr>
               <a:t>A+B)</a:t>
             </a:r>
-            <a:endParaRPr lang="en-US" altLang="zh-TW" sz="1800" spc="-1" dirty="0">
-              <a:solidFill>
-                <a:srgbClr val="002060"/>
-              </a:solidFill>
-              <a:latin typeface="標楷體" panose="03000509000000000000" pitchFamily="65" charset="-120"/>
-              <a:ea typeface="標楷體" panose="03000509000000000000" pitchFamily="65" charset="-120"/>
-            </a:endParaRPr>
           </a:p>
           <a:p>
             <a:pPr>
@@ -34563,17 +34466,7 @@
                 <a:latin typeface="標楷體" panose="03000509000000000000" pitchFamily="65" charset="-120"/>
                 <a:ea typeface="標楷體" panose="03000509000000000000" pitchFamily="65" charset="-120"/>
               </a:rPr>
-              <a:t> 再次</a:t>
-            </a:r>
-            <a:r>
-              <a:rPr lang="zh-TW" altLang="en-US" sz="1800" spc="-1" dirty="0" smtClean="0">
-                <a:solidFill>
-                  <a:srgbClr val="002060"/>
-                </a:solidFill>
-                <a:latin typeface="標楷體" panose="03000509000000000000" pitchFamily="65" charset="-120"/>
-                <a:ea typeface="標楷體" panose="03000509000000000000" pitchFamily="65" charset="-120"/>
-              </a:rPr>
-              <a:t>測試 </a:t>
+              <a:t> 再次測試 </a:t>
             </a:r>
             <a:r>
               <a:rPr lang="en-US" altLang="zh-TW" sz="1800" spc="-1" dirty="0" smtClean="0">
@@ -34812,13 +34705,6 @@
               </a:rPr>
               <a:t>(A+B)</a:t>
             </a:r>
-            <a:endParaRPr lang="en-US" altLang="zh-TW" sz="1800" spc="-1" dirty="0" smtClean="0">
-              <a:solidFill>
-                <a:srgbClr val="002060"/>
-              </a:solidFill>
-              <a:latin typeface="標楷體" panose="03000509000000000000" pitchFamily="65" charset="-120"/>
-              <a:ea typeface="標楷體" panose="03000509000000000000" pitchFamily="65" charset="-120"/>
-            </a:endParaRPr>
           </a:p>
         </p:txBody>
       </p:sp>
@@ -34883,17 +34769,7 @@
                 <a:latin typeface="標楷體" panose="03000509000000000000" pitchFamily="65" charset="-120"/>
                 <a:ea typeface="標楷體" panose="03000509000000000000" pitchFamily="65" charset="-120"/>
               </a:rPr>
-              <a:t>情境四</a:t>
-            </a:r>
-            <a:r>
-              <a:rPr lang="zh-TW" altLang="en-US" sz="2000" spc="-1" dirty="0" smtClean="0">
-                <a:solidFill>
-                  <a:srgbClr val="002060"/>
-                </a:solidFill>
-                <a:latin typeface="標楷體" panose="03000509000000000000" pitchFamily="65" charset="-120"/>
-                <a:ea typeface="標楷體" panose="03000509000000000000" pitchFamily="65" charset="-120"/>
-              </a:rPr>
-              <a:t>、</a:t>
+              <a:t>情境四、</a:t>
             </a:r>
             <a:r>
               <a:rPr lang="en-US" altLang="zh-TW" sz="2000" spc="-1" dirty="0">
@@ -35080,127 +34956,107 @@
                 <a:latin typeface="標楷體" panose="03000509000000000000" pitchFamily="65" charset="-120"/>
                 <a:ea typeface="標楷體" panose="03000509000000000000" pitchFamily="65" charset="-120"/>
               </a:rPr>
+              <a:t> 送回 </a:t>
+            </a:r>
+            <a:r>
+              <a:rPr lang="en-US" altLang="zh-TW" sz="2000" spc="-1" dirty="0" smtClean="0">
+                <a:solidFill>
+                  <a:srgbClr val="FF0000"/>
+                </a:solidFill>
+                <a:latin typeface="標楷體" panose="03000509000000000000" pitchFamily="65" charset="-120"/>
+                <a:ea typeface="標楷體" panose="03000509000000000000" pitchFamily="65" charset="-120"/>
+              </a:rPr>
+              <a:t>UAT</a:t>
+            </a:r>
+            <a:r>
+              <a:rPr lang="zh-TW" altLang="en-US" sz="2000" spc="-1" dirty="0" smtClean="0">
+                <a:solidFill>
+                  <a:srgbClr val="FF0000"/>
+                </a:solidFill>
+                <a:latin typeface="標楷體" panose="03000509000000000000" pitchFamily="65" charset="-120"/>
+                <a:ea typeface="標楷體" panose="03000509000000000000" pitchFamily="65" charset="-120"/>
+              </a:rPr>
+              <a:t> 測試</a:t>
+            </a:r>
+            <a:r>
+              <a:rPr lang="zh-TW" altLang="en-US" sz="2000" spc="-1" dirty="0">
+                <a:solidFill>
+                  <a:srgbClr val="002060"/>
+                </a:solidFill>
+                <a:latin typeface="標楷體" panose="03000509000000000000" pitchFamily="65" charset="-120"/>
+                <a:ea typeface="標楷體" panose="03000509000000000000" pitchFamily="65" charset="-120"/>
+              </a:rPr>
+              <a:t>，</a:t>
+            </a:r>
+            <a:r>
+              <a:rPr lang="zh-TW" altLang="en-US" sz="2000" spc="-1" dirty="0" smtClean="0">
+                <a:solidFill>
+                  <a:srgbClr val="002060"/>
+                </a:solidFill>
+                <a:latin typeface="標楷體" panose="03000509000000000000" pitchFamily="65" charset="-120"/>
+                <a:ea typeface="標楷體" panose="03000509000000000000" pitchFamily="65" charset="-120"/>
+              </a:rPr>
+              <a:t>測試成功上版 </a:t>
+            </a:r>
+            <a:r>
+              <a:rPr lang="en-US" altLang="zh-TW" sz="2000" spc="-1" dirty="0" smtClean="0">
+                <a:solidFill>
+                  <a:srgbClr val="002060"/>
+                </a:solidFill>
+                <a:latin typeface="標楷體" panose="03000509000000000000" pitchFamily="65" charset="-120"/>
+                <a:ea typeface="標楷體" panose="03000509000000000000" pitchFamily="65" charset="-120"/>
+              </a:rPr>
+              <a:t>Prod</a:t>
+            </a:r>
+            <a:r>
+              <a:rPr lang="zh-TW" altLang="en-US" sz="2000" spc="-1" dirty="0" smtClean="0">
+                <a:solidFill>
+                  <a:srgbClr val="002060"/>
+                </a:solidFill>
+                <a:latin typeface="標楷體" panose="03000509000000000000" pitchFamily="65" charset="-120"/>
+                <a:ea typeface="標楷體" panose="03000509000000000000" pitchFamily="65" charset="-120"/>
+              </a:rPr>
+              <a:t>，</a:t>
+            </a:r>
+            <a:r>
+              <a:rPr lang="en-US" altLang="zh-TW" sz="2000" spc="-1" dirty="0" smtClean="0">
+                <a:solidFill>
+                  <a:srgbClr val="002060"/>
+                </a:solidFill>
+                <a:latin typeface="標楷體" panose="03000509000000000000" pitchFamily="65" charset="-120"/>
+                <a:ea typeface="標楷體" panose="03000509000000000000" pitchFamily="65" charset="-120"/>
+              </a:rPr>
+              <a:t>Issue</a:t>
+            </a:r>
+            <a:r>
+              <a:rPr lang="zh-TW" altLang="en-US" sz="2000" spc="-1" dirty="0" smtClean="0">
+                <a:solidFill>
+                  <a:srgbClr val="002060"/>
+                </a:solidFill>
+                <a:latin typeface="標楷體" panose="03000509000000000000" pitchFamily="65" charset="-120"/>
+                <a:ea typeface="標楷體" panose="03000509000000000000" pitchFamily="65" charset="-120"/>
+              </a:rPr>
               <a:t> </a:t>
             </a:r>
             <a:r>
+              <a:rPr lang="en-US" altLang="zh-TW" sz="2000" spc="-1" dirty="0" smtClean="0">
+                <a:solidFill>
+                  <a:srgbClr val="002060"/>
+                </a:solidFill>
+                <a:latin typeface="標楷體" panose="03000509000000000000" pitchFamily="65" charset="-120"/>
+                <a:ea typeface="標楷體" panose="03000509000000000000" pitchFamily="65" charset="-120"/>
+              </a:rPr>
+              <a:t>B</a:t>
+            </a:r>
+            <a:r>
               <a:rPr lang="zh-TW" altLang="en-US" sz="2000" spc="-1" dirty="0" smtClean="0">
                 <a:solidFill>
-                  <a:srgbClr val="FF0000"/>
-                </a:solidFill>
-                <a:latin typeface="標楷體" panose="03000509000000000000" pitchFamily="65" charset="-120"/>
-                <a:ea typeface="標楷體" panose="03000509000000000000" pitchFamily="65" charset="-120"/>
-              </a:rPr>
-              <a:t>送回 </a:t>
-            </a:r>
-            <a:r>
-              <a:rPr lang="en-US" altLang="zh-TW" sz="2000" spc="-1" dirty="0" smtClean="0">
-                <a:solidFill>
-                  <a:srgbClr val="FF0000"/>
-                </a:solidFill>
-                <a:latin typeface="標楷體" panose="03000509000000000000" pitchFamily="65" charset="-120"/>
-                <a:ea typeface="標楷體" panose="03000509000000000000" pitchFamily="65" charset="-120"/>
-              </a:rPr>
-              <a:t>UAT</a:t>
-            </a:r>
-            <a:r>
-              <a:rPr lang="zh-TW" altLang="en-US" sz="2000" spc="-1" dirty="0" smtClean="0">
-                <a:solidFill>
-                  <a:srgbClr val="FF0000"/>
-                </a:solidFill>
-                <a:latin typeface="標楷體" panose="03000509000000000000" pitchFamily="65" charset="-120"/>
-                <a:ea typeface="標楷體" panose="03000509000000000000" pitchFamily="65" charset="-120"/>
-              </a:rPr>
-              <a:t> 測試</a:t>
-            </a:r>
-            <a:r>
-              <a:rPr lang="zh-TW" altLang="en-US" sz="2000" spc="-1" dirty="0">
-                <a:solidFill>
-                  <a:srgbClr val="002060"/>
-                </a:solidFill>
-                <a:latin typeface="標楷體" panose="03000509000000000000" pitchFamily="65" charset="-120"/>
-                <a:ea typeface="標楷體" panose="03000509000000000000" pitchFamily="65" charset="-120"/>
-              </a:rPr>
-              <a:t>，</a:t>
-            </a:r>
-            <a:r>
-              <a:rPr lang="zh-TW" altLang="en-US" sz="2000" spc="-1" dirty="0" smtClean="0">
-                <a:solidFill>
-                  <a:srgbClr val="002060"/>
-                </a:solidFill>
-                <a:latin typeface="標楷體" panose="03000509000000000000" pitchFamily="65" charset="-120"/>
-                <a:ea typeface="標楷體" panose="03000509000000000000" pitchFamily="65" charset="-120"/>
-              </a:rPr>
-              <a:t>測試成功上版 </a:t>
-            </a:r>
-            <a:r>
-              <a:rPr lang="en-US" altLang="zh-TW" sz="2000" spc="-1" dirty="0" smtClean="0">
-                <a:solidFill>
-                  <a:srgbClr val="002060"/>
-                </a:solidFill>
-                <a:latin typeface="標楷體" panose="03000509000000000000" pitchFamily="65" charset="-120"/>
-                <a:ea typeface="標楷體" panose="03000509000000000000" pitchFamily="65" charset="-120"/>
-              </a:rPr>
-              <a:t>Prod</a:t>
-            </a:r>
-            <a:r>
-              <a:rPr lang="zh-TW" altLang="en-US" sz="2000" spc="-1" dirty="0" smtClean="0">
-                <a:solidFill>
-                  <a:srgbClr val="002060"/>
-                </a:solidFill>
-                <a:latin typeface="標楷體" panose="03000509000000000000" pitchFamily="65" charset="-120"/>
-                <a:ea typeface="標楷體" panose="03000509000000000000" pitchFamily="65" charset="-120"/>
-              </a:rPr>
-              <a:t>，</a:t>
-            </a:r>
-            <a:r>
-              <a:rPr lang="en-US" altLang="zh-TW" sz="2000" spc="-1" dirty="0" smtClean="0">
-                <a:solidFill>
-                  <a:srgbClr val="002060"/>
-                </a:solidFill>
-                <a:latin typeface="標楷體" panose="03000509000000000000" pitchFamily="65" charset="-120"/>
-                <a:ea typeface="標楷體" panose="03000509000000000000" pitchFamily="65" charset="-120"/>
-              </a:rPr>
-              <a:t>Issue</a:t>
-            </a:r>
-            <a:r>
-              <a:rPr lang="zh-TW" altLang="en-US" sz="2000" spc="-1" dirty="0" smtClean="0">
-                <a:solidFill>
-                  <a:srgbClr val="002060"/>
-                </a:solidFill>
-                <a:latin typeface="標楷體" panose="03000509000000000000" pitchFamily="65" charset="-120"/>
-                <a:ea typeface="標楷體" panose="03000509000000000000" pitchFamily="65" charset="-120"/>
-              </a:rPr>
-              <a:t> </a:t>
-            </a:r>
-            <a:r>
-              <a:rPr lang="en-US" altLang="zh-TW" sz="2000" spc="-1" dirty="0" smtClean="0">
-                <a:solidFill>
-                  <a:srgbClr val="002060"/>
-                </a:solidFill>
-                <a:latin typeface="標楷體" panose="03000509000000000000" pitchFamily="65" charset="-120"/>
-                <a:ea typeface="標楷體" panose="03000509000000000000" pitchFamily="65" charset="-120"/>
-              </a:rPr>
-              <a:t>B</a:t>
-            </a:r>
-            <a:r>
-              <a:rPr lang="zh-TW" altLang="en-US" sz="2000" spc="-1" dirty="0" smtClean="0">
-                <a:solidFill>
-                  <a:srgbClr val="002060"/>
-                </a:solidFill>
-                <a:latin typeface="標楷體" panose="03000509000000000000" pitchFamily="65" charset="-120"/>
-                <a:ea typeface="標楷體" panose="03000509000000000000" pitchFamily="65" charset="-120"/>
-              </a:rPr>
-              <a:t> </a:t>
-            </a:r>
-            <a:r>
-              <a:rPr lang="zh-TW" altLang="en-US" sz="2000" spc="-1" dirty="0" smtClean="0">
-                <a:solidFill>
-                  <a:srgbClr val="002060"/>
-                </a:solidFill>
-                <a:latin typeface="標楷體" panose="03000509000000000000" pitchFamily="65" charset="-120"/>
-                <a:ea typeface="標楷體" panose="03000509000000000000" pitchFamily="65" charset="-120"/>
-              </a:rPr>
-              <a:t>繼續送 </a:t>
+                  <a:srgbClr val="002060"/>
+                </a:solidFill>
+                <a:latin typeface="標楷體" panose="03000509000000000000" pitchFamily="65" charset="-120"/>
+                <a:ea typeface="標楷體" panose="03000509000000000000" pitchFamily="65" charset="-120"/>
+              </a:rPr>
+              <a:t> 繼續送 </a:t>
             </a:r>
             <a:r>
               <a:rPr lang="en-US" altLang="zh-TW" sz="2000" spc="-1" dirty="0" smtClean="0">
@@ -35635,12 +35491,6 @@
               </a:rPr>
               <a:t> </a:t>
             </a:r>
-            <a:endParaRPr lang="en-US" altLang="zh-TW" sz="1600" b="0" strike="noStrike" spc="-1" dirty="0" smtClean="0">
-              <a:solidFill>
-                <a:schemeClr val="dk1"/>
-              </a:solidFill>
-              <a:latin typeface="Arial"/>
-            </a:endParaRPr>
           </a:p>
         </p:txBody>
       </p:sp>
@@ -37339,32 +37189,17 @@
                 </a:solidFill>
                 <a:latin typeface="Arial"/>
               </a:rPr>
-              <a:t>Issue </a:t>
-            </a:r>
-            <a:r>
-              <a:rPr lang="en-US" altLang="zh-TW" sz="1600" spc="-1" dirty="0" smtClean="0">
+              <a:t>Issue B</a:t>
+            </a:r>
+            <a:r>
+              <a:rPr lang="en-US" altLang="zh-TW" sz="1600" b="0" strike="noStrike" spc="-1" dirty="0" smtClean="0">
                 <a:solidFill>
                   <a:schemeClr val="dk1"/>
                 </a:solidFill>
                 <a:latin typeface="Arial"/>
               </a:rPr>
-              <a:t>B</a:t>
-            </a:r>
-            <a:r>
-              <a:rPr lang="en-US" altLang="zh-TW" sz="1600" b="0" strike="noStrike" spc="-1" dirty="0" smtClean="0">
-                <a:solidFill>
-                  <a:schemeClr val="dk1"/>
-                </a:solidFill>
-                <a:latin typeface="Arial"/>
-              </a:rPr>
               <a:t> </a:t>
             </a:r>
-            <a:endParaRPr lang="en-US" altLang="zh-TW" sz="1600" b="0" strike="noStrike" spc="-1" dirty="0" smtClean="0">
-              <a:solidFill>
-                <a:schemeClr val="dk1"/>
-              </a:solidFill>
-              <a:latin typeface="Arial"/>
-            </a:endParaRPr>
           </a:p>
         </p:txBody>
       </p:sp>
@@ -37555,12 +37390,6 @@
               </a:rPr>
               <a:t> </a:t>
             </a:r>
-            <a:endParaRPr lang="en-US" altLang="zh-TW" sz="1600" b="0" strike="noStrike" spc="-1" dirty="0" smtClean="0">
-              <a:solidFill>
-                <a:schemeClr val="dk1"/>
-              </a:solidFill>
-              <a:latin typeface="Arial"/>
-            </a:endParaRPr>
           </a:p>
         </p:txBody>
       </p:sp>
@@ -38017,7 +37846,7 @@
     <mc:Choice Requires="p14">
       <p:transition spd="slow" p14:dur="2000"/>
     </mc:Choice>
-    <mc:Fallback xmlns:p15="http://schemas.microsoft.com/office/powerpoint/2012/main" xmlns="">
+    <mc:Fallback xmlns="" xmlns:p15="http://schemas.microsoft.com/office/powerpoint/2012/main">
       <p:transition spd="slow"/>
     </mc:Fallback>
   </mc:AlternateContent>
@@ -38336,24 +38165,14 @@
               <a:t> </a:t>
             </a:r>
             <a:r>
-              <a:rPr lang="en-US" altLang="zh-TW" sz="1800" spc="-1" dirty="0" smtClean="0">
-                <a:solidFill>
-                  <a:srgbClr val="002060"/>
-                </a:solidFill>
-                <a:latin typeface="標楷體" panose="03000509000000000000" pitchFamily="65" charset="-120"/>
-                <a:ea typeface="標楷體" panose="03000509000000000000" pitchFamily="65" charset="-120"/>
-              </a:rPr>
-              <a:t>B </a:t>
-            </a:r>
-            <a:r>
-              <a:rPr lang="zh-TW" altLang="en-US" sz="1800" spc="-1" dirty="0">
-                <a:solidFill>
-                  <a:srgbClr val="002060"/>
-                </a:solidFill>
-                <a:latin typeface="標楷體" panose="03000509000000000000" pitchFamily="65" charset="-120"/>
-                <a:ea typeface="標楷體" panose="03000509000000000000" pitchFamily="65" charset="-120"/>
-              </a:rPr>
-              <a:t>版本 </a:t>
+              <a:rPr lang="en-US" altLang="zh-TW" sz="1800" spc="-1" dirty="0">
+                <a:solidFill>
+                  <a:srgbClr val="FF0000"/>
+                </a:solidFill>
+                <a:latin typeface="標楷體" panose="03000509000000000000" pitchFamily="65" charset="-120"/>
+                <a:ea typeface="標楷體" panose="03000509000000000000" pitchFamily="65" charset="-120"/>
+              </a:rPr>
+              <a:t>Issue B</a:t>
             </a:r>
             <a:endParaRPr lang="en-US" altLang="zh-TW" sz="1800" spc="-1" dirty="0" smtClean="0">
               <a:solidFill>
@@ -38774,9 +38593,59 @@
                 <a:latin typeface="標楷體" panose="03000509000000000000" pitchFamily="65" charset="-120"/>
                 <a:ea typeface="標楷體" panose="03000509000000000000" pitchFamily="65" charset="-120"/>
               </a:rPr>
+              <a:t> 至 </a:t>
+            </a:r>
+            <a:r>
+              <a:rPr lang="en-US" altLang="zh-TW" sz="1800" spc="-1" dirty="0" smtClean="0">
+                <a:solidFill>
+                  <a:srgbClr val="FF0000"/>
+                </a:solidFill>
+                <a:latin typeface="標楷體" panose="03000509000000000000" pitchFamily="65" charset="-120"/>
+                <a:ea typeface="標楷體" panose="03000509000000000000" pitchFamily="65" charset="-120"/>
+              </a:rPr>
+              <a:t>main</a:t>
+            </a:r>
+            <a:r>
+              <a:rPr lang="en-US" altLang="zh-TW" sz="1800" spc="-1" dirty="0" smtClean="0">
+                <a:solidFill>
+                  <a:srgbClr val="002060"/>
+                </a:solidFill>
+                <a:latin typeface="標楷體" panose="03000509000000000000" pitchFamily="65" charset="-120"/>
+                <a:ea typeface="標楷體" panose="03000509000000000000" pitchFamily="65" charset="-120"/>
+              </a:rPr>
               <a:t> </a:t>
             </a:r>
             <a:r>
+              <a:rPr lang="en-US" altLang="zh-TW" sz="1800" spc="-1" dirty="0">
+                <a:solidFill>
+                  <a:srgbClr val="002060"/>
+                </a:solidFill>
+                <a:latin typeface="標楷體" panose="03000509000000000000" pitchFamily="65" charset="-120"/>
+                <a:ea typeface="標楷體" panose="03000509000000000000" pitchFamily="65" charset="-120"/>
+              </a:rPr>
+              <a:t>branch </a:t>
+            </a:r>
+            <a:r>
+              <a:rPr lang="zh-TW" altLang="en-US" sz="1800" spc="-1" dirty="0">
+                <a:solidFill>
+                  <a:srgbClr val="002060"/>
+                </a:solidFill>
+                <a:latin typeface="標楷體" panose="03000509000000000000" pitchFamily="65" charset="-120"/>
+                <a:ea typeface="標楷體" panose="03000509000000000000" pitchFamily="65" charset="-120"/>
+              </a:rPr>
+              <a:t>進行 </a:t>
+            </a:r>
+            <a:r>
+              <a:rPr lang="en-US" altLang="zh-TW" sz="1800" spc="-1" dirty="0">
+                <a:solidFill>
+                  <a:srgbClr val="002060"/>
+                </a:solidFill>
+                <a:latin typeface="標楷體" panose="03000509000000000000" pitchFamily="65" charset="-120"/>
+                <a:ea typeface="標楷體" panose="03000509000000000000" pitchFamily="65" charset="-120"/>
+              </a:rPr>
+              <a:t>UAT</a:t>
+            </a:r>
+            <a:r>
               <a:rPr lang="zh-TW" altLang="en-US" sz="1800" spc="-1" dirty="0" smtClean="0">
                 <a:solidFill>
                   <a:srgbClr val="002060"/>
@@ -38784,77 +38653,7 @@
                 <a:latin typeface="標楷體" panose="03000509000000000000" pitchFamily="65" charset="-120"/>
                 <a:ea typeface="標楷體" panose="03000509000000000000" pitchFamily="65" charset="-120"/>
               </a:rPr>
-              <a:t>至 </a:t>
-            </a:r>
-            <a:r>
-              <a:rPr lang="en-US" altLang="zh-TW" sz="1800" spc="-1" dirty="0" smtClean="0">
-                <a:solidFill>
-                  <a:srgbClr val="FF0000"/>
-                </a:solidFill>
-                <a:latin typeface="標楷體" panose="03000509000000000000" pitchFamily="65" charset="-120"/>
-                <a:ea typeface="標楷體" panose="03000509000000000000" pitchFamily="65" charset="-120"/>
-              </a:rPr>
-              <a:t>main</a:t>
-            </a:r>
-            <a:r>
-              <a:rPr lang="en-US" altLang="zh-TW" sz="1800" spc="-1" dirty="0" smtClean="0">
-                <a:solidFill>
-                  <a:srgbClr val="002060"/>
-                </a:solidFill>
-                <a:latin typeface="標楷體" panose="03000509000000000000" pitchFamily="65" charset="-120"/>
-                <a:ea typeface="標楷體" panose="03000509000000000000" pitchFamily="65" charset="-120"/>
-              </a:rPr>
-              <a:t> </a:t>
-            </a:r>
-            <a:r>
-              <a:rPr lang="en-US" altLang="zh-TW" sz="1800" spc="-1" dirty="0">
-                <a:solidFill>
-                  <a:srgbClr val="002060"/>
-                </a:solidFill>
-                <a:latin typeface="標楷體" panose="03000509000000000000" pitchFamily="65" charset="-120"/>
-                <a:ea typeface="標楷體" panose="03000509000000000000" pitchFamily="65" charset="-120"/>
-              </a:rPr>
-              <a:t>branch </a:t>
-            </a:r>
-            <a:r>
-              <a:rPr lang="zh-TW" altLang="en-US" sz="1800" spc="-1" dirty="0">
-                <a:solidFill>
-                  <a:srgbClr val="002060"/>
-                </a:solidFill>
-                <a:latin typeface="標楷體" panose="03000509000000000000" pitchFamily="65" charset="-120"/>
-                <a:ea typeface="標楷體" panose="03000509000000000000" pitchFamily="65" charset="-120"/>
-              </a:rPr>
-              <a:t>進行 </a:t>
-            </a:r>
-            <a:r>
-              <a:rPr lang="en-US" altLang="zh-TW" sz="1800" spc="-1" dirty="0">
-                <a:solidFill>
-                  <a:srgbClr val="002060"/>
-                </a:solidFill>
-                <a:latin typeface="標楷體" panose="03000509000000000000" pitchFamily="65" charset="-120"/>
-                <a:ea typeface="標楷體" panose="03000509000000000000" pitchFamily="65" charset="-120"/>
-              </a:rPr>
-              <a:t>UAT</a:t>
-            </a:r>
-            <a:r>
-              <a:rPr lang="zh-TW" altLang="en-US" sz="1800" spc="-1" dirty="0" smtClean="0">
-                <a:solidFill>
-                  <a:srgbClr val="002060"/>
-                </a:solidFill>
-                <a:latin typeface="標楷體" panose="03000509000000000000" pitchFamily="65" charset="-120"/>
-                <a:ea typeface="標楷體" panose="03000509000000000000" pitchFamily="65" charset="-120"/>
-              </a:rPr>
-              <a:t> 再次</a:t>
-            </a:r>
-            <a:r>
-              <a:rPr lang="zh-TW" altLang="en-US" sz="1800" spc="-1" dirty="0" smtClean="0">
-                <a:solidFill>
-                  <a:srgbClr val="002060"/>
-                </a:solidFill>
-                <a:latin typeface="標楷體" panose="03000509000000000000" pitchFamily="65" charset="-120"/>
-                <a:ea typeface="標楷體" panose="03000509000000000000" pitchFamily="65" charset="-120"/>
-              </a:rPr>
-              <a:t>測試 </a:t>
+              <a:t> 再次測試 </a:t>
             </a:r>
             <a:r>
               <a:rPr lang="en-US" altLang="zh-TW" sz="1800" spc="-1" dirty="0" smtClean="0">
@@ -39147,17 +38946,7 @@
                 <a:latin typeface="標楷體" panose="03000509000000000000" pitchFamily="65" charset="-120"/>
                 <a:ea typeface="標楷體" panose="03000509000000000000" pitchFamily="65" charset="-120"/>
               </a:rPr>
-              <a:t>情境五</a:t>
-            </a:r>
-            <a:r>
-              <a:rPr lang="zh-TW" altLang="en-US" sz="2000" spc="-1" dirty="0" smtClean="0">
-                <a:solidFill>
-                  <a:srgbClr val="002060"/>
-                </a:solidFill>
-                <a:latin typeface="標楷體" panose="03000509000000000000" pitchFamily="65" charset="-120"/>
-                <a:ea typeface="標楷體" panose="03000509000000000000" pitchFamily="65" charset="-120"/>
-              </a:rPr>
-              <a:t>、</a:t>
+              <a:t>情境五、</a:t>
             </a:r>
             <a:r>
               <a:rPr lang="en-US" altLang="zh-TW" sz="2000" spc="-1" dirty="0">
@@ -41540,12 +41329,6 @@
               </a:rPr>
               <a:t> </a:t>
             </a:r>
-            <a:endParaRPr lang="en-US" altLang="zh-TW" sz="1600" b="0" strike="noStrike" spc="-1" dirty="0" smtClean="0">
-              <a:solidFill>
-                <a:schemeClr val="dk1"/>
-              </a:solidFill>
-              <a:latin typeface="Arial"/>
-            </a:endParaRPr>
           </a:p>
         </p:txBody>
       </p:sp>
@@ -42178,32 +41961,17 @@
                 </a:solidFill>
                 <a:latin typeface="Arial"/>
               </a:rPr>
-              <a:t>Issue </a:t>
-            </a:r>
-            <a:r>
-              <a:rPr lang="en-US" altLang="zh-TW" sz="1600" spc="-1" dirty="0" smtClean="0">
+              <a:t>Issue A</a:t>
+            </a:r>
+            <a:r>
+              <a:rPr lang="en-US" altLang="zh-TW" sz="1600" b="0" strike="noStrike" spc="-1" dirty="0" smtClean="0">
                 <a:solidFill>
                   <a:schemeClr val="dk1"/>
                 </a:solidFill>
                 <a:latin typeface="Arial"/>
               </a:rPr>
-              <a:t>A</a:t>
-            </a:r>
-            <a:r>
-              <a:rPr lang="en-US" altLang="zh-TW" sz="1600" b="0" strike="noStrike" spc="-1" dirty="0" smtClean="0">
-                <a:solidFill>
-                  <a:schemeClr val="dk1"/>
-                </a:solidFill>
-                <a:latin typeface="Arial"/>
-              </a:rPr>
               <a:t> </a:t>
             </a:r>
-            <a:endParaRPr lang="en-US" altLang="zh-TW" sz="1600" b="0" strike="noStrike" spc="-1" dirty="0" smtClean="0">
-              <a:solidFill>
-                <a:schemeClr val="dk1"/>
-              </a:solidFill>
-              <a:latin typeface="Arial"/>
-            </a:endParaRPr>
           </a:p>
         </p:txBody>
       </p:sp>
@@ -42394,12 +42162,6 @@
               </a:rPr>
               <a:t> </a:t>
             </a:r>
-            <a:endParaRPr lang="en-US" altLang="zh-TW" sz="1600" b="0" strike="noStrike" spc="-1" dirty="0" smtClean="0">
-              <a:solidFill>
-                <a:schemeClr val="dk1"/>
-              </a:solidFill>
-              <a:latin typeface="Arial"/>
-            </a:endParaRPr>
           </a:p>
         </p:txBody>
       </p:sp>
@@ -42753,7 +42515,7 @@
     <mc:Choice Requires="p14">
       <p:transition spd="slow" p14:dur="2000"/>
     </mc:Choice>
-    <mc:Fallback xmlns:p15="http://schemas.microsoft.com/office/powerpoint/2012/main" xmlns="">
+    <mc:Fallback xmlns="" xmlns:p15="http://schemas.microsoft.com/office/powerpoint/2012/main">
       <p:transition spd="slow"/>
     </mc:Fallback>
   </mc:AlternateContent>
@@ -44703,24 +44465,24 @@
               <a:t> </a:t>
             </a:r>
             <a:r>
+              <a:rPr lang="en-US" altLang="zh-TW" sz="1800" spc="-1" dirty="0">
+                <a:solidFill>
+                  <a:srgbClr val="FF0000"/>
+                </a:solidFill>
+                <a:latin typeface="標楷體" panose="03000509000000000000" pitchFamily="65" charset="-120"/>
+                <a:ea typeface="標楷體" panose="03000509000000000000" pitchFamily="65" charset="-120"/>
+              </a:rPr>
+              <a:t>Issue </a:t>
+            </a:r>
+            <a:r>
               <a:rPr lang="en-US" altLang="zh-TW" sz="1800" spc="-1" dirty="0" smtClean="0">
                 <a:solidFill>
-                  <a:srgbClr val="002060"/>
-                </a:solidFill>
-                <a:latin typeface="標楷體" panose="03000509000000000000" pitchFamily="65" charset="-120"/>
-                <a:ea typeface="標楷體" panose="03000509000000000000" pitchFamily="65" charset="-120"/>
-              </a:rPr>
-              <a:t>C </a:t>
-            </a:r>
-            <a:r>
-              <a:rPr lang="zh-TW" altLang="en-US" sz="1800" spc="-1" dirty="0">
-                <a:solidFill>
-                  <a:srgbClr val="002060"/>
-                </a:solidFill>
-                <a:latin typeface="標楷體" panose="03000509000000000000" pitchFamily="65" charset="-120"/>
-                <a:ea typeface="標楷體" panose="03000509000000000000" pitchFamily="65" charset="-120"/>
-              </a:rPr>
-              <a:t>版本 </a:t>
+                  <a:srgbClr val="FF0000"/>
+                </a:solidFill>
+                <a:latin typeface="標楷體" panose="03000509000000000000" pitchFamily="65" charset="-120"/>
+                <a:ea typeface="標楷體" panose="03000509000000000000" pitchFamily="65" charset="-120"/>
+              </a:rPr>
+              <a:t>C</a:t>
             </a:r>
             <a:endParaRPr lang="en-US" altLang="zh-TW" sz="1800" spc="-1" dirty="0" smtClean="0">
               <a:solidFill>
@@ -44959,13 +44721,6 @@
               </a:rPr>
               <a:t>A+B+C)</a:t>
             </a:r>
-            <a:endParaRPr lang="en-US" altLang="zh-TW" sz="1800" spc="-1" dirty="0" smtClean="0">
-              <a:solidFill>
-                <a:srgbClr val="002060"/>
-              </a:solidFill>
-              <a:latin typeface="標楷體" panose="03000509000000000000" pitchFamily="65" charset="-120"/>
-              <a:ea typeface="標楷體" panose="03000509000000000000" pitchFamily="65" charset="-120"/>
-            </a:endParaRPr>
           </a:p>
           <a:p>
             <a:pPr>
@@ -45114,17 +44869,37 @@
                 <a:latin typeface="標楷體" panose="03000509000000000000" pitchFamily="65" charset="-120"/>
                 <a:ea typeface="標楷體" panose="03000509000000000000" pitchFamily="65" charset="-120"/>
               </a:rPr>
-              <a:t>Issue </a:t>
+              <a:t>Issue C</a:t>
             </a:r>
             <a:r>
               <a:rPr lang="en-US" altLang="zh-TW" sz="1800" spc="-1" dirty="0" smtClean="0">
                 <a:solidFill>
+                  <a:srgbClr val="002060"/>
+                </a:solidFill>
+                <a:latin typeface="標楷體" panose="03000509000000000000" pitchFamily="65" charset="-120"/>
+                <a:ea typeface="標楷體" panose="03000509000000000000" pitchFamily="65" charset="-120"/>
+              </a:rPr>
+              <a:t> branch</a:t>
+            </a:r>
+            <a:r>
+              <a:rPr lang="zh-TW" altLang="en-US" sz="1800" spc="-1" dirty="0" smtClean="0">
+                <a:solidFill>
+                  <a:srgbClr val="002060"/>
+                </a:solidFill>
+                <a:latin typeface="標楷體" panose="03000509000000000000" pitchFamily="65" charset="-120"/>
+                <a:ea typeface="標楷體" panose="03000509000000000000" pitchFamily="65" charset="-120"/>
+              </a:rPr>
+              <a:t> 至 </a:t>
+            </a:r>
+            <a:r>
+              <a:rPr lang="en-US" altLang="zh-TW" sz="1800" spc="-1" dirty="0" smtClean="0">
+                <a:solidFill>
                   <a:srgbClr val="FF0000"/>
                 </a:solidFill>
                 <a:latin typeface="標楷體" panose="03000509000000000000" pitchFamily="65" charset="-120"/>
                 <a:ea typeface="標楷體" panose="03000509000000000000" pitchFamily="65" charset="-120"/>
               </a:rPr>
-              <a:t>C</a:t>
+              <a:t>main</a:t>
             </a:r>
             <a:r>
               <a:rPr lang="en-US" altLang="zh-TW" sz="1800" spc="-1" dirty="0" smtClean="0">
@@ -45137,14 +44912,34 @@
               <a:t> </a:t>
             </a:r>
             <a:r>
-              <a:rPr lang="en-US" altLang="zh-TW" sz="1800" spc="-1" dirty="0" smtClean="0">
-                <a:solidFill>
-                  <a:srgbClr val="002060"/>
-                </a:solidFill>
-                <a:latin typeface="標楷體" panose="03000509000000000000" pitchFamily="65" charset="-120"/>
-                <a:ea typeface="標楷體" panose="03000509000000000000" pitchFamily="65" charset="-120"/>
-              </a:rPr>
-              <a:t>branch</a:t>
+              <a:rPr lang="en-US" altLang="zh-TW" sz="1800" spc="-1" dirty="0">
+                <a:solidFill>
+                  <a:srgbClr val="002060"/>
+                </a:solidFill>
+                <a:latin typeface="標楷體" panose="03000509000000000000" pitchFamily="65" charset="-120"/>
+                <a:ea typeface="標楷體" panose="03000509000000000000" pitchFamily="65" charset="-120"/>
+              </a:rPr>
+              <a:t>branch </a:t>
+            </a:r>
+            <a:r>
+              <a:rPr lang="zh-TW" altLang="en-US" sz="1800" spc="-1" dirty="0">
+                <a:solidFill>
+                  <a:srgbClr val="002060"/>
+                </a:solidFill>
+                <a:latin typeface="標楷體" panose="03000509000000000000" pitchFamily="65" charset="-120"/>
+                <a:ea typeface="標楷體" panose="03000509000000000000" pitchFamily="65" charset="-120"/>
+              </a:rPr>
+              <a:t>進行 </a:t>
+            </a:r>
+            <a:r>
+              <a:rPr lang="en-US" altLang="zh-TW" sz="1800" spc="-1" dirty="0">
+                <a:solidFill>
+                  <a:srgbClr val="002060"/>
+                </a:solidFill>
+                <a:latin typeface="標楷體" panose="03000509000000000000" pitchFamily="65" charset="-120"/>
+                <a:ea typeface="標楷體" panose="03000509000000000000" pitchFamily="65" charset="-120"/>
+              </a:rPr>
+              <a:t>UAT</a:t>
             </a:r>
             <a:r>
               <a:rPr lang="zh-TW" altLang="en-US" sz="1800" spc="-1" dirty="0" smtClean="0">
@@ -45154,87 +44949,7 @@
                 <a:latin typeface="標楷體" panose="03000509000000000000" pitchFamily="65" charset="-120"/>
                 <a:ea typeface="標楷體" panose="03000509000000000000" pitchFamily="65" charset="-120"/>
               </a:rPr>
-              <a:t> </a:t>
-            </a:r>
-            <a:r>
-              <a:rPr lang="zh-TW" altLang="en-US" sz="1800" spc="-1" dirty="0" smtClean="0">
-                <a:solidFill>
-                  <a:srgbClr val="002060"/>
-                </a:solidFill>
-                <a:latin typeface="標楷體" panose="03000509000000000000" pitchFamily="65" charset="-120"/>
-                <a:ea typeface="標楷體" panose="03000509000000000000" pitchFamily="65" charset="-120"/>
-              </a:rPr>
-              <a:t>至 </a:t>
-            </a:r>
-            <a:r>
-              <a:rPr lang="en-US" altLang="zh-TW" sz="1800" spc="-1" dirty="0" smtClean="0">
-                <a:solidFill>
-                  <a:srgbClr val="FF0000"/>
-                </a:solidFill>
-                <a:latin typeface="標楷體" panose="03000509000000000000" pitchFamily="65" charset="-120"/>
-                <a:ea typeface="標楷體" panose="03000509000000000000" pitchFamily="65" charset="-120"/>
-              </a:rPr>
-              <a:t>main</a:t>
-            </a:r>
-            <a:r>
-              <a:rPr lang="en-US" altLang="zh-TW" sz="1800" spc="-1" dirty="0" smtClean="0">
-                <a:solidFill>
-                  <a:srgbClr val="002060"/>
-                </a:solidFill>
-                <a:latin typeface="標楷體" panose="03000509000000000000" pitchFamily="65" charset="-120"/>
-                <a:ea typeface="標楷體" panose="03000509000000000000" pitchFamily="65" charset="-120"/>
-              </a:rPr>
-              <a:t> </a:t>
-            </a:r>
-            <a:r>
-              <a:rPr lang="en-US" altLang="zh-TW" sz="1800" spc="-1" dirty="0">
-                <a:solidFill>
-                  <a:srgbClr val="002060"/>
-                </a:solidFill>
-                <a:latin typeface="標楷體" panose="03000509000000000000" pitchFamily="65" charset="-120"/>
-                <a:ea typeface="標楷體" panose="03000509000000000000" pitchFamily="65" charset="-120"/>
-              </a:rPr>
-              <a:t>branch </a:t>
-            </a:r>
-            <a:r>
-              <a:rPr lang="zh-TW" altLang="en-US" sz="1800" spc="-1" dirty="0">
-                <a:solidFill>
-                  <a:srgbClr val="002060"/>
-                </a:solidFill>
-                <a:latin typeface="標楷體" panose="03000509000000000000" pitchFamily="65" charset="-120"/>
-                <a:ea typeface="標楷體" panose="03000509000000000000" pitchFamily="65" charset="-120"/>
-              </a:rPr>
-              <a:t>進行 </a:t>
-            </a:r>
-            <a:r>
-              <a:rPr lang="en-US" altLang="zh-TW" sz="1800" spc="-1" dirty="0">
-                <a:solidFill>
-                  <a:srgbClr val="002060"/>
-                </a:solidFill>
-                <a:latin typeface="標楷體" panose="03000509000000000000" pitchFamily="65" charset="-120"/>
-                <a:ea typeface="標楷體" panose="03000509000000000000" pitchFamily="65" charset="-120"/>
-              </a:rPr>
-              <a:t>UAT</a:t>
-            </a:r>
-            <a:r>
-              <a:rPr lang="zh-TW" altLang="en-US" sz="1800" spc="-1" dirty="0" smtClean="0">
-                <a:solidFill>
-                  <a:srgbClr val="002060"/>
-                </a:solidFill>
-                <a:latin typeface="標楷體" panose="03000509000000000000" pitchFamily="65" charset="-120"/>
-                <a:ea typeface="標楷體" panose="03000509000000000000" pitchFamily="65" charset="-120"/>
-              </a:rPr>
-              <a:t> 再次</a:t>
-            </a:r>
-            <a:r>
-              <a:rPr lang="zh-TW" altLang="en-US" sz="1800" spc="-1" dirty="0" smtClean="0">
-                <a:solidFill>
-                  <a:srgbClr val="002060"/>
-                </a:solidFill>
-                <a:latin typeface="標楷體" panose="03000509000000000000" pitchFamily="65" charset="-120"/>
-                <a:ea typeface="標楷體" panose="03000509000000000000" pitchFamily="65" charset="-120"/>
-              </a:rPr>
-              <a:t>測試 </a:t>
+              <a:t> 再次測試 </a:t>
             </a:r>
             <a:r>
               <a:rPr lang="en-US" altLang="zh-TW" sz="1800" spc="-1" dirty="0" smtClean="0">
@@ -45928,32 +45643,17 @@
                 </a:solidFill>
                 <a:latin typeface="Arial"/>
               </a:rPr>
-              <a:t>Issue </a:t>
-            </a:r>
-            <a:r>
-              <a:rPr lang="en-US" altLang="zh-TW" sz="1600" spc="-1" dirty="0" smtClean="0">
+              <a:t>Issue C</a:t>
+            </a:r>
+            <a:r>
+              <a:rPr lang="en-US" altLang="zh-TW" sz="1600" b="0" strike="noStrike" spc="-1" dirty="0" smtClean="0">
                 <a:solidFill>
                   <a:schemeClr val="dk1"/>
                 </a:solidFill>
                 <a:latin typeface="Arial"/>
               </a:rPr>
-              <a:t>C</a:t>
-            </a:r>
-            <a:r>
-              <a:rPr lang="en-US" altLang="zh-TW" sz="1600" b="0" strike="noStrike" spc="-1" dirty="0" smtClean="0">
-                <a:solidFill>
-                  <a:schemeClr val="dk1"/>
-                </a:solidFill>
-                <a:latin typeface="Arial"/>
-              </a:rPr>
               <a:t> </a:t>
             </a:r>
-            <a:endParaRPr lang="en-US" altLang="zh-TW" sz="1600" b="0" strike="noStrike" spc="-1" dirty="0" smtClean="0">
-              <a:solidFill>
-                <a:schemeClr val="dk1"/>
-              </a:solidFill>
-              <a:latin typeface="Arial"/>
-            </a:endParaRPr>
           </a:p>
         </p:txBody>
       </p:sp>
@@ -46243,12 +45943,6 @@
               </a:rPr>
               <a:t> </a:t>
             </a:r>
-            <a:endParaRPr lang="en-US" altLang="zh-TW" sz="1600" b="0" strike="noStrike" spc="-1" dirty="0" smtClean="0">
-              <a:solidFill>
-                <a:schemeClr val="dk1"/>
-              </a:solidFill>
-              <a:latin typeface="Arial"/>
-            </a:endParaRPr>
           </a:p>
         </p:txBody>
       </p:sp>
@@ -46753,32 +46447,17 @@
                 </a:solidFill>
                 <a:latin typeface="Arial"/>
               </a:rPr>
-              <a:t>Issue </a:t>
-            </a:r>
-            <a:r>
-              <a:rPr lang="en-US" altLang="zh-TW" sz="1600" spc="-1" dirty="0" smtClean="0">
+              <a:t>Issue A</a:t>
+            </a:r>
+            <a:r>
+              <a:rPr lang="en-US" altLang="zh-TW" sz="1600" b="0" strike="noStrike" spc="-1" dirty="0" smtClean="0">
                 <a:solidFill>
                   <a:schemeClr val="dk1"/>
                 </a:solidFill>
                 <a:latin typeface="Arial"/>
               </a:rPr>
-              <a:t>A</a:t>
-            </a:r>
-            <a:r>
-              <a:rPr lang="en-US" altLang="zh-TW" sz="1600" b="0" strike="noStrike" spc="-1" dirty="0" smtClean="0">
-                <a:solidFill>
-                  <a:schemeClr val="dk1"/>
-                </a:solidFill>
-                <a:latin typeface="Arial"/>
-              </a:rPr>
               <a:t> </a:t>
             </a:r>
-            <a:endParaRPr lang="en-US" altLang="zh-TW" sz="1600" b="0" strike="noStrike" spc="-1" dirty="0" smtClean="0">
-              <a:solidFill>
-                <a:schemeClr val="dk1"/>
-              </a:solidFill>
-              <a:latin typeface="Arial"/>
-            </a:endParaRPr>
           </a:p>
         </p:txBody>
       </p:sp>
@@ -46969,12 +46648,6 @@
               </a:rPr>
               <a:t> </a:t>
             </a:r>
-            <a:endParaRPr lang="en-US" altLang="zh-TW" sz="1600" b="0" strike="noStrike" spc="-1" dirty="0" smtClean="0">
-              <a:solidFill>
-                <a:schemeClr val="dk1"/>
-              </a:solidFill>
-              <a:latin typeface="Arial"/>
-            </a:endParaRPr>
           </a:p>
         </p:txBody>
       </p:sp>
@@ -47495,7 +47168,7 @@
     <mc:Choice Requires="p14">
       <p:transition spd="slow" p14:dur="2000"/>
     </mc:Choice>
-    <mc:Fallback xmlns:p15="http://schemas.microsoft.com/office/powerpoint/2012/main" xmlns="">
+    <mc:Fallback xmlns="" xmlns:p15="http://schemas.microsoft.com/office/powerpoint/2012/main">
       <p:transition spd="slow"/>
     </mc:Fallback>
   </mc:AlternateContent>
@@ -47799,7 +47472,7 @@
     <mc:Choice Requires="p14">
       <p:transition spd="slow" p14:dur="2000"/>
     </mc:Choice>
-    <mc:Fallback xmlns:p15="http://schemas.microsoft.com/office/powerpoint/2012/main" xmlns="">
+    <mc:Fallback xmlns="" xmlns:p15="http://schemas.microsoft.com/office/powerpoint/2012/main">
       <p:transition spd="slow"/>
     </mc:Fallback>
   </mc:AlternateContent>
@@ -48194,7 +47867,7 @@
     <mc:Choice Requires="p14">
       <p:transition spd="slow" p14:dur="2000"/>
     </mc:Choice>
-    <mc:Fallback xmlns:p15="http://schemas.microsoft.com/office/powerpoint/2012/main" xmlns="">
+    <mc:Fallback xmlns="" xmlns:p15="http://schemas.microsoft.com/office/powerpoint/2012/main">
       <p:transition spd="slow"/>
     </mc:Fallback>
   </mc:AlternateContent>
